--- a/docs/Презентация v0.9.pptx
+++ b/docs/Презентация v0.9.pptx
@@ -257,7 +257,7 @@
           <a:p>
             <a:fld id="{2F7BDC20-999D-4259-B6C3-F40ECC5C4406}" type="datetimeFigureOut">
               <a:rPr lang="ru-RU" smtClean="0"/>
-              <a:t>17.12.2017</a:t>
+              <a:t>20.12.2017</a:t>
             </a:fld>
             <a:endParaRPr lang="ru-RU"/>
           </a:p>
@@ -1796,7 +1796,7 @@
           <a:p>
             <a:fld id="{79CFADE9-FF2A-4FAE-8AFA-A6F5AE605187}" type="datetime1">
               <a:rPr lang="ru-RU" smtClean="0"/>
-              <a:t>17.12.2017</a:t>
+              <a:t>20.12.2017</a:t>
             </a:fld>
             <a:endParaRPr lang="ru-RU"/>
           </a:p>
@@ -1966,7 +1966,7 @@
           <a:p>
             <a:fld id="{8F982AEC-E365-4CCD-BC0F-5313038E0927}" type="datetime1">
               <a:rPr lang="ru-RU" smtClean="0"/>
-              <a:t>17.12.2017</a:t>
+              <a:t>20.12.2017</a:t>
             </a:fld>
             <a:endParaRPr lang="ru-RU"/>
           </a:p>
@@ -2146,7 +2146,7 @@
           <a:p>
             <a:fld id="{38864601-6BAA-4E1D-A5D7-7B0867CDDF66}" type="datetime1">
               <a:rPr lang="ru-RU" smtClean="0"/>
-              <a:t>17.12.2017</a:t>
+              <a:t>20.12.2017</a:t>
             </a:fld>
             <a:endParaRPr lang="ru-RU"/>
           </a:p>
@@ -2316,7 +2316,7 @@
           <a:p>
             <a:fld id="{CAF71018-6EBF-40EE-9984-DC2D2274B6EF}" type="datetime1">
               <a:rPr lang="ru-RU" smtClean="0"/>
-              <a:t>17.12.2017</a:t>
+              <a:t>20.12.2017</a:t>
             </a:fld>
             <a:endParaRPr lang="ru-RU"/>
           </a:p>
@@ -2562,7 +2562,7 @@
           <a:p>
             <a:fld id="{6B766E40-7F19-45A7-AFE3-AD6EAF55C0DD}" type="datetime1">
               <a:rPr lang="ru-RU" smtClean="0"/>
-              <a:t>17.12.2017</a:t>
+              <a:t>20.12.2017</a:t>
             </a:fld>
             <a:endParaRPr lang="ru-RU"/>
           </a:p>
@@ -2794,7 +2794,7 @@
           <a:p>
             <a:fld id="{5C0F2458-4C93-4E25-8E34-87E23EE7C8CE}" type="datetime1">
               <a:rPr lang="ru-RU" smtClean="0"/>
-              <a:t>17.12.2017</a:t>
+              <a:t>20.12.2017</a:t>
             </a:fld>
             <a:endParaRPr lang="ru-RU"/>
           </a:p>
@@ -3161,7 +3161,7 @@
           <a:p>
             <a:fld id="{C9AAF2B6-BB50-4E71-9679-83EA93217DD4}" type="datetime1">
               <a:rPr lang="ru-RU" smtClean="0"/>
-              <a:t>17.12.2017</a:t>
+              <a:t>20.12.2017</a:t>
             </a:fld>
             <a:endParaRPr lang="ru-RU"/>
           </a:p>
@@ -3279,7 +3279,7 @@
           <a:p>
             <a:fld id="{F44F415F-912D-4181-ADD3-2E97B41F5BA3}" type="datetime1">
               <a:rPr lang="ru-RU" smtClean="0"/>
-              <a:t>17.12.2017</a:t>
+              <a:t>20.12.2017</a:t>
             </a:fld>
             <a:endParaRPr lang="ru-RU"/>
           </a:p>
@@ -3374,7 +3374,7 @@
           <a:p>
             <a:fld id="{CF1D8B0F-0C2B-49B2-9FD3-B073E7332BCA}" type="datetime1">
               <a:rPr lang="ru-RU" smtClean="0"/>
-              <a:t>17.12.2017</a:t>
+              <a:t>20.12.2017</a:t>
             </a:fld>
             <a:endParaRPr lang="ru-RU"/>
           </a:p>
@@ -3651,7 +3651,7 @@
           <a:p>
             <a:fld id="{8A99040C-12A9-414A-9B1A-63BD8F2F1AC2}" type="datetime1">
               <a:rPr lang="ru-RU" smtClean="0"/>
-              <a:t>17.12.2017</a:t>
+              <a:t>20.12.2017</a:t>
             </a:fld>
             <a:endParaRPr lang="ru-RU"/>
           </a:p>
@@ -3904,7 +3904,7 @@
           <a:p>
             <a:fld id="{6620461E-09D4-4DC8-9E9F-2F7F6F24987E}" type="datetime1">
               <a:rPr lang="ru-RU" smtClean="0"/>
-              <a:t>17.12.2017</a:t>
+              <a:t>20.12.2017</a:t>
             </a:fld>
             <a:endParaRPr lang="ru-RU"/>
           </a:p>
@@ -4117,7 +4117,7 @@
           <a:p>
             <a:fld id="{16B0AB04-008B-420E-A0B7-26FA7A461D78}" type="datetime1">
               <a:rPr lang="ru-RU" smtClean="0"/>
-              <a:t>17.12.2017</a:t>
+              <a:t>20.12.2017</a:t>
             </a:fld>
             <a:endParaRPr lang="ru-RU"/>
           </a:p>
@@ -4707,7 +4707,7 @@
         </p:nvSpPr>
         <p:spPr>
           <a:xfrm>
-            <a:off x="792480" y="1522290"/>
+            <a:off x="595411" y="1522290"/>
             <a:ext cx="6787436" cy="523220"/>
           </a:xfrm>
           <a:prstGeom prst="rect">
@@ -4726,8 +4726,8 @@
               <a:buChar char="•"/>
             </a:pPr>
             <a:r>
-              <a:rPr lang="ru-RU" sz="2800" dirty="0" smtClean="0"/>
-              <a:t>Неориентированный помеченный граф.</a:t>
+              <a:rPr lang="ru-RU" sz="2800" dirty="0"/>
+              <a:t>Неориентированный помеченный граф</a:t>
             </a:r>
             <a:endParaRPr lang="ru-RU" sz="2800" dirty="0"/>
           </a:p>
@@ -4741,8 +4741,8 @@
         </p:nvSpPr>
         <p:spPr>
           <a:xfrm>
-            <a:off x="792480" y="3584392"/>
-            <a:ext cx="10096225" cy="1815882"/>
+            <a:off x="792481" y="3584392"/>
+            <a:ext cx="10054196" cy="1815882"/>
           </a:xfrm>
           <a:prstGeom prst="rect">
             <a:avLst/>
@@ -4750,7 +4750,7 @@
           <a:noFill/>
         </p:spPr>
         <p:txBody>
-          <a:bodyPr wrap="none" rtlCol="0">
+          <a:bodyPr wrap="square" rtlCol="0">
             <a:spAutoFit/>
           </a:bodyPr>
           <a:lstStyle/>
@@ -4761,13 +4761,11 @@
             </a:pPr>
             <a:r>
               <a:rPr lang="ru-RU" sz="2800" dirty="0" smtClean="0"/>
-              <a:t>Индексы регулярной сетки определенной размерности</a:t>
-            </a:r>
-          </a:p>
-          <a:p>
+              <a:t>Индексы регулярной сетки определенной </a:t>
+            </a:r>
             <a:r>
               <a:rPr lang="ru-RU" sz="2800" dirty="0" smtClean="0"/>
-              <a:t>для </a:t>
+              <a:t>размерности для </a:t>
             </a:r>
             <a:r>
               <a:rPr lang="ru-RU" sz="2800" dirty="0"/>
@@ -4785,10 +4783,12 @@
             </a:pPr>
             <a:r>
               <a:rPr lang="ru-RU" sz="2800" dirty="0" smtClean="0"/>
-              <a:t>Сообщение об ошибке, если не удалось найти подходящие </a:t>
-            </a:r>
-          </a:p>
-          <a:p>
+              <a:t>Сообщение </a:t>
+            </a:r>
+            <a:r>
+              <a:rPr lang="ru-RU" sz="2800" dirty="0" smtClean="0"/>
+              <a:t>об ошибке, если не удалось найти подходящие </a:t>
+            </a:r>
             <a:r>
               <a:rPr lang="ru-RU" sz="2800" dirty="0" smtClean="0"/>
               <a:t>индексы</a:t>
@@ -4995,8 +4995,8 @@
           <a:chExt cx="0" cy="0"/>
         </a:xfrm>
       </p:grpSpPr>
-      <mc:AlternateContent xmlns:mc="http://schemas.openxmlformats.org/markup-compatibility/2006" xmlns:a14="http://schemas.microsoft.com/office/drawing/2010/main">
-        <mc:Choice Requires="a14">
+      <mc:AlternateContent xmlns:mc="http://schemas.openxmlformats.org/markup-compatibility/2006">
+        <mc:Choice xmlns:a14="http://schemas.microsoft.com/office/drawing/2010/main" Requires="a14">
           <p:sp>
             <p:nvSpPr>
               <p:cNvPr id="4" name="Прямоугольник 3"/>
@@ -5006,7 +5006,7 @@
             <p:spPr>
               <a:xfrm>
                 <a:off x="485777" y="1217901"/>
-                <a:ext cx="11329986" cy="2584105"/>
+                <a:ext cx="11329986" cy="2153218"/>
               </a:xfrm>
               <a:prstGeom prst="rect">
                 <a:avLst/>
@@ -5018,19 +5018,42 @@
               </a:bodyPr>
               <a:lstStyle/>
               <a:p>
+                <a:pPr marL="457200" indent="-457200">
+                  <a:buFont typeface="Arial" panose="020B0604020202020204" pitchFamily="34" charset="0"/>
+                  <a:buChar char="•"/>
+                </a:pPr>
                 <a:r>
                   <a:rPr lang="ru-RU" sz="2800" dirty="0" smtClean="0">
                     <a:solidFill>
                       <a:srgbClr val="000000"/>
                     </a:solidFill>
                   </a:rPr>
-                  <a:t>· Неориентированный помеченный граф G = (V, E), заданный матрицей смежности: </a:t>
+                  <a:t>Неориентированный </a:t>
                 </a:r>
-                <a:endParaRPr lang="en-US" sz="2800" i="1" dirty="0" smtClean="0">
-                  <a:latin typeface="Cambria Math" panose="02040503050406030204" pitchFamily="18" charset="0"/>
-                </a:endParaRPr>
-              </a:p>
-              <a:p>
+                <a:r>
+                  <a:rPr lang="ru-RU" sz="2800" dirty="0" smtClean="0">
+                    <a:solidFill>
+                      <a:srgbClr val="000000"/>
+                    </a:solidFill>
+                  </a:rPr>
+                  <a:t>помеченный граф G = (V, E), заданный </a:t>
+                </a:r>
+                <a:r>
+                  <a:rPr lang="ru-RU" sz="2800" dirty="0" smtClean="0">
+                    <a:solidFill>
+                      <a:srgbClr val="000000"/>
+                    </a:solidFill>
+                  </a:rPr>
+                  <a:t>матрицей смежности</a:t>
+                </a:r>
+                <a:r>
+                  <a:rPr lang="ru-RU" sz="2800" dirty="0" smtClean="0">
+                    <a:solidFill>
+                      <a:srgbClr val="000000"/>
+                    </a:solidFill>
+                  </a:rPr>
+                  <a:t>: </a:t>
+                </a:r>
                 <a14:m>
                   <m:oMath xmlns:m="http://schemas.openxmlformats.org/officeDocument/2006/math">
                     <m:r>
@@ -5391,7 +5414,7 @@
             </p:txBody>
           </p:sp>
         </mc:Choice>
-        <mc:Fallback xmlns="">
+        <mc:Fallback>
           <p:sp>
             <p:nvSpPr>
               <p:cNvPr id="4" name="Прямоугольник 3"/>
@@ -5403,15 +5426,15 @@
             <p:spPr>
               <a:xfrm>
                 <a:off x="485777" y="1217901"/>
-                <a:ext cx="11329986" cy="2584105"/>
+                <a:ext cx="11329986" cy="2153218"/>
               </a:xfrm>
               <a:prstGeom prst="rect">
                 <a:avLst/>
               </a:prstGeom>
-              <a:blipFill>
+              <a:blipFill rotWithShape="0">
                 <a:blip r:embed="rId2"/>
                 <a:stretch>
-                  <a:fillRect l="-1130" t="-2358" b="-5896"/>
+                  <a:fillRect l="-969" t="-2833" r="-1023" b="-7365"/>
                 </a:stretch>
               </a:blipFill>
             </p:spPr>
@@ -5491,8 +5514,8 @@
           </a:p>
         </p:txBody>
       </p:sp>
-      <mc:AlternateContent xmlns:mc="http://schemas.openxmlformats.org/markup-compatibility/2006" xmlns:a14="http://schemas.microsoft.com/office/drawing/2010/main">
-        <mc:Choice Requires="a14">
+      <mc:AlternateContent xmlns:mc="http://schemas.openxmlformats.org/markup-compatibility/2006">
+        <mc:Choice xmlns:a14="http://schemas.microsoft.com/office/drawing/2010/main" Requires="a14">
           <p:sp>
             <p:nvSpPr>
               <p:cNvPr id="6" name="Прямоугольник 5"/>
@@ -5502,7 +5525,7 @@
             <p:spPr>
               <a:xfrm>
                 <a:off x="457201" y="4534132"/>
-                <a:ext cx="11329986" cy="1776448"/>
+                <a:ext cx="11329986" cy="2208233"/>
               </a:xfrm>
               <a:prstGeom prst="rect">
                 <a:avLst/>
@@ -5514,13 +5537,17 @@
               </a:bodyPr>
               <a:lstStyle/>
               <a:p>
+                <a:pPr marL="457200" indent="-457200">
+                  <a:buFont typeface="Arial" panose="020B0604020202020204" pitchFamily="34" charset="0"/>
+                  <a:buChar char="•"/>
+                </a:pPr>
                 <a:r>
                   <a:rPr lang="ru-RU" sz="2800" dirty="0" smtClean="0">
                     <a:solidFill>
                       <a:srgbClr val="000000"/>
                     </a:solidFill>
                   </a:rPr>
-                  <a:t>· </a:t>
+                  <a:t> </a:t>
                 </a:r>
                 <a14:m>
                   <m:oMath xmlns:m="http://schemas.openxmlformats.org/officeDocument/2006/math">
@@ -6026,7 +6053,7 @@
             </p:txBody>
           </p:sp>
         </mc:Choice>
-        <mc:Fallback xmlns="">
+        <mc:Fallback>
           <p:sp>
             <p:nvSpPr>
               <p:cNvPr id="6" name="Прямоугольник 5"/>
@@ -6038,15 +6065,15 @@
             <p:spPr>
               <a:xfrm>
                 <a:off x="457201" y="4534132"/>
-                <a:ext cx="11329986" cy="1776448"/>
+                <a:ext cx="11329986" cy="2208233"/>
               </a:xfrm>
               <a:prstGeom prst="rect">
                 <a:avLst/>
               </a:prstGeom>
-              <a:blipFill>
+              <a:blipFill rotWithShape="0">
                 <a:blip r:embed="rId3"/>
                 <a:stretch>
-                  <a:fillRect l="-1076" b="-7216"/>
+                  <a:fillRect l="-968"/>
                 </a:stretch>
               </a:blipFill>
             </p:spPr>
@@ -6194,8 +6221,8 @@
           <a:chExt cx="0" cy="0"/>
         </a:xfrm>
       </p:grpSpPr>
-      <mc:AlternateContent xmlns:mc="http://schemas.openxmlformats.org/markup-compatibility/2006" xmlns:a14="http://schemas.microsoft.com/office/drawing/2010/main">
-        <mc:Choice Requires="a14">
+      <mc:AlternateContent xmlns:mc="http://schemas.openxmlformats.org/markup-compatibility/2006">
+        <mc:Choice xmlns:a14="http://schemas.microsoft.com/office/drawing/2010/main" Requires="a14">
           <p:sp>
             <p:nvSpPr>
               <p:cNvPr id="4" name="Прямоугольник 3"/>
@@ -6205,7 +6232,7 @@
             <p:spPr>
               <a:xfrm>
                 <a:off x="485777" y="1217901"/>
-                <a:ext cx="11329986" cy="1138773"/>
+                <a:ext cx="11329986" cy="1019638"/>
               </a:xfrm>
               <a:prstGeom prst="rect">
                 <a:avLst/>
@@ -6217,13 +6244,17 @@
               </a:bodyPr>
               <a:lstStyle/>
               <a:p>
+                <a:pPr marL="457200" indent="-457200">
+                  <a:buFont typeface="Arial" panose="020B0604020202020204" pitchFamily="34" charset="0"/>
+                  <a:buChar char="•"/>
+                </a:pPr>
                 <a:r>
-                  <a:rPr lang="ru-RU" sz="2800" dirty="0">
+                  <a:rPr lang="ru-RU" sz="2800" dirty="0" smtClean="0">
                     <a:solidFill>
                       <a:srgbClr val="000000"/>
                     </a:solidFill>
                   </a:rPr>
-                  <a:t>· Граф </a:t>
+                  <a:t>Граф </a:t>
                 </a:r>
                 <a:r>
                   <a:rPr lang="en-US" sz="2800" dirty="0">
@@ -6248,22 +6279,10 @@
                 </a:endParaRPr>
               </a:p>
               <a:p>
-                <a:r>
-                  <a:rPr lang="ru-RU" sz="2800" dirty="0">
-                    <a:solidFill>
-                      <a:srgbClr val="000000"/>
-                    </a:solidFill>
-                  </a:rPr>
-                  <a:t>·</a:t>
-                </a:r>
-                <a:r>
-                  <a:rPr lang="ru-RU" sz="4000" dirty="0">
-                    <a:solidFill>
-                      <a:srgbClr val="000000"/>
-                    </a:solidFill>
-                  </a:rPr>
-                  <a:t> </a:t>
-                </a:r>
+                <a:pPr marL="457200" indent="-457200">
+                  <a:buFont typeface="Arial" panose="020B0604020202020204" pitchFamily="34" charset="0"/>
+                  <a:buChar char="•"/>
+                </a:pPr>
                 <a14:m>
                   <m:oMath xmlns:m="http://schemas.openxmlformats.org/officeDocument/2006/math">
                     <m:r>
@@ -6533,7 +6552,7 @@
             </p:txBody>
           </p:sp>
         </mc:Choice>
-        <mc:Fallback xmlns="">
+        <mc:Fallback>
           <p:sp>
             <p:nvSpPr>
               <p:cNvPr id="4" name="Прямоугольник 3"/>
@@ -6545,15 +6564,15 @@
             <p:spPr>
               <a:xfrm>
                 <a:off x="485777" y="1217901"/>
-                <a:ext cx="11329986" cy="1138773"/>
+                <a:ext cx="11329986" cy="1019638"/>
               </a:xfrm>
               <a:prstGeom prst="rect">
                 <a:avLst/>
               </a:prstGeom>
-              <a:blipFill>
+              <a:blipFill rotWithShape="0">
                 <a:blip r:embed="rId2"/>
                 <a:stretch>
-                  <a:fillRect l="-1130" t="-5348" b="-10695"/>
+                  <a:fillRect l="-969" t="-5988"/>
                 </a:stretch>
               </a:blipFill>
             </p:spPr>
@@ -6633,8 +6652,8 @@
           </a:p>
         </p:txBody>
       </p:sp>
-      <mc:AlternateContent xmlns:mc="http://schemas.openxmlformats.org/markup-compatibility/2006">
-        <mc:Choice xmlns:a14="http://schemas.microsoft.com/office/drawing/2010/main" Requires="a14">
+      <mc:AlternateContent xmlns:mc="http://schemas.openxmlformats.org/markup-compatibility/2006" xmlns:a14="http://schemas.microsoft.com/office/drawing/2010/main">
+        <mc:Choice Requires="a14">
           <p:sp>
             <p:nvSpPr>
               <p:cNvPr id="6" name="Прямоугольник 5"/>
@@ -7101,7 +7120,7 @@
             </p:txBody>
           </p:sp>
         </mc:Choice>
-        <mc:Fallback>
+        <mc:Fallback xmlns="">
           <p:sp>
             <p:nvSpPr>
               <p:cNvPr id="6" name="Прямоугольник 5"/>
@@ -7201,8 +7220,8 @@
           </a:p>
         </p:txBody>
       </p:sp>
-      <mc:AlternateContent xmlns:mc="http://schemas.openxmlformats.org/markup-compatibility/2006">
-        <mc:Choice xmlns:a14="http://schemas.microsoft.com/office/drawing/2010/main" Requires="a14">
+      <mc:AlternateContent xmlns:mc="http://schemas.openxmlformats.org/markup-compatibility/2006" xmlns:a14="http://schemas.microsoft.com/office/drawing/2010/main">
+        <mc:Choice Requires="a14">
           <p:sp>
             <p:nvSpPr>
               <p:cNvPr id="8" name="Прямоугольник 7"/>
@@ -7299,7 +7318,7 @@
             </p:txBody>
           </p:sp>
         </mc:Choice>
-        <mc:Fallback>
+        <mc:Fallback xmlns="">
           <p:sp>
             <p:nvSpPr>
               <p:cNvPr id="8" name="Прямоугольник 7"/>
@@ -11283,11 +11302,11 @@
             </a:r>
             <a:r>
               <a:rPr lang="ru-RU" sz="2800" dirty="0"/>
-              <a:t>нумеруем нулевыми значениями</a:t>
+              <a:t>нумеруем нулевыми </a:t>
             </a:r>
             <a:r>
               <a:rPr lang="ru-RU" sz="2800" dirty="0" smtClean="0"/>
-              <a:t>.</a:t>
+              <a:t>значениями</a:t>
             </a:r>
             <a:endParaRPr lang="ru-RU" sz="2800" dirty="0">
               <a:latin typeface="Calibri" panose="020F0502020204030204" pitchFamily="34" charset="0"/>
@@ -11564,7 +11583,14 @@
                 <a:ea typeface="Calibri" panose="020F0502020204030204" pitchFamily="34" charset="0"/>
                 <a:cs typeface="Times New Roman" panose="02020603050405020304" pitchFamily="18" charset="0"/>
               </a:rPr>
-              <a:t>по очереди. </a:t>
+              <a:t>по </a:t>
+            </a:r>
+            <a:r>
+              <a:rPr lang="ru-RU" sz="2800" dirty="0" smtClean="0">
+                <a:ea typeface="Calibri" panose="020F0502020204030204" pitchFamily="34" charset="0"/>
+                <a:cs typeface="Times New Roman" panose="02020603050405020304" pitchFamily="18" charset="0"/>
+              </a:rPr>
+              <a:t>очереди </a:t>
             </a:r>
             <a:endParaRPr lang="ru-RU" sz="2800" dirty="0" smtClean="0">
               <a:ea typeface="Calibri" panose="020F0502020204030204" pitchFamily="34" charset="0"/>
@@ -11591,7 +11617,14 @@
                 <a:ea typeface="Calibri" panose="020F0502020204030204" pitchFamily="34" charset="0"/>
                 <a:cs typeface="Times New Roman" panose="02020603050405020304" pitchFamily="18" charset="0"/>
               </a:rPr>
-              <a:t>дальнейшая нумерация не удалась, то пробуем поменять координаты вершин местами и запустить нумерацию заново. </a:t>
+              <a:t>дальнейшая нумерация не удалась, то пробуем поменять координаты вершин местами и запустить нумерацию </a:t>
+            </a:r>
+            <a:r>
+              <a:rPr lang="ru-RU" sz="2800" dirty="0" smtClean="0">
+                <a:ea typeface="Calibri" panose="020F0502020204030204" pitchFamily="34" charset="0"/>
+                <a:cs typeface="Times New Roman" panose="02020603050405020304" pitchFamily="18" charset="0"/>
+              </a:rPr>
+              <a:t>заново</a:t>
             </a:r>
             <a:endParaRPr lang="ru-RU" sz="2800" dirty="0" smtClean="0">
               <a:ea typeface="Calibri" panose="020F0502020204030204" pitchFamily="34" charset="0"/>
@@ -11642,22 +11675,11 @@
               <a:t>вариантов нумераций </a:t>
             </a:r>
             <a:r>
-              <a:rPr lang="en-US" sz="2800" i="1" dirty="0">
+              <a:rPr lang="en-US" sz="2800" i="1" dirty="0" smtClean="0">
                 <a:ea typeface="Calibri" panose="020F0502020204030204" pitchFamily="34" charset="0"/>
                 <a:cs typeface="Times New Roman" panose="02020603050405020304" pitchFamily="18" charset="0"/>
               </a:rPr>
               <a:t>P</a:t>
-            </a:r>
-            <a:r>
-              <a:rPr lang="ru-RU" sz="2800" dirty="0" smtClean="0">
-                <a:ea typeface="Calibri" panose="020F0502020204030204" pitchFamily="34" charset="0"/>
-                <a:cs typeface="Times New Roman" panose="02020603050405020304" pitchFamily="18" charset="0"/>
-              </a:rPr>
-              <a:t>.</a:t>
-            </a:r>
-            <a:r>
-              <a:rPr lang="ru-RU" sz="2800" dirty="0" smtClean="0"/>
-              <a:t> </a:t>
             </a:r>
             <a:endParaRPr lang="ru-RU" sz="2800" dirty="0">
               <a:ea typeface="Calibri" panose="020F0502020204030204" pitchFamily="34" charset="0"/>
@@ -11903,8 +11925,9 @@
             </a:r>
             <a:r>
               <a:rPr lang="ru-RU" sz="2800" dirty="0" smtClean="0"/>
-              <a:t>очереди.</a:t>
-            </a:r>
+              <a:t>очереди</a:t>
+            </a:r>
+            <a:endParaRPr lang="ru-RU" sz="2800" dirty="0" smtClean="0"/>
           </a:p>
           <a:p>
             <a:pPr marL="457200" indent="-457200">
@@ -11924,8 +11947,13 @@
             </a:pPr>
             <a:r>
               <a:rPr lang="ru-RU" sz="2800" dirty="0"/>
-              <a:t>Два и более соседей имеют индекс.</a:t>
-            </a:r>
+              <a:t>Два и более соседей имеют </a:t>
+            </a:r>
+            <a:r>
+              <a:rPr lang="ru-RU" sz="2800" dirty="0" smtClean="0"/>
+              <a:t>индекс</a:t>
+            </a:r>
+            <a:endParaRPr lang="ru-RU" sz="2800" dirty="0"/>
           </a:p>
           <a:p>
             <a:pPr marL="914400" lvl="1" indent="-457200">
@@ -11934,11 +11962,11 @@
             </a:pPr>
             <a:r>
               <a:rPr lang="ru-RU" sz="2800" dirty="0"/>
-              <a:t>Один из соседей не имеет непронумерованных соседей кроме текущей вершины</a:t>
+              <a:t>Один из соседей не имеет непронумерованных соседей кроме текущей </a:t>
             </a:r>
             <a:r>
               <a:rPr lang="ru-RU" sz="2800" dirty="0" smtClean="0"/>
-              <a:t>.</a:t>
+              <a:t>вершины</a:t>
             </a:r>
             <a:endParaRPr lang="ru-RU" sz="2800" dirty="0"/>
           </a:p>
@@ -12188,8 +12216,13 @@
             </a:pPr>
             <a:r>
               <a:rPr lang="ru-RU" sz="2800" dirty="0"/>
-              <a:t>Ставим один из возможных индексов.</a:t>
-            </a:r>
+              <a:t>Ставим один из возможных </a:t>
+            </a:r>
+            <a:r>
+              <a:rPr lang="ru-RU" sz="2800" dirty="0" smtClean="0"/>
+              <a:t>индексов</a:t>
+            </a:r>
+            <a:endParaRPr lang="ru-RU" sz="2800" dirty="0"/>
           </a:p>
           <a:p>
             <a:pPr marL="914400" lvl="1" indent="-457200">
@@ -12206,11 +12239,11 @@
             </a:r>
             <a:r>
               <a:rPr lang="ru-RU" sz="2800" dirty="0"/>
-              <a:t>для смежных вершин</a:t>
+              <a:t>для смежных </a:t>
             </a:r>
             <a:r>
               <a:rPr lang="ru-RU" sz="2800" dirty="0" smtClean="0"/>
-              <a:t>.</a:t>
+              <a:t>вершин</a:t>
             </a:r>
             <a:endParaRPr lang="ru-RU" sz="2800" dirty="0"/>
           </a:p>
@@ -13055,11 +13088,11 @@
             </a:r>
             <a:r>
               <a:rPr lang="ru-RU" sz="2800" dirty="0"/>
-              <a:t>нумеруем нулевыми значениями</a:t>
+              <a:t>нумеруем нулевыми </a:t>
             </a:r>
             <a:r>
               <a:rPr lang="ru-RU" sz="2800" dirty="0" smtClean="0"/>
-              <a:t>.</a:t>
+              <a:t>значениями</a:t>
             </a:r>
             <a:endParaRPr lang="ru-RU" sz="2800" dirty="0">
               <a:latin typeface="Calibri" panose="020F0502020204030204" pitchFamily="34" charset="0"/>
@@ -13435,7 +13468,14 @@
                 <a:ea typeface="Calibri" panose="020F0502020204030204" pitchFamily="34" charset="0"/>
                 <a:cs typeface="Times New Roman" panose="02020603050405020304" pitchFamily="18" charset="0"/>
               </a:rPr>
-              <a:t>по очереди. </a:t>
+              <a:t>по </a:t>
+            </a:r>
+            <a:r>
+              <a:rPr lang="ru-RU" sz="2800" dirty="0" smtClean="0">
+                <a:ea typeface="Calibri" panose="020F0502020204030204" pitchFamily="34" charset="0"/>
+                <a:cs typeface="Times New Roman" panose="02020603050405020304" pitchFamily="18" charset="0"/>
+              </a:rPr>
+              <a:t>очереди </a:t>
             </a:r>
             <a:endParaRPr lang="ru-RU" sz="2800" dirty="0" smtClean="0">
               <a:ea typeface="Calibri" panose="020F0502020204030204" pitchFamily="34" charset="0"/>
@@ -13462,7 +13502,14 @@
                 <a:ea typeface="Calibri" panose="020F0502020204030204" pitchFamily="34" charset="0"/>
                 <a:cs typeface="Times New Roman" panose="02020603050405020304" pitchFamily="18" charset="0"/>
               </a:rPr>
-              <a:t>дальнейшая нумерация не удалась, то пробуем поменять координаты вершин местами и запустить нумерацию заново. </a:t>
+              <a:t>дальнейшая нумерация не удалась, то пробуем поменять координаты вершин местами и запустить нумерацию </a:t>
+            </a:r>
+            <a:r>
+              <a:rPr lang="ru-RU" sz="2800" dirty="0" smtClean="0">
+                <a:ea typeface="Calibri" panose="020F0502020204030204" pitchFamily="34" charset="0"/>
+                <a:cs typeface="Times New Roman" panose="02020603050405020304" pitchFamily="18" charset="0"/>
+              </a:rPr>
+              <a:t>заново </a:t>
             </a:r>
             <a:endParaRPr lang="ru-RU" sz="2800" dirty="0" smtClean="0">
               <a:ea typeface="Calibri" panose="020F0502020204030204" pitchFamily="34" charset="0"/>
@@ -13513,18 +13560,11 @@
               <a:t>вариантов нумераций </a:t>
             </a:r>
             <a:r>
-              <a:rPr lang="en-US" sz="2800" i="1" dirty="0">
+              <a:rPr lang="en-US" sz="2800" i="1" dirty="0" smtClean="0">
                 <a:ea typeface="Calibri" panose="020F0502020204030204" pitchFamily="34" charset="0"/>
                 <a:cs typeface="Times New Roman" panose="02020603050405020304" pitchFamily="18" charset="0"/>
               </a:rPr>
               <a:t>P</a:t>
-            </a:r>
-            <a:r>
-              <a:rPr lang="ru-RU" sz="2800" dirty="0" smtClean="0">
-                <a:ea typeface="Calibri" panose="020F0502020204030204" pitchFamily="34" charset="0"/>
-                <a:cs typeface="Times New Roman" panose="02020603050405020304" pitchFamily="18" charset="0"/>
-              </a:rPr>
-              <a:t>.</a:t>
             </a:r>
             <a:r>
               <a:rPr lang="ru-RU" sz="2800" dirty="0" smtClean="0"/>
@@ -13767,8 +13807,9 @@
             </a:r>
             <a:r>
               <a:rPr lang="ru-RU" sz="2800" dirty="0" smtClean="0"/>
-              <a:t>очереди.</a:t>
-            </a:r>
+              <a:t>очереди</a:t>
+            </a:r>
+            <a:endParaRPr lang="ru-RU" sz="2800" dirty="0" smtClean="0"/>
           </a:p>
           <a:p>
             <a:pPr marL="457200" indent="-457200">
@@ -13788,8 +13829,13 @@
             </a:pPr>
             <a:r>
               <a:rPr lang="ru-RU" sz="2800" dirty="0"/>
-              <a:t>Два и более соседей имеют индекс.</a:t>
-            </a:r>
+              <a:t>Два и более соседей имеют </a:t>
+            </a:r>
+            <a:r>
+              <a:rPr lang="ru-RU" sz="2800" dirty="0" smtClean="0"/>
+              <a:t>индекс</a:t>
+            </a:r>
+            <a:endParaRPr lang="ru-RU" sz="2800" dirty="0"/>
           </a:p>
           <a:p>
             <a:pPr marL="914400" lvl="1" indent="-457200">
@@ -13798,11 +13844,11 @@
             </a:pPr>
             <a:r>
               <a:rPr lang="ru-RU" sz="2800" dirty="0"/>
-              <a:t>Один из соседей не имеет непронумерованных соседей кроме текущей вершины</a:t>
+              <a:t>Один из соседей не имеет непронумерованных соседей кроме текущей </a:t>
             </a:r>
             <a:r>
               <a:rPr lang="ru-RU" sz="2800" dirty="0" smtClean="0"/>
-              <a:t>.</a:t>
+              <a:t>вершины</a:t>
             </a:r>
             <a:endParaRPr lang="ru-RU" sz="2800" dirty="0"/>
           </a:p>
@@ -14046,8 +14092,13 @@
             </a:pPr>
             <a:r>
               <a:rPr lang="ru-RU" sz="2800" dirty="0"/>
-              <a:t>Ставим один из возможных индексов.</a:t>
-            </a:r>
+              <a:t>Ставим один из возможных </a:t>
+            </a:r>
+            <a:r>
+              <a:rPr lang="ru-RU" sz="2800" dirty="0" smtClean="0"/>
+              <a:t>индексов</a:t>
+            </a:r>
+            <a:endParaRPr lang="ru-RU" sz="2800" dirty="0"/>
           </a:p>
           <a:p>
             <a:pPr marL="914400" lvl="1" indent="-457200">
@@ -14064,11 +14115,11 @@
             </a:r>
             <a:r>
               <a:rPr lang="ru-RU" sz="2800" dirty="0"/>
-              <a:t>для смежных вершин</a:t>
+              <a:t>для смежных </a:t>
             </a:r>
             <a:r>
               <a:rPr lang="ru-RU" sz="2800" dirty="0" smtClean="0"/>
-              <a:t>.</a:t>
+              <a:t>вершин</a:t>
             </a:r>
             <a:endParaRPr lang="ru-RU" sz="2800" dirty="0"/>
           </a:p>
@@ -16094,42 +16145,42 @@
                 <a:gridCol w="2522900">
                   <a:extLst>
                     <a:ext uri="{9D8B030D-6E8A-4147-A177-3AD203B41FA5}">
-                      <a16:colId xmlns:a16="http://schemas.microsoft.com/office/drawing/2014/main" val="1171950682"/>
+                      <a16:colId xmlns:a16="http://schemas.microsoft.com/office/drawing/2014/main" xmlns="" val="1171950682"/>
                     </a:ext>
                   </a:extLst>
                 </a:gridCol>
                 <a:gridCol w="932747">
                   <a:extLst>
                     <a:ext uri="{9D8B030D-6E8A-4147-A177-3AD203B41FA5}">
-                      <a16:colId xmlns:a16="http://schemas.microsoft.com/office/drawing/2014/main" val="2713623616"/>
+                      <a16:colId xmlns:a16="http://schemas.microsoft.com/office/drawing/2014/main" xmlns="" val="2713623616"/>
                     </a:ext>
                   </a:extLst>
                 </a:gridCol>
                 <a:gridCol w="1124653">
                   <a:extLst>
                     <a:ext uri="{9D8B030D-6E8A-4147-A177-3AD203B41FA5}">
-                      <a16:colId xmlns:a16="http://schemas.microsoft.com/office/drawing/2014/main" val="4214117398"/>
+                      <a16:colId xmlns:a16="http://schemas.microsoft.com/office/drawing/2014/main" xmlns="" val="4214117398"/>
                     </a:ext>
                   </a:extLst>
                 </a:gridCol>
                 <a:gridCol w="1737360">
                   <a:extLst>
                     <a:ext uri="{9D8B030D-6E8A-4147-A177-3AD203B41FA5}">
-                      <a16:colId xmlns:a16="http://schemas.microsoft.com/office/drawing/2014/main" val="3936630454"/>
+                      <a16:colId xmlns:a16="http://schemas.microsoft.com/office/drawing/2014/main" xmlns="" val="3936630454"/>
                     </a:ext>
                   </a:extLst>
                 </a:gridCol>
                 <a:gridCol w="2164080">
                   <a:extLst>
                     <a:ext uri="{9D8B030D-6E8A-4147-A177-3AD203B41FA5}">
-                      <a16:colId xmlns:a16="http://schemas.microsoft.com/office/drawing/2014/main" val="3619060530"/>
+                      <a16:colId xmlns:a16="http://schemas.microsoft.com/office/drawing/2014/main" xmlns="" val="3619060530"/>
                     </a:ext>
                   </a:extLst>
                 </a:gridCol>
                 <a:gridCol w="2346960">
                   <a:extLst>
                     <a:ext uri="{9D8B030D-6E8A-4147-A177-3AD203B41FA5}">
-                      <a16:colId xmlns:a16="http://schemas.microsoft.com/office/drawing/2014/main" val="3962761656"/>
+                      <a16:colId xmlns:a16="http://schemas.microsoft.com/office/drawing/2014/main" xmlns="" val="3962761656"/>
                     </a:ext>
                   </a:extLst>
                 </a:gridCol>
@@ -16281,7 +16332,7 @@
                 </a:tc>
                 <a:extLst>
                   <a:ext uri="{0D108BD9-81ED-4DB2-BD59-A6C34878D82A}">
-                    <a16:rowId xmlns:a16="http://schemas.microsoft.com/office/drawing/2014/main" val="396192681"/>
+                    <a16:rowId xmlns:a16="http://schemas.microsoft.com/office/drawing/2014/main" xmlns="" val="396192681"/>
                   </a:ext>
                 </a:extLst>
               </a:tr>
@@ -16457,7 +16508,7 @@
                 </a:tc>
                 <a:extLst>
                   <a:ext uri="{0D108BD9-81ED-4DB2-BD59-A6C34878D82A}">
-                    <a16:rowId xmlns:a16="http://schemas.microsoft.com/office/drawing/2014/main" val="658754578"/>
+                    <a16:rowId xmlns:a16="http://schemas.microsoft.com/office/drawing/2014/main" xmlns="" val="658754578"/>
                   </a:ext>
                 </a:extLst>
               </a:tr>
@@ -16640,7 +16691,7 @@
                 </a:tc>
                 <a:extLst>
                   <a:ext uri="{0D108BD9-81ED-4DB2-BD59-A6C34878D82A}">
-                    <a16:rowId xmlns:a16="http://schemas.microsoft.com/office/drawing/2014/main" val="2775249390"/>
+                    <a16:rowId xmlns:a16="http://schemas.microsoft.com/office/drawing/2014/main" xmlns="" val="2775249390"/>
                   </a:ext>
                 </a:extLst>
               </a:tr>
@@ -16816,7 +16867,7 @@
                 </a:tc>
                 <a:extLst>
                   <a:ext uri="{0D108BD9-81ED-4DB2-BD59-A6C34878D82A}">
-                    <a16:rowId xmlns:a16="http://schemas.microsoft.com/office/drawing/2014/main" val="351305436"/>
+                    <a16:rowId xmlns:a16="http://schemas.microsoft.com/office/drawing/2014/main" xmlns="" val="351305436"/>
                   </a:ext>
                 </a:extLst>
               </a:tr>
@@ -16999,7 +17050,7 @@
                 </a:tc>
                 <a:extLst>
                   <a:ext uri="{0D108BD9-81ED-4DB2-BD59-A6C34878D82A}">
-                    <a16:rowId xmlns:a16="http://schemas.microsoft.com/office/drawing/2014/main" val="743266472"/>
+                    <a16:rowId xmlns:a16="http://schemas.microsoft.com/office/drawing/2014/main" xmlns="" val="743266472"/>
                   </a:ext>
                 </a:extLst>
               </a:tr>
@@ -17175,7 +17226,7 @@
                 </a:tc>
                 <a:extLst>
                   <a:ext uri="{0D108BD9-81ED-4DB2-BD59-A6C34878D82A}">
-                    <a16:rowId xmlns:a16="http://schemas.microsoft.com/office/drawing/2014/main" val="3253733328"/>
+                    <a16:rowId xmlns:a16="http://schemas.microsoft.com/office/drawing/2014/main" xmlns="" val="3253733328"/>
                   </a:ext>
                 </a:extLst>
               </a:tr>
@@ -17351,7 +17402,7 @@
                 </a:tc>
                 <a:extLst>
                   <a:ext uri="{0D108BD9-81ED-4DB2-BD59-A6C34878D82A}">
-                    <a16:rowId xmlns:a16="http://schemas.microsoft.com/office/drawing/2014/main" val="4155944330"/>
+                    <a16:rowId xmlns:a16="http://schemas.microsoft.com/office/drawing/2014/main" xmlns="" val="4155944330"/>
                   </a:ext>
                 </a:extLst>
               </a:tr>
@@ -17534,7 +17585,7 @@
                 </a:tc>
                 <a:extLst>
                   <a:ext uri="{0D108BD9-81ED-4DB2-BD59-A6C34878D82A}">
-                    <a16:rowId xmlns:a16="http://schemas.microsoft.com/office/drawing/2014/main" val="232013355"/>
+                    <a16:rowId xmlns:a16="http://schemas.microsoft.com/office/drawing/2014/main" xmlns="" val="232013355"/>
                   </a:ext>
                 </a:extLst>
               </a:tr>
@@ -17710,7 +17761,7 @@
                 </a:tc>
                 <a:extLst>
                   <a:ext uri="{0D108BD9-81ED-4DB2-BD59-A6C34878D82A}">
-                    <a16:rowId xmlns:a16="http://schemas.microsoft.com/office/drawing/2014/main" val="10008"/>
+                    <a16:rowId xmlns:a16="http://schemas.microsoft.com/office/drawing/2014/main" xmlns="" val="10008"/>
                   </a:ext>
                 </a:extLst>
               </a:tr>
@@ -17893,7 +17944,7 @@
                 </a:tc>
                 <a:extLst>
                   <a:ext uri="{0D108BD9-81ED-4DB2-BD59-A6C34878D82A}">
-                    <a16:rowId xmlns:a16="http://schemas.microsoft.com/office/drawing/2014/main" val="10009"/>
+                    <a16:rowId xmlns:a16="http://schemas.microsoft.com/office/drawing/2014/main" xmlns="" val="10009"/>
                   </a:ext>
                 </a:extLst>
               </a:tr>
@@ -18069,7 +18120,7 @@
                 </a:tc>
                 <a:extLst>
                   <a:ext uri="{0D108BD9-81ED-4DB2-BD59-A6C34878D82A}">
-                    <a16:rowId xmlns:a16="http://schemas.microsoft.com/office/drawing/2014/main" val="10010"/>
+                    <a16:rowId xmlns:a16="http://schemas.microsoft.com/office/drawing/2014/main" xmlns="" val="10010"/>
                   </a:ext>
                 </a:extLst>
               </a:tr>
@@ -18252,7 +18303,7 @@
                 </a:tc>
                 <a:extLst>
                   <a:ext uri="{0D108BD9-81ED-4DB2-BD59-A6C34878D82A}">
-                    <a16:rowId xmlns:a16="http://schemas.microsoft.com/office/drawing/2014/main" val="10011"/>
+                    <a16:rowId xmlns:a16="http://schemas.microsoft.com/office/drawing/2014/main" xmlns="" val="10011"/>
                   </a:ext>
                 </a:extLst>
               </a:tr>
@@ -18428,7 +18479,7 @@
                 </a:tc>
                 <a:extLst>
                   <a:ext uri="{0D108BD9-81ED-4DB2-BD59-A6C34878D82A}">
-                    <a16:rowId xmlns:a16="http://schemas.microsoft.com/office/drawing/2014/main" val="10012"/>
+                    <a16:rowId xmlns:a16="http://schemas.microsoft.com/office/drawing/2014/main" xmlns="" val="10012"/>
                   </a:ext>
                 </a:extLst>
               </a:tr>
@@ -18611,7 +18662,7 @@
                 </a:tc>
                 <a:extLst>
                   <a:ext uri="{0D108BD9-81ED-4DB2-BD59-A6C34878D82A}">
-                    <a16:rowId xmlns:a16="http://schemas.microsoft.com/office/drawing/2014/main" val="10013"/>
+                    <a16:rowId xmlns:a16="http://schemas.microsoft.com/office/drawing/2014/main" xmlns="" val="10013"/>
                   </a:ext>
                 </a:extLst>
               </a:tr>
@@ -18787,7 +18838,7 @@
                 </a:tc>
                 <a:extLst>
                   <a:ext uri="{0D108BD9-81ED-4DB2-BD59-A6C34878D82A}">
-                    <a16:rowId xmlns:a16="http://schemas.microsoft.com/office/drawing/2014/main" val="10014"/>
+                    <a16:rowId xmlns:a16="http://schemas.microsoft.com/office/drawing/2014/main" xmlns="" val="10014"/>
                   </a:ext>
                 </a:extLst>
               </a:tr>
@@ -18963,7 +19014,7 @@
                 </a:tc>
                 <a:extLst>
                   <a:ext uri="{0D108BD9-81ED-4DB2-BD59-A6C34878D82A}">
-                    <a16:rowId xmlns:a16="http://schemas.microsoft.com/office/drawing/2014/main" val="10015"/>
+                    <a16:rowId xmlns:a16="http://schemas.microsoft.com/office/drawing/2014/main" xmlns="" val="10015"/>
                   </a:ext>
                 </a:extLst>
               </a:tr>
@@ -19139,7 +19190,7 @@
                 </a:tc>
                 <a:extLst>
                   <a:ext uri="{0D108BD9-81ED-4DB2-BD59-A6C34878D82A}">
-                    <a16:rowId xmlns:a16="http://schemas.microsoft.com/office/drawing/2014/main" val="10016"/>
+                    <a16:rowId xmlns:a16="http://schemas.microsoft.com/office/drawing/2014/main" xmlns="" val="10016"/>
                   </a:ext>
                 </a:extLst>
               </a:tr>
@@ -19322,7 +19373,7 @@
                 </a:tc>
                 <a:extLst>
                   <a:ext uri="{0D108BD9-81ED-4DB2-BD59-A6C34878D82A}">
-                    <a16:rowId xmlns:a16="http://schemas.microsoft.com/office/drawing/2014/main" val="10017"/>
+                    <a16:rowId xmlns:a16="http://schemas.microsoft.com/office/drawing/2014/main" xmlns="" val="10017"/>
                   </a:ext>
                 </a:extLst>
               </a:tr>
@@ -19484,7 +19535,7 @@
                 </a:tc>
                 <a:extLst>
                   <a:ext uri="{0D108BD9-81ED-4DB2-BD59-A6C34878D82A}">
-                    <a16:rowId xmlns:a16="http://schemas.microsoft.com/office/drawing/2014/main" val="10018"/>
+                    <a16:rowId xmlns:a16="http://schemas.microsoft.com/office/drawing/2014/main" xmlns="" val="10018"/>
                   </a:ext>
                 </a:extLst>
               </a:tr>
@@ -19637,7 +19688,7 @@
                 </a:tc>
                 <a:extLst>
                   <a:ext uri="{0D108BD9-81ED-4DB2-BD59-A6C34878D82A}">
-                    <a16:rowId xmlns:a16="http://schemas.microsoft.com/office/drawing/2014/main" val="1385307021"/>
+                    <a16:rowId xmlns:a16="http://schemas.microsoft.com/office/drawing/2014/main" xmlns="" val="1385307021"/>
                   </a:ext>
                 </a:extLst>
               </a:tr>
@@ -19803,42 +19854,42 @@
                 <a:gridCol w="2343339">
                   <a:extLst>
                     <a:ext uri="{9D8B030D-6E8A-4147-A177-3AD203B41FA5}">
-                      <a16:colId xmlns:a16="http://schemas.microsoft.com/office/drawing/2014/main" val="1171950682"/>
+                      <a16:colId xmlns:a16="http://schemas.microsoft.com/office/drawing/2014/main" xmlns="" val="1171950682"/>
                     </a:ext>
                   </a:extLst>
                 </a:gridCol>
                 <a:gridCol w="990600">
                   <a:extLst>
                     <a:ext uri="{9D8B030D-6E8A-4147-A177-3AD203B41FA5}">
-                      <a16:colId xmlns:a16="http://schemas.microsoft.com/office/drawing/2014/main" val="2713623616"/>
+                      <a16:colId xmlns:a16="http://schemas.microsoft.com/office/drawing/2014/main" xmlns="" val="2713623616"/>
                     </a:ext>
                   </a:extLst>
                 </a:gridCol>
                 <a:gridCol w="929640">
                   <a:extLst>
                     <a:ext uri="{9D8B030D-6E8A-4147-A177-3AD203B41FA5}">
-                      <a16:colId xmlns:a16="http://schemas.microsoft.com/office/drawing/2014/main" val="4214117398"/>
+                      <a16:colId xmlns:a16="http://schemas.microsoft.com/office/drawing/2014/main" xmlns="" val="4214117398"/>
                     </a:ext>
                   </a:extLst>
                 </a:gridCol>
                 <a:gridCol w="1737360">
                   <a:extLst>
                     <a:ext uri="{9D8B030D-6E8A-4147-A177-3AD203B41FA5}">
-                      <a16:colId xmlns:a16="http://schemas.microsoft.com/office/drawing/2014/main" val="3936630454"/>
+                      <a16:colId xmlns:a16="http://schemas.microsoft.com/office/drawing/2014/main" xmlns="" val="3936630454"/>
                     </a:ext>
                   </a:extLst>
                 </a:gridCol>
                 <a:gridCol w="2255520">
                   <a:extLst>
                     <a:ext uri="{9D8B030D-6E8A-4147-A177-3AD203B41FA5}">
-                      <a16:colId xmlns:a16="http://schemas.microsoft.com/office/drawing/2014/main" val="3619060530"/>
+                      <a16:colId xmlns:a16="http://schemas.microsoft.com/office/drawing/2014/main" xmlns="" val="3619060530"/>
                     </a:ext>
                   </a:extLst>
                 </a:gridCol>
                 <a:gridCol w="2545080">
                   <a:extLst>
                     <a:ext uri="{9D8B030D-6E8A-4147-A177-3AD203B41FA5}">
-                      <a16:colId xmlns:a16="http://schemas.microsoft.com/office/drawing/2014/main" val="3962761656"/>
+                      <a16:colId xmlns:a16="http://schemas.microsoft.com/office/drawing/2014/main" xmlns="" val="3962761656"/>
                     </a:ext>
                   </a:extLst>
                 </a:gridCol>
@@ -19980,7 +20031,7 @@
                 </a:tc>
                 <a:extLst>
                   <a:ext uri="{0D108BD9-81ED-4DB2-BD59-A6C34878D82A}">
-                    <a16:rowId xmlns:a16="http://schemas.microsoft.com/office/drawing/2014/main" val="396192681"/>
+                    <a16:rowId xmlns:a16="http://schemas.microsoft.com/office/drawing/2014/main" xmlns="" val="396192681"/>
                   </a:ext>
                 </a:extLst>
               </a:tr>
@@ -20140,7 +20191,7 @@
                 </a:tc>
                 <a:extLst>
                   <a:ext uri="{0D108BD9-81ED-4DB2-BD59-A6C34878D82A}">
-                    <a16:rowId xmlns:a16="http://schemas.microsoft.com/office/drawing/2014/main" val="4155944330"/>
+                    <a16:rowId xmlns:a16="http://schemas.microsoft.com/office/drawing/2014/main" xmlns="" val="4155944330"/>
                   </a:ext>
                 </a:extLst>
               </a:tr>
@@ -20293,7 +20344,7 @@
                 </a:tc>
                 <a:extLst>
                   <a:ext uri="{0D108BD9-81ED-4DB2-BD59-A6C34878D82A}">
-                    <a16:rowId xmlns:a16="http://schemas.microsoft.com/office/drawing/2014/main" val="232013355"/>
+                    <a16:rowId xmlns:a16="http://schemas.microsoft.com/office/drawing/2014/main" xmlns="" val="232013355"/>
                   </a:ext>
                 </a:extLst>
               </a:tr>
@@ -20446,7 +20497,7 @@
                 </a:tc>
                 <a:extLst>
                   <a:ext uri="{0D108BD9-81ED-4DB2-BD59-A6C34878D82A}">
-                    <a16:rowId xmlns:a16="http://schemas.microsoft.com/office/drawing/2014/main" val="10004"/>
+                    <a16:rowId xmlns:a16="http://schemas.microsoft.com/office/drawing/2014/main" xmlns="" val="10004"/>
                   </a:ext>
                 </a:extLst>
               </a:tr>
@@ -20599,7 +20650,7 @@
                 </a:tc>
                 <a:extLst>
                   <a:ext uri="{0D108BD9-81ED-4DB2-BD59-A6C34878D82A}">
-                    <a16:rowId xmlns:a16="http://schemas.microsoft.com/office/drawing/2014/main" val="10005"/>
+                    <a16:rowId xmlns:a16="http://schemas.microsoft.com/office/drawing/2014/main" xmlns="" val="10005"/>
                   </a:ext>
                 </a:extLst>
               </a:tr>
@@ -20752,7 +20803,7 @@
                 </a:tc>
                 <a:extLst>
                   <a:ext uri="{0D108BD9-81ED-4DB2-BD59-A6C34878D82A}">
-                    <a16:rowId xmlns:a16="http://schemas.microsoft.com/office/drawing/2014/main" val="10006"/>
+                    <a16:rowId xmlns:a16="http://schemas.microsoft.com/office/drawing/2014/main" xmlns="" val="10006"/>
                   </a:ext>
                 </a:extLst>
               </a:tr>
@@ -20905,7 +20956,7 @@
                 </a:tc>
                 <a:extLst>
                   <a:ext uri="{0D108BD9-81ED-4DB2-BD59-A6C34878D82A}">
-                    <a16:rowId xmlns:a16="http://schemas.microsoft.com/office/drawing/2014/main" val="10007"/>
+                    <a16:rowId xmlns:a16="http://schemas.microsoft.com/office/drawing/2014/main" xmlns="" val="10007"/>
                   </a:ext>
                 </a:extLst>
               </a:tr>
@@ -21058,7 +21109,7 @@
                 </a:tc>
                 <a:extLst>
                   <a:ext uri="{0D108BD9-81ED-4DB2-BD59-A6C34878D82A}">
-                    <a16:rowId xmlns:a16="http://schemas.microsoft.com/office/drawing/2014/main" val="10008"/>
+                    <a16:rowId xmlns:a16="http://schemas.microsoft.com/office/drawing/2014/main" xmlns="" val="10008"/>
                   </a:ext>
                 </a:extLst>
               </a:tr>
@@ -21211,7 +21262,7 @@
                 </a:tc>
                 <a:extLst>
                   <a:ext uri="{0D108BD9-81ED-4DB2-BD59-A6C34878D82A}">
-                    <a16:rowId xmlns:a16="http://schemas.microsoft.com/office/drawing/2014/main" val="10009"/>
+                    <a16:rowId xmlns:a16="http://schemas.microsoft.com/office/drawing/2014/main" xmlns="" val="10009"/>
                   </a:ext>
                 </a:extLst>
               </a:tr>
@@ -21367,7 +21418,7 @@
                 </a:tc>
                 <a:extLst>
                   <a:ext uri="{0D108BD9-81ED-4DB2-BD59-A6C34878D82A}">
-                    <a16:rowId xmlns:a16="http://schemas.microsoft.com/office/drawing/2014/main" val="10010"/>
+                    <a16:rowId xmlns:a16="http://schemas.microsoft.com/office/drawing/2014/main" xmlns="" val="10010"/>
                   </a:ext>
                 </a:extLst>
               </a:tr>
@@ -21523,7 +21574,7 @@
                 </a:tc>
                 <a:extLst>
                   <a:ext uri="{0D108BD9-81ED-4DB2-BD59-A6C34878D82A}">
-                    <a16:rowId xmlns:a16="http://schemas.microsoft.com/office/drawing/2014/main" val="10011"/>
+                    <a16:rowId xmlns:a16="http://schemas.microsoft.com/office/drawing/2014/main" xmlns="" val="10011"/>
                   </a:ext>
                 </a:extLst>
               </a:tr>
@@ -21679,7 +21730,7 @@
                 </a:tc>
                 <a:extLst>
                   <a:ext uri="{0D108BD9-81ED-4DB2-BD59-A6C34878D82A}">
-                    <a16:rowId xmlns:a16="http://schemas.microsoft.com/office/drawing/2014/main" val="10012"/>
+                    <a16:rowId xmlns:a16="http://schemas.microsoft.com/office/drawing/2014/main" xmlns="" val="10012"/>
                   </a:ext>
                 </a:extLst>
               </a:tr>
@@ -21835,7 +21886,7 @@
                 </a:tc>
                 <a:extLst>
                   <a:ext uri="{0D108BD9-81ED-4DB2-BD59-A6C34878D82A}">
-                    <a16:rowId xmlns:a16="http://schemas.microsoft.com/office/drawing/2014/main" val="10013"/>
+                    <a16:rowId xmlns:a16="http://schemas.microsoft.com/office/drawing/2014/main" xmlns="" val="10013"/>
                   </a:ext>
                 </a:extLst>
               </a:tr>
@@ -21984,7 +22035,7 @@
                 </a:tc>
                 <a:extLst>
                   <a:ext uri="{0D108BD9-81ED-4DB2-BD59-A6C34878D82A}">
-                    <a16:rowId xmlns:a16="http://schemas.microsoft.com/office/drawing/2014/main" val="10014"/>
+                    <a16:rowId xmlns:a16="http://schemas.microsoft.com/office/drawing/2014/main" xmlns="" val="10014"/>
                   </a:ext>
                 </a:extLst>
               </a:tr>
@@ -22133,7 +22184,7 @@
                 </a:tc>
                 <a:extLst>
                   <a:ext uri="{0D108BD9-81ED-4DB2-BD59-A6C34878D82A}">
-                    <a16:rowId xmlns:a16="http://schemas.microsoft.com/office/drawing/2014/main" val="10015"/>
+                    <a16:rowId xmlns:a16="http://schemas.microsoft.com/office/drawing/2014/main" xmlns="" val="10015"/>
                   </a:ext>
                 </a:extLst>
               </a:tr>
@@ -22289,7 +22340,7 @@
                 </a:tc>
                 <a:extLst>
                   <a:ext uri="{0D108BD9-81ED-4DB2-BD59-A6C34878D82A}">
-                    <a16:rowId xmlns:a16="http://schemas.microsoft.com/office/drawing/2014/main" val="10016"/>
+                    <a16:rowId xmlns:a16="http://schemas.microsoft.com/office/drawing/2014/main" xmlns="" val="10016"/>
                   </a:ext>
                 </a:extLst>
               </a:tr>
@@ -22445,7 +22496,7 @@
                 </a:tc>
                 <a:extLst>
                   <a:ext uri="{0D108BD9-81ED-4DB2-BD59-A6C34878D82A}">
-                    <a16:rowId xmlns:a16="http://schemas.microsoft.com/office/drawing/2014/main" val="10017"/>
+                    <a16:rowId xmlns:a16="http://schemas.microsoft.com/office/drawing/2014/main" xmlns="" val="10017"/>
                   </a:ext>
                 </a:extLst>
               </a:tr>
@@ -22594,7 +22645,7 @@
                 </a:tc>
                 <a:extLst>
                   <a:ext uri="{0D108BD9-81ED-4DB2-BD59-A6C34878D82A}">
-                    <a16:rowId xmlns:a16="http://schemas.microsoft.com/office/drawing/2014/main" val="10018"/>
+                    <a16:rowId xmlns:a16="http://schemas.microsoft.com/office/drawing/2014/main" xmlns="" val="10018"/>
                   </a:ext>
                 </a:extLst>
               </a:tr>
@@ -22743,7 +22794,7 @@
                 </a:tc>
                 <a:extLst>
                   <a:ext uri="{0D108BD9-81ED-4DB2-BD59-A6C34878D82A}">
-                    <a16:rowId xmlns:a16="http://schemas.microsoft.com/office/drawing/2014/main" val="10019"/>
+                    <a16:rowId xmlns:a16="http://schemas.microsoft.com/office/drawing/2014/main" xmlns="" val="10019"/>
                   </a:ext>
                 </a:extLst>
               </a:tr>
@@ -22892,7 +22943,7 @@
                 </a:tc>
                 <a:extLst>
                   <a:ext uri="{0D108BD9-81ED-4DB2-BD59-A6C34878D82A}">
-                    <a16:rowId xmlns:a16="http://schemas.microsoft.com/office/drawing/2014/main" val="10020"/>
+                    <a16:rowId xmlns:a16="http://schemas.microsoft.com/office/drawing/2014/main" xmlns="" val="10020"/>
                   </a:ext>
                 </a:extLst>
               </a:tr>
@@ -23048,7 +23099,7 @@
                 </a:tc>
                 <a:extLst>
                   <a:ext uri="{0D108BD9-81ED-4DB2-BD59-A6C34878D82A}">
-                    <a16:rowId xmlns:a16="http://schemas.microsoft.com/office/drawing/2014/main" val="10021"/>
+                    <a16:rowId xmlns:a16="http://schemas.microsoft.com/office/drawing/2014/main" xmlns="" val="10021"/>
                   </a:ext>
                 </a:extLst>
               </a:tr>
@@ -23197,7 +23248,7 @@
                 </a:tc>
                 <a:extLst>
                   <a:ext uri="{0D108BD9-81ED-4DB2-BD59-A6C34878D82A}">
-                    <a16:rowId xmlns:a16="http://schemas.microsoft.com/office/drawing/2014/main" val="10022"/>
+                    <a16:rowId xmlns:a16="http://schemas.microsoft.com/office/drawing/2014/main" xmlns="" val="10022"/>
                   </a:ext>
                 </a:extLst>
               </a:tr>
@@ -23346,7 +23397,7 @@
                 </a:tc>
                 <a:extLst>
                   <a:ext uri="{0D108BD9-81ED-4DB2-BD59-A6C34878D82A}">
-                    <a16:rowId xmlns:a16="http://schemas.microsoft.com/office/drawing/2014/main" val="10023"/>
+                    <a16:rowId xmlns:a16="http://schemas.microsoft.com/office/drawing/2014/main" xmlns="" val="10023"/>
                   </a:ext>
                 </a:extLst>
               </a:tr>
@@ -23495,7 +23546,7 @@
                 </a:tc>
                 <a:extLst>
                   <a:ext uri="{0D108BD9-81ED-4DB2-BD59-A6C34878D82A}">
-                    <a16:rowId xmlns:a16="http://schemas.microsoft.com/office/drawing/2014/main" val="10024"/>
+                    <a16:rowId xmlns:a16="http://schemas.microsoft.com/office/drawing/2014/main" xmlns="" val="10024"/>
                   </a:ext>
                 </a:extLst>
               </a:tr>
@@ -23644,7 +23695,7 @@
                 </a:tc>
                 <a:extLst>
                   <a:ext uri="{0D108BD9-81ED-4DB2-BD59-A6C34878D82A}">
-                    <a16:rowId xmlns:a16="http://schemas.microsoft.com/office/drawing/2014/main" val="10025"/>
+                    <a16:rowId xmlns:a16="http://schemas.microsoft.com/office/drawing/2014/main" xmlns="" val="10025"/>
                   </a:ext>
                 </a:extLst>
               </a:tr>
@@ -23782,17 +23833,26 @@
             </a:r>
             <a:r>
               <a:rPr lang="ru-RU" dirty="0"/>
-              <a:t>примеры с количеством вершин в графе от 4720 до 258569.</a:t>
-            </a:r>
+              <a:t>примеры с количеством вершин в графе от 4720 </a:t>
+            </a:r>
+            <a:r>
+              <a:rPr lang="ru-RU"/>
+              <a:t>до </a:t>
+            </a:r>
+            <a:r>
+              <a:rPr lang="ru-RU" smtClean="0"/>
+              <a:t>258569</a:t>
+            </a:r>
+            <a:endParaRPr lang="ru-RU" dirty="0"/>
           </a:p>
           <a:p>
             <a:r>
               <a:rPr lang="ru-RU" dirty="0"/>
-              <a:t>В ходе тестирования фиксируется рабочее время алгоритмов проверки и нумерации для каждого примера</a:t>
+              <a:t>В ходе тестирования фиксируется рабочее время алгоритмов проверки и нумерации для каждого </a:t>
             </a:r>
             <a:r>
               <a:rPr lang="ru-RU" dirty="0" smtClean="0"/>
-              <a:t>.</a:t>
+              <a:t>примера</a:t>
             </a:r>
             <a:endParaRPr lang="ru-RU" dirty="0"/>
           </a:p>
@@ -23886,42 +23946,42 @@
                 <a:gridCol w="2264204">
                   <a:extLst>
                     <a:ext uri="{9D8B030D-6E8A-4147-A177-3AD203B41FA5}">
-                      <a16:colId xmlns:a16="http://schemas.microsoft.com/office/drawing/2014/main" val="1171950682"/>
+                      <a16:colId xmlns:a16="http://schemas.microsoft.com/office/drawing/2014/main" xmlns="" val="1171950682"/>
                     </a:ext>
                   </a:extLst>
                 </a:gridCol>
                 <a:gridCol w="1121846">
                   <a:extLst>
                     <a:ext uri="{9D8B030D-6E8A-4147-A177-3AD203B41FA5}">
-                      <a16:colId xmlns:a16="http://schemas.microsoft.com/office/drawing/2014/main" val="2713623616"/>
+                      <a16:colId xmlns:a16="http://schemas.microsoft.com/office/drawing/2014/main" xmlns="" val="2713623616"/>
                     </a:ext>
                   </a:extLst>
                 </a:gridCol>
                 <a:gridCol w="1133290">
                   <a:extLst>
                     <a:ext uri="{9D8B030D-6E8A-4147-A177-3AD203B41FA5}">
-                      <a16:colId xmlns:a16="http://schemas.microsoft.com/office/drawing/2014/main" val="4214117398"/>
+                      <a16:colId xmlns:a16="http://schemas.microsoft.com/office/drawing/2014/main" xmlns="" val="4214117398"/>
                     </a:ext>
                   </a:extLst>
                 </a:gridCol>
                 <a:gridCol w="1844040">
                   <a:extLst>
                     <a:ext uri="{9D8B030D-6E8A-4147-A177-3AD203B41FA5}">
-                      <a16:colId xmlns:a16="http://schemas.microsoft.com/office/drawing/2014/main" val="3936630454"/>
+                      <a16:colId xmlns:a16="http://schemas.microsoft.com/office/drawing/2014/main" xmlns="" val="3936630454"/>
                     </a:ext>
                   </a:extLst>
                 </a:gridCol>
                 <a:gridCol w="2164080">
                   <a:extLst>
                     <a:ext uri="{9D8B030D-6E8A-4147-A177-3AD203B41FA5}">
-                      <a16:colId xmlns:a16="http://schemas.microsoft.com/office/drawing/2014/main" val="3619060530"/>
+                      <a16:colId xmlns:a16="http://schemas.microsoft.com/office/drawing/2014/main" xmlns="" val="3619060530"/>
                     </a:ext>
                   </a:extLst>
                 </a:gridCol>
                 <a:gridCol w="2301240">
                   <a:extLst>
                     <a:ext uri="{9D8B030D-6E8A-4147-A177-3AD203B41FA5}">
-                      <a16:colId xmlns:a16="http://schemas.microsoft.com/office/drawing/2014/main" val="2623348019"/>
+                      <a16:colId xmlns:a16="http://schemas.microsoft.com/office/drawing/2014/main" xmlns="" val="2623348019"/>
                     </a:ext>
                   </a:extLst>
                 </a:gridCol>
@@ -24093,7 +24153,7 @@
                 </a:tc>
                 <a:extLst>
                   <a:ext uri="{0D108BD9-81ED-4DB2-BD59-A6C34878D82A}">
-                    <a16:rowId xmlns:a16="http://schemas.microsoft.com/office/drawing/2014/main" val="396192681"/>
+                    <a16:rowId xmlns:a16="http://schemas.microsoft.com/office/drawing/2014/main" xmlns="" val="396192681"/>
                   </a:ext>
                 </a:extLst>
               </a:tr>
@@ -24265,7 +24325,7 @@
                 </a:tc>
                 <a:extLst>
                   <a:ext uri="{0D108BD9-81ED-4DB2-BD59-A6C34878D82A}">
-                    <a16:rowId xmlns:a16="http://schemas.microsoft.com/office/drawing/2014/main" val="10012"/>
+                    <a16:rowId xmlns:a16="http://schemas.microsoft.com/office/drawing/2014/main" xmlns="" val="10012"/>
                   </a:ext>
                 </a:extLst>
               </a:tr>
@@ -24421,7 +24481,7 @@
                 </a:tc>
                 <a:extLst>
                   <a:ext uri="{0D108BD9-81ED-4DB2-BD59-A6C34878D82A}">
-                    <a16:rowId xmlns:a16="http://schemas.microsoft.com/office/drawing/2014/main" val="10013"/>
+                    <a16:rowId xmlns:a16="http://schemas.microsoft.com/office/drawing/2014/main" xmlns="" val="10013"/>
                   </a:ext>
                 </a:extLst>
               </a:tr>
@@ -24577,7 +24637,7 @@
                 </a:tc>
                 <a:extLst>
                   <a:ext uri="{0D108BD9-81ED-4DB2-BD59-A6C34878D82A}">
-                    <a16:rowId xmlns:a16="http://schemas.microsoft.com/office/drawing/2014/main" val="10014"/>
+                    <a16:rowId xmlns:a16="http://schemas.microsoft.com/office/drawing/2014/main" xmlns="" val="10014"/>
                   </a:ext>
                 </a:extLst>
               </a:tr>
@@ -24726,7 +24786,7 @@
                 </a:tc>
                 <a:extLst>
                   <a:ext uri="{0D108BD9-81ED-4DB2-BD59-A6C34878D82A}">
-                    <a16:rowId xmlns:a16="http://schemas.microsoft.com/office/drawing/2014/main" val="10015"/>
+                    <a16:rowId xmlns:a16="http://schemas.microsoft.com/office/drawing/2014/main" xmlns="" val="10015"/>
                   </a:ext>
                 </a:extLst>
               </a:tr>
@@ -24882,7 +24942,7 @@
                 </a:tc>
                 <a:extLst>
                   <a:ext uri="{0D108BD9-81ED-4DB2-BD59-A6C34878D82A}">
-                    <a16:rowId xmlns:a16="http://schemas.microsoft.com/office/drawing/2014/main" val="10016"/>
+                    <a16:rowId xmlns:a16="http://schemas.microsoft.com/office/drawing/2014/main" xmlns="" val="10016"/>
                   </a:ext>
                 </a:extLst>
               </a:tr>
@@ -25038,7 +25098,7 @@
                 </a:tc>
                 <a:extLst>
                   <a:ext uri="{0D108BD9-81ED-4DB2-BD59-A6C34878D82A}">
-                    <a16:rowId xmlns:a16="http://schemas.microsoft.com/office/drawing/2014/main" val="10017"/>
+                    <a16:rowId xmlns:a16="http://schemas.microsoft.com/office/drawing/2014/main" xmlns="" val="10017"/>
                   </a:ext>
                 </a:extLst>
               </a:tr>
@@ -25194,7 +25254,7 @@
                 </a:tc>
                 <a:extLst>
                   <a:ext uri="{0D108BD9-81ED-4DB2-BD59-A6C34878D82A}">
-                    <a16:rowId xmlns:a16="http://schemas.microsoft.com/office/drawing/2014/main" val="10018"/>
+                    <a16:rowId xmlns:a16="http://schemas.microsoft.com/office/drawing/2014/main" xmlns="" val="10018"/>
                   </a:ext>
                 </a:extLst>
               </a:tr>
@@ -25350,7 +25410,7 @@
                 </a:tc>
                 <a:extLst>
                   <a:ext uri="{0D108BD9-81ED-4DB2-BD59-A6C34878D82A}">
-                    <a16:rowId xmlns:a16="http://schemas.microsoft.com/office/drawing/2014/main" val="3975127968"/>
+                    <a16:rowId xmlns:a16="http://schemas.microsoft.com/office/drawing/2014/main" xmlns="" val="3975127968"/>
                   </a:ext>
                 </a:extLst>
               </a:tr>
@@ -25628,7 +25688,7 @@
               <a:buChar char="•"/>
             </a:pPr>
             <a:r>
-              <a:rPr lang="ru-RU" sz="2800" i="1" dirty="0" err="1" smtClean="0"/>
+              <a:rPr lang="ru-RU" sz="2800" i="1" dirty="0" smtClean="0"/>
               <a:t>Validate</a:t>
             </a:r>
             <a:r>
@@ -25649,8 +25709,9 @@
             </a:r>
             <a:r>
               <a:rPr lang="ru-RU" sz="2800" dirty="0" smtClean="0"/>
-              <a:t>).</a:t>
-            </a:r>
+              <a:t>)</a:t>
+            </a:r>
+            <a:endParaRPr lang="ru-RU" sz="2800" dirty="0" smtClean="0"/>
           </a:p>
           <a:p>
             <a:endParaRPr lang="ru-RU" sz="2800" dirty="0"/>
@@ -25661,13 +25722,18 @@
               <a:buChar char="•"/>
             </a:pPr>
             <a:r>
-              <a:rPr lang="ru-RU" sz="2800" i="1" dirty="0" err="1" smtClean="0"/>
+              <a:rPr lang="ru-RU" sz="2800" i="1" dirty="0" smtClean="0"/>
               <a:t>Numerate</a:t>
             </a:r>
             <a:r>
               <a:rPr lang="ru-RU" sz="2800" dirty="0"/>
-              <a:t>: Функция восстановления регулярной нумерации (при регулярности графа) (на 〖10〗^6 должна выполняться не более 5 минут).</a:t>
-            </a:r>
+              <a:t>: Функция восстановления регулярной нумерации (при регулярности графа) (на 〖10〗^6 должна выполняться не более 5 минут</a:t>
+            </a:r>
+            <a:r>
+              <a:rPr lang="ru-RU" sz="2800" dirty="0" smtClean="0"/>
+              <a:t>)</a:t>
+            </a:r>
+            <a:endParaRPr lang="ru-RU" sz="2800" dirty="0"/>
           </a:p>
           <a:p>
             <a:endParaRPr lang="ru-RU" sz="2800" dirty="0"/>

--- a/docs/Презентация v0.9.pptx
+++ b/docs/Презентация v0.9.pptx
@@ -4535,19 +4535,128 @@
         </p:nvSpPr>
         <p:spPr>
           <a:xfrm>
-            <a:off x="1496291" y="2687781"/>
-            <a:ext cx="9144000" cy="1016145"/>
+            <a:off x="1426464" y="1707579"/>
+            <a:ext cx="9144000" cy="2387600"/>
           </a:xfrm>
         </p:spPr>
         <p:txBody>
-          <a:bodyPr/>
+          <a:bodyPr>
+            <a:normAutofit fontScale="90000"/>
+          </a:bodyPr>
           <a:lstStyle/>
           <a:p>
             <a:r>
-              <a:rPr lang="ru-RU" dirty="0" smtClean="0"/>
-              <a:t>Титульный слайд</a:t>
-            </a:r>
-            <a:endParaRPr lang="ru-RU" dirty="0"/>
+              <a:rPr lang="ru-RU" b="1" dirty="0">
+                <a:latin typeface="Times New Roman" panose="02020603050405020304" pitchFamily="18" charset="0"/>
+                <a:cs typeface="Times New Roman" panose="02020603050405020304" pitchFamily="18" charset="0"/>
+              </a:rPr>
+              <a:t>Разработка ПО для решения задачи </a:t>
+            </a:r>
+            <a:br>
+              <a:rPr lang="ru-RU" b="1" dirty="0">
+                <a:latin typeface="Times New Roman" panose="02020603050405020304" pitchFamily="18" charset="0"/>
+                <a:cs typeface="Times New Roman" panose="02020603050405020304" pitchFamily="18" charset="0"/>
+              </a:rPr>
+            </a:br>
+            <a:r>
+              <a:rPr lang="ru-RU" b="1" dirty="0">
+                <a:latin typeface="Times New Roman" panose="02020603050405020304" pitchFamily="18" charset="0"/>
+                <a:cs typeface="Times New Roman" panose="02020603050405020304" pitchFamily="18" charset="0"/>
+              </a:rPr>
+              <a:t>восстановления нумерации регулярной сетки</a:t>
+            </a:r>
+            <a:endParaRPr lang="ru-RU" dirty="0">
+              <a:latin typeface="Times New Roman" panose="02020603050405020304" pitchFamily="18" charset="0"/>
+              <a:cs typeface="Times New Roman" panose="02020603050405020304" pitchFamily="18" charset="0"/>
+            </a:endParaRPr>
+          </a:p>
+        </p:txBody>
+      </p:sp>
+      <p:sp>
+        <p:nvSpPr>
+          <p:cNvPr id="4" name="Subtitle 3"/>
+          <p:cNvSpPr>
+            <a:spLocks noGrp="1"/>
+          </p:cNvSpPr>
+          <p:nvPr>
+            <p:ph type="subTitle" idx="1"/>
+          </p:nvPr>
+        </p:nvSpPr>
+        <p:spPr>
+          <a:xfrm>
+            <a:off x="7278624" y="4559808"/>
+            <a:ext cx="4133088" cy="2023872"/>
+          </a:xfrm>
+        </p:spPr>
+        <p:txBody>
+          <a:bodyPr>
+            <a:normAutofit/>
+          </a:bodyPr>
+          <a:lstStyle/>
+          <a:p>
+            <a:pPr algn="r"/>
+            <a:r>
+              <a:rPr lang="ru-RU" dirty="0" smtClean="0">
+                <a:solidFill>
+                  <a:schemeClr val="bg1">
+                    <a:lumMod val="50000"/>
+                  </a:schemeClr>
+                </a:solidFill>
+                <a:latin typeface="Times New Roman" panose="02020603050405020304" pitchFamily="18" charset="0"/>
+                <a:cs typeface="Times New Roman" panose="02020603050405020304" pitchFamily="18" charset="0"/>
+              </a:rPr>
+              <a:t>Исполнитель:</a:t>
+            </a:r>
+            <a:r>
+              <a:rPr lang="ru-RU" dirty="0">
+                <a:latin typeface="Times New Roman" panose="02020603050405020304" pitchFamily="18" charset="0"/>
+                <a:cs typeface="Times New Roman" panose="02020603050405020304" pitchFamily="18" charset="0"/>
+              </a:rPr>
+              <a:t/>
+            </a:r>
+            <a:br>
+              <a:rPr lang="ru-RU" dirty="0">
+                <a:latin typeface="Times New Roman" panose="02020603050405020304" pitchFamily="18" charset="0"/>
+                <a:cs typeface="Times New Roman" panose="02020603050405020304" pitchFamily="18" charset="0"/>
+              </a:rPr>
+            </a:br>
+            <a:r>
+              <a:rPr lang="ru-RU" dirty="0">
+                <a:latin typeface="Times New Roman" panose="02020603050405020304" pitchFamily="18" charset="0"/>
+                <a:cs typeface="Times New Roman" panose="02020603050405020304" pitchFamily="18" charset="0"/>
+              </a:rPr>
+              <a:t>Г</a:t>
+            </a:r>
+            <a:r>
+              <a:rPr lang="ru-RU" dirty="0" smtClean="0">
+                <a:latin typeface="Times New Roman" panose="02020603050405020304" pitchFamily="18" charset="0"/>
+                <a:cs typeface="Times New Roman" panose="02020603050405020304" pitchFamily="18" charset="0"/>
+              </a:rPr>
+              <a:t>руппа магистров </a:t>
+            </a:r>
+            <a:r>
+              <a:rPr lang="ru-RU" dirty="0">
+                <a:latin typeface="Times New Roman" panose="02020603050405020304" pitchFamily="18" charset="0"/>
+                <a:cs typeface="Times New Roman" panose="02020603050405020304" pitchFamily="18" charset="0"/>
+              </a:rPr>
+              <a:t>2-го года </a:t>
+            </a:r>
+            <a:r>
+              <a:rPr lang="ru-RU" dirty="0" smtClean="0">
+                <a:latin typeface="Times New Roman" panose="02020603050405020304" pitchFamily="18" charset="0"/>
+                <a:cs typeface="Times New Roman" panose="02020603050405020304" pitchFamily="18" charset="0"/>
+              </a:rPr>
+              <a:t>обучения </a:t>
+            </a:r>
+          </a:p>
+          <a:p>
+            <a:r>
+              <a:rPr lang="ru-RU" dirty="0" smtClean="0">
+                <a:latin typeface="Times New Roman" panose="02020603050405020304" pitchFamily="18" charset="0"/>
+                <a:cs typeface="Times New Roman" panose="02020603050405020304" pitchFamily="18" charset="0"/>
+              </a:rPr>
+              <a:t> </a:t>
+            </a:r>
           </a:p>
         </p:txBody>
       </p:sp>
@@ -23833,14 +23942,10 @@
             </a:r>
             <a:r>
               <a:rPr lang="ru-RU" dirty="0"/>
-              <a:t>примеры с количеством вершин в графе от 4720 </a:t>
-            </a:r>
-            <a:r>
-              <a:rPr lang="ru-RU"/>
-              <a:t>до </a:t>
-            </a:r>
-            <a:r>
-              <a:rPr lang="ru-RU" smtClean="0"/>
+              <a:t>примеры с количеством вершин в графе от 4720 до </a:t>
+            </a:r>
+            <a:r>
+              <a:rPr lang="ru-RU" dirty="0" smtClean="0"/>
               <a:t>258569</a:t>
             </a:r>
             <a:endParaRPr lang="ru-RU" dirty="0"/>

--- a/docs/Презентация v0.9.pptx
+++ b/docs/Презентация v0.9.pptx
@@ -5,7 +5,7 @@
     <p:sldMasterId id="2147483648" r:id="rId1"/>
   </p:sldMasterIdLst>
   <p:notesMasterIdLst>
-    <p:notesMasterId r:id="rId51"/>
+    <p:notesMasterId r:id="rId52"/>
   </p:notesMasterIdLst>
   <p:sldIdLst>
     <p:sldId id="256" r:id="rId2"/>
@@ -54,9 +54,10 @@
     <p:sldId id="366" r:id="rId45"/>
     <p:sldId id="338" r:id="rId46"/>
     <p:sldId id="348" r:id="rId47"/>
-    <p:sldId id="344" r:id="rId48"/>
-    <p:sldId id="345" r:id="rId49"/>
-    <p:sldId id="346" r:id="rId50"/>
+    <p:sldId id="368" r:id="rId48"/>
+    <p:sldId id="344" r:id="rId49"/>
+    <p:sldId id="345" r:id="rId50"/>
+    <p:sldId id="346" r:id="rId51"/>
   </p:sldIdLst>
   <p:sldSz cx="12192000" cy="6858000"/>
   <p:notesSz cx="6858000" cy="9144000"/>
@@ -175,6 +176,10 @@
 </p:cmAuthorLst>
 </file>
 
+<file path=ppt/revisionInfo.xml><?xml version="1.0" encoding="utf-8"?>
+<p1510:revInfo xmlns:a="http://schemas.openxmlformats.org/drawingml/2006/main" xmlns:r="http://schemas.openxmlformats.org/officeDocument/2006/relationships" xmlns:p1510="http://schemas.microsoft.com/office/powerpoint/2015/10/main"/>
+</file>
+
 <file path=ppt/notesMasters/notesMaster1.xml><?xml version="1.0" encoding="utf-8"?>
 <p:notesMaster xmlns:a="http://schemas.openxmlformats.org/drawingml/2006/main" xmlns:r="http://schemas.openxmlformats.org/officeDocument/2006/relationships" xmlns:p="http://schemas.openxmlformats.org/presentationml/2006/main">
   <p:cSld>
@@ -257,7 +262,7 @@
           <a:p>
             <a:fld id="{2F7BDC20-999D-4259-B6C3-F40ECC5C4406}" type="datetimeFigureOut">
               <a:rPr lang="ru-RU" smtClean="0"/>
-              <a:t>20.12.2017</a:t>
+              <a:t>23.12.2017</a:t>
             </a:fld>
             <a:endParaRPr lang="ru-RU"/>
           </a:p>
@@ -321,38 +326,37 @@
           <a:p>
             <a:pPr lvl="0"/>
             <a:r>
-              <a:rPr lang="ru-RU" smtClean="0"/>
+              <a:rPr lang="ru-RU"/>
               <a:t>Образец текста</a:t>
             </a:r>
           </a:p>
           <a:p>
             <a:pPr lvl="1"/>
             <a:r>
-              <a:rPr lang="ru-RU" smtClean="0"/>
+              <a:rPr lang="ru-RU"/>
               <a:t>Второй уровень</a:t>
             </a:r>
           </a:p>
           <a:p>
             <a:pPr lvl="2"/>
             <a:r>
-              <a:rPr lang="ru-RU" smtClean="0"/>
+              <a:rPr lang="ru-RU"/>
               <a:t>Третий уровень</a:t>
             </a:r>
           </a:p>
           <a:p>
             <a:pPr lvl="3"/>
             <a:r>
-              <a:rPr lang="ru-RU" smtClean="0"/>
+              <a:rPr lang="ru-RU"/>
               <a:t>Четвертый уровень</a:t>
             </a:r>
           </a:p>
           <a:p>
             <a:pPr lvl="4"/>
             <a:r>
-              <a:rPr lang="ru-RU" smtClean="0"/>
+              <a:rPr lang="ru-RU"/>
               <a:t>Пятый уровень</a:t>
             </a:r>
-            <a:endParaRPr lang="ru-RU"/>
           </a:p>
         </p:txBody>
       </p:sp>
@@ -570,10 +574,9 @@
           <a:lstStyle/>
           <a:p>
             <a:r>
-              <a:rPr lang="ru-RU" dirty="0" smtClean="0"/>
+              <a:rPr lang="ru-RU" dirty="0"/>
               <a:t>Был объект</a:t>
             </a:r>
-            <a:endParaRPr lang="ru-RU" dirty="0"/>
           </a:p>
         </p:txBody>
       </p:sp>
@@ -910,11 +913,11 @@
           <a:lstStyle/>
           <a:p>
             <a:r>
-              <a:rPr lang="ru-RU" dirty="0" smtClean="0"/>
+              <a:rPr lang="ru-RU" dirty="0"/>
               <a:t>Что по факту</a:t>
             </a:r>
             <a:r>
-              <a:rPr lang="ru-RU" baseline="0" dirty="0" smtClean="0"/>
+              <a:rPr lang="ru-RU" baseline="0" dirty="0"/>
               <a:t> удалось сделать, какие проблемы не решены, перспективы</a:t>
             </a:r>
             <a:endParaRPr lang="ru-RU" dirty="0"/>
@@ -938,7 +941,7 @@
           <a:p>
             <a:fld id="{9C466FCC-2ADF-469F-864C-91669074506B}" type="slidenum">
               <a:rPr lang="ru-RU" smtClean="0"/>
-              <a:t>48</a:t>
+              <a:t>49</a:t>
             </a:fld>
             <a:endParaRPr lang="ru-RU"/>
           </a:p>
@@ -1002,11 +1005,11 @@
           <a:lstStyle/>
           <a:p>
             <a:r>
-              <a:rPr lang="ru-RU" dirty="0" smtClean="0"/>
+              <a:rPr lang="ru-RU" dirty="0"/>
               <a:t>Декомпозиция</a:t>
             </a:r>
             <a:r>
-              <a:rPr lang="ru-RU" baseline="0" dirty="0" smtClean="0"/>
+              <a:rPr lang="ru-RU" baseline="0" dirty="0"/>
               <a:t> объекта</a:t>
             </a:r>
             <a:endParaRPr lang="ru-RU" dirty="0"/>
@@ -1094,11 +1097,11 @@
           <a:lstStyle/>
           <a:p>
             <a:r>
-              <a:rPr lang="ru-RU" dirty="0" smtClean="0"/>
+              <a:rPr lang="ru-RU" dirty="0"/>
               <a:t>Результат</a:t>
             </a:r>
             <a:r>
-              <a:rPr lang="ru-RU" baseline="0" dirty="0" smtClean="0"/>
+              <a:rPr lang="ru-RU" baseline="0" dirty="0"/>
               <a:t> декомпозиции</a:t>
             </a:r>
             <a:endParaRPr lang="ru-RU" dirty="0"/>
@@ -1186,11 +1189,11 @@
           <a:lstStyle/>
           <a:p>
             <a:r>
-              <a:rPr lang="ru-RU" dirty="0" smtClean="0"/>
+              <a:rPr lang="ru-RU" dirty="0"/>
               <a:t>После декомпозиции</a:t>
             </a:r>
             <a:r>
-              <a:rPr lang="ru-RU" baseline="0" dirty="0" smtClean="0"/>
+              <a:rPr lang="ru-RU" baseline="0" dirty="0"/>
               <a:t> потерялась информация о геометрии фигуры и нумерации, нужно восстановить</a:t>
             </a:r>
             <a:endParaRPr lang="ru-RU" dirty="0"/>
@@ -1278,10 +1281,9 @@
           <a:lstStyle/>
           <a:p>
             <a:r>
-              <a:rPr lang="ru-RU" dirty="0" smtClean="0"/>
+              <a:rPr lang="ru-RU" dirty="0"/>
               <a:t>Сетка пришла, но нет геометрии, надо натянуть и пронумеровать</a:t>
             </a:r>
-            <a:endParaRPr lang="ru-RU" dirty="0"/>
           </a:p>
         </p:txBody>
       </p:sp>
@@ -1366,11 +1368,11 @@
           <a:lstStyle/>
           <a:p>
             <a:r>
-              <a:rPr lang="ru-RU" dirty="0" smtClean="0"/>
+              <a:rPr lang="ru-RU" dirty="0"/>
               <a:t>Сетка</a:t>
             </a:r>
             <a:r>
-              <a:rPr lang="ru-RU" baseline="0" dirty="0" smtClean="0"/>
+              <a:rPr lang="ru-RU" baseline="0" dirty="0"/>
               <a:t> и геометрия есть, но нужно проверить корректность</a:t>
             </a:r>
             <a:endParaRPr lang="ru-RU" dirty="0"/>
@@ -1707,10 +1709,9 @@
           </a:lstStyle>
           <a:p>
             <a:r>
-              <a:rPr lang="ru-RU" smtClean="0"/>
+              <a:rPr lang="ru-RU"/>
               <a:t>Образец заголовка</a:t>
             </a:r>
-            <a:endParaRPr lang="ru-RU"/>
           </a:p>
         </p:txBody>
       </p:sp>
@@ -1772,10 +1773,9 @@
           </a:lstStyle>
           <a:p>
             <a:r>
-              <a:rPr lang="ru-RU" smtClean="0"/>
+              <a:rPr lang="ru-RU"/>
               <a:t>Образец подзаголовка</a:t>
             </a:r>
-            <a:endParaRPr lang="ru-RU"/>
           </a:p>
         </p:txBody>
       </p:sp>
@@ -1796,7 +1796,7 @@
           <a:p>
             <a:fld id="{79CFADE9-FF2A-4FAE-8AFA-A6F5AE605187}" type="datetime1">
               <a:rPr lang="ru-RU" smtClean="0"/>
-              <a:t>20.12.2017</a:t>
+              <a:t>23.12.2017</a:t>
             </a:fld>
             <a:endParaRPr lang="ru-RU"/>
           </a:p>
@@ -1890,10 +1890,9 @@
           <a:lstStyle/>
           <a:p>
             <a:r>
-              <a:rPr lang="ru-RU" smtClean="0"/>
+              <a:rPr lang="ru-RU"/>
               <a:t>Образец заголовка</a:t>
             </a:r>
-            <a:endParaRPr lang="ru-RU"/>
           </a:p>
         </p:txBody>
       </p:sp>
@@ -1914,38 +1913,37 @@
           <a:p>
             <a:pPr lvl="0"/>
             <a:r>
-              <a:rPr lang="ru-RU" smtClean="0"/>
+              <a:rPr lang="ru-RU"/>
               <a:t>Образец текста</a:t>
             </a:r>
           </a:p>
           <a:p>
             <a:pPr lvl="1"/>
             <a:r>
-              <a:rPr lang="ru-RU" smtClean="0"/>
+              <a:rPr lang="ru-RU"/>
               <a:t>Второй уровень</a:t>
             </a:r>
           </a:p>
           <a:p>
             <a:pPr lvl="2"/>
             <a:r>
-              <a:rPr lang="ru-RU" smtClean="0"/>
+              <a:rPr lang="ru-RU"/>
               <a:t>Третий уровень</a:t>
             </a:r>
           </a:p>
           <a:p>
             <a:pPr lvl="3"/>
             <a:r>
-              <a:rPr lang="ru-RU" smtClean="0"/>
+              <a:rPr lang="ru-RU"/>
               <a:t>Четвертый уровень</a:t>
             </a:r>
           </a:p>
           <a:p>
             <a:pPr lvl="4"/>
             <a:r>
-              <a:rPr lang="ru-RU" smtClean="0"/>
+              <a:rPr lang="ru-RU"/>
               <a:t>Пятый уровень</a:t>
             </a:r>
-            <a:endParaRPr lang="ru-RU"/>
           </a:p>
         </p:txBody>
       </p:sp>
@@ -1966,7 +1964,7 @@
           <a:p>
             <a:fld id="{8F982AEC-E365-4CCD-BC0F-5313038E0927}" type="datetime1">
               <a:rPr lang="ru-RU" smtClean="0"/>
-              <a:t>20.12.2017</a:t>
+              <a:t>23.12.2017</a:t>
             </a:fld>
             <a:endParaRPr lang="ru-RU"/>
           </a:p>
@@ -2065,10 +2063,9 @@
           <a:lstStyle/>
           <a:p>
             <a:r>
-              <a:rPr lang="ru-RU" smtClean="0"/>
+              <a:rPr lang="ru-RU"/>
               <a:t>Образец заголовка</a:t>
             </a:r>
-            <a:endParaRPr lang="ru-RU"/>
           </a:p>
         </p:txBody>
       </p:sp>
@@ -2094,38 +2091,37 @@
           <a:p>
             <a:pPr lvl="0"/>
             <a:r>
-              <a:rPr lang="ru-RU" smtClean="0"/>
+              <a:rPr lang="ru-RU"/>
               <a:t>Образец текста</a:t>
             </a:r>
           </a:p>
           <a:p>
             <a:pPr lvl="1"/>
             <a:r>
-              <a:rPr lang="ru-RU" smtClean="0"/>
+              <a:rPr lang="ru-RU"/>
               <a:t>Второй уровень</a:t>
             </a:r>
           </a:p>
           <a:p>
             <a:pPr lvl="2"/>
             <a:r>
-              <a:rPr lang="ru-RU" smtClean="0"/>
+              <a:rPr lang="ru-RU"/>
               <a:t>Третий уровень</a:t>
             </a:r>
           </a:p>
           <a:p>
             <a:pPr lvl="3"/>
             <a:r>
-              <a:rPr lang="ru-RU" smtClean="0"/>
+              <a:rPr lang="ru-RU"/>
               <a:t>Четвертый уровень</a:t>
             </a:r>
           </a:p>
           <a:p>
             <a:pPr lvl="4"/>
             <a:r>
-              <a:rPr lang="ru-RU" smtClean="0"/>
+              <a:rPr lang="ru-RU"/>
               <a:t>Пятый уровень</a:t>
             </a:r>
-            <a:endParaRPr lang="ru-RU"/>
           </a:p>
         </p:txBody>
       </p:sp>
@@ -2146,7 +2142,7 @@
           <a:p>
             <a:fld id="{38864601-6BAA-4E1D-A5D7-7B0867CDDF66}" type="datetime1">
               <a:rPr lang="ru-RU" smtClean="0"/>
-              <a:t>20.12.2017</a:t>
+              <a:t>23.12.2017</a:t>
             </a:fld>
             <a:endParaRPr lang="ru-RU"/>
           </a:p>
@@ -2240,10 +2236,9 @@
           <a:lstStyle/>
           <a:p>
             <a:r>
-              <a:rPr lang="ru-RU" smtClean="0"/>
+              <a:rPr lang="ru-RU"/>
               <a:t>Образец заголовка</a:t>
             </a:r>
-            <a:endParaRPr lang="ru-RU"/>
           </a:p>
         </p:txBody>
       </p:sp>
@@ -2264,38 +2259,37 @@
           <a:p>
             <a:pPr lvl="0"/>
             <a:r>
-              <a:rPr lang="ru-RU" smtClean="0"/>
+              <a:rPr lang="ru-RU"/>
               <a:t>Образец текста</a:t>
             </a:r>
           </a:p>
           <a:p>
             <a:pPr lvl="1"/>
             <a:r>
-              <a:rPr lang="ru-RU" smtClean="0"/>
+              <a:rPr lang="ru-RU"/>
               <a:t>Второй уровень</a:t>
             </a:r>
           </a:p>
           <a:p>
             <a:pPr lvl="2"/>
             <a:r>
-              <a:rPr lang="ru-RU" smtClean="0"/>
+              <a:rPr lang="ru-RU"/>
               <a:t>Третий уровень</a:t>
             </a:r>
           </a:p>
           <a:p>
             <a:pPr lvl="3"/>
             <a:r>
-              <a:rPr lang="ru-RU" smtClean="0"/>
+              <a:rPr lang="ru-RU"/>
               <a:t>Четвертый уровень</a:t>
             </a:r>
           </a:p>
           <a:p>
             <a:pPr lvl="4"/>
             <a:r>
-              <a:rPr lang="ru-RU" smtClean="0"/>
+              <a:rPr lang="ru-RU"/>
               <a:t>Пятый уровень</a:t>
             </a:r>
-            <a:endParaRPr lang="ru-RU"/>
           </a:p>
         </p:txBody>
       </p:sp>
@@ -2316,7 +2310,7 @@
           <a:p>
             <a:fld id="{CAF71018-6EBF-40EE-9984-DC2D2274B6EF}" type="datetime1">
               <a:rPr lang="ru-RU" smtClean="0"/>
-              <a:t>20.12.2017</a:t>
+              <a:t>23.12.2017</a:t>
             </a:fld>
             <a:endParaRPr lang="ru-RU"/>
           </a:p>
@@ -2419,10 +2413,9 @@
           </a:lstStyle>
           <a:p>
             <a:r>
-              <a:rPr lang="ru-RU" smtClean="0"/>
+              <a:rPr lang="ru-RU"/>
               <a:t>Образец заголовка</a:t>
             </a:r>
-            <a:endParaRPr lang="ru-RU"/>
           </a:p>
         </p:txBody>
       </p:sp>
@@ -2539,7 +2532,7 @@
           <a:p>
             <a:pPr lvl="0"/>
             <a:r>
-              <a:rPr lang="ru-RU" smtClean="0"/>
+              <a:rPr lang="ru-RU"/>
               <a:t>Образец текста</a:t>
             </a:r>
           </a:p>
@@ -2562,7 +2555,7 @@
           <a:p>
             <a:fld id="{6B766E40-7F19-45A7-AFE3-AD6EAF55C0DD}" type="datetime1">
               <a:rPr lang="ru-RU" smtClean="0"/>
-              <a:t>20.12.2017</a:t>
+              <a:t>23.12.2017</a:t>
             </a:fld>
             <a:endParaRPr lang="ru-RU"/>
           </a:p>
@@ -2656,10 +2649,9 @@
           <a:lstStyle/>
           <a:p>
             <a:r>
-              <a:rPr lang="ru-RU" smtClean="0"/>
+              <a:rPr lang="ru-RU"/>
               <a:t>Образец заголовка</a:t>
             </a:r>
-            <a:endParaRPr lang="ru-RU"/>
           </a:p>
         </p:txBody>
       </p:sp>
@@ -2685,38 +2677,37 @@
           <a:p>
             <a:pPr lvl="0"/>
             <a:r>
-              <a:rPr lang="ru-RU" smtClean="0"/>
+              <a:rPr lang="ru-RU"/>
               <a:t>Образец текста</a:t>
             </a:r>
           </a:p>
           <a:p>
             <a:pPr lvl="1"/>
             <a:r>
-              <a:rPr lang="ru-RU" smtClean="0"/>
+              <a:rPr lang="ru-RU"/>
               <a:t>Второй уровень</a:t>
             </a:r>
           </a:p>
           <a:p>
             <a:pPr lvl="2"/>
             <a:r>
-              <a:rPr lang="ru-RU" smtClean="0"/>
+              <a:rPr lang="ru-RU"/>
               <a:t>Третий уровень</a:t>
             </a:r>
           </a:p>
           <a:p>
             <a:pPr lvl="3"/>
             <a:r>
-              <a:rPr lang="ru-RU" smtClean="0"/>
+              <a:rPr lang="ru-RU"/>
               <a:t>Четвертый уровень</a:t>
             </a:r>
           </a:p>
           <a:p>
             <a:pPr lvl="4"/>
             <a:r>
-              <a:rPr lang="ru-RU" smtClean="0"/>
+              <a:rPr lang="ru-RU"/>
               <a:t>Пятый уровень</a:t>
             </a:r>
-            <a:endParaRPr lang="ru-RU"/>
           </a:p>
         </p:txBody>
       </p:sp>
@@ -2742,38 +2733,37 @@
           <a:p>
             <a:pPr lvl="0"/>
             <a:r>
-              <a:rPr lang="ru-RU" smtClean="0"/>
+              <a:rPr lang="ru-RU"/>
               <a:t>Образец текста</a:t>
             </a:r>
           </a:p>
           <a:p>
             <a:pPr lvl="1"/>
             <a:r>
-              <a:rPr lang="ru-RU" smtClean="0"/>
+              <a:rPr lang="ru-RU"/>
               <a:t>Второй уровень</a:t>
             </a:r>
           </a:p>
           <a:p>
             <a:pPr lvl="2"/>
             <a:r>
-              <a:rPr lang="ru-RU" smtClean="0"/>
+              <a:rPr lang="ru-RU"/>
               <a:t>Третий уровень</a:t>
             </a:r>
           </a:p>
           <a:p>
             <a:pPr lvl="3"/>
             <a:r>
-              <a:rPr lang="ru-RU" smtClean="0"/>
+              <a:rPr lang="ru-RU"/>
               <a:t>Четвертый уровень</a:t>
             </a:r>
           </a:p>
           <a:p>
             <a:pPr lvl="4"/>
             <a:r>
-              <a:rPr lang="ru-RU" smtClean="0"/>
+              <a:rPr lang="ru-RU"/>
               <a:t>Пятый уровень</a:t>
             </a:r>
-            <a:endParaRPr lang="ru-RU"/>
           </a:p>
         </p:txBody>
       </p:sp>
@@ -2794,7 +2784,7 @@
           <a:p>
             <a:fld id="{5C0F2458-4C93-4E25-8E34-87E23EE7C8CE}" type="datetime1">
               <a:rPr lang="ru-RU" smtClean="0"/>
-              <a:t>20.12.2017</a:t>
+              <a:t>23.12.2017</a:t>
             </a:fld>
             <a:endParaRPr lang="ru-RU"/>
           </a:p>
@@ -2893,10 +2883,9 @@
           <a:lstStyle/>
           <a:p>
             <a:r>
-              <a:rPr lang="ru-RU" smtClean="0"/>
+              <a:rPr lang="ru-RU"/>
               <a:t>Образец заголовка</a:t>
             </a:r>
-            <a:endParaRPr lang="ru-RU"/>
           </a:p>
         </p:txBody>
       </p:sp>
@@ -2959,7 +2948,7 @@
           <a:p>
             <a:pPr lvl="0"/>
             <a:r>
-              <a:rPr lang="ru-RU" smtClean="0"/>
+              <a:rPr lang="ru-RU"/>
               <a:t>Образец текста</a:t>
             </a:r>
           </a:p>
@@ -2987,38 +2976,37 @@
           <a:p>
             <a:pPr lvl="0"/>
             <a:r>
-              <a:rPr lang="ru-RU" smtClean="0"/>
+              <a:rPr lang="ru-RU"/>
               <a:t>Образец текста</a:t>
             </a:r>
           </a:p>
           <a:p>
             <a:pPr lvl="1"/>
             <a:r>
-              <a:rPr lang="ru-RU" smtClean="0"/>
+              <a:rPr lang="ru-RU"/>
               <a:t>Второй уровень</a:t>
             </a:r>
           </a:p>
           <a:p>
             <a:pPr lvl="2"/>
             <a:r>
-              <a:rPr lang="ru-RU" smtClean="0"/>
+              <a:rPr lang="ru-RU"/>
               <a:t>Третий уровень</a:t>
             </a:r>
           </a:p>
           <a:p>
             <a:pPr lvl="3"/>
             <a:r>
-              <a:rPr lang="ru-RU" smtClean="0"/>
+              <a:rPr lang="ru-RU"/>
               <a:t>Четвертый уровень</a:t>
             </a:r>
           </a:p>
           <a:p>
             <a:pPr lvl="4"/>
             <a:r>
-              <a:rPr lang="ru-RU" smtClean="0"/>
+              <a:rPr lang="ru-RU"/>
               <a:t>Пятый уровень</a:t>
             </a:r>
-            <a:endParaRPr lang="ru-RU"/>
           </a:p>
         </p:txBody>
       </p:sp>
@@ -3081,7 +3069,7 @@
           <a:p>
             <a:pPr lvl="0"/>
             <a:r>
-              <a:rPr lang="ru-RU" smtClean="0"/>
+              <a:rPr lang="ru-RU"/>
               <a:t>Образец текста</a:t>
             </a:r>
           </a:p>
@@ -3109,38 +3097,37 @@
           <a:p>
             <a:pPr lvl="0"/>
             <a:r>
-              <a:rPr lang="ru-RU" smtClean="0"/>
+              <a:rPr lang="ru-RU"/>
               <a:t>Образец текста</a:t>
             </a:r>
           </a:p>
           <a:p>
             <a:pPr lvl="1"/>
             <a:r>
-              <a:rPr lang="ru-RU" smtClean="0"/>
+              <a:rPr lang="ru-RU"/>
               <a:t>Второй уровень</a:t>
             </a:r>
           </a:p>
           <a:p>
             <a:pPr lvl="2"/>
             <a:r>
-              <a:rPr lang="ru-RU" smtClean="0"/>
+              <a:rPr lang="ru-RU"/>
               <a:t>Третий уровень</a:t>
             </a:r>
           </a:p>
           <a:p>
             <a:pPr lvl="3"/>
             <a:r>
-              <a:rPr lang="ru-RU" smtClean="0"/>
+              <a:rPr lang="ru-RU"/>
               <a:t>Четвертый уровень</a:t>
             </a:r>
           </a:p>
           <a:p>
             <a:pPr lvl="4"/>
             <a:r>
-              <a:rPr lang="ru-RU" smtClean="0"/>
+              <a:rPr lang="ru-RU"/>
               <a:t>Пятый уровень</a:t>
             </a:r>
-            <a:endParaRPr lang="ru-RU"/>
           </a:p>
         </p:txBody>
       </p:sp>
@@ -3161,7 +3148,7 @@
           <a:p>
             <a:fld id="{C9AAF2B6-BB50-4E71-9679-83EA93217DD4}" type="datetime1">
               <a:rPr lang="ru-RU" smtClean="0"/>
-              <a:t>20.12.2017</a:t>
+              <a:t>23.12.2017</a:t>
             </a:fld>
             <a:endParaRPr lang="ru-RU"/>
           </a:p>
@@ -3255,10 +3242,9 @@
           <a:lstStyle/>
           <a:p>
             <a:r>
-              <a:rPr lang="ru-RU" smtClean="0"/>
+              <a:rPr lang="ru-RU"/>
               <a:t>Образец заголовка</a:t>
             </a:r>
-            <a:endParaRPr lang="ru-RU"/>
           </a:p>
         </p:txBody>
       </p:sp>
@@ -3279,7 +3265,7 @@
           <a:p>
             <a:fld id="{F44F415F-912D-4181-ADD3-2E97B41F5BA3}" type="datetime1">
               <a:rPr lang="ru-RU" smtClean="0"/>
-              <a:t>20.12.2017</a:t>
+              <a:t>23.12.2017</a:t>
             </a:fld>
             <a:endParaRPr lang="ru-RU"/>
           </a:p>
@@ -3374,7 +3360,7 @@
           <a:p>
             <a:fld id="{CF1D8B0F-0C2B-49B2-9FD3-B073E7332BCA}" type="datetime1">
               <a:rPr lang="ru-RU" smtClean="0"/>
-              <a:t>20.12.2017</a:t>
+              <a:t>23.12.2017</a:t>
             </a:fld>
             <a:endParaRPr lang="ru-RU"/>
           </a:p>
@@ -3477,10 +3463,9 @@
           </a:lstStyle>
           <a:p>
             <a:r>
-              <a:rPr lang="ru-RU" smtClean="0"/>
+              <a:rPr lang="ru-RU"/>
               <a:t>Образец заголовка</a:t>
             </a:r>
-            <a:endParaRPr lang="ru-RU"/>
           </a:p>
         </p:txBody>
       </p:sp>
@@ -3534,38 +3519,37 @@
           <a:p>
             <a:pPr lvl="0"/>
             <a:r>
-              <a:rPr lang="ru-RU" smtClean="0"/>
+              <a:rPr lang="ru-RU"/>
               <a:t>Образец текста</a:t>
             </a:r>
           </a:p>
           <a:p>
             <a:pPr lvl="1"/>
             <a:r>
-              <a:rPr lang="ru-RU" smtClean="0"/>
+              <a:rPr lang="ru-RU"/>
               <a:t>Второй уровень</a:t>
             </a:r>
           </a:p>
           <a:p>
             <a:pPr lvl="2"/>
             <a:r>
-              <a:rPr lang="ru-RU" smtClean="0"/>
+              <a:rPr lang="ru-RU"/>
               <a:t>Третий уровень</a:t>
             </a:r>
           </a:p>
           <a:p>
             <a:pPr lvl="3"/>
             <a:r>
-              <a:rPr lang="ru-RU" smtClean="0"/>
+              <a:rPr lang="ru-RU"/>
               <a:t>Четвертый уровень</a:t>
             </a:r>
           </a:p>
           <a:p>
             <a:pPr lvl="4"/>
             <a:r>
-              <a:rPr lang="ru-RU" smtClean="0"/>
+              <a:rPr lang="ru-RU"/>
               <a:t>Пятый уровень</a:t>
             </a:r>
-            <a:endParaRPr lang="ru-RU"/>
           </a:p>
         </p:txBody>
       </p:sp>
@@ -3628,7 +3612,7 @@
           <a:p>
             <a:pPr lvl="0"/>
             <a:r>
-              <a:rPr lang="ru-RU" smtClean="0"/>
+              <a:rPr lang="ru-RU"/>
               <a:t>Образец текста</a:t>
             </a:r>
           </a:p>
@@ -3651,7 +3635,7 @@
           <a:p>
             <a:fld id="{8A99040C-12A9-414A-9B1A-63BD8F2F1AC2}" type="datetime1">
               <a:rPr lang="ru-RU" smtClean="0"/>
-              <a:t>20.12.2017</a:t>
+              <a:t>23.12.2017</a:t>
             </a:fld>
             <a:endParaRPr lang="ru-RU"/>
           </a:p>
@@ -3754,10 +3738,9 @@
           </a:lstStyle>
           <a:p>
             <a:r>
-              <a:rPr lang="ru-RU" smtClean="0"/>
+              <a:rPr lang="ru-RU"/>
               <a:t>Образец заголовка</a:t>
             </a:r>
-            <a:endParaRPr lang="ru-RU"/>
           </a:p>
         </p:txBody>
       </p:sp>
@@ -3881,7 +3864,7 @@
           <a:p>
             <a:pPr lvl="0"/>
             <a:r>
-              <a:rPr lang="ru-RU" smtClean="0"/>
+              <a:rPr lang="ru-RU"/>
               <a:t>Образец текста</a:t>
             </a:r>
           </a:p>
@@ -3904,7 +3887,7 @@
           <a:p>
             <a:fld id="{6620461E-09D4-4DC8-9E9F-2F7F6F24987E}" type="datetime1">
               <a:rPr lang="ru-RU" smtClean="0"/>
-              <a:t>20.12.2017</a:t>
+              <a:t>23.12.2017</a:t>
             </a:fld>
             <a:endParaRPr lang="ru-RU"/>
           </a:p>
@@ -4013,10 +3996,9 @@
           <a:lstStyle/>
           <a:p>
             <a:r>
-              <a:rPr lang="ru-RU" smtClean="0"/>
+              <a:rPr lang="ru-RU"/>
               <a:t>Образец заголовка</a:t>
             </a:r>
-            <a:endParaRPr lang="ru-RU"/>
           </a:p>
         </p:txBody>
       </p:sp>
@@ -4047,38 +4029,37 @@
           <a:p>
             <a:pPr lvl="0"/>
             <a:r>
-              <a:rPr lang="ru-RU" smtClean="0"/>
+              <a:rPr lang="ru-RU"/>
               <a:t>Образец текста</a:t>
             </a:r>
           </a:p>
           <a:p>
             <a:pPr lvl="1"/>
             <a:r>
-              <a:rPr lang="ru-RU" smtClean="0"/>
+              <a:rPr lang="ru-RU"/>
               <a:t>Второй уровень</a:t>
             </a:r>
           </a:p>
           <a:p>
             <a:pPr lvl="2"/>
             <a:r>
-              <a:rPr lang="ru-RU" smtClean="0"/>
+              <a:rPr lang="ru-RU"/>
               <a:t>Третий уровень</a:t>
             </a:r>
           </a:p>
           <a:p>
             <a:pPr lvl="3"/>
             <a:r>
-              <a:rPr lang="ru-RU" smtClean="0"/>
+              <a:rPr lang="ru-RU"/>
               <a:t>Четвертый уровень</a:t>
             </a:r>
           </a:p>
           <a:p>
             <a:pPr lvl="4"/>
             <a:r>
-              <a:rPr lang="ru-RU" smtClean="0"/>
+              <a:rPr lang="ru-RU"/>
               <a:t>Пятый уровень</a:t>
             </a:r>
-            <a:endParaRPr lang="ru-RU"/>
           </a:p>
         </p:txBody>
       </p:sp>
@@ -4117,7 +4098,7 @@
           <a:p>
             <a:fld id="{16B0AB04-008B-420E-A0B7-26FA7A461D78}" type="datetime1">
               <a:rPr lang="ru-RU" smtClean="0"/>
-              <a:t>20.12.2017</a:t>
+              <a:t>23.12.2017</a:t>
             </a:fld>
             <a:endParaRPr lang="ru-RU"/>
           </a:p>
@@ -4596,7 +4577,7 @@
           <a:p>
             <a:pPr algn="r"/>
             <a:r>
-              <a:rPr lang="ru-RU" dirty="0" smtClean="0">
+              <a:rPr lang="ru-RU" dirty="0">
                 <a:solidFill>
                   <a:schemeClr val="bg1">
                     <a:lumMod val="50000"/>
@@ -4607,13 +4588,6 @@
               </a:rPr>
               <a:t>Исполнитель:</a:t>
             </a:r>
-            <a:r>
-              <a:rPr lang="ru-RU" dirty="0">
-                <a:latin typeface="Times New Roman" panose="02020603050405020304" pitchFamily="18" charset="0"/>
-                <a:cs typeface="Times New Roman" panose="02020603050405020304" pitchFamily="18" charset="0"/>
-              </a:rPr>
-              <a:t/>
-            </a:r>
             <a:br>
               <a:rPr lang="ru-RU" dirty="0">
                 <a:latin typeface="Times New Roman" panose="02020603050405020304" pitchFamily="18" charset="0"/>
@@ -4625,33 +4599,12 @@
                 <a:latin typeface="Times New Roman" panose="02020603050405020304" pitchFamily="18" charset="0"/>
                 <a:cs typeface="Times New Roman" panose="02020603050405020304" pitchFamily="18" charset="0"/>
               </a:rPr>
-              <a:t>Г</a:t>
-            </a:r>
-            <a:r>
-              <a:rPr lang="ru-RU" dirty="0" smtClean="0">
-                <a:latin typeface="Times New Roman" panose="02020603050405020304" pitchFamily="18" charset="0"/>
-                <a:cs typeface="Times New Roman" panose="02020603050405020304" pitchFamily="18" charset="0"/>
-              </a:rPr>
-              <a:t>руппа магистров </a:t>
-            </a:r>
+              <a:t>Группа магистров 2-го года обучения </a:t>
+            </a:r>
+          </a:p>
+          <a:p>
             <a:r>
               <a:rPr lang="ru-RU" dirty="0">
-                <a:latin typeface="Times New Roman" panose="02020603050405020304" pitchFamily="18" charset="0"/>
-                <a:cs typeface="Times New Roman" panose="02020603050405020304" pitchFamily="18" charset="0"/>
-              </a:rPr>
-              <a:t>2-го года </a:t>
-            </a:r>
-            <a:r>
-              <a:rPr lang="ru-RU" dirty="0" smtClean="0">
-                <a:latin typeface="Times New Roman" panose="02020603050405020304" pitchFamily="18" charset="0"/>
-                <a:cs typeface="Times New Roman" panose="02020603050405020304" pitchFamily="18" charset="0"/>
-              </a:rPr>
-              <a:t>обучения </a:t>
-            </a:r>
-          </a:p>
-          <a:p>
-            <a:r>
-              <a:rPr lang="ru-RU" dirty="0" smtClean="0">
                 <a:latin typeface="Times New Roman" panose="02020603050405020304" pitchFamily="18" charset="0"/>
                 <a:cs typeface="Times New Roman" panose="02020603050405020304" pitchFamily="18" charset="0"/>
               </a:rPr>
@@ -4670,21 +4623,6 @@
   <p:clrMapOvr>
     <a:masterClrMapping/>
   </p:clrMapOvr>
-  <mc:AlternateContent xmlns:mc="http://schemas.openxmlformats.org/markup-compatibility/2006" xmlns:p14="http://schemas.microsoft.com/office/powerpoint/2010/main">
-    <mc:Choice Requires="p14">
-      <p:transition p14:dur="0"/>
-    </mc:Choice>
-    <mc:Fallback xmlns="">
-      <p:transition/>
-    </mc:Fallback>
-  </mc:AlternateContent>
-  <p:timing>
-    <p:tnLst>
-      <p:par>
-        <p:cTn id="1" dur="indefinite" restart="never" nodeType="tmRoot"/>
-      </p:par>
-    </p:tnLst>
-  </p:timing>
 </p:sld>
 </file>
 
@@ -4741,7 +4679,7 @@
               <a:t>Входные</a:t>
             </a:r>
             <a:r>
-              <a:rPr lang="ru-RU" dirty="0" smtClean="0"/>
+              <a:rPr lang="ru-RU" dirty="0"/>
               <a:t> </a:t>
             </a:r>
             <a:r>
@@ -4783,7 +4721,7 @@
           <a:lstStyle/>
           <a:p>
             <a:r>
-              <a:rPr lang="ru-RU" sz="4400" dirty="0" smtClean="0">
+              <a:rPr lang="ru-RU" sz="4400" dirty="0">
                 <a:solidFill>
                   <a:schemeClr val="accent1">
                     <a:lumMod val="50000"/>
@@ -4795,16 +4733,6 @@
               </a:rPr>
               <a:t>Выходные данные</a:t>
             </a:r>
-            <a:endParaRPr lang="ru-RU" sz="4400" dirty="0">
-              <a:solidFill>
-                <a:schemeClr val="accent1">
-                  <a:lumMod val="50000"/>
-                </a:schemeClr>
-              </a:solidFill>
-              <a:latin typeface="+mj-lt"/>
-              <a:ea typeface="+mj-ea"/>
-              <a:cs typeface="+mj-cs"/>
-            </a:endParaRPr>
           </a:p>
         </p:txBody>
       </p:sp>
@@ -4838,7 +4766,6 @@
               <a:rPr lang="ru-RU" sz="2800" dirty="0"/>
               <a:t>Неориентированный помеченный граф</a:t>
             </a:r>
-            <a:endParaRPr lang="ru-RU" sz="2800" dirty="0"/>
           </a:p>
         </p:txBody>
       </p:sp>
@@ -4869,20 +4796,8 @@
               <a:buChar char="•"/>
             </a:pPr>
             <a:r>
-              <a:rPr lang="ru-RU" sz="2800" dirty="0" smtClean="0"/>
-              <a:t>Индексы регулярной сетки определенной </a:t>
-            </a:r>
-            <a:r>
-              <a:rPr lang="ru-RU" sz="2800" dirty="0" smtClean="0"/>
-              <a:t>размерности для </a:t>
-            </a:r>
-            <a:r>
               <a:rPr lang="ru-RU" sz="2800" dirty="0"/>
-              <a:t>каждой </a:t>
-            </a:r>
-            <a:r>
-              <a:rPr lang="ru-RU" sz="2800" dirty="0" smtClean="0"/>
-              <a:t>вершины графа</a:t>
+              <a:t>Индексы регулярной сетки определенной размерности для каждой вершины графа</a:t>
             </a:r>
           </a:p>
           <a:p>
@@ -4891,18 +4806,9 @@
               <a:buChar char="•"/>
             </a:pPr>
             <a:r>
-              <a:rPr lang="ru-RU" sz="2800" dirty="0" smtClean="0"/>
-              <a:t>Сообщение </a:t>
-            </a:r>
-            <a:r>
-              <a:rPr lang="ru-RU" sz="2800" dirty="0" smtClean="0"/>
-              <a:t>об ошибке, если не удалось найти подходящие </a:t>
-            </a:r>
-            <a:r>
-              <a:rPr lang="ru-RU" sz="2800" dirty="0" smtClean="0"/>
-              <a:t>индексы</a:t>
-            </a:r>
-            <a:endParaRPr lang="ru-RU" sz="2800" dirty="0"/>
+              <a:rPr lang="ru-RU" sz="2800" dirty="0"/>
+              <a:t>Сообщение об ошибке, если не удалось найти подходящие индексы</a:t>
+            </a:r>
           </a:p>
         </p:txBody>
       </p:sp>
@@ -4939,21 +4845,6 @@
   <p:clrMapOvr>
     <a:masterClrMapping/>
   </p:clrMapOvr>
-  <mc:AlternateContent xmlns:mc="http://schemas.openxmlformats.org/markup-compatibility/2006" xmlns:p14="http://schemas.microsoft.com/office/powerpoint/2010/main">
-    <mc:Choice Requires="p14">
-      <p:transition p14:dur="0"/>
-    </mc:Choice>
-    <mc:Fallback xmlns="">
-      <p:transition/>
-    </mc:Fallback>
-  </mc:AlternateContent>
-  <p:timing>
-    <p:tnLst>
-      <p:par>
-        <p:cTn id="1" dur="indefinite" restart="never" nodeType="tmRoot"/>
-      </p:par>
-    </p:tnLst>
-  </p:timing>
 </p:sld>
 </file>
 
@@ -5017,7 +4908,7 @@
           <a:p>
             <a:pPr algn="ctr"/>
             <a:r>
-              <a:rPr lang="ru-RU" sz="7200" dirty="0" smtClean="0">
+              <a:rPr lang="ru-RU" sz="7200" dirty="0">
                 <a:solidFill>
                   <a:schemeClr val="accent1">
                     <a:lumMod val="50000"/>
@@ -5026,13 +4917,6 @@
               </a:rPr>
               <a:t>Формальная постановка задачи</a:t>
             </a:r>
-            <a:endParaRPr lang="ru-RU" sz="7200" dirty="0">
-              <a:solidFill>
-                <a:schemeClr val="accent1">
-                  <a:lumMod val="50000"/>
-                </a:schemeClr>
-              </a:solidFill>
-            </a:endParaRPr>
           </a:p>
         </p:txBody>
       </p:sp>
@@ -5069,21 +4953,6 @@
   <p:clrMapOvr>
     <a:masterClrMapping/>
   </p:clrMapOvr>
-  <mc:AlternateContent xmlns:mc="http://schemas.openxmlformats.org/markup-compatibility/2006" xmlns:p14="http://schemas.microsoft.com/office/powerpoint/2010/main">
-    <mc:Choice Requires="p14">
-      <p:transition p14:dur="0"/>
-    </mc:Choice>
-    <mc:Fallback xmlns="">
-      <p:transition/>
-    </mc:Fallback>
-  </mc:AlternateContent>
-  <p:timing>
-    <p:tnLst>
-      <p:par>
-        <p:cTn id="1" dur="indefinite" restart="never" nodeType="tmRoot"/>
-      </p:par>
-    </p:tnLst>
-  </p:timing>
 </p:sld>
 </file>
 
@@ -5104,8 +4973,8 @@
           <a:chExt cx="0" cy="0"/>
         </a:xfrm>
       </p:grpSpPr>
-      <mc:AlternateContent xmlns:mc="http://schemas.openxmlformats.org/markup-compatibility/2006">
-        <mc:Choice xmlns:a14="http://schemas.microsoft.com/office/drawing/2010/main" Requires="a14">
+      <mc:AlternateContent xmlns:mc="http://schemas.openxmlformats.org/markup-compatibility/2006" xmlns:a14="http://schemas.microsoft.com/office/drawing/2010/main">
+        <mc:Choice Requires="a14">
           <p:sp>
             <p:nvSpPr>
               <p:cNvPr id="4" name="Прямоугольник 3"/>
@@ -5132,36 +5001,12 @@
                   <a:buChar char="•"/>
                 </a:pPr>
                 <a:r>
-                  <a:rPr lang="ru-RU" sz="2800" dirty="0" smtClean="0">
+                  <a:rPr lang="ru-RU" sz="2800" dirty="0">
                     <a:solidFill>
                       <a:srgbClr val="000000"/>
                     </a:solidFill>
                   </a:rPr>
-                  <a:t>Неориентированный </a:t>
-                </a:r>
-                <a:r>
-                  <a:rPr lang="ru-RU" sz="2800" dirty="0" smtClean="0">
-                    <a:solidFill>
-                      <a:srgbClr val="000000"/>
-                    </a:solidFill>
-                  </a:rPr>
-                  <a:t>помеченный граф G = (V, E), заданный </a:t>
-                </a:r>
-                <a:r>
-                  <a:rPr lang="ru-RU" sz="2800" dirty="0" smtClean="0">
-                    <a:solidFill>
-                      <a:srgbClr val="000000"/>
-                    </a:solidFill>
-                  </a:rPr>
-                  <a:t>матрицей смежности</a:t>
-                </a:r>
-                <a:r>
-                  <a:rPr lang="ru-RU" sz="2800" dirty="0" smtClean="0">
-                    <a:solidFill>
-                      <a:srgbClr val="000000"/>
-                    </a:solidFill>
-                  </a:rPr>
-                  <a:t>: </a:t>
+                  <a:t>Неориентированный помеченный граф G = (V, E), заданный матрицей смежности: </a:t>
                 </a:r>
                 <a14:m>
                   <m:oMath xmlns:m="http://schemas.openxmlformats.org/officeDocument/2006/math">
@@ -5523,7 +5368,7 @@
             </p:txBody>
           </p:sp>
         </mc:Choice>
-        <mc:Fallback>
+        <mc:Fallback xmlns="">
           <p:sp>
             <p:nvSpPr>
               <p:cNvPr id="4" name="Прямоугольник 3"/>
@@ -5604,7 +5449,7 @@
           </a:lstStyle>
           <a:p>
             <a:r>
-              <a:rPr lang="ru-RU" dirty="0" smtClean="0">
+              <a:rPr lang="ru-RU" dirty="0">
                 <a:solidFill>
                   <a:schemeClr val="accent1">
                     <a:lumMod val="50000"/>
@@ -5613,18 +5458,11 @@
               </a:rPr>
               <a:t>Исходные данные</a:t>
             </a:r>
-            <a:endParaRPr lang="ru-RU" dirty="0">
-              <a:solidFill>
-                <a:schemeClr val="accent1">
-                  <a:lumMod val="50000"/>
-                </a:schemeClr>
-              </a:solidFill>
-            </a:endParaRPr>
           </a:p>
         </p:txBody>
       </p:sp>
-      <mc:AlternateContent xmlns:mc="http://schemas.openxmlformats.org/markup-compatibility/2006">
-        <mc:Choice xmlns:a14="http://schemas.microsoft.com/office/drawing/2010/main" Requires="a14">
+      <mc:AlternateContent xmlns:mc="http://schemas.openxmlformats.org/markup-compatibility/2006" xmlns:a14="http://schemas.microsoft.com/office/drawing/2010/main">
+        <mc:Choice Requires="a14">
           <p:sp>
             <p:nvSpPr>
               <p:cNvPr id="6" name="Прямоугольник 5"/>
@@ -5651,7 +5489,7 @@
                   <a:buChar char="•"/>
                 </a:pPr>
                 <a:r>
-                  <a:rPr lang="ru-RU" sz="2800" dirty="0" smtClean="0">
+                  <a:rPr lang="ru-RU" sz="2800" dirty="0">
                     <a:solidFill>
                       <a:srgbClr val="000000"/>
                     </a:solidFill>
@@ -5906,20 +5744,12 @@
                   </m:oMath>
                 </a14:m>
                 <a:r>
-                  <a:rPr lang="ru-RU" sz="2800" dirty="0" smtClean="0">
-                    <a:solidFill>
-                      <a:srgbClr val="000000"/>
-                    </a:solidFill>
-                  </a:rPr>
-                  <a:t> - матрица, где </a:t>
-                </a:r>
-                <a:r>
                   <a:rPr lang="ru-RU" sz="2800" dirty="0">
                     <a:solidFill>
                       <a:srgbClr val="000000"/>
                     </a:solidFill>
                   </a:rPr>
-                  <a:t>𝑥</a:t>
+                  <a:t> - матрица, где 𝑥</a:t>
                 </a:r>
                 <a:r>
                   <a:rPr lang="ru-RU" sz="2800" baseline="-25000" dirty="0">
@@ -5975,15 +5805,7 @@
                       <a:srgbClr val="000000"/>
                     </a:solidFill>
                   </a:rPr>
-                  <a:t>ой </a:t>
-                </a:r>
-                <a:r>
-                  <a:rPr lang="ru-RU" sz="2800" dirty="0" smtClean="0">
-                    <a:solidFill>
-                      <a:srgbClr val="000000"/>
-                    </a:solidFill>
-                  </a:rPr>
-                  <a:t>вершины</a:t>
+                  <a:t>ой вершины</a:t>
                 </a:r>
                 <a:r>
                   <a:rPr lang="ru-RU" sz="2800" dirty="0">
@@ -6162,7 +5984,7 @@
             </p:txBody>
           </p:sp>
         </mc:Choice>
-        <mc:Fallback>
+        <mc:Fallback xmlns="">
           <p:sp>
             <p:nvSpPr>
               <p:cNvPr id="6" name="Прямоугольник 5"/>
@@ -6243,7 +6065,7 @@
           </a:lstStyle>
           <a:p>
             <a:r>
-              <a:rPr lang="ru-RU" dirty="0" smtClean="0">
+              <a:rPr lang="ru-RU" dirty="0">
                 <a:solidFill>
                   <a:schemeClr val="accent1">
                     <a:lumMod val="50000"/>
@@ -6252,13 +6074,6 @@
               </a:rPr>
               <a:t>Решение</a:t>
             </a:r>
-            <a:endParaRPr lang="ru-RU" dirty="0">
-              <a:solidFill>
-                <a:schemeClr val="accent1">
-                  <a:lumMod val="50000"/>
-                </a:schemeClr>
-              </a:solidFill>
-            </a:endParaRPr>
           </a:p>
         </p:txBody>
       </p:sp>
@@ -6295,21 +6110,6 @@
   <p:clrMapOvr>
     <a:masterClrMapping/>
   </p:clrMapOvr>
-  <mc:AlternateContent xmlns:mc="http://schemas.openxmlformats.org/markup-compatibility/2006" xmlns:p14="http://schemas.microsoft.com/office/powerpoint/2010/main">
-    <mc:Choice Requires="p14">
-      <p:transition p14:dur="0"/>
-    </mc:Choice>
-    <mc:Fallback xmlns="">
-      <p:transition/>
-    </mc:Fallback>
-  </mc:AlternateContent>
-  <p:timing>
-    <p:tnLst>
-      <p:par>
-        <p:cTn id="1" dur="indefinite" restart="never" nodeType="tmRoot"/>
-      </p:par>
-    </p:tnLst>
-  </p:timing>
 </p:sld>
 </file>
 
@@ -6330,8 +6130,8 @@
           <a:chExt cx="0" cy="0"/>
         </a:xfrm>
       </p:grpSpPr>
-      <mc:AlternateContent xmlns:mc="http://schemas.openxmlformats.org/markup-compatibility/2006">
-        <mc:Choice xmlns:a14="http://schemas.microsoft.com/office/drawing/2010/main" Requires="a14">
+      <mc:AlternateContent xmlns:mc="http://schemas.openxmlformats.org/markup-compatibility/2006" xmlns:a14="http://schemas.microsoft.com/office/drawing/2010/main">
+        <mc:Choice Requires="a14">
           <p:sp>
             <p:nvSpPr>
               <p:cNvPr id="4" name="Прямоугольник 3"/>
@@ -6358,7 +6158,7 @@
                   <a:buChar char="•"/>
                 </a:pPr>
                 <a:r>
-                  <a:rPr lang="ru-RU" sz="2800" dirty="0" smtClean="0">
+                  <a:rPr lang="ru-RU" sz="2800" dirty="0">
                     <a:solidFill>
                       <a:srgbClr val="000000"/>
                     </a:solidFill>
@@ -6661,7 +6461,7 @@
             </p:txBody>
           </p:sp>
         </mc:Choice>
-        <mc:Fallback>
+        <mc:Fallback xmlns="">
           <p:sp>
             <p:nvSpPr>
               <p:cNvPr id="4" name="Прямоугольник 3"/>
@@ -6742,7 +6542,7 @@
           </a:lstStyle>
           <a:p>
             <a:r>
-              <a:rPr lang="ru-RU" dirty="0" smtClean="0">
+              <a:rPr lang="ru-RU" dirty="0">
                 <a:solidFill>
                   <a:schemeClr val="accent1">
                     <a:lumMod val="50000"/>
@@ -6751,13 +6551,6 @@
               </a:rPr>
               <a:t>Ограничения</a:t>
             </a:r>
-            <a:endParaRPr lang="ru-RU" dirty="0">
-              <a:solidFill>
-                <a:schemeClr val="accent1">
-                  <a:lumMod val="50000"/>
-                </a:schemeClr>
-              </a:solidFill>
-            </a:endParaRPr>
           </a:p>
         </p:txBody>
       </p:sp>
@@ -7310,7 +7103,7 @@
           </a:lstStyle>
           <a:p>
             <a:r>
-              <a:rPr lang="ru-RU" dirty="0" smtClean="0">
+              <a:rPr lang="ru-RU" dirty="0">
                 <a:solidFill>
                   <a:schemeClr val="accent1">
                     <a:lumMod val="50000"/>
@@ -7319,13 +7112,6 @@
               </a:rPr>
               <a:t>Критерий</a:t>
             </a:r>
-            <a:endParaRPr lang="ru-RU" dirty="0">
-              <a:solidFill>
-                <a:schemeClr val="accent1">
-                  <a:lumMod val="50000"/>
-                </a:schemeClr>
-              </a:solidFill>
-            </a:endParaRPr>
           </a:p>
         </p:txBody>
       </p:sp>
@@ -7353,7 +7139,7 @@
               <a:lstStyle/>
               <a:p>
                 <a:r>
-                  <a:rPr lang="en-US" sz="2800" dirty="0" smtClean="0">
+                  <a:rPr lang="en-US" sz="2800" dirty="0">
                     <a:solidFill>
                       <a:srgbClr val="000000"/>
                     </a:solidFill>
@@ -7418,7 +7204,7 @@
                     </m:r>
                   </m:oMath>
                 </a14:m>
-                <a:endParaRPr lang="ru-RU" sz="2800" dirty="0" smtClean="0">
+                <a:endParaRPr lang="ru-RU" sz="2800" dirty="0">
                   <a:solidFill>
                     <a:srgbClr val="000000"/>
                   </a:solidFill>
@@ -7499,21 +7285,6 @@
   <p:clrMapOvr>
     <a:masterClrMapping/>
   </p:clrMapOvr>
-  <mc:AlternateContent xmlns:mc="http://schemas.openxmlformats.org/markup-compatibility/2006" xmlns:p14="http://schemas.microsoft.com/office/powerpoint/2010/main">
-    <mc:Choice Requires="p14">
-      <p:transition p14:dur="0"/>
-    </mc:Choice>
-    <mc:Fallback xmlns="">
-      <p:transition/>
-    </mc:Fallback>
-  </mc:AlternateContent>
-  <p:timing>
-    <p:tnLst>
-      <p:par>
-        <p:cTn id="1" dur="indefinite" restart="never" nodeType="tmRoot"/>
-      </p:par>
-    </p:tnLst>
-  </p:timing>
 </p:sld>
 </file>
 
@@ -7577,7 +7348,7 @@
           <a:p>
             <a:pPr algn="ctr"/>
             <a:r>
-              <a:rPr lang="ru-RU" dirty="0" smtClean="0">
+              <a:rPr lang="ru-RU" dirty="0">
                 <a:solidFill>
                   <a:schemeClr val="accent1">
                     <a:lumMod val="50000"/>
@@ -7586,13 +7357,6 @@
               </a:rPr>
               <a:t>Пример</a:t>
             </a:r>
-            <a:endParaRPr lang="ru-RU" dirty="0">
-              <a:solidFill>
-                <a:schemeClr val="accent1">
-                  <a:lumMod val="50000"/>
-                </a:schemeClr>
-              </a:solidFill>
-            </a:endParaRPr>
           </a:p>
         </p:txBody>
       </p:sp>
@@ -8055,7 +7819,7 @@
           <a:lstStyle/>
           <a:p>
             <a:r>
-              <a:rPr lang="en-US" sz="2000" dirty="0" smtClean="0">
+              <a:rPr lang="en-US" sz="2000" dirty="0">
                 <a:solidFill>
                   <a:schemeClr val="accent1">
                     <a:lumMod val="50000"/>
@@ -8065,7 +7829,7 @@
               <a:t>k </a:t>
             </a:r>
             <a:r>
-              <a:rPr lang="en-US" sz="2000" dirty="0" smtClean="0"/>
+              <a:rPr lang="en-US" sz="2000" dirty="0"/>
               <a:t>= 2</a:t>
             </a:r>
             <a:endParaRPr lang="ru-RU" sz="2000" dirty="0"/>
@@ -8137,7 +7901,7 @@
                   </a:spcAft>
                 </a:pPr>
                 <a:r>
-                  <a:rPr lang="ru-RU" dirty="0" smtClean="0">
+                  <a:rPr lang="ru-RU" dirty="0">
                     <a:solidFill>
                       <a:schemeClr val="accent1">
                         <a:lumMod val="50000"/>
@@ -8156,18 +7920,7 @@
                     </a:solidFill>
                     <a:ea typeface="Calibri" panose="020F0502020204030204" pitchFamily="34" charset="0"/>
                   </a:rPr>
-                  <a:t>:</a:t>
-                </a:r>
-                <a:r>
-                  <a:rPr lang="en-US" dirty="0" smtClean="0">
-                    <a:solidFill>
-                      <a:schemeClr val="accent1">
-                        <a:lumMod val="50000"/>
-                      </a:schemeClr>
-                    </a:solidFill>
-                    <a:ea typeface="Calibri" panose="020F0502020204030204" pitchFamily="34" charset="0"/>
-                  </a:rPr>
-                  <a:t> </a:t>
+                  <a:t>: </a:t>
                 </a:r>
                 <a14:m>
                   <m:oMath xmlns:m="http://schemas.openxmlformats.org/officeDocument/2006/math">
@@ -8495,22 +8248,10 @@
               </a:spcAft>
             </a:pPr>
             <a:r>
-              <a:rPr lang="en-US" sz="2000" dirty="0" smtClean="0">
-                <a:ea typeface="Calibri" panose="020F0502020204030204" pitchFamily="34" charset="0"/>
-              </a:rPr>
-              <a:t>F </a:t>
-            </a:r>
-            <a:r>
               <a:rPr lang="en-US" sz="2000" dirty="0">
                 <a:ea typeface="Calibri" panose="020F0502020204030204" pitchFamily="34" charset="0"/>
               </a:rPr>
-              <a:t>= </a:t>
-            </a:r>
-            <a:r>
-              <a:rPr lang="en-US" sz="2000" dirty="0" smtClean="0">
-                <a:ea typeface="Calibri" panose="020F0502020204030204" pitchFamily="34" charset="0"/>
-              </a:rPr>
-              <a:t>2</a:t>
+              <a:t>F = 2</a:t>
             </a:r>
           </a:p>
           <a:p>
@@ -8523,16 +8264,10 @@
               </a:spcAft>
             </a:pPr>
             <a:r>
-              <a:rPr lang="en-US" sz="2000" dirty="0" smtClean="0">
-                <a:ea typeface="Calibri" panose="020F0502020204030204" pitchFamily="34" charset="0"/>
-              </a:rPr>
-              <a:t>Q </a:t>
-            </a:r>
-            <a:r>
               <a:rPr lang="en-US" sz="2000" dirty="0">
                 <a:ea typeface="Calibri" panose="020F0502020204030204" pitchFamily="34" charset="0"/>
               </a:rPr>
-              <a:t>= 0</a:t>
+              <a:t>Q = 0</a:t>
             </a:r>
             <a:endParaRPr lang="ru-RU" sz="2000" dirty="0">
               <a:effectLst/>
@@ -8574,21 +8309,6 @@
   <p:clrMapOvr>
     <a:masterClrMapping/>
   </p:clrMapOvr>
-  <mc:AlternateContent xmlns:mc="http://schemas.openxmlformats.org/markup-compatibility/2006" xmlns:p14="http://schemas.microsoft.com/office/powerpoint/2010/main">
-    <mc:Choice Requires="p14">
-      <p:transition p14:dur="0"/>
-    </mc:Choice>
-    <mc:Fallback xmlns="">
-      <p:transition/>
-    </mc:Fallback>
-  </mc:AlternateContent>
-  <p:timing>
-    <p:tnLst>
-      <p:par>
-        <p:cTn id="1" dur="indefinite" restart="never" nodeType="tmRoot"/>
-      </p:par>
-    </p:tnLst>
-  </p:timing>
 </p:sld>
 </file>
 
@@ -8682,7 +8402,7 @@
           <a:p>
             <a:pPr algn="ctr"/>
             <a:r>
-              <a:rPr lang="ru-RU" dirty="0" smtClean="0">
+              <a:rPr lang="ru-RU" dirty="0">
                 <a:solidFill>
                   <a:schemeClr val="accent1">
                     <a:lumMod val="50000"/>
@@ -8692,7 +8412,7 @@
               <a:t>Сетка с восстановленной нумерацией (2</a:t>
             </a:r>
             <a:r>
-              <a:rPr lang="en-US" dirty="0" smtClean="0">
+              <a:rPr lang="en-US" dirty="0">
                 <a:solidFill>
                   <a:schemeClr val="accent1">
                     <a:lumMod val="50000"/>
@@ -8744,21 +8464,6 @@
   <p:clrMapOvr>
     <a:masterClrMapping/>
   </p:clrMapOvr>
-  <mc:AlternateContent xmlns:mc="http://schemas.openxmlformats.org/markup-compatibility/2006" xmlns:p14="http://schemas.microsoft.com/office/powerpoint/2010/main">
-    <mc:Choice Requires="p14">
-      <p:transition p14:dur="0"/>
-    </mc:Choice>
-    <mc:Fallback xmlns="">
-      <p:transition/>
-    </mc:Fallback>
-  </mc:AlternateContent>
-  <p:timing>
-    <p:tnLst>
-      <p:par>
-        <p:cTn id="1" dur="indefinite" restart="never" nodeType="tmRoot"/>
-      </p:par>
-    </p:tnLst>
-  </p:timing>
 </p:sld>
 </file>
 
@@ -8822,7 +8527,7 @@
           <a:p>
             <a:pPr algn="ctr"/>
             <a:r>
-              <a:rPr lang="ru-RU" dirty="0" smtClean="0">
+              <a:rPr lang="ru-RU" dirty="0">
                 <a:solidFill>
                   <a:schemeClr val="accent1">
                     <a:lumMod val="50000"/>
@@ -8832,7 +8537,7 @@
               <a:t>Сетка с восстановленной нумерацией (</a:t>
             </a:r>
             <a:r>
-              <a:rPr lang="en-US" dirty="0" smtClean="0">
+              <a:rPr lang="en-US" dirty="0">
                 <a:solidFill>
                   <a:schemeClr val="accent1">
                     <a:lumMod val="50000"/>
@@ -8914,21 +8619,6 @@
   <p:clrMapOvr>
     <a:masterClrMapping/>
   </p:clrMapOvr>
-  <mc:AlternateContent xmlns:mc="http://schemas.openxmlformats.org/markup-compatibility/2006" xmlns:p14="http://schemas.microsoft.com/office/powerpoint/2010/main">
-    <mc:Choice Requires="p14">
-      <p:transition p14:dur="0"/>
-    </mc:Choice>
-    <mc:Fallback xmlns="">
-      <p:transition/>
-    </mc:Fallback>
-  </mc:AlternateContent>
-  <p:timing>
-    <p:tnLst>
-      <p:par>
-        <p:cTn id="1" dur="indefinite" restart="never" nodeType="tmRoot"/>
-      </p:par>
-    </p:tnLst>
-  </p:timing>
 </p:sld>
 </file>
 
@@ -8973,7 +8663,7 @@
               <a:buNone/>
             </a:pPr>
             <a:r>
-              <a:rPr lang="ru-RU" dirty="0" smtClean="0"/>
+              <a:rPr lang="ru-RU" dirty="0"/>
               <a:t>Решение состоит из следующих шагов:</a:t>
             </a:r>
           </a:p>
@@ -8983,7 +8673,7 @@
               <a:buAutoNum type="arabicPeriod"/>
             </a:pPr>
             <a:r>
-              <a:rPr lang="ru-RU" dirty="0" smtClean="0"/>
+              <a:rPr lang="ru-RU" dirty="0"/>
               <a:t>Проверка исходного графа на необходимые условия регулярности</a:t>
             </a:r>
           </a:p>
@@ -8993,7 +8683,7 @@
               <a:buAutoNum type="arabicPeriod"/>
             </a:pPr>
             <a:r>
-              <a:rPr lang="ru-RU" dirty="0" smtClean="0"/>
+              <a:rPr lang="ru-RU" dirty="0"/>
               <a:t>Нахождение минимальной размерности регулярной сетки, которая подходит для исходного графа по необходимым условиям</a:t>
             </a:r>
           </a:p>
@@ -9003,7 +8693,7 @@
               <a:buAutoNum type="arabicPeriod"/>
             </a:pPr>
             <a:r>
-              <a:rPr lang="ru-RU" dirty="0" smtClean="0"/>
+              <a:rPr lang="ru-RU" dirty="0"/>
               <a:t>Последовательный запуск алгоритмов нумерации, начиная с найденной минимальной размерности</a:t>
             </a:r>
           </a:p>
@@ -9082,7 +8772,7 @@
           <a:p>
             <a:pPr algn="ctr"/>
             <a:r>
-              <a:rPr lang="ru-RU" dirty="0" smtClean="0">
+              <a:rPr lang="ru-RU" dirty="0">
                 <a:solidFill>
                   <a:schemeClr val="accent1">
                     <a:lumMod val="50000"/>
@@ -9091,13 +8781,6 @@
               </a:rPr>
               <a:t>Общая концепция решения</a:t>
             </a:r>
-            <a:endParaRPr lang="ru-RU" dirty="0">
-              <a:solidFill>
-                <a:schemeClr val="accent1">
-                  <a:lumMod val="50000"/>
-                </a:schemeClr>
-              </a:solidFill>
-            </a:endParaRPr>
           </a:p>
         </p:txBody>
       </p:sp>
@@ -9111,13 +8794,6 @@
   <p:clrMapOvr>
     <a:masterClrMapping/>
   </p:clrMapOvr>
-  <p:timing>
-    <p:tnLst>
-      <p:par>
-        <p:cTn id="1" dur="indefinite" restart="never" nodeType="tmRoot"/>
-      </p:par>
-    </p:tnLst>
-  </p:timing>
 </p:sld>
 </file>
 
@@ -9159,7 +8835,7 @@
           <a:lstStyle/>
           <a:p>
             <a:r>
-              <a:rPr lang="ru-RU" dirty="0" smtClean="0"/>
+              <a:rPr lang="ru-RU" dirty="0"/>
               <a:t>Предназначена для проверки графа на необходимые условия регулярности:</a:t>
             </a:r>
           </a:p>
@@ -9169,7 +8845,7 @@
               <a:buAutoNum type="arabicPeriod"/>
             </a:pPr>
             <a:r>
-              <a:rPr lang="ru-RU" sz="2800" dirty="0" smtClean="0"/>
+              <a:rPr lang="ru-RU" sz="2800" dirty="0"/>
               <a:t>Граф является связным</a:t>
             </a:r>
           </a:p>
@@ -9179,16 +8855,15 @@
               <a:buAutoNum type="arabicPeriod"/>
             </a:pPr>
             <a:r>
-              <a:rPr lang="ru-RU" sz="2800" dirty="0" smtClean="0"/>
+              <a:rPr lang="ru-RU" sz="2800" dirty="0"/>
               <a:t>Максимальная степень вершины не больше 6</a:t>
             </a:r>
           </a:p>
           <a:p>
             <a:r>
-              <a:rPr lang="ru-RU" dirty="0" smtClean="0"/>
+              <a:rPr lang="ru-RU" dirty="0"/>
               <a:t>Позволяет быстро сказать о невозможности нумерации, не запуская алгоритм</a:t>
             </a:r>
-            <a:endParaRPr lang="ru-RU" dirty="0"/>
           </a:p>
         </p:txBody>
       </p:sp>
@@ -9258,7 +8933,7 @@
           <a:p>
             <a:pPr algn="ctr"/>
             <a:r>
-              <a:rPr lang="ru-RU" dirty="0" smtClean="0">
+              <a:rPr lang="ru-RU" dirty="0">
                 <a:solidFill>
                   <a:schemeClr val="accent1">
                     <a:lumMod val="50000"/>
@@ -9267,13 +8942,6 @@
               </a:rPr>
               <a:t>Процедура быстрой проверки</a:t>
             </a:r>
-            <a:endParaRPr lang="ru-RU" dirty="0">
-              <a:solidFill>
-                <a:schemeClr val="accent1">
-                  <a:lumMod val="50000"/>
-                </a:schemeClr>
-              </a:solidFill>
-            </a:endParaRPr>
           </a:p>
         </p:txBody>
       </p:sp>
@@ -10529,13 +10197,6 @@
   <p:clrMapOvr>
     <a:masterClrMapping/>
   </p:clrMapOvr>
-  <p:timing>
-    <p:tnLst>
-      <p:par>
-        <p:cTn id="1" dur="indefinite" restart="never" nodeType="tmRoot"/>
-      </p:par>
-    </p:tnLst>
-  </p:timing>
 </p:sld>
 </file>
 
@@ -10599,7 +10260,7 @@
           <a:p>
             <a:pPr algn="ctr"/>
             <a:r>
-              <a:rPr lang="ru-RU" sz="7200" dirty="0" smtClean="0">
+              <a:rPr lang="ru-RU" sz="7200" dirty="0">
                 <a:solidFill>
                   <a:schemeClr val="accent1">
                     <a:lumMod val="50000"/>
@@ -10608,13 +10269,6 @@
               </a:rPr>
               <a:t>Алгоритм нумерации для одномерного случая</a:t>
             </a:r>
-            <a:endParaRPr lang="ru-RU" sz="7200" dirty="0">
-              <a:solidFill>
-                <a:schemeClr val="accent1">
-                  <a:lumMod val="50000"/>
-                </a:schemeClr>
-              </a:solidFill>
-            </a:endParaRPr>
           </a:p>
         </p:txBody>
       </p:sp>
@@ -10651,21 +10305,6 @@
   <p:clrMapOvr>
     <a:masterClrMapping/>
   </p:clrMapOvr>
-  <mc:AlternateContent xmlns:mc="http://schemas.openxmlformats.org/markup-compatibility/2006" xmlns:p14="http://schemas.microsoft.com/office/powerpoint/2010/main">
-    <mc:Choice Requires="p14">
-      <p:transition p14:dur="0"/>
-    </mc:Choice>
-    <mc:Fallback xmlns="">
-      <p:transition/>
-    </mc:Fallback>
-  </mc:AlternateContent>
-  <p:timing>
-    <p:tnLst>
-      <p:par>
-        <p:cTn id="1" dur="indefinite" restart="never" nodeType="tmRoot"/>
-      </p:par>
-    </p:tnLst>
-  </p:timing>
 </p:sld>
 </file>
 
@@ -10710,7 +10349,7 @@
           <a:p>
             <a:pPr algn="ctr"/>
             <a:r>
-              <a:rPr lang="ru-RU" sz="7200" dirty="0" smtClean="0">
+              <a:rPr lang="ru-RU" sz="7200" dirty="0">
                 <a:solidFill>
                   <a:schemeClr val="accent1">
                     <a:lumMod val="50000"/>
@@ -10720,7 +10359,7 @@
               <a:t>Актуальность</a:t>
             </a:r>
             <a:br>
-              <a:rPr lang="ru-RU" sz="7200" dirty="0" smtClean="0">
+              <a:rPr lang="ru-RU" sz="7200" dirty="0">
                 <a:solidFill>
                   <a:schemeClr val="accent1">
                     <a:lumMod val="50000"/>
@@ -10729,7 +10368,7 @@
               </a:rPr>
             </a:br>
             <a:r>
-              <a:rPr lang="en-US" sz="7200" dirty="0" smtClean="0">
+              <a:rPr lang="en-US" sz="7200" dirty="0">
                 <a:solidFill>
                   <a:schemeClr val="accent1">
                     <a:lumMod val="50000"/>
@@ -10739,7 +10378,7 @@
               <a:t>&amp;</a:t>
             </a:r>
             <a:br>
-              <a:rPr lang="en-US" sz="7200" dirty="0" smtClean="0">
+              <a:rPr lang="en-US" sz="7200" dirty="0">
                 <a:solidFill>
                   <a:schemeClr val="accent1">
                     <a:lumMod val="50000"/>
@@ -10748,7 +10387,7 @@
               </a:rPr>
             </a:br>
             <a:r>
-              <a:rPr lang="ru-RU" sz="7200" dirty="0" smtClean="0">
+              <a:rPr lang="ru-RU" sz="7200" dirty="0">
                 <a:solidFill>
                   <a:schemeClr val="accent1">
                     <a:lumMod val="50000"/>
@@ -10757,13 +10396,6 @@
               </a:rPr>
               <a:t>Проблематика</a:t>
             </a:r>
-            <a:endParaRPr lang="ru-RU" sz="7200" dirty="0">
-              <a:solidFill>
-                <a:schemeClr val="accent1">
-                  <a:lumMod val="50000"/>
-                </a:schemeClr>
-              </a:solidFill>
-            </a:endParaRPr>
           </a:p>
         </p:txBody>
       </p:sp>
@@ -10800,21 +10432,6 @@
   <p:clrMapOvr>
     <a:masterClrMapping/>
   </p:clrMapOvr>
-  <mc:AlternateContent xmlns:mc="http://schemas.openxmlformats.org/markup-compatibility/2006" xmlns:p14="http://schemas.microsoft.com/office/powerpoint/2010/main">
-    <mc:Choice Requires="p14">
-      <p:transition p14:dur="0"/>
-    </mc:Choice>
-    <mc:Fallback xmlns="">
-      <p:transition/>
-    </mc:Fallback>
-  </mc:AlternateContent>
-  <p:timing>
-    <p:tnLst>
-      <p:par>
-        <p:cTn id="1" dur="indefinite" restart="never" nodeType="tmRoot"/>
-      </p:par>
-    </p:tnLst>
-  </p:timing>
 </p:sld>
 </file>
 
@@ -10898,19 +10515,6 @@
               </a:spcAft>
             </a:pPr>
             <a:r>
-              <a:rPr lang="ru-RU" sz="2800" dirty="0" smtClean="0">
-                <a:solidFill>
-                  <a:schemeClr val="accent1">
-                    <a:lumMod val="50000"/>
-                  </a:schemeClr>
-                </a:solidFill>
-                <a:latin typeface="Calibri" panose="020F0502020204030204" pitchFamily="34" charset="0"/>
-                <a:ea typeface="Calibri" panose="020F0502020204030204" pitchFamily="34" charset="0"/>
-                <a:cs typeface="Times New Roman" panose="02020603050405020304" pitchFamily="18" charset="0"/>
-              </a:rPr>
-              <a:t>Шаг </a:t>
-            </a:r>
-            <a:r>
               <a:rPr lang="ru-RU" sz="2800" dirty="0">
                 <a:solidFill>
                   <a:schemeClr val="accent1">
@@ -10921,23 +10525,10 @@
                 <a:ea typeface="Calibri" panose="020F0502020204030204" pitchFamily="34" charset="0"/>
                 <a:cs typeface="Times New Roman" panose="02020603050405020304" pitchFamily="18" charset="0"/>
               </a:rPr>
-              <a:t>1</a:t>
-            </a:r>
-            <a:r>
-              <a:rPr lang="ru-RU" sz="2800" dirty="0" smtClean="0">
-                <a:solidFill>
-                  <a:schemeClr val="accent1">
-                    <a:lumMod val="50000"/>
-                  </a:schemeClr>
-                </a:solidFill>
-                <a:latin typeface="Calibri" panose="020F0502020204030204" pitchFamily="34" charset="0"/>
-                <a:ea typeface="Calibri" panose="020F0502020204030204" pitchFamily="34" charset="0"/>
-                <a:cs typeface="Times New Roman" panose="02020603050405020304" pitchFamily="18" charset="0"/>
-              </a:rPr>
-              <a:t>.</a:t>
-            </a:r>
-            <a:r>
-              <a:rPr lang="ru-RU" sz="2800" dirty="0" smtClean="0">
+              <a:t>Шаг 1.</a:t>
+            </a:r>
+            <a:r>
+              <a:rPr lang="ru-RU" sz="2800" dirty="0">
                 <a:solidFill>
                   <a:srgbClr val="FF0000"/>
                 </a:solidFill>
@@ -10948,7 +10539,7 @@
               <a:t> </a:t>
             </a:r>
             <a:r>
-              <a:rPr lang="ru-RU" sz="2800" dirty="0" smtClean="0">
+              <a:rPr lang="ru-RU" sz="2800" dirty="0">
                 <a:latin typeface="Calibri" panose="020F0502020204030204" pitchFamily="34" charset="0"/>
                 <a:ea typeface="Calibri" panose="020F0502020204030204" pitchFamily="34" charset="0"/>
                 <a:cs typeface="Times New Roman" panose="02020603050405020304" pitchFamily="18" charset="0"/>
@@ -10966,7 +10557,7 @@
               </a:spcAft>
             </a:pPr>
             <a:r>
-              <a:rPr lang="ru-RU" sz="2800" dirty="0" smtClean="0">
+              <a:rPr lang="ru-RU" sz="2800" dirty="0">
                 <a:solidFill>
                   <a:schemeClr val="accent1">
                     <a:lumMod val="50000"/>
@@ -10979,7 +10570,7 @@
               <a:t>Шаг 2.</a:t>
             </a:r>
             <a:r>
-              <a:rPr lang="ru-RU" sz="2800" dirty="0" smtClean="0">
+              <a:rPr lang="ru-RU" sz="2800" dirty="0">
                 <a:solidFill>
                   <a:srgbClr val="FF0000"/>
                 </a:solidFill>
@@ -10990,7 +10581,7 @@
               <a:t> </a:t>
             </a:r>
             <a:r>
-              <a:rPr lang="ru-RU" sz="2800" dirty="0" smtClean="0">
+              <a:rPr lang="ru-RU" sz="2800" dirty="0">
                 <a:latin typeface="Calibri" panose="020F0502020204030204" pitchFamily="34" charset="0"/>
                 <a:ea typeface="Calibri" panose="020F0502020204030204" pitchFamily="34" charset="0"/>
                 <a:cs typeface="Times New Roman" panose="02020603050405020304" pitchFamily="18" charset="0"/>
@@ -10998,7 +10589,7 @@
               <a:t>Вершине со степенью 1 присваиваем номер </a:t>
             </a:r>
             <a:r>
-              <a:rPr lang="en-US" sz="2800" dirty="0" smtClean="0">
+              <a:rPr lang="en-US" sz="2800" dirty="0">
                 <a:latin typeface="Calibri" panose="020F0502020204030204" pitchFamily="34" charset="0"/>
                 <a:ea typeface="Calibri" panose="020F0502020204030204" pitchFamily="34" charset="0"/>
                 <a:cs typeface="Times New Roman" panose="02020603050405020304" pitchFamily="18" charset="0"/>
@@ -11006,18 +10597,13 @@
               <a:t>1</a:t>
             </a:r>
             <a:r>
-              <a:rPr lang="ru-RU" sz="2800" dirty="0" smtClean="0">
+              <a:rPr lang="ru-RU" sz="2800" dirty="0">
                 <a:latin typeface="Calibri" panose="020F0502020204030204" pitchFamily="34" charset="0"/>
                 <a:ea typeface="Calibri" panose="020F0502020204030204" pitchFamily="34" charset="0"/>
                 <a:cs typeface="Times New Roman" panose="02020603050405020304" pitchFamily="18" charset="0"/>
               </a:rPr>
               <a:t> и последовательно нумеруем соседей</a:t>
             </a:r>
-            <a:endParaRPr lang="ru-RU" sz="2800" dirty="0">
-              <a:latin typeface="Calibri" panose="020F0502020204030204" pitchFamily="34" charset="0"/>
-              <a:ea typeface="Calibri" panose="020F0502020204030204" pitchFamily="34" charset="0"/>
-              <a:cs typeface="Times New Roman" panose="02020603050405020304" pitchFamily="18" charset="0"/>
-            </a:endParaRPr>
           </a:p>
         </p:txBody>
       </p:sp>
@@ -11122,21 +10708,6 @@
   <p:clrMapOvr>
     <a:masterClrMapping/>
   </p:clrMapOvr>
-  <mc:AlternateContent xmlns:mc="http://schemas.openxmlformats.org/markup-compatibility/2006" xmlns:p14="http://schemas.microsoft.com/office/powerpoint/2010/main">
-    <mc:Choice Requires="p14">
-      <p:transition p14:dur="0"/>
-    </mc:Choice>
-    <mc:Fallback xmlns="">
-      <p:transition/>
-    </mc:Fallback>
-  </mc:AlternateContent>
-  <p:timing>
-    <p:tnLst>
-      <p:par>
-        <p:cTn id="1" dur="indefinite" restart="never" nodeType="tmRoot"/>
-      </p:par>
-    </p:tnLst>
-  </p:timing>
 </p:sld>
 </file>
 
@@ -11200,7 +10771,7 @@
           <a:p>
             <a:pPr algn="ctr"/>
             <a:r>
-              <a:rPr lang="ru-RU" sz="7200" dirty="0" smtClean="0">
+              <a:rPr lang="ru-RU" sz="7200" dirty="0">
                 <a:solidFill>
                   <a:schemeClr val="accent1">
                     <a:lumMod val="50000"/>
@@ -11209,13 +10780,6 @@
               </a:rPr>
               <a:t>Алгоритм нумерации для двухмерного случая</a:t>
             </a:r>
-            <a:endParaRPr lang="ru-RU" sz="7200" dirty="0">
-              <a:solidFill>
-                <a:schemeClr val="accent1">
-                  <a:lumMod val="50000"/>
-                </a:schemeClr>
-              </a:solidFill>
-            </a:endParaRPr>
           </a:p>
         </p:txBody>
       </p:sp>
@@ -11252,21 +10816,6 @@
   <p:clrMapOvr>
     <a:masterClrMapping/>
   </p:clrMapOvr>
-  <mc:AlternateContent xmlns:mc="http://schemas.openxmlformats.org/markup-compatibility/2006" xmlns:p14="http://schemas.microsoft.com/office/powerpoint/2010/main">
-    <mc:Choice Requires="p14">
-      <p:transition p14:dur="0"/>
-    </mc:Choice>
-    <mc:Fallback xmlns="">
-      <p:transition/>
-    </mc:Fallback>
-  </mc:AlternateContent>
-  <p:timing>
-    <p:tnLst>
-      <p:par>
-        <p:cTn id="1" dur="indefinite" restart="never" nodeType="tmRoot"/>
-      </p:par>
-    </p:tnLst>
-  </p:timing>
 </p:sld>
 </file>
 
@@ -11347,7 +10896,7 @@
               </a:spcAft>
             </a:pPr>
             <a:r>
-              <a:rPr lang="ru-RU" sz="2800" dirty="0" smtClean="0">
+              <a:rPr lang="ru-RU" sz="2800" dirty="0">
                 <a:solidFill>
                   <a:schemeClr val="accent1">
                     <a:lumMod val="50000"/>
@@ -11359,7 +10908,7 @@
               </a:rPr>
               <a:t>Шаг 1</a:t>
             </a:r>
-            <a:endParaRPr lang="ru-RU" sz="2800" dirty="0" smtClean="0">
+            <a:endParaRPr lang="ru-RU" sz="2800" dirty="0">
               <a:latin typeface="Calibri" panose="020F0502020204030204" pitchFamily="34" charset="0"/>
               <a:ea typeface="Calibri" panose="020F0502020204030204" pitchFamily="34" charset="0"/>
               <a:cs typeface="Times New Roman" panose="02020603050405020304" pitchFamily="18" charset="0"/>
@@ -11374,48 +10923,24 @@
               <a:buChar char="•"/>
             </a:pPr>
             <a:r>
-              <a:rPr lang="ru-RU" sz="2800" dirty="0" smtClean="0"/>
-              <a:t>Находим </a:t>
-            </a:r>
-            <a:r>
               <a:rPr lang="ru-RU" sz="2800" dirty="0"/>
-              <a:t>вершину </a:t>
-            </a:r>
-            <a:r>
-              <a:rPr lang="ru-RU" sz="2800" dirty="0" smtClean="0"/>
-              <a:t>старшей степени </a:t>
-            </a:r>
-            <a:r>
-              <a:rPr lang="en-US" sz="2800" dirty="0" smtClean="0"/>
+              <a:t>Находим вершину старшей степени </a:t>
+            </a:r>
+            <a:r>
+              <a:rPr lang="en-US" sz="2800" dirty="0"/>
               <a:t>(</a:t>
             </a:r>
             <a:r>
-              <a:rPr lang="ru-RU" sz="2800" dirty="0" smtClean="0"/>
-              <a:t>максимальная </a:t>
-            </a:r>
-            <a:r>
               <a:rPr lang="ru-RU" sz="2800" dirty="0"/>
-              <a:t>степень </a:t>
-            </a:r>
-            <a:r>
-              <a:rPr lang="ru-RU" sz="2800" dirty="0" smtClean="0"/>
-              <a:t>– 4</a:t>
-            </a:r>
-            <a:r>
-              <a:rPr lang="en-US" sz="2800" dirty="0" smtClean="0"/>
+              <a:t>максимальная степень – 4</a:t>
+            </a:r>
+            <a:r>
+              <a:rPr lang="en-US" sz="2800" dirty="0"/>
               <a:t>)</a:t>
             </a:r>
             <a:r>
-              <a:rPr lang="ru-RU" sz="2800" dirty="0" smtClean="0"/>
-              <a:t>, </a:t>
-            </a:r>
-            <a:r>
               <a:rPr lang="ru-RU" sz="2800" dirty="0"/>
-              <a:t>нумеруем нулевыми </a:t>
-            </a:r>
-            <a:r>
-              <a:rPr lang="ru-RU" sz="2800" dirty="0" smtClean="0"/>
-              <a:t>значениями</a:t>
+              <a:t>, нумеруем нулевыми значениями</a:t>
             </a:r>
             <a:endParaRPr lang="ru-RU" sz="2800" dirty="0">
               <a:latin typeface="Calibri" panose="020F0502020204030204" pitchFamily="34" charset="0"/>
@@ -11458,25 +10983,12 @@
                 <a:ea typeface="Calibri" panose="020F0502020204030204" pitchFamily="34" charset="0"/>
                 <a:cs typeface="Times New Roman" panose="02020603050405020304" pitchFamily="18" charset="0"/>
               </a:rPr>
-              <a:t>Идея: </a:t>
-            </a:r>
-            <a:r>
-              <a:rPr lang="ru-RU" sz="2800" dirty="0" smtClean="0">
-                <a:solidFill>
-                  <a:schemeClr val="accent1">
-                    <a:lumMod val="50000"/>
-                  </a:schemeClr>
-                </a:solidFill>
-                <a:latin typeface="Calibri" panose="020F0502020204030204" pitchFamily="34" charset="0"/>
-                <a:ea typeface="Calibri" panose="020F0502020204030204" pitchFamily="34" charset="0"/>
-                <a:cs typeface="Times New Roman" panose="02020603050405020304" pitchFamily="18" charset="0"/>
-              </a:rPr>
-              <a:t>Выделяем опорную точку</a:t>
-            </a:r>
-          </a:p>
-          <a:p>
-            <a:r>
-              <a:rPr lang="ru-RU" sz="2800" dirty="0" smtClean="0">
+              <a:t>Идея: Выделяем опорную точку</a:t>
+            </a:r>
+          </a:p>
+          <a:p>
+            <a:r>
+              <a:rPr lang="ru-RU" sz="2800" dirty="0">
                 <a:solidFill>
                   <a:schemeClr val="accent1">
                     <a:lumMod val="50000"/>
@@ -11488,16 +11000,6 @@
               </a:rPr>
               <a:t>через эвристики</a:t>
             </a:r>
-            <a:endParaRPr lang="ru-RU" sz="2800" dirty="0">
-              <a:solidFill>
-                <a:schemeClr val="accent1">
-                  <a:lumMod val="50000"/>
-                </a:schemeClr>
-              </a:solidFill>
-              <a:latin typeface="Calibri" panose="020F0502020204030204" pitchFamily="34" charset="0"/>
-              <a:ea typeface="Calibri" panose="020F0502020204030204" pitchFamily="34" charset="0"/>
-              <a:cs typeface="Times New Roman" panose="02020603050405020304" pitchFamily="18" charset="0"/>
-            </a:endParaRPr>
           </a:p>
         </p:txBody>
       </p:sp>
@@ -11534,21 +11036,6 @@
   <p:clrMapOvr>
     <a:masterClrMapping/>
   </p:clrMapOvr>
-  <mc:AlternateContent xmlns:mc="http://schemas.openxmlformats.org/markup-compatibility/2006" xmlns:p14="http://schemas.microsoft.com/office/powerpoint/2010/main">
-    <mc:Choice Requires="p14">
-      <p:transition p14:dur="0"/>
-    </mc:Choice>
-    <mc:Fallback xmlns="">
-      <p:transition/>
-    </mc:Fallback>
-  </mc:AlternateContent>
-  <p:timing>
-    <p:tnLst>
-      <p:par>
-        <p:cTn id="1" dur="indefinite" restart="never" nodeType="tmRoot"/>
-      </p:par>
-    </p:tnLst>
-  </p:timing>
 </p:sld>
 </file>
 
@@ -11626,7 +11113,7 @@
               </a:spcAft>
             </a:pPr>
             <a:r>
-              <a:rPr lang="ru-RU" sz="2800" dirty="0" smtClean="0">
+              <a:rPr lang="ru-RU" sz="2800" dirty="0">
                 <a:solidFill>
                   <a:schemeClr val="accent1">
                     <a:lumMod val="50000"/>
@@ -11638,7 +11125,7 @@
               </a:rPr>
               <a:t>Шаг 2</a:t>
             </a:r>
-            <a:endParaRPr lang="ru-RU" sz="2800" dirty="0" smtClean="0">
+            <a:endParaRPr lang="ru-RU" sz="2800" dirty="0">
               <a:latin typeface="Calibri" panose="020F0502020204030204" pitchFamily="34" charset="0"/>
               <a:ea typeface="Calibri" panose="020F0502020204030204" pitchFamily="34" charset="0"/>
               <a:cs typeface="Times New Roman" panose="02020603050405020304" pitchFamily="18" charset="0"/>
@@ -11653,58 +11140,40 @@
               <a:buChar char="•"/>
             </a:pPr>
             <a:r>
-              <a:rPr lang="ru-RU" sz="2800" dirty="0" smtClean="0">
+              <a:rPr lang="ru-RU" sz="2800" dirty="0">
                 <a:ea typeface="Calibri" panose="020F0502020204030204" pitchFamily="34" charset="0"/>
                 <a:cs typeface="Times New Roman" panose="02020603050405020304" pitchFamily="18" charset="0"/>
               </a:rPr>
               <a:t>Нумеруем смежные вершины </a:t>
             </a:r>
             <a:r>
-              <a:rPr lang="ru-RU" sz="2800" i="1" dirty="0" smtClean="0">
+              <a:rPr lang="ru-RU" sz="2800" i="1" dirty="0">
                 <a:ea typeface="Calibri" panose="020F0502020204030204" pitchFamily="34" charset="0"/>
                 <a:cs typeface="Times New Roman" panose="02020603050405020304" pitchFamily="18" charset="0"/>
               </a:rPr>
               <a:t>(</a:t>
             </a:r>
             <a:r>
-              <a:rPr lang="en-US" sz="2800" i="1" dirty="0" smtClean="0">
+              <a:rPr lang="en-US" sz="2800" i="1" dirty="0">
                 <a:ea typeface="Calibri" panose="020F0502020204030204" pitchFamily="34" charset="0"/>
                 <a:cs typeface="Times New Roman" panose="02020603050405020304" pitchFamily="18" charset="0"/>
               </a:rPr>
               <a:t>P</a:t>
             </a:r>
             <a:r>
-              <a:rPr lang="ru-RU" sz="2800" i="1" dirty="0" smtClean="0">
+              <a:rPr lang="ru-RU" sz="2800" i="1" dirty="0">
                 <a:ea typeface="Calibri" panose="020F0502020204030204" pitchFamily="34" charset="0"/>
                 <a:cs typeface="Times New Roman" panose="02020603050405020304" pitchFamily="18" charset="0"/>
               </a:rPr>
               <a:t>)</a:t>
             </a:r>
             <a:r>
-              <a:rPr lang="ru-RU" sz="2800" dirty="0" smtClean="0">
-                <a:ea typeface="Calibri" panose="020F0502020204030204" pitchFamily="34" charset="0"/>
-                <a:cs typeface="Times New Roman" panose="02020603050405020304" pitchFamily="18" charset="0"/>
-              </a:rPr>
-              <a:t> </a:t>
-            </a:r>
-            <a:r>
               <a:rPr lang="ru-RU" sz="2800" dirty="0">
                 <a:ea typeface="Calibri" panose="020F0502020204030204" pitchFamily="34" charset="0"/>
                 <a:cs typeface="Times New Roman" panose="02020603050405020304" pitchFamily="18" charset="0"/>
               </a:rPr>
-              <a:t>по </a:t>
-            </a:r>
-            <a:r>
-              <a:rPr lang="ru-RU" sz="2800" dirty="0" smtClean="0">
-                <a:ea typeface="Calibri" panose="020F0502020204030204" pitchFamily="34" charset="0"/>
-                <a:cs typeface="Times New Roman" panose="02020603050405020304" pitchFamily="18" charset="0"/>
-              </a:rPr>
-              <a:t>очереди </a:t>
-            </a:r>
-            <a:endParaRPr lang="ru-RU" sz="2800" dirty="0" smtClean="0">
-              <a:ea typeface="Calibri" panose="020F0502020204030204" pitchFamily="34" charset="0"/>
-              <a:cs typeface="Times New Roman" panose="02020603050405020304" pitchFamily="18" charset="0"/>
-            </a:endParaRPr>
+              <a:t> по очереди </a:t>
+            </a:r>
           </a:p>
           <a:p>
             <a:pPr marL="457200" lvl="0" indent="-457200">
@@ -11715,30 +11184,12 @@
               <a:buChar char="•"/>
             </a:pPr>
             <a:r>
-              <a:rPr lang="ru-RU" sz="2800" dirty="0" smtClean="0">
-                <a:ea typeface="Calibri" panose="020F0502020204030204" pitchFamily="34" charset="0"/>
-                <a:cs typeface="Times New Roman" panose="02020603050405020304" pitchFamily="18" charset="0"/>
-              </a:rPr>
-              <a:t>Если </a:t>
-            </a:r>
-            <a:r>
               <a:rPr lang="ru-RU" sz="2800" dirty="0">
                 <a:ea typeface="Calibri" panose="020F0502020204030204" pitchFamily="34" charset="0"/>
                 <a:cs typeface="Times New Roman" panose="02020603050405020304" pitchFamily="18" charset="0"/>
               </a:rPr>
-              <a:t>дальнейшая нумерация не удалась, то пробуем поменять координаты вершин местами и запустить нумерацию </a:t>
-            </a:r>
-            <a:r>
-              <a:rPr lang="ru-RU" sz="2800" dirty="0" smtClean="0">
-                <a:ea typeface="Calibri" panose="020F0502020204030204" pitchFamily="34" charset="0"/>
-                <a:cs typeface="Times New Roman" panose="02020603050405020304" pitchFamily="18" charset="0"/>
-              </a:rPr>
-              <a:t>заново</a:t>
-            </a:r>
-            <a:endParaRPr lang="ru-RU" sz="2800" dirty="0" smtClean="0">
-              <a:ea typeface="Calibri" panose="020F0502020204030204" pitchFamily="34" charset="0"/>
-              <a:cs typeface="Times New Roman" panose="02020603050405020304" pitchFamily="18" charset="0"/>
-            </a:endParaRPr>
+              <a:t>Если дальнейшая нумерация не удалась, то пробуем поменять координаты вершин местами и запустить нумерацию заново</a:t>
+            </a:r>
           </a:p>
           <a:p>
             <a:pPr marL="457200" lvl="0" indent="-457200">
@@ -11753,38 +11204,24 @@
                 <a:ea typeface="Calibri" panose="020F0502020204030204" pitchFamily="34" charset="0"/>
                 <a:cs typeface="Times New Roman" panose="02020603050405020304" pitchFamily="18" charset="0"/>
               </a:rPr>
-              <a:t>Д</a:t>
-            </a:r>
-            <a:r>
-              <a:rPr lang="ru-RU" sz="2800" dirty="0" smtClean="0">
-                <a:ea typeface="Calibri" panose="020F0502020204030204" pitchFamily="34" charset="0"/>
-                <a:cs typeface="Times New Roman" panose="02020603050405020304" pitchFamily="18" charset="0"/>
-              </a:rPr>
-              <a:t>о</a:t>
-            </a:r>
-            <a:r>
-              <a:rPr lang="en-US" sz="2800" dirty="0" smtClean="0">
+              <a:t>До</a:t>
+            </a:r>
+            <a:r>
+              <a:rPr lang="en-US" sz="2800" dirty="0">
                 <a:ea typeface="Calibri" panose="020F0502020204030204" pitchFamily="34" charset="0"/>
                 <a:cs typeface="Times New Roman" panose="02020603050405020304" pitchFamily="18" charset="0"/>
               </a:rPr>
               <a:t> 24</a:t>
             </a:r>
             <a:r>
-              <a:rPr lang="ru-RU" sz="2800" dirty="0" smtClean="0">
-                <a:ea typeface="Calibri" panose="020F0502020204030204" pitchFamily="34" charset="0"/>
-                <a:cs typeface="Times New Roman" panose="02020603050405020304" pitchFamily="18" charset="0"/>
-              </a:rPr>
-              <a:t> </a:t>
-            </a:r>
-            <a:r>
               <a:rPr lang="ru-RU" sz="2800" dirty="0">
                 <a:ea typeface="Calibri" panose="020F0502020204030204" pitchFamily="34" charset="0"/>
                 <a:cs typeface="Times New Roman" panose="02020603050405020304" pitchFamily="18" charset="0"/>
               </a:rPr>
-              <a:t>вариантов нумераций </a:t>
-            </a:r>
-            <a:r>
-              <a:rPr lang="en-US" sz="2800" i="1" dirty="0" smtClean="0">
+              <a:t> вариантов нумераций </a:t>
+            </a:r>
+            <a:r>
+              <a:rPr lang="en-US" sz="2800" i="1" dirty="0">
                 <a:ea typeface="Calibri" panose="020F0502020204030204" pitchFamily="34" charset="0"/>
                 <a:cs typeface="Times New Roman" panose="02020603050405020304" pitchFamily="18" charset="0"/>
               </a:rPr>
@@ -11830,25 +11267,12 @@
                 <a:ea typeface="Calibri" panose="020F0502020204030204" pitchFamily="34" charset="0"/>
                 <a:cs typeface="Times New Roman" panose="02020603050405020304" pitchFamily="18" charset="0"/>
               </a:rPr>
-              <a:t>Идея: </a:t>
-            </a:r>
-            <a:r>
-              <a:rPr lang="ru-RU" sz="2800" dirty="0" smtClean="0">
-                <a:solidFill>
-                  <a:schemeClr val="accent1">
-                    <a:lumMod val="50000"/>
-                  </a:schemeClr>
-                </a:solidFill>
-                <a:latin typeface="Calibri" panose="020F0502020204030204" pitchFamily="34" charset="0"/>
-                <a:ea typeface="Calibri" panose="020F0502020204030204" pitchFamily="34" charset="0"/>
-                <a:cs typeface="Times New Roman" panose="02020603050405020304" pitchFamily="18" charset="0"/>
-              </a:rPr>
-              <a:t>Пытаемся задать координатную</a:t>
-            </a:r>
-          </a:p>
-          <a:p>
-            <a:r>
-              <a:rPr lang="ru-RU" sz="2800" dirty="0" smtClean="0">
+              <a:t>Идея: Пытаемся задать координатную</a:t>
+            </a:r>
+          </a:p>
+          <a:p>
+            <a:r>
+              <a:rPr lang="ru-RU" sz="2800" dirty="0">
                 <a:solidFill>
                   <a:schemeClr val="accent1">
                     <a:lumMod val="50000"/>
@@ -11860,16 +11284,6 @@
               </a:rPr>
               <a:t>систему</a:t>
             </a:r>
-            <a:endParaRPr lang="ru-RU" sz="2800" dirty="0">
-              <a:solidFill>
-                <a:schemeClr val="accent1">
-                  <a:lumMod val="50000"/>
-                </a:schemeClr>
-              </a:solidFill>
-              <a:latin typeface="Calibri" panose="020F0502020204030204" pitchFamily="34" charset="0"/>
-              <a:ea typeface="Calibri" panose="020F0502020204030204" pitchFamily="34" charset="0"/>
-              <a:cs typeface="Times New Roman" panose="02020603050405020304" pitchFamily="18" charset="0"/>
-            </a:endParaRPr>
           </a:p>
         </p:txBody>
       </p:sp>
@@ -11906,21 +11320,6 @@
   <p:clrMapOvr>
     <a:masterClrMapping/>
   </p:clrMapOvr>
-  <mc:AlternateContent xmlns:mc="http://schemas.openxmlformats.org/markup-compatibility/2006" xmlns:p14="http://schemas.microsoft.com/office/powerpoint/2010/main">
-    <mc:Choice Requires="p14">
-      <p:transition p14:dur="0"/>
-    </mc:Choice>
-    <mc:Fallback xmlns="">
-      <p:transition/>
-    </mc:Fallback>
-  </mc:AlternateContent>
-  <p:timing>
-    <p:tnLst>
-      <p:par>
-        <p:cTn id="1" dur="indefinite" restart="never" nodeType="tmRoot"/>
-      </p:par>
-    </p:tnLst>
-  </p:timing>
 </p:sld>
 </file>
 
@@ -11993,7 +11392,7 @@
           <a:lstStyle/>
           <a:p>
             <a:r>
-              <a:rPr lang="ru-RU" sz="2800" dirty="0" smtClean="0">
+              <a:rPr lang="ru-RU" sz="2800" dirty="0">
                 <a:solidFill>
                   <a:schemeClr val="accent1">
                     <a:lumMod val="50000"/>
@@ -12005,7 +11404,7 @@
               </a:rPr>
               <a:t>Шаг 3</a:t>
             </a:r>
-            <a:endParaRPr lang="ru-RU" sz="2800" dirty="0" smtClean="0">
+            <a:endParaRPr lang="ru-RU" sz="2800" dirty="0">
               <a:latin typeface="Calibri" panose="020F0502020204030204" pitchFamily="34" charset="0"/>
               <a:ea typeface="Calibri" panose="020F0502020204030204" pitchFamily="34" charset="0"/>
               <a:cs typeface="Times New Roman" panose="02020603050405020304" pitchFamily="18" charset="0"/>
@@ -12017,12 +11416,8 @@
               <a:buChar char="•"/>
             </a:pPr>
             <a:r>
-              <a:rPr lang="ru-RU" sz="2800" dirty="0" smtClean="0"/>
-              <a:t>Нумеруем </a:t>
-            </a:r>
-            <a:r>
               <a:rPr lang="ru-RU" sz="2800" dirty="0"/>
-              <a:t>смежные вершины от </a:t>
+              <a:t>Нумеруем смежные вершины от </a:t>
             </a:r>
             <a:r>
               <a:rPr lang="en-US" sz="2800" i="1" dirty="0"/>
@@ -12030,13 +11425,8 @@
             </a:r>
             <a:r>
               <a:rPr lang="ru-RU" sz="2800" dirty="0"/>
-              <a:t> по </a:t>
-            </a:r>
-            <a:r>
-              <a:rPr lang="ru-RU" sz="2800" dirty="0" smtClean="0"/>
-              <a:t>очереди</a:t>
-            </a:r>
-            <a:endParaRPr lang="ru-RU" sz="2800" dirty="0" smtClean="0"/>
+              <a:t> по очереди</a:t>
+            </a:r>
           </a:p>
           <a:p>
             <a:pPr marL="457200" indent="-457200">
@@ -12044,10 +11434,9 @@
               <a:buChar char="•"/>
             </a:pPr>
             <a:r>
-              <a:rPr lang="ru-RU" sz="2800" dirty="0" smtClean="0"/>
+              <a:rPr lang="ru-RU" sz="2800" dirty="0"/>
               <a:t>Однозначно разрешимые случаи:</a:t>
             </a:r>
-            <a:endParaRPr lang="ru-RU" sz="2800" dirty="0"/>
           </a:p>
           <a:p>
             <a:pPr marL="914400" lvl="1" indent="-457200">
@@ -12056,13 +11445,8 @@
             </a:pPr>
             <a:r>
               <a:rPr lang="ru-RU" sz="2800" dirty="0"/>
-              <a:t>Два и более соседей имеют </a:t>
-            </a:r>
-            <a:r>
-              <a:rPr lang="ru-RU" sz="2800" dirty="0" smtClean="0"/>
-              <a:t>индекс</a:t>
-            </a:r>
-            <a:endParaRPr lang="ru-RU" sz="2800" dirty="0"/>
+              <a:t>Два и более соседей имеют индекс</a:t>
+            </a:r>
           </a:p>
           <a:p>
             <a:pPr marL="914400" lvl="1" indent="-457200">
@@ -12071,13 +11455,8 @@
             </a:pPr>
             <a:r>
               <a:rPr lang="ru-RU" sz="2800" dirty="0"/>
-              <a:t>Один из соседей не имеет непронумерованных соседей кроме текущей </a:t>
-            </a:r>
-            <a:r>
-              <a:rPr lang="ru-RU" sz="2800" dirty="0" smtClean="0"/>
-              <a:t>вершины</a:t>
-            </a:r>
-            <a:endParaRPr lang="ru-RU" sz="2800" dirty="0"/>
+              <a:t>Один из соседей не имеет непронумерованных соседей кроме текущей вершины</a:t>
+            </a:r>
           </a:p>
         </p:txBody>
       </p:sp>
@@ -12114,25 +11493,12 @@
                 <a:ea typeface="Calibri" panose="020F0502020204030204" pitchFamily="34" charset="0"/>
                 <a:cs typeface="Times New Roman" panose="02020603050405020304" pitchFamily="18" charset="0"/>
               </a:rPr>
-              <a:t>Идея: </a:t>
-            </a:r>
-            <a:r>
-              <a:rPr lang="ru-RU" sz="2800" dirty="0" smtClean="0">
-                <a:solidFill>
-                  <a:schemeClr val="accent1">
-                    <a:lumMod val="50000"/>
-                  </a:schemeClr>
-                </a:solidFill>
-                <a:latin typeface="Calibri" panose="020F0502020204030204" pitchFamily="34" charset="0"/>
-                <a:ea typeface="Calibri" panose="020F0502020204030204" pitchFamily="34" charset="0"/>
-                <a:cs typeface="Times New Roman" panose="02020603050405020304" pitchFamily="18" charset="0"/>
-              </a:rPr>
-              <a:t>Нумеруем однозначно разрешимые</a:t>
-            </a:r>
-          </a:p>
-          <a:p>
-            <a:r>
-              <a:rPr lang="ru-RU" sz="2800" dirty="0" smtClean="0">
+              <a:t>Идея: Нумеруем однозначно разрешимые</a:t>
+            </a:r>
+          </a:p>
+          <a:p>
+            <a:r>
+              <a:rPr lang="ru-RU" sz="2800" dirty="0">
                 <a:solidFill>
                   <a:schemeClr val="accent1">
                     <a:lumMod val="50000"/>
@@ -12144,16 +11510,6 @@
               </a:rPr>
               <a:t>случаи</a:t>
             </a:r>
-            <a:endParaRPr lang="ru-RU" sz="2800" dirty="0">
-              <a:solidFill>
-                <a:schemeClr val="accent1">
-                  <a:lumMod val="50000"/>
-                </a:schemeClr>
-              </a:solidFill>
-              <a:latin typeface="Calibri" panose="020F0502020204030204" pitchFamily="34" charset="0"/>
-              <a:ea typeface="Calibri" panose="020F0502020204030204" pitchFamily="34" charset="0"/>
-              <a:cs typeface="Times New Roman" panose="02020603050405020304" pitchFamily="18" charset="0"/>
-            </a:endParaRPr>
           </a:p>
         </p:txBody>
       </p:sp>
@@ -12190,21 +11546,6 @@
   <p:clrMapOvr>
     <a:masterClrMapping/>
   </p:clrMapOvr>
-  <mc:AlternateContent xmlns:mc="http://schemas.openxmlformats.org/markup-compatibility/2006" xmlns:p14="http://schemas.microsoft.com/office/powerpoint/2010/main">
-    <mc:Choice Requires="p14">
-      <p:transition p14:dur="0"/>
-    </mc:Choice>
-    <mc:Fallback xmlns="">
-      <p:transition/>
-    </mc:Fallback>
-  </mc:AlternateContent>
-  <p:timing>
-    <p:tnLst>
-      <p:par>
-        <p:cTn id="1" dur="indefinite" restart="never" nodeType="tmRoot"/>
-      </p:par>
-    </p:tnLst>
-  </p:timing>
 </p:sld>
 </file>
 
@@ -12278,7 +11619,7 @@
           <a:p>
             <a:pPr lvl="0"/>
             <a:r>
-              <a:rPr lang="ru-RU" sz="2800" dirty="0" smtClean="0">
+              <a:rPr lang="ru-RU" sz="2800" dirty="0">
                 <a:solidFill>
                   <a:schemeClr val="accent1">
                     <a:lumMod val="50000"/>
@@ -12290,7 +11631,7 @@
               </a:rPr>
               <a:t>Шаг 4</a:t>
             </a:r>
-            <a:endParaRPr lang="ru-RU" sz="2800" dirty="0" smtClean="0">
+            <a:endParaRPr lang="ru-RU" sz="2800" dirty="0">
               <a:latin typeface="Calibri" panose="020F0502020204030204" pitchFamily="34" charset="0"/>
               <a:ea typeface="Calibri" panose="020F0502020204030204" pitchFamily="34" charset="0"/>
               <a:cs typeface="Times New Roman" panose="02020603050405020304" pitchFamily="18" charset="0"/>
@@ -12302,20 +11643,8 @@
               <a:buChar char="•"/>
             </a:pPr>
             <a:r>
-              <a:rPr lang="ru-RU" sz="2800" dirty="0" smtClean="0"/>
-              <a:t>Для </a:t>
-            </a:r>
-            <a:r>
               <a:rPr lang="ru-RU" sz="2800" dirty="0"/>
-              <a:t>остальных вершин </a:t>
-            </a:r>
-            <a:r>
-              <a:rPr lang="ru-RU" sz="2800" dirty="0" smtClean="0"/>
-              <a:t>рекурсивно </a:t>
-            </a:r>
-            <a:r>
-              <a:rPr lang="ru-RU" sz="2800" dirty="0"/>
-              <a:t>перебираем все возможные индексы:</a:t>
+              <a:t>Для остальных вершин рекурсивно перебираем все возможные индексы:</a:t>
             </a:r>
           </a:p>
           <a:p>
@@ -12325,13 +11654,8 @@
             </a:pPr>
             <a:r>
               <a:rPr lang="ru-RU" sz="2800" dirty="0"/>
-              <a:t>Ставим один из возможных </a:t>
-            </a:r>
-            <a:r>
-              <a:rPr lang="ru-RU" sz="2800" dirty="0" smtClean="0"/>
-              <a:t>индексов</a:t>
-            </a:r>
-            <a:endParaRPr lang="ru-RU" sz="2800" dirty="0"/>
+              <a:t>Ставим один из возможных индексов</a:t>
+            </a:r>
           </a:p>
           <a:p>
             <a:pPr marL="914400" lvl="1" indent="-457200">
@@ -12348,13 +11672,8 @@
             </a:r>
             <a:r>
               <a:rPr lang="ru-RU" sz="2800" dirty="0"/>
-              <a:t>для смежных </a:t>
-            </a:r>
-            <a:r>
-              <a:rPr lang="ru-RU" sz="2800" dirty="0" smtClean="0"/>
-              <a:t>вершин</a:t>
-            </a:r>
-            <a:endParaRPr lang="ru-RU" sz="2800" dirty="0"/>
+              <a:t>для смежных вершин</a:t>
+            </a:r>
           </a:p>
         </p:txBody>
       </p:sp>
@@ -12391,20 +11710,7 @@
                 <a:ea typeface="Calibri" panose="020F0502020204030204" pitchFamily="34" charset="0"/>
                 <a:cs typeface="Times New Roman" panose="02020603050405020304" pitchFamily="18" charset="0"/>
               </a:rPr>
-              <a:t>Идея: </a:t>
-            </a:r>
-            <a:r>
-              <a:rPr lang="ru-RU" sz="2800" dirty="0" smtClean="0">
-                <a:solidFill>
-                  <a:schemeClr val="accent1">
-                    <a:lumMod val="50000"/>
-                  </a:schemeClr>
-                </a:solidFill>
-                <a:latin typeface="Calibri" panose="020F0502020204030204" pitchFamily="34" charset="0"/>
-                <a:ea typeface="Calibri" panose="020F0502020204030204" pitchFamily="34" charset="0"/>
-                <a:cs typeface="Times New Roman" panose="02020603050405020304" pitchFamily="18" charset="0"/>
-              </a:rPr>
-              <a:t>Перебираем варианты нумерации</a:t>
+              <a:t>Идея: Перебираем варианты нумерации</a:t>
             </a:r>
           </a:p>
           <a:p>
@@ -12419,31 +11725,8 @@
                 <a:ea typeface="Calibri" panose="020F0502020204030204" pitchFamily="34" charset="0"/>
                 <a:cs typeface="Times New Roman" panose="02020603050405020304" pitchFamily="18" charset="0"/>
               </a:rPr>
-              <a:t>д</a:t>
-            </a:r>
-            <a:r>
-              <a:rPr lang="ru-RU" sz="2800" dirty="0" smtClean="0">
-                <a:solidFill>
-                  <a:schemeClr val="accent1">
-                    <a:lumMod val="50000"/>
-                  </a:schemeClr>
-                </a:solidFill>
-                <a:latin typeface="Calibri" panose="020F0502020204030204" pitchFamily="34" charset="0"/>
-                <a:ea typeface="Calibri" panose="020F0502020204030204" pitchFamily="34" charset="0"/>
-                <a:cs typeface="Times New Roman" panose="02020603050405020304" pitchFamily="18" charset="0"/>
-              </a:rPr>
-              <a:t>ля неоднозначных случаев</a:t>
-            </a:r>
-            <a:endParaRPr lang="ru-RU" sz="2800" dirty="0">
-              <a:solidFill>
-                <a:schemeClr val="accent1">
-                  <a:lumMod val="50000"/>
-                </a:schemeClr>
-              </a:solidFill>
-              <a:latin typeface="Calibri" panose="020F0502020204030204" pitchFamily="34" charset="0"/>
-              <a:ea typeface="Calibri" panose="020F0502020204030204" pitchFamily="34" charset="0"/>
-              <a:cs typeface="Times New Roman" panose="02020603050405020304" pitchFamily="18" charset="0"/>
-            </a:endParaRPr>
+              <a:t>для неоднозначных случаев</a:t>
+            </a:r>
           </a:p>
         </p:txBody>
       </p:sp>
@@ -12480,21 +11763,6 @@
   <p:clrMapOvr>
     <a:masterClrMapping/>
   </p:clrMapOvr>
-  <mc:AlternateContent xmlns:mc="http://schemas.openxmlformats.org/markup-compatibility/2006" xmlns:p14="http://schemas.microsoft.com/office/powerpoint/2010/main">
-    <mc:Choice Requires="p14">
-      <p:transition p14:dur="0"/>
-    </mc:Choice>
-    <mc:Fallback xmlns="">
-      <p:transition/>
-    </mc:Fallback>
-  </mc:AlternateContent>
-  <p:timing>
-    <p:tnLst>
-      <p:par>
-        <p:cTn id="1" dur="indefinite" restart="never" nodeType="tmRoot"/>
-      </p:par>
-    </p:tnLst>
-  </p:timing>
 </p:sld>
 </file>
 
@@ -12567,7 +11835,7 @@
           <a:lstStyle/>
           <a:p>
             <a:r>
-              <a:rPr lang="ru-RU" sz="2800" dirty="0" smtClean="0">
+              <a:rPr lang="ru-RU" sz="2800" dirty="0">
                 <a:solidFill>
                   <a:schemeClr val="accent1">
                     <a:lumMod val="50000"/>
@@ -12579,7 +11847,7 @@
               </a:rPr>
               <a:t>Шаг 5</a:t>
             </a:r>
-            <a:endParaRPr lang="ru-RU" sz="2800" dirty="0" smtClean="0">
+            <a:endParaRPr lang="ru-RU" sz="2800" dirty="0">
               <a:latin typeface="Calibri" panose="020F0502020204030204" pitchFamily="34" charset="0"/>
               <a:ea typeface="Calibri" panose="020F0502020204030204" pitchFamily="34" charset="0"/>
               <a:cs typeface="Times New Roman" panose="02020603050405020304" pitchFamily="18" charset="0"/>
@@ -12591,7 +11859,7 @@
               <a:buChar char="•"/>
             </a:pPr>
             <a:r>
-              <a:rPr lang="ru-RU" sz="2800" dirty="0" smtClean="0">
+              <a:rPr lang="ru-RU" sz="2800" dirty="0">
                 <a:latin typeface="Calibri" panose="020F0502020204030204" pitchFamily="34" charset="0"/>
                 <a:ea typeface="Calibri" panose="020F0502020204030204" pitchFamily="34" charset="0"/>
                 <a:cs typeface="Times New Roman" panose="02020603050405020304" pitchFamily="18" charset="0"/>
@@ -12599,16 +11867,8 @@
               <a:t>Если </a:t>
             </a:r>
             <a:r>
-              <a:rPr lang="ru-RU" sz="2800" dirty="0" smtClean="0"/>
-              <a:t>не </a:t>
-            </a:r>
-            <a:r>
               <a:rPr lang="ru-RU" sz="2800" dirty="0"/>
-              <a:t>удалось </a:t>
-            </a:r>
-            <a:r>
-              <a:rPr lang="ru-RU" sz="2800" dirty="0" smtClean="0"/>
-              <a:t>пронумеровать, то:</a:t>
+              <a:t>не удалось пронумеровать, то:</a:t>
             </a:r>
           </a:p>
           <a:p>
@@ -12617,7 +11877,7 @@
               <a:buChar char="•"/>
             </a:pPr>
             <a:r>
-              <a:rPr lang="ru-RU" sz="2800" dirty="0" smtClean="0"/>
+              <a:rPr lang="ru-RU" sz="2800" dirty="0"/>
               <a:t>Возвращаемся к предыдущему неоднозначному случаю</a:t>
             </a:r>
           </a:p>
@@ -12627,16 +11887,8 @@
               <a:buChar char="•"/>
             </a:pPr>
             <a:r>
-              <a:rPr lang="ru-RU" sz="2800" dirty="0" smtClean="0"/>
-              <a:t>Меняем </a:t>
-            </a:r>
-            <a:r>
               <a:rPr lang="ru-RU" sz="2800" dirty="0"/>
-              <a:t>индекс </a:t>
-            </a:r>
-            <a:r>
-              <a:rPr lang="ru-RU" sz="2800" dirty="0" smtClean="0"/>
-              <a:t>на следующий возможный</a:t>
+              <a:t>Меняем индекс на следующий возможный</a:t>
             </a:r>
           </a:p>
           <a:p>
@@ -12645,10 +11897,9 @@
               <a:buChar char="•"/>
             </a:pPr>
             <a:r>
-              <a:rPr lang="ru-RU" sz="2800" dirty="0" smtClean="0"/>
+              <a:rPr lang="ru-RU" sz="2800" dirty="0"/>
               <a:t>Запускаем дальнейшую нумерацию</a:t>
             </a:r>
-            <a:endParaRPr lang="ru-RU" sz="2800" dirty="0"/>
           </a:p>
           <a:p>
             <a:pPr lvl="0"/>
@@ -12689,20 +11940,7 @@
                 <a:ea typeface="Calibri" panose="020F0502020204030204" pitchFamily="34" charset="0"/>
                 <a:cs typeface="Times New Roman" panose="02020603050405020304" pitchFamily="18" charset="0"/>
               </a:rPr>
-              <a:t>Идея</a:t>
-            </a:r>
-            <a:r>
-              <a:rPr lang="ru-RU" sz="2800" dirty="0" smtClean="0">
-                <a:solidFill>
-                  <a:schemeClr val="accent1">
-                    <a:lumMod val="50000"/>
-                  </a:schemeClr>
-                </a:solidFill>
-                <a:latin typeface="Calibri" panose="020F0502020204030204" pitchFamily="34" charset="0"/>
-                <a:ea typeface="Calibri" panose="020F0502020204030204" pitchFamily="34" charset="0"/>
-                <a:cs typeface="Times New Roman" panose="02020603050405020304" pitchFamily="18" charset="0"/>
-              </a:rPr>
-              <a:t>: Возвращаемся и пробуем заново</a:t>
+              <a:t>Идея: Возвращаемся и пробуем заново</a:t>
             </a:r>
           </a:p>
           <a:p>
@@ -12717,31 +11955,8 @@
                 <a:ea typeface="Calibri" panose="020F0502020204030204" pitchFamily="34" charset="0"/>
                 <a:cs typeface="Times New Roman" panose="02020603050405020304" pitchFamily="18" charset="0"/>
               </a:rPr>
-              <a:t>в</a:t>
-            </a:r>
-            <a:r>
-              <a:rPr lang="ru-RU" sz="2800" dirty="0" smtClean="0">
-                <a:solidFill>
-                  <a:schemeClr val="accent1">
-                    <a:lumMod val="50000"/>
-                  </a:schemeClr>
-                </a:solidFill>
-                <a:latin typeface="Calibri" panose="020F0502020204030204" pitchFamily="34" charset="0"/>
-                <a:ea typeface="Calibri" panose="020F0502020204030204" pitchFamily="34" charset="0"/>
-                <a:cs typeface="Times New Roman" panose="02020603050405020304" pitchFamily="18" charset="0"/>
-              </a:rPr>
-              <a:t> случае неудачи</a:t>
-            </a:r>
-            <a:endParaRPr lang="ru-RU" sz="2800" dirty="0">
-              <a:solidFill>
-                <a:schemeClr val="accent1">
-                  <a:lumMod val="50000"/>
-                </a:schemeClr>
-              </a:solidFill>
-              <a:latin typeface="Calibri" panose="020F0502020204030204" pitchFamily="34" charset="0"/>
-              <a:ea typeface="Calibri" panose="020F0502020204030204" pitchFamily="34" charset="0"/>
-              <a:cs typeface="Times New Roman" panose="02020603050405020304" pitchFamily="18" charset="0"/>
-            </a:endParaRPr>
+              <a:t>в случае неудачи</a:t>
+            </a:r>
           </a:p>
         </p:txBody>
       </p:sp>
@@ -12778,21 +11993,6 @@
   <p:clrMapOvr>
     <a:masterClrMapping/>
   </p:clrMapOvr>
-  <mc:AlternateContent xmlns:mc="http://schemas.openxmlformats.org/markup-compatibility/2006" xmlns:p14="http://schemas.microsoft.com/office/powerpoint/2010/main">
-    <mc:Choice Requires="p14">
-      <p:transition p14:dur="0"/>
-    </mc:Choice>
-    <mc:Fallback xmlns="">
-      <p:transition/>
-    </mc:Fallback>
-  </mc:AlternateContent>
-  <p:timing>
-    <p:tnLst>
-      <p:par>
-        <p:cTn id="1" dur="indefinite" restart="never" nodeType="tmRoot"/>
-      </p:par>
-    </p:tnLst>
-  </p:timing>
 </p:sld>
 </file>
 
@@ -12866,7 +12066,7 @@
           <a:p>
             <a:pPr lvl="0"/>
             <a:r>
-              <a:rPr lang="ru-RU" sz="2800" dirty="0" smtClean="0">
+              <a:rPr lang="ru-RU" sz="2800" dirty="0">
                 <a:solidFill>
                   <a:schemeClr val="accent1">
                     <a:lumMod val="50000"/>
@@ -12915,21 +12115,6 @@
   <p:clrMapOvr>
     <a:masterClrMapping/>
   </p:clrMapOvr>
-  <mc:AlternateContent xmlns:mc="http://schemas.openxmlformats.org/markup-compatibility/2006" xmlns:p14="http://schemas.microsoft.com/office/powerpoint/2010/main">
-    <mc:Choice Requires="p14">
-      <p:transition p14:dur="0"/>
-    </mc:Choice>
-    <mc:Fallback xmlns="">
-      <p:transition/>
-    </mc:Fallback>
-  </mc:AlternateContent>
-  <p:timing>
-    <p:tnLst>
-      <p:par>
-        <p:cTn id="1" dur="indefinite" restart="never" nodeType="tmRoot"/>
-      </p:par>
-    </p:tnLst>
-  </p:timing>
 </p:sld>
 </file>
 
@@ -12993,7 +12178,7 @@
           <a:p>
             <a:pPr algn="ctr"/>
             <a:r>
-              <a:rPr lang="ru-RU" sz="7200" dirty="0" smtClean="0">
+              <a:rPr lang="ru-RU" sz="7200" dirty="0">
                 <a:solidFill>
                   <a:schemeClr val="accent1">
                     <a:lumMod val="50000"/>
@@ -13002,13 +12187,6 @@
               </a:rPr>
               <a:t>Алгоритм нумерации для трёхмерного случая</a:t>
             </a:r>
-            <a:endParaRPr lang="ru-RU" sz="7200" dirty="0">
-              <a:solidFill>
-                <a:schemeClr val="accent1">
-                  <a:lumMod val="50000"/>
-                </a:schemeClr>
-              </a:solidFill>
-            </a:endParaRPr>
           </a:p>
         </p:txBody>
       </p:sp>
@@ -13045,21 +12223,6 @@
   <p:clrMapOvr>
     <a:masterClrMapping/>
   </p:clrMapOvr>
-  <mc:AlternateContent xmlns:mc="http://schemas.openxmlformats.org/markup-compatibility/2006" xmlns:p14="http://schemas.microsoft.com/office/powerpoint/2010/main">
-    <mc:Choice Requires="p14">
-      <p:transition p14:dur="0"/>
-    </mc:Choice>
-    <mc:Fallback xmlns="">
-      <p:transition/>
-    </mc:Fallback>
-  </mc:AlternateContent>
-  <p:timing>
-    <p:tnLst>
-      <p:par>
-        <p:cTn id="1" dur="indefinite" restart="never" nodeType="tmRoot"/>
-      </p:par>
-    </p:tnLst>
-  </p:timing>
 </p:sld>
 </file>
 
@@ -13133,7 +12296,7 @@
               </a:spcAft>
             </a:pPr>
             <a:r>
-              <a:rPr lang="ru-RU" sz="2800" dirty="0" smtClean="0">
+              <a:rPr lang="ru-RU" sz="2800" dirty="0">
                 <a:solidFill>
                   <a:schemeClr val="accent1">
                     <a:lumMod val="50000"/>
@@ -13145,7 +12308,7 @@
               </a:rPr>
               <a:t>Шаг 1</a:t>
             </a:r>
-            <a:endParaRPr lang="ru-RU" sz="2800" dirty="0" smtClean="0">
+            <a:endParaRPr lang="ru-RU" sz="2800" dirty="0">
               <a:latin typeface="Calibri" panose="020F0502020204030204" pitchFamily="34" charset="0"/>
               <a:ea typeface="Calibri" panose="020F0502020204030204" pitchFamily="34" charset="0"/>
               <a:cs typeface="Times New Roman" panose="02020603050405020304" pitchFamily="18" charset="0"/>
@@ -13160,48 +12323,24 @@
               <a:buChar char="•"/>
             </a:pPr>
             <a:r>
-              <a:rPr lang="ru-RU" sz="2800" dirty="0" smtClean="0"/>
-              <a:t>Находим </a:t>
-            </a:r>
-            <a:r>
               <a:rPr lang="ru-RU" sz="2800" dirty="0"/>
-              <a:t>вершину </a:t>
-            </a:r>
-            <a:r>
-              <a:rPr lang="ru-RU" sz="2800" dirty="0" smtClean="0"/>
-              <a:t>старшей степени </a:t>
-            </a:r>
-            <a:r>
-              <a:rPr lang="en-US" sz="2800" dirty="0" smtClean="0"/>
+              <a:t>Находим вершину старшей степени </a:t>
+            </a:r>
+            <a:r>
+              <a:rPr lang="en-US" sz="2800" dirty="0"/>
               <a:t>(</a:t>
             </a:r>
             <a:r>
-              <a:rPr lang="ru-RU" sz="2800" dirty="0" smtClean="0"/>
-              <a:t>максимальная </a:t>
-            </a:r>
-            <a:r>
               <a:rPr lang="ru-RU" sz="2800" dirty="0"/>
-              <a:t>степень </a:t>
-            </a:r>
-            <a:r>
-              <a:rPr lang="ru-RU" sz="2800" dirty="0" smtClean="0"/>
-              <a:t>– 6</a:t>
-            </a:r>
-            <a:r>
-              <a:rPr lang="en-US" sz="2800" dirty="0" smtClean="0"/>
+              <a:t>максимальная степень – 6</a:t>
+            </a:r>
+            <a:r>
+              <a:rPr lang="en-US" sz="2800" dirty="0"/>
               <a:t>)</a:t>
             </a:r>
             <a:r>
-              <a:rPr lang="ru-RU" sz="2800" dirty="0" smtClean="0"/>
-              <a:t>, </a:t>
-            </a:r>
-            <a:r>
               <a:rPr lang="ru-RU" sz="2800" dirty="0"/>
-              <a:t>нумеруем нулевыми </a:t>
-            </a:r>
-            <a:r>
-              <a:rPr lang="ru-RU" sz="2800" dirty="0" smtClean="0"/>
-              <a:t>значениями</a:t>
+              <a:t>, нумеруем нулевыми значениями</a:t>
             </a:r>
             <a:endParaRPr lang="ru-RU" sz="2800" dirty="0">
               <a:latin typeface="Calibri" panose="020F0502020204030204" pitchFamily="34" charset="0"/>
@@ -13244,25 +12383,12 @@
                 <a:ea typeface="Calibri" panose="020F0502020204030204" pitchFamily="34" charset="0"/>
                 <a:cs typeface="Times New Roman" panose="02020603050405020304" pitchFamily="18" charset="0"/>
               </a:rPr>
-              <a:t>Идея: </a:t>
-            </a:r>
-            <a:r>
-              <a:rPr lang="ru-RU" sz="2800" dirty="0" smtClean="0">
-                <a:solidFill>
-                  <a:schemeClr val="accent1">
-                    <a:lumMod val="50000"/>
-                  </a:schemeClr>
-                </a:solidFill>
-                <a:latin typeface="Calibri" panose="020F0502020204030204" pitchFamily="34" charset="0"/>
-                <a:ea typeface="Calibri" panose="020F0502020204030204" pitchFamily="34" charset="0"/>
-                <a:cs typeface="Times New Roman" panose="02020603050405020304" pitchFamily="18" charset="0"/>
-              </a:rPr>
-              <a:t>Выделяем опорную точку</a:t>
-            </a:r>
-          </a:p>
-          <a:p>
-            <a:r>
-              <a:rPr lang="ru-RU" sz="2800" dirty="0" smtClean="0">
+              <a:t>Идея: Выделяем опорную точку</a:t>
+            </a:r>
+          </a:p>
+          <a:p>
+            <a:r>
+              <a:rPr lang="ru-RU" sz="2800" dirty="0">
                 <a:solidFill>
                   <a:schemeClr val="accent1">
                     <a:lumMod val="50000"/>
@@ -13274,16 +12400,6 @@
               </a:rPr>
               <a:t>через эвристики</a:t>
             </a:r>
-            <a:endParaRPr lang="ru-RU" sz="2800" dirty="0">
-              <a:solidFill>
-                <a:schemeClr val="accent1">
-                  <a:lumMod val="50000"/>
-                </a:schemeClr>
-              </a:solidFill>
-              <a:latin typeface="Calibri" panose="020F0502020204030204" pitchFamily="34" charset="0"/>
-              <a:ea typeface="Calibri" panose="020F0502020204030204" pitchFamily="34" charset="0"/>
-              <a:cs typeface="Times New Roman" panose="02020603050405020304" pitchFamily="18" charset="0"/>
-            </a:endParaRPr>
           </a:p>
         </p:txBody>
       </p:sp>
@@ -13320,21 +12436,6 @@
   <p:clrMapOvr>
     <a:masterClrMapping/>
   </p:clrMapOvr>
-  <mc:AlternateContent xmlns:mc="http://schemas.openxmlformats.org/markup-compatibility/2006" xmlns:p14="http://schemas.microsoft.com/office/powerpoint/2010/main">
-    <mc:Choice Requires="p14">
-      <p:transition p14:dur="0"/>
-    </mc:Choice>
-    <mc:Fallback xmlns="">
-      <p:transition/>
-    </mc:Fallback>
-  </mc:AlternateContent>
-  <p:timing>
-    <p:tnLst>
-      <p:par>
-        <p:cTn id="1" dur="indefinite" restart="never" nodeType="tmRoot"/>
-      </p:par>
-    </p:tnLst>
-  </p:timing>
 </p:sld>
 </file>
 
@@ -13426,21 +12527,6 @@
   <p:clrMapOvr>
     <a:masterClrMapping/>
   </p:clrMapOvr>
-  <mc:AlternateContent xmlns:mc="http://schemas.openxmlformats.org/markup-compatibility/2006" xmlns:p14="http://schemas.microsoft.com/office/powerpoint/2010/main">
-    <mc:Choice Requires="p14">
-      <p:transition p14:dur="0"/>
-    </mc:Choice>
-    <mc:Fallback xmlns="">
-      <p:transition/>
-    </mc:Fallback>
-  </mc:AlternateContent>
-  <p:timing>
-    <p:tnLst>
-      <p:par>
-        <p:cTn id="1" dur="indefinite" restart="never" nodeType="tmRoot"/>
-      </p:par>
-    </p:tnLst>
-  </p:timing>
 </p:sld>
 </file>
 
@@ -13511,7 +12597,7 @@
               </a:spcAft>
             </a:pPr>
             <a:r>
-              <a:rPr lang="ru-RU" sz="2800" dirty="0" smtClean="0">
+              <a:rPr lang="ru-RU" sz="2800" dirty="0">
                 <a:solidFill>
                   <a:schemeClr val="accent1">
                     <a:lumMod val="50000"/>
@@ -13523,7 +12609,7 @@
               </a:rPr>
               <a:t>Шаг 2</a:t>
             </a:r>
-            <a:endParaRPr lang="ru-RU" sz="2800" dirty="0" smtClean="0">
+            <a:endParaRPr lang="ru-RU" sz="2800" dirty="0">
               <a:latin typeface="Calibri" panose="020F0502020204030204" pitchFamily="34" charset="0"/>
               <a:ea typeface="Calibri" panose="020F0502020204030204" pitchFamily="34" charset="0"/>
               <a:cs typeface="Times New Roman" panose="02020603050405020304" pitchFamily="18" charset="0"/>
@@ -13538,58 +12624,40 @@
               <a:buChar char="•"/>
             </a:pPr>
             <a:r>
-              <a:rPr lang="ru-RU" sz="2800" dirty="0" smtClean="0">
+              <a:rPr lang="ru-RU" sz="2800" dirty="0">
                 <a:ea typeface="Calibri" panose="020F0502020204030204" pitchFamily="34" charset="0"/>
                 <a:cs typeface="Times New Roman" panose="02020603050405020304" pitchFamily="18" charset="0"/>
               </a:rPr>
               <a:t>Нумеруем смежные вершины </a:t>
             </a:r>
             <a:r>
-              <a:rPr lang="ru-RU" sz="2800" i="1" dirty="0" smtClean="0">
+              <a:rPr lang="ru-RU" sz="2800" i="1" dirty="0">
                 <a:ea typeface="Calibri" panose="020F0502020204030204" pitchFamily="34" charset="0"/>
                 <a:cs typeface="Times New Roman" panose="02020603050405020304" pitchFamily="18" charset="0"/>
               </a:rPr>
               <a:t>(</a:t>
             </a:r>
             <a:r>
-              <a:rPr lang="en-US" sz="2800" i="1" dirty="0" smtClean="0">
+              <a:rPr lang="en-US" sz="2800" i="1" dirty="0">
                 <a:ea typeface="Calibri" panose="020F0502020204030204" pitchFamily="34" charset="0"/>
                 <a:cs typeface="Times New Roman" panose="02020603050405020304" pitchFamily="18" charset="0"/>
               </a:rPr>
               <a:t>P</a:t>
             </a:r>
             <a:r>
-              <a:rPr lang="ru-RU" sz="2800" i="1" dirty="0" smtClean="0">
+              <a:rPr lang="ru-RU" sz="2800" i="1" dirty="0">
                 <a:ea typeface="Calibri" panose="020F0502020204030204" pitchFamily="34" charset="0"/>
                 <a:cs typeface="Times New Roman" panose="02020603050405020304" pitchFamily="18" charset="0"/>
               </a:rPr>
               <a:t>)</a:t>
             </a:r>
             <a:r>
-              <a:rPr lang="ru-RU" sz="2800" dirty="0" smtClean="0">
-                <a:ea typeface="Calibri" panose="020F0502020204030204" pitchFamily="34" charset="0"/>
-                <a:cs typeface="Times New Roman" panose="02020603050405020304" pitchFamily="18" charset="0"/>
-              </a:rPr>
-              <a:t> </a:t>
-            </a:r>
-            <a:r>
               <a:rPr lang="ru-RU" sz="2800" dirty="0">
                 <a:ea typeface="Calibri" panose="020F0502020204030204" pitchFamily="34" charset="0"/>
                 <a:cs typeface="Times New Roman" panose="02020603050405020304" pitchFamily="18" charset="0"/>
               </a:rPr>
-              <a:t>по </a:t>
-            </a:r>
-            <a:r>
-              <a:rPr lang="ru-RU" sz="2800" dirty="0" smtClean="0">
-                <a:ea typeface="Calibri" panose="020F0502020204030204" pitchFamily="34" charset="0"/>
-                <a:cs typeface="Times New Roman" panose="02020603050405020304" pitchFamily="18" charset="0"/>
-              </a:rPr>
-              <a:t>очереди </a:t>
-            </a:r>
-            <a:endParaRPr lang="ru-RU" sz="2800" dirty="0" smtClean="0">
-              <a:ea typeface="Calibri" panose="020F0502020204030204" pitchFamily="34" charset="0"/>
-              <a:cs typeface="Times New Roman" panose="02020603050405020304" pitchFamily="18" charset="0"/>
-            </a:endParaRPr>
+              <a:t> по очереди </a:t>
+            </a:r>
           </a:p>
           <a:p>
             <a:pPr marL="457200" lvl="0" indent="-457200">
@@ -13600,30 +12668,12 @@
               <a:buChar char="•"/>
             </a:pPr>
             <a:r>
-              <a:rPr lang="ru-RU" sz="2800" dirty="0" smtClean="0">
-                <a:ea typeface="Calibri" panose="020F0502020204030204" pitchFamily="34" charset="0"/>
-                <a:cs typeface="Times New Roman" panose="02020603050405020304" pitchFamily="18" charset="0"/>
-              </a:rPr>
-              <a:t>Если </a:t>
-            </a:r>
-            <a:r>
               <a:rPr lang="ru-RU" sz="2800" dirty="0">
                 <a:ea typeface="Calibri" panose="020F0502020204030204" pitchFamily="34" charset="0"/>
                 <a:cs typeface="Times New Roman" panose="02020603050405020304" pitchFamily="18" charset="0"/>
               </a:rPr>
-              <a:t>дальнейшая нумерация не удалась, то пробуем поменять координаты вершин местами и запустить нумерацию </a:t>
-            </a:r>
-            <a:r>
-              <a:rPr lang="ru-RU" sz="2800" dirty="0" smtClean="0">
-                <a:ea typeface="Calibri" panose="020F0502020204030204" pitchFamily="34" charset="0"/>
-                <a:cs typeface="Times New Roman" panose="02020603050405020304" pitchFamily="18" charset="0"/>
-              </a:rPr>
-              <a:t>заново </a:t>
-            </a:r>
-            <a:endParaRPr lang="ru-RU" sz="2800" dirty="0" smtClean="0">
-              <a:ea typeface="Calibri" panose="020F0502020204030204" pitchFamily="34" charset="0"/>
-              <a:cs typeface="Times New Roman" panose="02020603050405020304" pitchFamily="18" charset="0"/>
-            </a:endParaRPr>
+              <a:t>Если дальнейшая нумерация не удалась, то пробуем поменять координаты вершин местами и запустить нумерацию заново </a:t>
+            </a:r>
           </a:p>
           <a:p>
             <a:pPr marL="457200" lvl="0" indent="-457200">
@@ -13638,45 +12688,31 @@
                 <a:ea typeface="Calibri" panose="020F0502020204030204" pitchFamily="34" charset="0"/>
                 <a:cs typeface="Times New Roman" panose="02020603050405020304" pitchFamily="18" charset="0"/>
               </a:rPr>
-              <a:t>Д</a:t>
-            </a:r>
-            <a:r>
-              <a:rPr lang="ru-RU" sz="2800" dirty="0" smtClean="0">
-                <a:ea typeface="Calibri" panose="020F0502020204030204" pitchFamily="34" charset="0"/>
-                <a:cs typeface="Times New Roman" panose="02020603050405020304" pitchFamily="18" charset="0"/>
-              </a:rPr>
-              <a:t>о</a:t>
-            </a:r>
-            <a:r>
-              <a:rPr lang="en-US" sz="2800" dirty="0" smtClean="0">
+              <a:t>До</a:t>
+            </a:r>
+            <a:r>
+              <a:rPr lang="en-US" sz="2800" dirty="0">
                 <a:ea typeface="Calibri" panose="020F0502020204030204" pitchFamily="34" charset="0"/>
                 <a:cs typeface="Times New Roman" panose="02020603050405020304" pitchFamily="18" charset="0"/>
               </a:rPr>
               <a:t> </a:t>
             </a:r>
             <a:r>
-              <a:rPr lang="ru-RU" sz="2800" dirty="0" smtClean="0">
-                <a:ea typeface="Calibri" panose="020F0502020204030204" pitchFamily="34" charset="0"/>
-                <a:cs typeface="Times New Roman" panose="02020603050405020304" pitchFamily="18" charset="0"/>
-              </a:rPr>
-              <a:t>720 </a:t>
-            </a:r>
-            <a:r>
               <a:rPr lang="ru-RU" sz="2800" dirty="0">
                 <a:ea typeface="Calibri" panose="020F0502020204030204" pitchFamily="34" charset="0"/>
                 <a:cs typeface="Times New Roman" panose="02020603050405020304" pitchFamily="18" charset="0"/>
               </a:rPr>
-              <a:t>вариантов нумераций </a:t>
-            </a:r>
-            <a:r>
-              <a:rPr lang="en-US" sz="2800" i="1" dirty="0" smtClean="0">
+              <a:t>720 вариантов нумераций </a:t>
+            </a:r>
+            <a:r>
+              <a:rPr lang="en-US" sz="2800" i="1" dirty="0">
                 <a:ea typeface="Calibri" panose="020F0502020204030204" pitchFamily="34" charset="0"/>
                 <a:cs typeface="Times New Roman" panose="02020603050405020304" pitchFamily="18" charset="0"/>
               </a:rPr>
               <a:t>P</a:t>
             </a:r>
             <a:r>
-              <a:rPr lang="ru-RU" sz="2800" dirty="0" smtClean="0"/>
+              <a:rPr lang="ru-RU" sz="2800" dirty="0"/>
               <a:t> </a:t>
             </a:r>
             <a:endParaRPr lang="ru-RU" sz="2800" dirty="0">
@@ -13719,25 +12755,12 @@
                 <a:ea typeface="Calibri" panose="020F0502020204030204" pitchFamily="34" charset="0"/>
                 <a:cs typeface="Times New Roman" panose="02020603050405020304" pitchFamily="18" charset="0"/>
               </a:rPr>
-              <a:t>Идея: </a:t>
-            </a:r>
-            <a:r>
-              <a:rPr lang="ru-RU" sz="2800" dirty="0" smtClean="0">
-                <a:solidFill>
-                  <a:schemeClr val="accent1">
-                    <a:lumMod val="50000"/>
-                  </a:schemeClr>
-                </a:solidFill>
-                <a:latin typeface="Calibri" panose="020F0502020204030204" pitchFamily="34" charset="0"/>
-                <a:ea typeface="Calibri" panose="020F0502020204030204" pitchFamily="34" charset="0"/>
-                <a:cs typeface="Times New Roman" panose="02020603050405020304" pitchFamily="18" charset="0"/>
-              </a:rPr>
-              <a:t>Пытаемся задать координатную</a:t>
-            </a:r>
-          </a:p>
-          <a:p>
-            <a:r>
-              <a:rPr lang="ru-RU" sz="2800" dirty="0" smtClean="0">
+              <a:t>Идея: Пытаемся задать координатную</a:t>
+            </a:r>
+          </a:p>
+          <a:p>
+            <a:r>
+              <a:rPr lang="ru-RU" sz="2800" dirty="0">
                 <a:solidFill>
                   <a:schemeClr val="accent1">
                     <a:lumMod val="50000"/>
@@ -13749,16 +12772,6 @@
               </a:rPr>
               <a:t>систему</a:t>
             </a:r>
-            <a:endParaRPr lang="ru-RU" sz="2800" dirty="0">
-              <a:solidFill>
-                <a:schemeClr val="accent1">
-                  <a:lumMod val="50000"/>
-                </a:schemeClr>
-              </a:solidFill>
-              <a:latin typeface="Calibri" panose="020F0502020204030204" pitchFamily="34" charset="0"/>
-              <a:ea typeface="Calibri" panose="020F0502020204030204" pitchFamily="34" charset="0"/>
-              <a:cs typeface="Times New Roman" panose="02020603050405020304" pitchFamily="18" charset="0"/>
-            </a:endParaRPr>
           </a:p>
         </p:txBody>
       </p:sp>
@@ -13795,21 +12808,6 @@
   <p:clrMapOvr>
     <a:masterClrMapping/>
   </p:clrMapOvr>
-  <mc:AlternateContent xmlns:mc="http://schemas.openxmlformats.org/markup-compatibility/2006" xmlns:p14="http://schemas.microsoft.com/office/powerpoint/2010/main">
-    <mc:Choice Requires="p14">
-      <p:transition p14:dur="0"/>
-    </mc:Choice>
-    <mc:Fallback xmlns="">
-      <p:transition/>
-    </mc:Fallback>
-  </mc:AlternateContent>
-  <p:timing>
-    <p:tnLst>
-      <p:par>
-        <p:cTn id="1" dur="indefinite" restart="never" nodeType="tmRoot"/>
-      </p:par>
-    </p:tnLst>
-  </p:timing>
 </p:sld>
 </file>
 
@@ -13875,7 +12873,7 @@
           <a:lstStyle/>
           <a:p>
             <a:r>
-              <a:rPr lang="ru-RU" sz="2800" dirty="0" smtClean="0">
+              <a:rPr lang="ru-RU" sz="2800" dirty="0">
                 <a:solidFill>
                   <a:schemeClr val="accent1">
                     <a:lumMod val="50000"/>
@@ -13887,7 +12885,7 @@
               </a:rPr>
               <a:t>Шаг 3</a:t>
             </a:r>
-            <a:endParaRPr lang="ru-RU" sz="2800" dirty="0" smtClean="0">
+            <a:endParaRPr lang="ru-RU" sz="2800" dirty="0">
               <a:latin typeface="Calibri" panose="020F0502020204030204" pitchFamily="34" charset="0"/>
               <a:ea typeface="Calibri" panose="020F0502020204030204" pitchFamily="34" charset="0"/>
               <a:cs typeface="Times New Roman" panose="02020603050405020304" pitchFamily="18" charset="0"/>
@@ -13899,12 +12897,8 @@
               <a:buChar char="•"/>
             </a:pPr>
             <a:r>
-              <a:rPr lang="ru-RU" sz="2800" dirty="0" smtClean="0"/>
-              <a:t>Нумеруем </a:t>
-            </a:r>
-            <a:r>
               <a:rPr lang="ru-RU" sz="2800" dirty="0"/>
-              <a:t>смежные вершины от </a:t>
+              <a:t>Нумеруем смежные вершины от </a:t>
             </a:r>
             <a:r>
               <a:rPr lang="en-US" sz="2800" i="1" dirty="0"/>
@@ -13912,13 +12906,8 @@
             </a:r>
             <a:r>
               <a:rPr lang="ru-RU" sz="2800" dirty="0"/>
-              <a:t> по </a:t>
-            </a:r>
-            <a:r>
-              <a:rPr lang="ru-RU" sz="2800" dirty="0" smtClean="0"/>
-              <a:t>очереди</a:t>
-            </a:r>
-            <a:endParaRPr lang="ru-RU" sz="2800" dirty="0" smtClean="0"/>
+              <a:t> по очереди</a:t>
+            </a:r>
           </a:p>
           <a:p>
             <a:pPr marL="457200" indent="-457200">
@@ -13926,10 +12915,9 @@
               <a:buChar char="•"/>
             </a:pPr>
             <a:r>
-              <a:rPr lang="ru-RU" sz="2800" dirty="0" smtClean="0"/>
+              <a:rPr lang="ru-RU" sz="2800" dirty="0"/>
               <a:t>Однозначно разрешимые случаи:</a:t>
             </a:r>
-            <a:endParaRPr lang="ru-RU" sz="2800" dirty="0"/>
           </a:p>
           <a:p>
             <a:pPr marL="914400" lvl="1" indent="-457200">
@@ -13938,13 +12926,8 @@
             </a:pPr>
             <a:r>
               <a:rPr lang="ru-RU" sz="2800" dirty="0"/>
-              <a:t>Два и более соседей имеют </a:t>
-            </a:r>
-            <a:r>
-              <a:rPr lang="ru-RU" sz="2800" dirty="0" smtClean="0"/>
-              <a:t>индекс</a:t>
-            </a:r>
-            <a:endParaRPr lang="ru-RU" sz="2800" dirty="0"/>
+              <a:t>Два и более соседей имеют индекс</a:t>
+            </a:r>
           </a:p>
           <a:p>
             <a:pPr marL="914400" lvl="1" indent="-457200">
@@ -13953,13 +12936,8 @@
             </a:pPr>
             <a:r>
               <a:rPr lang="ru-RU" sz="2800" dirty="0"/>
-              <a:t>Один из соседей не имеет непронумерованных соседей кроме текущей </a:t>
-            </a:r>
-            <a:r>
-              <a:rPr lang="ru-RU" sz="2800" dirty="0" smtClean="0"/>
-              <a:t>вершины</a:t>
-            </a:r>
-            <a:endParaRPr lang="ru-RU" sz="2800" dirty="0"/>
+              <a:t>Один из соседей не имеет непронумерованных соседей кроме текущей вершины</a:t>
+            </a:r>
           </a:p>
         </p:txBody>
       </p:sp>
@@ -13996,25 +12974,12 @@
                 <a:ea typeface="Calibri" panose="020F0502020204030204" pitchFamily="34" charset="0"/>
                 <a:cs typeface="Times New Roman" panose="02020603050405020304" pitchFamily="18" charset="0"/>
               </a:rPr>
-              <a:t>Идея: </a:t>
-            </a:r>
-            <a:r>
-              <a:rPr lang="ru-RU" sz="2800" dirty="0" smtClean="0">
-                <a:solidFill>
-                  <a:schemeClr val="accent1">
-                    <a:lumMod val="50000"/>
-                  </a:schemeClr>
-                </a:solidFill>
-                <a:latin typeface="Calibri" panose="020F0502020204030204" pitchFamily="34" charset="0"/>
-                <a:ea typeface="Calibri" panose="020F0502020204030204" pitchFamily="34" charset="0"/>
-                <a:cs typeface="Times New Roman" panose="02020603050405020304" pitchFamily="18" charset="0"/>
-              </a:rPr>
-              <a:t>Нумеруем однозначно разрешимые</a:t>
-            </a:r>
-          </a:p>
-          <a:p>
-            <a:r>
-              <a:rPr lang="ru-RU" sz="2800" dirty="0" smtClean="0">
+              <a:t>Идея: Нумеруем однозначно разрешимые</a:t>
+            </a:r>
+          </a:p>
+          <a:p>
+            <a:r>
+              <a:rPr lang="ru-RU" sz="2800" dirty="0">
                 <a:solidFill>
                   <a:schemeClr val="accent1">
                     <a:lumMod val="50000"/>
@@ -14026,16 +12991,6 @@
               </a:rPr>
               <a:t>случаи</a:t>
             </a:r>
-            <a:endParaRPr lang="ru-RU" sz="2800" dirty="0">
-              <a:solidFill>
-                <a:schemeClr val="accent1">
-                  <a:lumMod val="50000"/>
-                </a:schemeClr>
-              </a:solidFill>
-              <a:latin typeface="Calibri" panose="020F0502020204030204" pitchFamily="34" charset="0"/>
-              <a:ea typeface="Calibri" panose="020F0502020204030204" pitchFamily="34" charset="0"/>
-              <a:cs typeface="Times New Roman" panose="02020603050405020304" pitchFamily="18" charset="0"/>
-            </a:endParaRPr>
           </a:p>
         </p:txBody>
       </p:sp>
@@ -14072,21 +13027,6 @@
   <p:clrMapOvr>
     <a:masterClrMapping/>
   </p:clrMapOvr>
-  <mc:AlternateContent xmlns:mc="http://schemas.openxmlformats.org/markup-compatibility/2006" xmlns:p14="http://schemas.microsoft.com/office/powerpoint/2010/main">
-    <mc:Choice Requires="p14">
-      <p:transition p14:dur="0"/>
-    </mc:Choice>
-    <mc:Fallback xmlns="">
-      <p:transition/>
-    </mc:Fallback>
-  </mc:AlternateContent>
-  <p:timing>
-    <p:tnLst>
-      <p:par>
-        <p:cTn id="1" dur="indefinite" restart="never" nodeType="tmRoot"/>
-      </p:par>
-    </p:tnLst>
-  </p:timing>
 </p:sld>
 </file>
 
@@ -14154,7 +13094,7 @@
           <a:p>
             <a:pPr lvl="0"/>
             <a:r>
-              <a:rPr lang="ru-RU" sz="2800" dirty="0" smtClean="0">
+              <a:rPr lang="ru-RU" sz="2800" dirty="0">
                 <a:solidFill>
                   <a:schemeClr val="accent1">
                     <a:lumMod val="50000"/>
@@ -14166,7 +13106,7 @@
               </a:rPr>
               <a:t>Шаг 4</a:t>
             </a:r>
-            <a:endParaRPr lang="ru-RU" sz="2800" dirty="0" smtClean="0">
+            <a:endParaRPr lang="ru-RU" sz="2800" dirty="0">
               <a:latin typeface="Calibri" panose="020F0502020204030204" pitchFamily="34" charset="0"/>
               <a:ea typeface="Calibri" panose="020F0502020204030204" pitchFamily="34" charset="0"/>
               <a:cs typeface="Times New Roman" panose="02020603050405020304" pitchFamily="18" charset="0"/>
@@ -14178,20 +13118,8 @@
               <a:buChar char="•"/>
             </a:pPr>
             <a:r>
-              <a:rPr lang="ru-RU" sz="2800" dirty="0" smtClean="0"/>
-              <a:t>Для </a:t>
-            </a:r>
-            <a:r>
               <a:rPr lang="ru-RU" sz="2800" dirty="0"/>
-              <a:t>остальных вершин </a:t>
-            </a:r>
-            <a:r>
-              <a:rPr lang="ru-RU" sz="2800" dirty="0" smtClean="0"/>
-              <a:t>рекурсивно </a:t>
-            </a:r>
-            <a:r>
-              <a:rPr lang="ru-RU" sz="2800" dirty="0"/>
-              <a:t>перебираем все возможные индексы:</a:t>
+              <a:t>Для остальных вершин рекурсивно перебираем все возможные индексы:</a:t>
             </a:r>
           </a:p>
           <a:p>
@@ -14201,13 +13129,8 @@
             </a:pPr>
             <a:r>
               <a:rPr lang="ru-RU" sz="2800" dirty="0"/>
-              <a:t>Ставим один из возможных </a:t>
-            </a:r>
-            <a:r>
-              <a:rPr lang="ru-RU" sz="2800" dirty="0" smtClean="0"/>
-              <a:t>индексов</a:t>
-            </a:r>
-            <a:endParaRPr lang="ru-RU" sz="2800" dirty="0"/>
+              <a:t>Ставим один из возможных индексов</a:t>
+            </a:r>
           </a:p>
           <a:p>
             <a:pPr marL="914400" lvl="1" indent="-457200">
@@ -14224,13 +13147,8 @@
             </a:r>
             <a:r>
               <a:rPr lang="ru-RU" sz="2800" dirty="0"/>
-              <a:t>для смежных </a:t>
-            </a:r>
-            <a:r>
-              <a:rPr lang="ru-RU" sz="2800" dirty="0" smtClean="0"/>
-              <a:t>вершин</a:t>
-            </a:r>
-            <a:endParaRPr lang="ru-RU" sz="2800" dirty="0"/>
+              <a:t>для смежных вершин</a:t>
+            </a:r>
           </a:p>
         </p:txBody>
       </p:sp>
@@ -14267,20 +13185,7 @@
                 <a:ea typeface="Calibri" panose="020F0502020204030204" pitchFamily="34" charset="0"/>
                 <a:cs typeface="Times New Roman" panose="02020603050405020304" pitchFamily="18" charset="0"/>
               </a:rPr>
-              <a:t>Идея: </a:t>
-            </a:r>
-            <a:r>
-              <a:rPr lang="ru-RU" sz="2800" dirty="0" smtClean="0">
-                <a:solidFill>
-                  <a:schemeClr val="accent1">
-                    <a:lumMod val="50000"/>
-                  </a:schemeClr>
-                </a:solidFill>
-                <a:latin typeface="Calibri" panose="020F0502020204030204" pitchFamily="34" charset="0"/>
-                <a:ea typeface="Calibri" panose="020F0502020204030204" pitchFamily="34" charset="0"/>
-                <a:cs typeface="Times New Roman" panose="02020603050405020304" pitchFamily="18" charset="0"/>
-              </a:rPr>
-              <a:t>Перебираем варианты нумерации</a:t>
+              <a:t>Идея: Перебираем варианты нумерации</a:t>
             </a:r>
           </a:p>
           <a:p>
@@ -14295,31 +13200,8 @@
                 <a:ea typeface="Calibri" panose="020F0502020204030204" pitchFamily="34" charset="0"/>
                 <a:cs typeface="Times New Roman" panose="02020603050405020304" pitchFamily="18" charset="0"/>
               </a:rPr>
-              <a:t>д</a:t>
-            </a:r>
-            <a:r>
-              <a:rPr lang="ru-RU" sz="2800" dirty="0" smtClean="0">
-                <a:solidFill>
-                  <a:schemeClr val="accent1">
-                    <a:lumMod val="50000"/>
-                  </a:schemeClr>
-                </a:solidFill>
-                <a:latin typeface="Calibri" panose="020F0502020204030204" pitchFamily="34" charset="0"/>
-                <a:ea typeface="Calibri" panose="020F0502020204030204" pitchFamily="34" charset="0"/>
-                <a:cs typeface="Times New Roman" panose="02020603050405020304" pitchFamily="18" charset="0"/>
-              </a:rPr>
-              <a:t>ля неоднозначных случаев</a:t>
-            </a:r>
-            <a:endParaRPr lang="ru-RU" sz="2800" dirty="0">
-              <a:solidFill>
-                <a:schemeClr val="accent1">
-                  <a:lumMod val="50000"/>
-                </a:schemeClr>
-              </a:solidFill>
-              <a:latin typeface="Calibri" panose="020F0502020204030204" pitchFamily="34" charset="0"/>
-              <a:ea typeface="Calibri" panose="020F0502020204030204" pitchFamily="34" charset="0"/>
-              <a:cs typeface="Times New Roman" panose="02020603050405020304" pitchFamily="18" charset="0"/>
-            </a:endParaRPr>
+              <a:t>для неоднозначных случаев</a:t>
+            </a:r>
           </a:p>
         </p:txBody>
       </p:sp>
@@ -14356,21 +13238,6 @@
   <p:clrMapOvr>
     <a:masterClrMapping/>
   </p:clrMapOvr>
-  <mc:AlternateContent xmlns:mc="http://schemas.openxmlformats.org/markup-compatibility/2006" xmlns:p14="http://schemas.microsoft.com/office/powerpoint/2010/main">
-    <mc:Choice Requires="p14">
-      <p:transition p14:dur="0"/>
-    </mc:Choice>
-    <mc:Fallback xmlns="">
-      <p:transition/>
-    </mc:Fallback>
-  </mc:AlternateContent>
-  <p:timing>
-    <p:tnLst>
-      <p:par>
-        <p:cTn id="1" dur="indefinite" restart="never" nodeType="tmRoot"/>
-      </p:par>
-    </p:tnLst>
-  </p:timing>
 </p:sld>
 </file>
 
@@ -14437,7 +13304,7 @@
           <a:lstStyle/>
           <a:p>
             <a:r>
-              <a:rPr lang="ru-RU" sz="2800" dirty="0" smtClean="0">
+              <a:rPr lang="ru-RU" sz="2800" dirty="0">
                 <a:solidFill>
                   <a:schemeClr val="accent1">
                     <a:lumMod val="50000"/>
@@ -14449,7 +13316,7 @@
               </a:rPr>
               <a:t>Шаг 5</a:t>
             </a:r>
-            <a:endParaRPr lang="ru-RU" sz="2800" dirty="0" smtClean="0">
+            <a:endParaRPr lang="ru-RU" sz="2800" dirty="0">
               <a:latin typeface="Calibri" panose="020F0502020204030204" pitchFamily="34" charset="0"/>
               <a:ea typeface="Calibri" panose="020F0502020204030204" pitchFamily="34" charset="0"/>
               <a:cs typeface="Times New Roman" panose="02020603050405020304" pitchFamily="18" charset="0"/>
@@ -14461,7 +13328,7 @@
               <a:buChar char="•"/>
             </a:pPr>
             <a:r>
-              <a:rPr lang="ru-RU" sz="2800" dirty="0" smtClean="0">
+              <a:rPr lang="ru-RU" sz="2800" dirty="0">
                 <a:latin typeface="Calibri" panose="020F0502020204030204" pitchFamily="34" charset="0"/>
                 <a:ea typeface="Calibri" panose="020F0502020204030204" pitchFamily="34" charset="0"/>
                 <a:cs typeface="Times New Roman" panose="02020603050405020304" pitchFamily="18" charset="0"/>
@@ -14469,16 +13336,8 @@
               <a:t>Если </a:t>
             </a:r>
             <a:r>
-              <a:rPr lang="ru-RU" sz="2800" dirty="0" smtClean="0"/>
-              <a:t>не </a:t>
-            </a:r>
-            <a:r>
               <a:rPr lang="ru-RU" sz="2800" dirty="0"/>
-              <a:t>удалось </a:t>
-            </a:r>
-            <a:r>
-              <a:rPr lang="ru-RU" sz="2800" dirty="0" smtClean="0"/>
-              <a:t>пронумеровать, то:</a:t>
+              <a:t>не удалось пронумеровать, то:</a:t>
             </a:r>
           </a:p>
           <a:p>
@@ -14487,7 +13346,7 @@
               <a:buChar char="•"/>
             </a:pPr>
             <a:r>
-              <a:rPr lang="ru-RU" sz="2800" dirty="0" smtClean="0"/>
+              <a:rPr lang="ru-RU" sz="2800" dirty="0"/>
               <a:t>Возвращаемся к предыдущему неоднозначному случаю</a:t>
             </a:r>
           </a:p>
@@ -14497,16 +13356,8 @@
               <a:buChar char="•"/>
             </a:pPr>
             <a:r>
-              <a:rPr lang="ru-RU" sz="2800" dirty="0" smtClean="0"/>
-              <a:t>Меняем </a:t>
-            </a:r>
-            <a:r>
               <a:rPr lang="ru-RU" sz="2800" dirty="0"/>
-              <a:t>индекс </a:t>
-            </a:r>
-            <a:r>
-              <a:rPr lang="ru-RU" sz="2800" dirty="0" smtClean="0"/>
-              <a:t>на следующий возможный</a:t>
+              <a:t>Меняем индекс на следующий возможный</a:t>
             </a:r>
           </a:p>
           <a:p>
@@ -14515,10 +13366,9 @@
               <a:buChar char="•"/>
             </a:pPr>
             <a:r>
-              <a:rPr lang="ru-RU" sz="2800" dirty="0" smtClean="0"/>
+              <a:rPr lang="ru-RU" sz="2800" dirty="0"/>
               <a:t>Запускаем дальнейшую нумерацию</a:t>
             </a:r>
-            <a:endParaRPr lang="ru-RU" sz="2800" dirty="0"/>
           </a:p>
           <a:p>
             <a:pPr lvl="0"/>
@@ -14574,33 +13424,7 @@
                 <a:ea typeface="Calibri" panose="020F0502020204030204" pitchFamily="34" charset="0"/>
                 <a:cs typeface="Times New Roman" panose="02020603050405020304" pitchFamily="18" charset="0"/>
               </a:rPr>
-              <a:t>в</a:t>
-            </a:r>
-            <a:r>
-              <a:rPr lang="ru-RU" sz="2800" dirty="0" smtClean="0">
-                <a:solidFill>
-                  <a:schemeClr val="accent1">
-                    <a:lumMod val="50000"/>
-                  </a:schemeClr>
-                </a:solidFill>
-                <a:latin typeface="Calibri" panose="020F0502020204030204" pitchFamily="34" charset="0"/>
-                <a:ea typeface="Calibri" panose="020F0502020204030204" pitchFamily="34" charset="0"/>
-                <a:cs typeface="Times New Roman" panose="02020603050405020304" pitchFamily="18" charset="0"/>
-              </a:rPr>
-              <a:t> </a:t>
-            </a:r>
-            <a:r>
-              <a:rPr lang="ru-RU" sz="2800" dirty="0">
-                <a:solidFill>
-                  <a:schemeClr val="accent1">
-                    <a:lumMod val="50000"/>
-                  </a:schemeClr>
-                </a:solidFill>
-                <a:latin typeface="Calibri" panose="020F0502020204030204" pitchFamily="34" charset="0"/>
-                <a:ea typeface="Calibri" panose="020F0502020204030204" pitchFamily="34" charset="0"/>
-                <a:cs typeface="Times New Roman" panose="02020603050405020304" pitchFamily="18" charset="0"/>
-              </a:rPr>
-              <a:t>случае неудачи</a:t>
+              <a:t>в случае неудачи</a:t>
             </a:r>
           </a:p>
         </p:txBody>
@@ -14638,21 +13462,6 @@
   <p:clrMapOvr>
     <a:masterClrMapping/>
   </p:clrMapOvr>
-  <mc:AlternateContent xmlns:mc="http://schemas.openxmlformats.org/markup-compatibility/2006" xmlns:p14="http://schemas.microsoft.com/office/powerpoint/2010/main">
-    <mc:Choice Requires="p14">
-      <p:transition p14:dur="0"/>
-    </mc:Choice>
-    <mc:Fallback xmlns="">
-      <p:transition/>
-    </mc:Fallback>
-  </mc:AlternateContent>
-  <p:timing>
-    <p:tnLst>
-      <p:par>
-        <p:cTn id="1" dur="indefinite" restart="never" nodeType="tmRoot"/>
-      </p:par>
-    </p:tnLst>
-  </p:timing>
 </p:sld>
 </file>
 
@@ -14716,7 +13525,7 @@
           <a:p>
             <a:pPr algn="ctr"/>
             <a:r>
-              <a:rPr lang="ru-RU" sz="7200" dirty="0" smtClean="0">
+              <a:rPr lang="ru-RU" sz="7200" dirty="0">
                 <a:solidFill>
                   <a:schemeClr val="accent1">
                     <a:lumMod val="50000"/>
@@ -14725,13 +13534,6 @@
               </a:rPr>
               <a:t>Тестовый базис</a:t>
             </a:r>
-            <a:endParaRPr lang="ru-RU" sz="7200" dirty="0">
-              <a:solidFill>
-                <a:schemeClr val="accent1">
-                  <a:lumMod val="50000"/>
-                </a:schemeClr>
-              </a:solidFill>
-            </a:endParaRPr>
           </a:p>
         </p:txBody>
       </p:sp>
@@ -14768,21 +13570,6 @@
   <p:clrMapOvr>
     <a:masterClrMapping/>
   </p:clrMapOvr>
-  <mc:AlternateContent xmlns:mc="http://schemas.openxmlformats.org/markup-compatibility/2006" xmlns:p14="http://schemas.microsoft.com/office/powerpoint/2010/main">
-    <mc:Choice Requires="p14">
-      <p:transition p14:dur="0"/>
-    </mc:Choice>
-    <mc:Fallback xmlns="">
-      <p:transition/>
-    </mc:Fallback>
-  </mc:AlternateContent>
-  <p:timing>
-    <p:tnLst>
-      <p:par>
-        <p:cTn id="1" dur="indefinite" restart="never" nodeType="tmRoot"/>
-      </p:par>
-    </p:tnLst>
-  </p:timing>
 </p:sld>
 </file>
 
@@ -14846,7 +13633,7 @@
           <a:p>
             <a:pPr algn="ctr"/>
             <a:r>
-              <a:rPr lang="ru-RU" dirty="0" smtClean="0">
+              <a:rPr lang="ru-RU" dirty="0">
                 <a:solidFill>
                   <a:schemeClr val="accent1">
                     <a:lumMod val="50000"/>
@@ -14855,13 +13642,6 @@
               </a:rPr>
               <a:t>Одномерный случай</a:t>
             </a:r>
-            <a:endParaRPr lang="ru-RU" dirty="0">
-              <a:solidFill>
-                <a:schemeClr val="accent1">
-                  <a:lumMod val="50000"/>
-                </a:schemeClr>
-              </a:solidFill>
-            </a:endParaRPr>
           </a:p>
         </p:txBody>
       </p:sp>
@@ -15018,21 +13798,6 @@
   <p:clrMapOvr>
     <a:masterClrMapping/>
   </p:clrMapOvr>
-  <mc:AlternateContent xmlns:mc="http://schemas.openxmlformats.org/markup-compatibility/2006" xmlns:p14="http://schemas.microsoft.com/office/powerpoint/2010/main">
-    <mc:Choice Requires="p14">
-      <p:transition p14:dur="0"/>
-    </mc:Choice>
-    <mc:Fallback xmlns="">
-      <p:transition/>
-    </mc:Fallback>
-  </mc:AlternateContent>
-  <p:timing>
-    <p:tnLst>
-      <p:par>
-        <p:cTn id="1" dur="indefinite" restart="never" nodeType="tmRoot"/>
-      </p:par>
-    </p:tnLst>
-  </p:timing>
 </p:sld>
 </file>
 
@@ -15096,7 +13861,7 @@
           <a:p>
             <a:pPr algn="ctr"/>
             <a:r>
-              <a:rPr lang="ru-RU" dirty="0" smtClean="0">
+              <a:rPr lang="ru-RU" dirty="0">
                 <a:solidFill>
                   <a:schemeClr val="accent1">
                     <a:lumMod val="50000"/>
@@ -15105,13 +13870,6 @@
               </a:rPr>
               <a:t>Двумерный случай</a:t>
             </a:r>
-            <a:endParaRPr lang="ru-RU" dirty="0">
-              <a:solidFill>
-                <a:schemeClr val="accent1">
-                  <a:lumMod val="50000"/>
-                </a:schemeClr>
-              </a:solidFill>
-            </a:endParaRPr>
           </a:p>
         </p:txBody>
       </p:sp>
@@ -15208,21 +13966,6 @@
   <p:clrMapOvr>
     <a:masterClrMapping/>
   </p:clrMapOvr>
-  <mc:AlternateContent xmlns:mc="http://schemas.openxmlformats.org/markup-compatibility/2006" xmlns:p14="http://schemas.microsoft.com/office/powerpoint/2010/main">
-    <mc:Choice Requires="p14">
-      <p:transition p14:dur="0"/>
-    </mc:Choice>
-    <mc:Fallback xmlns="">
-      <p:transition/>
-    </mc:Fallback>
-  </mc:AlternateContent>
-  <p:timing>
-    <p:tnLst>
-      <p:par>
-        <p:cTn id="1" dur="indefinite" restart="never" nodeType="tmRoot"/>
-      </p:par>
-    </p:tnLst>
-  </p:timing>
 </p:sld>
 </file>
 
@@ -15369,7 +14112,7 @@
           <a:p>
             <a:pPr algn="ctr"/>
             <a:r>
-              <a:rPr lang="ru-RU" dirty="0" smtClean="0">
+              <a:rPr lang="ru-RU" dirty="0">
                 <a:solidFill>
                   <a:schemeClr val="accent1">
                     <a:lumMod val="50000"/>
@@ -15378,13 +14121,6 @@
               </a:rPr>
               <a:t>Двумерный случай</a:t>
             </a:r>
-            <a:endParaRPr lang="ru-RU" dirty="0">
-              <a:solidFill>
-                <a:schemeClr val="accent1">
-                  <a:lumMod val="50000"/>
-                </a:schemeClr>
-              </a:solidFill>
-            </a:endParaRPr>
           </a:p>
         </p:txBody>
       </p:sp>
@@ -15398,21 +14134,6 @@
   <p:clrMapOvr>
     <a:masterClrMapping/>
   </p:clrMapOvr>
-  <mc:AlternateContent xmlns:mc="http://schemas.openxmlformats.org/markup-compatibility/2006" xmlns:p14="http://schemas.microsoft.com/office/powerpoint/2010/main">
-    <mc:Choice Requires="p14">
-      <p:transition p14:dur="0"/>
-    </mc:Choice>
-    <mc:Fallback xmlns="">
-      <p:transition/>
-    </mc:Fallback>
-  </mc:AlternateContent>
-  <p:timing>
-    <p:tnLst>
-      <p:par>
-        <p:cTn id="1" dur="indefinite" restart="never" nodeType="tmRoot"/>
-      </p:par>
-    </p:tnLst>
-  </p:timing>
 </p:sld>
 </file>
 
@@ -15560,7 +14281,7 @@
           <a:p>
             <a:pPr algn="ctr"/>
             <a:r>
-              <a:rPr lang="ru-RU" dirty="0" smtClean="0">
+              <a:rPr lang="ru-RU" dirty="0">
                 <a:solidFill>
                   <a:schemeClr val="accent1">
                     <a:lumMod val="50000"/>
@@ -15569,13 +14290,6 @@
               </a:rPr>
               <a:t>Трехмерный случай</a:t>
             </a:r>
-            <a:endParaRPr lang="ru-RU" dirty="0">
-              <a:solidFill>
-                <a:schemeClr val="accent1">
-                  <a:lumMod val="50000"/>
-                </a:schemeClr>
-              </a:solidFill>
-            </a:endParaRPr>
           </a:p>
         </p:txBody>
       </p:sp>
@@ -15589,21 +14303,6 @@
   <p:clrMapOvr>
     <a:masterClrMapping/>
   </p:clrMapOvr>
-  <mc:AlternateContent xmlns:mc="http://schemas.openxmlformats.org/markup-compatibility/2006" xmlns:p14="http://schemas.microsoft.com/office/powerpoint/2010/main">
-    <mc:Choice Requires="p14">
-      <p:transition p14:dur="0"/>
-    </mc:Choice>
-    <mc:Fallback xmlns="">
-      <p:transition/>
-    </mc:Fallback>
-  </mc:AlternateContent>
-  <p:timing>
-    <p:tnLst>
-      <p:par>
-        <p:cTn id="1" dur="indefinite" restart="never" nodeType="tmRoot"/>
-      </p:par>
-    </p:tnLst>
-  </p:timing>
 </p:sld>
 </file>
 
@@ -15751,7 +14450,7 @@
           <a:p>
             <a:pPr algn="ctr"/>
             <a:r>
-              <a:rPr lang="ru-RU" dirty="0" smtClean="0">
+              <a:rPr lang="ru-RU" dirty="0">
                 <a:solidFill>
                   <a:schemeClr val="accent1">
                     <a:lumMod val="50000"/>
@@ -15760,13 +14459,6 @@
               </a:rPr>
               <a:t>Трехмерный случай</a:t>
             </a:r>
-            <a:endParaRPr lang="ru-RU" dirty="0">
-              <a:solidFill>
-                <a:schemeClr val="accent1">
-                  <a:lumMod val="50000"/>
-                </a:schemeClr>
-              </a:solidFill>
-            </a:endParaRPr>
           </a:p>
         </p:txBody>
       </p:sp>
@@ -15780,21 +14472,6 @@
   <p:clrMapOvr>
     <a:masterClrMapping/>
   </p:clrMapOvr>
-  <mc:AlternateContent xmlns:mc="http://schemas.openxmlformats.org/markup-compatibility/2006" xmlns:p14="http://schemas.microsoft.com/office/powerpoint/2010/main">
-    <mc:Choice Requires="p14">
-      <p:transition p14:dur="0"/>
-    </mc:Choice>
-    <mc:Fallback xmlns="">
-      <p:transition/>
-    </mc:Fallback>
-  </mc:AlternateContent>
-  <p:timing>
-    <p:tnLst>
-      <p:par>
-        <p:cTn id="1" dur="indefinite" restart="never" nodeType="tmRoot"/>
-      </p:par>
-    </p:tnLst>
-  </p:timing>
 </p:sld>
 </file>
 
@@ -15886,21 +14563,6 @@
   <p:clrMapOvr>
     <a:masterClrMapping/>
   </p:clrMapOvr>
-  <mc:AlternateContent xmlns:mc="http://schemas.openxmlformats.org/markup-compatibility/2006" xmlns:p14="http://schemas.microsoft.com/office/powerpoint/2010/main">
-    <mc:Choice Requires="p14">
-      <p:transition p14:dur="0"/>
-    </mc:Choice>
-    <mc:Fallback xmlns="">
-      <p:transition/>
-    </mc:Fallback>
-  </mc:AlternateContent>
-  <p:timing>
-    <p:tnLst>
-      <p:par>
-        <p:cTn id="1" dur="indefinite" restart="never" nodeType="tmRoot"/>
-      </p:par>
-    </p:tnLst>
-  </p:timing>
 </p:sld>
 </file>
 
@@ -15964,7 +14626,7 @@
           <a:p>
             <a:pPr algn="ctr"/>
             <a:r>
-              <a:rPr lang="ru-RU" sz="7200" dirty="0" smtClean="0">
+              <a:rPr lang="ru-RU" sz="7200" dirty="0">
                 <a:solidFill>
                   <a:schemeClr val="accent1">
                     <a:lumMod val="50000"/>
@@ -15973,13 +14635,6 @@
               </a:rPr>
               <a:t>Верификация и тестирование</a:t>
             </a:r>
-            <a:endParaRPr lang="ru-RU" sz="7200" dirty="0">
-              <a:solidFill>
-                <a:schemeClr val="accent1">
-                  <a:lumMod val="50000"/>
-                </a:schemeClr>
-              </a:solidFill>
-            </a:endParaRPr>
           </a:p>
         </p:txBody>
       </p:sp>
@@ -16016,21 +14671,6 @@
   <p:clrMapOvr>
     <a:masterClrMapping/>
   </p:clrMapOvr>
-  <mc:AlternateContent xmlns:mc="http://schemas.openxmlformats.org/markup-compatibility/2006" xmlns:p14="http://schemas.microsoft.com/office/powerpoint/2010/main">
-    <mc:Choice Requires="p14">
-      <p:transition p14:dur="0"/>
-    </mc:Choice>
-    <mc:Fallback xmlns="">
-      <p:transition/>
-    </mc:Fallback>
-  </mc:AlternateContent>
-  <p:timing>
-    <p:tnLst>
-      <p:par>
-        <p:cTn id="1" dur="indefinite" restart="never" nodeType="tmRoot"/>
-      </p:par>
-    </p:tnLst>
-  </p:timing>
 </p:sld>
 </file>
 
@@ -16077,7 +14717,7 @@
               <a:t>Методика</a:t>
             </a:r>
             <a:r>
-              <a:rPr lang="ru-RU" dirty="0" smtClean="0"/>
+              <a:rPr lang="ru-RU" dirty="0"/>
               <a:t> </a:t>
             </a:r>
             <a:r>
@@ -16114,12 +14754,8 @@
               <a:buNone/>
             </a:pPr>
             <a:r>
-              <a:rPr lang="ru-RU" dirty="0" smtClean="0"/>
-              <a:t>Для </a:t>
-            </a:r>
-            <a:r>
               <a:rPr lang="ru-RU" dirty="0"/>
-              <a:t>каждого примера из тестовой базы выполняются следующие шаги:</a:t>
+              <a:t>Для каждого примера из тестовой базы выполняются следующие шаги:</a:t>
             </a:r>
           </a:p>
           <a:p>
@@ -16132,12 +14768,8 @@
           <a:p>
             <a:pPr fontAlgn="base"/>
             <a:r>
-              <a:rPr lang="ru-RU" dirty="0" smtClean="0"/>
-              <a:t>В случае успеха </a:t>
-            </a:r>
-            <a:r>
               <a:rPr lang="ru-RU" dirty="0"/>
-              <a:t>запускается алгоритм нумерации</a:t>
+              <a:t>В случае успеха запускается алгоритм нумерации</a:t>
             </a:r>
           </a:p>
           <a:p>
@@ -16199,13 +14831,6 @@
   <p:clrMapOvr>
     <a:masterClrMapping/>
   </p:clrMapOvr>
-  <p:timing>
-    <p:tnLst>
-      <p:par>
-        <p:cTn id="1" dur="indefinite" restart="never" nodeType="tmRoot"/>
-      </p:par>
-    </p:tnLst>
-  </p:timing>
 </p:sld>
 </file>
 
@@ -16254,42 +14879,42 @@
                 <a:gridCol w="2522900">
                   <a:extLst>
                     <a:ext uri="{9D8B030D-6E8A-4147-A177-3AD203B41FA5}">
-                      <a16:colId xmlns:a16="http://schemas.microsoft.com/office/drawing/2014/main" xmlns="" val="1171950682"/>
+                      <a16:colId xmlns:a16="http://schemas.microsoft.com/office/drawing/2014/main" val="1171950682"/>
                     </a:ext>
                   </a:extLst>
                 </a:gridCol>
                 <a:gridCol w="932747">
                   <a:extLst>
                     <a:ext uri="{9D8B030D-6E8A-4147-A177-3AD203B41FA5}">
-                      <a16:colId xmlns:a16="http://schemas.microsoft.com/office/drawing/2014/main" xmlns="" val="2713623616"/>
+                      <a16:colId xmlns:a16="http://schemas.microsoft.com/office/drawing/2014/main" val="2713623616"/>
                     </a:ext>
                   </a:extLst>
                 </a:gridCol>
                 <a:gridCol w="1124653">
                   <a:extLst>
                     <a:ext uri="{9D8B030D-6E8A-4147-A177-3AD203B41FA5}">
-                      <a16:colId xmlns:a16="http://schemas.microsoft.com/office/drawing/2014/main" xmlns="" val="4214117398"/>
+                      <a16:colId xmlns:a16="http://schemas.microsoft.com/office/drawing/2014/main" val="4214117398"/>
                     </a:ext>
                   </a:extLst>
                 </a:gridCol>
                 <a:gridCol w="1737360">
                   <a:extLst>
                     <a:ext uri="{9D8B030D-6E8A-4147-A177-3AD203B41FA5}">
-                      <a16:colId xmlns:a16="http://schemas.microsoft.com/office/drawing/2014/main" xmlns="" val="3936630454"/>
+                      <a16:colId xmlns:a16="http://schemas.microsoft.com/office/drawing/2014/main" val="3936630454"/>
                     </a:ext>
                   </a:extLst>
                 </a:gridCol>
                 <a:gridCol w="2164080">
                   <a:extLst>
                     <a:ext uri="{9D8B030D-6E8A-4147-A177-3AD203B41FA5}">
-                      <a16:colId xmlns:a16="http://schemas.microsoft.com/office/drawing/2014/main" xmlns="" val="3619060530"/>
+                      <a16:colId xmlns:a16="http://schemas.microsoft.com/office/drawing/2014/main" val="3619060530"/>
                     </a:ext>
                   </a:extLst>
                 </a:gridCol>
                 <a:gridCol w="2346960">
                   <a:extLst>
                     <a:ext uri="{9D8B030D-6E8A-4147-A177-3AD203B41FA5}">
-                      <a16:colId xmlns:a16="http://schemas.microsoft.com/office/drawing/2014/main" xmlns="" val="3962761656"/>
+                      <a16:colId xmlns:a16="http://schemas.microsoft.com/office/drawing/2014/main" val="3962761656"/>
                     </a:ext>
                   </a:extLst>
                 </a:gridCol>
@@ -16362,7 +14987,7 @@
                     <a:p>
                       <a:pPr algn="ctr" fontAlgn="b"/>
                       <a:r>
-                        <a:rPr lang="ru-RU" sz="1600" b="1" i="0" u="none" strike="noStrike" dirty="0" smtClean="0">
+                        <a:rPr lang="ru-RU" sz="1600" b="1" i="0" u="none" strike="noStrike" dirty="0">
                           <a:solidFill>
                             <a:schemeClr val="bg1"/>
                           </a:solidFill>
@@ -16389,7 +15014,7 @@
                     <a:p>
                       <a:pPr algn="ctr" fontAlgn="b"/>
                       <a:r>
-                        <a:rPr lang="ru-RU" sz="1600" b="1" i="0" u="none" strike="noStrike" dirty="0" smtClean="0">
+                        <a:rPr lang="ru-RU" sz="1600" b="1" i="0" u="none" strike="noStrike" dirty="0">
                           <a:solidFill>
                             <a:schemeClr val="bg1"/>
                           </a:solidFill>
@@ -16399,7 +15024,7 @@
                         <a:t>Построил</a:t>
                       </a:r>
                       <a:r>
-                        <a:rPr lang="ru-RU" sz="1600" b="1" i="0" u="none" strike="noStrike" baseline="0" dirty="0" smtClean="0">
+                        <a:rPr lang="ru-RU" sz="1600" b="1" i="0" u="none" strike="noStrike" baseline="0" dirty="0">
                           <a:solidFill>
                             <a:schemeClr val="bg1"/>
                           </a:solidFill>
@@ -16441,7 +15066,7 @@
                 </a:tc>
                 <a:extLst>
                   <a:ext uri="{0D108BD9-81ED-4DB2-BD59-A6C34878D82A}">
-                    <a16:rowId xmlns:a16="http://schemas.microsoft.com/office/drawing/2014/main" xmlns="" val="396192681"/>
+                    <a16:rowId xmlns:a16="http://schemas.microsoft.com/office/drawing/2014/main" val="396192681"/>
                   </a:ext>
                 </a:extLst>
               </a:tr>
@@ -16553,7 +15178,7 @@
                         <a:defRPr/>
                       </a:pPr>
                       <a:r>
-                        <a:rPr kumimoji="0" lang="ru-RU" sz="1400" b="0" i="0" u="none" strike="noStrike" kern="1200" cap="none" spc="0" normalizeH="0" baseline="0" noProof="0" dirty="0" smtClean="0">
+                        <a:rPr kumimoji="0" lang="ru-RU" sz="1400" b="0" i="0" u="none" strike="noStrike" kern="1200" cap="none" spc="0" normalizeH="0" baseline="0" noProof="0" dirty="0">
                           <a:ln>
                             <a:noFill/>
                           </a:ln>
@@ -16569,20 +15194,6 @@
                         </a:rPr>
                         <a:t>ИСТИНА</a:t>
                       </a:r>
-                      <a:endParaRPr kumimoji="0" lang="ru-RU" sz="1400" b="0" i="0" u="none" strike="noStrike" kern="1200" cap="none" spc="0" normalizeH="0" baseline="0" noProof="0" dirty="0">
-                        <a:ln>
-                          <a:noFill/>
-                        </a:ln>
-                        <a:solidFill>
-                          <a:srgbClr val="000000"/>
-                        </a:solidFill>
-                        <a:effectLst/>
-                        <a:uLnTx/>
-                        <a:uFillTx/>
-                        <a:latin typeface="Calibri" panose="020F0502020204030204" pitchFamily="34" charset="0"/>
-                        <a:ea typeface="+mn-ea"/>
-                        <a:cs typeface="+mn-cs"/>
-                      </a:endParaRPr>
                     </a:p>
                   </a:txBody>
                   <a:tcPr marL="9525" marR="9525" marT="9525" marB="0" anchor="b">
@@ -16617,7 +15228,7 @@
                 </a:tc>
                 <a:extLst>
                   <a:ext uri="{0D108BD9-81ED-4DB2-BD59-A6C34878D82A}">
-                    <a16:rowId xmlns:a16="http://schemas.microsoft.com/office/drawing/2014/main" xmlns="" val="658754578"/>
+                    <a16:rowId xmlns:a16="http://schemas.microsoft.com/office/drawing/2014/main" val="658754578"/>
                   </a:ext>
                 </a:extLst>
               </a:tr>
@@ -16736,7 +15347,7 @@
                         <a:defRPr/>
                       </a:pPr>
                       <a:r>
-                        <a:rPr kumimoji="0" lang="ru-RU" sz="1400" b="0" i="0" u="none" strike="noStrike" kern="1200" cap="none" spc="0" normalizeH="0" baseline="0" noProof="0" dirty="0" smtClean="0">
+                        <a:rPr kumimoji="0" lang="ru-RU" sz="1400" b="0" i="0" u="none" strike="noStrike" kern="1200" cap="none" spc="0" normalizeH="0" baseline="0" noProof="0" dirty="0">
                           <a:ln>
                             <a:noFill/>
                           </a:ln>
@@ -16752,20 +15363,6 @@
                         </a:rPr>
                         <a:t>ИСТИНА</a:t>
                       </a:r>
-                      <a:endParaRPr kumimoji="0" lang="ru-RU" sz="1400" b="0" i="0" u="none" strike="noStrike" kern="1200" cap="none" spc="0" normalizeH="0" baseline="0" noProof="0" dirty="0">
-                        <a:ln>
-                          <a:noFill/>
-                        </a:ln>
-                        <a:solidFill>
-                          <a:srgbClr val="000000"/>
-                        </a:solidFill>
-                        <a:effectLst/>
-                        <a:uLnTx/>
-                        <a:uFillTx/>
-                        <a:latin typeface="Calibri" panose="020F0502020204030204" pitchFamily="34" charset="0"/>
-                        <a:ea typeface="+mn-ea"/>
-                        <a:cs typeface="+mn-cs"/>
-                      </a:endParaRPr>
                     </a:p>
                   </a:txBody>
                   <a:tcPr marL="9525" marR="9525" marT="9525" marB="0" anchor="b">
@@ -16800,7 +15397,7 @@
                 </a:tc>
                 <a:extLst>
                   <a:ext uri="{0D108BD9-81ED-4DB2-BD59-A6C34878D82A}">
-                    <a16:rowId xmlns:a16="http://schemas.microsoft.com/office/drawing/2014/main" xmlns="" val="2775249390"/>
+                    <a16:rowId xmlns:a16="http://schemas.microsoft.com/office/drawing/2014/main" val="2775249390"/>
                   </a:ext>
                 </a:extLst>
               </a:tr>
@@ -16912,7 +15509,7 @@
                         <a:defRPr/>
                       </a:pPr>
                       <a:r>
-                        <a:rPr kumimoji="0" lang="ru-RU" sz="1400" b="0" i="0" u="none" strike="noStrike" kern="1200" cap="none" spc="0" normalizeH="0" baseline="0" noProof="0" dirty="0" smtClean="0">
+                        <a:rPr kumimoji="0" lang="ru-RU" sz="1400" b="0" i="0" u="none" strike="noStrike" kern="1200" cap="none" spc="0" normalizeH="0" baseline="0" noProof="0" dirty="0">
                           <a:ln>
                             <a:noFill/>
                           </a:ln>
@@ -16928,20 +15525,6 @@
                         </a:rPr>
                         <a:t>ИСТИНА</a:t>
                       </a:r>
-                      <a:endParaRPr kumimoji="0" lang="ru-RU" sz="1400" b="0" i="0" u="none" strike="noStrike" kern="1200" cap="none" spc="0" normalizeH="0" baseline="0" noProof="0" dirty="0">
-                        <a:ln>
-                          <a:noFill/>
-                        </a:ln>
-                        <a:solidFill>
-                          <a:srgbClr val="000000"/>
-                        </a:solidFill>
-                        <a:effectLst/>
-                        <a:uLnTx/>
-                        <a:uFillTx/>
-                        <a:latin typeface="Calibri" panose="020F0502020204030204" pitchFamily="34" charset="0"/>
-                        <a:ea typeface="+mn-ea"/>
-                        <a:cs typeface="+mn-cs"/>
-                      </a:endParaRPr>
                     </a:p>
                   </a:txBody>
                   <a:tcPr marL="9525" marR="9525" marT="9525" marB="0" anchor="b">
@@ -16976,7 +15559,7 @@
                 </a:tc>
                 <a:extLst>
                   <a:ext uri="{0D108BD9-81ED-4DB2-BD59-A6C34878D82A}">
-                    <a16:rowId xmlns:a16="http://schemas.microsoft.com/office/drawing/2014/main" xmlns="" val="351305436"/>
+                    <a16:rowId xmlns:a16="http://schemas.microsoft.com/office/drawing/2014/main" val="351305436"/>
                   </a:ext>
                 </a:extLst>
               </a:tr>
@@ -17095,7 +15678,7 @@
                         <a:defRPr/>
                       </a:pPr>
                       <a:r>
-                        <a:rPr kumimoji="0" lang="ru-RU" sz="1400" b="0" i="0" u="none" strike="noStrike" kern="1200" cap="none" spc="0" normalizeH="0" baseline="0" noProof="0" dirty="0" smtClean="0">
+                        <a:rPr kumimoji="0" lang="ru-RU" sz="1400" b="0" i="0" u="none" strike="noStrike" kern="1200" cap="none" spc="0" normalizeH="0" baseline="0" noProof="0" dirty="0">
                           <a:ln>
                             <a:noFill/>
                           </a:ln>
@@ -17111,20 +15694,6 @@
                         </a:rPr>
                         <a:t>ИСТИНА</a:t>
                       </a:r>
-                      <a:endParaRPr kumimoji="0" lang="ru-RU" sz="1400" b="0" i="0" u="none" strike="noStrike" kern="1200" cap="none" spc="0" normalizeH="0" baseline="0" noProof="0" dirty="0">
-                        <a:ln>
-                          <a:noFill/>
-                        </a:ln>
-                        <a:solidFill>
-                          <a:srgbClr val="000000"/>
-                        </a:solidFill>
-                        <a:effectLst/>
-                        <a:uLnTx/>
-                        <a:uFillTx/>
-                        <a:latin typeface="Calibri" panose="020F0502020204030204" pitchFamily="34" charset="0"/>
-                        <a:ea typeface="+mn-ea"/>
-                        <a:cs typeface="+mn-cs"/>
-                      </a:endParaRPr>
                     </a:p>
                   </a:txBody>
                   <a:tcPr marL="9525" marR="9525" marT="9525" marB="0" anchor="b">
@@ -17159,7 +15728,7 @@
                 </a:tc>
                 <a:extLst>
                   <a:ext uri="{0D108BD9-81ED-4DB2-BD59-A6C34878D82A}">
-                    <a16:rowId xmlns:a16="http://schemas.microsoft.com/office/drawing/2014/main" xmlns="" val="743266472"/>
+                    <a16:rowId xmlns:a16="http://schemas.microsoft.com/office/drawing/2014/main" val="743266472"/>
                   </a:ext>
                 </a:extLst>
               </a:tr>
@@ -17271,7 +15840,7 @@
                         <a:defRPr/>
                       </a:pPr>
                       <a:r>
-                        <a:rPr kumimoji="0" lang="ru-RU" sz="1400" b="0" i="0" u="none" strike="noStrike" kern="1200" cap="none" spc="0" normalizeH="0" baseline="0" noProof="0" dirty="0" smtClean="0">
+                        <a:rPr kumimoji="0" lang="ru-RU" sz="1400" b="0" i="0" u="none" strike="noStrike" kern="1200" cap="none" spc="0" normalizeH="0" baseline="0" noProof="0" dirty="0">
                           <a:ln>
                             <a:noFill/>
                           </a:ln>
@@ -17287,20 +15856,6 @@
                         </a:rPr>
                         <a:t>ИСТИНА</a:t>
                       </a:r>
-                      <a:endParaRPr kumimoji="0" lang="ru-RU" sz="1400" b="0" i="0" u="none" strike="noStrike" kern="1200" cap="none" spc="0" normalizeH="0" baseline="0" noProof="0" dirty="0">
-                        <a:ln>
-                          <a:noFill/>
-                        </a:ln>
-                        <a:solidFill>
-                          <a:srgbClr val="000000"/>
-                        </a:solidFill>
-                        <a:effectLst/>
-                        <a:uLnTx/>
-                        <a:uFillTx/>
-                        <a:latin typeface="Calibri" panose="020F0502020204030204" pitchFamily="34" charset="0"/>
-                        <a:ea typeface="+mn-ea"/>
-                        <a:cs typeface="+mn-cs"/>
-                      </a:endParaRPr>
                     </a:p>
                   </a:txBody>
                   <a:tcPr marL="9525" marR="9525" marT="9525" marB="0" anchor="b">
@@ -17335,7 +15890,7 @@
                 </a:tc>
                 <a:extLst>
                   <a:ext uri="{0D108BD9-81ED-4DB2-BD59-A6C34878D82A}">
-                    <a16:rowId xmlns:a16="http://schemas.microsoft.com/office/drawing/2014/main" xmlns="" val="3253733328"/>
+                    <a16:rowId xmlns:a16="http://schemas.microsoft.com/office/drawing/2014/main" val="3253733328"/>
                   </a:ext>
                 </a:extLst>
               </a:tr>
@@ -17447,7 +16002,7 @@
                         <a:defRPr/>
                       </a:pPr>
                       <a:r>
-                        <a:rPr kumimoji="0" lang="ru-RU" sz="1400" b="0" i="0" u="none" strike="noStrike" kern="1200" cap="none" spc="0" normalizeH="0" baseline="0" noProof="0" dirty="0" smtClean="0">
+                        <a:rPr kumimoji="0" lang="ru-RU" sz="1400" b="0" i="0" u="none" strike="noStrike" kern="1200" cap="none" spc="0" normalizeH="0" baseline="0" noProof="0" dirty="0">
                           <a:ln>
                             <a:noFill/>
                           </a:ln>
@@ -17463,20 +16018,6 @@
                         </a:rPr>
                         <a:t>ИСТИНА</a:t>
                       </a:r>
-                      <a:endParaRPr kumimoji="0" lang="ru-RU" sz="1400" b="0" i="0" u="none" strike="noStrike" kern="1200" cap="none" spc="0" normalizeH="0" baseline="0" noProof="0" dirty="0">
-                        <a:ln>
-                          <a:noFill/>
-                        </a:ln>
-                        <a:solidFill>
-                          <a:srgbClr val="000000"/>
-                        </a:solidFill>
-                        <a:effectLst/>
-                        <a:uLnTx/>
-                        <a:uFillTx/>
-                        <a:latin typeface="Calibri" panose="020F0502020204030204" pitchFamily="34" charset="0"/>
-                        <a:ea typeface="+mn-ea"/>
-                        <a:cs typeface="+mn-cs"/>
-                      </a:endParaRPr>
                     </a:p>
                   </a:txBody>
                   <a:tcPr marL="9525" marR="9525" marT="9525" marB="0" anchor="b">
@@ -17511,7 +16052,7 @@
                 </a:tc>
                 <a:extLst>
                   <a:ext uri="{0D108BD9-81ED-4DB2-BD59-A6C34878D82A}">
-                    <a16:rowId xmlns:a16="http://schemas.microsoft.com/office/drawing/2014/main" xmlns="" val="4155944330"/>
+                    <a16:rowId xmlns:a16="http://schemas.microsoft.com/office/drawing/2014/main" val="4155944330"/>
                   </a:ext>
                 </a:extLst>
               </a:tr>
@@ -17630,7 +16171,7 @@
                         <a:defRPr/>
                       </a:pPr>
                       <a:r>
-                        <a:rPr kumimoji="0" lang="ru-RU" sz="1400" b="0" i="0" u="none" strike="noStrike" kern="1200" cap="none" spc="0" normalizeH="0" baseline="0" noProof="0" dirty="0" smtClean="0">
+                        <a:rPr kumimoji="0" lang="ru-RU" sz="1400" b="0" i="0" u="none" strike="noStrike" kern="1200" cap="none" spc="0" normalizeH="0" baseline="0" noProof="0" dirty="0">
                           <a:ln>
                             <a:noFill/>
                           </a:ln>
@@ -17646,20 +16187,6 @@
                         </a:rPr>
                         <a:t>ИСТИНА</a:t>
                       </a:r>
-                      <a:endParaRPr kumimoji="0" lang="ru-RU" sz="1400" b="0" i="0" u="none" strike="noStrike" kern="1200" cap="none" spc="0" normalizeH="0" baseline="0" noProof="0" dirty="0">
-                        <a:ln>
-                          <a:noFill/>
-                        </a:ln>
-                        <a:solidFill>
-                          <a:srgbClr val="000000"/>
-                        </a:solidFill>
-                        <a:effectLst/>
-                        <a:uLnTx/>
-                        <a:uFillTx/>
-                        <a:latin typeface="Calibri" panose="020F0502020204030204" pitchFamily="34" charset="0"/>
-                        <a:ea typeface="+mn-ea"/>
-                        <a:cs typeface="+mn-cs"/>
-                      </a:endParaRPr>
                     </a:p>
                   </a:txBody>
                   <a:tcPr marL="9525" marR="9525" marT="9525" marB="0" anchor="b">
@@ -17694,7 +16221,7 @@
                 </a:tc>
                 <a:extLst>
                   <a:ext uri="{0D108BD9-81ED-4DB2-BD59-A6C34878D82A}">
-                    <a16:rowId xmlns:a16="http://schemas.microsoft.com/office/drawing/2014/main" xmlns="" val="232013355"/>
+                    <a16:rowId xmlns:a16="http://schemas.microsoft.com/office/drawing/2014/main" val="232013355"/>
                   </a:ext>
                 </a:extLst>
               </a:tr>
@@ -17806,7 +16333,7 @@
                         <a:defRPr/>
                       </a:pPr>
                       <a:r>
-                        <a:rPr kumimoji="0" lang="ru-RU" sz="1400" b="0" i="0" u="none" strike="noStrike" kern="1200" cap="none" spc="0" normalizeH="0" baseline="0" noProof="0" dirty="0" smtClean="0">
+                        <a:rPr kumimoji="0" lang="ru-RU" sz="1400" b="0" i="0" u="none" strike="noStrike" kern="1200" cap="none" spc="0" normalizeH="0" baseline="0" noProof="0" dirty="0">
                           <a:ln>
                             <a:noFill/>
                           </a:ln>
@@ -17822,20 +16349,6 @@
                         </a:rPr>
                         <a:t>ИСТИНА</a:t>
                       </a:r>
-                      <a:endParaRPr kumimoji="0" lang="ru-RU" sz="1400" b="0" i="0" u="none" strike="noStrike" kern="1200" cap="none" spc="0" normalizeH="0" baseline="0" noProof="0" dirty="0">
-                        <a:ln>
-                          <a:noFill/>
-                        </a:ln>
-                        <a:solidFill>
-                          <a:srgbClr val="000000"/>
-                        </a:solidFill>
-                        <a:effectLst/>
-                        <a:uLnTx/>
-                        <a:uFillTx/>
-                        <a:latin typeface="Calibri" panose="020F0502020204030204" pitchFamily="34" charset="0"/>
-                        <a:ea typeface="+mn-ea"/>
-                        <a:cs typeface="+mn-cs"/>
-                      </a:endParaRPr>
                     </a:p>
                   </a:txBody>
                   <a:tcPr marL="9525" marR="9525" marT="9525" marB="0" anchor="b">
@@ -17870,7 +16383,7 @@
                 </a:tc>
                 <a:extLst>
                   <a:ext uri="{0D108BD9-81ED-4DB2-BD59-A6C34878D82A}">
-                    <a16:rowId xmlns:a16="http://schemas.microsoft.com/office/drawing/2014/main" xmlns="" val="10008"/>
+                    <a16:rowId xmlns:a16="http://schemas.microsoft.com/office/drawing/2014/main" val="10008"/>
                   </a:ext>
                 </a:extLst>
               </a:tr>
@@ -17989,7 +16502,7 @@
                         <a:defRPr/>
                       </a:pPr>
                       <a:r>
-                        <a:rPr kumimoji="0" lang="ru-RU" sz="1400" b="0" i="0" u="none" strike="noStrike" kern="1200" cap="none" spc="0" normalizeH="0" baseline="0" noProof="0" dirty="0" smtClean="0">
+                        <a:rPr kumimoji="0" lang="ru-RU" sz="1400" b="0" i="0" u="none" strike="noStrike" kern="1200" cap="none" spc="0" normalizeH="0" baseline="0" noProof="0" dirty="0">
                           <a:ln>
                             <a:noFill/>
                           </a:ln>
@@ -18005,20 +16518,6 @@
                         </a:rPr>
                         <a:t>ИСТИНА</a:t>
                       </a:r>
-                      <a:endParaRPr kumimoji="0" lang="ru-RU" sz="1400" b="0" i="0" u="none" strike="noStrike" kern="1200" cap="none" spc="0" normalizeH="0" baseline="0" noProof="0" dirty="0">
-                        <a:ln>
-                          <a:noFill/>
-                        </a:ln>
-                        <a:solidFill>
-                          <a:srgbClr val="000000"/>
-                        </a:solidFill>
-                        <a:effectLst/>
-                        <a:uLnTx/>
-                        <a:uFillTx/>
-                        <a:latin typeface="Calibri" panose="020F0502020204030204" pitchFamily="34" charset="0"/>
-                        <a:ea typeface="+mn-ea"/>
-                        <a:cs typeface="+mn-cs"/>
-                      </a:endParaRPr>
                     </a:p>
                   </a:txBody>
                   <a:tcPr marL="9525" marR="9525" marT="9525" marB="0" anchor="b">
@@ -18053,7 +16552,7 @@
                 </a:tc>
                 <a:extLst>
                   <a:ext uri="{0D108BD9-81ED-4DB2-BD59-A6C34878D82A}">
-                    <a16:rowId xmlns:a16="http://schemas.microsoft.com/office/drawing/2014/main" xmlns="" val="10009"/>
+                    <a16:rowId xmlns:a16="http://schemas.microsoft.com/office/drawing/2014/main" val="10009"/>
                   </a:ext>
                 </a:extLst>
               </a:tr>
@@ -18165,7 +16664,7 @@
                         <a:defRPr/>
                       </a:pPr>
                       <a:r>
-                        <a:rPr kumimoji="0" lang="ru-RU" sz="1400" b="0" i="0" u="none" strike="noStrike" kern="1200" cap="none" spc="0" normalizeH="0" baseline="0" noProof="0" dirty="0" smtClean="0">
+                        <a:rPr kumimoji="0" lang="ru-RU" sz="1400" b="0" i="0" u="none" strike="noStrike" kern="1200" cap="none" spc="0" normalizeH="0" baseline="0" noProof="0" dirty="0">
                           <a:ln>
                             <a:noFill/>
                           </a:ln>
@@ -18181,20 +16680,6 @@
                         </a:rPr>
                         <a:t>ИСТИНА</a:t>
                       </a:r>
-                      <a:endParaRPr kumimoji="0" lang="ru-RU" sz="1400" b="0" i="0" u="none" strike="noStrike" kern="1200" cap="none" spc="0" normalizeH="0" baseline="0" noProof="0" dirty="0">
-                        <a:ln>
-                          <a:noFill/>
-                        </a:ln>
-                        <a:solidFill>
-                          <a:srgbClr val="000000"/>
-                        </a:solidFill>
-                        <a:effectLst/>
-                        <a:uLnTx/>
-                        <a:uFillTx/>
-                        <a:latin typeface="Calibri" panose="020F0502020204030204" pitchFamily="34" charset="0"/>
-                        <a:ea typeface="+mn-ea"/>
-                        <a:cs typeface="+mn-cs"/>
-                      </a:endParaRPr>
                     </a:p>
                   </a:txBody>
                   <a:tcPr marL="9525" marR="9525" marT="9525" marB="0" anchor="b">
@@ -18229,7 +16714,7 @@
                 </a:tc>
                 <a:extLst>
                   <a:ext uri="{0D108BD9-81ED-4DB2-BD59-A6C34878D82A}">
-                    <a16:rowId xmlns:a16="http://schemas.microsoft.com/office/drawing/2014/main" xmlns="" val="10010"/>
+                    <a16:rowId xmlns:a16="http://schemas.microsoft.com/office/drawing/2014/main" val="10010"/>
                   </a:ext>
                 </a:extLst>
               </a:tr>
@@ -18348,7 +16833,7 @@
                         <a:defRPr/>
                       </a:pPr>
                       <a:r>
-                        <a:rPr kumimoji="0" lang="ru-RU" sz="1400" b="0" i="0" u="none" strike="noStrike" kern="1200" cap="none" spc="0" normalizeH="0" baseline="0" noProof="0" dirty="0" smtClean="0">
+                        <a:rPr kumimoji="0" lang="ru-RU" sz="1400" b="0" i="0" u="none" strike="noStrike" kern="1200" cap="none" spc="0" normalizeH="0" baseline="0" noProof="0" dirty="0">
                           <a:ln>
                             <a:noFill/>
                           </a:ln>
@@ -18364,20 +16849,6 @@
                         </a:rPr>
                         <a:t>ИСТИНА</a:t>
                       </a:r>
-                      <a:endParaRPr kumimoji="0" lang="ru-RU" sz="1400" b="0" i="0" u="none" strike="noStrike" kern="1200" cap="none" spc="0" normalizeH="0" baseline="0" noProof="0" dirty="0">
-                        <a:ln>
-                          <a:noFill/>
-                        </a:ln>
-                        <a:solidFill>
-                          <a:srgbClr val="000000"/>
-                        </a:solidFill>
-                        <a:effectLst/>
-                        <a:uLnTx/>
-                        <a:uFillTx/>
-                        <a:latin typeface="Calibri" panose="020F0502020204030204" pitchFamily="34" charset="0"/>
-                        <a:ea typeface="+mn-ea"/>
-                        <a:cs typeface="+mn-cs"/>
-                      </a:endParaRPr>
                     </a:p>
                   </a:txBody>
                   <a:tcPr marL="9525" marR="9525" marT="9525" marB="0" anchor="b">
@@ -18412,7 +16883,7 @@
                 </a:tc>
                 <a:extLst>
                   <a:ext uri="{0D108BD9-81ED-4DB2-BD59-A6C34878D82A}">
-                    <a16:rowId xmlns:a16="http://schemas.microsoft.com/office/drawing/2014/main" xmlns="" val="10011"/>
+                    <a16:rowId xmlns:a16="http://schemas.microsoft.com/office/drawing/2014/main" val="10011"/>
                   </a:ext>
                 </a:extLst>
               </a:tr>
@@ -18524,7 +16995,7 @@
                         <a:defRPr/>
                       </a:pPr>
                       <a:r>
-                        <a:rPr kumimoji="0" lang="ru-RU" sz="1400" b="0" i="0" u="none" strike="noStrike" kern="1200" cap="none" spc="0" normalizeH="0" baseline="0" noProof="0" dirty="0" smtClean="0">
+                        <a:rPr kumimoji="0" lang="ru-RU" sz="1400" b="0" i="0" u="none" strike="noStrike" kern="1200" cap="none" spc="0" normalizeH="0" baseline="0" noProof="0" dirty="0">
                           <a:ln>
                             <a:noFill/>
                           </a:ln>
@@ -18540,20 +17011,6 @@
                         </a:rPr>
                         <a:t>ИСТИНА</a:t>
                       </a:r>
-                      <a:endParaRPr kumimoji="0" lang="ru-RU" sz="1400" b="0" i="0" u="none" strike="noStrike" kern="1200" cap="none" spc="0" normalizeH="0" baseline="0" noProof="0" dirty="0">
-                        <a:ln>
-                          <a:noFill/>
-                        </a:ln>
-                        <a:solidFill>
-                          <a:srgbClr val="000000"/>
-                        </a:solidFill>
-                        <a:effectLst/>
-                        <a:uLnTx/>
-                        <a:uFillTx/>
-                        <a:latin typeface="Calibri" panose="020F0502020204030204" pitchFamily="34" charset="0"/>
-                        <a:ea typeface="+mn-ea"/>
-                        <a:cs typeface="+mn-cs"/>
-                      </a:endParaRPr>
                     </a:p>
                   </a:txBody>
                   <a:tcPr marL="9525" marR="9525" marT="9525" marB="0" anchor="b">
@@ -18588,7 +17045,7 @@
                 </a:tc>
                 <a:extLst>
                   <a:ext uri="{0D108BD9-81ED-4DB2-BD59-A6C34878D82A}">
-                    <a16:rowId xmlns:a16="http://schemas.microsoft.com/office/drawing/2014/main" xmlns="" val="10012"/>
+                    <a16:rowId xmlns:a16="http://schemas.microsoft.com/office/drawing/2014/main" val="10012"/>
                   </a:ext>
                 </a:extLst>
               </a:tr>
@@ -18707,7 +17164,7 @@
                         <a:defRPr/>
                       </a:pPr>
                       <a:r>
-                        <a:rPr kumimoji="0" lang="ru-RU" sz="1400" b="0" i="0" u="none" strike="noStrike" kern="1200" cap="none" spc="0" normalizeH="0" baseline="0" noProof="0" dirty="0" smtClean="0">
+                        <a:rPr kumimoji="0" lang="ru-RU" sz="1400" b="0" i="0" u="none" strike="noStrike" kern="1200" cap="none" spc="0" normalizeH="0" baseline="0" noProof="0" dirty="0">
                           <a:ln>
                             <a:noFill/>
                           </a:ln>
@@ -18723,20 +17180,6 @@
                         </a:rPr>
                         <a:t>ИСТИНА</a:t>
                       </a:r>
-                      <a:endParaRPr kumimoji="0" lang="ru-RU" sz="1400" b="0" i="0" u="none" strike="noStrike" kern="1200" cap="none" spc="0" normalizeH="0" baseline="0" noProof="0" dirty="0">
-                        <a:ln>
-                          <a:noFill/>
-                        </a:ln>
-                        <a:solidFill>
-                          <a:srgbClr val="000000"/>
-                        </a:solidFill>
-                        <a:effectLst/>
-                        <a:uLnTx/>
-                        <a:uFillTx/>
-                        <a:latin typeface="Calibri" panose="020F0502020204030204" pitchFamily="34" charset="0"/>
-                        <a:ea typeface="+mn-ea"/>
-                        <a:cs typeface="+mn-cs"/>
-                      </a:endParaRPr>
                     </a:p>
                   </a:txBody>
                   <a:tcPr marL="9525" marR="9525" marT="9525" marB="0" anchor="b">
@@ -18771,7 +17214,7 @@
                 </a:tc>
                 <a:extLst>
                   <a:ext uri="{0D108BD9-81ED-4DB2-BD59-A6C34878D82A}">
-                    <a16:rowId xmlns:a16="http://schemas.microsoft.com/office/drawing/2014/main" xmlns="" val="10013"/>
+                    <a16:rowId xmlns:a16="http://schemas.microsoft.com/office/drawing/2014/main" val="10013"/>
                   </a:ext>
                 </a:extLst>
               </a:tr>
@@ -18883,7 +17326,7 @@
                         <a:defRPr/>
                       </a:pPr>
                       <a:r>
-                        <a:rPr kumimoji="0" lang="ru-RU" sz="1400" b="0" i="0" u="none" strike="noStrike" kern="1200" cap="none" spc="0" normalizeH="0" baseline="0" noProof="0" dirty="0" smtClean="0">
+                        <a:rPr kumimoji="0" lang="ru-RU" sz="1400" b="0" i="0" u="none" strike="noStrike" kern="1200" cap="none" spc="0" normalizeH="0" baseline="0" noProof="0" dirty="0">
                           <a:ln>
                             <a:noFill/>
                           </a:ln>
@@ -18899,20 +17342,6 @@
                         </a:rPr>
                         <a:t>ИСТИНА</a:t>
                       </a:r>
-                      <a:endParaRPr kumimoji="0" lang="ru-RU" sz="1400" b="0" i="0" u="none" strike="noStrike" kern="1200" cap="none" spc="0" normalizeH="0" baseline="0" noProof="0" dirty="0">
-                        <a:ln>
-                          <a:noFill/>
-                        </a:ln>
-                        <a:solidFill>
-                          <a:srgbClr val="000000"/>
-                        </a:solidFill>
-                        <a:effectLst/>
-                        <a:uLnTx/>
-                        <a:uFillTx/>
-                        <a:latin typeface="Calibri" panose="020F0502020204030204" pitchFamily="34" charset="0"/>
-                        <a:ea typeface="+mn-ea"/>
-                        <a:cs typeface="+mn-cs"/>
-                      </a:endParaRPr>
                     </a:p>
                   </a:txBody>
                   <a:tcPr marL="9525" marR="9525" marT="9525" marB="0" anchor="b">
@@ -18947,7 +17376,7 @@
                 </a:tc>
                 <a:extLst>
                   <a:ext uri="{0D108BD9-81ED-4DB2-BD59-A6C34878D82A}">
-                    <a16:rowId xmlns:a16="http://schemas.microsoft.com/office/drawing/2014/main" xmlns="" val="10014"/>
+                    <a16:rowId xmlns:a16="http://schemas.microsoft.com/office/drawing/2014/main" val="10014"/>
                   </a:ext>
                 </a:extLst>
               </a:tr>
@@ -19059,7 +17488,7 @@
                         <a:defRPr/>
                       </a:pPr>
                       <a:r>
-                        <a:rPr kumimoji="0" lang="ru-RU" sz="1400" b="0" i="0" u="none" strike="noStrike" kern="1200" cap="none" spc="0" normalizeH="0" baseline="0" noProof="0" smtClean="0">
+                        <a:rPr kumimoji="0" lang="ru-RU" sz="1400" b="0" i="0" u="none" strike="noStrike" kern="1200" cap="none" spc="0" normalizeH="0" baseline="0" noProof="0">
                           <a:ln>
                             <a:noFill/>
                           </a:ln>
@@ -19123,7 +17552,7 @@
                 </a:tc>
                 <a:extLst>
                   <a:ext uri="{0D108BD9-81ED-4DB2-BD59-A6C34878D82A}">
-                    <a16:rowId xmlns:a16="http://schemas.microsoft.com/office/drawing/2014/main" xmlns="" val="10015"/>
+                    <a16:rowId xmlns:a16="http://schemas.microsoft.com/office/drawing/2014/main" val="10015"/>
                   </a:ext>
                 </a:extLst>
               </a:tr>
@@ -19235,7 +17664,7 @@
                         <a:defRPr/>
                       </a:pPr>
                       <a:r>
-                        <a:rPr kumimoji="0" lang="ru-RU" sz="1400" b="0" i="0" u="none" strike="noStrike" kern="1200" cap="none" spc="0" normalizeH="0" baseline="0" noProof="0" dirty="0" smtClean="0">
+                        <a:rPr kumimoji="0" lang="ru-RU" sz="1400" b="0" i="0" u="none" strike="noStrike" kern="1200" cap="none" spc="0" normalizeH="0" baseline="0" noProof="0" dirty="0">
                           <a:ln>
                             <a:noFill/>
                           </a:ln>
@@ -19251,20 +17680,6 @@
                         </a:rPr>
                         <a:t>ИСТИНА</a:t>
                       </a:r>
-                      <a:endParaRPr kumimoji="0" lang="ru-RU" sz="1400" b="0" i="0" u="none" strike="noStrike" kern="1200" cap="none" spc="0" normalizeH="0" baseline="0" noProof="0" dirty="0">
-                        <a:ln>
-                          <a:noFill/>
-                        </a:ln>
-                        <a:solidFill>
-                          <a:srgbClr val="000000"/>
-                        </a:solidFill>
-                        <a:effectLst/>
-                        <a:uLnTx/>
-                        <a:uFillTx/>
-                        <a:latin typeface="Calibri" panose="020F0502020204030204" pitchFamily="34" charset="0"/>
-                        <a:ea typeface="+mn-ea"/>
-                        <a:cs typeface="+mn-cs"/>
-                      </a:endParaRPr>
                     </a:p>
                   </a:txBody>
                   <a:tcPr marL="9525" marR="9525" marT="9525" marB="0" anchor="b">
@@ -19299,7 +17714,7 @@
                 </a:tc>
                 <a:extLst>
                   <a:ext uri="{0D108BD9-81ED-4DB2-BD59-A6C34878D82A}">
-                    <a16:rowId xmlns:a16="http://schemas.microsoft.com/office/drawing/2014/main" xmlns="" val="10016"/>
+                    <a16:rowId xmlns:a16="http://schemas.microsoft.com/office/drawing/2014/main" val="10016"/>
                   </a:ext>
                 </a:extLst>
               </a:tr>
@@ -19418,7 +17833,7 @@
                         <a:defRPr/>
                       </a:pPr>
                       <a:r>
-                        <a:rPr kumimoji="0" lang="ru-RU" sz="1400" b="0" i="0" u="none" strike="noStrike" kern="1200" cap="none" spc="0" normalizeH="0" baseline="0" noProof="0" dirty="0" smtClean="0">
+                        <a:rPr kumimoji="0" lang="ru-RU" sz="1400" b="0" i="0" u="none" strike="noStrike" kern="1200" cap="none" spc="0" normalizeH="0" baseline="0" noProof="0" dirty="0">
                           <a:ln>
                             <a:noFill/>
                           </a:ln>
@@ -19434,20 +17849,6 @@
                         </a:rPr>
                         <a:t>ИСТИНА</a:t>
                       </a:r>
-                      <a:endParaRPr kumimoji="0" lang="ru-RU" sz="1400" b="0" i="0" u="none" strike="noStrike" kern="1200" cap="none" spc="0" normalizeH="0" baseline="0" noProof="0" dirty="0">
-                        <a:ln>
-                          <a:noFill/>
-                        </a:ln>
-                        <a:solidFill>
-                          <a:srgbClr val="000000"/>
-                        </a:solidFill>
-                        <a:effectLst/>
-                        <a:uLnTx/>
-                        <a:uFillTx/>
-                        <a:latin typeface="Calibri" panose="020F0502020204030204" pitchFamily="34" charset="0"/>
-                        <a:ea typeface="+mn-ea"/>
-                        <a:cs typeface="+mn-cs"/>
-                      </a:endParaRPr>
                     </a:p>
                   </a:txBody>
                   <a:tcPr marL="9525" marR="9525" marT="9525" marB="0" anchor="b">
@@ -19482,7 +17883,7 @@
                 </a:tc>
                 <a:extLst>
                   <a:ext uri="{0D108BD9-81ED-4DB2-BD59-A6C34878D82A}">
-                    <a16:rowId xmlns:a16="http://schemas.microsoft.com/office/drawing/2014/main" xmlns="" val="10017"/>
+                    <a16:rowId xmlns:a16="http://schemas.microsoft.com/office/drawing/2014/main" val="10017"/>
                   </a:ext>
                 </a:extLst>
               </a:tr>
@@ -19601,7 +18002,7 @@
                         <a:defRPr/>
                       </a:pPr>
                       <a:r>
-                        <a:rPr lang="ru-RU" sz="1400" b="0" i="0" u="none" strike="noStrike" dirty="0" smtClean="0">
+                        <a:rPr lang="ru-RU" sz="1400" b="0" i="0" u="none" strike="noStrike" dirty="0">
                           <a:solidFill>
                             <a:srgbClr val="000000"/>
                           </a:solidFill>
@@ -19644,7 +18045,7 @@
                 </a:tc>
                 <a:extLst>
                   <a:ext uri="{0D108BD9-81ED-4DB2-BD59-A6C34878D82A}">
-                    <a16:rowId xmlns:a16="http://schemas.microsoft.com/office/drawing/2014/main" xmlns="" val="10018"/>
+                    <a16:rowId xmlns:a16="http://schemas.microsoft.com/office/drawing/2014/main" val="10018"/>
                   </a:ext>
                 </a:extLst>
               </a:tr>
@@ -19740,7 +18141,7 @@
                     <a:p>
                       <a:pPr algn="ctr" fontAlgn="b"/>
                       <a:r>
-                        <a:rPr kumimoji="0" lang="ru-RU" sz="1400" b="0" i="0" u="none" strike="noStrike" kern="1200" cap="none" spc="0" normalizeH="0" baseline="0" noProof="0" dirty="0" smtClean="0">
+                        <a:rPr kumimoji="0" lang="ru-RU" sz="1400" b="0" i="0" u="none" strike="noStrike" kern="1200" cap="none" spc="0" normalizeH="0" baseline="0" noProof="0" dirty="0">
                           <a:ln>
                             <a:noFill/>
                           </a:ln>
@@ -19797,7 +18198,7 @@
                 </a:tc>
                 <a:extLst>
                   <a:ext uri="{0D108BD9-81ED-4DB2-BD59-A6C34878D82A}">
-                    <a16:rowId xmlns:a16="http://schemas.microsoft.com/office/drawing/2014/main" xmlns="" val="1385307021"/>
+                    <a16:rowId xmlns:a16="http://schemas.microsoft.com/office/drawing/2014/main" val="1385307021"/>
                   </a:ext>
                 </a:extLst>
               </a:tr>
@@ -19848,7 +18249,7 @@
           <a:p>
             <a:pPr algn="ctr"/>
             <a:r>
-              <a:rPr lang="ru-RU" dirty="0" smtClean="0">
+              <a:rPr lang="ru-RU" dirty="0">
                 <a:solidFill>
                   <a:schemeClr val="accent1">
                     <a:lumMod val="50000"/>
@@ -19857,13 +18258,6 @@
               </a:rPr>
               <a:t>Результаты верификации</a:t>
             </a:r>
-            <a:endParaRPr lang="ru-RU" dirty="0">
-              <a:solidFill>
-                <a:schemeClr val="accent1">
-                  <a:lumMod val="50000"/>
-                </a:schemeClr>
-              </a:solidFill>
-            </a:endParaRPr>
           </a:p>
         </p:txBody>
       </p:sp>
@@ -19900,21 +18294,6 @@
   <p:clrMapOvr>
     <a:masterClrMapping/>
   </p:clrMapOvr>
-  <mc:AlternateContent xmlns:mc="http://schemas.openxmlformats.org/markup-compatibility/2006" xmlns:p14="http://schemas.microsoft.com/office/powerpoint/2010/main">
-    <mc:Choice Requires="p14">
-      <p:transition p14:dur="0"/>
-    </mc:Choice>
-    <mc:Fallback xmlns="">
-      <p:transition/>
-    </mc:Fallback>
-  </mc:AlternateContent>
-  <p:timing>
-    <p:tnLst>
-      <p:par>
-        <p:cTn id="1" dur="indefinite" restart="never" nodeType="tmRoot"/>
-      </p:par>
-    </p:tnLst>
-  </p:timing>
 </p:sld>
 </file>
 
@@ -19963,42 +18342,42 @@
                 <a:gridCol w="2343339">
                   <a:extLst>
                     <a:ext uri="{9D8B030D-6E8A-4147-A177-3AD203B41FA5}">
-                      <a16:colId xmlns:a16="http://schemas.microsoft.com/office/drawing/2014/main" xmlns="" val="1171950682"/>
+                      <a16:colId xmlns:a16="http://schemas.microsoft.com/office/drawing/2014/main" val="1171950682"/>
                     </a:ext>
                   </a:extLst>
                 </a:gridCol>
                 <a:gridCol w="990600">
                   <a:extLst>
                     <a:ext uri="{9D8B030D-6E8A-4147-A177-3AD203B41FA5}">
-                      <a16:colId xmlns:a16="http://schemas.microsoft.com/office/drawing/2014/main" xmlns="" val="2713623616"/>
+                      <a16:colId xmlns:a16="http://schemas.microsoft.com/office/drawing/2014/main" val="2713623616"/>
                     </a:ext>
                   </a:extLst>
                 </a:gridCol>
                 <a:gridCol w="929640">
                   <a:extLst>
                     <a:ext uri="{9D8B030D-6E8A-4147-A177-3AD203B41FA5}">
-                      <a16:colId xmlns:a16="http://schemas.microsoft.com/office/drawing/2014/main" xmlns="" val="4214117398"/>
+                      <a16:colId xmlns:a16="http://schemas.microsoft.com/office/drawing/2014/main" val="4214117398"/>
                     </a:ext>
                   </a:extLst>
                 </a:gridCol>
                 <a:gridCol w="1737360">
                   <a:extLst>
                     <a:ext uri="{9D8B030D-6E8A-4147-A177-3AD203B41FA5}">
-                      <a16:colId xmlns:a16="http://schemas.microsoft.com/office/drawing/2014/main" xmlns="" val="3936630454"/>
+                      <a16:colId xmlns:a16="http://schemas.microsoft.com/office/drawing/2014/main" val="3936630454"/>
                     </a:ext>
                   </a:extLst>
                 </a:gridCol>
                 <a:gridCol w="2255520">
                   <a:extLst>
                     <a:ext uri="{9D8B030D-6E8A-4147-A177-3AD203B41FA5}">
-                      <a16:colId xmlns:a16="http://schemas.microsoft.com/office/drawing/2014/main" xmlns="" val="3619060530"/>
+                      <a16:colId xmlns:a16="http://schemas.microsoft.com/office/drawing/2014/main" val="3619060530"/>
                     </a:ext>
                   </a:extLst>
                 </a:gridCol>
                 <a:gridCol w="2545080">
                   <a:extLst>
                     <a:ext uri="{9D8B030D-6E8A-4147-A177-3AD203B41FA5}">
-                      <a16:colId xmlns:a16="http://schemas.microsoft.com/office/drawing/2014/main" xmlns="" val="3962761656"/>
+                      <a16:colId xmlns:a16="http://schemas.microsoft.com/office/drawing/2014/main" val="3962761656"/>
                     </a:ext>
                   </a:extLst>
                 </a:gridCol>
@@ -20071,7 +18450,7 @@
                     <a:p>
                       <a:pPr algn="ctr" fontAlgn="b"/>
                       <a:r>
-                        <a:rPr lang="ru-RU" sz="1600" b="1" i="0" u="none" strike="noStrike" dirty="0" smtClean="0">
+                        <a:rPr lang="ru-RU" sz="1600" b="1" i="0" u="none" strike="noStrike" dirty="0">
                           <a:solidFill>
                             <a:schemeClr val="bg1"/>
                           </a:solidFill>
@@ -20098,7 +18477,7 @@
                     <a:p>
                       <a:pPr algn="ctr" fontAlgn="b"/>
                       <a:r>
-                        <a:rPr lang="ru-RU" sz="1600" b="1" i="0" u="none" strike="noStrike" dirty="0" smtClean="0">
+                        <a:rPr lang="ru-RU" sz="1600" b="1" i="0" u="none" strike="noStrike" dirty="0">
                           <a:solidFill>
                             <a:schemeClr val="bg1"/>
                           </a:solidFill>
@@ -20140,7 +18519,7 @@
                 </a:tc>
                 <a:extLst>
                   <a:ext uri="{0D108BD9-81ED-4DB2-BD59-A6C34878D82A}">
-                    <a16:rowId xmlns:a16="http://schemas.microsoft.com/office/drawing/2014/main" xmlns="" val="396192681"/>
+                    <a16:rowId xmlns:a16="http://schemas.microsoft.com/office/drawing/2014/main" val="396192681"/>
                   </a:ext>
                 </a:extLst>
               </a:tr>
@@ -20243,7 +18622,7 @@
                     <a:p>
                       <a:pPr algn="ctr" fontAlgn="b"/>
                       <a:r>
-                        <a:rPr kumimoji="0" lang="ru-RU" sz="1400" b="0" i="0" u="none" strike="noStrike" kern="1200" cap="none" spc="0" normalizeH="0" baseline="0" noProof="0" dirty="0" smtClean="0">
+                        <a:rPr kumimoji="0" lang="ru-RU" sz="1400" b="0" i="0" u="none" strike="noStrike" kern="1200" cap="none" spc="0" normalizeH="0" baseline="0" noProof="0" dirty="0">
                           <a:ln>
                             <a:noFill/>
                           </a:ln>
@@ -20300,7 +18679,7 @@
                 </a:tc>
                 <a:extLst>
                   <a:ext uri="{0D108BD9-81ED-4DB2-BD59-A6C34878D82A}">
-                    <a16:rowId xmlns:a16="http://schemas.microsoft.com/office/drawing/2014/main" xmlns="" val="4155944330"/>
+                    <a16:rowId xmlns:a16="http://schemas.microsoft.com/office/drawing/2014/main" val="4155944330"/>
                   </a:ext>
                 </a:extLst>
               </a:tr>
@@ -20396,7 +18775,7 @@
                     <a:p>
                       <a:pPr algn="ctr" fontAlgn="b"/>
                       <a:r>
-                        <a:rPr kumimoji="0" lang="ru-RU" sz="1400" b="0" i="0" u="none" strike="noStrike" kern="1200" cap="none" spc="0" normalizeH="0" baseline="0" noProof="0" dirty="0" smtClean="0">
+                        <a:rPr kumimoji="0" lang="ru-RU" sz="1400" b="0" i="0" u="none" strike="noStrike" kern="1200" cap="none" spc="0" normalizeH="0" baseline="0" noProof="0" dirty="0">
                           <a:ln>
                             <a:noFill/>
                           </a:ln>
@@ -20453,7 +18832,7 @@
                 </a:tc>
                 <a:extLst>
                   <a:ext uri="{0D108BD9-81ED-4DB2-BD59-A6C34878D82A}">
-                    <a16:rowId xmlns:a16="http://schemas.microsoft.com/office/drawing/2014/main" xmlns="" val="232013355"/>
+                    <a16:rowId xmlns:a16="http://schemas.microsoft.com/office/drawing/2014/main" val="232013355"/>
                   </a:ext>
                 </a:extLst>
               </a:tr>
@@ -20549,7 +18928,7 @@
                     <a:p>
                       <a:pPr algn="ctr" fontAlgn="b"/>
                       <a:r>
-                        <a:rPr kumimoji="0" lang="ru-RU" sz="1400" b="0" i="0" u="none" strike="noStrike" kern="1200" cap="none" spc="0" normalizeH="0" baseline="0" noProof="0" dirty="0" smtClean="0">
+                        <a:rPr kumimoji="0" lang="ru-RU" sz="1400" b="0" i="0" u="none" strike="noStrike" kern="1200" cap="none" spc="0" normalizeH="0" baseline="0" noProof="0" dirty="0">
                           <a:ln>
                             <a:noFill/>
                           </a:ln>
@@ -20606,7 +18985,7 @@
                 </a:tc>
                 <a:extLst>
                   <a:ext uri="{0D108BD9-81ED-4DB2-BD59-A6C34878D82A}">
-                    <a16:rowId xmlns:a16="http://schemas.microsoft.com/office/drawing/2014/main" xmlns="" val="10004"/>
+                    <a16:rowId xmlns:a16="http://schemas.microsoft.com/office/drawing/2014/main" val="10004"/>
                   </a:ext>
                 </a:extLst>
               </a:tr>
@@ -20702,7 +19081,7 @@
                     <a:p>
                       <a:pPr algn="ctr" fontAlgn="b"/>
                       <a:r>
-                        <a:rPr kumimoji="0" lang="ru-RU" sz="1400" b="0" i="0" u="none" strike="noStrike" kern="1200" cap="none" spc="0" normalizeH="0" baseline="0" noProof="0" dirty="0" smtClean="0">
+                        <a:rPr kumimoji="0" lang="ru-RU" sz="1400" b="0" i="0" u="none" strike="noStrike" kern="1200" cap="none" spc="0" normalizeH="0" baseline="0" noProof="0" dirty="0">
                           <a:ln>
                             <a:noFill/>
                           </a:ln>
@@ -20759,7 +19138,7 @@
                 </a:tc>
                 <a:extLst>
                   <a:ext uri="{0D108BD9-81ED-4DB2-BD59-A6C34878D82A}">
-                    <a16:rowId xmlns:a16="http://schemas.microsoft.com/office/drawing/2014/main" xmlns="" val="10005"/>
+                    <a16:rowId xmlns:a16="http://schemas.microsoft.com/office/drawing/2014/main" val="10005"/>
                   </a:ext>
                 </a:extLst>
               </a:tr>
@@ -20855,7 +19234,7 @@
                     <a:p>
                       <a:pPr algn="ctr" fontAlgn="b"/>
                       <a:r>
-                        <a:rPr kumimoji="0" lang="ru-RU" sz="1400" b="0" i="0" u="none" strike="noStrike" kern="1200" cap="none" spc="0" normalizeH="0" baseline="0" noProof="0" dirty="0" smtClean="0">
+                        <a:rPr kumimoji="0" lang="ru-RU" sz="1400" b="0" i="0" u="none" strike="noStrike" kern="1200" cap="none" spc="0" normalizeH="0" baseline="0" noProof="0" dirty="0">
                           <a:ln>
                             <a:noFill/>
                           </a:ln>
@@ -20912,7 +19291,7 @@
                 </a:tc>
                 <a:extLst>
                   <a:ext uri="{0D108BD9-81ED-4DB2-BD59-A6C34878D82A}">
-                    <a16:rowId xmlns:a16="http://schemas.microsoft.com/office/drawing/2014/main" xmlns="" val="10006"/>
+                    <a16:rowId xmlns:a16="http://schemas.microsoft.com/office/drawing/2014/main" val="10006"/>
                   </a:ext>
                 </a:extLst>
               </a:tr>
@@ -21008,7 +19387,7 @@
                     <a:p>
                       <a:pPr algn="ctr" fontAlgn="b"/>
                       <a:r>
-                        <a:rPr kumimoji="0" lang="ru-RU" sz="1400" b="0" i="0" u="none" strike="noStrike" kern="1200" cap="none" spc="0" normalizeH="0" baseline="0" noProof="0" dirty="0" smtClean="0">
+                        <a:rPr kumimoji="0" lang="ru-RU" sz="1400" b="0" i="0" u="none" strike="noStrike" kern="1200" cap="none" spc="0" normalizeH="0" baseline="0" noProof="0" dirty="0">
                           <a:ln>
                             <a:noFill/>
                           </a:ln>
@@ -21065,7 +19444,7 @@
                 </a:tc>
                 <a:extLst>
                   <a:ext uri="{0D108BD9-81ED-4DB2-BD59-A6C34878D82A}">
-                    <a16:rowId xmlns:a16="http://schemas.microsoft.com/office/drawing/2014/main" xmlns="" val="10007"/>
+                    <a16:rowId xmlns:a16="http://schemas.microsoft.com/office/drawing/2014/main" val="10007"/>
                   </a:ext>
                 </a:extLst>
               </a:tr>
@@ -21161,7 +19540,7 @@
                     <a:p>
                       <a:pPr algn="ctr" fontAlgn="b"/>
                       <a:r>
-                        <a:rPr kumimoji="0" lang="ru-RU" sz="1400" b="0" i="0" u="none" strike="noStrike" kern="1200" cap="none" spc="0" normalizeH="0" baseline="0" noProof="0" dirty="0" smtClean="0">
+                        <a:rPr kumimoji="0" lang="ru-RU" sz="1400" b="0" i="0" u="none" strike="noStrike" kern="1200" cap="none" spc="0" normalizeH="0" baseline="0" noProof="0" dirty="0">
                           <a:ln>
                             <a:noFill/>
                           </a:ln>
@@ -21218,7 +19597,7 @@
                 </a:tc>
                 <a:extLst>
                   <a:ext uri="{0D108BD9-81ED-4DB2-BD59-A6C34878D82A}">
-                    <a16:rowId xmlns:a16="http://schemas.microsoft.com/office/drawing/2014/main" xmlns="" val="10008"/>
+                    <a16:rowId xmlns:a16="http://schemas.microsoft.com/office/drawing/2014/main" val="10008"/>
                   </a:ext>
                 </a:extLst>
               </a:tr>
@@ -21314,7 +19693,7 @@
                     <a:p>
                       <a:pPr algn="ctr" fontAlgn="b"/>
                       <a:r>
-                        <a:rPr kumimoji="0" lang="ru-RU" sz="1400" b="0" i="0" u="none" strike="noStrike" kern="1200" cap="none" spc="0" normalizeH="0" baseline="0" noProof="0" dirty="0" smtClean="0">
+                        <a:rPr kumimoji="0" lang="ru-RU" sz="1400" b="0" i="0" u="none" strike="noStrike" kern="1200" cap="none" spc="0" normalizeH="0" baseline="0" noProof="0" dirty="0">
                           <a:ln>
                             <a:noFill/>
                           </a:ln>
@@ -21371,7 +19750,7 @@
                 </a:tc>
                 <a:extLst>
                   <a:ext uri="{0D108BD9-81ED-4DB2-BD59-A6C34878D82A}">
-                    <a16:rowId xmlns:a16="http://schemas.microsoft.com/office/drawing/2014/main" xmlns="" val="10009"/>
+                    <a16:rowId xmlns:a16="http://schemas.microsoft.com/office/drawing/2014/main" val="10009"/>
                   </a:ext>
                 </a:extLst>
               </a:tr>
@@ -21474,7 +19853,7 @@
                     <a:p>
                       <a:pPr algn="ctr" fontAlgn="b"/>
                       <a:r>
-                        <a:rPr kumimoji="0" lang="ru-RU" sz="1400" b="0" i="0" u="none" strike="noStrike" kern="1200" cap="none" spc="0" normalizeH="0" baseline="0" noProof="0" dirty="0" smtClean="0">
+                        <a:rPr kumimoji="0" lang="ru-RU" sz="1400" b="0" i="0" u="none" strike="noStrike" kern="1200" cap="none" spc="0" normalizeH="0" baseline="0" noProof="0" dirty="0">
                           <a:ln>
                             <a:noFill/>
                           </a:ln>
@@ -21527,7 +19906,7 @@
                 </a:tc>
                 <a:extLst>
                   <a:ext uri="{0D108BD9-81ED-4DB2-BD59-A6C34878D82A}">
-                    <a16:rowId xmlns:a16="http://schemas.microsoft.com/office/drawing/2014/main" xmlns="" val="10010"/>
+                    <a16:rowId xmlns:a16="http://schemas.microsoft.com/office/drawing/2014/main" val="10010"/>
                   </a:ext>
                 </a:extLst>
               </a:tr>
@@ -21630,7 +20009,7 @@
                     <a:p>
                       <a:pPr algn="ctr" fontAlgn="b"/>
                       <a:r>
-                        <a:rPr kumimoji="0" lang="ru-RU" sz="1400" b="0" i="0" u="none" strike="noStrike" kern="1200" cap="none" spc="0" normalizeH="0" baseline="0" noProof="0" dirty="0" smtClean="0">
+                        <a:rPr kumimoji="0" lang="ru-RU" sz="1400" b="0" i="0" u="none" strike="noStrike" kern="1200" cap="none" spc="0" normalizeH="0" baseline="0" noProof="0" dirty="0">
                           <a:ln>
                             <a:noFill/>
                           </a:ln>
@@ -21683,7 +20062,7 @@
                 </a:tc>
                 <a:extLst>
                   <a:ext uri="{0D108BD9-81ED-4DB2-BD59-A6C34878D82A}">
-                    <a16:rowId xmlns:a16="http://schemas.microsoft.com/office/drawing/2014/main" xmlns="" val="10011"/>
+                    <a16:rowId xmlns:a16="http://schemas.microsoft.com/office/drawing/2014/main" val="10011"/>
                   </a:ext>
                 </a:extLst>
               </a:tr>
@@ -21786,7 +20165,7 @@
                     <a:p>
                       <a:pPr algn="ctr" fontAlgn="b"/>
                       <a:r>
-                        <a:rPr kumimoji="0" lang="ru-RU" sz="1400" b="0" i="0" u="none" strike="noStrike" kern="1200" cap="none" spc="0" normalizeH="0" baseline="0" noProof="0" dirty="0" smtClean="0">
+                        <a:rPr kumimoji="0" lang="ru-RU" sz="1400" b="0" i="0" u="none" strike="noStrike" kern="1200" cap="none" spc="0" normalizeH="0" baseline="0" noProof="0" dirty="0">
                           <a:ln>
                             <a:noFill/>
                           </a:ln>
@@ -21839,7 +20218,7 @@
                 </a:tc>
                 <a:extLst>
                   <a:ext uri="{0D108BD9-81ED-4DB2-BD59-A6C34878D82A}">
-                    <a16:rowId xmlns:a16="http://schemas.microsoft.com/office/drawing/2014/main" xmlns="" val="10012"/>
+                    <a16:rowId xmlns:a16="http://schemas.microsoft.com/office/drawing/2014/main" val="10012"/>
                   </a:ext>
                 </a:extLst>
               </a:tr>
@@ -21942,7 +20321,7 @@
                     <a:p>
                       <a:pPr algn="ctr" fontAlgn="b"/>
                       <a:r>
-                        <a:rPr kumimoji="0" lang="ru-RU" sz="1400" b="0" i="0" u="none" strike="noStrike" kern="1200" cap="none" spc="0" normalizeH="0" baseline="0" noProof="0" dirty="0" smtClean="0">
+                        <a:rPr kumimoji="0" lang="ru-RU" sz="1400" b="0" i="0" u="none" strike="noStrike" kern="1200" cap="none" spc="0" normalizeH="0" baseline="0" noProof="0" dirty="0">
                           <a:ln>
                             <a:noFill/>
                           </a:ln>
@@ -21995,7 +20374,7 @@
                 </a:tc>
                 <a:extLst>
                   <a:ext uri="{0D108BD9-81ED-4DB2-BD59-A6C34878D82A}">
-                    <a16:rowId xmlns:a16="http://schemas.microsoft.com/office/drawing/2014/main" xmlns="" val="10013"/>
+                    <a16:rowId xmlns:a16="http://schemas.microsoft.com/office/drawing/2014/main" val="10013"/>
                   </a:ext>
                 </a:extLst>
               </a:tr>
@@ -22091,7 +20470,7 @@
                     <a:p>
                       <a:pPr algn="ctr" fontAlgn="b"/>
                       <a:r>
-                        <a:rPr kumimoji="0" lang="ru-RU" sz="1400" b="0" i="0" u="none" strike="noStrike" kern="1200" cap="none" spc="0" normalizeH="0" baseline="0" noProof="0" dirty="0" smtClean="0">
+                        <a:rPr kumimoji="0" lang="ru-RU" sz="1400" b="0" i="0" u="none" strike="noStrike" kern="1200" cap="none" spc="0" normalizeH="0" baseline="0" noProof="0" dirty="0">
                           <a:ln>
                             <a:noFill/>
                           </a:ln>
@@ -22144,7 +20523,7 @@
                 </a:tc>
                 <a:extLst>
                   <a:ext uri="{0D108BD9-81ED-4DB2-BD59-A6C34878D82A}">
-                    <a16:rowId xmlns:a16="http://schemas.microsoft.com/office/drawing/2014/main" xmlns="" val="10014"/>
+                    <a16:rowId xmlns:a16="http://schemas.microsoft.com/office/drawing/2014/main" val="10014"/>
                   </a:ext>
                 </a:extLst>
               </a:tr>
@@ -22240,7 +20619,7 @@
                     <a:p>
                       <a:pPr algn="ctr" fontAlgn="b"/>
                       <a:r>
-                        <a:rPr kumimoji="0" lang="ru-RU" sz="1400" b="0" i="0" u="none" strike="noStrike" kern="1200" cap="none" spc="0" normalizeH="0" baseline="0" noProof="0" dirty="0" smtClean="0">
+                        <a:rPr kumimoji="0" lang="ru-RU" sz="1400" b="0" i="0" u="none" strike="noStrike" kern="1200" cap="none" spc="0" normalizeH="0" baseline="0" noProof="0" dirty="0">
                           <a:ln>
                             <a:noFill/>
                           </a:ln>
@@ -22293,7 +20672,7 @@
                 </a:tc>
                 <a:extLst>
                   <a:ext uri="{0D108BD9-81ED-4DB2-BD59-A6C34878D82A}">
-                    <a16:rowId xmlns:a16="http://schemas.microsoft.com/office/drawing/2014/main" xmlns="" val="10015"/>
+                    <a16:rowId xmlns:a16="http://schemas.microsoft.com/office/drawing/2014/main" val="10015"/>
                   </a:ext>
                 </a:extLst>
               </a:tr>
@@ -22396,7 +20775,7 @@
                     <a:p>
                       <a:pPr algn="ctr" fontAlgn="b"/>
                       <a:r>
-                        <a:rPr kumimoji="0" lang="ru-RU" sz="1400" b="0" i="0" u="none" strike="noStrike" kern="1200" cap="none" spc="0" normalizeH="0" baseline="0" noProof="0" dirty="0" smtClean="0">
+                        <a:rPr kumimoji="0" lang="ru-RU" sz="1400" b="0" i="0" u="none" strike="noStrike" kern="1200" cap="none" spc="0" normalizeH="0" baseline="0" noProof="0" dirty="0">
                           <a:ln>
                             <a:noFill/>
                           </a:ln>
@@ -22449,7 +20828,7 @@
                 </a:tc>
                 <a:extLst>
                   <a:ext uri="{0D108BD9-81ED-4DB2-BD59-A6C34878D82A}">
-                    <a16:rowId xmlns:a16="http://schemas.microsoft.com/office/drawing/2014/main" xmlns="" val="10016"/>
+                    <a16:rowId xmlns:a16="http://schemas.microsoft.com/office/drawing/2014/main" val="10016"/>
                   </a:ext>
                 </a:extLst>
               </a:tr>
@@ -22552,7 +20931,7 @@
                     <a:p>
                       <a:pPr algn="ctr" fontAlgn="b"/>
                       <a:r>
-                        <a:rPr kumimoji="0" lang="ru-RU" sz="1400" b="0" i="0" u="none" strike="noStrike" kern="1200" cap="none" spc="0" normalizeH="0" baseline="0" noProof="0" dirty="0" smtClean="0">
+                        <a:rPr kumimoji="0" lang="ru-RU" sz="1400" b="0" i="0" u="none" strike="noStrike" kern="1200" cap="none" spc="0" normalizeH="0" baseline="0" noProof="0" dirty="0">
                           <a:ln>
                             <a:noFill/>
                           </a:ln>
@@ -22605,7 +20984,7 @@
                 </a:tc>
                 <a:extLst>
                   <a:ext uri="{0D108BD9-81ED-4DB2-BD59-A6C34878D82A}">
-                    <a16:rowId xmlns:a16="http://schemas.microsoft.com/office/drawing/2014/main" xmlns="" val="10017"/>
+                    <a16:rowId xmlns:a16="http://schemas.microsoft.com/office/drawing/2014/main" val="10017"/>
                   </a:ext>
                 </a:extLst>
               </a:tr>
@@ -22701,7 +21080,7 @@
                     <a:p>
                       <a:pPr algn="ctr" fontAlgn="b"/>
                       <a:r>
-                        <a:rPr kumimoji="0" lang="ru-RU" sz="1400" b="0" i="0" u="none" strike="noStrike" kern="1200" cap="none" spc="0" normalizeH="0" baseline="0" noProof="0" dirty="0" smtClean="0">
+                        <a:rPr kumimoji="0" lang="ru-RU" sz="1400" b="0" i="0" u="none" strike="noStrike" kern="1200" cap="none" spc="0" normalizeH="0" baseline="0" noProof="0" dirty="0">
                           <a:ln>
                             <a:noFill/>
                           </a:ln>
@@ -22754,7 +21133,7 @@
                 </a:tc>
                 <a:extLst>
                   <a:ext uri="{0D108BD9-81ED-4DB2-BD59-A6C34878D82A}">
-                    <a16:rowId xmlns:a16="http://schemas.microsoft.com/office/drawing/2014/main" xmlns="" val="10018"/>
+                    <a16:rowId xmlns:a16="http://schemas.microsoft.com/office/drawing/2014/main" val="10018"/>
                   </a:ext>
                 </a:extLst>
               </a:tr>
@@ -22850,7 +21229,7 @@
                     <a:p>
                       <a:pPr algn="ctr" fontAlgn="b"/>
                       <a:r>
-                        <a:rPr kumimoji="0" lang="ru-RU" sz="1400" b="0" i="0" u="none" strike="noStrike" kern="1200" cap="none" spc="0" normalizeH="0" baseline="0" noProof="0" dirty="0" smtClean="0">
+                        <a:rPr kumimoji="0" lang="ru-RU" sz="1400" b="0" i="0" u="none" strike="noStrike" kern="1200" cap="none" spc="0" normalizeH="0" baseline="0" noProof="0" dirty="0">
                           <a:ln>
                             <a:noFill/>
                           </a:ln>
@@ -22903,7 +21282,7 @@
                 </a:tc>
                 <a:extLst>
                   <a:ext uri="{0D108BD9-81ED-4DB2-BD59-A6C34878D82A}">
-                    <a16:rowId xmlns:a16="http://schemas.microsoft.com/office/drawing/2014/main" xmlns="" val="10019"/>
+                    <a16:rowId xmlns:a16="http://schemas.microsoft.com/office/drawing/2014/main" val="10019"/>
                   </a:ext>
                 </a:extLst>
               </a:tr>
@@ -22999,7 +21378,7 @@
                     <a:p>
                       <a:pPr algn="ctr" fontAlgn="b"/>
                       <a:r>
-                        <a:rPr kumimoji="0" lang="ru-RU" sz="1400" b="0" i="0" u="none" strike="noStrike" kern="1200" cap="none" spc="0" normalizeH="0" baseline="0" noProof="0" smtClean="0">
+                        <a:rPr kumimoji="0" lang="ru-RU" sz="1400" b="0" i="0" u="none" strike="noStrike" kern="1200" cap="none" spc="0" normalizeH="0" baseline="0" noProof="0">
                           <a:ln>
                             <a:noFill/>
                           </a:ln>
@@ -23052,7 +21431,7 @@
                 </a:tc>
                 <a:extLst>
                   <a:ext uri="{0D108BD9-81ED-4DB2-BD59-A6C34878D82A}">
-                    <a16:rowId xmlns:a16="http://schemas.microsoft.com/office/drawing/2014/main" xmlns="" val="10020"/>
+                    <a16:rowId xmlns:a16="http://schemas.microsoft.com/office/drawing/2014/main" val="10020"/>
                   </a:ext>
                 </a:extLst>
               </a:tr>
@@ -23155,7 +21534,7 @@
                     <a:p>
                       <a:pPr algn="ctr" fontAlgn="b"/>
                       <a:r>
-                        <a:rPr kumimoji="0" lang="ru-RU" sz="1400" b="0" i="0" u="none" strike="noStrike" kern="1200" cap="none" spc="0" normalizeH="0" baseline="0" noProof="0" smtClean="0">
+                        <a:rPr kumimoji="0" lang="ru-RU" sz="1400" b="0" i="0" u="none" strike="noStrike" kern="1200" cap="none" spc="0" normalizeH="0" baseline="0" noProof="0">
                           <a:ln>
                             <a:noFill/>
                           </a:ln>
@@ -23208,7 +21587,7 @@
                 </a:tc>
                 <a:extLst>
                   <a:ext uri="{0D108BD9-81ED-4DB2-BD59-A6C34878D82A}">
-                    <a16:rowId xmlns:a16="http://schemas.microsoft.com/office/drawing/2014/main" xmlns="" val="10021"/>
+                    <a16:rowId xmlns:a16="http://schemas.microsoft.com/office/drawing/2014/main" val="10021"/>
                   </a:ext>
                 </a:extLst>
               </a:tr>
@@ -23304,7 +21683,7 @@
                     <a:p>
                       <a:pPr algn="ctr" fontAlgn="b"/>
                       <a:r>
-                        <a:rPr kumimoji="0" lang="ru-RU" sz="1400" b="0" i="0" u="none" strike="noStrike" kern="1200" cap="none" spc="0" normalizeH="0" baseline="0" noProof="0" smtClean="0">
+                        <a:rPr kumimoji="0" lang="ru-RU" sz="1400" b="0" i="0" u="none" strike="noStrike" kern="1200" cap="none" spc="0" normalizeH="0" baseline="0" noProof="0">
                           <a:ln>
                             <a:noFill/>
                           </a:ln>
@@ -23357,7 +21736,7 @@
                 </a:tc>
                 <a:extLst>
                   <a:ext uri="{0D108BD9-81ED-4DB2-BD59-A6C34878D82A}">
-                    <a16:rowId xmlns:a16="http://schemas.microsoft.com/office/drawing/2014/main" xmlns="" val="10022"/>
+                    <a16:rowId xmlns:a16="http://schemas.microsoft.com/office/drawing/2014/main" val="10022"/>
                   </a:ext>
                 </a:extLst>
               </a:tr>
@@ -23453,7 +21832,7 @@
                     <a:p>
                       <a:pPr algn="ctr" fontAlgn="b"/>
                       <a:r>
-                        <a:rPr kumimoji="0" lang="ru-RU" sz="1400" b="0" i="0" u="none" strike="noStrike" kern="1200" cap="none" spc="0" normalizeH="0" baseline="0" noProof="0" smtClean="0">
+                        <a:rPr kumimoji="0" lang="ru-RU" sz="1400" b="0" i="0" u="none" strike="noStrike" kern="1200" cap="none" spc="0" normalizeH="0" baseline="0" noProof="0">
                           <a:ln>
                             <a:noFill/>
                           </a:ln>
@@ -23506,7 +21885,7 @@
                 </a:tc>
                 <a:extLst>
                   <a:ext uri="{0D108BD9-81ED-4DB2-BD59-A6C34878D82A}">
-                    <a16:rowId xmlns:a16="http://schemas.microsoft.com/office/drawing/2014/main" xmlns="" val="10023"/>
+                    <a16:rowId xmlns:a16="http://schemas.microsoft.com/office/drawing/2014/main" val="10023"/>
                   </a:ext>
                 </a:extLst>
               </a:tr>
@@ -23602,7 +21981,7 @@
                     <a:p>
                       <a:pPr algn="ctr" fontAlgn="b"/>
                       <a:r>
-                        <a:rPr kumimoji="0" lang="ru-RU" sz="1400" b="0" i="0" u="none" strike="noStrike" kern="1200" cap="none" spc="0" normalizeH="0" baseline="0" noProof="0" smtClean="0">
+                        <a:rPr kumimoji="0" lang="ru-RU" sz="1400" b="0" i="0" u="none" strike="noStrike" kern="1200" cap="none" spc="0" normalizeH="0" baseline="0" noProof="0">
                           <a:ln>
                             <a:noFill/>
                           </a:ln>
@@ -23655,7 +22034,7 @@
                 </a:tc>
                 <a:extLst>
                   <a:ext uri="{0D108BD9-81ED-4DB2-BD59-A6C34878D82A}">
-                    <a16:rowId xmlns:a16="http://schemas.microsoft.com/office/drawing/2014/main" xmlns="" val="10024"/>
+                    <a16:rowId xmlns:a16="http://schemas.microsoft.com/office/drawing/2014/main" val="10024"/>
                   </a:ext>
                 </a:extLst>
               </a:tr>
@@ -23751,7 +22130,7 @@
                     <a:p>
                       <a:pPr algn="ctr" fontAlgn="b"/>
                       <a:r>
-                        <a:rPr kumimoji="0" lang="ru-RU" sz="1400" b="0" i="0" u="none" strike="noStrike" kern="1200" cap="none" spc="0" normalizeH="0" baseline="0" noProof="0" dirty="0" smtClean="0">
+                        <a:rPr kumimoji="0" lang="ru-RU" sz="1400" b="0" i="0" u="none" strike="noStrike" kern="1200" cap="none" spc="0" normalizeH="0" baseline="0" noProof="0" dirty="0">
                           <a:ln>
                             <a:noFill/>
                           </a:ln>
@@ -23804,7 +22183,7 @@
                 </a:tc>
                 <a:extLst>
                   <a:ext uri="{0D108BD9-81ED-4DB2-BD59-A6C34878D82A}">
-                    <a16:rowId xmlns:a16="http://schemas.microsoft.com/office/drawing/2014/main" xmlns="" val="10025"/>
+                    <a16:rowId xmlns:a16="http://schemas.microsoft.com/office/drawing/2014/main" val="10025"/>
                   </a:ext>
                 </a:extLst>
               </a:tr>
@@ -23845,21 +22224,6 @@
   <p:clrMapOvr>
     <a:masterClrMapping/>
   </p:clrMapOvr>
-  <mc:AlternateContent xmlns:mc="http://schemas.openxmlformats.org/markup-compatibility/2006" xmlns:p14="http://schemas.microsoft.com/office/powerpoint/2010/main">
-    <mc:Choice Requires="p14">
-      <p:transition p14:dur="0"/>
-    </mc:Choice>
-    <mc:Fallback xmlns="">
-      <p:transition/>
-    </mc:Fallback>
-  </mc:AlternateContent>
-  <p:timing>
-    <p:tnLst>
-      <p:par>
-        <p:cTn id="1" dur="indefinite" restart="never" nodeType="tmRoot"/>
-      </p:par>
-    </p:tnLst>
-  </p:timing>
 </p:sld>
 </file>
 
@@ -23934,32 +22298,14 @@
           <a:p>
             <a:r>
               <a:rPr lang="ru-RU" dirty="0"/>
-              <a:t>Для проведения тестов на </a:t>
-            </a:r>
-            <a:r>
-              <a:rPr lang="ru-RU" dirty="0" smtClean="0"/>
-              <a:t>производительность используются </a:t>
-            </a:r>
+              <a:t>Для проведения тестов на производительность используются примеры с количеством вершин в графе от 2000 до 258569</a:t>
+            </a:r>
+          </a:p>
+          <a:p>
             <a:r>
               <a:rPr lang="ru-RU" dirty="0"/>
-              <a:t>примеры с количеством вершин в графе от 4720 до </a:t>
-            </a:r>
-            <a:r>
-              <a:rPr lang="ru-RU" dirty="0" smtClean="0"/>
-              <a:t>258569</a:t>
-            </a:r>
-            <a:endParaRPr lang="ru-RU" dirty="0"/>
-          </a:p>
-          <a:p>
-            <a:r>
-              <a:rPr lang="ru-RU" dirty="0"/>
-              <a:t>В ходе тестирования фиксируется рабочее время алгоритмов проверки и нумерации для каждого </a:t>
-            </a:r>
-            <a:r>
-              <a:rPr lang="ru-RU" dirty="0" smtClean="0"/>
-              <a:t>примера</a:t>
-            </a:r>
-            <a:endParaRPr lang="ru-RU" dirty="0"/>
+              <a:t>В ходе тестирования фиксируется рабочее время алгоритмов проверки и нумерации для каждого примера</a:t>
+            </a:r>
           </a:p>
         </p:txBody>
       </p:sp>
@@ -23996,13 +22342,6 @@
   <p:clrMapOvr>
     <a:masterClrMapping/>
   </p:clrMapOvr>
-  <p:timing>
-    <p:tnLst>
-      <p:par>
-        <p:cTn id="1" dur="indefinite" restart="never" nodeType="tmRoot"/>
-      </p:par>
-    </p:tnLst>
-  </p:timing>
 </p:sld>
 </file>
 
@@ -24032,7 +22371,7 @@
           <p:nvPr>
             <p:extLst>
               <p:ext uri="{D42A27DB-BD31-4B8C-83A1-F6EECF244321}">
-                <p14:modId xmlns:p14="http://schemas.microsoft.com/office/powerpoint/2010/main" val="494744090"/>
+                <p14:modId xmlns:p14="http://schemas.microsoft.com/office/powerpoint/2010/main" val="3663958145"/>
               </p:ext>
             </p:extLst>
           </p:nvPr>
@@ -24051,42 +22390,42 @@
                 <a:gridCol w="2264204">
                   <a:extLst>
                     <a:ext uri="{9D8B030D-6E8A-4147-A177-3AD203B41FA5}">
-                      <a16:colId xmlns:a16="http://schemas.microsoft.com/office/drawing/2014/main" xmlns="" val="1171950682"/>
+                      <a16:colId xmlns:a16="http://schemas.microsoft.com/office/drawing/2014/main" val="1171950682"/>
                     </a:ext>
                   </a:extLst>
                 </a:gridCol>
                 <a:gridCol w="1121846">
                   <a:extLst>
                     <a:ext uri="{9D8B030D-6E8A-4147-A177-3AD203B41FA5}">
-                      <a16:colId xmlns:a16="http://schemas.microsoft.com/office/drawing/2014/main" xmlns="" val="2713623616"/>
+                      <a16:colId xmlns:a16="http://schemas.microsoft.com/office/drawing/2014/main" val="2713623616"/>
                     </a:ext>
                   </a:extLst>
                 </a:gridCol>
                 <a:gridCol w="1133290">
                   <a:extLst>
                     <a:ext uri="{9D8B030D-6E8A-4147-A177-3AD203B41FA5}">
-                      <a16:colId xmlns:a16="http://schemas.microsoft.com/office/drawing/2014/main" xmlns="" val="4214117398"/>
+                      <a16:colId xmlns:a16="http://schemas.microsoft.com/office/drawing/2014/main" val="4214117398"/>
                     </a:ext>
                   </a:extLst>
                 </a:gridCol>
                 <a:gridCol w="1844040">
                   <a:extLst>
                     <a:ext uri="{9D8B030D-6E8A-4147-A177-3AD203B41FA5}">
-                      <a16:colId xmlns:a16="http://schemas.microsoft.com/office/drawing/2014/main" xmlns="" val="3936630454"/>
+                      <a16:colId xmlns:a16="http://schemas.microsoft.com/office/drawing/2014/main" val="3936630454"/>
                     </a:ext>
                   </a:extLst>
                 </a:gridCol>
                 <a:gridCol w="2164080">
                   <a:extLst>
                     <a:ext uri="{9D8B030D-6E8A-4147-A177-3AD203B41FA5}">
-                      <a16:colId xmlns:a16="http://schemas.microsoft.com/office/drawing/2014/main" xmlns="" val="3619060530"/>
+                      <a16:colId xmlns:a16="http://schemas.microsoft.com/office/drawing/2014/main" val="3619060530"/>
                     </a:ext>
                   </a:extLst>
                 </a:gridCol>
                 <a:gridCol w="2301240">
                   <a:extLst>
                     <a:ext uri="{9D8B030D-6E8A-4147-A177-3AD203B41FA5}">
-                      <a16:colId xmlns:a16="http://schemas.microsoft.com/office/drawing/2014/main" xmlns="" val="2623348019"/>
+                      <a16:colId xmlns:a16="http://schemas.microsoft.com/office/drawing/2014/main" val="2623348019"/>
                     </a:ext>
                   </a:extLst>
                 </a:gridCol>
@@ -24159,7 +22498,7 @@
                     <a:p>
                       <a:pPr algn="ctr" fontAlgn="b"/>
                       <a:r>
-                        <a:rPr lang="ru-RU" sz="1800" b="1" i="0" u="none" strike="noStrike" dirty="0" smtClean="0">
+                        <a:rPr lang="ru-RU" sz="1800" b="1" i="0" u="none" strike="noStrike" dirty="0">
                           <a:solidFill>
                             <a:schemeClr val="bg1"/>
                           </a:solidFill>
@@ -24186,7 +22525,7 @@
                     <a:p>
                       <a:pPr algn="ctr" fontAlgn="b"/>
                       <a:r>
-                        <a:rPr lang="ru-RU" sz="1800" b="1" i="0" u="none" strike="noStrike" dirty="0" smtClean="0">
+                        <a:rPr lang="ru-RU" sz="1800" b="1" i="0" u="none" strike="noStrike" dirty="0">
                           <a:solidFill>
                             <a:schemeClr val="bg1"/>
                           </a:solidFill>
@@ -24196,7 +22535,7 @@
                         <a:t>Построил</a:t>
                       </a:r>
                       <a:r>
-                        <a:rPr lang="ru-RU" sz="1800" b="1" i="0" u="none" strike="noStrike" baseline="0" dirty="0" smtClean="0">
+                        <a:rPr lang="ru-RU" sz="1800" b="1" i="0" u="none" strike="noStrike" baseline="0" dirty="0">
                           <a:solidFill>
                             <a:schemeClr val="bg1"/>
                           </a:solidFill>
@@ -24258,7 +22597,7 @@
                 </a:tc>
                 <a:extLst>
                   <a:ext uri="{0D108BD9-81ED-4DB2-BD59-A6C34878D82A}">
-                    <a16:rowId xmlns:a16="http://schemas.microsoft.com/office/drawing/2014/main" xmlns="" val="396192681"/>
+                    <a16:rowId xmlns:a16="http://schemas.microsoft.com/office/drawing/2014/main" val="396192681"/>
                   </a:ext>
                 </a:extLst>
               </a:tr>
@@ -24370,7 +22709,7 @@
                         <a:defRPr/>
                       </a:pPr>
                       <a:r>
-                        <a:rPr kumimoji="0" lang="ru-RU" sz="1800" b="0" i="0" u="none" strike="noStrike" kern="1200" cap="none" spc="0" normalizeH="0" baseline="0" noProof="0" dirty="0" smtClean="0">
+                        <a:rPr kumimoji="0" lang="ru-RU" sz="1800" b="0" i="0" u="none" strike="noStrike" kern="1200" cap="none" spc="0" normalizeH="0" baseline="0" noProof="0" dirty="0">
                           <a:ln>
                             <a:noFill/>
                           </a:ln>
@@ -24386,20 +22725,6 @@
                         </a:rPr>
                         <a:t>ИСТИНА</a:t>
                       </a:r>
-                      <a:endParaRPr kumimoji="0" lang="ru-RU" sz="1800" b="0" i="0" u="none" strike="noStrike" kern="1200" cap="none" spc="0" normalizeH="0" baseline="0" noProof="0" dirty="0">
-                        <a:ln>
-                          <a:noFill/>
-                        </a:ln>
-                        <a:solidFill>
-                          <a:srgbClr val="000000"/>
-                        </a:solidFill>
-                        <a:effectLst/>
-                        <a:uLnTx/>
-                        <a:uFillTx/>
-                        <a:latin typeface="Calibri" panose="020F0502020204030204" pitchFamily="34" charset="0"/>
-                        <a:ea typeface="+mn-ea"/>
-                        <a:cs typeface="+mn-cs"/>
-                      </a:endParaRPr>
                     </a:p>
                   </a:txBody>
                   <a:tcPr marL="9525" marR="9525" marT="9525" marB="0" anchor="ctr">
@@ -24430,7 +22755,7 @@
                 </a:tc>
                 <a:extLst>
                   <a:ext uri="{0D108BD9-81ED-4DB2-BD59-A6C34878D82A}">
-                    <a16:rowId xmlns:a16="http://schemas.microsoft.com/office/drawing/2014/main" xmlns="" val="10012"/>
+                    <a16:rowId xmlns:a16="http://schemas.microsoft.com/office/drawing/2014/main" val="10012"/>
                   </a:ext>
                 </a:extLst>
               </a:tr>
@@ -24442,6 +22767,546 @@
                     <a:p>
                       <a:pPr algn="ctr" fontAlgn="b"/>
                       <a:r>
+                        <a:rPr lang="en-US" sz="1800" b="0" i="0" u="none" strike="noStrike" dirty="0">
+                          <a:solidFill>
+                            <a:schemeClr val="bg1"/>
+                          </a:solidFill>
+                          <a:effectLst/>
+                          <a:latin typeface="Calibri" panose="020F0502020204030204" pitchFamily="34" charset="0"/>
+                        </a:rPr>
+                        <a:t>grid_2d_10K.graph</a:t>
+                      </a:r>
+                    </a:p>
+                  </a:txBody>
+                  <a:tcPr marL="9525" marR="9525" marT="9525" marB="0" anchor="ctr"/>
+                </a:tc>
+                <a:tc>
+                  <a:txBody>
+                    <a:bodyPr/>
+                    <a:lstStyle/>
+                    <a:p>
+                      <a:pPr algn="ctr" fontAlgn="b"/>
+                      <a:r>
+                        <a:rPr lang="ru-RU" sz="1800" b="0" i="0" u="none" strike="noStrike" dirty="0">
+                          <a:solidFill>
+                            <a:srgbClr val="000000"/>
+                          </a:solidFill>
+                          <a:effectLst/>
+                          <a:latin typeface="Calibri" panose="020F0502020204030204" pitchFamily="34" charset="0"/>
+                        </a:rPr>
+                        <a:t>10000</a:t>
+                      </a:r>
+                    </a:p>
+                  </a:txBody>
+                  <a:tcPr marL="9525" marR="9525" marT="9525" marB="0" anchor="ctr"/>
+                </a:tc>
+                <a:tc>
+                  <a:txBody>
+                    <a:bodyPr/>
+                    <a:lstStyle/>
+                    <a:p>
+                      <a:pPr algn="ctr" fontAlgn="b"/>
+                      <a:r>
+                        <a:rPr lang="ru-RU" sz="1800" b="0" i="0" u="none" strike="noStrike" dirty="0">
+                          <a:solidFill>
+                            <a:srgbClr val="000000"/>
+                          </a:solidFill>
+                          <a:effectLst/>
+                          <a:latin typeface="Calibri" panose="020F0502020204030204" pitchFamily="34" charset="0"/>
+                        </a:rPr>
+                        <a:t>19800</a:t>
+                      </a:r>
+                    </a:p>
+                  </a:txBody>
+                  <a:tcPr marL="9525" marR="9525" marT="9525" marB="0" anchor="ctr"/>
+                </a:tc>
+                <a:tc>
+                  <a:txBody>
+                    <a:bodyPr/>
+                    <a:lstStyle/>
+                    <a:p>
+                      <a:pPr algn="ctr" fontAlgn="b"/>
+                      <a:r>
+                        <a:rPr lang="ru-RU" sz="1800" b="0" i="0" u="none" strike="noStrike" dirty="0">
+                          <a:solidFill>
+                            <a:srgbClr val="000000"/>
+                          </a:solidFill>
+                          <a:effectLst/>
+                          <a:latin typeface="Calibri" panose="020F0502020204030204" pitchFamily="34" charset="0"/>
+                        </a:rPr>
+                        <a:t>ИСТИНА</a:t>
+                      </a:r>
+                    </a:p>
+                  </a:txBody>
+                  <a:tcPr marL="9525" marR="9525" marT="9525" marB="0" anchor="ctr">
+                    <a:solidFill>
+                      <a:schemeClr val="accent6"/>
+                    </a:solidFill>
+                  </a:tcPr>
+                </a:tc>
+                <a:tc>
+                  <a:txBody>
+                    <a:bodyPr/>
+                    <a:lstStyle/>
+                    <a:p>
+                      <a:pPr algn="ctr" fontAlgn="b"/>
+                      <a:r>
+                        <a:rPr lang="ru-RU" sz="1800" b="0" i="0" u="none" strike="noStrike" dirty="0">
+                          <a:solidFill>
+                            <a:srgbClr val="000000"/>
+                          </a:solidFill>
+                          <a:effectLst/>
+                          <a:latin typeface="Calibri" panose="020F0502020204030204" pitchFamily="34" charset="0"/>
+                        </a:rPr>
+                        <a:t>ИСТИНА</a:t>
+                      </a:r>
+                    </a:p>
+                  </a:txBody>
+                  <a:tcPr marL="9525" marR="9525" marT="9525" marB="0" anchor="ctr">
+                    <a:solidFill>
+                      <a:schemeClr val="accent6"/>
+                    </a:solidFill>
+                  </a:tcPr>
+                </a:tc>
+                <a:tc>
+                  <a:txBody>
+                    <a:bodyPr/>
+                    <a:lstStyle/>
+                    <a:p>
+                      <a:pPr algn="ctr" fontAlgn="b"/>
+                      <a:r>
+                        <a:rPr lang="ru-RU" sz="1800" b="0" i="0" u="none" strike="noStrike" dirty="0">
+                          <a:solidFill>
+                            <a:srgbClr val="000000"/>
+                          </a:solidFill>
+                          <a:effectLst/>
+                          <a:latin typeface="Calibri" panose="020F0502020204030204" pitchFamily="34" charset="0"/>
+                        </a:rPr>
+                        <a:t>32657</a:t>
+                      </a:r>
+                    </a:p>
+                  </a:txBody>
+                  <a:tcPr marL="9525" marR="9525" marT="9525" marB="0" anchor="ctr"/>
+                </a:tc>
+                <a:extLst>
+                  <a:ext uri="{0D108BD9-81ED-4DB2-BD59-A6C34878D82A}">
+                    <a16:rowId xmlns:a16="http://schemas.microsoft.com/office/drawing/2014/main" val="10013"/>
+                  </a:ext>
+                </a:extLst>
+              </a:tr>
+              <a:tr h="566862">
+                <a:tc>
+                  <a:txBody>
+                    <a:bodyPr/>
+                    <a:lstStyle/>
+                    <a:p>
+                      <a:pPr algn="ctr" fontAlgn="b"/>
+                      <a:r>
+                        <a:rPr lang="en-US" sz="1800" b="0" i="0" u="none" strike="noStrike" dirty="0">
+                          <a:solidFill>
+                            <a:schemeClr val="bg1"/>
+                          </a:solidFill>
+                          <a:effectLst/>
+                          <a:latin typeface="Calibri" panose="020F0502020204030204" pitchFamily="34" charset="0"/>
+                        </a:rPr>
+                        <a:t>grid_2d_2K.graph</a:t>
+                      </a:r>
+                    </a:p>
+                  </a:txBody>
+                  <a:tcPr marL="9525" marR="9525" marT="9525" marB="0" anchor="ctr"/>
+                </a:tc>
+                <a:tc>
+                  <a:txBody>
+                    <a:bodyPr/>
+                    <a:lstStyle/>
+                    <a:p>
+                      <a:pPr algn="ctr" fontAlgn="b"/>
+                      <a:r>
+                        <a:rPr lang="ru-RU" sz="1800" b="0" i="0" u="none" strike="noStrike" dirty="0">
+                          <a:solidFill>
+                            <a:srgbClr val="000000"/>
+                          </a:solidFill>
+                          <a:effectLst/>
+                          <a:latin typeface="Calibri" panose="020F0502020204030204" pitchFamily="34" charset="0"/>
+                        </a:rPr>
+                        <a:t>2000</a:t>
+                      </a:r>
+                    </a:p>
+                  </a:txBody>
+                  <a:tcPr marL="9525" marR="9525" marT="9525" marB="0" anchor="ctr"/>
+                </a:tc>
+                <a:tc>
+                  <a:txBody>
+                    <a:bodyPr/>
+                    <a:lstStyle/>
+                    <a:p>
+                      <a:pPr algn="ctr" fontAlgn="b"/>
+                      <a:r>
+                        <a:rPr lang="ru-RU" sz="1800" b="0" i="0" u="none" strike="noStrike" dirty="0">
+                          <a:solidFill>
+                            <a:srgbClr val="000000"/>
+                          </a:solidFill>
+                          <a:effectLst/>
+                          <a:latin typeface="Calibri" panose="020F0502020204030204" pitchFamily="34" charset="0"/>
+                        </a:rPr>
+                        <a:t>3880</a:t>
+                      </a:r>
+                    </a:p>
+                  </a:txBody>
+                  <a:tcPr marL="9525" marR="9525" marT="9525" marB="0" anchor="ctr"/>
+                </a:tc>
+                <a:tc>
+                  <a:txBody>
+                    <a:bodyPr/>
+                    <a:lstStyle/>
+                    <a:p>
+                      <a:pPr algn="ctr" fontAlgn="b"/>
+                      <a:r>
+                        <a:rPr lang="ru-RU" sz="1800" b="0" i="0" u="none" strike="noStrike" dirty="0">
+                          <a:solidFill>
+                            <a:srgbClr val="000000"/>
+                          </a:solidFill>
+                          <a:effectLst/>
+                          <a:latin typeface="Calibri" panose="020F0502020204030204" pitchFamily="34" charset="0"/>
+                        </a:rPr>
+                        <a:t>ИСТИНА</a:t>
+                      </a:r>
+                    </a:p>
+                  </a:txBody>
+                  <a:tcPr marL="9525" marR="9525" marT="9525" marB="0" anchor="ctr">
+                    <a:solidFill>
+                      <a:schemeClr val="accent6"/>
+                    </a:solidFill>
+                  </a:tcPr>
+                </a:tc>
+                <a:tc>
+                  <a:txBody>
+                    <a:bodyPr/>
+                    <a:lstStyle/>
+                    <a:p>
+                      <a:pPr algn="ctr" fontAlgn="b"/>
+                      <a:r>
+                        <a:rPr lang="ru-RU" sz="1800" b="0" i="0" u="none" strike="noStrike" dirty="0">
+                          <a:solidFill>
+                            <a:srgbClr val="000000"/>
+                          </a:solidFill>
+                          <a:effectLst/>
+                          <a:latin typeface="Calibri" panose="020F0502020204030204" pitchFamily="34" charset="0"/>
+                        </a:rPr>
+                        <a:t>ИСТИНА</a:t>
+                      </a:r>
+                    </a:p>
+                  </a:txBody>
+                  <a:tcPr marL="9525" marR="9525" marT="9525" marB="0" anchor="ctr">
+                    <a:solidFill>
+                      <a:schemeClr val="accent6"/>
+                    </a:solidFill>
+                  </a:tcPr>
+                </a:tc>
+                <a:tc>
+                  <a:txBody>
+                    <a:bodyPr/>
+                    <a:lstStyle/>
+                    <a:p>
+                      <a:pPr algn="ctr" fontAlgn="b"/>
+                      <a:r>
+                        <a:rPr lang="ru-RU" sz="1800" b="0" i="0" u="none" strike="noStrike">
+                          <a:solidFill>
+                            <a:srgbClr val="000000"/>
+                          </a:solidFill>
+                          <a:effectLst/>
+                          <a:latin typeface="Calibri" panose="020F0502020204030204" pitchFamily="34" charset="0"/>
+                        </a:rPr>
+                        <a:t>1299</a:t>
+                      </a:r>
+                    </a:p>
+                  </a:txBody>
+                  <a:tcPr marL="9525" marR="9525" marT="9525" marB="0" anchor="ctr"/>
+                </a:tc>
+                <a:extLst>
+                  <a:ext uri="{0D108BD9-81ED-4DB2-BD59-A6C34878D82A}">
+                    <a16:rowId xmlns:a16="http://schemas.microsoft.com/office/drawing/2014/main" val="10014"/>
+                  </a:ext>
+                </a:extLst>
+              </a:tr>
+              <a:tr h="566862">
+                <a:tc>
+                  <a:txBody>
+                    <a:bodyPr/>
+                    <a:lstStyle/>
+                    <a:p>
+                      <a:pPr algn="ctr" fontAlgn="b"/>
+                      <a:r>
+                        <a:rPr lang="en-US" sz="1800" b="0" i="0" u="none" strike="noStrike" dirty="0">
+                          <a:solidFill>
+                            <a:schemeClr val="bg1"/>
+                          </a:solidFill>
+                          <a:effectLst/>
+                          <a:latin typeface="Calibri" panose="020F0502020204030204" pitchFamily="34" charset="0"/>
+                        </a:rPr>
+                        <a:t>grid_3d_10K.graph</a:t>
+                      </a:r>
+                    </a:p>
+                  </a:txBody>
+                  <a:tcPr marL="9525" marR="9525" marT="9525" marB="0" anchor="ctr"/>
+                </a:tc>
+                <a:tc>
+                  <a:txBody>
+                    <a:bodyPr/>
+                    <a:lstStyle/>
+                    <a:p>
+                      <a:pPr algn="ctr" fontAlgn="b"/>
+                      <a:r>
+                        <a:rPr lang="ru-RU" sz="1800" b="0" i="0" u="none" strike="noStrike">
+                          <a:solidFill>
+                            <a:srgbClr val="000000"/>
+                          </a:solidFill>
+                          <a:effectLst/>
+                          <a:latin typeface="Calibri" panose="020F0502020204030204" pitchFamily="34" charset="0"/>
+                        </a:rPr>
+                        <a:t>10000</a:t>
+                      </a:r>
+                    </a:p>
+                  </a:txBody>
+                  <a:tcPr marL="9525" marR="9525" marT="9525" marB="0" anchor="ctr"/>
+                </a:tc>
+                <a:tc>
+                  <a:txBody>
+                    <a:bodyPr/>
+                    <a:lstStyle/>
+                    <a:p>
+                      <a:pPr algn="ctr" fontAlgn="b"/>
+                      <a:r>
+                        <a:rPr lang="ru-RU" sz="1800" b="0" i="0" u="none" strike="noStrike" dirty="0">
+                          <a:solidFill>
+                            <a:srgbClr val="000000"/>
+                          </a:solidFill>
+                          <a:effectLst/>
+                          <a:latin typeface="Calibri" panose="020F0502020204030204" pitchFamily="34" charset="0"/>
+                        </a:rPr>
+                        <a:t>27900</a:t>
+                      </a:r>
+                    </a:p>
+                  </a:txBody>
+                  <a:tcPr marL="9525" marR="9525" marT="9525" marB="0" anchor="ctr"/>
+                </a:tc>
+                <a:tc>
+                  <a:txBody>
+                    <a:bodyPr/>
+                    <a:lstStyle/>
+                    <a:p>
+                      <a:pPr algn="ctr" fontAlgn="b"/>
+                      <a:r>
+                        <a:rPr lang="ru-RU" sz="1800" b="0" i="0" u="none" strike="noStrike" dirty="0">
+                          <a:solidFill>
+                            <a:srgbClr val="000000"/>
+                          </a:solidFill>
+                          <a:effectLst/>
+                          <a:latin typeface="Calibri" panose="020F0502020204030204" pitchFamily="34" charset="0"/>
+                        </a:rPr>
+                        <a:t>ИСТИНА</a:t>
+                      </a:r>
+                    </a:p>
+                  </a:txBody>
+                  <a:tcPr marL="9525" marR="9525" marT="9525" marB="0" anchor="ctr">
+                    <a:solidFill>
+                      <a:schemeClr val="accent6"/>
+                    </a:solidFill>
+                  </a:tcPr>
+                </a:tc>
+                <a:tc>
+                  <a:txBody>
+                    <a:bodyPr/>
+                    <a:lstStyle/>
+                    <a:p>
+                      <a:pPr algn="ctr" fontAlgn="b"/>
+                      <a:r>
+                        <a:rPr lang="ru-RU" sz="1800" b="0" i="0" u="none" strike="noStrike" dirty="0">
+                          <a:solidFill>
+                            <a:srgbClr val="000000"/>
+                          </a:solidFill>
+                          <a:effectLst/>
+                          <a:latin typeface="Calibri" panose="020F0502020204030204" pitchFamily="34" charset="0"/>
+                        </a:rPr>
+                        <a:t>ИСТИНА</a:t>
+                      </a:r>
+                    </a:p>
+                  </a:txBody>
+                  <a:tcPr marL="9525" marR="9525" marT="9525" marB="0" anchor="ctr">
+                    <a:solidFill>
+                      <a:schemeClr val="accent6"/>
+                    </a:solidFill>
+                  </a:tcPr>
+                </a:tc>
+                <a:tc>
+                  <a:txBody>
+                    <a:bodyPr/>
+                    <a:lstStyle/>
+                    <a:p>
+                      <a:pPr algn="ctr" fontAlgn="b"/>
+                      <a:r>
+                        <a:rPr lang="ru-RU" sz="1800" b="0" i="0" u="none" strike="noStrike">
+                          <a:solidFill>
+                            <a:srgbClr val="000000"/>
+                          </a:solidFill>
+                          <a:effectLst/>
+                          <a:latin typeface="Calibri" panose="020F0502020204030204" pitchFamily="34" charset="0"/>
+                        </a:rPr>
+                        <a:t>67336</a:t>
+                      </a:r>
+                    </a:p>
+                  </a:txBody>
+                  <a:tcPr marL="9525" marR="9525" marT="9525" marB="0" anchor="ctr"/>
+                </a:tc>
+                <a:extLst>
+                  <a:ext uri="{0D108BD9-81ED-4DB2-BD59-A6C34878D82A}">
+                    <a16:rowId xmlns:a16="http://schemas.microsoft.com/office/drawing/2014/main" val="10015"/>
+                  </a:ext>
+                </a:extLst>
+              </a:tr>
+              <a:tr h="566862">
+                <a:tc>
+                  <a:txBody>
+                    <a:bodyPr/>
+                    <a:lstStyle/>
+                    <a:p>
+                      <a:pPr algn="ctr" fontAlgn="b"/>
+                      <a:r>
+                        <a:rPr lang="en-US" sz="1800" b="0" i="0" u="none" strike="noStrike" dirty="0">
+                          <a:solidFill>
+                            <a:schemeClr val="bg1"/>
+                          </a:solidFill>
+                          <a:effectLst/>
+                          <a:latin typeface="Calibri" panose="020F0502020204030204" pitchFamily="34" charset="0"/>
+                        </a:rPr>
+                        <a:t>grid_3d_30K.graph</a:t>
+                      </a:r>
+                    </a:p>
+                  </a:txBody>
+                  <a:tcPr marL="9525" marR="9525" marT="9525" marB="0" anchor="ctr"/>
+                </a:tc>
+                <a:tc>
+                  <a:txBody>
+                    <a:bodyPr/>
+                    <a:lstStyle/>
+                    <a:p>
+                      <a:pPr algn="ctr" fontAlgn="b"/>
+                      <a:r>
+                        <a:rPr lang="ru-RU" sz="1800" b="0" i="0" u="none" strike="noStrike">
+                          <a:solidFill>
+                            <a:srgbClr val="000000"/>
+                          </a:solidFill>
+                          <a:effectLst/>
+                          <a:latin typeface="Calibri" panose="020F0502020204030204" pitchFamily="34" charset="0"/>
+                        </a:rPr>
+                        <a:t>30000</a:t>
+                      </a:r>
+                    </a:p>
+                  </a:txBody>
+                  <a:tcPr marL="9525" marR="9525" marT="9525" marB="0" anchor="ctr"/>
+                </a:tc>
+                <a:tc>
+                  <a:txBody>
+                    <a:bodyPr/>
+                    <a:lstStyle/>
+                    <a:p>
+                      <a:pPr algn="ctr" fontAlgn="b"/>
+                      <a:r>
+                        <a:rPr lang="ru-RU" sz="1800" b="0" i="0" u="none" strike="noStrike" dirty="0">
+                          <a:solidFill>
+                            <a:srgbClr val="000000"/>
+                          </a:solidFill>
+                          <a:effectLst/>
+                          <a:latin typeface="Calibri" panose="020F0502020204030204" pitchFamily="34" charset="0"/>
+                        </a:rPr>
+                        <a:t>85700</a:t>
+                      </a:r>
+                    </a:p>
+                  </a:txBody>
+                  <a:tcPr marL="9525" marR="9525" marT="9525" marB="0" anchor="ctr"/>
+                </a:tc>
+                <a:tc>
+                  <a:txBody>
+                    <a:bodyPr/>
+                    <a:lstStyle/>
+                    <a:p>
+                      <a:pPr algn="ctr" fontAlgn="b"/>
+                      <a:r>
+                        <a:rPr lang="ru-RU" sz="1800" b="0" i="0" u="none" strike="noStrike" dirty="0">
+                          <a:solidFill>
+                            <a:srgbClr val="000000"/>
+                          </a:solidFill>
+                          <a:effectLst/>
+                          <a:latin typeface="Calibri" panose="020F0502020204030204" pitchFamily="34" charset="0"/>
+                        </a:rPr>
+                        <a:t>ИСТИНА</a:t>
+                      </a:r>
+                    </a:p>
+                  </a:txBody>
+                  <a:tcPr marL="9525" marR="9525" marT="9525" marB="0" anchor="ctr">
+                    <a:solidFill>
+                      <a:schemeClr val="accent6"/>
+                    </a:solidFill>
+                  </a:tcPr>
+                </a:tc>
+                <a:tc>
+                  <a:txBody>
+                    <a:bodyPr/>
+                    <a:lstStyle/>
+                    <a:p>
+                      <a:pPr algn="ctr" fontAlgn="b"/>
+                      <a:r>
+                        <a:rPr lang="ru-RU" sz="1800" b="0" i="0" u="none" strike="noStrike" dirty="0">
+                          <a:solidFill>
+                            <a:srgbClr val="000000"/>
+                          </a:solidFill>
+                          <a:effectLst/>
+                          <a:latin typeface="Calibri" panose="020F0502020204030204" pitchFamily="34" charset="0"/>
+                        </a:rPr>
+                        <a:t>ИСТИНА</a:t>
+                      </a:r>
+                    </a:p>
+                  </a:txBody>
+                  <a:tcPr marL="9525" marR="9525" marT="9525" marB="0" anchor="ctr">
+                    <a:solidFill>
+                      <a:schemeClr val="accent6"/>
+                    </a:solidFill>
+                  </a:tcPr>
+                </a:tc>
+                <a:tc>
+                  <a:txBody>
+                    <a:bodyPr/>
+                    <a:lstStyle/>
+                    <a:p>
+                      <a:pPr algn="ctr" fontAlgn="b"/>
+                      <a:r>
+                        <a:rPr lang="ru-RU" sz="1800" b="0" i="0" u="none" strike="noStrike" dirty="0">
+                          <a:solidFill>
+                            <a:srgbClr val="000000"/>
+                          </a:solidFill>
+                          <a:effectLst/>
+                          <a:latin typeface="Calibri" panose="020F0502020204030204" pitchFamily="34" charset="0"/>
+                        </a:rPr>
+                        <a:t>594877</a:t>
+                      </a:r>
+                    </a:p>
+                  </a:txBody>
+                  <a:tcPr marL="9525" marR="9525" marT="9525" marB="0" anchor="ctr"/>
+                </a:tc>
+                <a:extLst>
+                  <a:ext uri="{0D108BD9-81ED-4DB2-BD59-A6C34878D82A}">
+                    <a16:rowId xmlns:a16="http://schemas.microsoft.com/office/drawing/2014/main" val="10016"/>
+                  </a:ext>
+                </a:extLst>
+              </a:tr>
+              <a:tr h="566862">
+                <a:tc>
+                  <a:txBody>
+                    <a:bodyPr/>
+                    <a:lstStyle/>
+                    <a:p>
+                      <a:pPr algn="ctr" fontAlgn="b"/>
+                      <a:r>
                         <a:rPr lang="en-US" sz="1800" b="0" i="0" u="none" strike="noStrike" dirty="0" err="1">
                           <a:solidFill>
                             <a:schemeClr val="bg1"/>
@@ -24449,7 +23314,7 @@
                           <a:effectLst/>
                           <a:latin typeface="Calibri" panose="020F0502020204030204" pitchFamily="34" charset="0"/>
                         </a:rPr>
-                        <a:t>ef_body.graph</a:t>
+                        <a:t>fe_rotor.graph</a:t>
                       </a:r>
                       <a:endParaRPr lang="en-US" sz="1800" b="0" i="0" u="none" strike="noStrike" dirty="0">
                         <a:solidFill>
@@ -24476,7 +23341,7 @@
                           <a:effectLst/>
                           <a:latin typeface="Calibri" panose="020F0502020204030204" pitchFamily="34" charset="0"/>
                         </a:rPr>
-                        <a:t>45087</a:t>
+                        <a:t>99617</a:t>
                       </a:r>
                     </a:p>
                   </a:txBody>
@@ -24496,7 +23361,7 @@
                           <a:effectLst/>
                           <a:latin typeface="Calibri" panose="020F0502020204030204" pitchFamily="34" charset="0"/>
                         </a:rPr>
-                        <a:t>163734</a:t>
+                        <a:t>662431</a:t>
                       </a:r>
                     </a:p>
                   </a:txBody>
@@ -24533,7 +23398,7 @@
                     <a:p>
                       <a:pPr algn="ctr" fontAlgn="b"/>
                       <a:r>
-                        <a:rPr kumimoji="0" lang="ru-RU" sz="1800" b="0" i="0" u="none" strike="noStrike" kern="1200" cap="none" spc="0" normalizeH="0" baseline="0" noProof="0" dirty="0" smtClean="0">
+                        <a:rPr kumimoji="0" lang="ru-RU" sz="1800" b="0" i="0" u="none" strike="noStrike" kern="1200" cap="none" spc="0" normalizeH="0" baseline="0" noProof="0" dirty="0">
                           <a:ln>
                             <a:noFill/>
                           </a:ln>
@@ -24578,7 +23443,7 @@
                           <a:effectLst/>
                           <a:latin typeface="Calibri" panose="020F0502020204030204" pitchFamily="34" charset="0"/>
                         </a:rPr>
-                        <a:t>3</a:t>
+                        <a:t>57</a:t>
                       </a:r>
                     </a:p>
                   </a:txBody>
@@ -24586,7 +23451,7 @@
                 </a:tc>
                 <a:extLst>
                   <a:ext uri="{0D108BD9-81ED-4DB2-BD59-A6C34878D82A}">
-                    <a16:rowId xmlns:a16="http://schemas.microsoft.com/office/drawing/2014/main" xmlns="" val="10013"/>
+                    <a16:rowId xmlns:a16="http://schemas.microsoft.com/office/drawing/2014/main" val="10017"/>
                   </a:ext>
                 </a:extLst>
               </a:tr>
@@ -24605,7 +23470,7 @@
                           <a:effectLst/>
                           <a:latin typeface="Calibri" panose="020F0502020204030204" pitchFamily="34" charset="0"/>
                         </a:rPr>
-                        <a:t>ef_sphere.graph</a:t>
+                        <a:t>fe_tooth.graph</a:t>
                       </a:r>
                       <a:endParaRPr lang="en-US" sz="1800" b="0" i="0" u="none" strike="noStrike" dirty="0">
                         <a:solidFill>
@@ -24625,6 +23490,26 @@
                     <a:p>
                       <a:pPr algn="ctr" fontAlgn="b"/>
                       <a:r>
+                        <a:rPr lang="ru-RU" sz="1800" b="0" i="0" u="none" strike="noStrike">
+                          <a:solidFill>
+                            <a:srgbClr val="000000"/>
+                          </a:solidFill>
+                          <a:effectLst/>
+                          <a:latin typeface="Calibri" panose="020F0502020204030204" pitchFamily="34" charset="0"/>
+                        </a:rPr>
+                        <a:t>78136</a:t>
+                      </a:r>
+                    </a:p>
+                  </a:txBody>
+                  <a:tcPr marL="9525" marR="9525" marT="9525" marB="0" anchor="ctr"/>
+                </a:tc>
+                <a:tc>
+                  <a:txBody>
+                    <a:bodyPr/>
+                    <a:lstStyle/>
+                    <a:p>
+                      <a:pPr algn="ctr" fontAlgn="b"/>
+                      <a:r>
                         <a:rPr lang="ru-RU" sz="1800" b="0" i="0" u="none" strike="noStrike" dirty="0">
                           <a:solidFill>
                             <a:srgbClr val="000000"/>
@@ -24632,7 +23517,7 @@
                           <a:effectLst/>
                           <a:latin typeface="Calibri" panose="020F0502020204030204" pitchFamily="34" charset="0"/>
                         </a:rPr>
-                        <a:t>16386</a:t>
+                        <a:t>452591</a:t>
                       </a:r>
                     </a:p>
                   </a:txBody>
@@ -24652,33 +23537,13 @@
                           <a:effectLst/>
                           <a:latin typeface="Calibri" panose="020F0502020204030204" pitchFamily="34" charset="0"/>
                         </a:rPr>
-                        <a:t>49152</a:t>
-                      </a:r>
-                    </a:p>
-                  </a:txBody>
-                  <a:tcPr marL="9525" marR="9525" marT="9525" marB="0" anchor="ctr"/>
-                </a:tc>
-                <a:tc>
-                  <a:txBody>
-                    <a:bodyPr/>
-                    <a:lstStyle/>
-                    <a:p>
-                      <a:pPr algn="ctr" fontAlgn="b"/>
-                      <a:r>
-                        <a:rPr lang="ru-RU" sz="1800" b="0" i="0" u="none" strike="noStrike" dirty="0">
-                          <a:solidFill>
-                            <a:srgbClr val="000000"/>
-                          </a:solidFill>
-                          <a:effectLst/>
-                          <a:latin typeface="Calibri" panose="020F0502020204030204" pitchFamily="34" charset="0"/>
-                        </a:rPr>
-                        <a:t>ИСТИНА</a:t>
+                        <a:t>ЛОЖЬ</a:t>
                       </a:r>
                     </a:p>
                   </a:txBody>
                   <a:tcPr marL="9525" marR="9525" marT="9525" marB="0" anchor="ctr">
                     <a:solidFill>
-                      <a:schemeClr val="accent6"/>
+                      <a:srgbClr val="FF0000"/>
                     </a:solidFill>
                   </a:tcPr>
                 </a:tc>
@@ -24689,7 +23554,7 @@
                     <a:p>
                       <a:pPr algn="ctr" fontAlgn="b"/>
                       <a:r>
-                        <a:rPr kumimoji="0" lang="ru-RU" sz="1800" b="0" i="0" u="none" strike="noStrike" kern="1200" cap="none" spc="0" normalizeH="0" baseline="0" noProof="0" dirty="0" smtClean="0">
+                        <a:rPr kumimoji="0" lang="ru-RU" sz="1800" b="0" i="0" u="none" strike="noStrike" kern="1200" cap="none" spc="0" normalizeH="0" baseline="0" noProof="0" dirty="0">
                           <a:ln>
                             <a:noFill/>
                           </a:ln>
@@ -24734,7 +23599,7 @@
                           <a:effectLst/>
                           <a:latin typeface="Calibri" panose="020F0502020204030204" pitchFamily="34" charset="0"/>
                         </a:rPr>
-                        <a:t>3432</a:t>
+                        <a:t>46</a:t>
                       </a:r>
                     </a:p>
                   </a:txBody>
@@ -24742,7 +23607,7 @@
                 </a:tc>
                 <a:extLst>
                   <a:ext uri="{0D108BD9-81ED-4DB2-BD59-A6C34878D82A}">
-                    <a16:rowId xmlns:a16="http://schemas.microsoft.com/office/drawing/2014/main" xmlns="" val="10014"/>
+                    <a16:rowId xmlns:a16="http://schemas.microsoft.com/office/drawing/2014/main" val="10018"/>
                   </a:ext>
                 </a:extLst>
               </a:tr>
@@ -24754,15 +23619,22 @@
                     <a:p>
                       <a:pPr algn="ctr" fontAlgn="b"/>
                       <a:r>
-                        <a:rPr lang="en-US" sz="1800" b="0" i="0" u="none" strike="noStrike" dirty="0">
+                        <a:rPr lang="en-US" sz="1800" b="0" i="0" u="none" strike="noStrike" dirty="0" err="1">
                           <a:solidFill>
                             <a:schemeClr val="bg1"/>
                           </a:solidFill>
                           <a:effectLst/>
                           <a:latin typeface="Calibri" panose="020F0502020204030204" pitchFamily="34" charset="0"/>
                         </a:rPr>
-                        <a:t>fe_3elt.graph</a:t>
-                      </a:r>
+                        <a:t>mdual.graph</a:t>
+                      </a:r>
+                      <a:endParaRPr lang="en-US" sz="1800" b="0" i="0" u="none" strike="noStrike" dirty="0">
+                        <a:solidFill>
+                          <a:schemeClr val="bg1"/>
+                        </a:solidFill>
+                        <a:effectLst/>
+                        <a:latin typeface="Calibri" panose="020F0502020204030204" pitchFamily="34" charset="0"/>
+                      </a:endParaRPr>
                     </a:p>
                   </a:txBody>
                   <a:tcPr marL="9525" marR="9525" marT="9525" marB="0" anchor="ctr"/>
@@ -24781,7 +23653,7 @@
                           <a:effectLst/>
                           <a:latin typeface="Calibri" panose="020F0502020204030204" pitchFamily="34" charset="0"/>
                         </a:rPr>
-                        <a:t>4720</a:t>
+                        <a:t>258569</a:t>
                       </a:r>
                     </a:p>
                   </a:txBody>
@@ -24801,7 +23673,7 @@
                           <a:effectLst/>
                           <a:latin typeface="Calibri" panose="020F0502020204030204" pitchFamily="34" charset="0"/>
                         </a:rPr>
-                        <a:t>13722</a:t>
+                        <a:t>513132</a:t>
                       </a:r>
                     </a:p>
                   </a:txBody>
@@ -24821,13 +23693,13 @@
                           <a:effectLst/>
                           <a:latin typeface="Calibri" panose="020F0502020204030204" pitchFamily="34" charset="0"/>
                         </a:rPr>
-                        <a:t>ЛОЖЬ</a:t>
+                        <a:t>ИСТИНА</a:t>
                       </a:r>
                     </a:p>
                   </a:txBody>
                   <a:tcPr marL="9525" marR="9525" marT="9525" marB="0" anchor="ctr">
                     <a:solidFill>
-                      <a:srgbClr val="FF0000"/>
+                      <a:schemeClr val="accent6"/>
                     </a:solidFill>
                   </a:tcPr>
                 </a:tc>
@@ -24838,7 +23710,7 @@
                     <a:p>
                       <a:pPr algn="ctr" fontAlgn="b"/>
                       <a:r>
-                        <a:rPr kumimoji="0" lang="ru-RU" sz="1800" b="0" i="0" u="none" strike="noStrike" kern="1200" cap="none" spc="0" normalizeH="0" baseline="0" noProof="0" dirty="0" smtClean="0">
+                        <a:rPr kumimoji="0" lang="ru-RU" sz="1800" b="0" i="0" u="none" strike="noStrike" kern="1200" cap="none" spc="0" normalizeH="0" baseline="0" noProof="0" dirty="0">
                           <a:ln>
                             <a:noFill/>
                           </a:ln>
@@ -24883,7 +23755,7 @@
                           <a:effectLst/>
                           <a:latin typeface="Calibri" panose="020F0502020204030204" pitchFamily="34" charset="0"/>
                         </a:rPr>
-                        <a:t>1</a:t>
+                        <a:t>11570</a:t>
                       </a:r>
                     </a:p>
                   </a:txBody>
@@ -24891,631 +23763,7 @@
                 </a:tc>
                 <a:extLst>
                   <a:ext uri="{0D108BD9-81ED-4DB2-BD59-A6C34878D82A}">
-                    <a16:rowId xmlns:a16="http://schemas.microsoft.com/office/drawing/2014/main" xmlns="" val="10015"/>
-                  </a:ext>
-                </a:extLst>
-              </a:tr>
-              <a:tr h="566862">
-                <a:tc>
-                  <a:txBody>
-                    <a:bodyPr/>
-                    <a:lstStyle/>
-                    <a:p>
-                      <a:pPr algn="ctr" fontAlgn="b"/>
-                      <a:r>
-                        <a:rPr lang="en-US" sz="1800" b="0" i="0" u="none" strike="noStrike" dirty="0" err="1">
-                          <a:solidFill>
-                            <a:schemeClr val="bg1"/>
-                          </a:solidFill>
-                          <a:effectLst/>
-                          <a:latin typeface="Calibri" panose="020F0502020204030204" pitchFamily="34" charset="0"/>
-                        </a:rPr>
-                        <a:t>fe_bracket.graph</a:t>
-                      </a:r>
-                      <a:endParaRPr lang="en-US" sz="1800" b="0" i="0" u="none" strike="noStrike" dirty="0">
-                        <a:solidFill>
-                          <a:schemeClr val="bg1"/>
-                        </a:solidFill>
-                        <a:effectLst/>
-                        <a:latin typeface="Calibri" panose="020F0502020204030204" pitchFamily="34" charset="0"/>
-                      </a:endParaRPr>
-                    </a:p>
-                  </a:txBody>
-                  <a:tcPr marL="9525" marR="9525" marT="9525" marB="0" anchor="ctr"/>
-                </a:tc>
-                <a:tc>
-                  <a:txBody>
-                    <a:bodyPr/>
-                    <a:lstStyle/>
-                    <a:p>
-                      <a:pPr algn="ctr" fontAlgn="b"/>
-                      <a:r>
-                        <a:rPr lang="ru-RU" sz="1800" b="0" i="0" u="none" strike="noStrike" dirty="0">
-                          <a:solidFill>
-                            <a:srgbClr val="000000"/>
-                          </a:solidFill>
-                          <a:effectLst/>
-                          <a:latin typeface="Calibri" panose="020F0502020204030204" pitchFamily="34" charset="0"/>
-                        </a:rPr>
-                        <a:t>62631</a:t>
-                      </a:r>
-                    </a:p>
-                  </a:txBody>
-                  <a:tcPr marL="9525" marR="9525" marT="9525" marB="0" anchor="ctr"/>
-                </a:tc>
-                <a:tc>
-                  <a:txBody>
-                    <a:bodyPr/>
-                    <a:lstStyle/>
-                    <a:p>
-                      <a:pPr algn="ctr" fontAlgn="b"/>
-                      <a:r>
-                        <a:rPr lang="ru-RU" sz="1800" b="0" i="0" u="none" strike="noStrike" dirty="0">
-                          <a:solidFill>
-                            <a:srgbClr val="000000"/>
-                          </a:solidFill>
-                          <a:effectLst/>
-                          <a:latin typeface="Calibri" panose="020F0502020204030204" pitchFamily="34" charset="0"/>
-                        </a:rPr>
-                        <a:t>366559</a:t>
-                      </a:r>
-                    </a:p>
-                  </a:txBody>
-                  <a:tcPr marL="9525" marR="9525" marT="9525" marB="0" anchor="ctr"/>
-                </a:tc>
-                <a:tc>
-                  <a:txBody>
-                    <a:bodyPr/>
-                    <a:lstStyle/>
-                    <a:p>
-                      <a:pPr algn="ctr" fontAlgn="b"/>
-                      <a:r>
-                        <a:rPr lang="ru-RU" sz="1800" b="0" i="0" u="none" strike="noStrike" dirty="0">
-                          <a:solidFill>
-                            <a:srgbClr val="000000"/>
-                          </a:solidFill>
-                          <a:effectLst/>
-                          <a:latin typeface="Calibri" panose="020F0502020204030204" pitchFamily="34" charset="0"/>
-                        </a:rPr>
-                        <a:t>ЛОЖЬ</a:t>
-                      </a:r>
-                    </a:p>
-                  </a:txBody>
-                  <a:tcPr marL="9525" marR="9525" marT="9525" marB="0" anchor="ctr">
-                    <a:solidFill>
-                      <a:srgbClr val="FF0000"/>
-                    </a:solidFill>
-                  </a:tcPr>
-                </a:tc>
-                <a:tc>
-                  <a:txBody>
-                    <a:bodyPr/>
-                    <a:lstStyle/>
-                    <a:p>
-                      <a:pPr algn="ctr" fontAlgn="b"/>
-                      <a:r>
-                        <a:rPr kumimoji="0" lang="ru-RU" sz="1800" b="0" i="0" u="none" strike="noStrike" kern="1200" cap="none" spc="0" normalizeH="0" baseline="0" noProof="0" dirty="0" smtClean="0">
-                          <a:ln>
-                            <a:noFill/>
-                          </a:ln>
-                          <a:solidFill>
-                            <a:srgbClr val="000000"/>
-                          </a:solidFill>
-                          <a:effectLst/>
-                          <a:uLnTx/>
-                          <a:uFillTx/>
-                          <a:latin typeface="Calibri" panose="020F0502020204030204" pitchFamily="34" charset="0"/>
-                          <a:ea typeface="+mn-ea"/>
-                          <a:cs typeface="+mn-cs"/>
-                        </a:rPr>
-                        <a:t>ЛОЖЬ</a:t>
-                      </a:r>
-                      <a:endParaRPr lang="ru-RU" sz="1800" b="0" i="0" u="none" strike="noStrike" dirty="0">
-                        <a:solidFill>
-                          <a:srgbClr val="000000"/>
-                        </a:solidFill>
-                        <a:effectLst/>
-                        <a:latin typeface="Calibri" panose="020F0502020204030204" pitchFamily="34" charset="0"/>
-                      </a:endParaRPr>
-                    </a:p>
-                  </a:txBody>
-                  <a:tcPr marL="9525" marR="9525" marT="9525" marB="0" anchor="ctr">
-                    <a:solidFill>
-                      <a:srgbClr val="FF0000"/>
-                    </a:solidFill>
-                  </a:tcPr>
-                </a:tc>
-                <a:tc>
-                  <a:txBody>
-                    <a:bodyPr/>
-                    <a:lstStyle/>
-                    <a:p>
-                      <a:pPr algn="ctr" fontAlgn="b"/>
-                      <a:r>
-                        <a:rPr lang="ru-RU" sz="1800" b="0" i="0" u="none" strike="noStrike" dirty="0">
-                          <a:solidFill>
-                            <a:srgbClr val="000000"/>
-                          </a:solidFill>
-                          <a:effectLst/>
-                          <a:latin typeface="Calibri" panose="020F0502020204030204" pitchFamily="34" charset="0"/>
-                        </a:rPr>
-                        <a:t>29</a:t>
-                      </a:r>
-                    </a:p>
-                  </a:txBody>
-                  <a:tcPr marL="9525" marR="9525" marT="9525" marB="0" anchor="ctr"/>
-                </a:tc>
-                <a:extLst>
-                  <a:ext uri="{0D108BD9-81ED-4DB2-BD59-A6C34878D82A}">
-                    <a16:rowId xmlns:a16="http://schemas.microsoft.com/office/drawing/2014/main" xmlns="" val="10016"/>
-                  </a:ext>
-                </a:extLst>
-              </a:tr>
-              <a:tr h="566862">
-                <a:tc>
-                  <a:txBody>
-                    <a:bodyPr/>
-                    <a:lstStyle/>
-                    <a:p>
-                      <a:pPr algn="ctr" fontAlgn="b"/>
-                      <a:r>
-                        <a:rPr lang="en-US" sz="1800" b="0" i="0" u="none" strike="noStrike" dirty="0" err="1">
-                          <a:solidFill>
-                            <a:schemeClr val="bg1"/>
-                          </a:solidFill>
-                          <a:effectLst/>
-                          <a:latin typeface="Calibri" panose="020F0502020204030204" pitchFamily="34" charset="0"/>
-                        </a:rPr>
-                        <a:t>fe_rotor.graph</a:t>
-                      </a:r>
-                      <a:endParaRPr lang="en-US" sz="1800" b="0" i="0" u="none" strike="noStrike" dirty="0">
-                        <a:solidFill>
-                          <a:schemeClr val="bg1"/>
-                        </a:solidFill>
-                        <a:effectLst/>
-                        <a:latin typeface="Calibri" panose="020F0502020204030204" pitchFamily="34" charset="0"/>
-                      </a:endParaRPr>
-                    </a:p>
-                  </a:txBody>
-                  <a:tcPr marL="9525" marR="9525" marT="9525" marB="0" anchor="ctr"/>
-                </a:tc>
-                <a:tc>
-                  <a:txBody>
-                    <a:bodyPr/>
-                    <a:lstStyle/>
-                    <a:p>
-                      <a:pPr algn="ctr" fontAlgn="b"/>
-                      <a:r>
-                        <a:rPr lang="ru-RU" sz="1800" b="0" i="0" u="none" strike="noStrike" dirty="0">
-                          <a:solidFill>
-                            <a:srgbClr val="000000"/>
-                          </a:solidFill>
-                          <a:effectLst/>
-                          <a:latin typeface="Calibri" panose="020F0502020204030204" pitchFamily="34" charset="0"/>
-                        </a:rPr>
-                        <a:t>99617</a:t>
-                      </a:r>
-                    </a:p>
-                  </a:txBody>
-                  <a:tcPr marL="9525" marR="9525" marT="9525" marB="0" anchor="ctr"/>
-                </a:tc>
-                <a:tc>
-                  <a:txBody>
-                    <a:bodyPr/>
-                    <a:lstStyle/>
-                    <a:p>
-                      <a:pPr algn="ctr" fontAlgn="b"/>
-                      <a:r>
-                        <a:rPr lang="ru-RU" sz="1800" b="0" i="0" u="none" strike="noStrike" dirty="0">
-                          <a:solidFill>
-                            <a:srgbClr val="000000"/>
-                          </a:solidFill>
-                          <a:effectLst/>
-                          <a:latin typeface="Calibri" panose="020F0502020204030204" pitchFamily="34" charset="0"/>
-                        </a:rPr>
-                        <a:t>662431</a:t>
-                      </a:r>
-                    </a:p>
-                  </a:txBody>
-                  <a:tcPr marL="9525" marR="9525" marT="9525" marB="0" anchor="ctr"/>
-                </a:tc>
-                <a:tc>
-                  <a:txBody>
-                    <a:bodyPr/>
-                    <a:lstStyle/>
-                    <a:p>
-                      <a:pPr algn="ctr" fontAlgn="b"/>
-                      <a:r>
-                        <a:rPr lang="ru-RU" sz="1800" b="0" i="0" u="none" strike="noStrike" dirty="0">
-                          <a:solidFill>
-                            <a:srgbClr val="000000"/>
-                          </a:solidFill>
-                          <a:effectLst/>
-                          <a:latin typeface="Calibri" panose="020F0502020204030204" pitchFamily="34" charset="0"/>
-                        </a:rPr>
-                        <a:t>ЛОЖЬ</a:t>
-                      </a:r>
-                    </a:p>
-                  </a:txBody>
-                  <a:tcPr marL="9525" marR="9525" marT="9525" marB="0" anchor="ctr">
-                    <a:solidFill>
-                      <a:srgbClr val="FF0000"/>
-                    </a:solidFill>
-                  </a:tcPr>
-                </a:tc>
-                <a:tc>
-                  <a:txBody>
-                    <a:bodyPr/>
-                    <a:lstStyle/>
-                    <a:p>
-                      <a:pPr algn="ctr" fontAlgn="b"/>
-                      <a:r>
-                        <a:rPr kumimoji="0" lang="ru-RU" sz="1800" b="0" i="0" u="none" strike="noStrike" kern="1200" cap="none" spc="0" normalizeH="0" baseline="0" noProof="0" dirty="0" smtClean="0">
-                          <a:ln>
-                            <a:noFill/>
-                          </a:ln>
-                          <a:solidFill>
-                            <a:srgbClr val="000000"/>
-                          </a:solidFill>
-                          <a:effectLst/>
-                          <a:uLnTx/>
-                          <a:uFillTx/>
-                          <a:latin typeface="Calibri" panose="020F0502020204030204" pitchFamily="34" charset="0"/>
-                          <a:ea typeface="+mn-ea"/>
-                          <a:cs typeface="+mn-cs"/>
-                        </a:rPr>
-                        <a:t>ЛОЖЬ</a:t>
-                      </a:r>
-                      <a:endParaRPr lang="ru-RU" sz="1800" b="0" i="0" u="none" strike="noStrike" dirty="0">
-                        <a:solidFill>
-                          <a:srgbClr val="000000"/>
-                        </a:solidFill>
-                        <a:effectLst/>
-                        <a:latin typeface="Calibri" panose="020F0502020204030204" pitchFamily="34" charset="0"/>
-                      </a:endParaRPr>
-                    </a:p>
-                  </a:txBody>
-                  <a:tcPr marL="9525" marR="9525" marT="9525" marB="0" anchor="ctr">
-                    <a:solidFill>
-                      <a:srgbClr val="FF0000"/>
-                    </a:solidFill>
-                  </a:tcPr>
-                </a:tc>
-                <a:tc>
-                  <a:txBody>
-                    <a:bodyPr/>
-                    <a:lstStyle/>
-                    <a:p>
-                      <a:pPr algn="ctr" fontAlgn="b"/>
-                      <a:r>
-                        <a:rPr lang="ru-RU" sz="1800" b="0" i="0" u="none" strike="noStrike" dirty="0">
-                          <a:solidFill>
-                            <a:srgbClr val="000000"/>
-                          </a:solidFill>
-                          <a:effectLst/>
-                          <a:latin typeface="Calibri" panose="020F0502020204030204" pitchFamily="34" charset="0"/>
-                        </a:rPr>
-                        <a:t>57</a:t>
-                      </a:r>
-                    </a:p>
-                  </a:txBody>
-                  <a:tcPr marL="9525" marR="9525" marT="9525" marB="0" anchor="ctr"/>
-                </a:tc>
-                <a:extLst>
-                  <a:ext uri="{0D108BD9-81ED-4DB2-BD59-A6C34878D82A}">
-                    <a16:rowId xmlns:a16="http://schemas.microsoft.com/office/drawing/2014/main" xmlns="" val="10017"/>
-                  </a:ext>
-                </a:extLst>
-              </a:tr>
-              <a:tr h="566862">
-                <a:tc>
-                  <a:txBody>
-                    <a:bodyPr/>
-                    <a:lstStyle/>
-                    <a:p>
-                      <a:pPr algn="ctr" fontAlgn="b"/>
-                      <a:r>
-                        <a:rPr lang="en-US" sz="1800" b="0" i="0" u="none" strike="noStrike" dirty="0" err="1">
-                          <a:solidFill>
-                            <a:schemeClr val="bg1"/>
-                          </a:solidFill>
-                          <a:effectLst/>
-                          <a:latin typeface="Calibri" panose="020F0502020204030204" pitchFamily="34" charset="0"/>
-                        </a:rPr>
-                        <a:t>fe_tooth.graph</a:t>
-                      </a:r>
-                      <a:endParaRPr lang="en-US" sz="1800" b="0" i="0" u="none" strike="noStrike" dirty="0">
-                        <a:solidFill>
-                          <a:schemeClr val="bg1"/>
-                        </a:solidFill>
-                        <a:effectLst/>
-                        <a:latin typeface="Calibri" panose="020F0502020204030204" pitchFamily="34" charset="0"/>
-                      </a:endParaRPr>
-                    </a:p>
-                  </a:txBody>
-                  <a:tcPr marL="9525" marR="9525" marT="9525" marB="0" anchor="ctr"/>
-                </a:tc>
-                <a:tc>
-                  <a:txBody>
-                    <a:bodyPr/>
-                    <a:lstStyle/>
-                    <a:p>
-                      <a:pPr algn="ctr" fontAlgn="b"/>
-                      <a:r>
-                        <a:rPr lang="ru-RU" sz="1800" b="0" i="0" u="none" strike="noStrike">
-                          <a:solidFill>
-                            <a:srgbClr val="000000"/>
-                          </a:solidFill>
-                          <a:effectLst/>
-                          <a:latin typeface="Calibri" panose="020F0502020204030204" pitchFamily="34" charset="0"/>
-                        </a:rPr>
-                        <a:t>78136</a:t>
-                      </a:r>
-                    </a:p>
-                  </a:txBody>
-                  <a:tcPr marL="9525" marR="9525" marT="9525" marB="0" anchor="ctr"/>
-                </a:tc>
-                <a:tc>
-                  <a:txBody>
-                    <a:bodyPr/>
-                    <a:lstStyle/>
-                    <a:p>
-                      <a:pPr algn="ctr" fontAlgn="b"/>
-                      <a:r>
-                        <a:rPr lang="ru-RU" sz="1800" b="0" i="0" u="none" strike="noStrike" dirty="0">
-                          <a:solidFill>
-                            <a:srgbClr val="000000"/>
-                          </a:solidFill>
-                          <a:effectLst/>
-                          <a:latin typeface="Calibri" panose="020F0502020204030204" pitchFamily="34" charset="0"/>
-                        </a:rPr>
-                        <a:t>452591</a:t>
-                      </a:r>
-                    </a:p>
-                  </a:txBody>
-                  <a:tcPr marL="9525" marR="9525" marT="9525" marB="0" anchor="ctr"/>
-                </a:tc>
-                <a:tc>
-                  <a:txBody>
-                    <a:bodyPr/>
-                    <a:lstStyle/>
-                    <a:p>
-                      <a:pPr algn="ctr" fontAlgn="b"/>
-                      <a:r>
-                        <a:rPr lang="ru-RU" sz="1800" b="0" i="0" u="none" strike="noStrike" dirty="0">
-                          <a:solidFill>
-                            <a:srgbClr val="000000"/>
-                          </a:solidFill>
-                          <a:effectLst/>
-                          <a:latin typeface="Calibri" panose="020F0502020204030204" pitchFamily="34" charset="0"/>
-                        </a:rPr>
-                        <a:t>ЛОЖЬ</a:t>
-                      </a:r>
-                    </a:p>
-                  </a:txBody>
-                  <a:tcPr marL="9525" marR="9525" marT="9525" marB="0" anchor="ctr">
-                    <a:solidFill>
-                      <a:srgbClr val="FF0000"/>
-                    </a:solidFill>
-                  </a:tcPr>
-                </a:tc>
-                <a:tc>
-                  <a:txBody>
-                    <a:bodyPr/>
-                    <a:lstStyle/>
-                    <a:p>
-                      <a:pPr algn="ctr" fontAlgn="b"/>
-                      <a:r>
-                        <a:rPr kumimoji="0" lang="ru-RU" sz="1800" b="0" i="0" u="none" strike="noStrike" kern="1200" cap="none" spc="0" normalizeH="0" baseline="0" noProof="0" dirty="0" smtClean="0">
-                          <a:ln>
-                            <a:noFill/>
-                          </a:ln>
-                          <a:solidFill>
-                            <a:srgbClr val="000000"/>
-                          </a:solidFill>
-                          <a:effectLst/>
-                          <a:uLnTx/>
-                          <a:uFillTx/>
-                          <a:latin typeface="Calibri" panose="020F0502020204030204" pitchFamily="34" charset="0"/>
-                          <a:ea typeface="+mn-ea"/>
-                          <a:cs typeface="+mn-cs"/>
-                        </a:rPr>
-                        <a:t>ЛОЖЬ</a:t>
-                      </a:r>
-                      <a:endParaRPr lang="ru-RU" sz="1800" b="0" i="0" u="none" strike="noStrike" dirty="0">
-                        <a:solidFill>
-                          <a:srgbClr val="000000"/>
-                        </a:solidFill>
-                        <a:effectLst/>
-                        <a:latin typeface="Calibri" panose="020F0502020204030204" pitchFamily="34" charset="0"/>
-                      </a:endParaRPr>
-                    </a:p>
-                  </a:txBody>
-                  <a:tcPr marL="9525" marR="9525" marT="9525" marB="0" anchor="ctr">
-                    <a:solidFill>
-                      <a:srgbClr val="FF0000"/>
-                    </a:solidFill>
-                  </a:tcPr>
-                </a:tc>
-                <a:tc>
-                  <a:txBody>
-                    <a:bodyPr/>
-                    <a:lstStyle/>
-                    <a:p>
-                      <a:pPr algn="ctr" fontAlgn="b"/>
-                      <a:r>
-                        <a:rPr lang="ru-RU" sz="1800" b="0" i="0" u="none" strike="noStrike" dirty="0">
-                          <a:solidFill>
-                            <a:srgbClr val="000000"/>
-                          </a:solidFill>
-                          <a:effectLst/>
-                          <a:latin typeface="Calibri" panose="020F0502020204030204" pitchFamily="34" charset="0"/>
-                        </a:rPr>
-                        <a:t>46</a:t>
-                      </a:r>
-                    </a:p>
-                  </a:txBody>
-                  <a:tcPr marL="9525" marR="9525" marT="9525" marB="0" anchor="ctr"/>
-                </a:tc>
-                <a:extLst>
-                  <a:ext uri="{0D108BD9-81ED-4DB2-BD59-A6C34878D82A}">
-                    <a16:rowId xmlns:a16="http://schemas.microsoft.com/office/drawing/2014/main" xmlns="" val="10018"/>
-                  </a:ext>
-                </a:extLst>
-              </a:tr>
-              <a:tr h="566862">
-                <a:tc>
-                  <a:txBody>
-                    <a:bodyPr/>
-                    <a:lstStyle/>
-                    <a:p>
-                      <a:pPr algn="ctr" fontAlgn="b"/>
-                      <a:r>
-                        <a:rPr lang="en-US" sz="1800" b="0" i="0" u="none" strike="noStrike" dirty="0" err="1">
-                          <a:solidFill>
-                            <a:schemeClr val="bg1"/>
-                          </a:solidFill>
-                          <a:effectLst/>
-                          <a:latin typeface="Calibri" panose="020F0502020204030204" pitchFamily="34" charset="0"/>
-                        </a:rPr>
-                        <a:t>mdual.graph</a:t>
-                      </a:r>
-                      <a:endParaRPr lang="en-US" sz="1800" b="0" i="0" u="none" strike="noStrike" dirty="0">
-                        <a:solidFill>
-                          <a:schemeClr val="bg1"/>
-                        </a:solidFill>
-                        <a:effectLst/>
-                        <a:latin typeface="Calibri" panose="020F0502020204030204" pitchFamily="34" charset="0"/>
-                      </a:endParaRPr>
-                    </a:p>
-                  </a:txBody>
-                  <a:tcPr marL="9525" marR="9525" marT="9525" marB="0" anchor="ctr"/>
-                </a:tc>
-                <a:tc>
-                  <a:txBody>
-                    <a:bodyPr/>
-                    <a:lstStyle/>
-                    <a:p>
-                      <a:pPr algn="ctr" fontAlgn="b"/>
-                      <a:r>
-                        <a:rPr lang="ru-RU" sz="1800" b="0" i="0" u="none" strike="noStrike">
-                          <a:solidFill>
-                            <a:srgbClr val="000000"/>
-                          </a:solidFill>
-                          <a:effectLst/>
-                          <a:latin typeface="Calibri" panose="020F0502020204030204" pitchFamily="34" charset="0"/>
-                        </a:rPr>
-                        <a:t>258569</a:t>
-                      </a:r>
-                    </a:p>
-                  </a:txBody>
-                  <a:tcPr marL="9525" marR="9525" marT="9525" marB="0" anchor="ctr"/>
-                </a:tc>
-                <a:tc>
-                  <a:txBody>
-                    <a:bodyPr/>
-                    <a:lstStyle/>
-                    <a:p>
-                      <a:pPr algn="ctr" fontAlgn="b"/>
-                      <a:r>
-                        <a:rPr lang="ru-RU" sz="1800" b="0" i="0" u="none" strike="noStrike" dirty="0">
-                          <a:solidFill>
-                            <a:srgbClr val="000000"/>
-                          </a:solidFill>
-                          <a:effectLst/>
-                          <a:latin typeface="Calibri" panose="020F0502020204030204" pitchFamily="34" charset="0"/>
-                        </a:rPr>
-                        <a:t>513132</a:t>
-                      </a:r>
-                    </a:p>
-                  </a:txBody>
-                  <a:tcPr marL="9525" marR="9525" marT="9525" marB="0" anchor="ctr"/>
-                </a:tc>
-                <a:tc>
-                  <a:txBody>
-                    <a:bodyPr/>
-                    <a:lstStyle/>
-                    <a:p>
-                      <a:pPr algn="ctr" fontAlgn="b"/>
-                      <a:r>
-                        <a:rPr lang="ru-RU" sz="1800" b="0" i="0" u="none" strike="noStrike" dirty="0">
-                          <a:solidFill>
-                            <a:srgbClr val="000000"/>
-                          </a:solidFill>
-                          <a:effectLst/>
-                          <a:latin typeface="Calibri" panose="020F0502020204030204" pitchFamily="34" charset="0"/>
-                        </a:rPr>
-                        <a:t>ИСТИНА</a:t>
-                      </a:r>
-                    </a:p>
-                  </a:txBody>
-                  <a:tcPr marL="9525" marR="9525" marT="9525" marB="0" anchor="ctr">
-                    <a:solidFill>
-                      <a:schemeClr val="accent6"/>
-                    </a:solidFill>
-                  </a:tcPr>
-                </a:tc>
-                <a:tc>
-                  <a:txBody>
-                    <a:bodyPr/>
-                    <a:lstStyle/>
-                    <a:p>
-                      <a:pPr algn="ctr" fontAlgn="b"/>
-                      <a:r>
-                        <a:rPr kumimoji="0" lang="ru-RU" sz="1800" b="0" i="0" u="none" strike="noStrike" kern="1200" cap="none" spc="0" normalizeH="0" baseline="0" noProof="0" dirty="0" smtClean="0">
-                          <a:ln>
-                            <a:noFill/>
-                          </a:ln>
-                          <a:solidFill>
-                            <a:srgbClr val="000000"/>
-                          </a:solidFill>
-                          <a:effectLst/>
-                          <a:uLnTx/>
-                          <a:uFillTx/>
-                          <a:latin typeface="Calibri" panose="020F0502020204030204" pitchFamily="34" charset="0"/>
-                          <a:ea typeface="+mn-ea"/>
-                          <a:cs typeface="+mn-cs"/>
-                        </a:rPr>
-                        <a:t>ЛОЖЬ</a:t>
-                      </a:r>
-                      <a:endParaRPr lang="ru-RU" sz="1800" b="0" i="0" u="none" strike="noStrike" dirty="0">
-                        <a:solidFill>
-                          <a:srgbClr val="000000"/>
-                        </a:solidFill>
-                        <a:effectLst/>
-                        <a:latin typeface="Calibri" panose="020F0502020204030204" pitchFamily="34" charset="0"/>
-                      </a:endParaRPr>
-                    </a:p>
-                  </a:txBody>
-                  <a:tcPr marL="9525" marR="9525" marT="9525" marB="0" anchor="ctr">
-                    <a:solidFill>
-                      <a:srgbClr val="FF0000"/>
-                    </a:solidFill>
-                  </a:tcPr>
-                </a:tc>
-                <a:tc>
-                  <a:txBody>
-                    <a:bodyPr/>
-                    <a:lstStyle/>
-                    <a:p>
-                      <a:pPr algn="ctr" fontAlgn="b"/>
-                      <a:r>
-                        <a:rPr lang="ru-RU" sz="1800" b="0" i="0" u="none" strike="noStrike" dirty="0">
-                          <a:solidFill>
-                            <a:srgbClr val="000000"/>
-                          </a:solidFill>
-                          <a:effectLst/>
-                          <a:latin typeface="Calibri" panose="020F0502020204030204" pitchFamily="34" charset="0"/>
-                        </a:rPr>
-                        <a:t>11570</a:t>
-                      </a:r>
-                    </a:p>
-                  </a:txBody>
-                  <a:tcPr marL="9525" marR="9525" marT="9525" marB="0" anchor="ctr"/>
-                </a:tc>
-                <a:extLst>
-                  <a:ext uri="{0D108BD9-81ED-4DB2-BD59-A6C34878D82A}">
-                    <a16:rowId xmlns:a16="http://schemas.microsoft.com/office/drawing/2014/main" xmlns="" val="3975127968"/>
+                    <a16:rowId xmlns:a16="http://schemas.microsoft.com/office/drawing/2014/main" val="3975127968"/>
                   </a:ext>
                 </a:extLst>
               </a:tr>
@@ -25566,7 +23814,7 @@
           <a:p>
             <a:pPr algn="ctr"/>
             <a:r>
-              <a:rPr lang="ru-RU" dirty="0" smtClean="0">
+              <a:rPr lang="ru-RU" dirty="0">
                 <a:solidFill>
                   <a:schemeClr val="accent1">
                     <a:lumMod val="50000"/>
@@ -25575,13 +23823,6 @@
               </a:rPr>
               <a:t>Результаты тестов производительности</a:t>
             </a:r>
-            <a:endParaRPr lang="ru-RU" dirty="0">
-              <a:solidFill>
-                <a:schemeClr val="accent1">
-                  <a:lumMod val="50000"/>
-                </a:schemeClr>
-              </a:solidFill>
-            </a:endParaRPr>
           </a:p>
         </p:txBody>
       </p:sp>
@@ -25618,21 +23859,6 @@
   <p:clrMapOvr>
     <a:masterClrMapping/>
   </p:clrMapOvr>
-  <mc:AlternateContent xmlns:mc="http://schemas.openxmlformats.org/markup-compatibility/2006" xmlns:p14="http://schemas.microsoft.com/office/powerpoint/2010/main">
-    <mc:Choice Requires="p14">
-      <p:transition p14:dur="0"/>
-    </mc:Choice>
-    <mc:Fallback xmlns="">
-      <p:transition/>
-    </mc:Fallback>
-  </mc:AlternateContent>
-  <p:timing>
-    <p:tnLst>
-      <p:par>
-        <p:cTn id="1" dur="indefinite" restart="never" nodeType="tmRoot"/>
-      </p:par>
-    </p:tnLst>
-  </p:timing>
 </p:sld>
 </file>
 
@@ -25702,23 +23928,7 @@
             </a:r>
             <a:r>
               <a:rPr lang="ru-RU" sz="2800" dirty="0"/>
-              <a:t> 4.6 (и </a:t>
-            </a:r>
-            <a:r>
-              <a:rPr lang="ru-RU" sz="2800" dirty="0" smtClean="0"/>
-              <a:t>младше),ОС </a:t>
-            </a:r>
-            <a:r>
-              <a:rPr lang="ru-RU" sz="2800" dirty="0"/>
-              <a:t>Windows </a:t>
-            </a:r>
-            <a:r>
-              <a:rPr lang="ru-RU" sz="2800" dirty="0" smtClean="0"/>
-              <a:t>10 </a:t>
-            </a:r>
-            <a:r>
-              <a:rPr lang="ru-RU" sz="2800" dirty="0"/>
-              <a:t>­</a:t>
+              <a:t> 4.6 (и младше),ОС Windows 10 ­</a:t>
             </a:r>
           </a:p>
         </p:txBody>
@@ -25745,7 +23955,7 @@
           <a:lstStyle/>
           <a:p>
             <a:r>
-              <a:rPr lang="ru-RU" sz="2800" dirty="0" smtClean="0">
+              <a:rPr lang="ru-RU" sz="2800" dirty="0">
                 <a:solidFill>
                   <a:schemeClr val="accent1">
                     <a:lumMod val="50000"/>
@@ -25755,37 +23965,28 @@
               <a:t>Библиотека</a:t>
             </a:r>
             <a:r>
-              <a:rPr lang="ru-RU" sz="2800" dirty="0" smtClean="0"/>
+              <a:rPr lang="ru-RU" sz="2800" dirty="0"/>
               <a:t>: Библиотека «</a:t>
             </a:r>
             <a:r>
-              <a:rPr lang="ru-RU" sz="2800" dirty="0" err="1" smtClean="0"/>
+              <a:rPr lang="ru-RU" sz="2800" dirty="0" err="1"/>
               <a:t>MeshRecovery_Lib</a:t>
             </a:r>
             <a:r>
-              <a:rPr lang="ru-RU" sz="2800" dirty="0" smtClean="0"/>
+              <a:rPr lang="ru-RU" sz="2800" dirty="0"/>
               <a:t>» написана на языке </a:t>
             </a:r>
             <a:r>
-              <a:rPr lang="en-US" sz="2800" dirty="0" smtClean="0"/>
+              <a:rPr lang="en-US" sz="2800" dirty="0"/>
               <a:t>C#,</a:t>
             </a:r>
             <a:r>
-              <a:rPr lang="ru-RU" sz="2800" dirty="0" smtClean="0"/>
-              <a:t> включает </a:t>
-            </a:r>
-            <a:r>
               <a:rPr lang="ru-RU" sz="2800" dirty="0"/>
-              <a:t>в себя </a:t>
-            </a:r>
-            <a:r>
-              <a:rPr lang="ru-RU" sz="2800" dirty="0" smtClean="0"/>
-              <a:t>функции:</a:t>
-            </a:r>
+              <a:t> включает в себя функции:</a:t>
+            </a:r>
+          </a:p>
+          <a:p>
             <a:endParaRPr lang="ru-RU" sz="2800" dirty="0"/>
-          </a:p>
-          <a:p>
-            <a:endParaRPr lang="ru-RU" sz="2800" dirty="0" smtClean="0"/>
           </a:p>
           <a:p>
             <a:pPr marL="457200" indent="-457200">
@@ -25793,30 +23994,13 @@
               <a:buChar char="•"/>
             </a:pPr>
             <a:r>
-              <a:rPr lang="ru-RU" sz="2800" i="1" dirty="0" smtClean="0"/>
+              <a:rPr lang="ru-RU" sz="2800" i="1" dirty="0"/>
               <a:t>Validate</a:t>
             </a:r>
             <a:r>
-              <a:rPr lang="ru-RU" sz="2800" dirty="0" smtClean="0"/>
-              <a:t>: Функция </a:t>
-            </a:r>
-            <a:r>
               <a:rPr lang="ru-RU" sz="2800" dirty="0"/>
-              <a:t>быстрой </a:t>
-            </a:r>
-            <a:r>
-              <a:rPr lang="ru-RU" sz="2800" dirty="0" smtClean="0"/>
-              <a:t>проверки графа на необходимые условия регулярности (на </a:t>
-            </a:r>
-            <a:r>
-              <a:rPr lang="ru-RU" sz="2800" dirty="0"/>
-              <a:t>〖10〗^6 должна выполняться не более 5 секунд</a:t>
-            </a:r>
-            <a:r>
-              <a:rPr lang="ru-RU" sz="2800" dirty="0" smtClean="0"/>
-              <a:t>)</a:t>
-            </a:r>
-            <a:endParaRPr lang="ru-RU" sz="2800" dirty="0" smtClean="0"/>
+              <a:t>: Функция быстрой проверки графа на необходимые условия регулярности (на 〖10〗^6 должна выполняться не более 5 секунд)</a:t>
+            </a:r>
           </a:p>
           <a:p>
             <a:endParaRPr lang="ru-RU" sz="2800" dirty="0"/>
@@ -25827,18 +24011,13 @@
               <a:buChar char="•"/>
             </a:pPr>
             <a:r>
-              <a:rPr lang="ru-RU" sz="2800" i="1" dirty="0" smtClean="0"/>
+              <a:rPr lang="ru-RU" sz="2800" i="1" dirty="0"/>
               <a:t>Numerate</a:t>
             </a:r>
             <a:r>
               <a:rPr lang="ru-RU" sz="2800" dirty="0"/>
-              <a:t>: Функция восстановления регулярной нумерации (при регулярности графа) (на 〖10〗^6 должна выполняться не более 5 минут</a:t>
-            </a:r>
-            <a:r>
-              <a:rPr lang="ru-RU" sz="2800" dirty="0" smtClean="0"/>
-              <a:t>)</a:t>
-            </a:r>
-            <a:endParaRPr lang="ru-RU" sz="2800" dirty="0"/>
+              <a:t>: Функция восстановления регулярной нумерации (при регулярности графа) (на 〖10〗^6 должна выполняться не более 5 минут)</a:t>
+            </a:r>
           </a:p>
           <a:p>
             <a:endParaRPr lang="ru-RU" sz="2800" dirty="0"/>
@@ -25911,7 +24090,7 @@
           <a:p>
             <a:pPr algn="ctr"/>
             <a:r>
-              <a:rPr lang="ru-RU" dirty="0" smtClean="0">
+              <a:rPr lang="ru-RU" dirty="0">
                 <a:solidFill>
                   <a:schemeClr val="accent1">
                     <a:lumMod val="50000"/>
@@ -25920,13 +24099,6 @@
               </a:rPr>
               <a:t>Характеристики приложения</a:t>
             </a:r>
-            <a:endParaRPr lang="ru-RU" dirty="0">
-              <a:solidFill>
-                <a:schemeClr val="accent1">
-                  <a:lumMod val="50000"/>
-                </a:schemeClr>
-              </a:solidFill>
-            </a:endParaRPr>
           </a:p>
         </p:txBody>
       </p:sp>
@@ -25940,25 +24112,474 @@
   <p:clrMapOvr>
     <a:masterClrMapping/>
   </p:clrMapOvr>
-  <mc:AlternateContent xmlns:mc="http://schemas.openxmlformats.org/markup-compatibility/2006" xmlns:p14="http://schemas.microsoft.com/office/powerpoint/2010/main">
-    <mc:Choice Requires="p14">
-      <p:transition p14:dur="0"/>
-    </mc:Choice>
-    <mc:Fallback xmlns="">
-      <p:transition/>
-    </mc:Fallback>
-  </mc:AlternateContent>
-  <p:timing>
-    <p:tnLst>
-      <p:par>
-        <p:cTn id="1" dur="indefinite" restart="never" nodeType="tmRoot"/>
-      </p:par>
-    </p:tnLst>
-  </p:timing>
 </p:sld>
 </file>
 
 <file path=ppt/slides/slide47.xml><?xml version="1.0" encoding="utf-8"?>
+<p:sld xmlns:a="http://schemas.openxmlformats.org/drawingml/2006/main" xmlns:r="http://schemas.openxmlformats.org/officeDocument/2006/relationships" xmlns:p="http://schemas.openxmlformats.org/presentationml/2006/main">
+  <p:cSld>
+    <p:spTree>
+      <p:nvGrpSpPr>
+        <p:cNvPr id="1" name=""/>
+        <p:cNvGrpSpPr/>
+        <p:nvPr/>
+      </p:nvGrpSpPr>
+      <p:grpSpPr>
+        <a:xfrm>
+          <a:off x="0" y="0"/>
+          <a:ext cx="0" cy="0"/>
+          <a:chOff x="0" y="0"/>
+          <a:chExt cx="0" cy="0"/>
+        </a:xfrm>
+      </p:grpSpPr>
+      <p:sp>
+        <p:nvSpPr>
+          <p:cNvPr id="2" name="Slide Number Placeholder 1">
+            <a:extLst>
+              <a:ext uri="{FF2B5EF4-FFF2-40B4-BE49-F238E27FC236}">
+                <a16:creationId xmlns:a16="http://schemas.microsoft.com/office/drawing/2014/main" id="{40482550-BC91-44EE-BD8E-5D85817068D5}"/>
+              </a:ext>
+            </a:extLst>
+          </p:cNvPr>
+          <p:cNvSpPr>
+            <a:spLocks noGrp="1"/>
+          </p:cNvSpPr>
+          <p:nvPr>
+            <p:ph type="sldNum" sz="quarter" idx="12"/>
+          </p:nvPr>
+        </p:nvSpPr>
+        <p:spPr/>
+        <p:txBody>
+          <a:bodyPr/>
+          <a:lstStyle/>
+          <a:p>
+            <a:fld id="{71FAE75F-E4A2-4DA6-8D8E-DEA36A488C21}" type="slidenum">
+              <a:rPr lang="ru-RU" smtClean="0"/>
+              <a:t>47</a:t>
+            </a:fld>
+            <a:endParaRPr lang="ru-RU"/>
+          </a:p>
+        </p:txBody>
+      </p:sp>
+      <p:sp>
+        <p:nvSpPr>
+          <p:cNvPr id="5" name="Заголовок 1">
+            <a:extLst>
+              <a:ext uri="{FF2B5EF4-FFF2-40B4-BE49-F238E27FC236}">
+                <a16:creationId xmlns:a16="http://schemas.microsoft.com/office/drawing/2014/main" id="{08AFF44A-9A6A-4D99-B676-8EEC01B3E375}"/>
+              </a:ext>
+            </a:extLst>
+          </p:cNvPr>
+          <p:cNvSpPr txBox="1">
+            <a:spLocks/>
+          </p:cNvSpPr>
+          <p:nvPr/>
+        </p:nvSpPr>
+        <p:spPr>
+          <a:xfrm>
+            <a:off x="0" y="157720"/>
+            <a:ext cx="12192000" cy="1046240"/>
+          </a:xfrm>
+          <a:prstGeom prst="rect">
+            <a:avLst/>
+          </a:prstGeom>
+        </p:spPr>
+        <p:txBody>
+          <a:bodyPr vert="horz" lIns="91440" tIns="45720" rIns="91440" bIns="45720" rtlCol="0" anchor="ctr">
+            <a:noAutofit/>
+          </a:bodyPr>
+          <a:lstStyle>
+            <a:lvl1pPr algn="l" defTabSz="914400" rtl="0" eaLnBrk="1" latinLnBrk="0" hangingPunct="1">
+              <a:lnSpc>
+                <a:spcPct val="90000"/>
+              </a:lnSpc>
+              <a:spcBef>
+                <a:spcPct val="0"/>
+              </a:spcBef>
+              <a:buNone/>
+              <a:defRPr sz="4400" kern="1200">
+                <a:solidFill>
+                  <a:schemeClr val="tx1"/>
+                </a:solidFill>
+                <a:latin typeface="+mj-lt"/>
+                <a:ea typeface="+mj-ea"/>
+                <a:cs typeface="+mj-cs"/>
+              </a:defRPr>
+            </a:lvl1pPr>
+          </a:lstStyle>
+          <a:p>
+            <a:pPr algn="ctr"/>
+            <a:r>
+              <a:rPr lang="ru-RU" dirty="0">
+                <a:solidFill>
+                  <a:schemeClr val="accent1">
+                    <a:lumMod val="50000"/>
+                  </a:schemeClr>
+                </a:solidFill>
+              </a:rPr>
+              <a:t>Метрики кода</a:t>
+            </a:r>
+          </a:p>
+        </p:txBody>
+      </p:sp>
+      <p:sp>
+        <p:nvSpPr>
+          <p:cNvPr id="6" name="Rectangle 5">
+            <a:extLst>
+              <a:ext uri="{FF2B5EF4-FFF2-40B4-BE49-F238E27FC236}">
+                <a16:creationId xmlns:a16="http://schemas.microsoft.com/office/drawing/2014/main" id="{D9B4E9DC-6BAE-4897-B3FA-3967E0072DB1}"/>
+              </a:ext>
+            </a:extLst>
+          </p:cNvPr>
+          <p:cNvSpPr/>
+          <p:nvPr/>
+        </p:nvSpPr>
+        <p:spPr>
+          <a:xfrm>
+            <a:off x="963571" y="1534806"/>
+            <a:ext cx="4052456" cy="2976328"/>
+          </a:xfrm>
+          <a:prstGeom prst="rect">
+            <a:avLst/>
+          </a:prstGeom>
+        </p:spPr>
+        <p:txBody>
+          <a:bodyPr wrap="none">
+            <a:spAutoFit/>
+          </a:bodyPr>
+          <a:lstStyle/>
+          <a:p>
+            <a:pPr>
+              <a:lnSpc>
+                <a:spcPct val="107000"/>
+              </a:lnSpc>
+              <a:spcAft>
+                <a:spcPts val="800"/>
+              </a:spcAft>
+            </a:pPr>
+            <a:r>
+              <a:rPr lang="en-US" sz="2400" dirty="0" err="1">
+                <a:solidFill>
+                  <a:schemeClr val="accent1">
+                    <a:lumMod val="50000"/>
+                  </a:schemeClr>
+                </a:solidFill>
+                <a:latin typeface="Calibri" panose="020F0502020204030204" pitchFamily="34" charset="0"/>
+                <a:ea typeface="Calibri" panose="020F0502020204030204" pitchFamily="34" charset="0"/>
+                <a:cs typeface="Times New Roman" panose="02020603050405020304" pitchFamily="18" charset="0"/>
+              </a:rPr>
+              <a:t>MeshRecovery_Lib</a:t>
+            </a:r>
+            <a:r>
+              <a:rPr lang="en-US" sz="2400" dirty="0">
+                <a:solidFill>
+                  <a:schemeClr val="accent1">
+                    <a:lumMod val="50000"/>
+                  </a:schemeClr>
+                </a:solidFill>
+                <a:latin typeface="Calibri" panose="020F0502020204030204" pitchFamily="34" charset="0"/>
+                <a:ea typeface="Calibri" panose="020F0502020204030204" pitchFamily="34" charset="0"/>
+                <a:cs typeface="Times New Roman" panose="02020603050405020304" pitchFamily="18" charset="0"/>
+              </a:rPr>
+              <a:t>:</a:t>
+            </a:r>
+          </a:p>
+          <a:p>
+            <a:pPr marL="285750" indent="-285750">
+              <a:lnSpc>
+                <a:spcPct val="107000"/>
+              </a:lnSpc>
+              <a:spcAft>
+                <a:spcPts val="800"/>
+              </a:spcAft>
+              <a:buFont typeface="Arial" panose="020B0604020202020204" pitchFamily="34" charset="0"/>
+              <a:buChar char="•"/>
+            </a:pPr>
+            <a:r>
+              <a:rPr lang="en-US" sz="2400" dirty="0">
+                <a:latin typeface="Calibri" panose="020F0502020204030204" pitchFamily="34" charset="0"/>
+                <a:ea typeface="Calibri" panose="020F0502020204030204" pitchFamily="34" charset="0"/>
+                <a:cs typeface="Times New Roman" panose="02020603050405020304" pitchFamily="18" charset="0"/>
+              </a:rPr>
+              <a:t>Maintainability Index – 86</a:t>
+            </a:r>
+          </a:p>
+          <a:p>
+            <a:pPr marL="285750" indent="-285750">
+              <a:lnSpc>
+                <a:spcPct val="107000"/>
+              </a:lnSpc>
+              <a:spcAft>
+                <a:spcPts val="800"/>
+              </a:spcAft>
+              <a:buFont typeface="Arial" panose="020B0604020202020204" pitchFamily="34" charset="0"/>
+              <a:buChar char="•"/>
+            </a:pPr>
+            <a:r>
+              <a:rPr lang="en-US" sz="2400" dirty="0" err="1">
+                <a:latin typeface="Calibri" panose="020F0502020204030204" pitchFamily="34" charset="0"/>
+                <a:ea typeface="Calibri" panose="020F0502020204030204" pitchFamily="34" charset="0"/>
+                <a:cs typeface="Times New Roman" panose="02020603050405020304" pitchFamily="18" charset="0"/>
+              </a:rPr>
+              <a:t>Cyclomatic</a:t>
+            </a:r>
+            <a:r>
+              <a:rPr lang="en-US" sz="2400" dirty="0">
+                <a:latin typeface="Calibri" panose="020F0502020204030204" pitchFamily="34" charset="0"/>
+                <a:ea typeface="Calibri" panose="020F0502020204030204" pitchFamily="34" charset="0"/>
+                <a:cs typeface="Times New Roman" panose="02020603050405020304" pitchFamily="18" charset="0"/>
+              </a:rPr>
+              <a:t> Complexity – 295</a:t>
+            </a:r>
+          </a:p>
+          <a:p>
+            <a:pPr marL="285750" indent="-285750">
+              <a:lnSpc>
+                <a:spcPct val="107000"/>
+              </a:lnSpc>
+              <a:spcAft>
+                <a:spcPts val="800"/>
+              </a:spcAft>
+              <a:buFont typeface="Arial" panose="020B0604020202020204" pitchFamily="34" charset="0"/>
+              <a:buChar char="•"/>
+            </a:pPr>
+            <a:r>
+              <a:rPr lang="en-US" sz="2400" dirty="0">
+                <a:latin typeface="Calibri" panose="020F0502020204030204" pitchFamily="34" charset="0"/>
+                <a:ea typeface="Calibri" panose="020F0502020204030204" pitchFamily="34" charset="0"/>
+                <a:cs typeface="Times New Roman" panose="02020603050405020304" pitchFamily="18" charset="0"/>
+              </a:rPr>
+              <a:t>Depth of Inheritance – 2</a:t>
+            </a:r>
+          </a:p>
+          <a:p>
+            <a:pPr marL="285750" indent="-285750">
+              <a:lnSpc>
+                <a:spcPct val="107000"/>
+              </a:lnSpc>
+              <a:spcAft>
+                <a:spcPts val="800"/>
+              </a:spcAft>
+              <a:buFont typeface="Arial" panose="020B0604020202020204" pitchFamily="34" charset="0"/>
+              <a:buChar char="•"/>
+            </a:pPr>
+            <a:r>
+              <a:rPr lang="en-US" sz="2400" dirty="0">
+                <a:latin typeface="Calibri" panose="020F0502020204030204" pitchFamily="34" charset="0"/>
+                <a:ea typeface="Calibri" panose="020F0502020204030204" pitchFamily="34" charset="0"/>
+                <a:cs typeface="Times New Roman" panose="02020603050405020304" pitchFamily="18" charset="0"/>
+              </a:rPr>
+              <a:t>Class Coupling – 52</a:t>
+            </a:r>
+          </a:p>
+          <a:p>
+            <a:pPr marL="285750" indent="-285750">
+              <a:lnSpc>
+                <a:spcPct val="107000"/>
+              </a:lnSpc>
+              <a:spcAft>
+                <a:spcPts val="800"/>
+              </a:spcAft>
+              <a:buFont typeface="Arial" panose="020B0604020202020204" pitchFamily="34" charset="0"/>
+              <a:buChar char="•"/>
+            </a:pPr>
+            <a:r>
+              <a:rPr lang="en-US" sz="2400" dirty="0">
+                <a:latin typeface="Calibri" panose="020F0502020204030204" pitchFamily="34" charset="0"/>
+                <a:ea typeface="Calibri" panose="020F0502020204030204" pitchFamily="34" charset="0"/>
+                <a:cs typeface="Times New Roman" panose="02020603050405020304" pitchFamily="18" charset="0"/>
+              </a:rPr>
+              <a:t>Lines of Code – 626</a:t>
+            </a:r>
+          </a:p>
+        </p:txBody>
+      </p:sp>
+      <p:sp>
+        <p:nvSpPr>
+          <p:cNvPr id="7" name="Rectangle 6">
+            <a:extLst>
+              <a:ext uri="{FF2B5EF4-FFF2-40B4-BE49-F238E27FC236}">
+                <a16:creationId xmlns:a16="http://schemas.microsoft.com/office/drawing/2014/main" id="{EF58EC4D-5A59-4F1B-AEBC-599244732725}"/>
+              </a:ext>
+            </a:extLst>
+          </p:cNvPr>
+          <p:cNvSpPr/>
+          <p:nvPr/>
+        </p:nvSpPr>
+        <p:spPr>
+          <a:xfrm>
+            <a:off x="7456836" y="1533889"/>
+            <a:ext cx="3896964" cy="2976328"/>
+          </a:xfrm>
+          <a:prstGeom prst="rect">
+            <a:avLst/>
+          </a:prstGeom>
+        </p:spPr>
+        <p:txBody>
+          <a:bodyPr wrap="none">
+            <a:spAutoFit/>
+          </a:bodyPr>
+          <a:lstStyle/>
+          <a:p>
+            <a:pPr>
+              <a:lnSpc>
+                <a:spcPct val="107000"/>
+              </a:lnSpc>
+              <a:spcAft>
+                <a:spcPts val="800"/>
+              </a:spcAft>
+            </a:pPr>
+            <a:r>
+              <a:rPr lang="en-US" sz="2400" dirty="0" err="1">
+                <a:solidFill>
+                  <a:schemeClr val="accent1">
+                    <a:lumMod val="50000"/>
+                  </a:schemeClr>
+                </a:solidFill>
+                <a:latin typeface="Calibri" panose="020F0502020204030204" pitchFamily="34" charset="0"/>
+                <a:ea typeface="Calibri" panose="020F0502020204030204" pitchFamily="34" charset="0"/>
+                <a:cs typeface="Times New Roman" panose="02020603050405020304" pitchFamily="18" charset="0"/>
+              </a:rPr>
+              <a:t>MeshRecovery_Console</a:t>
+            </a:r>
+            <a:r>
+              <a:rPr lang="en-US" sz="2400" dirty="0">
+                <a:solidFill>
+                  <a:schemeClr val="accent1">
+                    <a:lumMod val="50000"/>
+                  </a:schemeClr>
+                </a:solidFill>
+                <a:latin typeface="Calibri" panose="020F0502020204030204" pitchFamily="34" charset="0"/>
+                <a:ea typeface="Calibri" panose="020F0502020204030204" pitchFamily="34" charset="0"/>
+                <a:cs typeface="Times New Roman" panose="02020603050405020304" pitchFamily="18" charset="0"/>
+              </a:rPr>
+              <a:t>:</a:t>
+            </a:r>
+          </a:p>
+          <a:p>
+            <a:pPr marL="285750" indent="-285750">
+              <a:lnSpc>
+                <a:spcPct val="107000"/>
+              </a:lnSpc>
+              <a:spcAft>
+                <a:spcPts val="800"/>
+              </a:spcAft>
+              <a:buFont typeface="Arial" panose="020B0604020202020204" pitchFamily="34" charset="0"/>
+              <a:buChar char="•"/>
+            </a:pPr>
+            <a:r>
+              <a:rPr lang="en-US" sz="2400" dirty="0">
+                <a:latin typeface="Calibri" panose="020F0502020204030204" pitchFamily="34" charset="0"/>
+                <a:ea typeface="Calibri" panose="020F0502020204030204" pitchFamily="34" charset="0"/>
+                <a:cs typeface="Times New Roman" panose="02020603050405020304" pitchFamily="18" charset="0"/>
+              </a:rPr>
+              <a:t>Maintainability Index – 74</a:t>
+            </a:r>
+          </a:p>
+          <a:p>
+            <a:pPr marL="285750" indent="-285750">
+              <a:lnSpc>
+                <a:spcPct val="107000"/>
+              </a:lnSpc>
+              <a:spcAft>
+                <a:spcPts val="800"/>
+              </a:spcAft>
+              <a:buFont typeface="Arial" panose="020B0604020202020204" pitchFamily="34" charset="0"/>
+              <a:buChar char="•"/>
+            </a:pPr>
+            <a:r>
+              <a:rPr lang="en-US" sz="2400" dirty="0" err="1">
+                <a:latin typeface="Calibri" panose="020F0502020204030204" pitchFamily="34" charset="0"/>
+                <a:ea typeface="Calibri" panose="020F0502020204030204" pitchFamily="34" charset="0"/>
+                <a:cs typeface="Times New Roman" panose="02020603050405020304" pitchFamily="18" charset="0"/>
+              </a:rPr>
+              <a:t>Cyclomatic</a:t>
+            </a:r>
+            <a:r>
+              <a:rPr lang="en-US" sz="2400" dirty="0">
+                <a:latin typeface="Calibri" panose="020F0502020204030204" pitchFamily="34" charset="0"/>
+                <a:ea typeface="Calibri" panose="020F0502020204030204" pitchFamily="34" charset="0"/>
+                <a:cs typeface="Times New Roman" panose="02020603050405020304" pitchFamily="18" charset="0"/>
+              </a:rPr>
+              <a:t> Complexity – 94</a:t>
+            </a:r>
+          </a:p>
+          <a:p>
+            <a:pPr marL="285750" indent="-285750">
+              <a:lnSpc>
+                <a:spcPct val="107000"/>
+              </a:lnSpc>
+              <a:spcAft>
+                <a:spcPts val="800"/>
+              </a:spcAft>
+              <a:buFont typeface="Arial" panose="020B0604020202020204" pitchFamily="34" charset="0"/>
+              <a:buChar char="•"/>
+            </a:pPr>
+            <a:r>
+              <a:rPr lang="en-US" sz="2400" dirty="0">
+                <a:latin typeface="Calibri" panose="020F0502020204030204" pitchFamily="34" charset="0"/>
+                <a:ea typeface="Calibri" panose="020F0502020204030204" pitchFamily="34" charset="0"/>
+                <a:cs typeface="Times New Roman" panose="02020603050405020304" pitchFamily="18" charset="0"/>
+              </a:rPr>
+              <a:t>Depth of Inheritance – 3</a:t>
+            </a:r>
+          </a:p>
+          <a:p>
+            <a:pPr marL="285750" indent="-285750">
+              <a:lnSpc>
+                <a:spcPct val="107000"/>
+              </a:lnSpc>
+              <a:spcAft>
+                <a:spcPts val="800"/>
+              </a:spcAft>
+              <a:buFont typeface="Arial" panose="020B0604020202020204" pitchFamily="34" charset="0"/>
+              <a:buChar char="•"/>
+            </a:pPr>
+            <a:r>
+              <a:rPr lang="en-US" sz="2400" dirty="0">
+                <a:latin typeface="Calibri" panose="020F0502020204030204" pitchFamily="34" charset="0"/>
+                <a:ea typeface="Calibri" panose="020F0502020204030204" pitchFamily="34" charset="0"/>
+                <a:cs typeface="Times New Roman" panose="02020603050405020304" pitchFamily="18" charset="0"/>
+              </a:rPr>
+              <a:t>Class Coupling – 37</a:t>
+            </a:r>
+          </a:p>
+          <a:p>
+            <a:pPr marL="285750" indent="-285750">
+              <a:lnSpc>
+                <a:spcPct val="107000"/>
+              </a:lnSpc>
+              <a:spcAft>
+                <a:spcPts val="800"/>
+              </a:spcAft>
+              <a:buFont typeface="Arial" panose="020B0604020202020204" pitchFamily="34" charset="0"/>
+              <a:buChar char="•"/>
+            </a:pPr>
+            <a:r>
+              <a:rPr lang="en-US" sz="2400" dirty="0">
+                <a:latin typeface="Calibri" panose="020F0502020204030204" pitchFamily="34" charset="0"/>
+                <a:ea typeface="Calibri" panose="020F0502020204030204" pitchFamily="34" charset="0"/>
+                <a:cs typeface="Times New Roman" panose="02020603050405020304" pitchFamily="18" charset="0"/>
+              </a:rPr>
+              <a:t>Lines of Code – 179</a:t>
+            </a:r>
+          </a:p>
+        </p:txBody>
+      </p:sp>
+    </p:spTree>
+    <p:extLst>
+      <p:ext uri="{BB962C8B-B14F-4D97-AF65-F5344CB8AC3E}">
+        <p14:creationId xmlns:p14="http://schemas.microsoft.com/office/powerpoint/2010/main" val="1664676517"/>
+      </p:ext>
+    </p:extLst>
+  </p:cSld>
+  <p:clrMapOvr>
+    <a:masterClrMapping/>
+  </p:clrMapOvr>
+</p:sld>
+</file>
+
+<file path=ppt/slides/slide48.xml><?xml version="1.0" encoding="utf-8"?>
 <p:sld xmlns:a="http://schemas.openxmlformats.org/drawingml/2006/main" xmlns:r="http://schemas.openxmlformats.org/officeDocument/2006/relationships" xmlns:p="http://schemas.openxmlformats.org/presentationml/2006/main">
   <p:cSld>
     <p:spTree>
@@ -26018,7 +24639,7 @@
           <a:p>
             <a:pPr algn="ctr"/>
             <a:r>
-              <a:rPr lang="ru-RU" sz="7200" dirty="0" smtClean="0">
+              <a:rPr lang="ru-RU" sz="7200" dirty="0">
                 <a:solidFill>
                   <a:schemeClr val="accent1">
                     <a:lumMod val="50000"/>
@@ -26027,13 +24648,6 @@
               </a:rPr>
               <a:t>Заключение</a:t>
             </a:r>
-            <a:endParaRPr lang="ru-RU" sz="7200" dirty="0">
-              <a:solidFill>
-                <a:schemeClr val="accent1">
-                  <a:lumMod val="50000"/>
-                </a:schemeClr>
-              </a:solidFill>
-            </a:endParaRPr>
           </a:p>
         </p:txBody>
       </p:sp>
@@ -26054,7 +24668,7 @@
           <a:p>
             <a:fld id="{71FAE75F-E4A2-4DA6-8D8E-DEA36A488C21}" type="slidenum">
               <a:rPr lang="ru-RU" smtClean="0"/>
-              <a:t>47</a:t>
+              <a:t>48</a:t>
             </a:fld>
             <a:endParaRPr lang="ru-RU"/>
           </a:p>
@@ -26070,25 +24684,10 @@
   <p:clrMapOvr>
     <a:masterClrMapping/>
   </p:clrMapOvr>
-  <mc:AlternateContent xmlns:mc="http://schemas.openxmlformats.org/markup-compatibility/2006" xmlns:p14="http://schemas.microsoft.com/office/powerpoint/2010/main">
-    <mc:Choice Requires="p14">
-      <p:transition p14:dur="0"/>
-    </mc:Choice>
-    <mc:Fallback xmlns="">
-      <p:transition/>
-    </mc:Fallback>
-  </mc:AlternateContent>
-  <p:timing>
-    <p:tnLst>
-      <p:par>
-        <p:cTn id="1" dur="indefinite" restart="never" nodeType="tmRoot"/>
-      </p:par>
-    </p:tnLst>
-  </p:timing>
 </p:sld>
 </file>
 
-<file path=ppt/slides/slide48.xml><?xml version="1.0" encoding="utf-8"?>
+<file path=ppt/slides/slide49.xml><?xml version="1.0" encoding="utf-8"?>
 <p:sld xmlns:a="http://schemas.openxmlformats.org/drawingml/2006/main" xmlns:r="http://schemas.openxmlformats.org/officeDocument/2006/relationships" xmlns:p="http://schemas.openxmlformats.org/presentationml/2006/main">
   <p:cSld>
     <p:spTree>
@@ -26163,7 +24762,7 @@
           <a:lstStyle/>
           <a:p>
             <a:r>
-              <a:rPr lang="ru-RU" sz="2800" dirty="0" smtClean="0">
+              <a:rPr lang="ru-RU" sz="2800" dirty="0">
                 <a:solidFill>
                   <a:schemeClr val="accent1">
                     <a:lumMod val="50000"/>
@@ -26172,13 +24771,6 @@
               </a:rPr>
               <a:t>Проблемы</a:t>
             </a:r>
-            <a:endParaRPr lang="ru-RU" sz="2800" dirty="0">
-              <a:solidFill>
-                <a:schemeClr val="accent1">
-                  <a:lumMod val="50000"/>
-                </a:schemeClr>
-              </a:solidFill>
-            </a:endParaRPr>
           </a:p>
         </p:txBody>
       </p:sp>
@@ -26205,7 +24797,7 @@
           <a:lstStyle/>
           <a:p>
             <a:r>
-              <a:rPr lang="ru-RU" sz="2800" dirty="0" smtClean="0">
+              <a:rPr lang="ru-RU" sz="2800" dirty="0">
                 <a:solidFill>
                   <a:schemeClr val="accent1">
                     <a:lumMod val="50000"/>
@@ -26214,13 +24806,6 @@
               </a:rPr>
               <a:t>Перспективы</a:t>
             </a:r>
-            <a:endParaRPr lang="ru-RU" sz="2800" dirty="0">
-              <a:solidFill>
-                <a:schemeClr val="accent1">
-                  <a:lumMod val="50000"/>
-                </a:schemeClr>
-              </a:solidFill>
-            </a:endParaRPr>
           </a:p>
         </p:txBody>
       </p:sp>
@@ -26260,36 +24845,18 @@
               <a:buAutoNum type="arabicParenR"/>
             </a:pPr>
             <a:r>
-              <a:rPr lang="ru-RU" sz="2400" dirty="0" smtClean="0"/>
-              <a:t>Проверить </a:t>
-            </a:r>
-            <a:r>
               <a:rPr lang="ru-RU" sz="2400" dirty="0"/>
-              <a:t>граф на необходимые условия </a:t>
-            </a:r>
-            <a:r>
-              <a:rPr lang="ru-RU" sz="2400" dirty="0" smtClean="0"/>
-              <a:t>регулярности</a:t>
-            </a:r>
-            <a:endParaRPr lang="ru-RU" sz="2400" dirty="0"/>
+              <a:t>Проверить граф на необходимые условия регулярности</a:t>
+            </a:r>
           </a:p>
           <a:p>
             <a:pPr marL="800100" lvl="1" indent="-342900">
               <a:buAutoNum type="arabicParenR"/>
             </a:pPr>
             <a:r>
-              <a:rPr lang="ru-RU" sz="2400" dirty="0" smtClean="0"/>
-              <a:t>Восстановить </a:t>
-            </a:r>
-            <a:r>
               <a:rPr lang="ru-RU" sz="2400" dirty="0"/>
-              <a:t>геометрическую информацию для исходного </a:t>
-            </a:r>
-            <a:r>
-              <a:rPr lang="ru-RU" sz="2400" dirty="0" smtClean="0"/>
-              <a:t>графа</a:t>
-            </a:r>
-            <a:endParaRPr lang="ru-RU" sz="2400" dirty="0"/>
+              <a:t>Восстановить геометрическую информацию для исходного графа</a:t>
+            </a:r>
           </a:p>
           <a:p>
             <a:pPr marL="342900" indent="-342900">
@@ -26330,16 +24897,8 @@
               <a:buChar char="•"/>
             </a:pPr>
             <a:r>
-              <a:rPr lang="ru-RU" sz="2400" dirty="0" smtClean="0"/>
-              <a:t>Предложенное </a:t>
-            </a:r>
-            <a:r>
               <a:rPr lang="ru-RU" sz="2400" dirty="0"/>
-              <a:t>решение позволяет решать только </a:t>
-            </a:r>
-            <a:r>
-              <a:rPr lang="ru-RU" sz="2400" dirty="0" smtClean="0"/>
-              <a:t>некоторый класс задач</a:t>
+              <a:t>Предложенное решение позволяет решать только некоторый класс задач</a:t>
             </a:r>
           </a:p>
           <a:p>
@@ -26348,12 +24907,8 @@
               <a:buChar char="•"/>
             </a:pPr>
             <a:r>
-              <a:rPr lang="ru-RU" sz="2400" dirty="0" smtClean="0"/>
-              <a:t>Время выполнения сильно </a:t>
-            </a:r>
-            <a:r>
               <a:rPr lang="ru-RU" sz="2400" dirty="0"/>
-              <a:t>зависит от топологии исходного графа</a:t>
+              <a:t>Время выполнения сильно зависит от топологии исходного графа</a:t>
             </a:r>
           </a:p>
           <a:p>
@@ -26393,13 +24948,8 @@
             </a:pPr>
             <a:r>
               <a:rPr lang="ru-RU" sz="2400" dirty="0"/>
-              <a:t>Ускорение </a:t>
-            </a:r>
-            <a:r>
-              <a:rPr lang="ru-RU" sz="2400" dirty="0" smtClean="0"/>
-              <a:t>текущего алгоритма:</a:t>
-            </a:r>
-            <a:endParaRPr lang="ru-RU" sz="2400" dirty="0"/>
+              <a:t>Ускорение текущего алгоритма:</a:t>
+            </a:r>
           </a:p>
           <a:p>
             <a:pPr marL="800100" lvl="1" indent="-342900">
@@ -26407,13 +24957,8 @@
             </a:pPr>
             <a:r>
               <a:rPr lang="ru-RU" sz="2400" dirty="0"/>
-              <a:t>Распараллеливание </a:t>
-            </a:r>
-            <a:r>
-              <a:rPr lang="ru-RU" sz="2400" dirty="0" smtClean="0"/>
-              <a:t>нумерации</a:t>
-            </a:r>
-            <a:endParaRPr lang="ru-RU" sz="2400" dirty="0"/>
+              <a:t>Распараллеливание нумерации</a:t>
+            </a:r>
           </a:p>
           <a:p>
             <a:pPr marL="800100" lvl="1" indent="-342900">
@@ -26421,11 +24966,7 @@
             </a:pPr>
             <a:r>
               <a:rPr lang="ru-RU" sz="2400" dirty="0"/>
-              <a:t>Определение класса задач до </a:t>
-            </a:r>
-            <a:r>
-              <a:rPr lang="ru-RU" sz="2400" dirty="0" smtClean="0"/>
-              <a:t>начала нумерации</a:t>
+              <a:t>Определение класса задач до начала нумерации</a:t>
             </a:r>
           </a:p>
           <a:p>
@@ -26434,10 +24975,9 @@
               <a:buChar char="•"/>
             </a:pPr>
             <a:r>
-              <a:rPr lang="ru-RU" sz="2400" dirty="0" smtClean="0"/>
+              <a:rPr lang="ru-RU" sz="2400" dirty="0"/>
               <a:t>Исследование других подходов к решению задачи</a:t>
             </a:r>
-            <a:endParaRPr lang="ru-RU" sz="2400" dirty="0"/>
           </a:p>
         </p:txBody>
       </p:sp>
@@ -26458,7 +24998,7 @@
           <a:p>
             <a:fld id="{71FAE75F-E4A2-4DA6-8D8E-DEA36A488C21}" type="slidenum">
               <a:rPr lang="ru-RU" smtClean="0"/>
-              <a:t>48</a:t>
+              <a:t>49</a:t>
             </a:fld>
             <a:endParaRPr lang="ru-RU"/>
           </a:p>
@@ -26474,199 +25014,6 @@
   <p:clrMapOvr>
     <a:masterClrMapping/>
   </p:clrMapOvr>
-  <mc:AlternateContent xmlns:mc="http://schemas.openxmlformats.org/markup-compatibility/2006" xmlns:p14="http://schemas.microsoft.com/office/powerpoint/2010/main">
-    <mc:Choice Requires="p14">
-      <p:transition p14:dur="0"/>
-    </mc:Choice>
-    <mc:Fallback xmlns="">
-      <p:transition/>
-    </mc:Fallback>
-  </mc:AlternateContent>
-  <p:timing>
-    <p:tnLst>
-      <p:par>
-        <p:cTn id="1" dur="indefinite" restart="never" nodeType="tmRoot"/>
-      </p:par>
-    </p:tnLst>
-  </p:timing>
-</p:sld>
-</file>
-
-<file path=ppt/slides/slide49.xml><?xml version="1.0" encoding="utf-8"?>
-<p:sld xmlns:a="http://schemas.openxmlformats.org/drawingml/2006/main" xmlns:r="http://schemas.openxmlformats.org/officeDocument/2006/relationships" xmlns:p="http://schemas.openxmlformats.org/presentationml/2006/main">
-  <p:cSld>
-    <p:spTree>
-      <p:nvGrpSpPr>
-        <p:cNvPr id="1" name=""/>
-        <p:cNvGrpSpPr/>
-        <p:nvPr/>
-      </p:nvGrpSpPr>
-      <p:grpSpPr>
-        <a:xfrm>
-          <a:off x="0" y="0"/>
-          <a:ext cx="0" cy="0"/>
-          <a:chOff x="0" y="0"/>
-          <a:chExt cx="0" cy="0"/>
-        </a:xfrm>
-      </p:grpSpPr>
-      <p:sp>
-        <p:nvSpPr>
-          <p:cNvPr id="2" name="Прямоугольник 1"/>
-          <p:cNvSpPr/>
-          <p:nvPr/>
-        </p:nvSpPr>
-        <p:spPr>
-          <a:xfrm>
-            <a:off x="-1" y="2518166"/>
-            <a:ext cx="12192000" cy="1077218"/>
-          </a:xfrm>
-          <a:prstGeom prst="rect">
-            <a:avLst/>
-          </a:prstGeom>
-        </p:spPr>
-        <p:txBody>
-          <a:bodyPr wrap="square">
-            <a:spAutoFit/>
-          </a:bodyPr>
-          <a:lstStyle/>
-          <a:p>
-            <a:pPr lvl="0" algn="ctr"/>
-            <a:r>
-              <a:rPr lang="ru-RU" sz="3200" dirty="0">
-                <a:ea typeface="Calibri" panose="020F0502020204030204" pitchFamily="34" charset="0"/>
-                <a:cs typeface="Times New Roman" panose="02020603050405020304" pitchFamily="18" charset="0"/>
-              </a:rPr>
-              <a:t/>
-            </a:r>
-            <a:br>
-              <a:rPr lang="ru-RU" sz="3200" dirty="0">
-                <a:ea typeface="Calibri" panose="020F0502020204030204" pitchFamily="34" charset="0"/>
-                <a:cs typeface="Times New Roman" panose="02020603050405020304" pitchFamily="18" charset="0"/>
-              </a:rPr>
-            </a:br>
-            <a:r>
-              <a:rPr lang="en-US" sz="3200" dirty="0"/>
-              <a:t>https://github.com/Linserous/NumericalGridGeneration</a:t>
-            </a:r>
-            <a:endParaRPr lang="ru-RU" sz="3200" dirty="0"/>
-          </a:p>
-        </p:txBody>
-      </p:sp>
-      <p:sp>
-        <p:nvSpPr>
-          <p:cNvPr id="3" name="Прямоугольник 2"/>
-          <p:cNvSpPr/>
-          <p:nvPr/>
-        </p:nvSpPr>
-        <p:spPr>
-          <a:xfrm>
-            <a:off x="0" y="360753"/>
-            <a:ext cx="12191999" cy="830997"/>
-          </a:xfrm>
-          <a:prstGeom prst="rect">
-            <a:avLst/>
-          </a:prstGeom>
-        </p:spPr>
-        <p:txBody>
-          <a:bodyPr wrap="square">
-            <a:spAutoFit/>
-          </a:bodyPr>
-          <a:lstStyle/>
-          <a:p>
-            <a:pPr algn="ctr"/>
-            <a:r>
-              <a:rPr lang="ru-RU" sz="4800" dirty="0">
-                <a:solidFill>
-                  <a:schemeClr val="accent1">
-                    <a:lumMod val="50000"/>
-                  </a:schemeClr>
-                </a:solidFill>
-                <a:latin typeface="+mj-lt"/>
-                <a:ea typeface="Calibri" panose="020F0502020204030204" pitchFamily="34" charset="0"/>
-                <a:cs typeface="Times New Roman" panose="02020603050405020304" pitchFamily="18" charset="0"/>
-              </a:rPr>
-              <a:t>Ссылка на </a:t>
-            </a:r>
-            <a:r>
-              <a:rPr lang="ru-RU" sz="4800" dirty="0" err="1">
-                <a:solidFill>
-                  <a:schemeClr val="accent1">
-                    <a:lumMod val="50000"/>
-                  </a:schemeClr>
-                </a:solidFill>
-                <a:latin typeface="+mj-lt"/>
-                <a:ea typeface="Calibri" panose="020F0502020204030204" pitchFamily="34" charset="0"/>
-                <a:cs typeface="Times New Roman" panose="02020603050405020304" pitchFamily="18" charset="0"/>
-              </a:rPr>
-              <a:t>репозиторий</a:t>
-            </a:r>
-            <a:r>
-              <a:rPr lang="ru-RU" sz="4800" dirty="0">
-                <a:solidFill>
-                  <a:schemeClr val="accent1">
-                    <a:lumMod val="50000"/>
-                  </a:schemeClr>
-                </a:solidFill>
-                <a:latin typeface="+mj-lt"/>
-                <a:ea typeface="Calibri" panose="020F0502020204030204" pitchFamily="34" charset="0"/>
-                <a:cs typeface="Times New Roman" panose="02020603050405020304" pitchFamily="18" charset="0"/>
-              </a:rPr>
-              <a:t> проекта</a:t>
-            </a:r>
-            <a:endParaRPr lang="ru-RU" sz="4800" dirty="0">
-              <a:latin typeface="+mj-lt"/>
-            </a:endParaRPr>
-          </a:p>
-        </p:txBody>
-      </p:sp>
-      <p:sp>
-        <p:nvSpPr>
-          <p:cNvPr id="4" name="Номер слайда 3"/>
-          <p:cNvSpPr>
-            <a:spLocks noGrp="1"/>
-          </p:cNvSpPr>
-          <p:nvPr>
-            <p:ph type="sldNum" sz="quarter" idx="12"/>
-          </p:nvPr>
-        </p:nvSpPr>
-        <p:spPr/>
-        <p:txBody>
-          <a:bodyPr/>
-          <a:lstStyle/>
-          <a:p>
-            <a:fld id="{71FAE75F-E4A2-4DA6-8D8E-DEA36A488C21}" type="slidenum">
-              <a:rPr lang="ru-RU" smtClean="0"/>
-              <a:t>49</a:t>
-            </a:fld>
-            <a:endParaRPr lang="ru-RU"/>
-          </a:p>
-        </p:txBody>
-      </p:sp>
-    </p:spTree>
-    <p:extLst>
-      <p:ext uri="{BB962C8B-B14F-4D97-AF65-F5344CB8AC3E}">
-        <p14:creationId xmlns:p14="http://schemas.microsoft.com/office/powerpoint/2010/main" val="2950866799"/>
-      </p:ext>
-    </p:extLst>
-  </p:cSld>
-  <p:clrMapOvr>
-    <a:masterClrMapping/>
-  </p:clrMapOvr>
-  <mc:AlternateContent xmlns:mc="http://schemas.openxmlformats.org/markup-compatibility/2006" xmlns:p14="http://schemas.microsoft.com/office/powerpoint/2010/main">
-    <mc:Choice Requires="p14">
-      <p:transition p14:dur="0"/>
-    </mc:Choice>
-    <mc:Fallback xmlns="">
-      <p:transition/>
-    </mc:Fallback>
-  </mc:AlternateContent>
-  <p:timing>
-    <p:tnLst>
-      <p:par>
-        <p:cTn id="1" dur="indefinite" restart="never" nodeType="tmRoot"/>
-      </p:par>
-    </p:tnLst>
-  </p:timing>
 </p:sld>
 </file>
 
@@ -26761,21 +25108,162 @@
   <p:clrMapOvr>
     <a:masterClrMapping/>
   </p:clrMapOvr>
-  <mc:AlternateContent xmlns:mc="http://schemas.openxmlformats.org/markup-compatibility/2006" xmlns:p14="http://schemas.microsoft.com/office/powerpoint/2010/main">
-    <mc:Choice Requires="p14">
-      <p:transition p14:dur="0"/>
-    </mc:Choice>
-    <mc:Fallback xmlns="">
-      <p:transition/>
-    </mc:Fallback>
-  </mc:AlternateContent>
-  <p:timing>
-    <p:tnLst>
-      <p:par>
-        <p:cTn id="1" dur="indefinite" restart="never" nodeType="tmRoot"/>
-      </p:par>
-    </p:tnLst>
-  </p:timing>
+</p:sld>
+</file>
+
+<file path=ppt/slides/slide50.xml><?xml version="1.0" encoding="utf-8"?>
+<p:sld xmlns:a="http://schemas.openxmlformats.org/drawingml/2006/main" xmlns:r="http://schemas.openxmlformats.org/officeDocument/2006/relationships" xmlns:p="http://schemas.openxmlformats.org/presentationml/2006/main">
+  <p:cSld>
+    <p:spTree>
+      <p:nvGrpSpPr>
+        <p:cNvPr id="1" name=""/>
+        <p:cNvGrpSpPr/>
+        <p:nvPr/>
+      </p:nvGrpSpPr>
+      <p:grpSpPr>
+        <a:xfrm>
+          <a:off x="0" y="0"/>
+          <a:ext cx="0" cy="0"/>
+          <a:chOff x="0" y="0"/>
+          <a:chExt cx="0" cy="0"/>
+        </a:xfrm>
+      </p:grpSpPr>
+      <p:sp>
+        <p:nvSpPr>
+          <p:cNvPr id="2" name="Прямоугольник 1"/>
+          <p:cNvSpPr/>
+          <p:nvPr/>
+        </p:nvSpPr>
+        <p:spPr>
+          <a:xfrm>
+            <a:off x="-1" y="2518166"/>
+            <a:ext cx="12192000" cy="1077218"/>
+          </a:xfrm>
+          <a:prstGeom prst="rect">
+            <a:avLst/>
+          </a:prstGeom>
+        </p:spPr>
+        <p:txBody>
+          <a:bodyPr wrap="square">
+            <a:spAutoFit/>
+          </a:bodyPr>
+          <a:lstStyle/>
+          <a:p>
+            <a:pPr lvl="0" algn="ctr"/>
+            <a:br>
+              <a:rPr lang="ru-RU" sz="3200" dirty="0">
+                <a:ea typeface="Calibri" panose="020F0502020204030204" pitchFamily="34" charset="0"/>
+                <a:cs typeface="Times New Roman" panose="02020603050405020304" pitchFamily="18" charset="0"/>
+              </a:rPr>
+            </a:br>
+            <a:r>
+              <a:rPr lang="en-US" sz="3200" dirty="0"/>
+              <a:t>https://github.com/Linserous/NumericalGridGeneration</a:t>
+            </a:r>
+            <a:endParaRPr lang="ru-RU" sz="3200" dirty="0"/>
+          </a:p>
+        </p:txBody>
+      </p:sp>
+      <p:sp>
+        <p:nvSpPr>
+          <p:cNvPr id="3" name="Прямоугольник 2"/>
+          <p:cNvSpPr/>
+          <p:nvPr/>
+        </p:nvSpPr>
+        <p:spPr>
+          <a:xfrm>
+            <a:off x="0" y="360753"/>
+            <a:ext cx="12191999" cy="830997"/>
+          </a:xfrm>
+          <a:prstGeom prst="rect">
+            <a:avLst/>
+          </a:prstGeom>
+        </p:spPr>
+        <p:txBody>
+          <a:bodyPr wrap="square">
+            <a:spAutoFit/>
+          </a:bodyPr>
+          <a:lstStyle/>
+          <a:p>
+            <a:pPr algn="ctr"/>
+            <a:r>
+              <a:rPr lang="ru-RU" sz="4800" dirty="0">
+                <a:solidFill>
+                  <a:schemeClr val="accent1">
+                    <a:lumMod val="50000"/>
+                  </a:schemeClr>
+                </a:solidFill>
+                <a:latin typeface="+mj-lt"/>
+                <a:ea typeface="Calibri" panose="020F0502020204030204" pitchFamily="34" charset="0"/>
+                <a:cs typeface="Times New Roman" panose="02020603050405020304" pitchFamily="18" charset="0"/>
+              </a:rPr>
+              <a:t>Ссылка на </a:t>
+            </a:r>
+            <a:r>
+              <a:rPr lang="ru-RU" sz="4800" dirty="0" err="1">
+                <a:solidFill>
+                  <a:schemeClr val="accent1">
+                    <a:lumMod val="50000"/>
+                  </a:schemeClr>
+                </a:solidFill>
+                <a:latin typeface="+mj-lt"/>
+                <a:ea typeface="Calibri" panose="020F0502020204030204" pitchFamily="34" charset="0"/>
+                <a:cs typeface="Times New Roman" panose="02020603050405020304" pitchFamily="18" charset="0"/>
+              </a:rPr>
+              <a:t>репозиторий</a:t>
+            </a:r>
+            <a:r>
+              <a:rPr lang="ru-RU" sz="4800" dirty="0">
+                <a:solidFill>
+                  <a:schemeClr val="accent1">
+                    <a:lumMod val="50000"/>
+                  </a:schemeClr>
+                </a:solidFill>
+                <a:latin typeface="+mj-lt"/>
+                <a:ea typeface="Calibri" panose="020F0502020204030204" pitchFamily="34" charset="0"/>
+                <a:cs typeface="Times New Roman" panose="02020603050405020304" pitchFamily="18" charset="0"/>
+              </a:rPr>
+              <a:t> проекта</a:t>
+            </a:r>
+            <a:endParaRPr lang="ru-RU" sz="4800" dirty="0">
+              <a:latin typeface="+mj-lt"/>
+            </a:endParaRPr>
+          </a:p>
+        </p:txBody>
+      </p:sp>
+      <p:sp>
+        <p:nvSpPr>
+          <p:cNvPr id="4" name="Номер слайда 3"/>
+          <p:cNvSpPr>
+            <a:spLocks noGrp="1"/>
+          </p:cNvSpPr>
+          <p:nvPr>
+            <p:ph type="sldNum" sz="quarter" idx="12"/>
+          </p:nvPr>
+        </p:nvSpPr>
+        <p:spPr/>
+        <p:txBody>
+          <a:bodyPr/>
+          <a:lstStyle/>
+          <a:p>
+            <a:fld id="{71FAE75F-E4A2-4DA6-8D8E-DEA36A488C21}" type="slidenum">
+              <a:rPr lang="ru-RU" smtClean="0"/>
+              <a:t>50</a:t>
+            </a:fld>
+            <a:endParaRPr lang="ru-RU"/>
+          </a:p>
+        </p:txBody>
+      </p:sp>
+    </p:spTree>
+    <p:extLst>
+      <p:ext uri="{BB962C8B-B14F-4D97-AF65-F5344CB8AC3E}">
+        <p14:creationId xmlns:p14="http://schemas.microsoft.com/office/powerpoint/2010/main" val="2950866799"/>
+      </p:ext>
+    </p:extLst>
+  </p:cSld>
+  <p:clrMapOvr>
+    <a:masterClrMapping/>
+  </p:clrMapOvr>
 </p:sld>
 </file>
 
@@ -26857,18 +25345,13 @@
           <a:lstStyle/>
           <a:p>
             <a:r>
-              <a:rPr lang="ru-RU" sz="41300" dirty="0" smtClean="0">
+              <a:rPr lang="ru-RU" sz="41300" dirty="0">
                 <a:solidFill>
                   <a:schemeClr val="bg1"/>
                 </a:solidFill>
               </a:rPr>
               <a:t>?</a:t>
             </a:r>
-            <a:endParaRPr lang="ru-RU" sz="41300" dirty="0">
-              <a:solidFill>
-                <a:schemeClr val="bg1"/>
-              </a:solidFill>
-            </a:endParaRPr>
           </a:p>
         </p:txBody>
       </p:sp>
@@ -26905,21 +25388,6 @@
   <p:clrMapOvr>
     <a:masterClrMapping/>
   </p:clrMapOvr>
-  <mc:AlternateContent xmlns:mc="http://schemas.openxmlformats.org/markup-compatibility/2006" xmlns:p14="http://schemas.microsoft.com/office/powerpoint/2010/main">
-    <mc:Choice Requires="p14">
-      <p:transition p14:dur="0"/>
-    </mc:Choice>
-    <mc:Fallback xmlns="">
-      <p:transition/>
-    </mc:Fallback>
-  </mc:AlternateContent>
-  <p:timing>
-    <p:tnLst>
-      <p:par>
-        <p:cTn id="1" dur="indefinite" restart="never" nodeType="tmRoot"/>
-      </p:par>
-    </p:tnLst>
-  </p:timing>
 </p:sld>
 </file>
 
@@ -26995,18 +25463,13 @@
           <a:lstStyle/>
           <a:p>
             <a:r>
-              <a:rPr lang="ru-RU" sz="41300" dirty="0" smtClean="0">
+              <a:rPr lang="ru-RU" sz="41300" dirty="0">
                 <a:solidFill>
                   <a:schemeClr val="bg1"/>
                 </a:solidFill>
               </a:rPr>
               <a:t>?</a:t>
             </a:r>
-            <a:endParaRPr lang="ru-RU" sz="41300" dirty="0">
-              <a:solidFill>
-                <a:schemeClr val="bg1"/>
-              </a:solidFill>
-            </a:endParaRPr>
           </a:p>
         </p:txBody>
       </p:sp>
@@ -27043,21 +25506,6 @@
   <p:clrMapOvr>
     <a:masterClrMapping/>
   </p:clrMapOvr>
-  <mc:AlternateContent xmlns:mc="http://schemas.openxmlformats.org/markup-compatibility/2006" xmlns:p14="http://schemas.microsoft.com/office/powerpoint/2010/main">
-    <mc:Choice Requires="p14">
-      <p:transition p14:dur="0"/>
-    </mc:Choice>
-    <mc:Fallback xmlns="">
-      <p:transition/>
-    </mc:Fallback>
-  </mc:AlternateContent>
-  <p:timing>
-    <p:tnLst>
-      <p:par>
-        <p:cTn id="1" dur="indefinite" restart="never" nodeType="tmRoot"/>
-      </p:par>
-    </p:tnLst>
-  </p:timing>
 </p:sld>
 </file>
 
@@ -27139,18 +25587,13 @@
           <a:lstStyle/>
           <a:p>
             <a:r>
-              <a:rPr lang="ru-RU" sz="41300" dirty="0" smtClean="0">
+              <a:rPr lang="ru-RU" sz="41300" dirty="0">
                 <a:solidFill>
                   <a:schemeClr val="bg1"/>
                 </a:solidFill>
               </a:rPr>
               <a:t>?</a:t>
             </a:r>
-            <a:endParaRPr lang="ru-RU" sz="41300" dirty="0">
-              <a:solidFill>
-                <a:schemeClr val="bg1"/>
-              </a:solidFill>
-            </a:endParaRPr>
           </a:p>
         </p:txBody>
       </p:sp>
@@ -27187,21 +25630,6 @@
   <p:clrMapOvr>
     <a:masterClrMapping/>
   </p:clrMapOvr>
-  <mc:AlternateContent xmlns:mc="http://schemas.openxmlformats.org/markup-compatibility/2006" xmlns:p14="http://schemas.microsoft.com/office/powerpoint/2010/main">
-    <mc:Choice Requires="p14">
-      <p:transition p14:dur="0"/>
-    </mc:Choice>
-    <mc:Fallback xmlns="">
-      <p:transition/>
-    </mc:Fallback>
-  </mc:AlternateContent>
-  <p:timing>
-    <p:tnLst>
-      <p:par>
-        <p:cTn id="1" dur="indefinite" restart="never" nodeType="tmRoot"/>
-      </p:par>
-    </p:tnLst>
-  </p:timing>
 </p:sld>
 </file>
 
@@ -27265,7 +25693,7 @@
           <a:p>
             <a:pPr algn="ctr"/>
             <a:r>
-              <a:rPr lang="ru-RU" sz="7200" dirty="0" smtClean="0">
+              <a:rPr lang="ru-RU" sz="7200" dirty="0">
                 <a:solidFill>
                   <a:schemeClr val="accent1">
                     <a:lumMod val="50000"/>
@@ -27274,13 +25702,6 @@
               </a:rPr>
               <a:t>Постановка задачи</a:t>
             </a:r>
-            <a:endParaRPr lang="ru-RU" sz="7200" dirty="0">
-              <a:solidFill>
-                <a:schemeClr val="accent1">
-                  <a:lumMod val="50000"/>
-                </a:schemeClr>
-              </a:solidFill>
-            </a:endParaRPr>
           </a:p>
         </p:txBody>
       </p:sp>
@@ -27317,21 +25738,6 @@
   <p:clrMapOvr>
     <a:masterClrMapping/>
   </p:clrMapOvr>
-  <mc:AlternateContent xmlns:mc="http://schemas.openxmlformats.org/markup-compatibility/2006" xmlns:p14="http://schemas.microsoft.com/office/powerpoint/2010/main">
-    <mc:Choice Requires="p14">
-      <p:transition p14:dur="0"/>
-    </mc:Choice>
-    <mc:Fallback xmlns="">
-      <p:transition/>
-    </mc:Fallback>
-  </mc:AlternateContent>
-  <p:timing>
-    <p:tnLst>
-      <p:par>
-        <p:cTn id="1" dur="indefinite" restart="never" nodeType="tmRoot"/>
-      </p:par>
-    </p:tnLst>
-  </p:timing>
 </p:sld>
 </file>
 

--- a/docs/Презентация v0.9.pptx
+++ b/docs/Презентация v0.9.pptx
@@ -262,7 +262,7 @@
           <a:p>
             <a:fld id="{2F7BDC20-999D-4259-B6C3-F40ECC5C4406}" type="datetimeFigureOut">
               <a:rPr lang="ru-RU" smtClean="0"/>
-              <a:t>23.12.2017</a:t>
+              <a:t>24.12.2017</a:t>
             </a:fld>
             <a:endParaRPr lang="ru-RU"/>
           </a:p>
@@ -1796,7 +1796,7 @@
           <a:p>
             <a:fld id="{79CFADE9-FF2A-4FAE-8AFA-A6F5AE605187}" type="datetime1">
               <a:rPr lang="ru-RU" smtClean="0"/>
-              <a:t>23.12.2017</a:t>
+              <a:t>24.12.2017</a:t>
             </a:fld>
             <a:endParaRPr lang="ru-RU"/>
           </a:p>
@@ -1964,7 +1964,7 @@
           <a:p>
             <a:fld id="{8F982AEC-E365-4CCD-BC0F-5313038E0927}" type="datetime1">
               <a:rPr lang="ru-RU" smtClean="0"/>
-              <a:t>23.12.2017</a:t>
+              <a:t>24.12.2017</a:t>
             </a:fld>
             <a:endParaRPr lang="ru-RU"/>
           </a:p>
@@ -2142,7 +2142,7 @@
           <a:p>
             <a:fld id="{38864601-6BAA-4E1D-A5D7-7B0867CDDF66}" type="datetime1">
               <a:rPr lang="ru-RU" smtClean="0"/>
-              <a:t>23.12.2017</a:t>
+              <a:t>24.12.2017</a:t>
             </a:fld>
             <a:endParaRPr lang="ru-RU"/>
           </a:p>
@@ -2310,7 +2310,7 @@
           <a:p>
             <a:fld id="{CAF71018-6EBF-40EE-9984-DC2D2274B6EF}" type="datetime1">
               <a:rPr lang="ru-RU" smtClean="0"/>
-              <a:t>23.12.2017</a:t>
+              <a:t>24.12.2017</a:t>
             </a:fld>
             <a:endParaRPr lang="ru-RU"/>
           </a:p>
@@ -2555,7 +2555,7 @@
           <a:p>
             <a:fld id="{6B766E40-7F19-45A7-AFE3-AD6EAF55C0DD}" type="datetime1">
               <a:rPr lang="ru-RU" smtClean="0"/>
-              <a:t>23.12.2017</a:t>
+              <a:t>24.12.2017</a:t>
             </a:fld>
             <a:endParaRPr lang="ru-RU"/>
           </a:p>
@@ -2784,7 +2784,7 @@
           <a:p>
             <a:fld id="{5C0F2458-4C93-4E25-8E34-87E23EE7C8CE}" type="datetime1">
               <a:rPr lang="ru-RU" smtClean="0"/>
-              <a:t>23.12.2017</a:t>
+              <a:t>24.12.2017</a:t>
             </a:fld>
             <a:endParaRPr lang="ru-RU"/>
           </a:p>
@@ -3148,7 +3148,7 @@
           <a:p>
             <a:fld id="{C9AAF2B6-BB50-4E71-9679-83EA93217DD4}" type="datetime1">
               <a:rPr lang="ru-RU" smtClean="0"/>
-              <a:t>23.12.2017</a:t>
+              <a:t>24.12.2017</a:t>
             </a:fld>
             <a:endParaRPr lang="ru-RU"/>
           </a:p>
@@ -3265,7 +3265,7 @@
           <a:p>
             <a:fld id="{F44F415F-912D-4181-ADD3-2E97B41F5BA3}" type="datetime1">
               <a:rPr lang="ru-RU" smtClean="0"/>
-              <a:t>23.12.2017</a:t>
+              <a:t>24.12.2017</a:t>
             </a:fld>
             <a:endParaRPr lang="ru-RU"/>
           </a:p>
@@ -3360,7 +3360,7 @@
           <a:p>
             <a:fld id="{CF1D8B0F-0C2B-49B2-9FD3-B073E7332BCA}" type="datetime1">
               <a:rPr lang="ru-RU" smtClean="0"/>
-              <a:t>23.12.2017</a:t>
+              <a:t>24.12.2017</a:t>
             </a:fld>
             <a:endParaRPr lang="ru-RU"/>
           </a:p>
@@ -3635,7 +3635,7 @@
           <a:p>
             <a:fld id="{8A99040C-12A9-414A-9B1A-63BD8F2F1AC2}" type="datetime1">
               <a:rPr lang="ru-RU" smtClean="0"/>
-              <a:t>23.12.2017</a:t>
+              <a:t>24.12.2017</a:t>
             </a:fld>
             <a:endParaRPr lang="ru-RU"/>
           </a:p>
@@ -3887,7 +3887,7 @@
           <a:p>
             <a:fld id="{6620461E-09D4-4DC8-9E9F-2F7F6F24987E}" type="datetime1">
               <a:rPr lang="ru-RU" smtClean="0"/>
-              <a:t>23.12.2017</a:t>
+              <a:t>24.12.2017</a:t>
             </a:fld>
             <a:endParaRPr lang="ru-RU"/>
           </a:p>
@@ -4098,7 +4098,7 @@
           <a:p>
             <a:fld id="{16B0AB04-008B-420E-A0B7-26FA7A461D78}" type="datetime1">
               <a:rPr lang="ru-RU" smtClean="0"/>
-              <a:t>23.12.2017</a:t>
+              <a:t>24.12.2017</a:t>
             </a:fld>
             <a:endParaRPr lang="ru-RU"/>
           </a:p>
@@ -4587,6 +4587,13 @@
                 <a:cs typeface="Times New Roman" panose="02020603050405020304" pitchFamily="18" charset="0"/>
               </a:rPr>
               <a:t>Исполнитель:</a:t>
+            </a:r>
+            <a:r>
+              <a:rPr lang="ru-RU" dirty="0">
+                <a:latin typeface="Times New Roman" panose="02020603050405020304" pitchFamily="18" charset="0"/>
+                <a:cs typeface="Times New Roman" panose="02020603050405020304" pitchFamily="18" charset="0"/>
+              </a:rPr>
+              <a:t/>
             </a:r>
             <a:br>
               <a:rPr lang="ru-RU" dirty="0">
@@ -14879,42 +14886,42 @@
                 <a:gridCol w="2522900">
                   <a:extLst>
                     <a:ext uri="{9D8B030D-6E8A-4147-A177-3AD203B41FA5}">
-                      <a16:colId xmlns:a16="http://schemas.microsoft.com/office/drawing/2014/main" val="1171950682"/>
+                      <a16:colId xmlns:a16="http://schemas.microsoft.com/office/drawing/2014/main" xmlns="" val="1171950682"/>
                     </a:ext>
                   </a:extLst>
                 </a:gridCol>
                 <a:gridCol w="932747">
                   <a:extLst>
                     <a:ext uri="{9D8B030D-6E8A-4147-A177-3AD203B41FA5}">
-                      <a16:colId xmlns:a16="http://schemas.microsoft.com/office/drawing/2014/main" val="2713623616"/>
+                      <a16:colId xmlns:a16="http://schemas.microsoft.com/office/drawing/2014/main" xmlns="" val="2713623616"/>
                     </a:ext>
                   </a:extLst>
                 </a:gridCol>
                 <a:gridCol w="1124653">
                   <a:extLst>
                     <a:ext uri="{9D8B030D-6E8A-4147-A177-3AD203B41FA5}">
-                      <a16:colId xmlns:a16="http://schemas.microsoft.com/office/drawing/2014/main" val="4214117398"/>
+                      <a16:colId xmlns:a16="http://schemas.microsoft.com/office/drawing/2014/main" xmlns="" val="4214117398"/>
                     </a:ext>
                   </a:extLst>
                 </a:gridCol>
                 <a:gridCol w="1737360">
                   <a:extLst>
                     <a:ext uri="{9D8B030D-6E8A-4147-A177-3AD203B41FA5}">
-                      <a16:colId xmlns:a16="http://schemas.microsoft.com/office/drawing/2014/main" val="3936630454"/>
+                      <a16:colId xmlns:a16="http://schemas.microsoft.com/office/drawing/2014/main" xmlns="" val="3936630454"/>
                     </a:ext>
                   </a:extLst>
                 </a:gridCol>
                 <a:gridCol w="2164080">
                   <a:extLst>
                     <a:ext uri="{9D8B030D-6E8A-4147-A177-3AD203B41FA5}">
-                      <a16:colId xmlns:a16="http://schemas.microsoft.com/office/drawing/2014/main" val="3619060530"/>
+                      <a16:colId xmlns:a16="http://schemas.microsoft.com/office/drawing/2014/main" xmlns="" val="3619060530"/>
                     </a:ext>
                   </a:extLst>
                 </a:gridCol>
                 <a:gridCol w="2346960">
                   <a:extLst>
                     <a:ext uri="{9D8B030D-6E8A-4147-A177-3AD203B41FA5}">
-                      <a16:colId xmlns:a16="http://schemas.microsoft.com/office/drawing/2014/main" val="3962761656"/>
+                      <a16:colId xmlns:a16="http://schemas.microsoft.com/office/drawing/2014/main" xmlns="" val="3962761656"/>
                     </a:ext>
                   </a:extLst>
                 </a:gridCol>
@@ -15066,7 +15073,7 @@
                 </a:tc>
                 <a:extLst>
                   <a:ext uri="{0D108BD9-81ED-4DB2-BD59-A6C34878D82A}">
-                    <a16:rowId xmlns:a16="http://schemas.microsoft.com/office/drawing/2014/main" val="396192681"/>
+                    <a16:rowId xmlns:a16="http://schemas.microsoft.com/office/drawing/2014/main" xmlns="" val="396192681"/>
                   </a:ext>
                 </a:extLst>
               </a:tr>
@@ -15228,7 +15235,7 @@
                 </a:tc>
                 <a:extLst>
                   <a:ext uri="{0D108BD9-81ED-4DB2-BD59-A6C34878D82A}">
-                    <a16:rowId xmlns:a16="http://schemas.microsoft.com/office/drawing/2014/main" val="658754578"/>
+                    <a16:rowId xmlns:a16="http://schemas.microsoft.com/office/drawing/2014/main" xmlns="" val="658754578"/>
                   </a:ext>
                 </a:extLst>
               </a:tr>
@@ -15397,7 +15404,7 @@
                 </a:tc>
                 <a:extLst>
                   <a:ext uri="{0D108BD9-81ED-4DB2-BD59-A6C34878D82A}">
-                    <a16:rowId xmlns:a16="http://schemas.microsoft.com/office/drawing/2014/main" val="2775249390"/>
+                    <a16:rowId xmlns:a16="http://schemas.microsoft.com/office/drawing/2014/main" xmlns="" val="2775249390"/>
                   </a:ext>
                 </a:extLst>
               </a:tr>
@@ -15559,7 +15566,7 @@
                 </a:tc>
                 <a:extLst>
                   <a:ext uri="{0D108BD9-81ED-4DB2-BD59-A6C34878D82A}">
-                    <a16:rowId xmlns:a16="http://schemas.microsoft.com/office/drawing/2014/main" val="351305436"/>
+                    <a16:rowId xmlns:a16="http://schemas.microsoft.com/office/drawing/2014/main" xmlns="" val="351305436"/>
                   </a:ext>
                 </a:extLst>
               </a:tr>
@@ -15728,7 +15735,7 @@
                 </a:tc>
                 <a:extLst>
                   <a:ext uri="{0D108BD9-81ED-4DB2-BD59-A6C34878D82A}">
-                    <a16:rowId xmlns:a16="http://schemas.microsoft.com/office/drawing/2014/main" val="743266472"/>
+                    <a16:rowId xmlns:a16="http://schemas.microsoft.com/office/drawing/2014/main" xmlns="" val="743266472"/>
                   </a:ext>
                 </a:extLst>
               </a:tr>
@@ -15890,7 +15897,7 @@
                 </a:tc>
                 <a:extLst>
                   <a:ext uri="{0D108BD9-81ED-4DB2-BD59-A6C34878D82A}">
-                    <a16:rowId xmlns:a16="http://schemas.microsoft.com/office/drawing/2014/main" val="3253733328"/>
+                    <a16:rowId xmlns:a16="http://schemas.microsoft.com/office/drawing/2014/main" xmlns="" val="3253733328"/>
                   </a:ext>
                 </a:extLst>
               </a:tr>
@@ -16052,7 +16059,7 @@
                 </a:tc>
                 <a:extLst>
                   <a:ext uri="{0D108BD9-81ED-4DB2-BD59-A6C34878D82A}">
-                    <a16:rowId xmlns:a16="http://schemas.microsoft.com/office/drawing/2014/main" val="4155944330"/>
+                    <a16:rowId xmlns:a16="http://schemas.microsoft.com/office/drawing/2014/main" xmlns="" val="4155944330"/>
                   </a:ext>
                 </a:extLst>
               </a:tr>
@@ -16221,7 +16228,7 @@
                 </a:tc>
                 <a:extLst>
                   <a:ext uri="{0D108BD9-81ED-4DB2-BD59-A6C34878D82A}">
-                    <a16:rowId xmlns:a16="http://schemas.microsoft.com/office/drawing/2014/main" val="232013355"/>
+                    <a16:rowId xmlns:a16="http://schemas.microsoft.com/office/drawing/2014/main" xmlns="" val="232013355"/>
                   </a:ext>
                 </a:extLst>
               </a:tr>
@@ -16383,7 +16390,7 @@
                 </a:tc>
                 <a:extLst>
                   <a:ext uri="{0D108BD9-81ED-4DB2-BD59-A6C34878D82A}">
-                    <a16:rowId xmlns:a16="http://schemas.microsoft.com/office/drawing/2014/main" val="10008"/>
+                    <a16:rowId xmlns:a16="http://schemas.microsoft.com/office/drawing/2014/main" xmlns="" val="10008"/>
                   </a:ext>
                 </a:extLst>
               </a:tr>
@@ -16552,7 +16559,7 @@
                 </a:tc>
                 <a:extLst>
                   <a:ext uri="{0D108BD9-81ED-4DB2-BD59-A6C34878D82A}">
-                    <a16:rowId xmlns:a16="http://schemas.microsoft.com/office/drawing/2014/main" val="10009"/>
+                    <a16:rowId xmlns:a16="http://schemas.microsoft.com/office/drawing/2014/main" xmlns="" val="10009"/>
                   </a:ext>
                 </a:extLst>
               </a:tr>
@@ -16714,7 +16721,7 @@
                 </a:tc>
                 <a:extLst>
                   <a:ext uri="{0D108BD9-81ED-4DB2-BD59-A6C34878D82A}">
-                    <a16:rowId xmlns:a16="http://schemas.microsoft.com/office/drawing/2014/main" val="10010"/>
+                    <a16:rowId xmlns:a16="http://schemas.microsoft.com/office/drawing/2014/main" xmlns="" val="10010"/>
                   </a:ext>
                 </a:extLst>
               </a:tr>
@@ -16883,7 +16890,7 @@
                 </a:tc>
                 <a:extLst>
                   <a:ext uri="{0D108BD9-81ED-4DB2-BD59-A6C34878D82A}">
-                    <a16:rowId xmlns:a16="http://schemas.microsoft.com/office/drawing/2014/main" val="10011"/>
+                    <a16:rowId xmlns:a16="http://schemas.microsoft.com/office/drawing/2014/main" xmlns="" val="10011"/>
                   </a:ext>
                 </a:extLst>
               </a:tr>
@@ -17045,7 +17052,7 @@
                 </a:tc>
                 <a:extLst>
                   <a:ext uri="{0D108BD9-81ED-4DB2-BD59-A6C34878D82A}">
-                    <a16:rowId xmlns:a16="http://schemas.microsoft.com/office/drawing/2014/main" val="10012"/>
+                    <a16:rowId xmlns:a16="http://schemas.microsoft.com/office/drawing/2014/main" xmlns="" val="10012"/>
                   </a:ext>
                 </a:extLst>
               </a:tr>
@@ -17214,7 +17221,7 @@
                 </a:tc>
                 <a:extLst>
                   <a:ext uri="{0D108BD9-81ED-4DB2-BD59-A6C34878D82A}">
-                    <a16:rowId xmlns:a16="http://schemas.microsoft.com/office/drawing/2014/main" val="10013"/>
+                    <a16:rowId xmlns:a16="http://schemas.microsoft.com/office/drawing/2014/main" xmlns="" val="10013"/>
                   </a:ext>
                 </a:extLst>
               </a:tr>
@@ -17376,7 +17383,7 @@
                 </a:tc>
                 <a:extLst>
                   <a:ext uri="{0D108BD9-81ED-4DB2-BD59-A6C34878D82A}">
-                    <a16:rowId xmlns:a16="http://schemas.microsoft.com/office/drawing/2014/main" val="10014"/>
+                    <a16:rowId xmlns:a16="http://schemas.microsoft.com/office/drawing/2014/main" xmlns="" val="10014"/>
                   </a:ext>
                 </a:extLst>
               </a:tr>
@@ -17552,7 +17559,7 @@
                 </a:tc>
                 <a:extLst>
                   <a:ext uri="{0D108BD9-81ED-4DB2-BD59-A6C34878D82A}">
-                    <a16:rowId xmlns:a16="http://schemas.microsoft.com/office/drawing/2014/main" val="10015"/>
+                    <a16:rowId xmlns:a16="http://schemas.microsoft.com/office/drawing/2014/main" xmlns="" val="10015"/>
                   </a:ext>
                 </a:extLst>
               </a:tr>
@@ -17714,7 +17721,7 @@
                 </a:tc>
                 <a:extLst>
                   <a:ext uri="{0D108BD9-81ED-4DB2-BD59-A6C34878D82A}">
-                    <a16:rowId xmlns:a16="http://schemas.microsoft.com/office/drawing/2014/main" val="10016"/>
+                    <a16:rowId xmlns:a16="http://schemas.microsoft.com/office/drawing/2014/main" xmlns="" val="10016"/>
                   </a:ext>
                 </a:extLst>
               </a:tr>
@@ -17883,7 +17890,7 @@
                 </a:tc>
                 <a:extLst>
                   <a:ext uri="{0D108BD9-81ED-4DB2-BD59-A6C34878D82A}">
-                    <a16:rowId xmlns:a16="http://schemas.microsoft.com/office/drawing/2014/main" val="10017"/>
+                    <a16:rowId xmlns:a16="http://schemas.microsoft.com/office/drawing/2014/main" xmlns="" val="10017"/>
                   </a:ext>
                 </a:extLst>
               </a:tr>
@@ -18045,7 +18052,7 @@
                 </a:tc>
                 <a:extLst>
                   <a:ext uri="{0D108BD9-81ED-4DB2-BD59-A6C34878D82A}">
-                    <a16:rowId xmlns:a16="http://schemas.microsoft.com/office/drawing/2014/main" val="10018"/>
+                    <a16:rowId xmlns:a16="http://schemas.microsoft.com/office/drawing/2014/main" xmlns="" val="10018"/>
                   </a:ext>
                 </a:extLst>
               </a:tr>
@@ -18198,7 +18205,7 @@
                 </a:tc>
                 <a:extLst>
                   <a:ext uri="{0D108BD9-81ED-4DB2-BD59-A6C34878D82A}">
-                    <a16:rowId xmlns:a16="http://schemas.microsoft.com/office/drawing/2014/main" val="1385307021"/>
+                    <a16:rowId xmlns:a16="http://schemas.microsoft.com/office/drawing/2014/main" xmlns="" val="1385307021"/>
                   </a:ext>
                 </a:extLst>
               </a:tr>
@@ -18342,42 +18349,42 @@
                 <a:gridCol w="2343339">
                   <a:extLst>
                     <a:ext uri="{9D8B030D-6E8A-4147-A177-3AD203B41FA5}">
-                      <a16:colId xmlns:a16="http://schemas.microsoft.com/office/drawing/2014/main" val="1171950682"/>
+                      <a16:colId xmlns:a16="http://schemas.microsoft.com/office/drawing/2014/main" xmlns="" val="1171950682"/>
                     </a:ext>
                   </a:extLst>
                 </a:gridCol>
                 <a:gridCol w="990600">
                   <a:extLst>
                     <a:ext uri="{9D8B030D-6E8A-4147-A177-3AD203B41FA5}">
-                      <a16:colId xmlns:a16="http://schemas.microsoft.com/office/drawing/2014/main" val="2713623616"/>
+                      <a16:colId xmlns:a16="http://schemas.microsoft.com/office/drawing/2014/main" xmlns="" val="2713623616"/>
                     </a:ext>
                   </a:extLst>
                 </a:gridCol>
                 <a:gridCol w="929640">
                   <a:extLst>
                     <a:ext uri="{9D8B030D-6E8A-4147-A177-3AD203B41FA5}">
-                      <a16:colId xmlns:a16="http://schemas.microsoft.com/office/drawing/2014/main" val="4214117398"/>
+                      <a16:colId xmlns:a16="http://schemas.microsoft.com/office/drawing/2014/main" xmlns="" val="4214117398"/>
                     </a:ext>
                   </a:extLst>
                 </a:gridCol>
                 <a:gridCol w="1737360">
                   <a:extLst>
                     <a:ext uri="{9D8B030D-6E8A-4147-A177-3AD203B41FA5}">
-                      <a16:colId xmlns:a16="http://schemas.microsoft.com/office/drawing/2014/main" val="3936630454"/>
+                      <a16:colId xmlns:a16="http://schemas.microsoft.com/office/drawing/2014/main" xmlns="" val="3936630454"/>
                     </a:ext>
                   </a:extLst>
                 </a:gridCol>
                 <a:gridCol w="2255520">
                   <a:extLst>
                     <a:ext uri="{9D8B030D-6E8A-4147-A177-3AD203B41FA5}">
-                      <a16:colId xmlns:a16="http://schemas.microsoft.com/office/drawing/2014/main" val="3619060530"/>
+                      <a16:colId xmlns:a16="http://schemas.microsoft.com/office/drawing/2014/main" xmlns="" val="3619060530"/>
                     </a:ext>
                   </a:extLst>
                 </a:gridCol>
                 <a:gridCol w="2545080">
                   <a:extLst>
                     <a:ext uri="{9D8B030D-6E8A-4147-A177-3AD203B41FA5}">
-                      <a16:colId xmlns:a16="http://schemas.microsoft.com/office/drawing/2014/main" val="3962761656"/>
+                      <a16:colId xmlns:a16="http://schemas.microsoft.com/office/drawing/2014/main" xmlns="" val="3962761656"/>
                     </a:ext>
                   </a:extLst>
                 </a:gridCol>
@@ -18519,7 +18526,7 @@
                 </a:tc>
                 <a:extLst>
                   <a:ext uri="{0D108BD9-81ED-4DB2-BD59-A6C34878D82A}">
-                    <a16:rowId xmlns:a16="http://schemas.microsoft.com/office/drawing/2014/main" val="396192681"/>
+                    <a16:rowId xmlns:a16="http://schemas.microsoft.com/office/drawing/2014/main" xmlns="" val="396192681"/>
                   </a:ext>
                 </a:extLst>
               </a:tr>
@@ -18679,7 +18686,7 @@
                 </a:tc>
                 <a:extLst>
                   <a:ext uri="{0D108BD9-81ED-4DB2-BD59-A6C34878D82A}">
-                    <a16:rowId xmlns:a16="http://schemas.microsoft.com/office/drawing/2014/main" val="4155944330"/>
+                    <a16:rowId xmlns:a16="http://schemas.microsoft.com/office/drawing/2014/main" xmlns="" val="4155944330"/>
                   </a:ext>
                 </a:extLst>
               </a:tr>
@@ -18832,7 +18839,7 @@
                 </a:tc>
                 <a:extLst>
                   <a:ext uri="{0D108BD9-81ED-4DB2-BD59-A6C34878D82A}">
-                    <a16:rowId xmlns:a16="http://schemas.microsoft.com/office/drawing/2014/main" val="232013355"/>
+                    <a16:rowId xmlns:a16="http://schemas.microsoft.com/office/drawing/2014/main" xmlns="" val="232013355"/>
                   </a:ext>
                 </a:extLst>
               </a:tr>
@@ -18985,7 +18992,7 @@
                 </a:tc>
                 <a:extLst>
                   <a:ext uri="{0D108BD9-81ED-4DB2-BD59-A6C34878D82A}">
-                    <a16:rowId xmlns:a16="http://schemas.microsoft.com/office/drawing/2014/main" val="10004"/>
+                    <a16:rowId xmlns:a16="http://schemas.microsoft.com/office/drawing/2014/main" xmlns="" val="10004"/>
                   </a:ext>
                 </a:extLst>
               </a:tr>
@@ -19138,7 +19145,7 @@
                 </a:tc>
                 <a:extLst>
                   <a:ext uri="{0D108BD9-81ED-4DB2-BD59-A6C34878D82A}">
-                    <a16:rowId xmlns:a16="http://schemas.microsoft.com/office/drawing/2014/main" val="10005"/>
+                    <a16:rowId xmlns:a16="http://schemas.microsoft.com/office/drawing/2014/main" xmlns="" val="10005"/>
                   </a:ext>
                 </a:extLst>
               </a:tr>
@@ -19291,7 +19298,7 @@
                 </a:tc>
                 <a:extLst>
                   <a:ext uri="{0D108BD9-81ED-4DB2-BD59-A6C34878D82A}">
-                    <a16:rowId xmlns:a16="http://schemas.microsoft.com/office/drawing/2014/main" val="10006"/>
+                    <a16:rowId xmlns:a16="http://schemas.microsoft.com/office/drawing/2014/main" xmlns="" val="10006"/>
                   </a:ext>
                 </a:extLst>
               </a:tr>
@@ -19444,7 +19451,7 @@
                 </a:tc>
                 <a:extLst>
                   <a:ext uri="{0D108BD9-81ED-4DB2-BD59-A6C34878D82A}">
-                    <a16:rowId xmlns:a16="http://schemas.microsoft.com/office/drawing/2014/main" val="10007"/>
+                    <a16:rowId xmlns:a16="http://schemas.microsoft.com/office/drawing/2014/main" xmlns="" val="10007"/>
                   </a:ext>
                 </a:extLst>
               </a:tr>
@@ -19597,7 +19604,7 @@
                 </a:tc>
                 <a:extLst>
                   <a:ext uri="{0D108BD9-81ED-4DB2-BD59-A6C34878D82A}">
-                    <a16:rowId xmlns:a16="http://schemas.microsoft.com/office/drawing/2014/main" val="10008"/>
+                    <a16:rowId xmlns:a16="http://schemas.microsoft.com/office/drawing/2014/main" xmlns="" val="10008"/>
                   </a:ext>
                 </a:extLst>
               </a:tr>
@@ -19750,7 +19757,7 @@
                 </a:tc>
                 <a:extLst>
                   <a:ext uri="{0D108BD9-81ED-4DB2-BD59-A6C34878D82A}">
-                    <a16:rowId xmlns:a16="http://schemas.microsoft.com/office/drawing/2014/main" val="10009"/>
+                    <a16:rowId xmlns:a16="http://schemas.microsoft.com/office/drawing/2014/main" xmlns="" val="10009"/>
                   </a:ext>
                 </a:extLst>
               </a:tr>
@@ -19906,7 +19913,7 @@
                 </a:tc>
                 <a:extLst>
                   <a:ext uri="{0D108BD9-81ED-4DB2-BD59-A6C34878D82A}">
-                    <a16:rowId xmlns:a16="http://schemas.microsoft.com/office/drawing/2014/main" val="10010"/>
+                    <a16:rowId xmlns:a16="http://schemas.microsoft.com/office/drawing/2014/main" xmlns="" val="10010"/>
                   </a:ext>
                 </a:extLst>
               </a:tr>
@@ -20062,7 +20069,7 @@
                 </a:tc>
                 <a:extLst>
                   <a:ext uri="{0D108BD9-81ED-4DB2-BD59-A6C34878D82A}">
-                    <a16:rowId xmlns:a16="http://schemas.microsoft.com/office/drawing/2014/main" val="10011"/>
+                    <a16:rowId xmlns:a16="http://schemas.microsoft.com/office/drawing/2014/main" xmlns="" val="10011"/>
                   </a:ext>
                 </a:extLst>
               </a:tr>
@@ -20218,7 +20225,7 @@
                 </a:tc>
                 <a:extLst>
                   <a:ext uri="{0D108BD9-81ED-4DB2-BD59-A6C34878D82A}">
-                    <a16:rowId xmlns:a16="http://schemas.microsoft.com/office/drawing/2014/main" val="10012"/>
+                    <a16:rowId xmlns:a16="http://schemas.microsoft.com/office/drawing/2014/main" xmlns="" val="10012"/>
                   </a:ext>
                 </a:extLst>
               </a:tr>
@@ -20374,7 +20381,7 @@
                 </a:tc>
                 <a:extLst>
                   <a:ext uri="{0D108BD9-81ED-4DB2-BD59-A6C34878D82A}">
-                    <a16:rowId xmlns:a16="http://schemas.microsoft.com/office/drawing/2014/main" val="10013"/>
+                    <a16:rowId xmlns:a16="http://schemas.microsoft.com/office/drawing/2014/main" xmlns="" val="10013"/>
                   </a:ext>
                 </a:extLst>
               </a:tr>
@@ -20523,7 +20530,7 @@
                 </a:tc>
                 <a:extLst>
                   <a:ext uri="{0D108BD9-81ED-4DB2-BD59-A6C34878D82A}">
-                    <a16:rowId xmlns:a16="http://schemas.microsoft.com/office/drawing/2014/main" val="10014"/>
+                    <a16:rowId xmlns:a16="http://schemas.microsoft.com/office/drawing/2014/main" xmlns="" val="10014"/>
                   </a:ext>
                 </a:extLst>
               </a:tr>
@@ -20672,7 +20679,7 @@
                 </a:tc>
                 <a:extLst>
                   <a:ext uri="{0D108BD9-81ED-4DB2-BD59-A6C34878D82A}">
-                    <a16:rowId xmlns:a16="http://schemas.microsoft.com/office/drawing/2014/main" val="10015"/>
+                    <a16:rowId xmlns:a16="http://schemas.microsoft.com/office/drawing/2014/main" xmlns="" val="10015"/>
                   </a:ext>
                 </a:extLst>
               </a:tr>
@@ -20828,7 +20835,7 @@
                 </a:tc>
                 <a:extLst>
                   <a:ext uri="{0D108BD9-81ED-4DB2-BD59-A6C34878D82A}">
-                    <a16:rowId xmlns:a16="http://schemas.microsoft.com/office/drawing/2014/main" val="10016"/>
+                    <a16:rowId xmlns:a16="http://schemas.microsoft.com/office/drawing/2014/main" xmlns="" val="10016"/>
                   </a:ext>
                 </a:extLst>
               </a:tr>
@@ -20984,7 +20991,7 @@
                 </a:tc>
                 <a:extLst>
                   <a:ext uri="{0D108BD9-81ED-4DB2-BD59-A6C34878D82A}">
-                    <a16:rowId xmlns:a16="http://schemas.microsoft.com/office/drawing/2014/main" val="10017"/>
+                    <a16:rowId xmlns:a16="http://schemas.microsoft.com/office/drawing/2014/main" xmlns="" val="10017"/>
                   </a:ext>
                 </a:extLst>
               </a:tr>
@@ -21133,7 +21140,7 @@
                 </a:tc>
                 <a:extLst>
                   <a:ext uri="{0D108BD9-81ED-4DB2-BD59-A6C34878D82A}">
-                    <a16:rowId xmlns:a16="http://schemas.microsoft.com/office/drawing/2014/main" val="10018"/>
+                    <a16:rowId xmlns:a16="http://schemas.microsoft.com/office/drawing/2014/main" xmlns="" val="10018"/>
                   </a:ext>
                 </a:extLst>
               </a:tr>
@@ -21282,7 +21289,7 @@
                 </a:tc>
                 <a:extLst>
                   <a:ext uri="{0D108BD9-81ED-4DB2-BD59-A6C34878D82A}">
-                    <a16:rowId xmlns:a16="http://schemas.microsoft.com/office/drawing/2014/main" val="10019"/>
+                    <a16:rowId xmlns:a16="http://schemas.microsoft.com/office/drawing/2014/main" xmlns="" val="10019"/>
                   </a:ext>
                 </a:extLst>
               </a:tr>
@@ -21431,7 +21438,7 @@
                 </a:tc>
                 <a:extLst>
                   <a:ext uri="{0D108BD9-81ED-4DB2-BD59-A6C34878D82A}">
-                    <a16:rowId xmlns:a16="http://schemas.microsoft.com/office/drawing/2014/main" val="10020"/>
+                    <a16:rowId xmlns:a16="http://schemas.microsoft.com/office/drawing/2014/main" xmlns="" val="10020"/>
                   </a:ext>
                 </a:extLst>
               </a:tr>
@@ -21587,7 +21594,7 @@
                 </a:tc>
                 <a:extLst>
                   <a:ext uri="{0D108BD9-81ED-4DB2-BD59-A6C34878D82A}">
-                    <a16:rowId xmlns:a16="http://schemas.microsoft.com/office/drawing/2014/main" val="10021"/>
+                    <a16:rowId xmlns:a16="http://schemas.microsoft.com/office/drawing/2014/main" xmlns="" val="10021"/>
                   </a:ext>
                 </a:extLst>
               </a:tr>
@@ -21736,7 +21743,7 @@
                 </a:tc>
                 <a:extLst>
                   <a:ext uri="{0D108BD9-81ED-4DB2-BD59-A6C34878D82A}">
-                    <a16:rowId xmlns:a16="http://schemas.microsoft.com/office/drawing/2014/main" val="10022"/>
+                    <a16:rowId xmlns:a16="http://schemas.microsoft.com/office/drawing/2014/main" xmlns="" val="10022"/>
                   </a:ext>
                 </a:extLst>
               </a:tr>
@@ -21885,7 +21892,7 @@
                 </a:tc>
                 <a:extLst>
                   <a:ext uri="{0D108BD9-81ED-4DB2-BD59-A6C34878D82A}">
-                    <a16:rowId xmlns:a16="http://schemas.microsoft.com/office/drawing/2014/main" val="10023"/>
+                    <a16:rowId xmlns:a16="http://schemas.microsoft.com/office/drawing/2014/main" xmlns="" val="10023"/>
                   </a:ext>
                 </a:extLst>
               </a:tr>
@@ -22034,7 +22041,7 @@
                 </a:tc>
                 <a:extLst>
                   <a:ext uri="{0D108BD9-81ED-4DB2-BD59-A6C34878D82A}">
-                    <a16:rowId xmlns:a16="http://schemas.microsoft.com/office/drawing/2014/main" val="10024"/>
+                    <a16:rowId xmlns:a16="http://schemas.microsoft.com/office/drawing/2014/main" xmlns="" val="10024"/>
                   </a:ext>
                 </a:extLst>
               </a:tr>
@@ -22183,7 +22190,7 @@
                 </a:tc>
                 <a:extLst>
                   <a:ext uri="{0D108BD9-81ED-4DB2-BD59-A6C34878D82A}">
-                    <a16:rowId xmlns:a16="http://schemas.microsoft.com/office/drawing/2014/main" val="10025"/>
+                    <a16:rowId xmlns:a16="http://schemas.microsoft.com/office/drawing/2014/main" xmlns="" val="10025"/>
                   </a:ext>
                 </a:extLst>
               </a:tr>
@@ -22371,14 +22378,14 @@
           <p:nvPr>
             <p:extLst>
               <p:ext uri="{D42A27DB-BD31-4B8C-83A1-F6EECF244321}">
-                <p14:modId xmlns:p14="http://schemas.microsoft.com/office/powerpoint/2010/main" val="3663958145"/>
+                <p14:modId xmlns:p14="http://schemas.microsoft.com/office/powerpoint/2010/main" val="447408207"/>
               </p:ext>
             </p:extLst>
           </p:nvPr>
         </p:nvGraphicFramePr>
         <p:xfrm>
-          <a:off x="525100" y="1167898"/>
-          <a:ext cx="10828700" cy="5188451"/>
+          <a:off x="1496839" y="935566"/>
+          <a:ext cx="9198321" cy="5768153"/>
         </p:xfrm>
         <a:graphic>
           <a:graphicData uri="http://schemas.openxmlformats.org/drawingml/2006/table">
@@ -22387,50 +22394,50 @@
                 <a:tableStyleId>{5C22544A-7EE6-4342-B048-85BDC9FD1C3A}</a:tableStyleId>
               </a:tblPr>
               <a:tblGrid>
-                <a:gridCol w="2264204">
+                <a:gridCol w="2509611">
                   <a:extLst>
                     <a:ext uri="{9D8B030D-6E8A-4147-A177-3AD203B41FA5}">
-                      <a16:colId xmlns:a16="http://schemas.microsoft.com/office/drawing/2014/main" val="1171950682"/>
+                      <a16:colId xmlns:a16="http://schemas.microsoft.com/office/drawing/2014/main" xmlns="" val="1171950682"/>
                     </a:ext>
                   </a:extLst>
                 </a:gridCol>
-                <a:gridCol w="1121846">
+                <a:gridCol w="876141">
                   <a:extLst>
                     <a:ext uri="{9D8B030D-6E8A-4147-A177-3AD203B41FA5}">
-                      <a16:colId xmlns:a16="http://schemas.microsoft.com/office/drawing/2014/main" val="2713623616"/>
+                      <a16:colId xmlns:a16="http://schemas.microsoft.com/office/drawing/2014/main" xmlns="" val="2713623616"/>
                     </a:ext>
                   </a:extLst>
                 </a:gridCol>
-                <a:gridCol w="1133290">
+                <a:gridCol w="885078">
                   <a:extLst>
                     <a:ext uri="{9D8B030D-6E8A-4147-A177-3AD203B41FA5}">
-                      <a16:colId xmlns:a16="http://schemas.microsoft.com/office/drawing/2014/main" val="4214117398"/>
+                      <a16:colId xmlns:a16="http://schemas.microsoft.com/office/drawing/2014/main" xmlns="" val="4214117398"/>
                     </a:ext>
                   </a:extLst>
                 </a:gridCol>
-                <a:gridCol w="1844040">
+                <a:gridCol w="1440160">
                   <a:extLst>
                     <a:ext uri="{9D8B030D-6E8A-4147-A177-3AD203B41FA5}">
-                      <a16:colId xmlns:a16="http://schemas.microsoft.com/office/drawing/2014/main" val="3936630454"/>
+                      <a16:colId xmlns:a16="http://schemas.microsoft.com/office/drawing/2014/main" xmlns="" val="3936630454"/>
                     </a:ext>
                   </a:extLst>
                 </a:gridCol>
-                <a:gridCol w="2164080">
+                <a:gridCol w="1690106">
                   <a:extLst>
                     <a:ext uri="{9D8B030D-6E8A-4147-A177-3AD203B41FA5}">
-                      <a16:colId xmlns:a16="http://schemas.microsoft.com/office/drawing/2014/main" val="3619060530"/>
+                      <a16:colId xmlns:a16="http://schemas.microsoft.com/office/drawing/2014/main" xmlns="" val="3619060530"/>
                     </a:ext>
                   </a:extLst>
                 </a:gridCol>
-                <a:gridCol w="2301240">
+                <a:gridCol w="1797225">
                   <a:extLst>
                     <a:ext uri="{9D8B030D-6E8A-4147-A177-3AD203B41FA5}">
-                      <a16:colId xmlns:a16="http://schemas.microsoft.com/office/drawing/2014/main" val="2623348019"/>
+                      <a16:colId xmlns:a16="http://schemas.microsoft.com/office/drawing/2014/main" xmlns="" val="2623348019"/>
                     </a:ext>
                   </a:extLst>
                 </a:gridCol>
               </a:tblGrid>
-              <a:tr h="653555">
+              <a:tr h="598450">
                 <a:tc>
                   <a:txBody>
                     <a:bodyPr/>
@@ -22597,11 +22604,421 @@
                 </a:tc>
                 <a:extLst>
                   <a:ext uri="{0D108BD9-81ED-4DB2-BD59-A6C34878D82A}">
-                    <a16:rowId xmlns:a16="http://schemas.microsoft.com/office/drawing/2014/main" val="396192681"/>
+                    <a16:rowId xmlns:a16="http://schemas.microsoft.com/office/drawing/2014/main" xmlns="" val="396192681"/>
                   </a:ext>
                 </a:extLst>
               </a:tr>
-              <a:tr h="566862">
+              <a:tr h="498091">
+                <a:tc>
+                  <a:txBody>
+                    <a:bodyPr/>
+                    <a:lstStyle/>
+                    <a:p>
+                      <a:pPr marL="0" algn="ctr" defTabSz="914400" rtl="0" eaLnBrk="1" fontAlgn="b" latinLnBrk="0" hangingPunct="1">
+                        <a:lnSpc>
+                          <a:spcPct val="150000"/>
+                        </a:lnSpc>
+                        <a:spcAft>
+                          <a:spcPts val="0"/>
+                        </a:spcAft>
+                      </a:pPr>
+                      <a:r>
+                        <a:rPr lang="ru-RU" sz="1600" b="0" i="0" u="none" strike="noStrike" kern="1200" dirty="0">
+                          <a:solidFill>
+                            <a:schemeClr val="bg1"/>
+                          </a:solidFill>
+                          <a:effectLst/>
+                          <a:latin typeface="Calibri" panose="020F0502020204030204" pitchFamily="34" charset="0"/>
+                          <a:ea typeface="+mn-ea"/>
+                          <a:cs typeface="+mn-cs"/>
+                        </a:rPr>
+                        <a:t>graph2D_100000.graph</a:t>
+                      </a:r>
+                    </a:p>
+                  </a:txBody>
+                  <a:tcPr marL="63500" marR="63500" marT="63500" marB="63500"/>
+                </a:tc>
+                <a:tc>
+                  <a:txBody>
+                    <a:bodyPr/>
+                    <a:lstStyle/>
+                    <a:p>
+                      <a:pPr marL="0" algn="ctr" defTabSz="914400" rtl="0" eaLnBrk="1" fontAlgn="b" latinLnBrk="0" hangingPunct="1">
+                        <a:lnSpc>
+                          <a:spcPct val="150000"/>
+                        </a:lnSpc>
+                        <a:spcAft>
+                          <a:spcPts val="0"/>
+                        </a:spcAft>
+                      </a:pPr>
+                      <a:r>
+                        <a:rPr lang="ru-RU" sz="1600" b="0" i="0" u="none" strike="noStrike" kern="1200" dirty="0">
+                          <a:solidFill>
+                            <a:srgbClr val="000000"/>
+                          </a:solidFill>
+                          <a:effectLst/>
+                          <a:latin typeface="Calibri" panose="020F0502020204030204" pitchFamily="34" charset="0"/>
+                          <a:ea typeface="+mn-ea"/>
+                          <a:cs typeface="+mn-cs"/>
+                        </a:rPr>
+                        <a:t>100000 </a:t>
+                      </a:r>
+                    </a:p>
+                  </a:txBody>
+                  <a:tcPr marL="63500" marR="63500" marT="63500" marB="63500"/>
+                </a:tc>
+                <a:tc>
+                  <a:txBody>
+                    <a:bodyPr/>
+                    <a:lstStyle/>
+                    <a:p>
+                      <a:pPr marL="0" algn="ctr" defTabSz="914400" rtl="0" eaLnBrk="1" fontAlgn="b" latinLnBrk="0" hangingPunct="1">
+                        <a:lnSpc>
+                          <a:spcPct val="150000"/>
+                        </a:lnSpc>
+                        <a:spcAft>
+                          <a:spcPts val="0"/>
+                        </a:spcAft>
+                      </a:pPr>
+                      <a:r>
+                        <a:rPr lang="ru-RU" sz="1600" b="0" i="0" u="none" strike="noStrike" kern="1200">
+                          <a:solidFill>
+                            <a:srgbClr val="000000"/>
+                          </a:solidFill>
+                          <a:effectLst/>
+                          <a:latin typeface="Calibri" panose="020F0502020204030204" pitchFamily="34" charset="0"/>
+                          <a:ea typeface="+mn-ea"/>
+                          <a:cs typeface="+mn-cs"/>
+                        </a:rPr>
+                        <a:t>198900</a:t>
+                      </a:r>
+                    </a:p>
+                  </a:txBody>
+                  <a:tcPr marL="63500" marR="63500" marT="63500" marB="63500"/>
+                </a:tc>
+                <a:tc>
+                  <a:txBody>
+                    <a:bodyPr/>
+                    <a:lstStyle/>
+                    <a:p>
+                      <a:pPr marL="0" algn="ctr" defTabSz="914400" rtl="0" eaLnBrk="1" fontAlgn="b" latinLnBrk="0" hangingPunct="1">
+                        <a:lnSpc>
+                          <a:spcPct val="150000"/>
+                        </a:lnSpc>
+                        <a:spcAft>
+                          <a:spcPts val="0"/>
+                        </a:spcAft>
+                      </a:pPr>
+                      <a:r>
+                        <a:rPr lang="ru-RU" sz="1600" b="0" i="0" u="none" strike="noStrike" kern="1200" dirty="0">
+                          <a:solidFill>
+                            <a:srgbClr val="000000"/>
+                          </a:solidFill>
+                          <a:effectLst/>
+                          <a:latin typeface="Calibri" panose="020F0502020204030204" pitchFamily="34" charset="0"/>
+                          <a:ea typeface="+mn-ea"/>
+                          <a:cs typeface="+mn-cs"/>
+                        </a:rPr>
+                        <a:t>ИСТИНА</a:t>
+                      </a:r>
+                    </a:p>
+                  </a:txBody>
+                  <a:tcPr marL="63500" marR="63500" marT="63500" marB="63500">
+                    <a:solidFill>
+                      <a:schemeClr val="accent6"/>
+                    </a:solidFill>
+                  </a:tcPr>
+                </a:tc>
+                <a:tc>
+                  <a:txBody>
+                    <a:bodyPr/>
+                    <a:lstStyle/>
+                    <a:p>
+                      <a:pPr marL="0" algn="ctr" defTabSz="914400" rtl="0" eaLnBrk="1" fontAlgn="b" latinLnBrk="0" hangingPunct="1">
+                        <a:lnSpc>
+                          <a:spcPct val="150000"/>
+                        </a:lnSpc>
+                        <a:spcAft>
+                          <a:spcPts val="0"/>
+                        </a:spcAft>
+                      </a:pPr>
+                      <a:r>
+                        <a:rPr lang="ru-RU" sz="1600" b="0" i="0" u="none" strike="noStrike" kern="1200" dirty="0">
+                          <a:solidFill>
+                            <a:srgbClr val="000000"/>
+                          </a:solidFill>
+                          <a:effectLst/>
+                          <a:latin typeface="Calibri" panose="020F0502020204030204" pitchFamily="34" charset="0"/>
+                          <a:ea typeface="+mn-ea"/>
+                          <a:cs typeface="+mn-cs"/>
+                        </a:rPr>
+                        <a:t>ИСТИНА</a:t>
+                      </a:r>
+                    </a:p>
+                  </a:txBody>
+                  <a:tcPr marL="68580" marR="68580" marT="0" marB="0">
+                    <a:solidFill>
+                      <a:schemeClr val="accent6"/>
+                    </a:solidFill>
+                  </a:tcPr>
+                </a:tc>
+                <a:tc>
+                  <a:txBody>
+                    <a:bodyPr/>
+                    <a:lstStyle/>
+                    <a:p>
+                      <a:pPr marL="0" algn="ctr" defTabSz="914400" rtl="0" eaLnBrk="1" fontAlgn="b" latinLnBrk="0" hangingPunct="1">
+                        <a:lnSpc>
+                          <a:spcPct val="150000"/>
+                        </a:lnSpc>
+                        <a:spcAft>
+                          <a:spcPts val="0"/>
+                        </a:spcAft>
+                      </a:pPr>
+                      <a:r>
+                        <a:rPr lang="ru-RU" sz="1600" b="0" i="0" u="none" strike="noStrike" kern="1200" dirty="0" smtClean="0">
+                          <a:solidFill>
+                            <a:srgbClr val="000000"/>
+                          </a:solidFill>
+                          <a:effectLst/>
+                          <a:latin typeface="Calibri" panose="020F0502020204030204" pitchFamily="34" charset="0"/>
+                          <a:ea typeface="+mn-ea"/>
+                          <a:cs typeface="+mn-cs"/>
+                        </a:rPr>
+                        <a:t>2963696</a:t>
+                      </a:r>
+                      <a:r>
+                        <a:rPr lang="ru-RU" sz="1600" b="0" i="0" u="none" strike="noStrike" kern="1200" dirty="0">
+                          <a:solidFill>
+                            <a:srgbClr val="000000"/>
+                          </a:solidFill>
+                          <a:effectLst/>
+                          <a:latin typeface="Calibri" panose="020F0502020204030204" pitchFamily="34" charset="0"/>
+                          <a:ea typeface="+mn-ea"/>
+                          <a:cs typeface="+mn-cs"/>
+                        </a:rPr>
+                        <a:t> </a:t>
+                      </a:r>
+                    </a:p>
+                  </a:txBody>
+                  <a:tcPr marL="63500" marR="63500" marT="63500" marB="63500"/>
+                </a:tc>
+              </a:tr>
+              <a:tr h="519068">
+                <a:tc>
+                  <a:txBody>
+                    <a:bodyPr/>
+                    <a:lstStyle/>
+                    <a:p>
+                      <a:pPr marL="0" algn="ctr" defTabSz="914400" rtl="0" eaLnBrk="1" fontAlgn="b" latinLnBrk="0" hangingPunct="1">
+                        <a:lnSpc>
+                          <a:spcPct val="150000"/>
+                        </a:lnSpc>
+                        <a:spcAft>
+                          <a:spcPts val="0"/>
+                        </a:spcAft>
+                      </a:pPr>
+                      <a:r>
+                        <a:rPr lang="ru-RU" sz="1600" b="0" i="0" u="none" strike="noStrike" kern="1200" dirty="0">
+                          <a:solidFill>
+                            <a:schemeClr val="bg1"/>
+                          </a:solidFill>
+                          <a:effectLst/>
+                          <a:latin typeface="Calibri" panose="020F0502020204030204" pitchFamily="34" charset="0"/>
+                          <a:ea typeface="+mn-ea"/>
+                          <a:cs typeface="+mn-cs"/>
+                        </a:rPr>
+                        <a:t>graph2D_50000</a:t>
+                      </a:r>
+                      <a:r>
+                        <a:rPr lang="en-US" sz="1600" b="0" i="0" u="none" strike="noStrike" kern="1200" dirty="0">
+                          <a:solidFill>
+                            <a:schemeClr val="bg1"/>
+                          </a:solidFill>
+                          <a:effectLst/>
+                          <a:latin typeface="Calibri" panose="020F0502020204030204" pitchFamily="34" charset="0"/>
+                          <a:ea typeface="+mn-ea"/>
+                          <a:cs typeface="+mn-cs"/>
+                        </a:rPr>
+                        <a:t>.graph</a:t>
+                      </a:r>
+                      <a:endParaRPr lang="ru-RU" sz="1600" b="0" i="0" u="none" strike="noStrike" kern="1200" dirty="0">
+                        <a:solidFill>
+                          <a:schemeClr val="bg1"/>
+                        </a:solidFill>
+                        <a:effectLst/>
+                        <a:latin typeface="Calibri" panose="020F0502020204030204" pitchFamily="34" charset="0"/>
+                        <a:ea typeface="+mn-ea"/>
+                        <a:cs typeface="+mn-cs"/>
+                      </a:endParaRPr>
+                    </a:p>
+                  </a:txBody>
+                  <a:tcPr marL="63500" marR="63500" marT="63500" marB="63500"/>
+                </a:tc>
+                <a:tc>
+                  <a:txBody>
+                    <a:bodyPr/>
+                    <a:lstStyle/>
+                    <a:p>
+                      <a:pPr marL="0" algn="ctr" defTabSz="914400" rtl="0" eaLnBrk="1" fontAlgn="b" latinLnBrk="0" hangingPunct="1">
+                        <a:lnSpc>
+                          <a:spcPct val="150000"/>
+                        </a:lnSpc>
+                        <a:spcAft>
+                          <a:spcPts val="0"/>
+                        </a:spcAft>
+                      </a:pPr>
+                      <a:r>
+                        <a:rPr lang="ru-RU" sz="1600" b="0" i="0" u="none" strike="noStrike" kern="1200" dirty="0">
+                          <a:solidFill>
+                            <a:srgbClr val="000000"/>
+                          </a:solidFill>
+                          <a:effectLst/>
+                          <a:latin typeface="Calibri" panose="020F0502020204030204" pitchFamily="34" charset="0"/>
+                          <a:ea typeface="+mn-ea"/>
+                          <a:cs typeface="+mn-cs"/>
+                        </a:rPr>
+                        <a:t>50000 </a:t>
+                      </a:r>
+                    </a:p>
+                  </a:txBody>
+                  <a:tcPr marL="63500" marR="63500" marT="63500" marB="63500"/>
+                </a:tc>
+                <a:tc>
+                  <a:txBody>
+                    <a:bodyPr/>
+                    <a:lstStyle/>
+                    <a:p>
+                      <a:pPr marL="0" algn="ctr" defTabSz="914400" rtl="0" eaLnBrk="1" fontAlgn="b" latinLnBrk="0" hangingPunct="1">
+                        <a:lnSpc>
+                          <a:spcPct val="150000"/>
+                        </a:lnSpc>
+                        <a:spcAft>
+                          <a:spcPts val="0"/>
+                        </a:spcAft>
+                      </a:pPr>
+                      <a:r>
+                        <a:rPr lang="ru-RU" sz="1600" b="0" i="0" u="none" strike="noStrike" kern="1200" dirty="0">
+                          <a:solidFill>
+                            <a:srgbClr val="000000"/>
+                          </a:solidFill>
+                          <a:effectLst/>
+                          <a:latin typeface="Calibri" panose="020F0502020204030204" pitchFamily="34" charset="0"/>
+                          <a:ea typeface="+mn-ea"/>
+                          <a:cs typeface="+mn-cs"/>
+                        </a:rPr>
+                        <a:t>99400</a:t>
+                      </a:r>
+                    </a:p>
+                  </a:txBody>
+                  <a:tcPr marL="63500" marR="63500" marT="63500" marB="63500"/>
+                </a:tc>
+                <a:tc>
+                  <a:txBody>
+                    <a:bodyPr/>
+                    <a:lstStyle/>
+                    <a:p>
+                      <a:pPr marL="0" algn="ctr" defTabSz="914400" rtl="0" eaLnBrk="1" fontAlgn="b" latinLnBrk="0" hangingPunct="1">
+                        <a:lnSpc>
+                          <a:spcPct val="150000"/>
+                        </a:lnSpc>
+                        <a:spcAft>
+                          <a:spcPts val="0"/>
+                        </a:spcAft>
+                      </a:pPr>
+                      <a:r>
+                        <a:rPr lang="ru-RU" sz="1600" b="0" i="0" u="none" strike="noStrike" kern="1200" dirty="0">
+                          <a:solidFill>
+                            <a:srgbClr val="000000"/>
+                          </a:solidFill>
+                          <a:effectLst/>
+                          <a:latin typeface="Calibri" panose="020F0502020204030204" pitchFamily="34" charset="0"/>
+                          <a:ea typeface="+mn-ea"/>
+                          <a:cs typeface="+mn-cs"/>
+                        </a:rPr>
+                        <a:t>ИСТИНА</a:t>
+                      </a:r>
+                    </a:p>
+                  </a:txBody>
+                  <a:tcPr marL="63500" marR="63500" marT="63500" marB="63500">
+                    <a:solidFill>
+                      <a:schemeClr val="accent6"/>
+                    </a:solidFill>
+                  </a:tcPr>
+                </a:tc>
+                <a:tc>
+                  <a:txBody>
+                    <a:bodyPr/>
+                    <a:lstStyle/>
+                    <a:p>
+                      <a:pPr marL="0" algn="ctr" defTabSz="914400" rtl="0" eaLnBrk="1" fontAlgn="b" latinLnBrk="0" hangingPunct="1">
+                        <a:lnSpc>
+                          <a:spcPct val="150000"/>
+                        </a:lnSpc>
+                        <a:spcAft>
+                          <a:spcPts val="0"/>
+                        </a:spcAft>
+                      </a:pPr>
+                      <a:r>
+                        <a:rPr lang="ru-RU" sz="1600" b="0" i="0" u="none" strike="noStrike" kern="1200" smtClean="0">
+                          <a:solidFill>
+                            <a:srgbClr val="000000"/>
+                          </a:solidFill>
+                          <a:effectLst/>
+                          <a:latin typeface="Calibri" panose="020F0502020204030204" pitchFamily="34" charset="0"/>
+                          <a:ea typeface="+mn-ea"/>
+                          <a:cs typeface="+mn-cs"/>
+                        </a:rPr>
+                        <a:t>ИСТИНА</a:t>
+                      </a:r>
+                      <a:endParaRPr lang="en-US" sz="1600" b="0" i="0" u="none" strike="noStrike" kern="1200" dirty="0" smtClean="0">
+                        <a:solidFill>
+                          <a:srgbClr val="000000"/>
+                        </a:solidFill>
+                        <a:effectLst/>
+                        <a:latin typeface="Calibri" panose="020F0502020204030204" pitchFamily="34" charset="0"/>
+                        <a:ea typeface="+mn-ea"/>
+                        <a:cs typeface="+mn-cs"/>
+                      </a:endParaRPr>
+                    </a:p>
+                  </a:txBody>
+                  <a:tcPr marL="68580" marR="68580" marT="0" marB="0">
+                    <a:solidFill>
+                      <a:schemeClr val="accent6"/>
+                    </a:solidFill>
+                  </a:tcPr>
+                </a:tc>
+                <a:tc>
+                  <a:txBody>
+                    <a:bodyPr/>
+                    <a:lstStyle/>
+                    <a:p>
+                      <a:pPr marL="0" algn="ctr" defTabSz="914400" rtl="0" eaLnBrk="1" fontAlgn="b" latinLnBrk="0" hangingPunct="1">
+                        <a:lnSpc>
+                          <a:spcPct val="150000"/>
+                        </a:lnSpc>
+                        <a:spcAft>
+                          <a:spcPts val="0"/>
+                        </a:spcAft>
+                      </a:pPr>
+                      <a:r>
+                        <a:rPr lang="ru-RU" sz="1600" b="0" i="0" u="none" strike="noStrike" kern="1200" dirty="0">
+                          <a:solidFill>
+                            <a:srgbClr val="000000"/>
+                          </a:solidFill>
+                          <a:effectLst/>
+                          <a:latin typeface="Calibri" panose="020F0502020204030204" pitchFamily="34" charset="0"/>
+                          <a:ea typeface="+mn-ea"/>
+                          <a:cs typeface="+mn-cs"/>
+                        </a:rPr>
+                        <a:t>641013</a:t>
+                      </a:r>
+                    </a:p>
+                  </a:txBody>
+                  <a:tcPr marL="63500" marR="63500" marT="63500" marB="63500"/>
+                </a:tc>
+              </a:tr>
+              <a:tr h="519068">
                 <a:tc>
                   <a:txBody>
                     <a:bodyPr/>
@@ -22609,7 +23026,7 @@
                     <a:p>
                       <a:pPr algn="ctr" fontAlgn="b"/>
                       <a:r>
-                        <a:rPr lang="en-US" sz="1800" b="0" i="0" u="none" strike="noStrike" dirty="0">
+                        <a:rPr lang="en-US" sz="1600" b="0" i="0" u="none" strike="noStrike" dirty="0">
                           <a:solidFill>
                             <a:schemeClr val="bg1"/>
                           </a:solidFill>
@@ -22629,7 +23046,7 @@
                     <a:p>
                       <a:pPr algn="ctr" fontAlgn="b"/>
                       <a:r>
-                        <a:rPr lang="ru-RU" sz="1800" b="0" i="0" u="none" strike="noStrike" dirty="0">
+                        <a:rPr lang="ru-RU" sz="1600" b="0" i="0" u="none" strike="noStrike" dirty="0">
                           <a:solidFill>
                             <a:srgbClr val="000000"/>
                           </a:solidFill>
@@ -22649,7 +23066,7 @@
                     <a:p>
                       <a:pPr algn="ctr" fontAlgn="b"/>
                       <a:r>
-                        <a:rPr lang="ru-RU" sz="1800" b="0" i="0" u="none" strike="noStrike">
+                        <a:rPr lang="ru-RU" sz="1600" b="0" i="0" u="none" strike="noStrike">
                           <a:solidFill>
                             <a:srgbClr val="000000"/>
                           </a:solidFill>
@@ -22669,7 +23086,7 @@
                     <a:p>
                       <a:pPr algn="ctr" fontAlgn="b"/>
                       <a:r>
-                        <a:rPr lang="ru-RU" sz="1800" b="0" i="0" u="none" strike="noStrike" dirty="0">
+                        <a:rPr lang="ru-RU" sz="1600" b="0" i="0" u="none" strike="noStrike" dirty="0">
                           <a:solidFill>
                             <a:srgbClr val="000000"/>
                           </a:solidFill>
@@ -22709,7 +23126,7 @@
                         <a:defRPr/>
                       </a:pPr>
                       <a:r>
-                        <a:rPr kumimoji="0" lang="ru-RU" sz="1800" b="0" i="0" u="none" strike="noStrike" kern="1200" cap="none" spc="0" normalizeH="0" baseline="0" noProof="0" dirty="0">
+                        <a:rPr kumimoji="0" lang="ru-RU" sz="1600" b="0" i="0" u="none" strike="noStrike" kern="1200" cap="none" spc="0" normalizeH="0" baseline="0" noProof="0" dirty="0">
                           <a:ln>
                             <a:noFill/>
                           </a:ln>
@@ -22740,7 +23157,7 @@
                     <a:p>
                       <a:pPr algn="ctr" fontAlgn="b"/>
                       <a:r>
-                        <a:rPr lang="ru-RU" sz="1800" b="0" i="0" u="none" strike="noStrike" dirty="0">
+                        <a:rPr lang="ru-RU" sz="1600" b="0" i="0" u="none" strike="noStrike" dirty="0">
                           <a:solidFill>
                             <a:srgbClr val="000000"/>
                           </a:solidFill>
@@ -22755,11 +23172,11 @@
                 </a:tc>
                 <a:extLst>
                   <a:ext uri="{0D108BD9-81ED-4DB2-BD59-A6C34878D82A}">
-                    <a16:rowId xmlns:a16="http://schemas.microsoft.com/office/drawing/2014/main" val="10012"/>
+                    <a16:rowId xmlns:a16="http://schemas.microsoft.com/office/drawing/2014/main" xmlns="" val="10012"/>
                   </a:ext>
                 </a:extLst>
               </a:tr>
-              <a:tr h="566862">
+              <a:tr h="519068">
                 <a:tc>
                   <a:txBody>
                     <a:bodyPr/>
@@ -22767,7 +23184,7 @@
                     <a:p>
                       <a:pPr algn="ctr" fontAlgn="b"/>
                       <a:r>
-                        <a:rPr lang="en-US" sz="1800" b="0" i="0" u="none" strike="noStrike" dirty="0">
+                        <a:rPr lang="en-US" sz="1600" b="0" i="0" u="none" strike="noStrike" dirty="0">
                           <a:solidFill>
                             <a:schemeClr val="bg1"/>
                           </a:solidFill>
@@ -22787,7 +23204,7 @@
                     <a:p>
                       <a:pPr algn="ctr" fontAlgn="b"/>
                       <a:r>
-                        <a:rPr lang="ru-RU" sz="1800" b="0" i="0" u="none" strike="noStrike" dirty="0">
+                        <a:rPr lang="ru-RU" sz="1600" b="0" i="0" u="none" strike="noStrike" dirty="0">
                           <a:solidFill>
                             <a:srgbClr val="000000"/>
                           </a:solidFill>
@@ -22807,7 +23224,7 @@
                     <a:p>
                       <a:pPr algn="ctr" fontAlgn="b"/>
                       <a:r>
-                        <a:rPr lang="ru-RU" sz="1800" b="0" i="0" u="none" strike="noStrike" dirty="0">
+                        <a:rPr lang="ru-RU" sz="1600" b="0" i="0" u="none" strike="noStrike" dirty="0">
                           <a:solidFill>
                             <a:srgbClr val="000000"/>
                           </a:solidFill>
@@ -22827,7 +23244,7 @@
                     <a:p>
                       <a:pPr algn="ctr" fontAlgn="b"/>
                       <a:r>
-                        <a:rPr lang="ru-RU" sz="1800" b="0" i="0" u="none" strike="noStrike" dirty="0">
+                        <a:rPr lang="ru-RU" sz="1600" b="0" i="0" u="none" strike="noStrike" dirty="0">
                           <a:solidFill>
                             <a:srgbClr val="000000"/>
                           </a:solidFill>
@@ -22851,7 +23268,7 @@
                     <a:p>
                       <a:pPr algn="ctr" fontAlgn="b"/>
                       <a:r>
-                        <a:rPr lang="ru-RU" sz="1800" b="0" i="0" u="none" strike="noStrike" dirty="0">
+                        <a:rPr lang="ru-RU" sz="1600" b="0" i="0" u="none" strike="noStrike" dirty="0">
                           <a:solidFill>
                             <a:srgbClr val="000000"/>
                           </a:solidFill>
@@ -22875,7 +23292,7 @@
                     <a:p>
                       <a:pPr algn="ctr" fontAlgn="b"/>
                       <a:r>
-                        <a:rPr lang="ru-RU" sz="1800" b="0" i="0" u="none" strike="noStrike" dirty="0">
+                        <a:rPr lang="ru-RU" sz="1600" b="0" i="0" u="none" strike="noStrike" dirty="0">
                           <a:solidFill>
                             <a:srgbClr val="000000"/>
                           </a:solidFill>
@@ -22890,11 +23307,11 @@
                 </a:tc>
                 <a:extLst>
                   <a:ext uri="{0D108BD9-81ED-4DB2-BD59-A6C34878D82A}">
-                    <a16:rowId xmlns:a16="http://schemas.microsoft.com/office/drawing/2014/main" val="10013"/>
+                    <a16:rowId xmlns:a16="http://schemas.microsoft.com/office/drawing/2014/main" xmlns="" val="10013"/>
                   </a:ext>
                 </a:extLst>
               </a:tr>
-              <a:tr h="566862">
+              <a:tr h="519068">
                 <a:tc>
                   <a:txBody>
                     <a:bodyPr/>
@@ -22902,7 +23319,7 @@
                     <a:p>
                       <a:pPr algn="ctr" fontAlgn="b"/>
                       <a:r>
-                        <a:rPr lang="en-US" sz="1800" b="0" i="0" u="none" strike="noStrike" dirty="0">
+                        <a:rPr lang="en-US" sz="1600" b="0" i="0" u="none" strike="noStrike" dirty="0">
                           <a:solidFill>
                             <a:schemeClr val="bg1"/>
                           </a:solidFill>
@@ -22922,7 +23339,7 @@
                     <a:p>
                       <a:pPr algn="ctr" fontAlgn="b"/>
                       <a:r>
-                        <a:rPr lang="ru-RU" sz="1800" b="0" i="0" u="none" strike="noStrike" dirty="0">
+                        <a:rPr lang="ru-RU" sz="1600" b="0" i="0" u="none" strike="noStrike" dirty="0">
                           <a:solidFill>
                             <a:srgbClr val="000000"/>
                           </a:solidFill>
@@ -22942,7 +23359,7 @@
                     <a:p>
                       <a:pPr algn="ctr" fontAlgn="b"/>
                       <a:r>
-                        <a:rPr lang="ru-RU" sz="1800" b="0" i="0" u="none" strike="noStrike" dirty="0">
+                        <a:rPr lang="ru-RU" sz="1600" b="0" i="0" u="none" strike="noStrike" dirty="0">
                           <a:solidFill>
                             <a:srgbClr val="000000"/>
                           </a:solidFill>
@@ -22962,7 +23379,7 @@
                     <a:p>
                       <a:pPr algn="ctr" fontAlgn="b"/>
                       <a:r>
-                        <a:rPr lang="ru-RU" sz="1800" b="0" i="0" u="none" strike="noStrike" dirty="0">
+                        <a:rPr lang="ru-RU" sz="1600" b="0" i="0" u="none" strike="noStrike" dirty="0">
                           <a:solidFill>
                             <a:srgbClr val="000000"/>
                           </a:solidFill>
@@ -22986,7 +23403,7 @@
                     <a:p>
                       <a:pPr algn="ctr" fontAlgn="b"/>
                       <a:r>
-                        <a:rPr lang="ru-RU" sz="1800" b="0" i="0" u="none" strike="noStrike" dirty="0">
+                        <a:rPr lang="ru-RU" sz="1600" b="0" i="0" u="none" strike="noStrike" dirty="0">
                           <a:solidFill>
                             <a:srgbClr val="000000"/>
                           </a:solidFill>
@@ -23010,7 +23427,7 @@
                     <a:p>
                       <a:pPr algn="ctr" fontAlgn="b"/>
                       <a:r>
-                        <a:rPr lang="ru-RU" sz="1800" b="0" i="0" u="none" strike="noStrike">
+                        <a:rPr lang="ru-RU" sz="1600" b="0" i="0" u="none" strike="noStrike">
                           <a:solidFill>
                             <a:srgbClr val="000000"/>
                           </a:solidFill>
@@ -23025,11 +23442,11 @@
                 </a:tc>
                 <a:extLst>
                   <a:ext uri="{0D108BD9-81ED-4DB2-BD59-A6C34878D82A}">
-                    <a16:rowId xmlns:a16="http://schemas.microsoft.com/office/drawing/2014/main" val="10014"/>
+                    <a16:rowId xmlns:a16="http://schemas.microsoft.com/office/drawing/2014/main" xmlns="" val="10014"/>
                   </a:ext>
                 </a:extLst>
               </a:tr>
-              <a:tr h="566862">
+              <a:tr h="519068">
                 <a:tc>
                   <a:txBody>
                     <a:bodyPr/>
@@ -23037,7 +23454,7 @@
                     <a:p>
                       <a:pPr algn="ctr" fontAlgn="b"/>
                       <a:r>
-                        <a:rPr lang="en-US" sz="1800" b="0" i="0" u="none" strike="noStrike" dirty="0">
+                        <a:rPr lang="en-US" sz="1600" b="0" i="0" u="none" strike="noStrike" dirty="0">
                           <a:solidFill>
                             <a:schemeClr val="bg1"/>
                           </a:solidFill>
@@ -23057,7 +23474,7 @@
                     <a:p>
                       <a:pPr algn="ctr" fontAlgn="b"/>
                       <a:r>
-                        <a:rPr lang="ru-RU" sz="1800" b="0" i="0" u="none" strike="noStrike">
+                        <a:rPr lang="ru-RU" sz="1600" b="0" i="0" u="none" strike="noStrike">
                           <a:solidFill>
                             <a:srgbClr val="000000"/>
                           </a:solidFill>
@@ -23077,7 +23494,7 @@
                     <a:p>
                       <a:pPr algn="ctr" fontAlgn="b"/>
                       <a:r>
-                        <a:rPr lang="ru-RU" sz="1800" b="0" i="0" u="none" strike="noStrike" dirty="0">
+                        <a:rPr lang="ru-RU" sz="1600" b="0" i="0" u="none" strike="noStrike" dirty="0">
                           <a:solidFill>
                             <a:srgbClr val="000000"/>
                           </a:solidFill>
@@ -23097,7 +23514,7 @@
                     <a:p>
                       <a:pPr algn="ctr" fontAlgn="b"/>
                       <a:r>
-                        <a:rPr lang="ru-RU" sz="1800" b="0" i="0" u="none" strike="noStrike" dirty="0">
+                        <a:rPr lang="ru-RU" sz="1600" b="0" i="0" u="none" strike="noStrike" dirty="0">
                           <a:solidFill>
                             <a:srgbClr val="000000"/>
                           </a:solidFill>
@@ -23121,7 +23538,7 @@
                     <a:p>
                       <a:pPr algn="ctr" fontAlgn="b"/>
                       <a:r>
-                        <a:rPr lang="ru-RU" sz="1800" b="0" i="0" u="none" strike="noStrike" dirty="0">
+                        <a:rPr lang="ru-RU" sz="1600" b="0" i="0" u="none" strike="noStrike" dirty="0">
                           <a:solidFill>
                             <a:srgbClr val="000000"/>
                           </a:solidFill>
@@ -23145,7 +23562,7 @@
                     <a:p>
                       <a:pPr algn="ctr" fontAlgn="b"/>
                       <a:r>
-                        <a:rPr lang="ru-RU" sz="1800" b="0" i="0" u="none" strike="noStrike">
+                        <a:rPr lang="ru-RU" sz="1600" b="0" i="0" u="none" strike="noStrike">
                           <a:solidFill>
                             <a:srgbClr val="000000"/>
                           </a:solidFill>
@@ -23160,11 +23577,11 @@
                 </a:tc>
                 <a:extLst>
                   <a:ext uri="{0D108BD9-81ED-4DB2-BD59-A6C34878D82A}">
-                    <a16:rowId xmlns:a16="http://schemas.microsoft.com/office/drawing/2014/main" val="10015"/>
+                    <a16:rowId xmlns:a16="http://schemas.microsoft.com/office/drawing/2014/main" xmlns="" val="10015"/>
                   </a:ext>
                 </a:extLst>
               </a:tr>
-              <a:tr h="566862">
+              <a:tr h="519068">
                 <a:tc>
                   <a:txBody>
                     <a:bodyPr/>
@@ -23172,7 +23589,7 @@
                     <a:p>
                       <a:pPr algn="ctr" fontAlgn="b"/>
                       <a:r>
-                        <a:rPr lang="en-US" sz="1800" b="0" i="0" u="none" strike="noStrike" dirty="0">
+                        <a:rPr lang="en-US" sz="1600" b="0" i="0" u="none" strike="noStrike" dirty="0">
                           <a:solidFill>
                             <a:schemeClr val="bg1"/>
                           </a:solidFill>
@@ -23192,7 +23609,7 @@
                     <a:p>
                       <a:pPr algn="ctr" fontAlgn="b"/>
                       <a:r>
-                        <a:rPr lang="ru-RU" sz="1800" b="0" i="0" u="none" strike="noStrike">
+                        <a:rPr lang="ru-RU" sz="1600" b="0" i="0" u="none" strike="noStrike">
                           <a:solidFill>
                             <a:srgbClr val="000000"/>
                           </a:solidFill>
@@ -23212,7 +23629,7 @@
                     <a:p>
                       <a:pPr algn="ctr" fontAlgn="b"/>
                       <a:r>
-                        <a:rPr lang="ru-RU" sz="1800" b="0" i="0" u="none" strike="noStrike" dirty="0">
+                        <a:rPr lang="ru-RU" sz="1600" b="0" i="0" u="none" strike="noStrike" dirty="0">
                           <a:solidFill>
                             <a:srgbClr val="000000"/>
                           </a:solidFill>
@@ -23232,7 +23649,7 @@
                     <a:p>
                       <a:pPr algn="ctr" fontAlgn="b"/>
                       <a:r>
-                        <a:rPr lang="ru-RU" sz="1800" b="0" i="0" u="none" strike="noStrike" dirty="0">
+                        <a:rPr lang="ru-RU" sz="1600" b="0" i="0" u="none" strike="noStrike" dirty="0">
                           <a:solidFill>
                             <a:srgbClr val="000000"/>
                           </a:solidFill>
@@ -23256,7 +23673,7 @@
                     <a:p>
                       <a:pPr algn="ctr" fontAlgn="b"/>
                       <a:r>
-                        <a:rPr lang="ru-RU" sz="1800" b="0" i="0" u="none" strike="noStrike" dirty="0">
+                        <a:rPr lang="ru-RU" sz="1600" b="0" i="0" u="none" strike="noStrike" dirty="0">
                           <a:solidFill>
                             <a:srgbClr val="000000"/>
                           </a:solidFill>
@@ -23280,7 +23697,7 @@
                     <a:p>
                       <a:pPr algn="ctr" fontAlgn="b"/>
                       <a:r>
-                        <a:rPr lang="ru-RU" sz="1800" b="0" i="0" u="none" strike="noStrike" dirty="0">
+                        <a:rPr lang="ru-RU" sz="1600" b="0" i="0" u="none" strike="noStrike" dirty="0">
                           <a:solidFill>
                             <a:srgbClr val="000000"/>
                           </a:solidFill>
@@ -23295,11 +23712,11 @@
                 </a:tc>
                 <a:extLst>
                   <a:ext uri="{0D108BD9-81ED-4DB2-BD59-A6C34878D82A}">
-                    <a16:rowId xmlns:a16="http://schemas.microsoft.com/office/drawing/2014/main" val="10016"/>
+                    <a16:rowId xmlns:a16="http://schemas.microsoft.com/office/drawing/2014/main" xmlns="" val="10016"/>
                   </a:ext>
                 </a:extLst>
               </a:tr>
-              <a:tr h="566862">
+              <a:tr h="519068">
                 <a:tc>
                   <a:txBody>
                     <a:bodyPr/>
@@ -23307,7 +23724,7 @@
                     <a:p>
                       <a:pPr algn="ctr" fontAlgn="b"/>
                       <a:r>
-                        <a:rPr lang="en-US" sz="1800" b="0" i="0" u="none" strike="noStrike" dirty="0" err="1">
+                        <a:rPr lang="en-US" sz="1600" b="0" i="0" u="none" strike="noStrike" dirty="0" err="1">
                           <a:solidFill>
                             <a:schemeClr val="bg1"/>
                           </a:solidFill>
@@ -23316,7 +23733,7 @@
                         </a:rPr>
                         <a:t>fe_rotor.graph</a:t>
                       </a:r>
-                      <a:endParaRPr lang="en-US" sz="1800" b="0" i="0" u="none" strike="noStrike" dirty="0">
+                      <a:endParaRPr lang="en-US" sz="1600" b="0" i="0" u="none" strike="noStrike" dirty="0">
                         <a:solidFill>
                           <a:schemeClr val="bg1"/>
                         </a:solidFill>
@@ -23334,7 +23751,7 @@
                     <a:p>
                       <a:pPr algn="ctr" fontAlgn="b"/>
                       <a:r>
-                        <a:rPr lang="ru-RU" sz="1800" b="0" i="0" u="none" strike="noStrike" dirty="0">
+                        <a:rPr lang="ru-RU" sz="1600" b="0" i="0" u="none" strike="noStrike" dirty="0">
                           <a:solidFill>
                             <a:srgbClr val="000000"/>
                           </a:solidFill>
@@ -23354,7 +23771,7 @@
                     <a:p>
                       <a:pPr algn="ctr" fontAlgn="b"/>
                       <a:r>
-                        <a:rPr lang="ru-RU" sz="1800" b="0" i="0" u="none" strike="noStrike" dirty="0">
+                        <a:rPr lang="ru-RU" sz="1600" b="0" i="0" u="none" strike="noStrike" dirty="0">
                           <a:solidFill>
                             <a:srgbClr val="000000"/>
                           </a:solidFill>
@@ -23374,7 +23791,7 @@
                     <a:p>
                       <a:pPr algn="ctr" fontAlgn="b"/>
                       <a:r>
-                        <a:rPr lang="ru-RU" sz="1800" b="0" i="0" u="none" strike="noStrike" dirty="0">
+                        <a:rPr lang="ru-RU" sz="1600" b="0" i="0" u="none" strike="noStrike" dirty="0">
                           <a:solidFill>
                             <a:srgbClr val="000000"/>
                           </a:solidFill>
@@ -23398,7 +23815,7 @@
                     <a:p>
                       <a:pPr algn="ctr" fontAlgn="b"/>
                       <a:r>
-                        <a:rPr kumimoji="0" lang="ru-RU" sz="1800" b="0" i="0" u="none" strike="noStrike" kern="1200" cap="none" spc="0" normalizeH="0" baseline="0" noProof="0" dirty="0">
+                        <a:rPr kumimoji="0" lang="ru-RU" sz="1600" b="0" i="0" u="none" strike="noStrike" kern="1200" cap="none" spc="0" normalizeH="0" baseline="0" noProof="0" dirty="0">
                           <a:ln>
                             <a:noFill/>
                           </a:ln>
@@ -23414,7 +23831,7 @@
                         </a:rPr>
                         <a:t>ЛОЖЬ</a:t>
                       </a:r>
-                      <a:endParaRPr lang="ru-RU" sz="1800" b="0" i="0" u="none" strike="noStrike" dirty="0">
+                      <a:endParaRPr lang="ru-RU" sz="1600" b="0" i="0" u="none" strike="noStrike" dirty="0">
                         <a:solidFill>
                           <a:srgbClr val="000000"/>
                         </a:solidFill>
@@ -23436,7 +23853,7 @@
                     <a:p>
                       <a:pPr algn="ctr" fontAlgn="b"/>
                       <a:r>
-                        <a:rPr lang="ru-RU" sz="1800" b="0" i="0" u="none" strike="noStrike" dirty="0">
+                        <a:rPr lang="ru-RU" sz="1600" b="0" i="0" u="none" strike="noStrike" dirty="0">
                           <a:solidFill>
                             <a:srgbClr val="000000"/>
                           </a:solidFill>
@@ -23451,11 +23868,11 @@
                 </a:tc>
                 <a:extLst>
                   <a:ext uri="{0D108BD9-81ED-4DB2-BD59-A6C34878D82A}">
-                    <a16:rowId xmlns:a16="http://schemas.microsoft.com/office/drawing/2014/main" val="10017"/>
+                    <a16:rowId xmlns:a16="http://schemas.microsoft.com/office/drawing/2014/main" xmlns="" val="10017"/>
                   </a:ext>
                 </a:extLst>
               </a:tr>
-              <a:tr h="566862">
+              <a:tr h="519068">
                 <a:tc>
                   <a:txBody>
                     <a:bodyPr/>
@@ -23463,7 +23880,7 @@
                     <a:p>
                       <a:pPr algn="ctr" fontAlgn="b"/>
                       <a:r>
-                        <a:rPr lang="en-US" sz="1800" b="0" i="0" u="none" strike="noStrike" dirty="0" err="1">
+                        <a:rPr lang="en-US" sz="1600" b="0" i="0" u="none" strike="noStrike" dirty="0" err="1">
                           <a:solidFill>
                             <a:schemeClr val="bg1"/>
                           </a:solidFill>
@@ -23472,7 +23889,7 @@
                         </a:rPr>
                         <a:t>fe_tooth.graph</a:t>
                       </a:r>
-                      <a:endParaRPr lang="en-US" sz="1800" b="0" i="0" u="none" strike="noStrike" dirty="0">
+                      <a:endParaRPr lang="en-US" sz="1600" b="0" i="0" u="none" strike="noStrike" dirty="0">
                         <a:solidFill>
                           <a:schemeClr val="bg1"/>
                         </a:solidFill>
@@ -23490,7 +23907,7 @@
                     <a:p>
                       <a:pPr algn="ctr" fontAlgn="b"/>
                       <a:r>
-                        <a:rPr lang="ru-RU" sz="1800" b="0" i="0" u="none" strike="noStrike">
+                        <a:rPr lang="ru-RU" sz="1600" b="0" i="0" u="none" strike="noStrike">
                           <a:solidFill>
                             <a:srgbClr val="000000"/>
                           </a:solidFill>
@@ -23510,7 +23927,7 @@
                     <a:p>
                       <a:pPr algn="ctr" fontAlgn="b"/>
                       <a:r>
-                        <a:rPr lang="ru-RU" sz="1800" b="0" i="0" u="none" strike="noStrike" dirty="0">
+                        <a:rPr lang="ru-RU" sz="1600" b="0" i="0" u="none" strike="noStrike" dirty="0">
                           <a:solidFill>
                             <a:srgbClr val="000000"/>
                           </a:solidFill>
@@ -23530,7 +23947,7 @@
                     <a:p>
                       <a:pPr algn="ctr" fontAlgn="b"/>
                       <a:r>
-                        <a:rPr lang="ru-RU" sz="1800" b="0" i="0" u="none" strike="noStrike" dirty="0">
+                        <a:rPr lang="ru-RU" sz="1600" b="0" i="0" u="none" strike="noStrike" dirty="0">
                           <a:solidFill>
                             <a:srgbClr val="000000"/>
                           </a:solidFill>
@@ -23554,7 +23971,7 @@
                     <a:p>
                       <a:pPr algn="ctr" fontAlgn="b"/>
                       <a:r>
-                        <a:rPr kumimoji="0" lang="ru-RU" sz="1800" b="0" i="0" u="none" strike="noStrike" kern="1200" cap="none" spc="0" normalizeH="0" baseline="0" noProof="0" dirty="0">
+                        <a:rPr kumimoji="0" lang="ru-RU" sz="1600" b="0" i="0" u="none" strike="noStrike" kern="1200" cap="none" spc="0" normalizeH="0" baseline="0" noProof="0" dirty="0">
                           <a:ln>
                             <a:noFill/>
                           </a:ln>
@@ -23570,7 +23987,7 @@
                         </a:rPr>
                         <a:t>ЛОЖЬ</a:t>
                       </a:r>
-                      <a:endParaRPr lang="ru-RU" sz="1800" b="0" i="0" u="none" strike="noStrike" dirty="0">
+                      <a:endParaRPr lang="ru-RU" sz="1600" b="0" i="0" u="none" strike="noStrike" dirty="0">
                         <a:solidFill>
                           <a:srgbClr val="000000"/>
                         </a:solidFill>
@@ -23592,7 +24009,7 @@
                     <a:p>
                       <a:pPr algn="ctr" fontAlgn="b"/>
                       <a:r>
-                        <a:rPr lang="ru-RU" sz="1800" b="0" i="0" u="none" strike="noStrike" dirty="0">
+                        <a:rPr lang="ru-RU" sz="1600" b="0" i="0" u="none" strike="noStrike" dirty="0">
                           <a:solidFill>
                             <a:srgbClr val="000000"/>
                           </a:solidFill>
@@ -23607,11 +24024,11 @@
                 </a:tc>
                 <a:extLst>
                   <a:ext uri="{0D108BD9-81ED-4DB2-BD59-A6C34878D82A}">
-                    <a16:rowId xmlns:a16="http://schemas.microsoft.com/office/drawing/2014/main" val="10018"/>
+                    <a16:rowId xmlns:a16="http://schemas.microsoft.com/office/drawing/2014/main" xmlns="" val="10018"/>
                   </a:ext>
                 </a:extLst>
               </a:tr>
-              <a:tr h="566862">
+              <a:tr h="519068">
                 <a:tc>
                   <a:txBody>
                     <a:bodyPr/>
@@ -23619,7 +24036,7 @@
                     <a:p>
                       <a:pPr algn="ctr" fontAlgn="b"/>
                       <a:r>
-                        <a:rPr lang="en-US" sz="1800" b="0" i="0" u="none" strike="noStrike" dirty="0" err="1">
+                        <a:rPr lang="en-US" sz="1600" b="0" i="0" u="none" strike="noStrike" dirty="0" err="1">
                           <a:solidFill>
                             <a:schemeClr val="bg1"/>
                           </a:solidFill>
@@ -23628,7 +24045,7 @@
                         </a:rPr>
                         <a:t>mdual.graph</a:t>
                       </a:r>
-                      <a:endParaRPr lang="en-US" sz="1800" b="0" i="0" u="none" strike="noStrike" dirty="0">
+                      <a:endParaRPr lang="en-US" sz="1600" b="0" i="0" u="none" strike="noStrike" dirty="0">
                         <a:solidFill>
                           <a:schemeClr val="bg1"/>
                         </a:solidFill>
@@ -23646,7 +24063,7 @@
                     <a:p>
                       <a:pPr algn="ctr" fontAlgn="b"/>
                       <a:r>
-                        <a:rPr lang="ru-RU" sz="1800" b="0" i="0" u="none" strike="noStrike">
+                        <a:rPr lang="ru-RU" sz="1600" b="0" i="0" u="none" strike="noStrike" dirty="0">
                           <a:solidFill>
                             <a:srgbClr val="000000"/>
                           </a:solidFill>
@@ -23666,7 +24083,7 @@
                     <a:p>
                       <a:pPr algn="ctr" fontAlgn="b"/>
                       <a:r>
-                        <a:rPr lang="ru-RU" sz="1800" b="0" i="0" u="none" strike="noStrike" dirty="0">
+                        <a:rPr lang="ru-RU" sz="1600" b="0" i="0" u="none" strike="noStrike" dirty="0">
                           <a:solidFill>
                             <a:srgbClr val="000000"/>
                           </a:solidFill>
@@ -23686,7 +24103,7 @@
                     <a:p>
                       <a:pPr algn="ctr" fontAlgn="b"/>
                       <a:r>
-                        <a:rPr lang="ru-RU" sz="1800" b="0" i="0" u="none" strike="noStrike" dirty="0">
+                        <a:rPr lang="ru-RU" sz="1600" b="0" i="0" u="none" strike="noStrike" dirty="0">
                           <a:solidFill>
                             <a:srgbClr val="000000"/>
                           </a:solidFill>
@@ -23710,7 +24127,7 @@
                     <a:p>
                       <a:pPr algn="ctr" fontAlgn="b"/>
                       <a:r>
-                        <a:rPr kumimoji="0" lang="ru-RU" sz="1800" b="0" i="0" u="none" strike="noStrike" kern="1200" cap="none" spc="0" normalizeH="0" baseline="0" noProof="0" dirty="0">
+                        <a:rPr kumimoji="0" lang="ru-RU" sz="1600" b="0" i="0" u="none" strike="noStrike" kern="1200" cap="none" spc="0" normalizeH="0" baseline="0" noProof="0" dirty="0">
                           <a:ln>
                             <a:noFill/>
                           </a:ln>
@@ -23726,7 +24143,7 @@
                         </a:rPr>
                         <a:t>ЛОЖЬ</a:t>
                       </a:r>
-                      <a:endParaRPr lang="ru-RU" sz="1800" b="0" i="0" u="none" strike="noStrike" dirty="0">
+                      <a:endParaRPr lang="ru-RU" sz="1600" b="0" i="0" u="none" strike="noStrike" dirty="0">
                         <a:solidFill>
                           <a:srgbClr val="000000"/>
                         </a:solidFill>
@@ -23748,7 +24165,7 @@
                     <a:p>
                       <a:pPr algn="ctr" fontAlgn="b"/>
                       <a:r>
-                        <a:rPr lang="ru-RU" sz="1800" b="0" i="0" u="none" strike="noStrike" dirty="0">
+                        <a:rPr lang="ru-RU" sz="1600" b="0" i="0" u="none" strike="noStrike" dirty="0">
                           <a:solidFill>
                             <a:srgbClr val="000000"/>
                           </a:solidFill>
@@ -23763,7 +24180,7 @@
                 </a:tc>
                 <a:extLst>
                   <a:ext uri="{0D108BD9-81ED-4DB2-BD59-A6C34878D82A}">
-                    <a16:rowId xmlns:a16="http://schemas.microsoft.com/office/drawing/2014/main" val="3975127968"/>
+                    <a16:rowId xmlns:a16="http://schemas.microsoft.com/office/drawing/2014/main" xmlns="" val="3975127968"/>
                   </a:ext>
                 </a:extLst>
               </a:tr>
@@ -24137,7 +24554,7 @@
           <p:cNvPr id="2" name="Slide Number Placeholder 1">
             <a:extLst>
               <a:ext uri="{FF2B5EF4-FFF2-40B4-BE49-F238E27FC236}">
-                <a16:creationId xmlns:a16="http://schemas.microsoft.com/office/drawing/2014/main" id="{40482550-BC91-44EE-BD8E-5D85817068D5}"/>
+                <a16:creationId xmlns:a16="http://schemas.microsoft.com/office/drawing/2014/main" xmlns="" id="{40482550-BC91-44EE-BD8E-5D85817068D5}"/>
               </a:ext>
             </a:extLst>
           </p:cNvPr>
@@ -24166,7 +24583,7 @@
           <p:cNvPr id="5" name="Заголовок 1">
             <a:extLst>
               <a:ext uri="{FF2B5EF4-FFF2-40B4-BE49-F238E27FC236}">
-                <a16:creationId xmlns:a16="http://schemas.microsoft.com/office/drawing/2014/main" id="{08AFF44A-9A6A-4D99-B676-8EEC01B3E375}"/>
+                <a16:creationId xmlns:a16="http://schemas.microsoft.com/office/drawing/2014/main" xmlns="" id="{08AFF44A-9A6A-4D99-B676-8EEC01B3E375}"/>
               </a:ext>
             </a:extLst>
           </p:cNvPr>
@@ -24227,7 +24644,7 @@
           <p:cNvPr id="6" name="Rectangle 5">
             <a:extLst>
               <a:ext uri="{FF2B5EF4-FFF2-40B4-BE49-F238E27FC236}">
-                <a16:creationId xmlns:a16="http://schemas.microsoft.com/office/drawing/2014/main" id="{D9B4E9DC-6BAE-4897-B3FA-3967E0072DB1}"/>
+                <a16:creationId xmlns:a16="http://schemas.microsoft.com/office/drawing/2014/main" xmlns="" id="{D9B4E9DC-6BAE-4897-B3FA-3967E0072DB1}"/>
               </a:ext>
             </a:extLst>
           </p:cNvPr>
@@ -24399,7 +24816,7 @@
           <p:cNvPr id="7" name="Rectangle 6">
             <a:extLst>
               <a:ext uri="{FF2B5EF4-FFF2-40B4-BE49-F238E27FC236}">
-                <a16:creationId xmlns:a16="http://schemas.microsoft.com/office/drawing/2014/main" id="{EF58EC4D-5A59-4F1B-AEBC-599244732725}"/>
+                <a16:creationId xmlns:a16="http://schemas.microsoft.com/office/drawing/2014/main" xmlns="" id="{EF58EC4D-5A59-4F1B-AEBC-599244732725}"/>
               </a:ext>
             </a:extLst>
           </p:cNvPr>
@@ -25150,6 +25567,13 @@
           <a:lstStyle/>
           <a:p>
             <a:pPr lvl="0" algn="ctr"/>
+            <a:r>
+              <a:rPr lang="ru-RU" sz="3200" dirty="0">
+                <a:ea typeface="Calibri" panose="020F0502020204030204" pitchFamily="34" charset="0"/>
+                <a:cs typeface="Times New Roman" panose="02020603050405020304" pitchFamily="18" charset="0"/>
+              </a:rPr>
+              <a:t/>
+            </a:r>
             <a:br>
               <a:rPr lang="ru-RU" sz="3200" dirty="0">
                 <a:ea typeface="Calibri" panose="020F0502020204030204" pitchFamily="34" charset="0"/>

--- a/docs/Презентация v0.9.pptx
+++ b/docs/Презентация v0.9.pptx
@@ -14886,42 +14886,42 @@
                 <a:gridCol w="2522900">
                   <a:extLst>
                     <a:ext uri="{9D8B030D-6E8A-4147-A177-3AD203B41FA5}">
-                      <a16:colId xmlns:a16="http://schemas.microsoft.com/office/drawing/2014/main" xmlns="" val="1171950682"/>
+                      <a16:colId xmlns="" xmlns:a16="http://schemas.microsoft.com/office/drawing/2014/main" val="1171950682"/>
                     </a:ext>
                   </a:extLst>
                 </a:gridCol>
                 <a:gridCol w="932747">
                   <a:extLst>
                     <a:ext uri="{9D8B030D-6E8A-4147-A177-3AD203B41FA5}">
-                      <a16:colId xmlns:a16="http://schemas.microsoft.com/office/drawing/2014/main" xmlns="" val="2713623616"/>
+                      <a16:colId xmlns="" xmlns:a16="http://schemas.microsoft.com/office/drawing/2014/main" val="2713623616"/>
                     </a:ext>
                   </a:extLst>
                 </a:gridCol>
                 <a:gridCol w="1124653">
                   <a:extLst>
                     <a:ext uri="{9D8B030D-6E8A-4147-A177-3AD203B41FA5}">
-                      <a16:colId xmlns:a16="http://schemas.microsoft.com/office/drawing/2014/main" xmlns="" val="4214117398"/>
+                      <a16:colId xmlns="" xmlns:a16="http://schemas.microsoft.com/office/drawing/2014/main" val="4214117398"/>
                     </a:ext>
                   </a:extLst>
                 </a:gridCol>
                 <a:gridCol w="1737360">
                   <a:extLst>
                     <a:ext uri="{9D8B030D-6E8A-4147-A177-3AD203B41FA5}">
-                      <a16:colId xmlns:a16="http://schemas.microsoft.com/office/drawing/2014/main" xmlns="" val="3936630454"/>
+                      <a16:colId xmlns="" xmlns:a16="http://schemas.microsoft.com/office/drawing/2014/main" val="3936630454"/>
                     </a:ext>
                   </a:extLst>
                 </a:gridCol>
                 <a:gridCol w="2164080">
                   <a:extLst>
                     <a:ext uri="{9D8B030D-6E8A-4147-A177-3AD203B41FA5}">
-                      <a16:colId xmlns:a16="http://schemas.microsoft.com/office/drawing/2014/main" xmlns="" val="3619060530"/>
+                      <a16:colId xmlns="" xmlns:a16="http://schemas.microsoft.com/office/drawing/2014/main" val="3619060530"/>
                     </a:ext>
                   </a:extLst>
                 </a:gridCol>
                 <a:gridCol w="2346960">
                   <a:extLst>
                     <a:ext uri="{9D8B030D-6E8A-4147-A177-3AD203B41FA5}">
-                      <a16:colId xmlns:a16="http://schemas.microsoft.com/office/drawing/2014/main" xmlns="" val="3962761656"/>
+                      <a16:colId xmlns="" xmlns:a16="http://schemas.microsoft.com/office/drawing/2014/main" val="3962761656"/>
                     </a:ext>
                   </a:extLst>
                 </a:gridCol>
@@ -15073,7 +15073,7 @@
                 </a:tc>
                 <a:extLst>
                   <a:ext uri="{0D108BD9-81ED-4DB2-BD59-A6C34878D82A}">
-                    <a16:rowId xmlns:a16="http://schemas.microsoft.com/office/drawing/2014/main" xmlns="" val="396192681"/>
+                    <a16:rowId xmlns="" xmlns:a16="http://schemas.microsoft.com/office/drawing/2014/main" val="396192681"/>
                   </a:ext>
                 </a:extLst>
               </a:tr>
@@ -15235,7 +15235,7 @@
                 </a:tc>
                 <a:extLst>
                   <a:ext uri="{0D108BD9-81ED-4DB2-BD59-A6C34878D82A}">
-                    <a16:rowId xmlns:a16="http://schemas.microsoft.com/office/drawing/2014/main" xmlns="" val="658754578"/>
+                    <a16:rowId xmlns="" xmlns:a16="http://schemas.microsoft.com/office/drawing/2014/main" val="658754578"/>
                   </a:ext>
                 </a:extLst>
               </a:tr>
@@ -15404,7 +15404,7 @@
                 </a:tc>
                 <a:extLst>
                   <a:ext uri="{0D108BD9-81ED-4DB2-BD59-A6C34878D82A}">
-                    <a16:rowId xmlns:a16="http://schemas.microsoft.com/office/drawing/2014/main" xmlns="" val="2775249390"/>
+                    <a16:rowId xmlns="" xmlns:a16="http://schemas.microsoft.com/office/drawing/2014/main" val="2775249390"/>
                   </a:ext>
                 </a:extLst>
               </a:tr>
@@ -15566,7 +15566,7 @@
                 </a:tc>
                 <a:extLst>
                   <a:ext uri="{0D108BD9-81ED-4DB2-BD59-A6C34878D82A}">
-                    <a16:rowId xmlns:a16="http://schemas.microsoft.com/office/drawing/2014/main" xmlns="" val="351305436"/>
+                    <a16:rowId xmlns="" xmlns:a16="http://schemas.microsoft.com/office/drawing/2014/main" val="351305436"/>
                   </a:ext>
                 </a:extLst>
               </a:tr>
@@ -15735,7 +15735,7 @@
                 </a:tc>
                 <a:extLst>
                   <a:ext uri="{0D108BD9-81ED-4DB2-BD59-A6C34878D82A}">
-                    <a16:rowId xmlns:a16="http://schemas.microsoft.com/office/drawing/2014/main" xmlns="" val="743266472"/>
+                    <a16:rowId xmlns="" xmlns:a16="http://schemas.microsoft.com/office/drawing/2014/main" val="743266472"/>
                   </a:ext>
                 </a:extLst>
               </a:tr>
@@ -15897,7 +15897,7 @@
                 </a:tc>
                 <a:extLst>
                   <a:ext uri="{0D108BD9-81ED-4DB2-BD59-A6C34878D82A}">
-                    <a16:rowId xmlns:a16="http://schemas.microsoft.com/office/drawing/2014/main" xmlns="" val="3253733328"/>
+                    <a16:rowId xmlns="" xmlns:a16="http://schemas.microsoft.com/office/drawing/2014/main" val="3253733328"/>
                   </a:ext>
                 </a:extLst>
               </a:tr>
@@ -16059,7 +16059,7 @@
                 </a:tc>
                 <a:extLst>
                   <a:ext uri="{0D108BD9-81ED-4DB2-BD59-A6C34878D82A}">
-                    <a16:rowId xmlns:a16="http://schemas.microsoft.com/office/drawing/2014/main" xmlns="" val="4155944330"/>
+                    <a16:rowId xmlns="" xmlns:a16="http://schemas.microsoft.com/office/drawing/2014/main" val="4155944330"/>
                   </a:ext>
                 </a:extLst>
               </a:tr>
@@ -16228,7 +16228,7 @@
                 </a:tc>
                 <a:extLst>
                   <a:ext uri="{0D108BD9-81ED-4DB2-BD59-A6C34878D82A}">
-                    <a16:rowId xmlns:a16="http://schemas.microsoft.com/office/drawing/2014/main" xmlns="" val="232013355"/>
+                    <a16:rowId xmlns="" xmlns:a16="http://schemas.microsoft.com/office/drawing/2014/main" val="232013355"/>
                   </a:ext>
                 </a:extLst>
               </a:tr>
@@ -16390,7 +16390,7 @@
                 </a:tc>
                 <a:extLst>
                   <a:ext uri="{0D108BD9-81ED-4DB2-BD59-A6C34878D82A}">
-                    <a16:rowId xmlns:a16="http://schemas.microsoft.com/office/drawing/2014/main" xmlns="" val="10008"/>
+                    <a16:rowId xmlns="" xmlns:a16="http://schemas.microsoft.com/office/drawing/2014/main" val="10008"/>
                   </a:ext>
                 </a:extLst>
               </a:tr>
@@ -16559,7 +16559,7 @@
                 </a:tc>
                 <a:extLst>
                   <a:ext uri="{0D108BD9-81ED-4DB2-BD59-A6C34878D82A}">
-                    <a16:rowId xmlns:a16="http://schemas.microsoft.com/office/drawing/2014/main" xmlns="" val="10009"/>
+                    <a16:rowId xmlns="" xmlns:a16="http://schemas.microsoft.com/office/drawing/2014/main" val="10009"/>
                   </a:ext>
                 </a:extLst>
               </a:tr>
@@ -16721,7 +16721,7 @@
                 </a:tc>
                 <a:extLst>
                   <a:ext uri="{0D108BD9-81ED-4DB2-BD59-A6C34878D82A}">
-                    <a16:rowId xmlns:a16="http://schemas.microsoft.com/office/drawing/2014/main" xmlns="" val="10010"/>
+                    <a16:rowId xmlns="" xmlns:a16="http://schemas.microsoft.com/office/drawing/2014/main" val="10010"/>
                   </a:ext>
                 </a:extLst>
               </a:tr>
@@ -16890,7 +16890,7 @@
                 </a:tc>
                 <a:extLst>
                   <a:ext uri="{0D108BD9-81ED-4DB2-BD59-A6C34878D82A}">
-                    <a16:rowId xmlns:a16="http://schemas.microsoft.com/office/drawing/2014/main" xmlns="" val="10011"/>
+                    <a16:rowId xmlns="" xmlns:a16="http://schemas.microsoft.com/office/drawing/2014/main" val="10011"/>
                   </a:ext>
                 </a:extLst>
               </a:tr>
@@ -17052,7 +17052,7 @@
                 </a:tc>
                 <a:extLst>
                   <a:ext uri="{0D108BD9-81ED-4DB2-BD59-A6C34878D82A}">
-                    <a16:rowId xmlns:a16="http://schemas.microsoft.com/office/drawing/2014/main" xmlns="" val="10012"/>
+                    <a16:rowId xmlns="" xmlns:a16="http://schemas.microsoft.com/office/drawing/2014/main" val="10012"/>
                   </a:ext>
                 </a:extLst>
               </a:tr>
@@ -17221,7 +17221,7 @@
                 </a:tc>
                 <a:extLst>
                   <a:ext uri="{0D108BD9-81ED-4DB2-BD59-A6C34878D82A}">
-                    <a16:rowId xmlns:a16="http://schemas.microsoft.com/office/drawing/2014/main" xmlns="" val="10013"/>
+                    <a16:rowId xmlns="" xmlns:a16="http://schemas.microsoft.com/office/drawing/2014/main" val="10013"/>
                   </a:ext>
                 </a:extLst>
               </a:tr>
@@ -17383,7 +17383,7 @@
                 </a:tc>
                 <a:extLst>
                   <a:ext uri="{0D108BD9-81ED-4DB2-BD59-A6C34878D82A}">
-                    <a16:rowId xmlns:a16="http://schemas.microsoft.com/office/drawing/2014/main" xmlns="" val="10014"/>
+                    <a16:rowId xmlns="" xmlns:a16="http://schemas.microsoft.com/office/drawing/2014/main" val="10014"/>
                   </a:ext>
                 </a:extLst>
               </a:tr>
@@ -17559,7 +17559,7 @@
                 </a:tc>
                 <a:extLst>
                   <a:ext uri="{0D108BD9-81ED-4DB2-BD59-A6C34878D82A}">
-                    <a16:rowId xmlns:a16="http://schemas.microsoft.com/office/drawing/2014/main" xmlns="" val="10015"/>
+                    <a16:rowId xmlns="" xmlns:a16="http://schemas.microsoft.com/office/drawing/2014/main" val="10015"/>
                   </a:ext>
                 </a:extLst>
               </a:tr>
@@ -17721,7 +17721,7 @@
                 </a:tc>
                 <a:extLst>
                   <a:ext uri="{0D108BD9-81ED-4DB2-BD59-A6C34878D82A}">
-                    <a16:rowId xmlns:a16="http://schemas.microsoft.com/office/drawing/2014/main" xmlns="" val="10016"/>
+                    <a16:rowId xmlns="" xmlns:a16="http://schemas.microsoft.com/office/drawing/2014/main" val="10016"/>
                   </a:ext>
                 </a:extLst>
               </a:tr>
@@ -17890,7 +17890,7 @@
                 </a:tc>
                 <a:extLst>
                   <a:ext uri="{0D108BD9-81ED-4DB2-BD59-A6C34878D82A}">
-                    <a16:rowId xmlns:a16="http://schemas.microsoft.com/office/drawing/2014/main" xmlns="" val="10017"/>
+                    <a16:rowId xmlns="" xmlns:a16="http://schemas.microsoft.com/office/drawing/2014/main" val="10017"/>
                   </a:ext>
                 </a:extLst>
               </a:tr>
@@ -18052,7 +18052,7 @@
                 </a:tc>
                 <a:extLst>
                   <a:ext uri="{0D108BD9-81ED-4DB2-BD59-A6C34878D82A}">
-                    <a16:rowId xmlns:a16="http://schemas.microsoft.com/office/drawing/2014/main" xmlns="" val="10018"/>
+                    <a16:rowId xmlns="" xmlns:a16="http://schemas.microsoft.com/office/drawing/2014/main" val="10018"/>
                   </a:ext>
                 </a:extLst>
               </a:tr>
@@ -18205,7 +18205,7 @@
                 </a:tc>
                 <a:extLst>
                   <a:ext uri="{0D108BD9-81ED-4DB2-BD59-A6C34878D82A}">
-                    <a16:rowId xmlns:a16="http://schemas.microsoft.com/office/drawing/2014/main" xmlns="" val="1385307021"/>
+                    <a16:rowId xmlns="" xmlns:a16="http://schemas.microsoft.com/office/drawing/2014/main" val="1385307021"/>
                   </a:ext>
                 </a:extLst>
               </a:tr>
@@ -18349,42 +18349,42 @@
                 <a:gridCol w="2343339">
                   <a:extLst>
                     <a:ext uri="{9D8B030D-6E8A-4147-A177-3AD203B41FA5}">
-                      <a16:colId xmlns:a16="http://schemas.microsoft.com/office/drawing/2014/main" xmlns="" val="1171950682"/>
+                      <a16:colId xmlns="" xmlns:a16="http://schemas.microsoft.com/office/drawing/2014/main" val="1171950682"/>
                     </a:ext>
                   </a:extLst>
                 </a:gridCol>
                 <a:gridCol w="990600">
                   <a:extLst>
                     <a:ext uri="{9D8B030D-6E8A-4147-A177-3AD203B41FA5}">
-                      <a16:colId xmlns:a16="http://schemas.microsoft.com/office/drawing/2014/main" xmlns="" val="2713623616"/>
+                      <a16:colId xmlns="" xmlns:a16="http://schemas.microsoft.com/office/drawing/2014/main" val="2713623616"/>
                     </a:ext>
                   </a:extLst>
                 </a:gridCol>
                 <a:gridCol w="929640">
                   <a:extLst>
                     <a:ext uri="{9D8B030D-6E8A-4147-A177-3AD203B41FA5}">
-                      <a16:colId xmlns:a16="http://schemas.microsoft.com/office/drawing/2014/main" xmlns="" val="4214117398"/>
+                      <a16:colId xmlns="" xmlns:a16="http://schemas.microsoft.com/office/drawing/2014/main" val="4214117398"/>
                     </a:ext>
                   </a:extLst>
                 </a:gridCol>
                 <a:gridCol w="1737360">
                   <a:extLst>
                     <a:ext uri="{9D8B030D-6E8A-4147-A177-3AD203B41FA5}">
-                      <a16:colId xmlns:a16="http://schemas.microsoft.com/office/drawing/2014/main" xmlns="" val="3936630454"/>
+                      <a16:colId xmlns="" xmlns:a16="http://schemas.microsoft.com/office/drawing/2014/main" val="3936630454"/>
                     </a:ext>
                   </a:extLst>
                 </a:gridCol>
                 <a:gridCol w="2255520">
                   <a:extLst>
                     <a:ext uri="{9D8B030D-6E8A-4147-A177-3AD203B41FA5}">
-                      <a16:colId xmlns:a16="http://schemas.microsoft.com/office/drawing/2014/main" xmlns="" val="3619060530"/>
+                      <a16:colId xmlns="" xmlns:a16="http://schemas.microsoft.com/office/drawing/2014/main" val="3619060530"/>
                     </a:ext>
                   </a:extLst>
                 </a:gridCol>
                 <a:gridCol w="2545080">
                   <a:extLst>
                     <a:ext uri="{9D8B030D-6E8A-4147-A177-3AD203B41FA5}">
-                      <a16:colId xmlns:a16="http://schemas.microsoft.com/office/drawing/2014/main" xmlns="" val="3962761656"/>
+                      <a16:colId xmlns="" xmlns:a16="http://schemas.microsoft.com/office/drawing/2014/main" val="3962761656"/>
                     </a:ext>
                   </a:extLst>
                 </a:gridCol>
@@ -18526,7 +18526,7 @@
                 </a:tc>
                 <a:extLst>
                   <a:ext uri="{0D108BD9-81ED-4DB2-BD59-A6C34878D82A}">
-                    <a16:rowId xmlns:a16="http://schemas.microsoft.com/office/drawing/2014/main" xmlns="" val="396192681"/>
+                    <a16:rowId xmlns="" xmlns:a16="http://schemas.microsoft.com/office/drawing/2014/main" val="396192681"/>
                   </a:ext>
                 </a:extLst>
               </a:tr>
@@ -18686,7 +18686,7 @@
                 </a:tc>
                 <a:extLst>
                   <a:ext uri="{0D108BD9-81ED-4DB2-BD59-A6C34878D82A}">
-                    <a16:rowId xmlns:a16="http://schemas.microsoft.com/office/drawing/2014/main" xmlns="" val="4155944330"/>
+                    <a16:rowId xmlns="" xmlns:a16="http://schemas.microsoft.com/office/drawing/2014/main" val="4155944330"/>
                   </a:ext>
                 </a:extLst>
               </a:tr>
@@ -18839,7 +18839,7 @@
                 </a:tc>
                 <a:extLst>
                   <a:ext uri="{0D108BD9-81ED-4DB2-BD59-A6C34878D82A}">
-                    <a16:rowId xmlns:a16="http://schemas.microsoft.com/office/drawing/2014/main" xmlns="" val="232013355"/>
+                    <a16:rowId xmlns="" xmlns:a16="http://schemas.microsoft.com/office/drawing/2014/main" val="232013355"/>
                   </a:ext>
                 </a:extLst>
               </a:tr>
@@ -18992,7 +18992,7 @@
                 </a:tc>
                 <a:extLst>
                   <a:ext uri="{0D108BD9-81ED-4DB2-BD59-A6C34878D82A}">
-                    <a16:rowId xmlns:a16="http://schemas.microsoft.com/office/drawing/2014/main" xmlns="" val="10004"/>
+                    <a16:rowId xmlns="" xmlns:a16="http://schemas.microsoft.com/office/drawing/2014/main" val="10004"/>
                   </a:ext>
                 </a:extLst>
               </a:tr>
@@ -19145,7 +19145,7 @@
                 </a:tc>
                 <a:extLst>
                   <a:ext uri="{0D108BD9-81ED-4DB2-BD59-A6C34878D82A}">
-                    <a16:rowId xmlns:a16="http://schemas.microsoft.com/office/drawing/2014/main" xmlns="" val="10005"/>
+                    <a16:rowId xmlns="" xmlns:a16="http://schemas.microsoft.com/office/drawing/2014/main" val="10005"/>
                   </a:ext>
                 </a:extLst>
               </a:tr>
@@ -19298,7 +19298,7 @@
                 </a:tc>
                 <a:extLst>
                   <a:ext uri="{0D108BD9-81ED-4DB2-BD59-A6C34878D82A}">
-                    <a16:rowId xmlns:a16="http://schemas.microsoft.com/office/drawing/2014/main" xmlns="" val="10006"/>
+                    <a16:rowId xmlns="" xmlns:a16="http://schemas.microsoft.com/office/drawing/2014/main" val="10006"/>
                   </a:ext>
                 </a:extLst>
               </a:tr>
@@ -19451,7 +19451,7 @@
                 </a:tc>
                 <a:extLst>
                   <a:ext uri="{0D108BD9-81ED-4DB2-BD59-A6C34878D82A}">
-                    <a16:rowId xmlns:a16="http://schemas.microsoft.com/office/drawing/2014/main" xmlns="" val="10007"/>
+                    <a16:rowId xmlns="" xmlns:a16="http://schemas.microsoft.com/office/drawing/2014/main" val="10007"/>
                   </a:ext>
                 </a:extLst>
               </a:tr>
@@ -19604,7 +19604,7 @@
                 </a:tc>
                 <a:extLst>
                   <a:ext uri="{0D108BD9-81ED-4DB2-BD59-A6C34878D82A}">
-                    <a16:rowId xmlns:a16="http://schemas.microsoft.com/office/drawing/2014/main" xmlns="" val="10008"/>
+                    <a16:rowId xmlns="" xmlns:a16="http://schemas.microsoft.com/office/drawing/2014/main" val="10008"/>
                   </a:ext>
                 </a:extLst>
               </a:tr>
@@ -19757,7 +19757,7 @@
                 </a:tc>
                 <a:extLst>
                   <a:ext uri="{0D108BD9-81ED-4DB2-BD59-A6C34878D82A}">
-                    <a16:rowId xmlns:a16="http://schemas.microsoft.com/office/drawing/2014/main" xmlns="" val="10009"/>
+                    <a16:rowId xmlns="" xmlns:a16="http://schemas.microsoft.com/office/drawing/2014/main" val="10009"/>
                   </a:ext>
                 </a:extLst>
               </a:tr>
@@ -19913,7 +19913,7 @@
                 </a:tc>
                 <a:extLst>
                   <a:ext uri="{0D108BD9-81ED-4DB2-BD59-A6C34878D82A}">
-                    <a16:rowId xmlns:a16="http://schemas.microsoft.com/office/drawing/2014/main" xmlns="" val="10010"/>
+                    <a16:rowId xmlns="" xmlns:a16="http://schemas.microsoft.com/office/drawing/2014/main" val="10010"/>
                   </a:ext>
                 </a:extLst>
               </a:tr>
@@ -20069,7 +20069,7 @@
                 </a:tc>
                 <a:extLst>
                   <a:ext uri="{0D108BD9-81ED-4DB2-BD59-A6C34878D82A}">
-                    <a16:rowId xmlns:a16="http://schemas.microsoft.com/office/drawing/2014/main" xmlns="" val="10011"/>
+                    <a16:rowId xmlns="" xmlns:a16="http://schemas.microsoft.com/office/drawing/2014/main" val="10011"/>
                   </a:ext>
                 </a:extLst>
               </a:tr>
@@ -20225,7 +20225,7 @@
                 </a:tc>
                 <a:extLst>
                   <a:ext uri="{0D108BD9-81ED-4DB2-BD59-A6C34878D82A}">
-                    <a16:rowId xmlns:a16="http://schemas.microsoft.com/office/drawing/2014/main" xmlns="" val="10012"/>
+                    <a16:rowId xmlns="" xmlns:a16="http://schemas.microsoft.com/office/drawing/2014/main" val="10012"/>
                   </a:ext>
                 </a:extLst>
               </a:tr>
@@ -20381,7 +20381,7 @@
                 </a:tc>
                 <a:extLst>
                   <a:ext uri="{0D108BD9-81ED-4DB2-BD59-A6C34878D82A}">
-                    <a16:rowId xmlns:a16="http://schemas.microsoft.com/office/drawing/2014/main" xmlns="" val="10013"/>
+                    <a16:rowId xmlns="" xmlns:a16="http://schemas.microsoft.com/office/drawing/2014/main" val="10013"/>
                   </a:ext>
                 </a:extLst>
               </a:tr>
@@ -20530,7 +20530,7 @@
                 </a:tc>
                 <a:extLst>
                   <a:ext uri="{0D108BD9-81ED-4DB2-BD59-A6C34878D82A}">
-                    <a16:rowId xmlns:a16="http://schemas.microsoft.com/office/drawing/2014/main" xmlns="" val="10014"/>
+                    <a16:rowId xmlns="" xmlns:a16="http://schemas.microsoft.com/office/drawing/2014/main" val="10014"/>
                   </a:ext>
                 </a:extLst>
               </a:tr>
@@ -20679,7 +20679,7 @@
                 </a:tc>
                 <a:extLst>
                   <a:ext uri="{0D108BD9-81ED-4DB2-BD59-A6C34878D82A}">
-                    <a16:rowId xmlns:a16="http://schemas.microsoft.com/office/drawing/2014/main" xmlns="" val="10015"/>
+                    <a16:rowId xmlns="" xmlns:a16="http://schemas.microsoft.com/office/drawing/2014/main" val="10015"/>
                   </a:ext>
                 </a:extLst>
               </a:tr>
@@ -20835,7 +20835,7 @@
                 </a:tc>
                 <a:extLst>
                   <a:ext uri="{0D108BD9-81ED-4DB2-BD59-A6C34878D82A}">
-                    <a16:rowId xmlns:a16="http://schemas.microsoft.com/office/drawing/2014/main" xmlns="" val="10016"/>
+                    <a16:rowId xmlns="" xmlns:a16="http://schemas.microsoft.com/office/drawing/2014/main" val="10016"/>
                   </a:ext>
                 </a:extLst>
               </a:tr>
@@ -20991,7 +20991,7 @@
                 </a:tc>
                 <a:extLst>
                   <a:ext uri="{0D108BD9-81ED-4DB2-BD59-A6C34878D82A}">
-                    <a16:rowId xmlns:a16="http://schemas.microsoft.com/office/drawing/2014/main" xmlns="" val="10017"/>
+                    <a16:rowId xmlns="" xmlns:a16="http://schemas.microsoft.com/office/drawing/2014/main" val="10017"/>
                   </a:ext>
                 </a:extLst>
               </a:tr>
@@ -21140,7 +21140,7 @@
                 </a:tc>
                 <a:extLst>
                   <a:ext uri="{0D108BD9-81ED-4DB2-BD59-A6C34878D82A}">
-                    <a16:rowId xmlns:a16="http://schemas.microsoft.com/office/drawing/2014/main" xmlns="" val="10018"/>
+                    <a16:rowId xmlns="" xmlns:a16="http://schemas.microsoft.com/office/drawing/2014/main" val="10018"/>
                   </a:ext>
                 </a:extLst>
               </a:tr>
@@ -21289,7 +21289,7 @@
                 </a:tc>
                 <a:extLst>
                   <a:ext uri="{0D108BD9-81ED-4DB2-BD59-A6C34878D82A}">
-                    <a16:rowId xmlns:a16="http://schemas.microsoft.com/office/drawing/2014/main" xmlns="" val="10019"/>
+                    <a16:rowId xmlns="" xmlns:a16="http://schemas.microsoft.com/office/drawing/2014/main" val="10019"/>
                   </a:ext>
                 </a:extLst>
               </a:tr>
@@ -21438,7 +21438,7 @@
                 </a:tc>
                 <a:extLst>
                   <a:ext uri="{0D108BD9-81ED-4DB2-BD59-A6C34878D82A}">
-                    <a16:rowId xmlns:a16="http://schemas.microsoft.com/office/drawing/2014/main" xmlns="" val="10020"/>
+                    <a16:rowId xmlns="" xmlns:a16="http://schemas.microsoft.com/office/drawing/2014/main" val="10020"/>
                   </a:ext>
                 </a:extLst>
               </a:tr>
@@ -21594,7 +21594,7 @@
                 </a:tc>
                 <a:extLst>
                   <a:ext uri="{0D108BD9-81ED-4DB2-BD59-A6C34878D82A}">
-                    <a16:rowId xmlns:a16="http://schemas.microsoft.com/office/drawing/2014/main" xmlns="" val="10021"/>
+                    <a16:rowId xmlns="" xmlns:a16="http://schemas.microsoft.com/office/drawing/2014/main" val="10021"/>
                   </a:ext>
                 </a:extLst>
               </a:tr>
@@ -21743,7 +21743,7 @@
                 </a:tc>
                 <a:extLst>
                   <a:ext uri="{0D108BD9-81ED-4DB2-BD59-A6C34878D82A}">
-                    <a16:rowId xmlns:a16="http://schemas.microsoft.com/office/drawing/2014/main" xmlns="" val="10022"/>
+                    <a16:rowId xmlns="" xmlns:a16="http://schemas.microsoft.com/office/drawing/2014/main" val="10022"/>
                   </a:ext>
                 </a:extLst>
               </a:tr>
@@ -21892,7 +21892,7 @@
                 </a:tc>
                 <a:extLst>
                   <a:ext uri="{0D108BD9-81ED-4DB2-BD59-A6C34878D82A}">
-                    <a16:rowId xmlns:a16="http://schemas.microsoft.com/office/drawing/2014/main" xmlns="" val="10023"/>
+                    <a16:rowId xmlns="" xmlns:a16="http://schemas.microsoft.com/office/drawing/2014/main" val="10023"/>
                   </a:ext>
                 </a:extLst>
               </a:tr>
@@ -22041,7 +22041,7 @@
                 </a:tc>
                 <a:extLst>
                   <a:ext uri="{0D108BD9-81ED-4DB2-BD59-A6C34878D82A}">
-                    <a16:rowId xmlns:a16="http://schemas.microsoft.com/office/drawing/2014/main" xmlns="" val="10024"/>
+                    <a16:rowId xmlns="" xmlns:a16="http://schemas.microsoft.com/office/drawing/2014/main" val="10024"/>
                   </a:ext>
                 </a:extLst>
               </a:tr>
@@ -22190,7 +22190,7 @@
                 </a:tc>
                 <a:extLst>
                   <a:ext uri="{0D108BD9-81ED-4DB2-BD59-A6C34878D82A}">
-                    <a16:rowId xmlns:a16="http://schemas.microsoft.com/office/drawing/2014/main" xmlns="" val="10025"/>
+                    <a16:rowId xmlns="" xmlns:a16="http://schemas.microsoft.com/office/drawing/2014/main" val="10025"/>
                   </a:ext>
                 </a:extLst>
               </a:tr>
@@ -22378,7 +22378,7 @@
           <p:nvPr>
             <p:extLst>
               <p:ext uri="{D42A27DB-BD31-4B8C-83A1-F6EECF244321}">
-                <p14:modId xmlns:p14="http://schemas.microsoft.com/office/powerpoint/2010/main" val="447408207"/>
+                <p14:modId xmlns:p14="http://schemas.microsoft.com/office/powerpoint/2010/main" val="76013959"/>
               </p:ext>
             </p:extLst>
           </p:nvPr>
@@ -22397,42 +22397,42 @@
                 <a:gridCol w="2509611">
                   <a:extLst>
                     <a:ext uri="{9D8B030D-6E8A-4147-A177-3AD203B41FA5}">
-                      <a16:colId xmlns:a16="http://schemas.microsoft.com/office/drawing/2014/main" xmlns="" val="1171950682"/>
+                      <a16:colId xmlns="" xmlns:a16="http://schemas.microsoft.com/office/drawing/2014/main" val="1171950682"/>
                     </a:ext>
                   </a:extLst>
                 </a:gridCol>
                 <a:gridCol w="876141">
                   <a:extLst>
                     <a:ext uri="{9D8B030D-6E8A-4147-A177-3AD203B41FA5}">
-                      <a16:colId xmlns:a16="http://schemas.microsoft.com/office/drawing/2014/main" xmlns="" val="2713623616"/>
+                      <a16:colId xmlns="" xmlns:a16="http://schemas.microsoft.com/office/drawing/2014/main" val="2713623616"/>
                     </a:ext>
                   </a:extLst>
                 </a:gridCol>
                 <a:gridCol w="885078">
                   <a:extLst>
                     <a:ext uri="{9D8B030D-6E8A-4147-A177-3AD203B41FA5}">
-                      <a16:colId xmlns:a16="http://schemas.microsoft.com/office/drawing/2014/main" xmlns="" val="4214117398"/>
+                      <a16:colId xmlns="" xmlns:a16="http://schemas.microsoft.com/office/drawing/2014/main" val="4214117398"/>
                     </a:ext>
                   </a:extLst>
                 </a:gridCol>
                 <a:gridCol w="1440160">
                   <a:extLst>
                     <a:ext uri="{9D8B030D-6E8A-4147-A177-3AD203B41FA5}">
-                      <a16:colId xmlns:a16="http://schemas.microsoft.com/office/drawing/2014/main" xmlns="" val="3936630454"/>
+                      <a16:colId xmlns="" xmlns:a16="http://schemas.microsoft.com/office/drawing/2014/main" val="3936630454"/>
                     </a:ext>
                   </a:extLst>
                 </a:gridCol>
                 <a:gridCol w="1690106">
                   <a:extLst>
                     <a:ext uri="{9D8B030D-6E8A-4147-A177-3AD203B41FA5}">
-                      <a16:colId xmlns:a16="http://schemas.microsoft.com/office/drawing/2014/main" xmlns="" val="3619060530"/>
+                      <a16:colId xmlns="" xmlns:a16="http://schemas.microsoft.com/office/drawing/2014/main" val="3619060530"/>
                     </a:ext>
                   </a:extLst>
                 </a:gridCol>
                 <a:gridCol w="1797225">
                   <a:extLst>
                     <a:ext uri="{9D8B030D-6E8A-4147-A177-3AD203B41FA5}">
-                      <a16:colId xmlns:a16="http://schemas.microsoft.com/office/drawing/2014/main" xmlns="" val="2623348019"/>
+                      <a16:colId xmlns="" xmlns:a16="http://schemas.microsoft.com/office/drawing/2014/main" val="2623348019"/>
                     </a:ext>
                   </a:extLst>
                 </a:gridCol>
@@ -22604,7 +22604,7 @@
                 </a:tc>
                 <a:extLst>
                   <a:ext uri="{0D108BD9-81ED-4DB2-BD59-A6C34878D82A}">
-                    <a16:rowId xmlns:a16="http://schemas.microsoft.com/office/drawing/2014/main" xmlns="" val="396192681"/>
+                    <a16:rowId xmlns="" xmlns:a16="http://schemas.microsoft.com/office/drawing/2014/main" val="396192681"/>
                   </a:ext>
                 </a:extLst>
               </a:tr>
@@ -22623,7 +22623,7 @@
                         </a:spcAft>
                       </a:pPr>
                       <a:r>
-                        <a:rPr lang="ru-RU" sz="1600" b="0" i="0" u="none" strike="noStrike" kern="1200" dirty="0">
+                        <a:rPr lang="en-US" sz="1600" b="0" i="0" u="none" strike="noStrike" kern="1200" dirty="0" smtClean="0">
                           <a:solidFill>
                             <a:schemeClr val="bg1"/>
                           </a:solidFill>
@@ -22632,8 +22632,77 @@
                           <a:ea typeface="+mn-ea"/>
                           <a:cs typeface="+mn-cs"/>
                         </a:rPr>
-                        <a:t>graph2D_100000.graph</a:t>
-                      </a:r>
+                        <a:t>grid_</a:t>
+                      </a:r>
+                      <a:r>
+                        <a:rPr lang="ru-RU" sz="1600" b="0" i="0" u="none" strike="noStrike" kern="1200" dirty="0" smtClean="0">
+                          <a:solidFill>
+                            <a:schemeClr val="bg1"/>
+                          </a:solidFill>
+                          <a:effectLst/>
+                          <a:latin typeface="Calibri" panose="020F0502020204030204" pitchFamily="34" charset="0"/>
+                          <a:ea typeface="+mn-ea"/>
+                          <a:cs typeface="+mn-cs"/>
+                        </a:rPr>
+                        <a:t>2</a:t>
+                      </a:r>
+                      <a:r>
+                        <a:rPr lang="en-US" sz="1600" b="0" i="0" u="none" strike="noStrike" kern="1200" dirty="0" smtClean="0">
+                          <a:solidFill>
+                            <a:schemeClr val="bg1"/>
+                          </a:solidFill>
+                          <a:effectLst/>
+                          <a:latin typeface="Calibri" panose="020F0502020204030204" pitchFamily="34" charset="0"/>
+                          <a:ea typeface="+mn-ea"/>
+                          <a:cs typeface="+mn-cs"/>
+                        </a:rPr>
+                        <a:t>d</a:t>
+                      </a:r>
+                      <a:r>
+                        <a:rPr lang="ru-RU" sz="1600" b="0" i="0" u="none" strike="noStrike" kern="1200" dirty="0" smtClean="0">
+                          <a:solidFill>
+                            <a:schemeClr val="bg1"/>
+                          </a:solidFill>
+                          <a:effectLst/>
+                          <a:latin typeface="Calibri" panose="020F0502020204030204" pitchFamily="34" charset="0"/>
+                          <a:ea typeface="+mn-ea"/>
+                          <a:cs typeface="+mn-cs"/>
+                        </a:rPr>
+                        <a:t>_100</a:t>
+                      </a:r>
+                      <a:r>
+                        <a:rPr lang="en-US" sz="1600" b="0" i="0" u="none" strike="noStrike" kern="1200" dirty="0" smtClean="0">
+                          <a:solidFill>
+                            <a:schemeClr val="bg1"/>
+                          </a:solidFill>
+                          <a:effectLst/>
+                          <a:latin typeface="Calibri" panose="020F0502020204030204" pitchFamily="34" charset="0"/>
+                          <a:ea typeface="+mn-ea"/>
+                          <a:cs typeface="+mn-cs"/>
+                        </a:rPr>
+                        <a:t>K</a:t>
+                      </a:r>
+                      <a:r>
+                        <a:rPr lang="ru-RU" sz="1600" b="0" i="0" u="none" strike="noStrike" kern="1200" dirty="0" smtClean="0">
+                          <a:solidFill>
+                            <a:schemeClr val="bg1"/>
+                          </a:solidFill>
+                          <a:effectLst/>
+                          <a:latin typeface="Calibri" panose="020F0502020204030204" pitchFamily="34" charset="0"/>
+                          <a:ea typeface="+mn-ea"/>
+                          <a:cs typeface="+mn-cs"/>
+                        </a:rPr>
+                        <a:t>.graph</a:t>
+                      </a:r>
+                      <a:endParaRPr lang="ru-RU" sz="1600" b="0" i="0" u="none" strike="noStrike" kern="1200" dirty="0">
+                        <a:solidFill>
+                          <a:schemeClr val="bg1"/>
+                        </a:solidFill>
+                        <a:effectLst/>
+                        <a:latin typeface="Calibri" panose="020F0502020204030204" pitchFamily="34" charset="0"/>
+                        <a:ea typeface="+mn-ea"/>
+                        <a:cs typeface="+mn-cs"/>
+                      </a:endParaRPr>
                     </a:p>
                   </a:txBody>
                   <a:tcPr marL="63500" marR="63500" marT="63500" marB="63500"/>
@@ -22819,7 +22888,7 @@
                         </a:spcAft>
                       </a:pPr>
                       <a:r>
-                        <a:rPr lang="ru-RU" sz="1600" b="0" i="0" u="none" strike="noStrike" kern="1200" dirty="0">
+                        <a:rPr lang="en-US" sz="1600" b="0" i="0" u="none" strike="noStrike" kern="1200" smtClean="0">
                           <a:solidFill>
                             <a:schemeClr val="bg1"/>
                           </a:solidFill>
@@ -22828,10 +22897,10 @@
                           <a:ea typeface="+mn-ea"/>
                           <a:cs typeface="+mn-cs"/>
                         </a:rPr>
-                        <a:t>graph2D_50000</a:t>
-                      </a:r>
-                      <a:r>
-                        <a:rPr lang="en-US" sz="1600" b="0" i="0" u="none" strike="noStrike" kern="1200" dirty="0">
+                        <a:t>grid_</a:t>
+                      </a:r>
+                      <a:r>
+                        <a:rPr lang="ru-RU" sz="1600" b="0" i="0" u="none" strike="noStrike" kern="1200" dirty="0" smtClean="0">
                           <a:solidFill>
                             <a:schemeClr val="bg1"/>
                           </a:solidFill>
@@ -22840,7 +22909,43 @@
                           <a:ea typeface="+mn-ea"/>
                           <a:cs typeface="+mn-cs"/>
                         </a:rPr>
-                        <a:t>.graph</a:t>
+                        <a:t>2</a:t>
+                      </a:r>
+                      <a:r>
+                        <a:rPr lang="en-US" sz="1600" b="0" i="0" u="none" strike="noStrike" kern="1200" dirty="0" smtClean="0">
+                          <a:solidFill>
+                            <a:schemeClr val="bg1"/>
+                          </a:solidFill>
+                          <a:effectLst/>
+                          <a:latin typeface="Calibri" panose="020F0502020204030204" pitchFamily="34" charset="0"/>
+                          <a:ea typeface="+mn-ea"/>
+                          <a:cs typeface="+mn-cs"/>
+                        </a:rPr>
+                        <a:t>d</a:t>
+                      </a:r>
+                      <a:r>
+                        <a:rPr lang="ru-RU" sz="1600" b="0" i="0" u="none" strike="noStrike" kern="1200" dirty="0" smtClean="0">
+                          <a:solidFill>
+                            <a:schemeClr val="bg1"/>
+                          </a:solidFill>
+                          <a:effectLst/>
+                          <a:latin typeface="Calibri" panose="020F0502020204030204" pitchFamily="34" charset="0"/>
+                          <a:ea typeface="+mn-ea"/>
+                          <a:cs typeface="+mn-cs"/>
+                        </a:rPr>
+                        <a:t>_50</a:t>
+                      </a:r>
+                      <a:r>
+                        <a:rPr lang="en-US" sz="1600" b="0" i="0" u="none" strike="noStrike" kern="1200" dirty="0" err="1" smtClean="0">
+                          <a:solidFill>
+                            <a:schemeClr val="bg1"/>
+                          </a:solidFill>
+                          <a:effectLst/>
+                          <a:latin typeface="Calibri" panose="020F0502020204030204" pitchFamily="34" charset="0"/>
+                          <a:ea typeface="+mn-ea"/>
+                          <a:cs typeface="+mn-cs"/>
+                        </a:rPr>
+                        <a:t>K.graph</a:t>
                       </a:r>
                       <a:endParaRPr lang="ru-RU" sz="1600" b="0" i="0" u="none" strike="noStrike" kern="1200" dirty="0">
                         <a:solidFill>
@@ -23172,7 +23277,7 @@
                 </a:tc>
                 <a:extLst>
                   <a:ext uri="{0D108BD9-81ED-4DB2-BD59-A6C34878D82A}">
-                    <a16:rowId xmlns:a16="http://schemas.microsoft.com/office/drawing/2014/main" xmlns="" val="10012"/>
+                    <a16:rowId xmlns="" xmlns:a16="http://schemas.microsoft.com/office/drawing/2014/main" val="10012"/>
                   </a:ext>
                 </a:extLst>
               </a:tr>
@@ -23307,7 +23412,7 @@
                 </a:tc>
                 <a:extLst>
                   <a:ext uri="{0D108BD9-81ED-4DB2-BD59-A6C34878D82A}">
-                    <a16:rowId xmlns:a16="http://schemas.microsoft.com/office/drawing/2014/main" xmlns="" val="10013"/>
+                    <a16:rowId xmlns="" xmlns:a16="http://schemas.microsoft.com/office/drawing/2014/main" val="10013"/>
                   </a:ext>
                 </a:extLst>
               </a:tr>
@@ -23442,7 +23547,7 @@
                 </a:tc>
                 <a:extLst>
                   <a:ext uri="{0D108BD9-81ED-4DB2-BD59-A6C34878D82A}">
-                    <a16:rowId xmlns:a16="http://schemas.microsoft.com/office/drawing/2014/main" xmlns="" val="10014"/>
+                    <a16:rowId xmlns="" xmlns:a16="http://schemas.microsoft.com/office/drawing/2014/main" val="10014"/>
                   </a:ext>
                 </a:extLst>
               </a:tr>
@@ -23577,7 +23682,7 @@
                 </a:tc>
                 <a:extLst>
                   <a:ext uri="{0D108BD9-81ED-4DB2-BD59-A6C34878D82A}">
-                    <a16:rowId xmlns:a16="http://schemas.microsoft.com/office/drawing/2014/main" xmlns="" val="10015"/>
+                    <a16:rowId xmlns="" xmlns:a16="http://schemas.microsoft.com/office/drawing/2014/main" val="10015"/>
                   </a:ext>
                 </a:extLst>
               </a:tr>
@@ -23712,7 +23817,7 @@
                 </a:tc>
                 <a:extLst>
                   <a:ext uri="{0D108BD9-81ED-4DB2-BD59-A6C34878D82A}">
-                    <a16:rowId xmlns:a16="http://schemas.microsoft.com/office/drawing/2014/main" xmlns="" val="10016"/>
+                    <a16:rowId xmlns="" xmlns:a16="http://schemas.microsoft.com/office/drawing/2014/main" val="10016"/>
                   </a:ext>
                 </a:extLst>
               </a:tr>
@@ -23868,7 +23973,7 @@
                 </a:tc>
                 <a:extLst>
                   <a:ext uri="{0D108BD9-81ED-4DB2-BD59-A6C34878D82A}">
-                    <a16:rowId xmlns:a16="http://schemas.microsoft.com/office/drawing/2014/main" xmlns="" val="10017"/>
+                    <a16:rowId xmlns="" xmlns:a16="http://schemas.microsoft.com/office/drawing/2014/main" val="10017"/>
                   </a:ext>
                 </a:extLst>
               </a:tr>
@@ -24024,7 +24129,7 @@
                 </a:tc>
                 <a:extLst>
                   <a:ext uri="{0D108BD9-81ED-4DB2-BD59-A6C34878D82A}">
-                    <a16:rowId xmlns:a16="http://schemas.microsoft.com/office/drawing/2014/main" xmlns="" val="10018"/>
+                    <a16:rowId xmlns="" xmlns:a16="http://schemas.microsoft.com/office/drawing/2014/main" val="10018"/>
                   </a:ext>
                 </a:extLst>
               </a:tr>
@@ -24180,7 +24285,7 @@
                 </a:tc>
                 <a:extLst>
                   <a:ext uri="{0D108BD9-81ED-4DB2-BD59-A6C34878D82A}">
-                    <a16:rowId xmlns:a16="http://schemas.microsoft.com/office/drawing/2014/main" xmlns="" val="3975127968"/>
+                    <a16:rowId xmlns="" xmlns:a16="http://schemas.microsoft.com/office/drawing/2014/main" val="3975127968"/>
                   </a:ext>
                 </a:extLst>
               </a:tr>
@@ -24554,7 +24659,7 @@
           <p:cNvPr id="2" name="Slide Number Placeholder 1">
             <a:extLst>
               <a:ext uri="{FF2B5EF4-FFF2-40B4-BE49-F238E27FC236}">
-                <a16:creationId xmlns:a16="http://schemas.microsoft.com/office/drawing/2014/main" xmlns="" id="{40482550-BC91-44EE-BD8E-5D85817068D5}"/>
+                <a16:creationId xmlns="" xmlns:a16="http://schemas.microsoft.com/office/drawing/2014/main" id="{40482550-BC91-44EE-BD8E-5D85817068D5}"/>
               </a:ext>
             </a:extLst>
           </p:cNvPr>
@@ -24583,7 +24688,7 @@
           <p:cNvPr id="5" name="Заголовок 1">
             <a:extLst>
               <a:ext uri="{FF2B5EF4-FFF2-40B4-BE49-F238E27FC236}">
-                <a16:creationId xmlns:a16="http://schemas.microsoft.com/office/drawing/2014/main" xmlns="" id="{08AFF44A-9A6A-4D99-B676-8EEC01B3E375}"/>
+                <a16:creationId xmlns="" xmlns:a16="http://schemas.microsoft.com/office/drawing/2014/main" id="{08AFF44A-9A6A-4D99-B676-8EEC01B3E375}"/>
               </a:ext>
             </a:extLst>
           </p:cNvPr>
@@ -24644,7 +24749,7 @@
           <p:cNvPr id="6" name="Rectangle 5">
             <a:extLst>
               <a:ext uri="{FF2B5EF4-FFF2-40B4-BE49-F238E27FC236}">
-                <a16:creationId xmlns:a16="http://schemas.microsoft.com/office/drawing/2014/main" xmlns="" id="{D9B4E9DC-6BAE-4897-B3FA-3967E0072DB1}"/>
+                <a16:creationId xmlns="" xmlns:a16="http://schemas.microsoft.com/office/drawing/2014/main" id="{D9B4E9DC-6BAE-4897-B3FA-3967E0072DB1}"/>
               </a:ext>
             </a:extLst>
           </p:cNvPr>
@@ -24816,7 +24921,7 @@
           <p:cNvPr id="7" name="Rectangle 6">
             <a:extLst>
               <a:ext uri="{FF2B5EF4-FFF2-40B4-BE49-F238E27FC236}">
-                <a16:creationId xmlns:a16="http://schemas.microsoft.com/office/drawing/2014/main" xmlns="" id="{EF58EC4D-5A59-4F1B-AEBC-599244732725}"/>
+                <a16:creationId xmlns="" xmlns:a16="http://schemas.microsoft.com/office/drawing/2014/main" id="{EF58EC4D-5A59-4F1B-AEBC-599244732725}"/>
               </a:ext>
             </a:extLst>
           </p:cNvPr>

--- a/docs/Презентация v0.9.pptx
+++ b/docs/Презентация v0.9.pptx
@@ -5,7 +5,7 @@
     <p:sldMasterId id="2147483648" r:id="rId1"/>
   </p:sldMasterIdLst>
   <p:notesMasterIdLst>
-    <p:notesMasterId r:id="rId52"/>
+    <p:notesMasterId r:id="rId55"/>
   </p:notesMasterIdLst>
   <p:sldIdLst>
     <p:sldId id="256" r:id="rId2"/>
@@ -43,21 +43,24 @@
     <p:sldId id="360" r:id="rId34"/>
     <p:sldId id="349" r:id="rId35"/>
     <p:sldId id="350" r:id="rId36"/>
-    <p:sldId id="351" r:id="rId37"/>
-    <p:sldId id="352" r:id="rId38"/>
-    <p:sldId id="353" r:id="rId39"/>
-    <p:sldId id="354" r:id="rId40"/>
-    <p:sldId id="367" r:id="rId41"/>
-    <p:sldId id="363" r:id="rId42"/>
-    <p:sldId id="364" r:id="rId43"/>
-    <p:sldId id="365" r:id="rId44"/>
-    <p:sldId id="366" r:id="rId45"/>
-    <p:sldId id="338" r:id="rId46"/>
-    <p:sldId id="348" r:id="rId47"/>
-    <p:sldId id="368" r:id="rId48"/>
-    <p:sldId id="344" r:id="rId49"/>
-    <p:sldId id="345" r:id="rId50"/>
-    <p:sldId id="346" r:id="rId51"/>
+    <p:sldId id="369" r:id="rId37"/>
+    <p:sldId id="370" r:id="rId38"/>
+    <p:sldId id="352" r:id="rId39"/>
+    <p:sldId id="351" r:id="rId40"/>
+    <p:sldId id="353" r:id="rId41"/>
+    <p:sldId id="371" r:id="rId42"/>
+    <p:sldId id="354" r:id="rId43"/>
+    <p:sldId id="367" r:id="rId44"/>
+    <p:sldId id="363" r:id="rId45"/>
+    <p:sldId id="364" r:id="rId46"/>
+    <p:sldId id="365" r:id="rId47"/>
+    <p:sldId id="366" r:id="rId48"/>
+    <p:sldId id="338" r:id="rId49"/>
+    <p:sldId id="348" r:id="rId50"/>
+    <p:sldId id="368" r:id="rId51"/>
+    <p:sldId id="344" r:id="rId52"/>
+    <p:sldId id="345" r:id="rId53"/>
+    <p:sldId id="346" r:id="rId54"/>
   </p:sldIdLst>
   <p:sldSz cx="12192000" cy="6858000"/>
   <p:notesSz cx="6858000" cy="9144000"/>
@@ -262,7 +265,7 @@
           <a:p>
             <a:fld id="{2F7BDC20-999D-4259-B6C3-F40ECC5C4406}" type="datetimeFigureOut">
               <a:rPr lang="ru-RU" smtClean="0"/>
-              <a:t>24.12.2017</a:t>
+              <a:t>25.12.2017</a:t>
             </a:fld>
             <a:endParaRPr lang="ru-RU"/>
           </a:p>
@@ -681,7 +684,7 @@
           <a:p>
             <a:fld id="{9C466FCC-2ADF-469F-864C-91669074506B}" type="slidenum">
               <a:rPr lang="ru-RU" smtClean="0"/>
-              <a:t>42</a:t>
+              <a:t>45</a:t>
             </a:fld>
             <a:endParaRPr lang="ru-RU"/>
           </a:p>
@@ -765,7 +768,7 @@
           <a:p>
             <a:fld id="{9C466FCC-2ADF-469F-864C-91669074506B}" type="slidenum">
               <a:rPr lang="ru-RU" smtClean="0"/>
-              <a:t>43</a:t>
+              <a:t>46</a:t>
             </a:fld>
             <a:endParaRPr lang="ru-RU"/>
           </a:p>
@@ -849,7 +852,7 @@
           <a:p>
             <a:fld id="{9C466FCC-2ADF-469F-864C-91669074506B}" type="slidenum">
               <a:rPr lang="ru-RU" smtClean="0"/>
-              <a:t>45</a:t>
+              <a:t>48</a:t>
             </a:fld>
             <a:endParaRPr lang="ru-RU"/>
           </a:p>
@@ -941,7 +944,7 @@
           <a:p>
             <a:fld id="{9C466FCC-2ADF-469F-864C-91669074506B}" type="slidenum">
               <a:rPr lang="ru-RU" smtClean="0"/>
-              <a:t>49</a:t>
+              <a:t>52</a:t>
             </a:fld>
             <a:endParaRPr lang="ru-RU"/>
           </a:p>
@@ -1796,7 +1799,7 @@
           <a:p>
             <a:fld id="{79CFADE9-FF2A-4FAE-8AFA-A6F5AE605187}" type="datetime1">
               <a:rPr lang="ru-RU" smtClean="0"/>
-              <a:t>24.12.2017</a:t>
+              <a:t>25.12.2017</a:t>
             </a:fld>
             <a:endParaRPr lang="ru-RU"/>
           </a:p>
@@ -1964,7 +1967,7 @@
           <a:p>
             <a:fld id="{8F982AEC-E365-4CCD-BC0F-5313038E0927}" type="datetime1">
               <a:rPr lang="ru-RU" smtClean="0"/>
-              <a:t>24.12.2017</a:t>
+              <a:t>25.12.2017</a:t>
             </a:fld>
             <a:endParaRPr lang="ru-RU"/>
           </a:p>
@@ -2142,7 +2145,7 @@
           <a:p>
             <a:fld id="{38864601-6BAA-4E1D-A5D7-7B0867CDDF66}" type="datetime1">
               <a:rPr lang="ru-RU" smtClean="0"/>
-              <a:t>24.12.2017</a:t>
+              <a:t>25.12.2017</a:t>
             </a:fld>
             <a:endParaRPr lang="ru-RU"/>
           </a:p>
@@ -2310,7 +2313,7 @@
           <a:p>
             <a:fld id="{CAF71018-6EBF-40EE-9984-DC2D2274B6EF}" type="datetime1">
               <a:rPr lang="ru-RU" smtClean="0"/>
-              <a:t>24.12.2017</a:t>
+              <a:t>25.12.2017</a:t>
             </a:fld>
             <a:endParaRPr lang="ru-RU"/>
           </a:p>
@@ -2555,7 +2558,7 @@
           <a:p>
             <a:fld id="{6B766E40-7F19-45A7-AFE3-AD6EAF55C0DD}" type="datetime1">
               <a:rPr lang="ru-RU" smtClean="0"/>
-              <a:t>24.12.2017</a:t>
+              <a:t>25.12.2017</a:t>
             </a:fld>
             <a:endParaRPr lang="ru-RU"/>
           </a:p>
@@ -2784,7 +2787,7 @@
           <a:p>
             <a:fld id="{5C0F2458-4C93-4E25-8E34-87E23EE7C8CE}" type="datetime1">
               <a:rPr lang="ru-RU" smtClean="0"/>
-              <a:t>24.12.2017</a:t>
+              <a:t>25.12.2017</a:t>
             </a:fld>
             <a:endParaRPr lang="ru-RU"/>
           </a:p>
@@ -3148,7 +3151,7 @@
           <a:p>
             <a:fld id="{C9AAF2B6-BB50-4E71-9679-83EA93217DD4}" type="datetime1">
               <a:rPr lang="ru-RU" smtClean="0"/>
-              <a:t>24.12.2017</a:t>
+              <a:t>25.12.2017</a:t>
             </a:fld>
             <a:endParaRPr lang="ru-RU"/>
           </a:p>
@@ -3265,7 +3268,7 @@
           <a:p>
             <a:fld id="{F44F415F-912D-4181-ADD3-2E97B41F5BA3}" type="datetime1">
               <a:rPr lang="ru-RU" smtClean="0"/>
-              <a:t>24.12.2017</a:t>
+              <a:t>25.12.2017</a:t>
             </a:fld>
             <a:endParaRPr lang="ru-RU"/>
           </a:p>
@@ -3360,7 +3363,7 @@
           <a:p>
             <a:fld id="{CF1D8B0F-0C2B-49B2-9FD3-B073E7332BCA}" type="datetime1">
               <a:rPr lang="ru-RU" smtClean="0"/>
-              <a:t>24.12.2017</a:t>
+              <a:t>25.12.2017</a:t>
             </a:fld>
             <a:endParaRPr lang="ru-RU"/>
           </a:p>
@@ -3635,7 +3638,7 @@
           <a:p>
             <a:fld id="{8A99040C-12A9-414A-9B1A-63BD8F2F1AC2}" type="datetime1">
               <a:rPr lang="ru-RU" smtClean="0"/>
-              <a:t>24.12.2017</a:t>
+              <a:t>25.12.2017</a:t>
             </a:fld>
             <a:endParaRPr lang="ru-RU"/>
           </a:p>
@@ -3887,7 +3890,7 @@
           <a:p>
             <a:fld id="{6620461E-09D4-4DC8-9E9F-2F7F6F24987E}" type="datetime1">
               <a:rPr lang="ru-RU" smtClean="0"/>
-              <a:t>24.12.2017</a:t>
+              <a:t>25.12.2017</a:t>
             </a:fld>
             <a:endParaRPr lang="ru-RU"/>
           </a:p>
@@ -4098,7 +4101,7 @@
           <a:p>
             <a:fld id="{16B0AB04-008B-420E-A0B7-26FA7A461D78}" type="datetime1">
               <a:rPr lang="ru-RU" smtClean="0"/>
-              <a:t>24.12.2017</a:t>
+              <a:t>25.12.2017</a:t>
             </a:fld>
             <a:endParaRPr lang="ru-RU"/>
           </a:p>
@@ -4630,6 +4633,13 @@
   <p:clrMapOvr>
     <a:masterClrMapping/>
   </p:clrMapOvr>
+  <p:timing>
+    <p:tnLst>
+      <p:par>
+        <p:cTn id="1" dur="indefinite" restart="never" nodeType="tmRoot"/>
+      </p:par>
+    </p:tnLst>
+  </p:timing>
 </p:sld>
 </file>
 
@@ -4852,6 +4862,13 @@
   <p:clrMapOvr>
     <a:masterClrMapping/>
   </p:clrMapOvr>
+  <p:timing>
+    <p:tnLst>
+      <p:par>
+        <p:cTn id="1" dur="indefinite" restart="never" nodeType="tmRoot"/>
+      </p:par>
+    </p:tnLst>
+  </p:timing>
 </p:sld>
 </file>
 
@@ -4960,6 +4977,13 @@
   <p:clrMapOvr>
     <a:masterClrMapping/>
   </p:clrMapOvr>
+  <p:timing>
+    <p:tnLst>
+      <p:par>
+        <p:cTn id="1" dur="indefinite" restart="never" nodeType="tmRoot"/>
+      </p:par>
+    </p:tnLst>
+  </p:timing>
 </p:sld>
 </file>
 
@@ -6117,6 +6141,13 @@
   <p:clrMapOvr>
     <a:masterClrMapping/>
   </p:clrMapOvr>
+  <p:timing>
+    <p:tnLst>
+      <p:par>
+        <p:cTn id="1" dur="indefinite" restart="never" nodeType="tmRoot"/>
+      </p:par>
+    </p:tnLst>
+  </p:timing>
 </p:sld>
 </file>
 
@@ -7292,6 +7323,13 @@
   <p:clrMapOvr>
     <a:masterClrMapping/>
   </p:clrMapOvr>
+  <p:timing>
+    <p:tnLst>
+      <p:par>
+        <p:cTn id="1" dur="indefinite" restart="never" nodeType="tmRoot"/>
+      </p:par>
+    </p:tnLst>
+  </p:timing>
 </p:sld>
 </file>
 
@@ -8316,6 +8354,13 @@
   <p:clrMapOvr>
     <a:masterClrMapping/>
   </p:clrMapOvr>
+  <p:timing>
+    <p:tnLst>
+      <p:par>
+        <p:cTn id="1" dur="indefinite" restart="never" nodeType="tmRoot"/>
+      </p:par>
+    </p:tnLst>
+  </p:timing>
 </p:sld>
 </file>
 
@@ -8471,6 +8516,13 @@
   <p:clrMapOvr>
     <a:masterClrMapping/>
   </p:clrMapOvr>
+  <p:timing>
+    <p:tnLst>
+      <p:par>
+        <p:cTn id="1" dur="indefinite" restart="never" nodeType="tmRoot"/>
+      </p:par>
+    </p:tnLst>
+  </p:timing>
 </p:sld>
 </file>
 
@@ -8626,6 +8678,13 @@
   <p:clrMapOvr>
     <a:masterClrMapping/>
   </p:clrMapOvr>
+  <p:timing>
+    <p:tnLst>
+      <p:par>
+        <p:cTn id="1" dur="indefinite" restart="never" nodeType="tmRoot"/>
+      </p:par>
+    </p:tnLst>
+  </p:timing>
 </p:sld>
 </file>
 
@@ -8801,6 +8860,13 @@
   <p:clrMapOvr>
     <a:masterClrMapping/>
   </p:clrMapOvr>
+  <p:timing>
+    <p:tnLst>
+      <p:par>
+        <p:cTn id="1" dur="indefinite" restart="never" nodeType="tmRoot"/>
+      </p:par>
+    </p:tnLst>
+  </p:timing>
 </p:sld>
 </file>
 
@@ -10204,6 +10270,13 @@
   <p:clrMapOvr>
     <a:masterClrMapping/>
   </p:clrMapOvr>
+  <p:timing>
+    <p:tnLst>
+      <p:par>
+        <p:cTn id="1" dur="indefinite" restart="never" nodeType="tmRoot"/>
+      </p:par>
+    </p:tnLst>
+  </p:timing>
 </p:sld>
 </file>
 
@@ -10312,6 +10385,13 @@
   <p:clrMapOvr>
     <a:masterClrMapping/>
   </p:clrMapOvr>
+  <p:timing>
+    <p:tnLst>
+      <p:par>
+        <p:cTn id="1" dur="indefinite" restart="never" nodeType="tmRoot"/>
+      </p:par>
+    </p:tnLst>
+  </p:timing>
 </p:sld>
 </file>
 
@@ -10439,6 +10519,13 @@
   <p:clrMapOvr>
     <a:masterClrMapping/>
   </p:clrMapOvr>
+  <p:timing>
+    <p:tnLst>
+      <p:par>
+        <p:cTn id="1" dur="indefinite" restart="never" nodeType="tmRoot"/>
+      </p:par>
+    </p:tnLst>
+  </p:timing>
 </p:sld>
 </file>
 
@@ -10715,6 +10802,13 @@
   <p:clrMapOvr>
     <a:masterClrMapping/>
   </p:clrMapOvr>
+  <p:timing>
+    <p:tnLst>
+      <p:par>
+        <p:cTn id="1" dur="indefinite" restart="never" nodeType="tmRoot"/>
+      </p:par>
+    </p:tnLst>
+  </p:timing>
 </p:sld>
 </file>
 
@@ -10823,6 +10917,13 @@
   <p:clrMapOvr>
     <a:masterClrMapping/>
   </p:clrMapOvr>
+  <p:timing>
+    <p:tnLst>
+      <p:par>
+        <p:cTn id="1" dur="indefinite" restart="never" nodeType="tmRoot"/>
+      </p:par>
+    </p:tnLst>
+  </p:timing>
 </p:sld>
 </file>
 
@@ -11043,6 +11144,13 @@
   <p:clrMapOvr>
     <a:masterClrMapping/>
   </p:clrMapOvr>
+  <p:timing>
+    <p:tnLst>
+      <p:par>
+        <p:cTn id="1" dur="indefinite" restart="never" nodeType="tmRoot"/>
+      </p:par>
+    </p:tnLst>
+  </p:timing>
 </p:sld>
 </file>
 
@@ -11327,6 +11435,13 @@
   <p:clrMapOvr>
     <a:masterClrMapping/>
   </p:clrMapOvr>
+  <p:timing>
+    <p:tnLst>
+      <p:par>
+        <p:cTn id="1" dur="indefinite" restart="never" nodeType="tmRoot"/>
+      </p:par>
+    </p:tnLst>
+  </p:timing>
 </p:sld>
 </file>
 
@@ -11553,6 +11668,13 @@
   <p:clrMapOvr>
     <a:masterClrMapping/>
   </p:clrMapOvr>
+  <p:timing>
+    <p:tnLst>
+      <p:par>
+        <p:cTn id="1" dur="indefinite" restart="never" nodeType="tmRoot"/>
+      </p:par>
+    </p:tnLst>
+  </p:timing>
 </p:sld>
 </file>
 
@@ -11770,6 +11892,13 @@
   <p:clrMapOvr>
     <a:masterClrMapping/>
   </p:clrMapOvr>
+  <p:timing>
+    <p:tnLst>
+      <p:par>
+        <p:cTn id="1" dur="indefinite" restart="never" nodeType="tmRoot"/>
+      </p:par>
+    </p:tnLst>
+  </p:timing>
 </p:sld>
 </file>
 
@@ -12000,6 +12129,13 @@
   <p:clrMapOvr>
     <a:masterClrMapping/>
   </p:clrMapOvr>
+  <p:timing>
+    <p:tnLst>
+      <p:par>
+        <p:cTn id="1" dur="indefinite" restart="never" nodeType="tmRoot"/>
+      </p:par>
+    </p:tnLst>
+  </p:timing>
 </p:sld>
 </file>
 
@@ -12122,6 +12258,13 @@
   <p:clrMapOvr>
     <a:masterClrMapping/>
   </p:clrMapOvr>
+  <p:timing>
+    <p:tnLst>
+      <p:par>
+        <p:cTn id="1" dur="indefinite" restart="never" nodeType="tmRoot"/>
+      </p:par>
+    </p:tnLst>
+  </p:timing>
 </p:sld>
 </file>
 
@@ -12230,6 +12373,13 @@
   <p:clrMapOvr>
     <a:masterClrMapping/>
   </p:clrMapOvr>
+  <p:timing>
+    <p:tnLst>
+      <p:par>
+        <p:cTn id="1" dur="indefinite" restart="never" nodeType="tmRoot"/>
+      </p:par>
+    </p:tnLst>
+  </p:timing>
 </p:sld>
 </file>
 
@@ -12443,6 +12593,13 @@
   <p:clrMapOvr>
     <a:masterClrMapping/>
   </p:clrMapOvr>
+  <p:timing>
+    <p:tnLst>
+      <p:par>
+        <p:cTn id="1" dur="indefinite" restart="never" nodeType="tmRoot"/>
+      </p:par>
+    </p:tnLst>
+  </p:timing>
 </p:sld>
 </file>
 
@@ -12534,6 +12691,13 @@
   <p:clrMapOvr>
     <a:masterClrMapping/>
   </p:clrMapOvr>
+  <p:timing>
+    <p:tnLst>
+      <p:par>
+        <p:cTn id="1" dur="indefinite" restart="never" nodeType="tmRoot"/>
+      </p:par>
+    </p:tnLst>
+  </p:timing>
 </p:sld>
 </file>
 
@@ -12815,6 +12979,13 @@
   <p:clrMapOvr>
     <a:masterClrMapping/>
   </p:clrMapOvr>
+  <p:timing>
+    <p:tnLst>
+      <p:par>
+        <p:cTn id="1" dur="indefinite" restart="never" nodeType="tmRoot"/>
+      </p:par>
+    </p:tnLst>
+  </p:timing>
 </p:sld>
 </file>
 
@@ -13034,6 +13205,13 @@
   <p:clrMapOvr>
     <a:masterClrMapping/>
   </p:clrMapOvr>
+  <p:timing>
+    <p:tnLst>
+      <p:par>
+        <p:cTn id="1" dur="indefinite" restart="never" nodeType="tmRoot"/>
+      </p:par>
+    </p:tnLst>
+  </p:timing>
 </p:sld>
 </file>
 
@@ -13245,6 +13423,13 @@
   <p:clrMapOvr>
     <a:masterClrMapping/>
   </p:clrMapOvr>
+  <p:timing>
+    <p:tnLst>
+      <p:par>
+        <p:cTn id="1" dur="indefinite" restart="never" nodeType="tmRoot"/>
+      </p:par>
+    </p:tnLst>
+  </p:timing>
 </p:sld>
 </file>
 
@@ -13469,6 +13654,13 @@
   <p:clrMapOvr>
     <a:masterClrMapping/>
   </p:clrMapOvr>
+  <p:timing>
+    <p:tnLst>
+      <p:par>
+        <p:cTn id="1" dur="indefinite" restart="never" nodeType="tmRoot"/>
+      </p:par>
+    </p:tnLst>
+  </p:timing>
 </p:sld>
 </file>
 
@@ -13577,6 +13769,13 @@
   <p:clrMapOvr>
     <a:masterClrMapping/>
   </p:clrMapOvr>
+  <p:timing>
+    <p:tnLst>
+      <p:par>
+        <p:cTn id="1" dur="indefinite" restart="never" nodeType="tmRoot"/>
+      </p:par>
+    </p:tnLst>
+  </p:timing>
 </p:sld>
 </file>
 
@@ -13805,10 +14004,632 @@
   <p:clrMapOvr>
     <a:masterClrMapping/>
   </p:clrMapOvr>
+  <p:timing>
+    <p:tnLst>
+      <p:par>
+        <p:cTn id="1" dur="indefinite" restart="never" nodeType="tmRoot"/>
+      </p:par>
+    </p:tnLst>
+  </p:timing>
 </p:sld>
 </file>
 
 <file path=ppt/slides/slide36.xml><?xml version="1.0" encoding="utf-8"?>
+<p:sld xmlns:a="http://schemas.openxmlformats.org/drawingml/2006/main" xmlns:r="http://schemas.openxmlformats.org/officeDocument/2006/relationships" xmlns:p="http://schemas.openxmlformats.org/presentationml/2006/main">
+  <p:cSld>
+    <p:spTree>
+      <p:nvGrpSpPr>
+        <p:cNvPr id="1" name=""/>
+        <p:cNvGrpSpPr/>
+        <p:nvPr/>
+      </p:nvGrpSpPr>
+      <p:grpSpPr>
+        <a:xfrm>
+          <a:off x="0" y="0"/>
+          <a:ext cx="0" cy="0"/>
+          <a:chOff x="0" y="0"/>
+          <a:chExt cx="0" cy="0"/>
+        </a:xfrm>
+      </p:grpSpPr>
+      <p:sp>
+        <p:nvSpPr>
+          <p:cNvPr id="2" name="Slide Number Placeholder 1"/>
+          <p:cNvSpPr>
+            <a:spLocks noGrp="1"/>
+          </p:cNvSpPr>
+          <p:nvPr>
+            <p:ph type="sldNum" sz="quarter" idx="12"/>
+          </p:nvPr>
+        </p:nvSpPr>
+        <p:spPr/>
+        <p:txBody>
+          <a:bodyPr/>
+          <a:lstStyle/>
+          <a:p>
+            <a:fld id="{71FAE75F-E4A2-4DA6-8D8E-DEA36A488C21}" type="slidenum">
+              <a:rPr lang="ru-RU" smtClean="0"/>
+              <a:t>36</a:t>
+            </a:fld>
+            <a:endParaRPr lang="ru-RU"/>
+          </a:p>
+        </p:txBody>
+      </p:sp>
+      <p:pic>
+        <p:nvPicPr>
+          <p:cNvPr id="3" name="Picture 2"/>
+          <p:cNvPicPr>
+            <a:picLocks noChangeAspect="1"/>
+          </p:cNvPicPr>
+          <p:nvPr/>
+        </p:nvPicPr>
+        <p:blipFill>
+          <a:blip r:embed="rId2">
+            <a:extLst>
+              <a:ext uri="{28A0092B-C50C-407E-A947-70E740481C1C}">
+                <a14:useLocalDpi xmlns:a14="http://schemas.microsoft.com/office/drawing/2010/main" val="0"/>
+              </a:ext>
+            </a:extLst>
+          </a:blip>
+          <a:stretch>
+            <a:fillRect/>
+          </a:stretch>
+        </p:blipFill>
+        <p:spPr>
+          <a:xfrm>
+            <a:off x="94800" y="1804511"/>
+            <a:ext cx="3351433" cy="4270724"/>
+          </a:xfrm>
+          <a:prstGeom prst="rect">
+            <a:avLst/>
+          </a:prstGeom>
+        </p:spPr>
+      </p:pic>
+      <p:pic>
+        <p:nvPicPr>
+          <p:cNvPr id="5" name="Picture 4"/>
+          <p:cNvPicPr>
+            <a:picLocks noChangeAspect="1"/>
+          </p:cNvPicPr>
+          <p:nvPr/>
+        </p:nvPicPr>
+        <p:blipFill>
+          <a:blip r:embed="rId3">
+            <a:extLst>
+              <a:ext uri="{28A0092B-C50C-407E-A947-70E740481C1C}">
+                <a14:useLocalDpi xmlns:a14="http://schemas.microsoft.com/office/drawing/2010/main" val="0"/>
+              </a:ext>
+            </a:extLst>
+          </a:blip>
+          <a:stretch>
+            <a:fillRect/>
+          </a:stretch>
+        </p:blipFill>
+        <p:spPr>
+          <a:xfrm>
+            <a:off x="8270101" y="1837785"/>
+            <a:ext cx="3430468" cy="4434507"/>
+          </a:xfrm>
+          <a:prstGeom prst="rect">
+            <a:avLst/>
+          </a:prstGeom>
+        </p:spPr>
+      </p:pic>
+      <p:sp>
+        <p:nvSpPr>
+          <p:cNvPr id="6" name="Заголовок 1"/>
+          <p:cNvSpPr txBox="1">
+            <a:spLocks/>
+          </p:cNvSpPr>
+          <p:nvPr/>
+        </p:nvSpPr>
+        <p:spPr>
+          <a:xfrm>
+            <a:off x="3279245" y="450839"/>
+            <a:ext cx="4990856" cy="732126"/>
+          </a:xfrm>
+          <a:prstGeom prst="rect">
+            <a:avLst/>
+          </a:prstGeom>
+        </p:spPr>
+        <p:txBody>
+          <a:bodyPr vert="horz" lIns="91440" tIns="45720" rIns="91440" bIns="45720" rtlCol="0" anchor="ctr">
+            <a:noAutofit/>
+          </a:bodyPr>
+          <a:lstStyle>
+            <a:lvl1pPr algn="l" defTabSz="914400" rtl="0" eaLnBrk="1" latinLnBrk="0" hangingPunct="1">
+              <a:lnSpc>
+                <a:spcPct val="90000"/>
+              </a:lnSpc>
+              <a:spcBef>
+                <a:spcPct val="0"/>
+              </a:spcBef>
+              <a:buNone/>
+              <a:defRPr sz="4400" kern="1200">
+                <a:solidFill>
+                  <a:schemeClr val="tx1"/>
+                </a:solidFill>
+                <a:latin typeface="+mj-lt"/>
+                <a:ea typeface="+mj-ea"/>
+                <a:cs typeface="+mj-cs"/>
+              </a:defRPr>
+            </a:lvl1pPr>
+          </a:lstStyle>
+          <a:p>
+            <a:pPr algn="ctr"/>
+            <a:r>
+              <a:rPr lang="ru-RU" dirty="0">
+                <a:solidFill>
+                  <a:schemeClr val="accent1">
+                    <a:lumMod val="50000"/>
+                  </a:schemeClr>
+                </a:solidFill>
+              </a:rPr>
+              <a:t>Двумерный случай</a:t>
+            </a:r>
+          </a:p>
+        </p:txBody>
+      </p:sp>
+      <p:pic>
+        <p:nvPicPr>
+          <p:cNvPr id="7" name="Picture 6"/>
+          <p:cNvPicPr>
+            <a:picLocks noChangeAspect="1"/>
+          </p:cNvPicPr>
+          <p:nvPr/>
+        </p:nvPicPr>
+        <p:blipFill>
+          <a:blip r:embed="rId4">
+            <a:extLst>
+              <a:ext uri="{28A0092B-C50C-407E-A947-70E740481C1C}">
+                <a14:useLocalDpi xmlns:a14="http://schemas.microsoft.com/office/drawing/2010/main" val="0"/>
+              </a:ext>
+            </a:extLst>
+          </a:blip>
+          <a:stretch>
+            <a:fillRect/>
+          </a:stretch>
+        </p:blipFill>
+        <p:spPr>
+          <a:xfrm>
+            <a:off x="3410481" y="1804511"/>
+            <a:ext cx="4728383" cy="4501057"/>
+          </a:xfrm>
+          <a:prstGeom prst="rect">
+            <a:avLst/>
+          </a:prstGeom>
+        </p:spPr>
+      </p:pic>
+    </p:spTree>
+    <p:extLst>
+      <p:ext uri="{BB962C8B-B14F-4D97-AF65-F5344CB8AC3E}">
+        <p14:creationId xmlns:p14="http://schemas.microsoft.com/office/powerpoint/2010/main" val="2650538278"/>
+      </p:ext>
+    </p:extLst>
+  </p:cSld>
+  <p:clrMapOvr>
+    <a:masterClrMapping/>
+  </p:clrMapOvr>
+  <p:timing>
+    <p:tnLst>
+      <p:par>
+        <p:cTn id="1" dur="indefinite" restart="never" nodeType="tmRoot"/>
+      </p:par>
+    </p:tnLst>
+  </p:timing>
+</p:sld>
+</file>
+
+<file path=ppt/slides/slide37.xml><?xml version="1.0" encoding="utf-8"?>
+<p:sld xmlns:a="http://schemas.openxmlformats.org/drawingml/2006/main" xmlns:r="http://schemas.openxmlformats.org/officeDocument/2006/relationships" xmlns:p="http://schemas.openxmlformats.org/presentationml/2006/main">
+  <p:cSld>
+    <p:spTree>
+      <p:nvGrpSpPr>
+        <p:cNvPr id="1" name=""/>
+        <p:cNvGrpSpPr/>
+        <p:nvPr/>
+      </p:nvGrpSpPr>
+      <p:grpSpPr>
+        <a:xfrm>
+          <a:off x="0" y="0"/>
+          <a:ext cx="0" cy="0"/>
+          <a:chOff x="0" y="0"/>
+          <a:chExt cx="0" cy="0"/>
+        </a:xfrm>
+      </p:grpSpPr>
+      <p:sp>
+        <p:nvSpPr>
+          <p:cNvPr id="2" name="Slide Number Placeholder 1"/>
+          <p:cNvSpPr>
+            <a:spLocks noGrp="1"/>
+          </p:cNvSpPr>
+          <p:nvPr>
+            <p:ph type="sldNum" sz="quarter" idx="12"/>
+          </p:nvPr>
+        </p:nvSpPr>
+        <p:spPr/>
+        <p:txBody>
+          <a:bodyPr/>
+          <a:lstStyle/>
+          <a:p>
+            <a:fld id="{71FAE75F-E4A2-4DA6-8D8E-DEA36A488C21}" type="slidenum">
+              <a:rPr lang="ru-RU" smtClean="0"/>
+              <a:t>37</a:t>
+            </a:fld>
+            <a:endParaRPr lang="ru-RU"/>
+          </a:p>
+        </p:txBody>
+      </p:sp>
+      <p:sp>
+        <p:nvSpPr>
+          <p:cNvPr id="3" name="Заголовок 1"/>
+          <p:cNvSpPr txBox="1">
+            <a:spLocks/>
+          </p:cNvSpPr>
+          <p:nvPr/>
+        </p:nvSpPr>
+        <p:spPr>
+          <a:xfrm>
+            <a:off x="3279245" y="450839"/>
+            <a:ext cx="4990856" cy="732126"/>
+          </a:xfrm>
+          <a:prstGeom prst="rect">
+            <a:avLst/>
+          </a:prstGeom>
+        </p:spPr>
+        <p:txBody>
+          <a:bodyPr vert="horz" lIns="91440" tIns="45720" rIns="91440" bIns="45720" rtlCol="0" anchor="ctr">
+            <a:noAutofit/>
+          </a:bodyPr>
+          <a:lstStyle>
+            <a:lvl1pPr algn="l" defTabSz="914400" rtl="0" eaLnBrk="1" latinLnBrk="0" hangingPunct="1">
+              <a:lnSpc>
+                <a:spcPct val="90000"/>
+              </a:lnSpc>
+              <a:spcBef>
+                <a:spcPct val="0"/>
+              </a:spcBef>
+              <a:buNone/>
+              <a:defRPr sz="4400" kern="1200">
+                <a:solidFill>
+                  <a:schemeClr val="tx1"/>
+                </a:solidFill>
+                <a:latin typeface="+mj-lt"/>
+                <a:ea typeface="+mj-ea"/>
+                <a:cs typeface="+mj-cs"/>
+              </a:defRPr>
+            </a:lvl1pPr>
+          </a:lstStyle>
+          <a:p>
+            <a:pPr algn="ctr"/>
+            <a:r>
+              <a:rPr lang="ru-RU" dirty="0">
+                <a:solidFill>
+                  <a:schemeClr val="accent1">
+                    <a:lumMod val="50000"/>
+                  </a:schemeClr>
+                </a:solidFill>
+              </a:rPr>
+              <a:t>Двумерный случай</a:t>
+            </a:r>
+          </a:p>
+        </p:txBody>
+      </p:sp>
+      <p:pic>
+        <p:nvPicPr>
+          <p:cNvPr id="4" name="Picture 3"/>
+          <p:cNvPicPr>
+            <a:picLocks noChangeAspect="1"/>
+          </p:cNvPicPr>
+          <p:nvPr/>
+        </p:nvPicPr>
+        <p:blipFill>
+          <a:blip r:embed="rId2">
+            <a:extLst>
+              <a:ext uri="{28A0092B-C50C-407E-A947-70E740481C1C}">
+                <a14:useLocalDpi xmlns:a14="http://schemas.microsoft.com/office/drawing/2010/main" val="0"/>
+              </a:ext>
+            </a:extLst>
+          </a:blip>
+          <a:stretch>
+            <a:fillRect/>
+          </a:stretch>
+        </p:blipFill>
+        <p:spPr>
+          <a:xfrm>
+            <a:off x="5458895" y="1323964"/>
+            <a:ext cx="5254961" cy="2346800"/>
+          </a:xfrm>
+          <a:prstGeom prst="rect">
+            <a:avLst/>
+          </a:prstGeom>
+        </p:spPr>
+      </p:pic>
+      <p:pic>
+        <p:nvPicPr>
+          <p:cNvPr id="5" name="Picture 4"/>
+          <p:cNvPicPr>
+            <a:picLocks noChangeAspect="1"/>
+          </p:cNvPicPr>
+          <p:nvPr/>
+        </p:nvPicPr>
+        <p:blipFill>
+          <a:blip r:embed="rId3">
+            <a:extLst>
+              <a:ext uri="{28A0092B-C50C-407E-A947-70E740481C1C}">
+                <a14:useLocalDpi xmlns:a14="http://schemas.microsoft.com/office/drawing/2010/main" val="0"/>
+              </a:ext>
+            </a:extLst>
+          </a:blip>
+          <a:stretch>
+            <a:fillRect/>
+          </a:stretch>
+        </p:blipFill>
+        <p:spPr>
+          <a:xfrm>
+            <a:off x="5800395" y="3544312"/>
+            <a:ext cx="4762063" cy="3167591"/>
+          </a:xfrm>
+          <a:prstGeom prst="rect">
+            <a:avLst/>
+          </a:prstGeom>
+        </p:spPr>
+      </p:pic>
+      <p:pic>
+        <p:nvPicPr>
+          <p:cNvPr id="6" name="Picture 5"/>
+          <p:cNvPicPr>
+            <a:picLocks noChangeAspect="1"/>
+          </p:cNvPicPr>
+          <p:nvPr/>
+        </p:nvPicPr>
+        <p:blipFill>
+          <a:blip r:embed="rId4">
+            <a:extLst>
+              <a:ext uri="{28A0092B-C50C-407E-A947-70E740481C1C}">
+                <a14:useLocalDpi xmlns:a14="http://schemas.microsoft.com/office/drawing/2010/main" val="0"/>
+              </a:ext>
+            </a:extLst>
+          </a:blip>
+          <a:stretch>
+            <a:fillRect/>
+          </a:stretch>
+        </p:blipFill>
+        <p:spPr>
+          <a:xfrm>
+            <a:off x="758316" y="3823737"/>
+            <a:ext cx="4410678" cy="2904094"/>
+          </a:xfrm>
+          <a:prstGeom prst="rect">
+            <a:avLst/>
+          </a:prstGeom>
+        </p:spPr>
+      </p:pic>
+      <p:pic>
+        <p:nvPicPr>
+          <p:cNvPr id="7" name="Picture 6"/>
+          <p:cNvPicPr>
+            <a:picLocks noChangeAspect="1"/>
+          </p:cNvPicPr>
+          <p:nvPr/>
+        </p:nvPicPr>
+        <p:blipFill>
+          <a:blip r:embed="rId5">
+            <a:extLst>
+              <a:ext uri="{28A0092B-C50C-407E-A947-70E740481C1C}">
+                <a14:useLocalDpi xmlns:a14="http://schemas.microsoft.com/office/drawing/2010/main" val="0"/>
+              </a:ext>
+            </a:extLst>
+          </a:blip>
+          <a:stretch>
+            <a:fillRect/>
+          </a:stretch>
+        </p:blipFill>
+        <p:spPr>
+          <a:xfrm>
+            <a:off x="1688042" y="1021730"/>
+            <a:ext cx="2859682" cy="2802008"/>
+          </a:xfrm>
+          <a:prstGeom prst="rect">
+            <a:avLst/>
+          </a:prstGeom>
+        </p:spPr>
+      </p:pic>
+    </p:spTree>
+    <p:extLst>
+      <p:ext uri="{BB962C8B-B14F-4D97-AF65-F5344CB8AC3E}">
+        <p14:creationId xmlns:p14="http://schemas.microsoft.com/office/powerpoint/2010/main" val="3170890314"/>
+      </p:ext>
+    </p:extLst>
+  </p:cSld>
+  <p:clrMapOvr>
+    <a:masterClrMapping/>
+  </p:clrMapOvr>
+  <p:timing>
+    <p:tnLst>
+      <p:par>
+        <p:cTn id="1" dur="indefinite" restart="never" nodeType="tmRoot"/>
+      </p:par>
+    </p:tnLst>
+  </p:timing>
+</p:sld>
+</file>
+
+<file path=ppt/slides/slide38.xml><?xml version="1.0" encoding="utf-8"?>
+<p:sld xmlns:a="http://schemas.openxmlformats.org/drawingml/2006/main" xmlns:r="http://schemas.openxmlformats.org/officeDocument/2006/relationships" xmlns:p="http://schemas.openxmlformats.org/presentationml/2006/main">
+  <p:cSld>
+    <p:spTree>
+      <p:nvGrpSpPr>
+        <p:cNvPr id="1" name=""/>
+        <p:cNvGrpSpPr/>
+        <p:nvPr/>
+      </p:nvGrpSpPr>
+      <p:grpSpPr>
+        <a:xfrm>
+          <a:off x="0" y="0"/>
+          <a:ext cx="0" cy="0"/>
+          <a:chOff x="0" y="0"/>
+          <a:chExt cx="0" cy="0"/>
+        </a:xfrm>
+      </p:grpSpPr>
+      <p:pic>
+        <p:nvPicPr>
+          <p:cNvPr id="5" name="Рисунок 4"/>
+          <p:cNvPicPr>
+            <a:picLocks noChangeAspect="1"/>
+          </p:cNvPicPr>
+          <p:nvPr/>
+        </p:nvPicPr>
+        <p:blipFill>
+          <a:blip r:embed="rId2">
+            <a:extLst>
+              <a:ext uri="{28A0092B-C50C-407E-A947-70E740481C1C}">
+                <a14:useLocalDpi xmlns:a14="http://schemas.microsoft.com/office/drawing/2010/main" val="0"/>
+              </a:ext>
+            </a:extLst>
+          </a:blip>
+          <a:stretch>
+            <a:fillRect/>
+          </a:stretch>
+        </p:blipFill>
+        <p:spPr>
+          <a:xfrm>
+            <a:off x="4921596" y="1620864"/>
+            <a:ext cx="6697010" cy="4296375"/>
+          </a:xfrm>
+          <a:prstGeom prst="rect">
+            <a:avLst/>
+          </a:prstGeom>
+        </p:spPr>
+      </p:pic>
+      <p:pic>
+        <p:nvPicPr>
+          <p:cNvPr id="6" name="Рисунок 5"/>
+          <p:cNvPicPr>
+            <a:picLocks noChangeAspect="1"/>
+          </p:cNvPicPr>
+          <p:nvPr/>
+        </p:nvPicPr>
+        <p:blipFill>
+          <a:blip r:embed="rId3">
+            <a:extLst>
+              <a:ext uri="{28A0092B-C50C-407E-A947-70E740481C1C}">
+                <a14:useLocalDpi xmlns:a14="http://schemas.microsoft.com/office/drawing/2010/main" val="0"/>
+              </a:ext>
+            </a:extLst>
+          </a:blip>
+          <a:stretch>
+            <a:fillRect/>
+          </a:stretch>
+        </p:blipFill>
+        <p:spPr>
+          <a:xfrm>
+            <a:off x="555668" y="1075518"/>
+            <a:ext cx="4629796" cy="5782482"/>
+          </a:xfrm>
+          <a:prstGeom prst="rect">
+            <a:avLst/>
+          </a:prstGeom>
+        </p:spPr>
+      </p:pic>
+      <p:sp>
+        <p:nvSpPr>
+          <p:cNvPr id="2" name="Номер слайда 1"/>
+          <p:cNvSpPr>
+            <a:spLocks noGrp="1"/>
+          </p:cNvSpPr>
+          <p:nvPr>
+            <p:ph type="sldNum" sz="quarter" idx="12"/>
+          </p:nvPr>
+        </p:nvSpPr>
+        <p:spPr/>
+        <p:txBody>
+          <a:bodyPr/>
+          <a:lstStyle/>
+          <a:p>
+            <a:fld id="{71FAE75F-E4A2-4DA6-8D8E-DEA36A488C21}" type="slidenum">
+              <a:rPr lang="ru-RU" smtClean="0"/>
+              <a:t>38</a:t>
+            </a:fld>
+            <a:endParaRPr lang="ru-RU"/>
+          </a:p>
+        </p:txBody>
+      </p:sp>
+      <p:sp>
+        <p:nvSpPr>
+          <p:cNvPr id="7" name="Заголовок 1"/>
+          <p:cNvSpPr txBox="1">
+            <a:spLocks/>
+          </p:cNvSpPr>
+          <p:nvPr/>
+        </p:nvSpPr>
+        <p:spPr>
+          <a:xfrm>
+            <a:off x="3279245" y="450839"/>
+            <a:ext cx="4990856" cy="732126"/>
+          </a:xfrm>
+          <a:prstGeom prst="rect">
+            <a:avLst/>
+          </a:prstGeom>
+        </p:spPr>
+        <p:txBody>
+          <a:bodyPr vert="horz" lIns="91440" tIns="45720" rIns="91440" bIns="45720" rtlCol="0" anchor="ctr">
+            <a:noAutofit/>
+          </a:bodyPr>
+          <a:lstStyle>
+            <a:lvl1pPr algn="l" defTabSz="914400" rtl="0" eaLnBrk="1" latinLnBrk="0" hangingPunct="1">
+              <a:lnSpc>
+                <a:spcPct val="90000"/>
+              </a:lnSpc>
+              <a:spcBef>
+                <a:spcPct val="0"/>
+              </a:spcBef>
+              <a:buNone/>
+              <a:defRPr sz="4400" kern="1200">
+                <a:solidFill>
+                  <a:schemeClr val="tx1"/>
+                </a:solidFill>
+                <a:latin typeface="+mj-lt"/>
+                <a:ea typeface="+mj-ea"/>
+                <a:cs typeface="+mj-cs"/>
+              </a:defRPr>
+            </a:lvl1pPr>
+          </a:lstStyle>
+          <a:p>
+            <a:pPr algn="ctr"/>
+            <a:r>
+              <a:rPr lang="ru-RU" dirty="0">
+                <a:solidFill>
+                  <a:schemeClr val="accent1">
+                    <a:lumMod val="50000"/>
+                  </a:schemeClr>
+                </a:solidFill>
+              </a:rPr>
+              <a:t>Двумерный случай</a:t>
+            </a:r>
+          </a:p>
+        </p:txBody>
+      </p:sp>
+    </p:spTree>
+    <p:extLst>
+      <p:ext uri="{BB962C8B-B14F-4D97-AF65-F5344CB8AC3E}">
+        <p14:creationId xmlns:p14="http://schemas.microsoft.com/office/powerpoint/2010/main" val="2395745979"/>
+      </p:ext>
+    </p:extLst>
+  </p:cSld>
+  <p:clrMapOvr>
+    <a:masterClrMapping/>
+  </p:clrMapOvr>
+  <p:timing>
+    <p:tnLst>
+      <p:par>
+        <p:cTn id="1" dur="indefinite" restart="never" nodeType="tmRoot"/>
+      </p:par>
+    </p:tnLst>
+  </p:timing>
+</p:sld>
+</file>
+
+<file path=ppt/slides/slide39.xml><?xml version="1.0" encoding="utf-8"?>
 <p:sld xmlns:a="http://schemas.openxmlformats.org/drawingml/2006/main" xmlns:r="http://schemas.openxmlformats.org/officeDocument/2006/relationships" xmlns:p="http://schemas.openxmlformats.org/presentationml/2006/main">
   <p:cSld>
     <p:spTree>
@@ -13957,7 +14778,7 @@
           <a:p>
             <a:fld id="{71FAE75F-E4A2-4DA6-8D8E-DEA36A488C21}" type="slidenum">
               <a:rPr lang="ru-RU" smtClean="0"/>
-              <a:t>36</a:t>
+              <a:t>39</a:t>
             </a:fld>
             <a:endParaRPr lang="ru-RU"/>
           </a:p>
@@ -13973,12 +14794,27 @@
   <p:clrMapOvr>
     <a:masterClrMapping/>
   </p:clrMapOvr>
+  <p:timing>
+    <p:tnLst>
+      <p:par>
+        <p:cTn id="1" dur="indefinite" restart="never" nodeType="tmRoot"/>
+      </p:par>
+    </p:tnLst>
+  </p:timing>
 </p:sld>
 </file>
 
-<file path=ppt/slides/slide37.xml><?xml version="1.0" encoding="utf-8"?>
+<file path=ppt/slides/slide4.xml><?xml version="1.0" encoding="utf-8"?>
 <p:sld xmlns:a="http://schemas.openxmlformats.org/drawingml/2006/main" xmlns:r="http://schemas.openxmlformats.org/officeDocument/2006/relationships" xmlns:p="http://schemas.openxmlformats.org/presentationml/2006/main">
   <p:cSld>
+    <p:bg>
+      <p:bgPr>
+        <a:solidFill>
+          <a:srgbClr val="1F1F1F"/>
+        </a:solidFill>
+        <a:effectLst/>
+      </p:bgPr>
+    </p:bg>
     <p:spTree>
       <p:nvGrpSpPr>
         <p:cNvPr id="1" name=""/>
@@ -13995,37 +14831,7 @@
       </p:grpSpPr>
       <p:pic>
         <p:nvPicPr>
-          <p:cNvPr id="5" name="Рисунок 4"/>
-          <p:cNvPicPr>
-            <a:picLocks noChangeAspect="1"/>
-          </p:cNvPicPr>
-          <p:nvPr/>
-        </p:nvPicPr>
-        <p:blipFill>
-          <a:blip r:embed="rId2">
-            <a:extLst>
-              <a:ext uri="{28A0092B-C50C-407E-A947-70E740481C1C}">
-                <a14:useLocalDpi xmlns:a14="http://schemas.microsoft.com/office/drawing/2010/main" val="0"/>
-              </a:ext>
-            </a:extLst>
-          </a:blip>
-          <a:stretch>
-            <a:fillRect/>
-          </a:stretch>
-        </p:blipFill>
-        <p:spPr>
-          <a:xfrm>
-            <a:off x="104308" y="1495125"/>
-            <a:ext cx="6697010" cy="4296375"/>
-          </a:xfrm>
-          <a:prstGeom prst="rect">
-            <a:avLst/>
-          </a:prstGeom>
-        </p:spPr>
-      </p:pic>
-      <p:pic>
-        <p:nvPicPr>
-          <p:cNvPr id="6" name="Рисунок 5"/>
+          <p:cNvPr id="4" name="Рисунок 3"/>
           <p:cNvPicPr>
             <a:picLocks noChangeAspect="1"/>
           </p:cNvPicPr>
@@ -14045,8 +14851,8 @@
         </p:blipFill>
         <p:spPr>
           <a:xfrm>
-            <a:off x="7352977" y="938993"/>
-            <a:ext cx="4629796" cy="5782482"/>
+            <a:off x="0" y="583011"/>
+            <a:ext cx="12192000" cy="5691977"/>
           </a:xfrm>
           <a:prstGeom prst="rect">
             <a:avLst/>
@@ -14070,81 +14876,33 @@
           <a:p>
             <a:fld id="{71FAE75F-E4A2-4DA6-8D8E-DEA36A488C21}" type="slidenum">
               <a:rPr lang="ru-RU" smtClean="0"/>
-              <a:t>37</a:t>
+              <a:t>4</a:t>
             </a:fld>
             <a:endParaRPr lang="ru-RU"/>
-          </a:p>
-        </p:txBody>
-      </p:sp>
-      <p:sp>
-        <p:nvSpPr>
-          <p:cNvPr id="7" name="Заголовок 1"/>
-          <p:cNvSpPr txBox="1">
-            <a:spLocks/>
-          </p:cNvSpPr>
-          <p:nvPr/>
-        </p:nvSpPr>
-        <p:spPr>
-          <a:xfrm>
-            <a:off x="3279245" y="450839"/>
-            <a:ext cx="4990856" cy="732126"/>
-          </a:xfrm>
-          <a:prstGeom prst="rect">
-            <a:avLst/>
-          </a:prstGeom>
-        </p:spPr>
-        <p:txBody>
-          <a:bodyPr vert="horz" lIns="91440" tIns="45720" rIns="91440" bIns="45720" rtlCol="0" anchor="ctr">
-            <a:noAutofit/>
-          </a:bodyPr>
-          <a:lstStyle>
-            <a:lvl1pPr algn="l" defTabSz="914400" rtl="0" eaLnBrk="1" latinLnBrk="0" hangingPunct="1">
-              <a:lnSpc>
-                <a:spcPct val="90000"/>
-              </a:lnSpc>
-              <a:spcBef>
-                <a:spcPct val="0"/>
-              </a:spcBef>
-              <a:buNone/>
-              <a:defRPr sz="4400" kern="1200">
-                <a:solidFill>
-                  <a:schemeClr val="tx1"/>
-                </a:solidFill>
-                <a:latin typeface="+mj-lt"/>
-                <a:ea typeface="+mj-ea"/>
-                <a:cs typeface="+mj-cs"/>
-              </a:defRPr>
-            </a:lvl1pPr>
-          </a:lstStyle>
-          <a:p>
-            <a:pPr algn="ctr"/>
-            <a:r>
-              <a:rPr lang="ru-RU" dirty="0">
-                <a:solidFill>
-                  <a:schemeClr val="accent1">
-                    <a:lumMod val="50000"/>
-                  </a:schemeClr>
-                </a:solidFill>
-              </a:rPr>
-              <a:t>Двумерный случай</a:t>
-            </a:r>
           </a:p>
         </p:txBody>
       </p:sp>
     </p:spTree>
     <p:extLst>
       <p:ext uri="{BB962C8B-B14F-4D97-AF65-F5344CB8AC3E}">
-        <p14:creationId xmlns:p14="http://schemas.microsoft.com/office/powerpoint/2010/main" val="2395745979"/>
+        <p14:creationId xmlns:p14="http://schemas.microsoft.com/office/powerpoint/2010/main" val="149438535"/>
       </p:ext>
     </p:extLst>
   </p:cSld>
   <p:clrMapOvr>
     <a:masterClrMapping/>
   </p:clrMapOvr>
+  <p:timing>
+    <p:tnLst>
+      <p:par>
+        <p:cTn id="1" dur="indefinite" restart="never" nodeType="tmRoot"/>
+      </p:par>
+    </p:tnLst>
+  </p:timing>
 </p:sld>
 </file>
 
-<file path=ppt/slides/slide38.xml><?xml version="1.0" encoding="utf-8"?>
+<file path=ppt/slides/slide40.xml><?xml version="1.0" encoding="utf-8"?>
 <p:sld xmlns:a="http://schemas.openxmlformats.org/drawingml/2006/main" xmlns:r="http://schemas.openxmlformats.org/officeDocument/2006/relationships" xmlns:p="http://schemas.openxmlformats.org/presentationml/2006/main">
   <p:cSld>
     <p:spTree>
@@ -14183,39 +14941,8 @@
         </p:blipFill>
         <p:spPr>
           <a:xfrm>
-            <a:off x="442216" y="1040257"/>
-            <a:ext cx="4872388" cy="5725510"/>
-          </a:xfrm>
-          <a:prstGeom prst="rect">
-            <a:avLst/>
-          </a:prstGeom>
-        </p:spPr>
-      </p:pic>
-      <p:pic>
-        <p:nvPicPr>
-          <p:cNvPr id="4" name="Рисунок 3"/>
-          <p:cNvPicPr>
-            <a:picLocks noChangeAspect="1"/>
-          </p:cNvPicPr>
-          <p:nvPr/>
-        </p:nvPicPr>
-        <p:blipFill>
-          <a:blip r:embed="rId3">
-            <a:biLevel thresh="75000"/>
-            <a:extLst>
-              <a:ext uri="{28A0092B-C50C-407E-A947-70E740481C1C}">
-                <a14:useLocalDpi xmlns:a14="http://schemas.microsoft.com/office/drawing/2010/main" val="0"/>
-              </a:ext>
-            </a:extLst>
-          </a:blip>
-          <a:stretch>
-            <a:fillRect/>
-          </a:stretch>
-        </p:blipFill>
-        <p:spPr>
-          <a:xfrm>
-            <a:off x="5591002" y="970462"/>
-            <a:ext cx="6039196" cy="5795305"/>
+            <a:off x="753920" y="1335191"/>
+            <a:ext cx="4583708" cy="5386284"/>
           </a:xfrm>
           <a:prstGeom prst="rect">
             <a:avLst/>
@@ -14239,7 +14966,7 @@
           <a:p>
             <a:fld id="{71FAE75F-E4A2-4DA6-8D8E-DEA36A488C21}" type="slidenum">
               <a:rPr lang="ru-RU" smtClean="0"/>
-              <a:t>38</a:t>
+              <a:t>40</a:t>
             </a:fld>
             <a:endParaRPr lang="ru-RU"/>
           </a:p>
@@ -14300,6 +15027,36 @@
           </a:p>
         </p:txBody>
       </p:sp>
+      <p:pic>
+        <p:nvPicPr>
+          <p:cNvPr id="3" name="Picture 2"/>
+          <p:cNvPicPr>
+            <a:picLocks noChangeAspect="1"/>
+          </p:cNvPicPr>
+          <p:nvPr/>
+        </p:nvPicPr>
+        <p:blipFill>
+          <a:blip r:embed="rId3">
+            <a:extLst>
+              <a:ext uri="{28A0092B-C50C-407E-A947-70E740481C1C}">
+                <a14:useLocalDpi xmlns:a14="http://schemas.microsoft.com/office/drawing/2010/main" val="0"/>
+              </a:ext>
+            </a:extLst>
+          </a:blip>
+          <a:stretch>
+            <a:fillRect/>
+          </a:stretch>
+        </p:blipFill>
+        <p:spPr>
+          <a:xfrm>
+            <a:off x="5408573" y="1280895"/>
+            <a:ext cx="5479296" cy="5258017"/>
+          </a:xfrm>
+          <a:prstGeom prst="rect">
+            <a:avLst/>
+          </a:prstGeom>
+        </p:spPr>
+      </p:pic>
     </p:spTree>
     <p:extLst>
       <p:ext uri="{BB962C8B-B14F-4D97-AF65-F5344CB8AC3E}">
@@ -14310,10 +15067,186 @@
   <p:clrMapOvr>
     <a:masterClrMapping/>
   </p:clrMapOvr>
+  <p:timing>
+    <p:tnLst>
+      <p:par>
+        <p:cTn id="1" dur="indefinite" restart="never" nodeType="tmRoot"/>
+      </p:par>
+    </p:tnLst>
+  </p:timing>
 </p:sld>
 </file>
 
-<file path=ppt/slides/slide39.xml><?xml version="1.0" encoding="utf-8"?>
+<file path=ppt/slides/slide41.xml><?xml version="1.0" encoding="utf-8"?>
+<p:sld xmlns:a="http://schemas.openxmlformats.org/drawingml/2006/main" xmlns:r="http://schemas.openxmlformats.org/officeDocument/2006/relationships" xmlns:p="http://schemas.openxmlformats.org/presentationml/2006/main">
+  <p:cSld>
+    <p:spTree>
+      <p:nvGrpSpPr>
+        <p:cNvPr id="1" name=""/>
+        <p:cNvGrpSpPr/>
+        <p:nvPr/>
+      </p:nvGrpSpPr>
+      <p:grpSpPr>
+        <a:xfrm>
+          <a:off x="0" y="0"/>
+          <a:ext cx="0" cy="0"/>
+          <a:chOff x="0" y="0"/>
+          <a:chExt cx="0" cy="0"/>
+        </a:xfrm>
+      </p:grpSpPr>
+      <p:sp>
+        <p:nvSpPr>
+          <p:cNvPr id="2" name="Slide Number Placeholder 1"/>
+          <p:cNvSpPr>
+            <a:spLocks noGrp="1"/>
+          </p:cNvSpPr>
+          <p:nvPr>
+            <p:ph type="sldNum" sz="quarter" idx="12"/>
+          </p:nvPr>
+        </p:nvSpPr>
+        <p:spPr/>
+        <p:txBody>
+          <a:bodyPr/>
+          <a:lstStyle/>
+          <a:p>
+            <a:fld id="{71FAE75F-E4A2-4DA6-8D8E-DEA36A488C21}" type="slidenum">
+              <a:rPr lang="ru-RU" smtClean="0"/>
+              <a:t>41</a:t>
+            </a:fld>
+            <a:endParaRPr lang="ru-RU"/>
+          </a:p>
+        </p:txBody>
+      </p:sp>
+      <p:sp>
+        <p:nvSpPr>
+          <p:cNvPr id="5" name="Заголовок 1"/>
+          <p:cNvSpPr txBox="1">
+            <a:spLocks/>
+          </p:cNvSpPr>
+          <p:nvPr/>
+        </p:nvSpPr>
+        <p:spPr>
+          <a:xfrm>
+            <a:off x="3279245" y="450839"/>
+            <a:ext cx="4990856" cy="732126"/>
+          </a:xfrm>
+          <a:prstGeom prst="rect">
+            <a:avLst/>
+          </a:prstGeom>
+        </p:spPr>
+        <p:txBody>
+          <a:bodyPr vert="horz" lIns="91440" tIns="45720" rIns="91440" bIns="45720" rtlCol="0" anchor="ctr">
+            <a:noAutofit/>
+          </a:bodyPr>
+          <a:lstStyle>
+            <a:lvl1pPr algn="l" defTabSz="914400" rtl="0" eaLnBrk="1" latinLnBrk="0" hangingPunct="1">
+              <a:lnSpc>
+                <a:spcPct val="90000"/>
+              </a:lnSpc>
+              <a:spcBef>
+                <a:spcPct val="0"/>
+              </a:spcBef>
+              <a:buNone/>
+              <a:defRPr sz="4400" kern="1200">
+                <a:solidFill>
+                  <a:schemeClr val="tx1"/>
+                </a:solidFill>
+                <a:latin typeface="+mj-lt"/>
+                <a:ea typeface="+mj-ea"/>
+                <a:cs typeface="+mj-cs"/>
+              </a:defRPr>
+            </a:lvl1pPr>
+          </a:lstStyle>
+          <a:p>
+            <a:pPr algn="ctr"/>
+            <a:r>
+              <a:rPr lang="ru-RU" dirty="0">
+                <a:solidFill>
+                  <a:schemeClr val="accent1">
+                    <a:lumMod val="50000"/>
+                  </a:schemeClr>
+                </a:solidFill>
+              </a:rPr>
+              <a:t>Трехмерный случай</a:t>
+            </a:r>
+          </a:p>
+        </p:txBody>
+      </p:sp>
+      <p:pic>
+        <p:nvPicPr>
+          <p:cNvPr id="6" name="Picture 5"/>
+          <p:cNvPicPr>
+            <a:picLocks noChangeAspect="1"/>
+          </p:cNvPicPr>
+          <p:nvPr/>
+        </p:nvPicPr>
+        <p:blipFill>
+          <a:blip r:embed="rId2">
+            <a:extLst>
+              <a:ext uri="{28A0092B-C50C-407E-A947-70E740481C1C}">
+                <a14:useLocalDpi xmlns:a14="http://schemas.microsoft.com/office/drawing/2010/main" val="0"/>
+              </a:ext>
+            </a:extLst>
+          </a:blip>
+          <a:stretch>
+            <a:fillRect/>
+          </a:stretch>
+        </p:blipFill>
+        <p:spPr>
+          <a:xfrm>
+            <a:off x="6322798" y="1387365"/>
+            <a:ext cx="4219405" cy="4776952"/>
+          </a:xfrm>
+          <a:prstGeom prst="rect">
+            <a:avLst/>
+          </a:prstGeom>
+        </p:spPr>
+      </p:pic>
+      <p:pic>
+        <p:nvPicPr>
+          <p:cNvPr id="7" name="Picture 6"/>
+          <p:cNvPicPr>
+            <a:picLocks noChangeAspect="1"/>
+          </p:cNvPicPr>
+          <p:nvPr/>
+        </p:nvPicPr>
+        <p:blipFill>
+          <a:blip r:embed="rId3"/>
+          <a:stretch>
+            <a:fillRect/>
+          </a:stretch>
+        </p:blipFill>
+        <p:spPr>
+          <a:xfrm>
+            <a:off x="934780" y="1387365"/>
+            <a:ext cx="4688929" cy="4968985"/>
+          </a:xfrm>
+          <a:prstGeom prst="rect">
+            <a:avLst/>
+          </a:prstGeom>
+        </p:spPr>
+      </p:pic>
+    </p:spTree>
+    <p:extLst>
+      <p:ext uri="{BB962C8B-B14F-4D97-AF65-F5344CB8AC3E}">
+        <p14:creationId xmlns:p14="http://schemas.microsoft.com/office/powerpoint/2010/main" val="942282515"/>
+      </p:ext>
+    </p:extLst>
+  </p:cSld>
+  <p:clrMapOvr>
+    <a:masterClrMapping/>
+  </p:clrMapOvr>
+  <p:timing>
+    <p:tnLst>
+      <p:par>
+        <p:cTn id="1" dur="indefinite" restart="never" nodeType="tmRoot"/>
+      </p:par>
+    </p:tnLst>
+  </p:timing>
+</p:sld>
+</file>
+
+<file path=ppt/slides/slide42.xml><?xml version="1.0" encoding="utf-8"?>
 <p:sld xmlns:a="http://schemas.openxmlformats.org/drawingml/2006/main" xmlns:r="http://schemas.openxmlformats.org/officeDocument/2006/relationships" xmlns:p="http://schemas.openxmlformats.org/presentationml/2006/main">
   <p:cSld>
     <p:spTree>
@@ -14408,7 +15341,7 @@
           <a:p>
             <a:fld id="{71FAE75F-E4A2-4DA6-8D8E-DEA36A488C21}" type="slidenum">
               <a:rPr lang="ru-RU" smtClean="0"/>
-              <a:t>39</a:t>
+              <a:t>42</a:t>
             </a:fld>
             <a:endParaRPr lang="ru-RU"/>
           </a:p>
@@ -14479,101 +15412,17 @@
   <p:clrMapOvr>
     <a:masterClrMapping/>
   </p:clrMapOvr>
+  <p:timing>
+    <p:tnLst>
+      <p:par>
+        <p:cTn id="1" dur="indefinite" restart="never" nodeType="tmRoot"/>
+      </p:par>
+    </p:tnLst>
+  </p:timing>
 </p:sld>
 </file>
 
-<file path=ppt/slides/slide4.xml><?xml version="1.0" encoding="utf-8"?>
-<p:sld xmlns:a="http://schemas.openxmlformats.org/drawingml/2006/main" xmlns:r="http://schemas.openxmlformats.org/officeDocument/2006/relationships" xmlns:p="http://schemas.openxmlformats.org/presentationml/2006/main">
-  <p:cSld>
-    <p:bg>
-      <p:bgPr>
-        <a:solidFill>
-          <a:srgbClr val="1F1F1F"/>
-        </a:solidFill>
-        <a:effectLst/>
-      </p:bgPr>
-    </p:bg>
-    <p:spTree>
-      <p:nvGrpSpPr>
-        <p:cNvPr id="1" name=""/>
-        <p:cNvGrpSpPr/>
-        <p:nvPr/>
-      </p:nvGrpSpPr>
-      <p:grpSpPr>
-        <a:xfrm>
-          <a:off x="0" y="0"/>
-          <a:ext cx="0" cy="0"/>
-          <a:chOff x="0" y="0"/>
-          <a:chExt cx="0" cy="0"/>
-        </a:xfrm>
-      </p:grpSpPr>
-      <p:pic>
-        <p:nvPicPr>
-          <p:cNvPr id="4" name="Рисунок 3"/>
-          <p:cNvPicPr>
-            <a:picLocks noChangeAspect="1"/>
-          </p:cNvPicPr>
-          <p:nvPr/>
-        </p:nvPicPr>
-        <p:blipFill>
-          <a:blip r:embed="rId3">
-            <a:extLst>
-              <a:ext uri="{28A0092B-C50C-407E-A947-70E740481C1C}">
-                <a14:useLocalDpi xmlns:a14="http://schemas.microsoft.com/office/drawing/2010/main" val="0"/>
-              </a:ext>
-            </a:extLst>
-          </a:blip>
-          <a:stretch>
-            <a:fillRect/>
-          </a:stretch>
-        </p:blipFill>
-        <p:spPr>
-          <a:xfrm>
-            <a:off x="0" y="583011"/>
-            <a:ext cx="12192000" cy="5691977"/>
-          </a:xfrm>
-          <a:prstGeom prst="rect">
-            <a:avLst/>
-          </a:prstGeom>
-        </p:spPr>
-      </p:pic>
-      <p:sp>
-        <p:nvSpPr>
-          <p:cNvPr id="2" name="Номер слайда 1"/>
-          <p:cNvSpPr>
-            <a:spLocks noGrp="1"/>
-          </p:cNvSpPr>
-          <p:nvPr>
-            <p:ph type="sldNum" sz="quarter" idx="12"/>
-          </p:nvPr>
-        </p:nvSpPr>
-        <p:spPr/>
-        <p:txBody>
-          <a:bodyPr/>
-          <a:lstStyle/>
-          <a:p>
-            <a:fld id="{71FAE75F-E4A2-4DA6-8D8E-DEA36A488C21}" type="slidenum">
-              <a:rPr lang="ru-RU" smtClean="0"/>
-              <a:t>4</a:t>
-            </a:fld>
-            <a:endParaRPr lang="ru-RU"/>
-          </a:p>
-        </p:txBody>
-      </p:sp>
-    </p:spTree>
-    <p:extLst>
-      <p:ext uri="{BB962C8B-B14F-4D97-AF65-F5344CB8AC3E}">
-        <p14:creationId xmlns:p14="http://schemas.microsoft.com/office/powerpoint/2010/main" val="149438535"/>
-      </p:ext>
-    </p:extLst>
-  </p:cSld>
-  <p:clrMapOvr>
-    <a:masterClrMapping/>
-  </p:clrMapOvr>
-</p:sld>
-</file>
-
-<file path=ppt/slides/slide40.xml><?xml version="1.0" encoding="utf-8"?>
+<file path=ppt/slides/slide43.xml><?xml version="1.0" encoding="utf-8"?>
 <p:sld xmlns:a="http://schemas.openxmlformats.org/drawingml/2006/main" xmlns:r="http://schemas.openxmlformats.org/officeDocument/2006/relationships" xmlns:p="http://schemas.openxmlformats.org/presentationml/2006/main">
   <p:cSld>
     <p:spTree>
@@ -14662,7 +15511,7 @@
           <a:p>
             <a:fld id="{71FAE75F-E4A2-4DA6-8D8E-DEA36A488C21}" type="slidenum">
               <a:rPr lang="ru-RU" smtClean="0"/>
-              <a:t>40</a:t>
+              <a:t>43</a:t>
             </a:fld>
             <a:endParaRPr lang="ru-RU"/>
           </a:p>
@@ -14678,10 +15527,17 @@
   <p:clrMapOvr>
     <a:masterClrMapping/>
   </p:clrMapOvr>
+  <p:timing>
+    <p:tnLst>
+      <p:par>
+        <p:cTn id="1" dur="indefinite" restart="never" nodeType="tmRoot"/>
+      </p:par>
+    </p:tnLst>
+  </p:timing>
 </p:sld>
 </file>
 
-<file path=ppt/slides/slide41.xml><?xml version="1.0" encoding="utf-8"?>
+<file path=ppt/slides/slide44.xml><?xml version="1.0" encoding="utf-8"?>
 <p:sld xmlns:a="http://schemas.openxmlformats.org/drawingml/2006/main" xmlns:r="http://schemas.openxmlformats.org/officeDocument/2006/relationships" xmlns:p="http://schemas.openxmlformats.org/presentationml/2006/main">
   <p:cSld>
     <p:spTree>
@@ -14822,7 +15678,7 @@
           <a:p>
             <a:fld id="{71FAE75F-E4A2-4DA6-8D8E-DEA36A488C21}" type="slidenum">
               <a:rPr lang="ru-RU" smtClean="0"/>
-              <a:t>41</a:t>
+              <a:t>44</a:t>
             </a:fld>
             <a:endParaRPr lang="ru-RU"/>
           </a:p>
@@ -14838,10 +15694,17 @@
   <p:clrMapOvr>
     <a:masterClrMapping/>
   </p:clrMapOvr>
+  <p:timing>
+    <p:tnLst>
+      <p:par>
+        <p:cTn id="1" dur="indefinite" restart="never" nodeType="tmRoot"/>
+      </p:par>
+    </p:tnLst>
+  </p:timing>
 </p:sld>
 </file>
 
-<file path=ppt/slides/slide42.xml><?xml version="1.0" encoding="utf-8"?>
+<file path=ppt/slides/slide45.xml><?xml version="1.0" encoding="utf-8"?>
 <p:sld xmlns:a="http://schemas.openxmlformats.org/drawingml/2006/main" xmlns:r="http://schemas.openxmlformats.org/officeDocument/2006/relationships" xmlns:p="http://schemas.openxmlformats.org/presentationml/2006/main">
   <p:cSld>
     <p:spTree>
@@ -14886,42 +15749,42 @@
                 <a:gridCol w="2522900">
                   <a:extLst>
                     <a:ext uri="{9D8B030D-6E8A-4147-A177-3AD203B41FA5}">
-                      <a16:colId xmlns="" xmlns:a16="http://schemas.microsoft.com/office/drawing/2014/main" val="1171950682"/>
+                      <a16:colId xmlns:a16="http://schemas.microsoft.com/office/drawing/2014/main" xmlns="" val="1171950682"/>
                     </a:ext>
                   </a:extLst>
                 </a:gridCol>
                 <a:gridCol w="932747">
                   <a:extLst>
                     <a:ext uri="{9D8B030D-6E8A-4147-A177-3AD203B41FA5}">
-                      <a16:colId xmlns="" xmlns:a16="http://schemas.microsoft.com/office/drawing/2014/main" val="2713623616"/>
+                      <a16:colId xmlns:a16="http://schemas.microsoft.com/office/drawing/2014/main" xmlns="" val="2713623616"/>
                     </a:ext>
                   </a:extLst>
                 </a:gridCol>
                 <a:gridCol w="1124653">
                   <a:extLst>
                     <a:ext uri="{9D8B030D-6E8A-4147-A177-3AD203B41FA5}">
-                      <a16:colId xmlns="" xmlns:a16="http://schemas.microsoft.com/office/drawing/2014/main" val="4214117398"/>
+                      <a16:colId xmlns:a16="http://schemas.microsoft.com/office/drawing/2014/main" xmlns="" val="4214117398"/>
                     </a:ext>
                   </a:extLst>
                 </a:gridCol>
                 <a:gridCol w="1737360">
                   <a:extLst>
                     <a:ext uri="{9D8B030D-6E8A-4147-A177-3AD203B41FA5}">
-                      <a16:colId xmlns="" xmlns:a16="http://schemas.microsoft.com/office/drawing/2014/main" val="3936630454"/>
+                      <a16:colId xmlns:a16="http://schemas.microsoft.com/office/drawing/2014/main" xmlns="" val="3936630454"/>
                     </a:ext>
                   </a:extLst>
                 </a:gridCol>
                 <a:gridCol w="2164080">
                   <a:extLst>
                     <a:ext uri="{9D8B030D-6E8A-4147-A177-3AD203B41FA5}">
-                      <a16:colId xmlns="" xmlns:a16="http://schemas.microsoft.com/office/drawing/2014/main" val="3619060530"/>
+                      <a16:colId xmlns:a16="http://schemas.microsoft.com/office/drawing/2014/main" xmlns="" val="3619060530"/>
                     </a:ext>
                   </a:extLst>
                 </a:gridCol>
                 <a:gridCol w="2346960">
                   <a:extLst>
                     <a:ext uri="{9D8B030D-6E8A-4147-A177-3AD203B41FA5}">
-                      <a16:colId xmlns="" xmlns:a16="http://schemas.microsoft.com/office/drawing/2014/main" val="3962761656"/>
+                      <a16:colId xmlns:a16="http://schemas.microsoft.com/office/drawing/2014/main" xmlns="" val="3962761656"/>
                     </a:ext>
                   </a:extLst>
                 </a:gridCol>
@@ -15073,7 +15936,7 @@
                 </a:tc>
                 <a:extLst>
                   <a:ext uri="{0D108BD9-81ED-4DB2-BD59-A6C34878D82A}">
-                    <a16:rowId xmlns="" xmlns:a16="http://schemas.microsoft.com/office/drawing/2014/main" val="396192681"/>
+                    <a16:rowId xmlns:a16="http://schemas.microsoft.com/office/drawing/2014/main" xmlns="" val="396192681"/>
                   </a:ext>
                 </a:extLst>
               </a:tr>
@@ -15235,7 +16098,7 @@
                 </a:tc>
                 <a:extLst>
                   <a:ext uri="{0D108BD9-81ED-4DB2-BD59-A6C34878D82A}">
-                    <a16:rowId xmlns="" xmlns:a16="http://schemas.microsoft.com/office/drawing/2014/main" val="658754578"/>
+                    <a16:rowId xmlns:a16="http://schemas.microsoft.com/office/drawing/2014/main" xmlns="" val="658754578"/>
                   </a:ext>
                 </a:extLst>
               </a:tr>
@@ -15404,7 +16267,7 @@
                 </a:tc>
                 <a:extLst>
                   <a:ext uri="{0D108BD9-81ED-4DB2-BD59-A6C34878D82A}">
-                    <a16:rowId xmlns="" xmlns:a16="http://schemas.microsoft.com/office/drawing/2014/main" val="2775249390"/>
+                    <a16:rowId xmlns:a16="http://schemas.microsoft.com/office/drawing/2014/main" xmlns="" val="2775249390"/>
                   </a:ext>
                 </a:extLst>
               </a:tr>
@@ -15566,7 +16429,7 @@
                 </a:tc>
                 <a:extLst>
                   <a:ext uri="{0D108BD9-81ED-4DB2-BD59-A6C34878D82A}">
-                    <a16:rowId xmlns="" xmlns:a16="http://schemas.microsoft.com/office/drawing/2014/main" val="351305436"/>
+                    <a16:rowId xmlns:a16="http://schemas.microsoft.com/office/drawing/2014/main" xmlns="" val="351305436"/>
                   </a:ext>
                 </a:extLst>
               </a:tr>
@@ -15735,7 +16598,7 @@
                 </a:tc>
                 <a:extLst>
                   <a:ext uri="{0D108BD9-81ED-4DB2-BD59-A6C34878D82A}">
-                    <a16:rowId xmlns="" xmlns:a16="http://schemas.microsoft.com/office/drawing/2014/main" val="743266472"/>
+                    <a16:rowId xmlns:a16="http://schemas.microsoft.com/office/drawing/2014/main" xmlns="" val="743266472"/>
                   </a:ext>
                 </a:extLst>
               </a:tr>
@@ -15897,7 +16760,7 @@
                 </a:tc>
                 <a:extLst>
                   <a:ext uri="{0D108BD9-81ED-4DB2-BD59-A6C34878D82A}">
-                    <a16:rowId xmlns="" xmlns:a16="http://schemas.microsoft.com/office/drawing/2014/main" val="3253733328"/>
+                    <a16:rowId xmlns:a16="http://schemas.microsoft.com/office/drawing/2014/main" xmlns="" val="3253733328"/>
                   </a:ext>
                 </a:extLst>
               </a:tr>
@@ -16059,7 +16922,7 @@
                 </a:tc>
                 <a:extLst>
                   <a:ext uri="{0D108BD9-81ED-4DB2-BD59-A6C34878D82A}">
-                    <a16:rowId xmlns="" xmlns:a16="http://schemas.microsoft.com/office/drawing/2014/main" val="4155944330"/>
+                    <a16:rowId xmlns:a16="http://schemas.microsoft.com/office/drawing/2014/main" xmlns="" val="4155944330"/>
                   </a:ext>
                 </a:extLst>
               </a:tr>
@@ -16228,7 +17091,7 @@
                 </a:tc>
                 <a:extLst>
                   <a:ext uri="{0D108BD9-81ED-4DB2-BD59-A6C34878D82A}">
-                    <a16:rowId xmlns="" xmlns:a16="http://schemas.microsoft.com/office/drawing/2014/main" val="232013355"/>
+                    <a16:rowId xmlns:a16="http://schemas.microsoft.com/office/drawing/2014/main" xmlns="" val="232013355"/>
                   </a:ext>
                 </a:extLst>
               </a:tr>
@@ -16390,7 +17253,7 @@
                 </a:tc>
                 <a:extLst>
                   <a:ext uri="{0D108BD9-81ED-4DB2-BD59-A6C34878D82A}">
-                    <a16:rowId xmlns="" xmlns:a16="http://schemas.microsoft.com/office/drawing/2014/main" val="10008"/>
+                    <a16:rowId xmlns:a16="http://schemas.microsoft.com/office/drawing/2014/main" xmlns="" val="10008"/>
                   </a:ext>
                 </a:extLst>
               </a:tr>
@@ -16559,7 +17422,7 @@
                 </a:tc>
                 <a:extLst>
                   <a:ext uri="{0D108BD9-81ED-4DB2-BD59-A6C34878D82A}">
-                    <a16:rowId xmlns="" xmlns:a16="http://schemas.microsoft.com/office/drawing/2014/main" val="10009"/>
+                    <a16:rowId xmlns:a16="http://schemas.microsoft.com/office/drawing/2014/main" xmlns="" val="10009"/>
                   </a:ext>
                 </a:extLst>
               </a:tr>
@@ -16721,7 +17584,7 @@
                 </a:tc>
                 <a:extLst>
                   <a:ext uri="{0D108BD9-81ED-4DB2-BD59-A6C34878D82A}">
-                    <a16:rowId xmlns="" xmlns:a16="http://schemas.microsoft.com/office/drawing/2014/main" val="10010"/>
+                    <a16:rowId xmlns:a16="http://schemas.microsoft.com/office/drawing/2014/main" xmlns="" val="10010"/>
                   </a:ext>
                 </a:extLst>
               </a:tr>
@@ -16890,7 +17753,7 @@
                 </a:tc>
                 <a:extLst>
                   <a:ext uri="{0D108BD9-81ED-4DB2-BD59-A6C34878D82A}">
-                    <a16:rowId xmlns="" xmlns:a16="http://schemas.microsoft.com/office/drawing/2014/main" val="10011"/>
+                    <a16:rowId xmlns:a16="http://schemas.microsoft.com/office/drawing/2014/main" xmlns="" val="10011"/>
                   </a:ext>
                 </a:extLst>
               </a:tr>
@@ -17052,7 +17915,7 @@
                 </a:tc>
                 <a:extLst>
                   <a:ext uri="{0D108BD9-81ED-4DB2-BD59-A6C34878D82A}">
-                    <a16:rowId xmlns="" xmlns:a16="http://schemas.microsoft.com/office/drawing/2014/main" val="10012"/>
+                    <a16:rowId xmlns:a16="http://schemas.microsoft.com/office/drawing/2014/main" xmlns="" val="10012"/>
                   </a:ext>
                 </a:extLst>
               </a:tr>
@@ -17221,7 +18084,7 @@
                 </a:tc>
                 <a:extLst>
                   <a:ext uri="{0D108BD9-81ED-4DB2-BD59-A6C34878D82A}">
-                    <a16:rowId xmlns="" xmlns:a16="http://schemas.microsoft.com/office/drawing/2014/main" val="10013"/>
+                    <a16:rowId xmlns:a16="http://schemas.microsoft.com/office/drawing/2014/main" xmlns="" val="10013"/>
                   </a:ext>
                 </a:extLst>
               </a:tr>
@@ -17383,7 +18246,7 @@
                 </a:tc>
                 <a:extLst>
                   <a:ext uri="{0D108BD9-81ED-4DB2-BD59-A6C34878D82A}">
-                    <a16:rowId xmlns="" xmlns:a16="http://schemas.microsoft.com/office/drawing/2014/main" val="10014"/>
+                    <a16:rowId xmlns:a16="http://schemas.microsoft.com/office/drawing/2014/main" xmlns="" val="10014"/>
                   </a:ext>
                 </a:extLst>
               </a:tr>
@@ -17559,7 +18422,7 @@
                 </a:tc>
                 <a:extLst>
                   <a:ext uri="{0D108BD9-81ED-4DB2-BD59-A6C34878D82A}">
-                    <a16:rowId xmlns="" xmlns:a16="http://schemas.microsoft.com/office/drawing/2014/main" val="10015"/>
+                    <a16:rowId xmlns:a16="http://schemas.microsoft.com/office/drawing/2014/main" xmlns="" val="10015"/>
                   </a:ext>
                 </a:extLst>
               </a:tr>
@@ -17721,7 +18584,7 @@
                 </a:tc>
                 <a:extLst>
                   <a:ext uri="{0D108BD9-81ED-4DB2-BD59-A6C34878D82A}">
-                    <a16:rowId xmlns="" xmlns:a16="http://schemas.microsoft.com/office/drawing/2014/main" val="10016"/>
+                    <a16:rowId xmlns:a16="http://schemas.microsoft.com/office/drawing/2014/main" xmlns="" val="10016"/>
                   </a:ext>
                 </a:extLst>
               </a:tr>
@@ -17890,7 +18753,7 @@
                 </a:tc>
                 <a:extLst>
                   <a:ext uri="{0D108BD9-81ED-4DB2-BD59-A6C34878D82A}">
-                    <a16:rowId xmlns="" xmlns:a16="http://schemas.microsoft.com/office/drawing/2014/main" val="10017"/>
+                    <a16:rowId xmlns:a16="http://schemas.microsoft.com/office/drawing/2014/main" xmlns="" val="10017"/>
                   </a:ext>
                 </a:extLst>
               </a:tr>
@@ -18052,7 +18915,7 @@
                 </a:tc>
                 <a:extLst>
                   <a:ext uri="{0D108BD9-81ED-4DB2-BD59-A6C34878D82A}">
-                    <a16:rowId xmlns="" xmlns:a16="http://schemas.microsoft.com/office/drawing/2014/main" val="10018"/>
+                    <a16:rowId xmlns:a16="http://schemas.microsoft.com/office/drawing/2014/main" xmlns="" val="10018"/>
                   </a:ext>
                 </a:extLst>
               </a:tr>
@@ -18205,7 +19068,7 @@
                 </a:tc>
                 <a:extLst>
                   <a:ext uri="{0D108BD9-81ED-4DB2-BD59-A6C34878D82A}">
-                    <a16:rowId xmlns="" xmlns:a16="http://schemas.microsoft.com/office/drawing/2014/main" val="1385307021"/>
+                    <a16:rowId xmlns:a16="http://schemas.microsoft.com/office/drawing/2014/main" xmlns="" val="1385307021"/>
                   </a:ext>
                 </a:extLst>
               </a:tr>
@@ -18285,7 +19148,7 @@
           <a:p>
             <a:fld id="{71FAE75F-E4A2-4DA6-8D8E-DEA36A488C21}" type="slidenum">
               <a:rPr lang="ru-RU" smtClean="0"/>
-              <a:t>42</a:t>
+              <a:t>45</a:t>
             </a:fld>
             <a:endParaRPr lang="ru-RU"/>
           </a:p>
@@ -18301,10 +19164,17 @@
   <p:clrMapOvr>
     <a:masterClrMapping/>
   </p:clrMapOvr>
+  <p:timing>
+    <p:tnLst>
+      <p:par>
+        <p:cTn id="1" dur="indefinite" restart="never" nodeType="tmRoot"/>
+      </p:par>
+    </p:tnLst>
+  </p:timing>
 </p:sld>
 </file>
 
-<file path=ppt/slides/slide43.xml><?xml version="1.0" encoding="utf-8"?>
+<file path=ppt/slides/slide46.xml><?xml version="1.0" encoding="utf-8"?>
 <p:sld xmlns:a="http://schemas.openxmlformats.org/drawingml/2006/main" xmlns:r="http://schemas.openxmlformats.org/officeDocument/2006/relationships" xmlns:p="http://schemas.openxmlformats.org/presentationml/2006/main">
   <p:cSld>
     <p:spTree>
@@ -18349,42 +19219,42 @@
                 <a:gridCol w="2343339">
                   <a:extLst>
                     <a:ext uri="{9D8B030D-6E8A-4147-A177-3AD203B41FA5}">
-                      <a16:colId xmlns="" xmlns:a16="http://schemas.microsoft.com/office/drawing/2014/main" val="1171950682"/>
+                      <a16:colId xmlns:a16="http://schemas.microsoft.com/office/drawing/2014/main" xmlns="" val="1171950682"/>
                     </a:ext>
                   </a:extLst>
                 </a:gridCol>
                 <a:gridCol w="990600">
                   <a:extLst>
                     <a:ext uri="{9D8B030D-6E8A-4147-A177-3AD203B41FA5}">
-                      <a16:colId xmlns="" xmlns:a16="http://schemas.microsoft.com/office/drawing/2014/main" val="2713623616"/>
+                      <a16:colId xmlns:a16="http://schemas.microsoft.com/office/drawing/2014/main" xmlns="" val="2713623616"/>
                     </a:ext>
                   </a:extLst>
                 </a:gridCol>
                 <a:gridCol w="929640">
                   <a:extLst>
                     <a:ext uri="{9D8B030D-6E8A-4147-A177-3AD203B41FA5}">
-                      <a16:colId xmlns="" xmlns:a16="http://schemas.microsoft.com/office/drawing/2014/main" val="4214117398"/>
+                      <a16:colId xmlns:a16="http://schemas.microsoft.com/office/drawing/2014/main" xmlns="" val="4214117398"/>
                     </a:ext>
                   </a:extLst>
                 </a:gridCol>
                 <a:gridCol w="1737360">
                   <a:extLst>
                     <a:ext uri="{9D8B030D-6E8A-4147-A177-3AD203B41FA5}">
-                      <a16:colId xmlns="" xmlns:a16="http://schemas.microsoft.com/office/drawing/2014/main" val="3936630454"/>
+                      <a16:colId xmlns:a16="http://schemas.microsoft.com/office/drawing/2014/main" xmlns="" val="3936630454"/>
                     </a:ext>
                   </a:extLst>
                 </a:gridCol>
                 <a:gridCol w="2255520">
                   <a:extLst>
                     <a:ext uri="{9D8B030D-6E8A-4147-A177-3AD203B41FA5}">
-                      <a16:colId xmlns="" xmlns:a16="http://schemas.microsoft.com/office/drawing/2014/main" val="3619060530"/>
+                      <a16:colId xmlns:a16="http://schemas.microsoft.com/office/drawing/2014/main" xmlns="" val="3619060530"/>
                     </a:ext>
                   </a:extLst>
                 </a:gridCol>
                 <a:gridCol w="2545080">
                   <a:extLst>
                     <a:ext uri="{9D8B030D-6E8A-4147-A177-3AD203B41FA5}">
-                      <a16:colId xmlns="" xmlns:a16="http://schemas.microsoft.com/office/drawing/2014/main" val="3962761656"/>
+                      <a16:colId xmlns:a16="http://schemas.microsoft.com/office/drawing/2014/main" xmlns="" val="3962761656"/>
                     </a:ext>
                   </a:extLst>
                 </a:gridCol>
@@ -18526,7 +19396,7 @@
                 </a:tc>
                 <a:extLst>
                   <a:ext uri="{0D108BD9-81ED-4DB2-BD59-A6C34878D82A}">
-                    <a16:rowId xmlns="" xmlns:a16="http://schemas.microsoft.com/office/drawing/2014/main" val="396192681"/>
+                    <a16:rowId xmlns:a16="http://schemas.microsoft.com/office/drawing/2014/main" xmlns="" val="396192681"/>
                   </a:ext>
                 </a:extLst>
               </a:tr>
@@ -18686,7 +19556,7 @@
                 </a:tc>
                 <a:extLst>
                   <a:ext uri="{0D108BD9-81ED-4DB2-BD59-A6C34878D82A}">
-                    <a16:rowId xmlns="" xmlns:a16="http://schemas.microsoft.com/office/drawing/2014/main" val="4155944330"/>
+                    <a16:rowId xmlns:a16="http://schemas.microsoft.com/office/drawing/2014/main" xmlns="" val="4155944330"/>
                   </a:ext>
                 </a:extLst>
               </a:tr>
@@ -18839,7 +19709,7 @@
                 </a:tc>
                 <a:extLst>
                   <a:ext uri="{0D108BD9-81ED-4DB2-BD59-A6C34878D82A}">
-                    <a16:rowId xmlns="" xmlns:a16="http://schemas.microsoft.com/office/drawing/2014/main" val="232013355"/>
+                    <a16:rowId xmlns:a16="http://schemas.microsoft.com/office/drawing/2014/main" xmlns="" val="232013355"/>
                   </a:ext>
                 </a:extLst>
               </a:tr>
@@ -18992,7 +19862,7 @@
                 </a:tc>
                 <a:extLst>
                   <a:ext uri="{0D108BD9-81ED-4DB2-BD59-A6C34878D82A}">
-                    <a16:rowId xmlns="" xmlns:a16="http://schemas.microsoft.com/office/drawing/2014/main" val="10004"/>
+                    <a16:rowId xmlns:a16="http://schemas.microsoft.com/office/drawing/2014/main" xmlns="" val="10004"/>
                   </a:ext>
                 </a:extLst>
               </a:tr>
@@ -19145,7 +20015,7 @@
                 </a:tc>
                 <a:extLst>
                   <a:ext uri="{0D108BD9-81ED-4DB2-BD59-A6C34878D82A}">
-                    <a16:rowId xmlns="" xmlns:a16="http://schemas.microsoft.com/office/drawing/2014/main" val="10005"/>
+                    <a16:rowId xmlns:a16="http://schemas.microsoft.com/office/drawing/2014/main" xmlns="" val="10005"/>
                   </a:ext>
                 </a:extLst>
               </a:tr>
@@ -19298,7 +20168,7 @@
                 </a:tc>
                 <a:extLst>
                   <a:ext uri="{0D108BD9-81ED-4DB2-BD59-A6C34878D82A}">
-                    <a16:rowId xmlns="" xmlns:a16="http://schemas.microsoft.com/office/drawing/2014/main" val="10006"/>
+                    <a16:rowId xmlns:a16="http://schemas.microsoft.com/office/drawing/2014/main" xmlns="" val="10006"/>
                   </a:ext>
                 </a:extLst>
               </a:tr>
@@ -19451,7 +20321,7 @@
                 </a:tc>
                 <a:extLst>
                   <a:ext uri="{0D108BD9-81ED-4DB2-BD59-A6C34878D82A}">
-                    <a16:rowId xmlns="" xmlns:a16="http://schemas.microsoft.com/office/drawing/2014/main" val="10007"/>
+                    <a16:rowId xmlns:a16="http://schemas.microsoft.com/office/drawing/2014/main" xmlns="" val="10007"/>
                   </a:ext>
                 </a:extLst>
               </a:tr>
@@ -19604,7 +20474,7 @@
                 </a:tc>
                 <a:extLst>
                   <a:ext uri="{0D108BD9-81ED-4DB2-BD59-A6C34878D82A}">
-                    <a16:rowId xmlns="" xmlns:a16="http://schemas.microsoft.com/office/drawing/2014/main" val="10008"/>
+                    <a16:rowId xmlns:a16="http://schemas.microsoft.com/office/drawing/2014/main" xmlns="" val="10008"/>
                   </a:ext>
                 </a:extLst>
               </a:tr>
@@ -19757,7 +20627,7 @@
                 </a:tc>
                 <a:extLst>
                   <a:ext uri="{0D108BD9-81ED-4DB2-BD59-A6C34878D82A}">
-                    <a16:rowId xmlns="" xmlns:a16="http://schemas.microsoft.com/office/drawing/2014/main" val="10009"/>
+                    <a16:rowId xmlns:a16="http://schemas.microsoft.com/office/drawing/2014/main" xmlns="" val="10009"/>
                   </a:ext>
                 </a:extLst>
               </a:tr>
@@ -19913,7 +20783,7 @@
                 </a:tc>
                 <a:extLst>
                   <a:ext uri="{0D108BD9-81ED-4DB2-BD59-A6C34878D82A}">
-                    <a16:rowId xmlns="" xmlns:a16="http://schemas.microsoft.com/office/drawing/2014/main" val="10010"/>
+                    <a16:rowId xmlns:a16="http://schemas.microsoft.com/office/drawing/2014/main" xmlns="" val="10010"/>
                   </a:ext>
                 </a:extLst>
               </a:tr>
@@ -20069,7 +20939,7 @@
                 </a:tc>
                 <a:extLst>
                   <a:ext uri="{0D108BD9-81ED-4DB2-BD59-A6C34878D82A}">
-                    <a16:rowId xmlns="" xmlns:a16="http://schemas.microsoft.com/office/drawing/2014/main" val="10011"/>
+                    <a16:rowId xmlns:a16="http://schemas.microsoft.com/office/drawing/2014/main" xmlns="" val="10011"/>
                   </a:ext>
                 </a:extLst>
               </a:tr>
@@ -20225,7 +21095,7 @@
                 </a:tc>
                 <a:extLst>
                   <a:ext uri="{0D108BD9-81ED-4DB2-BD59-A6C34878D82A}">
-                    <a16:rowId xmlns="" xmlns:a16="http://schemas.microsoft.com/office/drawing/2014/main" val="10012"/>
+                    <a16:rowId xmlns:a16="http://schemas.microsoft.com/office/drawing/2014/main" xmlns="" val="10012"/>
                   </a:ext>
                 </a:extLst>
               </a:tr>
@@ -20381,7 +21251,7 @@
                 </a:tc>
                 <a:extLst>
                   <a:ext uri="{0D108BD9-81ED-4DB2-BD59-A6C34878D82A}">
-                    <a16:rowId xmlns="" xmlns:a16="http://schemas.microsoft.com/office/drawing/2014/main" val="10013"/>
+                    <a16:rowId xmlns:a16="http://schemas.microsoft.com/office/drawing/2014/main" xmlns="" val="10013"/>
                   </a:ext>
                 </a:extLst>
               </a:tr>
@@ -20530,7 +21400,7 @@
                 </a:tc>
                 <a:extLst>
                   <a:ext uri="{0D108BD9-81ED-4DB2-BD59-A6C34878D82A}">
-                    <a16:rowId xmlns="" xmlns:a16="http://schemas.microsoft.com/office/drawing/2014/main" val="10014"/>
+                    <a16:rowId xmlns:a16="http://schemas.microsoft.com/office/drawing/2014/main" xmlns="" val="10014"/>
                   </a:ext>
                 </a:extLst>
               </a:tr>
@@ -20679,7 +21549,7 @@
                 </a:tc>
                 <a:extLst>
                   <a:ext uri="{0D108BD9-81ED-4DB2-BD59-A6C34878D82A}">
-                    <a16:rowId xmlns="" xmlns:a16="http://schemas.microsoft.com/office/drawing/2014/main" val="10015"/>
+                    <a16:rowId xmlns:a16="http://schemas.microsoft.com/office/drawing/2014/main" xmlns="" val="10015"/>
                   </a:ext>
                 </a:extLst>
               </a:tr>
@@ -20835,7 +21705,7 @@
                 </a:tc>
                 <a:extLst>
                   <a:ext uri="{0D108BD9-81ED-4DB2-BD59-A6C34878D82A}">
-                    <a16:rowId xmlns="" xmlns:a16="http://schemas.microsoft.com/office/drawing/2014/main" val="10016"/>
+                    <a16:rowId xmlns:a16="http://schemas.microsoft.com/office/drawing/2014/main" xmlns="" val="10016"/>
                   </a:ext>
                 </a:extLst>
               </a:tr>
@@ -20991,7 +21861,7 @@
                 </a:tc>
                 <a:extLst>
                   <a:ext uri="{0D108BD9-81ED-4DB2-BD59-A6C34878D82A}">
-                    <a16:rowId xmlns="" xmlns:a16="http://schemas.microsoft.com/office/drawing/2014/main" val="10017"/>
+                    <a16:rowId xmlns:a16="http://schemas.microsoft.com/office/drawing/2014/main" xmlns="" val="10017"/>
                   </a:ext>
                 </a:extLst>
               </a:tr>
@@ -21140,7 +22010,7 @@
                 </a:tc>
                 <a:extLst>
                   <a:ext uri="{0D108BD9-81ED-4DB2-BD59-A6C34878D82A}">
-                    <a16:rowId xmlns="" xmlns:a16="http://schemas.microsoft.com/office/drawing/2014/main" val="10018"/>
+                    <a16:rowId xmlns:a16="http://schemas.microsoft.com/office/drawing/2014/main" xmlns="" val="10018"/>
                   </a:ext>
                 </a:extLst>
               </a:tr>
@@ -21289,7 +22159,7 @@
                 </a:tc>
                 <a:extLst>
                   <a:ext uri="{0D108BD9-81ED-4DB2-BD59-A6C34878D82A}">
-                    <a16:rowId xmlns="" xmlns:a16="http://schemas.microsoft.com/office/drawing/2014/main" val="10019"/>
+                    <a16:rowId xmlns:a16="http://schemas.microsoft.com/office/drawing/2014/main" xmlns="" val="10019"/>
                   </a:ext>
                 </a:extLst>
               </a:tr>
@@ -21438,7 +22308,7 @@
                 </a:tc>
                 <a:extLst>
                   <a:ext uri="{0D108BD9-81ED-4DB2-BD59-A6C34878D82A}">
-                    <a16:rowId xmlns="" xmlns:a16="http://schemas.microsoft.com/office/drawing/2014/main" val="10020"/>
+                    <a16:rowId xmlns:a16="http://schemas.microsoft.com/office/drawing/2014/main" xmlns="" val="10020"/>
                   </a:ext>
                 </a:extLst>
               </a:tr>
@@ -21594,7 +22464,7 @@
                 </a:tc>
                 <a:extLst>
                   <a:ext uri="{0D108BD9-81ED-4DB2-BD59-A6C34878D82A}">
-                    <a16:rowId xmlns="" xmlns:a16="http://schemas.microsoft.com/office/drawing/2014/main" val="10021"/>
+                    <a16:rowId xmlns:a16="http://schemas.microsoft.com/office/drawing/2014/main" xmlns="" val="10021"/>
                   </a:ext>
                 </a:extLst>
               </a:tr>
@@ -21743,7 +22613,7 @@
                 </a:tc>
                 <a:extLst>
                   <a:ext uri="{0D108BD9-81ED-4DB2-BD59-A6C34878D82A}">
-                    <a16:rowId xmlns="" xmlns:a16="http://schemas.microsoft.com/office/drawing/2014/main" val="10022"/>
+                    <a16:rowId xmlns:a16="http://schemas.microsoft.com/office/drawing/2014/main" xmlns="" val="10022"/>
                   </a:ext>
                 </a:extLst>
               </a:tr>
@@ -21892,7 +22762,7 @@
                 </a:tc>
                 <a:extLst>
                   <a:ext uri="{0D108BD9-81ED-4DB2-BD59-A6C34878D82A}">
-                    <a16:rowId xmlns="" xmlns:a16="http://schemas.microsoft.com/office/drawing/2014/main" val="10023"/>
+                    <a16:rowId xmlns:a16="http://schemas.microsoft.com/office/drawing/2014/main" xmlns="" val="10023"/>
                   </a:ext>
                 </a:extLst>
               </a:tr>
@@ -22041,7 +22911,7 @@
                 </a:tc>
                 <a:extLst>
                   <a:ext uri="{0D108BD9-81ED-4DB2-BD59-A6C34878D82A}">
-                    <a16:rowId xmlns="" xmlns:a16="http://schemas.microsoft.com/office/drawing/2014/main" val="10024"/>
+                    <a16:rowId xmlns:a16="http://schemas.microsoft.com/office/drawing/2014/main" xmlns="" val="10024"/>
                   </a:ext>
                 </a:extLst>
               </a:tr>
@@ -22190,7 +23060,7 @@
                 </a:tc>
                 <a:extLst>
                   <a:ext uri="{0D108BD9-81ED-4DB2-BD59-A6C34878D82A}">
-                    <a16:rowId xmlns="" xmlns:a16="http://schemas.microsoft.com/office/drawing/2014/main" val="10025"/>
+                    <a16:rowId xmlns:a16="http://schemas.microsoft.com/office/drawing/2014/main" xmlns="" val="10025"/>
                   </a:ext>
                 </a:extLst>
               </a:tr>
@@ -22215,7 +23085,7 @@
           <a:p>
             <a:fld id="{71FAE75F-E4A2-4DA6-8D8E-DEA36A488C21}" type="slidenum">
               <a:rPr lang="ru-RU" smtClean="0"/>
-              <a:t>43</a:t>
+              <a:t>46</a:t>
             </a:fld>
             <a:endParaRPr lang="ru-RU"/>
           </a:p>
@@ -22231,10 +23101,17 @@
   <p:clrMapOvr>
     <a:masterClrMapping/>
   </p:clrMapOvr>
+  <p:timing>
+    <p:tnLst>
+      <p:par>
+        <p:cTn id="1" dur="indefinite" restart="never" nodeType="tmRoot"/>
+      </p:par>
+    </p:tnLst>
+  </p:timing>
 </p:sld>
 </file>
 
-<file path=ppt/slides/slide44.xml><?xml version="1.0" encoding="utf-8"?>
+<file path=ppt/slides/slide47.xml><?xml version="1.0" encoding="utf-8"?>
 <p:sld xmlns:a="http://schemas.openxmlformats.org/drawingml/2006/main" xmlns:r="http://schemas.openxmlformats.org/officeDocument/2006/relationships" xmlns:p="http://schemas.openxmlformats.org/presentationml/2006/main">
   <p:cSld>
     <p:spTree>
@@ -22304,14 +23181,32 @@
           <a:lstStyle/>
           <a:p>
             <a:r>
+              <a:rPr lang="ru-RU" dirty="0" smtClean="0"/>
+              <a:t>Для проведения тестов на производительность используются примеры с количеством вершин в графе от 2000 до</a:t>
+            </a:r>
+            <a:r>
+              <a:rPr lang="en-US" smtClean="0"/>
+              <a:t> </a:t>
+            </a:r>
+            <a:r>
+              <a:rPr lang="ru-RU" smtClean="0">
+                <a:solidFill>
+                  <a:srgbClr val="000000"/>
+                </a:solidFill>
+                <a:latin typeface="Calibri" panose="020F0502020204030204" pitchFamily="34" charset="0"/>
+              </a:rPr>
+              <a:t>258569</a:t>
+            </a:r>
+            <a:endParaRPr lang="ru-RU" dirty="0" smtClean="0"/>
+          </a:p>
+          <a:p>
+            <a:r>
+              <a:rPr lang="ru-RU" dirty="0" smtClean="0"/>
+              <a:t>В </a:t>
+            </a:r>
+            <a:r>
               <a:rPr lang="ru-RU" dirty="0"/>
-              <a:t>Для проведения тестов на производительность используются примеры с количеством вершин в графе от 2000 до 258569</a:t>
-            </a:r>
-          </a:p>
-          <a:p>
-            <a:r>
-              <a:rPr lang="ru-RU" dirty="0"/>
-              <a:t>В ходе тестирования фиксируется рабочее время алгоритмов проверки и нумерации для каждого примера</a:t>
+              <a:t>ходе тестирования фиксируется рабочее время алгоритмов проверки и нумерации для каждого примера</a:t>
             </a:r>
           </a:p>
         </p:txBody>
@@ -22333,7 +23228,7 @@
           <a:p>
             <a:fld id="{71FAE75F-E4A2-4DA6-8D8E-DEA36A488C21}" type="slidenum">
               <a:rPr lang="ru-RU" smtClean="0"/>
-              <a:t>44</a:t>
+              <a:t>47</a:t>
             </a:fld>
             <a:endParaRPr lang="ru-RU"/>
           </a:p>
@@ -22349,10 +23244,17 @@
   <p:clrMapOvr>
     <a:masterClrMapping/>
   </p:clrMapOvr>
+  <p:timing>
+    <p:tnLst>
+      <p:par>
+        <p:cTn id="1" dur="indefinite" restart="never" nodeType="tmRoot"/>
+      </p:par>
+    </p:tnLst>
+  </p:timing>
 </p:sld>
 </file>
 
-<file path=ppt/slides/slide45.xml><?xml version="1.0" encoding="utf-8"?>
+<file path=ppt/slides/slide48.xml><?xml version="1.0" encoding="utf-8"?>
 <p:sld xmlns:a="http://schemas.openxmlformats.org/drawingml/2006/main" xmlns:r="http://schemas.openxmlformats.org/officeDocument/2006/relationships" xmlns:p="http://schemas.openxmlformats.org/presentationml/2006/main">
   <p:cSld>
     <p:spTree>
@@ -22397,42 +23299,42 @@
                 <a:gridCol w="2509611">
                   <a:extLst>
                     <a:ext uri="{9D8B030D-6E8A-4147-A177-3AD203B41FA5}">
-                      <a16:colId xmlns="" xmlns:a16="http://schemas.microsoft.com/office/drawing/2014/main" val="1171950682"/>
+                      <a16:colId xmlns:a16="http://schemas.microsoft.com/office/drawing/2014/main" xmlns="" val="1171950682"/>
                     </a:ext>
                   </a:extLst>
                 </a:gridCol>
                 <a:gridCol w="876141">
                   <a:extLst>
                     <a:ext uri="{9D8B030D-6E8A-4147-A177-3AD203B41FA5}">
-                      <a16:colId xmlns="" xmlns:a16="http://schemas.microsoft.com/office/drawing/2014/main" val="2713623616"/>
+                      <a16:colId xmlns:a16="http://schemas.microsoft.com/office/drawing/2014/main" xmlns="" val="2713623616"/>
                     </a:ext>
                   </a:extLst>
                 </a:gridCol>
                 <a:gridCol w="885078">
                   <a:extLst>
                     <a:ext uri="{9D8B030D-6E8A-4147-A177-3AD203B41FA5}">
-                      <a16:colId xmlns="" xmlns:a16="http://schemas.microsoft.com/office/drawing/2014/main" val="4214117398"/>
+                      <a16:colId xmlns:a16="http://schemas.microsoft.com/office/drawing/2014/main" xmlns="" val="4214117398"/>
                     </a:ext>
                   </a:extLst>
                 </a:gridCol>
                 <a:gridCol w="1440160">
                   <a:extLst>
                     <a:ext uri="{9D8B030D-6E8A-4147-A177-3AD203B41FA5}">
-                      <a16:colId xmlns="" xmlns:a16="http://schemas.microsoft.com/office/drawing/2014/main" val="3936630454"/>
+                      <a16:colId xmlns:a16="http://schemas.microsoft.com/office/drawing/2014/main" xmlns="" val="3936630454"/>
                     </a:ext>
                   </a:extLst>
                 </a:gridCol>
                 <a:gridCol w="1690106">
                   <a:extLst>
                     <a:ext uri="{9D8B030D-6E8A-4147-A177-3AD203B41FA5}">
-                      <a16:colId xmlns="" xmlns:a16="http://schemas.microsoft.com/office/drawing/2014/main" val="3619060530"/>
+                      <a16:colId xmlns:a16="http://schemas.microsoft.com/office/drawing/2014/main" xmlns="" val="3619060530"/>
                     </a:ext>
                   </a:extLst>
                 </a:gridCol>
                 <a:gridCol w="1797225">
                   <a:extLst>
                     <a:ext uri="{9D8B030D-6E8A-4147-A177-3AD203B41FA5}">
-                      <a16:colId xmlns="" xmlns:a16="http://schemas.microsoft.com/office/drawing/2014/main" val="2623348019"/>
+                      <a16:colId xmlns:a16="http://schemas.microsoft.com/office/drawing/2014/main" xmlns="" val="2623348019"/>
                     </a:ext>
                   </a:extLst>
                 </a:gridCol>
@@ -22604,7 +23506,7 @@
                 </a:tc>
                 <a:extLst>
                   <a:ext uri="{0D108BD9-81ED-4DB2-BD59-A6C34878D82A}">
-                    <a16:rowId xmlns="" xmlns:a16="http://schemas.microsoft.com/office/drawing/2014/main" val="396192681"/>
+                    <a16:rowId xmlns:a16="http://schemas.microsoft.com/office/drawing/2014/main" xmlns="" val="396192681"/>
                   </a:ext>
                 </a:extLst>
               </a:tr>
@@ -23277,7 +24179,7 @@
                 </a:tc>
                 <a:extLst>
                   <a:ext uri="{0D108BD9-81ED-4DB2-BD59-A6C34878D82A}">
-                    <a16:rowId xmlns="" xmlns:a16="http://schemas.microsoft.com/office/drawing/2014/main" val="10012"/>
+                    <a16:rowId xmlns:a16="http://schemas.microsoft.com/office/drawing/2014/main" xmlns="" val="10012"/>
                   </a:ext>
                 </a:extLst>
               </a:tr>
@@ -23412,7 +24314,7 @@
                 </a:tc>
                 <a:extLst>
                   <a:ext uri="{0D108BD9-81ED-4DB2-BD59-A6C34878D82A}">
-                    <a16:rowId xmlns="" xmlns:a16="http://schemas.microsoft.com/office/drawing/2014/main" val="10013"/>
+                    <a16:rowId xmlns:a16="http://schemas.microsoft.com/office/drawing/2014/main" xmlns="" val="10013"/>
                   </a:ext>
                 </a:extLst>
               </a:tr>
@@ -23547,7 +24449,7 @@
                 </a:tc>
                 <a:extLst>
                   <a:ext uri="{0D108BD9-81ED-4DB2-BD59-A6C34878D82A}">
-                    <a16:rowId xmlns="" xmlns:a16="http://schemas.microsoft.com/office/drawing/2014/main" val="10014"/>
+                    <a16:rowId xmlns:a16="http://schemas.microsoft.com/office/drawing/2014/main" xmlns="" val="10014"/>
                   </a:ext>
                 </a:extLst>
               </a:tr>
@@ -23682,7 +24584,7 @@
                 </a:tc>
                 <a:extLst>
                   <a:ext uri="{0D108BD9-81ED-4DB2-BD59-A6C34878D82A}">
-                    <a16:rowId xmlns="" xmlns:a16="http://schemas.microsoft.com/office/drawing/2014/main" val="10015"/>
+                    <a16:rowId xmlns:a16="http://schemas.microsoft.com/office/drawing/2014/main" xmlns="" val="10015"/>
                   </a:ext>
                 </a:extLst>
               </a:tr>
@@ -23817,7 +24719,7 @@
                 </a:tc>
                 <a:extLst>
                   <a:ext uri="{0D108BD9-81ED-4DB2-BD59-A6C34878D82A}">
-                    <a16:rowId xmlns="" xmlns:a16="http://schemas.microsoft.com/office/drawing/2014/main" val="10016"/>
+                    <a16:rowId xmlns:a16="http://schemas.microsoft.com/office/drawing/2014/main" xmlns="" val="10016"/>
                   </a:ext>
                 </a:extLst>
               </a:tr>
@@ -23973,7 +24875,7 @@
                 </a:tc>
                 <a:extLst>
                   <a:ext uri="{0D108BD9-81ED-4DB2-BD59-A6C34878D82A}">
-                    <a16:rowId xmlns="" xmlns:a16="http://schemas.microsoft.com/office/drawing/2014/main" val="10017"/>
+                    <a16:rowId xmlns:a16="http://schemas.microsoft.com/office/drawing/2014/main" xmlns="" val="10017"/>
                   </a:ext>
                 </a:extLst>
               </a:tr>
@@ -24129,7 +25031,7 @@
                 </a:tc>
                 <a:extLst>
                   <a:ext uri="{0D108BD9-81ED-4DB2-BD59-A6C34878D82A}">
-                    <a16:rowId xmlns="" xmlns:a16="http://schemas.microsoft.com/office/drawing/2014/main" val="10018"/>
+                    <a16:rowId xmlns:a16="http://schemas.microsoft.com/office/drawing/2014/main" xmlns="" val="10018"/>
                   </a:ext>
                 </a:extLst>
               </a:tr>
@@ -24285,7 +25187,7 @@
                 </a:tc>
                 <a:extLst>
                   <a:ext uri="{0D108BD9-81ED-4DB2-BD59-A6C34878D82A}">
-                    <a16:rowId xmlns="" xmlns:a16="http://schemas.microsoft.com/office/drawing/2014/main" val="3975127968"/>
+                    <a16:rowId xmlns:a16="http://schemas.microsoft.com/office/drawing/2014/main" xmlns="" val="3975127968"/>
                   </a:ext>
                 </a:extLst>
               </a:tr>
@@ -24365,7 +25267,7 @@
           <a:p>
             <a:fld id="{71FAE75F-E4A2-4DA6-8D8E-DEA36A488C21}" type="slidenum">
               <a:rPr lang="ru-RU" smtClean="0"/>
-              <a:t>45</a:t>
+              <a:t>48</a:t>
             </a:fld>
             <a:endParaRPr lang="ru-RU"/>
           </a:p>
@@ -24381,10 +25283,17 @@
   <p:clrMapOvr>
     <a:masterClrMapping/>
   </p:clrMapOvr>
+  <p:timing>
+    <p:tnLst>
+      <p:par>
+        <p:cTn id="1" dur="indefinite" restart="never" nodeType="tmRoot"/>
+      </p:par>
+    </p:tnLst>
+  </p:timing>
 </p:sld>
 </file>
 
-<file path=ppt/slides/slide46.xml><?xml version="1.0" encoding="utf-8"?>
+<file path=ppt/slides/slide49.xml><?xml version="1.0" encoding="utf-8"?>
 <p:sld xmlns:a="http://schemas.openxmlformats.org/drawingml/2006/main" xmlns:r="http://schemas.openxmlformats.org/officeDocument/2006/relationships" xmlns:p="http://schemas.openxmlformats.org/presentationml/2006/main">
   <p:cSld>
     <p:spTree>
@@ -24563,7 +25472,7 @@
           <a:p>
             <a:fld id="{71FAE75F-E4A2-4DA6-8D8E-DEA36A488C21}" type="slidenum">
               <a:rPr lang="ru-RU" smtClean="0"/>
-              <a:t>46</a:t>
+              <a:t>49</a:t>
             </a:fld>
             <a:endParaRPr lang="ru-RU"/>
           </a:p>
@@ -24634,908 +25543,13 @@
   <p:clrMapOvr>
     <a:masterClrMapping/>
   </p:clrMapOvr>
-</p:sld>
-</file>
-
-<file path=ppt/slides/slide47.xml><?xml version="1.0" encoding="utf-8"?>
-<p:sld xmlns:a="http://schemas.openxmlformats.org/drawingml/2006/main" xmlns:r="http://schemas.openxmlformats.org/officeDocument/2006/relationships" xmlns:p="http://schemas.openxmlformats.org/presentationml/2006/main">
-  <p:cSld>
-    <p:spTree>
-      <p:nvGrpSpPr>
-        <p:cNvPr id="1" name=""/>
-        <p:cNvGrpSpPr/>
-        <p:nvPr/>
-      </p:nvGrpSpPr>
-      <p:grpSpPr>
-        <a:xfrm>
-          <a:off x="0" y="0"/>
-          <a:ext cx="0" cy="0"/>
-          <a:chOff x="0" y="0"/>
-          <a:chExt cx="0" cy="0"/>
-        </a:xfrm>
-      </p:grpSpPr>
-      <p:sp>
-        <p:nvSpPr>
-          <p:cNvPr id="2" name="Slide Number Placeholder 1">
-            <a:extLst>
-              <a:ext uri="{FF2B5EF4-FFF2-40B4-BE49-F238E27FC236}">
-                <a16:creationId xmlns="" xmlns:a16="http://schemas.microsoft.com/office/drawing/2014/main" id="{40482550-BC91-44EE-BD8E-5D85817068D5}"/>
-              </a:ext>
-            </a:extLst>
-          </p:cNvPr>
-          <p:cNvSpPr>
-            <a:spLocks noGrp="1"/>
-          </p:cNvSpPr>
-          <p:nvPr>
-            <p:ph type="sldNum" sz="quarter" idx="12"/>
-          </p:nvPr>
-        </p:nvSpPr>
-        <p:spPr/>
-        <p:txBody>
-          <a:bodyPr/>
-          <a:lstStyle/>
-          <a:p>
-            <a:fld id="{71FAE75F-E4A2-4DA6-8D8E-DEA36A488C21}" type="slidenum">
-              <a:rPr lang="ru-RU" smtClean="0"/>
-              <a:t>47</a:t>
-            </a:fld>
-            <a:endParaRPr lang="ru-RU"/>
-          </a:p>
-        </p:txBody>
-      </p:sp>
-      <p:sp>
-        <p:nvSpPr>
-          <p:cNvPr id="5" name="Заголовок 1">
-            <a:extLst>
-              <a:ext uri="{FF2B5EF4-FFF2-40B4-BE49-F238E27FC236}">
-                <a16:creationId xmlns="" xmlns:a16="http://schemas.microsoft.com/office/drawing/2014/main" id="{08AFF44A-9A6A-4D99-B676-8EEC01B3E375}"/>
-              </a:ext>
-            </a:extLst>
-          </p:cNvPr>
-          <p:cNvSpPr txBox="1">
-            <a:spLocks/>
-          </p:cNvSpPr>
-          <p:nvPr/>
-        </p:nvSpPr>
-        <p:spPr>
-          <a:xfrm>
-            <a:off x="0" y="157720"/>
-            <a:ext cx="12192000" cy="1046240"/>
-          </a:xfrm>
-          <a:prstGeom prst="rect">
-            <a:avLst/>
-          </a:prstGeom>
-        </p:spPr>
-        <p:txBody>
-          <a:bodyPr vert="horz" lIns="91440" tIns="45720" rIns="91440" bIns="45720" rtlCol="0" anchor="ctr">
-            <a:noAutofit/>
-          </a:bodyPr>
-          <a:lstStyle>
-            <a:lvl1pPr algn="l" defTabSz="914400" rtl="0" eaLnBrk="1" latinLnBrk="0" hangingPunct="1">
-              <a:lnSpc>
-                <a:spcPct val="90000"/>
-              </a:lnSpc>
-              <a:spcBef>
-                <a:spcPct val="0"/>
-              </a:spcBef>
-              <a:buNone/>
-              <a:defRPr sz="4400" kern="1200">
-                <a:solidFill>
-                  <a:schemeClr val="tx1"/>
-                </a:solidFill>
-                <a:latin typeface="+mj-lt"/>
-                <a:ea typeface="+mj-ea"/>
-                <a:cs typeface="+mj-cs"/>
-              </a:defRPr>
-            </a:lvl1pPr>
-          </a:lstStyle>
-          <a:p>
-            <a:pPr algn="ctr"/>
-            <a:r>
-              <a:rPr lang="ru-RU" dirty="0">
-                <a:solidFill>
-                  <a:schemeClr val="accent1">
-                    <a:lumMod val="50000"/>
-                  </a:schemeClr>
-                </a:solidFill>
-              </a:rPr>
-              <a:t>Метрики кода</a:t>
-            </a:r>
-          </a:p>
-        </p:txBody>
-      </p:sp>
-      <p:sp>
-        <p:nvSpPr>
-          <p:cNvPr id="6" name="Rectangle 5">
-            <a:extLst>
-              <a:ext uri="{FF2B5EF4-FFF2-40B4-BE49-F238E27FC236}">
-                <a16:creationId xmlns="" xmlns:a16="http://schemas.microsoft.com/office/drawing/2014/main" id="{D9B4E9DC-6BAE-4897-B3FA-3967E0072DB1}"/>
-              </a:ext>
-            </a:extLst>
-          </p:cNvPr>
-          <p:cNvSpPr/>
-          <p:nvPr/>
-        </p:nvSpPr>
-        <p:spPr>
-          <a:xfrm>
-            <a:off x="963571" y="1534806"/>
-            <a:ext cx="4052456" cy="2976328"/>
-          </a:xfrm>
-          <a:prstGeom prst="rect">
-            <a:avLst/>
-          </a:prstGeom>
-        </p:spPr>
-        <p:txBody>
-          <a:bodyPr wrap="none">
-            <a:spAutoFit/>
-          </a:bodyPr>
-          <a:lstStyle/>
-          <a:p>
-            <a:pPr>
-              <a:lnSpc>
-                <a:spcPct val="107000"/>
-              </a:lnSpc>
-              <a:spcAft>
-                <a:spcPts val="800"/>
-              </a:spcAft>
-            </a:pPr>
-            <a:r>
-              <a:rPr lang="en-US" sz="2400" dirty="0" err="1">
-                <a:solidFill>
-                  <a:schemeClr val="accent1">
-                    <a:lumMod val="50000"/>
-                  </a:schemeClr>
-                </a:solidFill>
-                <a:latin typeface="Calibri" panose="020F0502020204030204" pitchFamily="34" charset="0"/>
-                <a:ea typeface="Calibri" panose="020F0502020204030204" pitchFamily="34" charset="0"/>
-                <a:cs typeface="Times New Roman" panose="02020603050405020304" pitchFamily="18" charset="0"/>
-              </a:rPr>
-              <a:t>MeshRecovery_Lib</a:t>
-            </a:r>
-            <a:r>
-              <a:rPr lang="en-US" sz="2400" dirty="0">
-                <a:solidFill>
-                  <a:schemeClr val="accent1">
-                    <a:lumMod val="50000"/>
-                  </a:schemeClr>
-                </a:solidFill>
-                <a:latin typeface="Calibri" panose="020F0502020204030204" pitchFamily="34" charset="0"/>
-                <a:ea typeface="Calibri" panose="020F0502020204030204" pitchFamily="34" charset="0"/>
-                <a:cs typeface="Times New Roman" panose="02020603050405020304" pitchFamily="18" charset="0"/>
-              </a:rPr>
-              <a:t>:</a:t>
-            </a:r>
-          </a:p>
-          <a:p>
-            <a:pPr marL="285750" indent="-285750">
-              <a:lnSpc>
-                <a:spcPct val="107000"/>
-              </a:lnSpc>
-              <a:spcAft>
-                <a:spcPts val="800"/>
-              </a:spcAft>
-              <a:buFont typeface="Arial" panose="020B0604020202020204" pitchFamily="34" charset="0"/>
-              <a:buChar char="•"/>
-            </a:pPr>
-            <a:r>
-              <a:rPr lang="en-US" sz="2400" dirty="0">
-                <a:latin typeface="Calibri" panose="020F0502020204030204" pitchFamily="34" charset="0"/>
-                <a:ea typeface="Calibri" panose="020F0502020204030204" pitchFamily="34" charset="0"/>
-                <a:cs typeface="Times New Roman" panose="02020603050405020304" pitchFamily="18" charset="0"/>
-              </a:rPr>
-              <a:t>Maintainability Index – 86</a:t>
-            </a:r>
-          </a:p>
-          <a:p>
-            <a:pPr marL="285750" indent="-285750">
-              <a:lnSpc>
-                <a:spcPct val="107000"/>
-              </a:lnSpc>
-              <a:spcAft>
-                <a:spcPts val="800"/>
-              </a:spcAft>
-              <a:buFont typeface="Arial" panose="020B0604020202020204" pitchFamily="34" charset="0"/>
-              <a:buChar char="•"/>
-            </a:pPr>
-            <a:r>
-              <a:rPr lang="en-US" sz="2400" dirty="0" err="1">
-                <a:latin typeface="Calibri" panose="020F0502020204030204" pitchFamily="34" charset="0"/>
-                <a:ea typeface="Calibri" panose="020F0502020204030204" pitchFamily="34" charset="0"/>
-                <a:cs typeface="Times New Roman" panose="02020603050405020304" pitchFamily="18" charset="0"/>
-              </a:rPr>
-              <a:t>Cyclomatic</a:t>
-            </a:r>
-            <a:r>
-              <a:rPr lang="en-US" sz="2400" dirty="0">
-                <a:latin typeface="Calibri" panose="020F0502020204030204" pitchFamily="34" charset="0"/>
-                <a:ea typeface="Calibri" panose="020F0502020204030204" pitchFamily="34" charset="0"/>
-                <a:cs typeface="Times New Roman" panose="02020603050405020304" pitchFamily="18" charset="0"/>
-              </a:rPr>
-              <a:t> Complexity – 295</a:t>
-            </a:r>
-          </a:p>
-          <a:p>
-            <a:pPr marL="285750" indent="-285750">
-              <a:lnSpc>
-                <a:spcPct val="107000"/>
-              </a:lnSpc>
-              <a:spcAft>
-                <a:spcPts val="800"/>
-              </a:spcAft>
-              <a:buFont typeface="Arial" panose="020B0604020202020204" pitchFamily="34" charset="0"/>
-              <a:buChar char="•"/>
-            </a:pPr>
-            <a:r>
-              <a:rPr lang="en-US" sz="2400" dirty="0">
-                <a:latin typeface="Calibri" panose="020F0502020204030204" pitchFamily="34" charset="0"/>
-                <a:ea typeface="Calibri" panose="020F0502020204030204" pitchFamily="34" charset="0"/>
-                <a:cs typeface="Times New Roman" panose="02020603050405020304" pitchFamily="18" charset="0"/>
-              </a:rPr>
-              <a:t>Depth of Inheritance – 2</a:t>
-            </a:r>
-          </a:p>
-          <a:p>
-            <a:pPr marL="285750" indent="-285750">
-              <a:lnSpc>
-                <a:spcPct val="107000"/>
-              </a:lnSpc>
-              <a:spcAft>
-                <a:spcPts val="800"/>
-              </a:spcAft>
-              <a:buFont typeface="Arial" panose="020B0604020202020204" pitchFamily="34" charset="0"/>
-              <a:buChar char="•"/>
-            </a:pPr>
-            <a:r>
-              <a:rPr lang="en-US" sz="2400" dirty="0">
-                <a:latin typeface="Calibri" panose="020F0502020204030204" pitchFamily="34" charset="0"/>
-                <a:ea typeface="Calibri" panose="020F0502020204030204" pitchFamily="34" charset="0"/>
-                <a:cs typeface="Times New Roman" panose="02020603050405020304" pitchFamily="18" charset="0"/>
-              </a:rPr>
-              <a:t>Class Coupling – 52</a:t>
-            </a:r>
-          </a:p>
-          <a:p>
-            <a:pPr marL="285750" indent="-285750">
-              <a:lnSpc>
-                <a:spcPct val="107000"/>
-              </a:lnSpc>
-              <a:spcAft>
-                <a:spcPts val="800"/>
-              </a:spcAft>
-              <a:buFont typeface="Arial" panose="020B0604020202020204" pitchFamily="34" charset="0"/>
-              <a:buChar char="•"/>
-            </a:pPr>
-            <a:r>
-              <a:rPr lang="en-US" sz="2400" dirty="0">
-                <a:latin typeface="Calibri" panose="020F0502020204030204" pitchFamily="34" charset="0"/>
-                <a:ea typeface="Calibri" panose="020F0502020204030204" pitchFamily="34" charset="0"/>
-                <a:cs typeface="Times New Roman" panose="02020603050405020304" pitchFamily="18" charset="0"/>
-              </a:rPr>
-              <a:t>Lines of Code – 626</a:t>
-            </a:r>
-          </a:p>
-        </p:txBody>
-      </p:sp>
-      <p:sp>
-        <p:nvSpPr>
-          <p:cNvPr id="7" name="Rectangle 6">
-            <a:extLst>
-              <a:ext uri="{FF2B5EF4-FFF2-40B4-BE49-F238E27FC236}">
-                <a16:creationId xmlns="" xmlns:a16="http://schemas.microsoft.com/office/drawing/2014/main" id="{EF58EC4D-5A59-4F1B-AEBC-599244732725}"/>
-              </a:ext>
-            </a:extLst>
-          </p:cNvPr>
-          <p:cNvSpPr/>
-          <p:nvPr/>
-        </p:nvSpPr>
-        <p:spPr>
-          <a:xfrm>
-            <a:off x="7456836" y="1533889"/>
-            <a:ext cx="3896964" cy="2976328"/>
-          </a:xfrm>
-          <a:prstGeom prst="rect">
-            <a:avLst/>
-          </a:prstGeom>
-        </p:spPr>
-        <p:txBody>
-          <a:bodyPr wrap="none">
-            <a:spAutoFit/>
-          </a:bodyPr>
-          <a:lstStyle/>
-          <a:p>
-            <a:pPr>
-              <a:lnSpc>
-                <a:spcPct val="107000"/>
-              </a:lnSpc>
-              <a:spcAft>
-                <a:spcPts val="800"/>
-              </a:spcAft>
-            </a:pPr>
-            <a:r>
-              <a:rPr lang="en-US" sz="2400" dirty="0" err="1">
-                <a:solidFill>
-                  <a:schemeClr val="accent1">
-                    <a:lumMod val="50000"/>
-                  </a:schemeClr>
-                </a:solidFill>
-                <a:latin typeface="Calibri" panose="020F0502020204030204" pitchFamily="34" charset="0"/>
-                <a:ea typeface="Calibri" panose="020F0502020204030204" pitchFamily="34" charset="0"/>
-                <a:cs typeface="Times New Roman" panose="02020603050405020304" pitchFamily="18" charset="0"/>
-              </a:rPr>
-              <a:t>MeshRecovery_Console</a:t>
-            </a:r>
-            <a:r>
-              <a:rPr lang="en-US" sz="2400" dirty="0">
-                <a:solidFill>
-                  <a:schemeClr val="accent1">
-                    <a:lumMod val="50000"/>
-                  </a:schemeClr>
-                </a:solidFill>
-                <a:latin typeface="Calibri" panose="020F0502020204030204" pitchFamily="34" charset="0"/>
-                <a:ea typeface="Calibri" panose="020F0502020204030204" pitchFamily="34" charset="0"/>
-                <a:cs typeface="Times New Roman" panose="02020603050405020304" pitchFamily="18" charset="0"/>
-              </a:rPr>
-              <a:t>:</a:t>
-            </a:r>
-          </a:p>
-          <a:p>
-            <a:pPr marL="285750" indent="-285750">
-              <a:lnSpc>
-                <a:spcPct val="107000"/>
-              </a:lnSpc>
-              <a:spcAft>
-                <a:spcPts val="800"/>
-              </a:spcAft>
-              <a:buFont typeface="Arial" panose="020B0604020202020204" pitchFamily="34" charset="0"/>
-              <a:buChar char="•"/>
-            </a:pPr>
-            <a:r>
-              <a:rPr lang="en-US" sz="2400" dirty="0">
-                <a:latin typeface="Calibri" panose="020F0502020204030204" pitchFamily="34" charset="0"/>
-                <a:ea typeface="Calibri" panose="020F0502020204030204" pitchFamily="34" charset="0"/>
-                <a:cs typeface="Times New Roman" panose="02020603050405020304" pitchFamily="18" charset="0"/>
-              </a:rPr>
-              <a:t>Maintainability Index – 74</a:t>
-            </a:r>
-          </a:p>
-          <a:p>
-            <a:pPr marL="285750" indent="-285750">
-              <a:lnSpc>
-                <a:spcPct val="107000"/>
-              </a:lnSpc>
-              <a:spcAft>
-                <a:spcPts val="800"/>
-              </a:spcAft>
-              <a:buFont typeface="Arial" panose="020B0604020202020204" pitchFamily="34" charset="0"/>
-              <a:buChar char="•"/>
-            </a:pPr>
-            <a:r>
-              <a:rPr lang="en-US" sz="2400" dirty="0" err="1">
-                <a:latin typeface="Calibri" panose="020F0502020204030204" pitchFamily="34" charset="0"/>
-                <a:ea typeface="Calibri" panose="020F0502020204030204" pitchFamily="34" charset="0"/>
-                <a:cs typeface="Times New Roman" panose="02020603050405020304" pitchFamily="18" charset="0"/>
-              </a:rPr>
-              <a:t>Cyclomatic</a:t>
-            </a:r>
-            <a:r>
-              <a:rPr lang="en-US" sz="2400" dirty="0">
-                <a:latin typeface="Calibri" panose="020F0502020204030204" pitchFamily="34" charset="0"/>
-                <a:ea typeface="Calibri" panose="020F0502020204030204" pitchFamily="34" charset="0"/>
-                <a:cs typeface="Times New Roman" panose="02020603050405020304" pitchFamily="18" charset="0"/>
-              </a:rPr>
-              <a:t> Complexity – 94</a:t>
-            </a:r>
-          </a:p>
-          <a:p>
-            <a:pPr marL="285750" indent="-285750">
-              <a:lnSpc>
-                <a:spcPct val="107000"/>
-              </a:lnSpc>
-              <a:spcAft>
-                <a:spcPts val="800"/>
-              </a:spcAft>
-              <a:buFont typeface="Arial" panose="020B0604020202020204" pitchFamily="34" charset="0"/>
-              <a:buChar char="•"/>
-            </a:pPr>
-            <a:r>
-              <a:rPr lang="en-US" sz="2400" dirty="0">
-                <a:latin typeface="Calibri" panose="020F0502020204030204" pitchFamily="34" charset="0"/>
-                <a:ea typeface="Calibri" panose="020F0502020204030204" pitchFamily="34" charset="0"/>
-                <a:cs typeface="Times New Roman" panose="02020603050405020304" pitchFamily="18" charset="0"/>
-              </a:rPr>
-              <a:t>Depth of Inheritance – 3</a:t>
-            </a:r>
-          </a:p>
-          <a:p>
-            <a:pPr marL="285750" indent="-285750">
-              <a:lnSpc>
-                <a:spcPct val="107000"/>
-              </a:lnSpc>
-              <a:spcAft>
-                <a:spcPts val="800"/>
-              </a:spcAft>
-              <a:buFont typeface="Arial" panose="020B0604020202020204" pitchFamily="34" charset="0"/>
-              <a:buChar char="•"/>
-            </a:pPr>
-            <a:r>
-              <a:rPr lang="en-US" sz="2400" dirty="0">
-                <a:latin typeface="Calibri" panose="020F0502020204030204" pitchFamily="34" charset="0"/>
-                <a:ea typeface="Calibri" panose="020F0502020204030204" pitchFamily="34" charset="0"/>
-                <a:cs typeface="Times New Roman" panose="02020603050405020304" pitchFamily="18" charset="0"/>
-              </a:rPr>
-              <a:t>Class Coupling – 37</a:t>
-            </a:r>
-          </a:p>
-          <a:p>
-            <a:pPr marL="285750" indent="-285750">
-              <a:lnSpc>
-                <a:spcPct val="107000"/>
-              </a:lnSpc>
-              <a:spcAft>
-                <a:spcPts val="800"/>
-              </a:spcAft>
-              <a:buFont typeface="Arial" panose="020B0604020202020204" pitchFamily="34" charset="0"/>
-              <a:buChar char="•"/>
-            </a:pPr>
-            <a:r>
-              <a:rPr lang="en-US" sz="2400" dirty="0">
-                <a:latin typeface="Calibri" panose="020F0502020204030204" pitchFamily="34" charset="0"/>
-                <a:ea typeface="Calibri" panose="020F0502020204030204" pitchFamily="34" charset="0"/>
-                <a:cs typeface="Times New Roman" panose="02020603050405020304" pitchFamily="18" charset="0"/>
-              </a:rPr>
-              <a:t>Lines of Code – 179</a:t>
-            </a:r>
-          </a:p>
-        </p:txBody>
-      </p:sp>
-    </p:spTree>
-    <p:extLst>
-      <p:ext uri="{BB962C8B-B14F-4D97-AF65-F5344CB8AC3E}">
-        <p14:creationId xmlns:p14="http://schemas.microsoft.com/office/powerpoint/2010/main" val="1664676517"/>
-      </p:ext>
-    </p:extLst>
-  </p:cSld>
-  <p:clrMapOvr>
-    <a:masterClrMapping/>
-  </p:clrMapOvr>
-</p:sld>
-</file>
-
-<file path=ppt/slides/slide48.xml><?xml version="1.0" encoding="utf-8"?>
-<p:sld xmlns:a="http://schemas.openxmlformats.org/drawingml/2006/main" xmlns:r="http://schemas.openxmlformats.org/officeDocument/2006/relationships" xmlns:p="http://schemas.openxmlformats.org/presentationml/2006/main">
-  <p:cSld>
-    <p:spTree>
-      <p:nvGrpSpPr>
-        <p:cNvPr id="1" name=""/>
-        <p:cNvGrpSpPr/>
-        <p:nvPr/>
-      </p:nvGrpSpPr>
-      <p:grpSpPr>
-        <a:xfrm>
-          <a:off x="0" y="0"/>
-          <a:ext cx="0" cy="0"/>
-          <a:chOff x="0" y="0"/>
-          <a:chExt cx="0" cy="0"/>
-        </a:xfrm>
-      </p:grpSpPr>
-      <p:sp>
-        <p:nvSpPr>
-          <p:cNvPr id="2" name="Заголовок 1"/>
-          <p:cNvSpPr txBox="1">
-            <a:spLocks/>
-          </p:cNvSpPr>
-          <p:nvPr/>
-        </p:nvSpPr>
-        <p:spPr>
-          <a:xfrm>
-            <a:off x="2805979" y="970683"/>
-            <a:ext cx="6456219" cy="4544292"/>
-          </a:xfrm>
-          <a:prstGeom prst="rect">
-            <a:avLst/>
-          </a:prstGeom>
-        </p:spPr>
-        <p:txBody>
-          <a:bodyPr vert="horz" lIns="91440" tIns="45720" rIns="91440" bIns="45720" rtlCol="0" anchor="ctr">
-            <a:noAutofit/>
-          </a:bodyPr>
-          <a:lstStyle>
-            <a:lvl1pPr algn="l" defTabSz="914400" rtl="0" eaLnBrk="1" latinLnBrk="0" hangingPunct="1">
-              <a:lnSpc>
-                <a:spcPct val="90000"/>
-              </a:lnSpc>
-              <a:spcBef>
-                <a:spcPct val="0"/>
-              </a:spcBef>
-              <a:buNone/>
-              <a:defRPr sz="4400" kern="1200">
-                <a:solidFill>
-                  <a:schemeClr val="tx1"/>
-                </a:solidFill>
-                <a:latin typeface="+mj-lt"/>
-                <a:ea typeface="+mj-ea"/>
-                <a:cs typeface="+mj-cs"/>
-              </a:defRPr>
-            </a:lvl1pPr>
-          </a:lstStyle>
-          <a:p>
-            <a:pPr algn="ctr"/>
-            <a:r>
-              <a:rPr lang="ru-RU" sz="7200" dirty="0">
-                <a:solidFill>
-                  <a:schemeClr val="accent1">
-                    <a:lumMod val="50000"/>
-                  </a:schemeClr>
-                </a:solidFill>
-              </a:rPr>
-              <a:t>Заключение</a:t>
-            </a:r>
-          </a:p>
-        </p:txBody>
-      </p:sp>
-      <p:sp>
-        <p:nvSpPr>
-          <p:cNvPr id="3" name="Номер слайда 2"/>
-          <p:cNvSpPr>
-            <a:spLocks noGrp="1"/>
-          </p:cNvSpPr>
-          <p:nvPr>
-            <p:ph type="sldNum" sz="quarter" idx="12"/>
-          </p:nvPr>
-        </p:nvSpPr>
-        <p:spPr/>
-        <p:txBody>
-          <a:bodyPr/>
-          <a:lstStyle/>
-          <a:p>
-            <a:fld id="{71FAE75F-E4A2-4DA6-8D8E-DEA36A488C21}" type="slidenum">
-              <a:rPr lang="ru-RU" smtClean="0"/>
-              <a:t>48</a:t>
-            </a:fld>
-            <a:endParaRPr lang="ru-RU"/>
-          </a:p>
-        </p:txBody>
-      </p:sp>
-    </p:spTree>
-    <p:extLst>
-      <p:ext uri="{BB962C8B-B14F-4D97-AF65-F5344CB8AC3E}">
-        <p14:creationId xmlns:p14="http://schemas.microsoft.com/office/powerpoint/2010/main" val="3956198000"/>
-      </p:ext>
-    </p:extLst>
-  </p:cSld>
-  <p:clrMapOvr>
-    <a:masterClrMapping/>
-  </p:clrMapOvr>
-</p:sld>
-</file>
-
-<file path=ppt/slides/slide49.xml><?xml version="1.0" encoding="utf-8"?>
-<p:sld xmlns:a="http://schemas.openxmlformats.org/drawingml/2006/main" xmlns:r="http://schemas.openxmlformats.org/officeDocument/2006/relationships" xmlns:p="http://schemas.openxmlformats.org/presentationml/2006/main">
-  <p:cSld>
-    <p:spTree>
-      <p:nvGrpSpPr>
-        <p:cNvPr id="1" name=""/>
-        <p:cNvGrpSpPr/>
-        <p:nvPr/>
-      </p:nvGrpSpPr>
-      <p:grpSpPr>
-        <a:xfrm>
-          <a:off x="0" y="0"/>
-          <a:ext cx="0" cy="0"/>
-          <a:chOff x="0" y="0"/>
-          <a:chExt cx="0" cy="0"/>
-        </a:xfrm>
-      </p:grpSpPr>
-      <p:sp>
-        <p:nvSpPr>
-          <p:cNvPr id="2" name="TextBox 1"/>
-          <p:cNvSpPr txBox="1"/>
-          <p:nvPr/>
-        </p:nvSpPr>
-        <p:spPr>
-          <a:xfrm>
-            <a:off x="502920" y="243840"/>
-            <a:ext cx="1480213" cy="523220"/>
-          </a:xfrm>
-          <a:prstGeom prst="rect">
-            <a:avLst/>
-          </a:prstGeom>
-          <a:noFill/>
-        </p:spPr>
-        <p:txBody>
-          <a:bodyPr wrap="none" rtlCol="0">
-            <a:spAutoFit/>
-          </a:bodyPr>
-          <a:lstStyle/>
-          <a:p>
-            <a:r>
-              <a:rPr lang="ru-RU" sz="2800" dirty="0">
-                <a:solidFill>
-                  <a:schemeClr val="accent1">
-                    <a:lumMod val="50000"/>
-                  </a:schemeClr>
-                </a:solidFill>
-              </a:rPr>
-              <a:t>Сделано</a:t>
-            </a:r>
-          </a:p>
-        </p:txBody>
-      </p:sp>
-      <p:sp>
-        <p:nvSpPr>
-          <p:cNvPr id="3" name="TextBox 2"/>
-          <p:cNvSpPr txBox="1"/>
-          <p:nvPr/>
-        </p:nvSpPr>
-        <p:spPr>
-          <a:xfrm>
-            <a:off x="502917" y="2413664"/>
-            <a:ext cx="1809341" cy="523220"/>
-          </a:xfrm>
-          <a:prstGeom prst="rect">
-            <a:avLst/>
-          </a:prstGeom>
-          <a:noFill/>
-        </p:spPr>
-        <p:txBody>
-          <a:bodyPr wrap="none" rtlCol="0">
-            <a:spAutoFit/>
-          </a:bodyPr>
-          <a:lstStyle/>
-          <a:p>
-            <a:r>
-              <a:rPr lang="ru-RU" sz="2800" dirty="0">
-                <a:solidFill>
-                  <a:schemeClr val="accent1">
-                    <a:lumMod val="50000"/>
-                  </a:schemeClr>
-                </a:solidFill>
-              </a:rPr>
-              <a:t>Проблемы</a:t>
-            </a:r>
-          </a:p>
-        </p:txBody>
-      </p:sp>
-      <p:sp>
-        <p:nvSpPr>
-          <p:cNvPr id="4" name="TextBox 3"/>
-          <p:cNvSpPr txBox="1"/>
-          <p:nvPr/>
-        </p:nvSpPr>
-        <p:spPr>
-          <a:xfrm>
-            <a:off x="502917" y="3937158"/>
-            <a:ext cx="2202847" cy="523220"/>
-          </a:xfrm>
-          <a:prstGeom prst="rect">
-            <a:avLst/>
-          </a:prstGeom>
-          <a:noFill/>
-        </p:spPr>
-        <p:txBody>
-          <a:bodyPr wrap="none" rtlCol="0">
-            <a:spAutoFit/>
-          </a:bodyPr>
-          <a:lstStyle/>
-          <a:p>
-            <a:r>
-              <a:rPr lang="ru-RU" sz="2800" dirty="0">
-                <a:solidFill>
-                  <a:schemeClr val="accent1">
-                    <a:lumMod val="50000"/>
-                  </a:schemeClr>
-                </a:solidFill>
-              </a:rPr>
-              <a:t>Перспективы</a:t>
-            </a:r>
-          </a:p>
-        </p:txBody>
-      </p:sp>
-      <p:sp>
-        <p:nvSpPr>
-          <p:cNvPr id="5" name="TextBox 4"/>
-          <p:cNvSpPr txBox="1"/>
-          <p:nvPr/>
-        </p:nvSpPr>
-        <p:spPr>
-          <a:xfrm>
-            <a:off x="502917" y="767060"/>
-            <a:ext cx="9584227" cy="1569660"/>
-          </a:xfrm>
-          <a:prstGeom prst="rect">
-            <a:avLst/>
-          </a:prstGeom>
-          <a:noFill/>
-        </p:spPr>
-        <p:txBody>
-          <a:bodyPr wrap="none" rtlCol="0">
-            <a:spAutoFit/>
-          </a:bodyPr>
-          <a:lstStyle/>
-          <a:p>
-            <a:pPr marL="342900" indent="-342900">
-              <a:buFont typeface="Arial" panose="020B0604020202020204" pitchFamily="34" charset="0"/>
-              <a:buChar char="•"/>
-            </a:pPr>
-            <a:r>
-              <a:rPr lang="ru-RU" sz="2400" dirty="0"/>
-              <a:t>Написана библиотека, позволяющая:</a:t>
-            </a:r>
-          </a:p>
-          <a:p>
-            <a:pPr marL="800100" lvl="1" indent="-342900">
-              <a:buAutoNum type="arabicParenR"/>
-            </a:pPr>
-            <a:r>
-              <a:rPr lang="ru-RU" sz="2400" dirty="0"/>
-              <a:t>Проверить граф на необходимые условия регулярности</a:t>
-            </a:r>
-          </a:p>
-          <a:p>
-            <a:pPr marL="800100" lvl="1" indent="-342900">
-              <a:buAutoNum type="arabicParenR"/>
-            </a:pPr>
-            <a:r>
-              <a:rPr lang="ru-RU" sz="2400" dirty="0"/>
-              <a:t>Восстановить геометрическую информацию для исходного графа</a:t>
-            </a:r>
-          </a:p>
-          <a:p>
-            <a:pPr marL="342900" indent="-342900">
-              <a:buFont typeface="Arial" panose="020B0604020202020204" pitchFamily="34" charset="0"/>
-              <a:buChar char="•"/>
-            </a:pPr>
-            <a:r>
-              <a:rPr lang="ru-RU" sz="2400" dirty="0"/>
-              <a:t>Создана тестовая инфраструктура с расширяемой базой</a:t>
-            </a:r>
-          </a:p>
-        </p:txBody>
-      </p:sp>
-      <p:sp>
-        <p:nvSpPr>
-          <p:cNvPr id="6" name="TextBox 5"/>
-          <p:cNvSpPr txBox="1"/>
-          <p:nvPr/>
-        </p:nvSpPr>
-        <p:spPr>
-          <a:xfrm>
-            <a:off x="502917" y="2859940"/>
-            <a:ext cx="10148419" cy="1077218"/>
-          </a:xfrm>
-          <a:prstGeom prst="rect">
-            <a:avLst/>
-          </a:prstGeom>
-          <a:noFill/>
-        </p:spPr>
-        <p:txBody>
-          <a:bodyPr wrap="none" rtlCol="0">
-            <a:spAutoFit/>
-          </a:bodyPr>
-          <a:lstStyle/>
-          <a:p>
-            <a:pPr marL="342900" indent="-342900">
-              <a:buFont typeface="Arial" panose="020B0604020202020204" pitchFamily="34" charset="0"/>
-              <a:buChar char="•"/>
-            </a:pPr>
-            <a:r>
-              <a:rPr lang="ru-RU" sz="2400" dirty="0"/>
-              <a:t>Предложенное решение позволяет решать только некоторый класс задач</a:t>
-            </a:r>
-          </a:p>
-          <a:p>
-            <a:pPr marL="342900" indent="-342900">
-              <a:buFont typeface="Arial" panose="020B0604020202020204" pitchFamily="34" charset="0"/>
-              <a:buChar char="•"/>
-            </a:pPr>
-            <a:r>
-              <a:rPr lang="ru-RU" sz="2400" dirty="0"/>
-              <a:t>Время выполнения сильно зависит от топологии исходного графа</a:t>
-            </a:r>
-          </a:p>
-          <a:p>
-            <a:pPr marL="285750" indent="-285750">
-              <a:buFont typeface="Arial" panose="020B0604020202020204" pitchFamily="34" charset="0"/>
-              <a:buChar char="•"/>
-            </a:pPr>
-            <a:endParaRPr lang="ru-RU" sz="1600" dirty="0"/>
-          </a:p>
-        </p:txBody>
-      </p:sp>
-      <p:sp>
-        <p:nvSpPr>
-          <p:cNvPr id="7" name="TextBox 6"/>
-          <p:cNvSpPr txBox="1"/>
-          <p:nvPr/>
-        </p:nvSpPr>
-        <p:spPr>
-          <a:xfrm>
-            <a:off x="502917" y="4460378"/>
-            <a:ext cx="7433830" cy="1569660"/>
-          </a:xfrm>
-          <a:prstGeom prst="rect">
-            <a:avLst/>
-          </a:prstGeom>
-          <a:noFill/>
-        </p:spPr>
-        <p:txBody>
-          <a:bodyPr wrap="none" rtlCol="0">
-            <a:spAutoFit/>
-          </a:bodyPr>
-          <a:lstStyle/>
-          <a:p>
-            <a:pPr marL="342900" indent="-342900">
-              <a:buFont typeface="Arial" panose="020B0604020202020204" pitchFamily="34" charset="0"/>
-              <a:buChar char="•"/>
-            </a:pPr>
-            <a:r>
-              <a:rPr lang="ru-RU" sz="2400" dirty="0"/>
-              <a:t>Ускорение текущего алгоритма:</a:t>
-            </a:r>
-          </a:p>
-          <a:p>
-            <a:pPr marL="800100" lvl="1" indent="-342900">
-              <a:buAutoNum type="arabicParenR"/>
-            </a:pPr>
-            <a:r>
-              <a:rPr lang="ru-RU" sz="2400" dirty="0"/>
-              <a:t>Распараллеливание нумерации</a:t>
-            </a:r>
-          </a:p>
-          <a:p>
-            <a:pPr marL="800100" lvl="1" indent="-342900">
-              <a:buAutoNum type="arabicParenR"/>
-            </a:pPr>
-            <a:r>
-              <a:rPr lang="ru-RU" sz="2400" dirty="0"/>
-              <a:t>Определение класса задач до начала нумерации</a:t>
-            </a:r>
-          </a:p>
-          <a:p>
-            <a:pPr marL="342900" indent="-342900">
-              <a:buFont typeface="Arial" panose="020B0604020202020204" pitchFamily="34" charset="0"/>
-              <a:buChar char="•"/>
-            </a:pPr>
-            <a:r>
-              <a:rPr lang="ru-RU" sz="2400" dirty="0"/>
-              <a:t>Исследование других подходов к решению задачи</a:t>
-            </a:r>
-          </a:p>
-        </p:txBody>
-      </p:sp>
-      <p:sp>
-        <p:nvSpPr>
-          <p:cNvPr id="8" name="Номер слайда 7"/>
-          <p:cNvSpPr>
-            <a:spLocks noGrp="1"/>
-          </p:cNvSpPr>
-          <p:nvPr>
-            <p:ph type="sldNum" sz="quarter" idx="12"/>
-          </p:nvPr>
-        </p:nvSpPr>
-        <p:spPr/>
-        <p:txBody>
-          <a:bodyPr/>
-          <a:lstStyle/>
-          <a:p>
-            <a:fld id="{71FAE75F-E4A2-4DA6-8D8E-DEA36A488C21}" type="slidenum">
-              <a:rPr lang="ru-RU" smtClean="0"/>
-              <a:t>49</a:t>
-            </a:fld>
-            <a:endParaRPr lang="ru-RU"/>
-          </a:p>
-        </p:txBody>
-      </p:sp>
-    </p:spTree>
-    <p:extLst>
-      <p:ext uri="{BB962C8B-B14F-4D97-AF65-F5344CB8AC3E}">
-        <p14:creationId xmlns:p14="http://schemas.microsoft.com/office/powerpoint/2010/main" val="2830600498"/>
-      </p:ext>
-    </p:extLst>
-  </p:cSld>
-  <p:clrMapOvr>
-    <a:masterClrMapping/>
-  </p:clrMapOvr>
+  <p:timing>
+    <p:tnLst>
+      <p:par>
+        <p:cTn id="1" dur="indefinite" restart="never" nodeType="tmRoot"/>
+      </p:par>
+    </p:tnLst>
+  </p:timing>
 </p:sld>
 </file>
 
@@ -25630,10 +25644,940 @@
   <p:clrMapOvr>
     <a:masterClrMapping/>
   </p:clrMapOvr>
+  <p:timing>
+    <p:tnLst>
+      <p:par>
+        <p:cTn id="1" dur="indefinite" restart="never" nodeType="tmRoot"/>
+      </p:par>
+    </p:tnLst>
+  </p:timing>
 </p:sld>
 </file>
 
 <file path=ppt/slides/slide50.xml><?xml version="1.0" encoding="utf-8"?>
+<p:sld xmlns:a="http://schemas.openxmlformats.org/drawingml/2006/main" xmlns:r="http://schemas.openxmlformats.org/officeDocument/2006/relationships" xmlns:p="http://schemas.openxmlformats.org/presentationml/2006/main">
+  <p:cSld>
+    <p:spTree>
+      <p:nvGrpSpPr>
+        <p:cNvPr id="1" name=""/>
+        <p:cNvGrpSpPr/>
+        <p:nvPr/>
+      </p:nvGrpSpPr>
+      <p:grpSpPr>
+        <a:xfrm>
+          <a:off x="0" y="0"/>
+          <a:ext cx="0" cy="0"/>
+          <a:chOff x="0" y="0"/>
+          <a:chExt cx="0" cy="0"/>
+        </a:xfrm>
+      </p:grpSpPr>
+      <p:sp>
+        <p:nvSpPr>
+          <p:cNvPr id="2" name="Slide Number Placeholder 1">
+            <a:extLst>
+              <a:ext uri="{FF2B5EF4-FFF2-40B4-BE49-F238E27FC236}">
+                <a16:creationId xmlns:a16="http://schemas.microsoft.com/office/drawing/2014/main" xmlns="" id="{40482550-BC91-44EE-BD8E-5D85817068D5}"/>
+              </a:ext>
+            </a:extLst>
+          </p:cNvPr>
+          <p:cNvSpPr>
+            <a:spLocks noGrp="1"/>
+          </p:cNvSpPr>
+          <p:nvPr>
+            <p:ph type="sldNum" sz="quarter" idx="12"/>
+          </p:nvPr>
+        </p:nvSpPr>
+        <p:spPr/>
+        <p:txBody>
+          <a:bodyPr/>
+          <a:lstStyle/>
+          <a:p>
+            <a:fld id="{71FAE75F-E4A2-4DA6-8D8E-DEA36A488C21}" type="slidenum">
+              <a:rPr lang="ru-RU" smtClean="0"/>
+              <a:t>50</a:t>
+            </a:fld>
+            <a:endParaRPr lang="ru-RU"/>
+          </a:p>
+        </p:txBody>
+      </p:sp>
+      <p:sp>
+        <p:nvSpPr>
+          <p:cNvPr id="5" name="Заголовок 1">
+            <a:extLst>
+              <a:ext uri="{FF2B5EF4-FFF2-40B4-BE49-F238E27FC236}">
+                <a16:creationId xmlns:a16="http://schemas.microsoft.com/office/drawing/2014/main" xmlns="" id="{08AFF44A-9A6A-4D99-B676-8EEC01B3E375}"/>
+              </a:ext>
+            </a:extLst>
+          </p:cNvPr>
+          <p:cNvSpPr txBox="1">
+            <a:spLocks/>
+          </p:cNvSpPr>
+          <p:nvPr/>
+        </p:nvSpPr>
+        <p:spPr>
+          <a:xfrm>
+            <a:off x="0" y="157720"/>
+            <a:ext cx="12192000" cy="1046240"/>
+          </a:xfrm>
+          <a:prstGeom prst="rect">
+            <a:avLst/>
+          </a:prstGeom>
+        </p:spPr>
+        <p:txBody>
+          <a:bodyPr vert="horz" lIns="91440" tIns="45720" rIns="91440" bIns="45720" rtlCol="0" anchor="ctr">
+            <a:noAutofit/>
+          </a:bodyPr>
+          <a:lstStyle>
+            <a:lvl1pPr algn="l" defTabSz="914400" rtl="0" eaLnBrk="1" latinLnBrk="0" hangingPunct="1">
+              <a:lnSpc>
+                <a:spcPct val="90000"/>
+              </a:lnSpc>
+              <a:spcBef>
+                <a:spcPct val="0"/>
+              </a:spcBef>
+              <a:buNone/>
+              <a:defRPr sz="4400" kern="1200">
+                <a:solidFill>
+                  <a:schemeClr val="tx1"/>
+                </a:solidFill>
+                <a:latin typeface="+mj-lt"/>
+                <a:ea typeface="+mj-ea"/>
+                <a:cs typeface="+mj-cs"/>
+              </a:defRPr>
+            </a:lvl1pPr>
+          </a:lstStyle>
+          <a:p>
+            <a:pPr algn="ctr"/>
+            <a:r>
+              <a:rPr lang="ru-RU" dirty="0">
+                <a:solidFill>
+                  <a:schemeClr val="accent1">
+                    <a:lumMod val="50000"/>
+                  </a:schemeClr>
+                </a:solidFill>
+              </a:rPr>
+              <a:t>Метрики кода</a:t>
+            </a:r>
+          </a:p>
+        </p:txBody>
+      </p:sp>
+      <p:sp>
+        <p:nvSpPr>
+          <p:cNvPr id="6" name="Rectangle 5">
+            <a:extLst>
+              <a:ext uri="{FF2B5EF4-FFF2-40B4-BE49-F238E27FC236}">
+                <a16:creationId xmlns:a16="http://schemas.microsoft.com/office/drawing/2014/main" xmlns="" id="{D9B4E9DC-6BAE-4897-B3FA-3967E0072DB1}"/>
+              </a:ext>
+            </a:extLst>
+          </p:cNvPr>
+          <p:cNvSpPr/>
+          <p:nvPr/>
+        </p:nvSpPr>
+        <p:spPr>
+          <a:xfrm>
+            <a:off x="963571" y="1534806"/>
+            <a:ext cx="4052456" cy="2976328"/>
+          </a:xfrm>
+          <a:prstGeom prst="rect">
+            <a:avLst/>
+          </a:prstGeom>
+        </p:spPr>
+        <p:txBody>
+          <a:bodyPr wrap="none">
+            <a:spAutoFit/>
+          </a:bodyPr>
+          <a:lstStyle/>
+          <a:p>
+            <a:pPr>
+              <a:lnSpc>
+                <a:spcPct val="107000"/>
+              </a:lnSpc>
+              <a:spcAft>
+                <a:spcPts val="800"/>
+              </a:spcAft>
+            </a:pPr>
+            <a:r>
+              <a:rPr lang="en-US" sz="2400" dirty="0" err="1">
+                <a:solidFill>
+                  <a:schemeClr val="accent1">
+                    <a:lumMod val="50000"/>
+                  </a:schemeClr>
+                </a:solidFill>
+                <a:latin typeface="Calibri" panose="020F0502020204030204" pitchFamily="34" charset="0"/>
+                <a:ea typeface="Calibri" panose="020F0502020204030204" pitchFamily="34" charset="0"/>
+                <a:cs typeface="Times New Roman" panose="02020603050405020304" pitchFamily="18" charset="0"/>
+              </a:rPr>
+              <a:t>MeshRecovery_Lib</a:t>
+            </a:r>
+            <a:r>
+              <a:rPr lang="en-US" sz="2400" dirty="0">
+                <a:solidFill>
+                  <a:schemeClr val="accent1">
+                    <a:lumMod val="50000"/>
+                  </a:schemeClr>
+                </a:solidFill>
+                <a:latin typeface="Calibri" panose="020F0502020204030204" pitchFamily="34" charset="0"/>
+                <a:ea typeface="Calibri" panose="020F0502020204030204" pitchFamily="34" charset="0"/>
+                <a:cs typeface="Times New Roman" panose="02020603050405020304" pitchFamily="18" charset="0"/>
+              </a:rPr>
+              <a:t>:</a:t>
+            </a:r>
+          </a:p>
+          <a:p>
+            <a:pPr marL="285750" indent="-285750">
+              <a:lnSpc>
+                <a:spcPct val="107000"/>
+              </a:lnSpc>
+              <a:spcAft>
+                <a:spcPts val="800"/>
+              </a:spcAft>
+              <a:buFont typeface="Arial" panose="020B0604020202020204" pitchFamily="34" charset="0"/>
+              <a:buChar char="•"/>
+            </a:pPr>
+            <a:r>
+              <a:rPr lang="en-US" sz="2400" dirty="0">
+                <a:latin typeface="Calibri" panose="020F0502020204030204" pitchFamily="34" charset="0"/>
+                <a:ea typeface="Calibri" panose="020F0502020204030204" pitchFamily="34" charset="0"/>
+                <a:cs typeface="Times New Roman" panose="02020603050405020304" pitchFamily="18" charset="0"/>
+              </a:rPr>
+              <a:t>Maintainability Index – 86</a:t>
+            </a:r>
+          </a:p>
+          <a:p>
+            <a:pPr marL="285750" indent="-285750">
+              <a:lnSpc>
+                <a:spcPct val="107000"/>
+              </a:lnSpc>
+              <a:spcAft>
+                <a:spcPts val="800"/>
+              </a:spcAft>
+              <a:buFont typeface="Arial" panose="020B0604020202020204" pitchFamily="34" charset="0"/>
+              <a:buChar char="•"/>
+            </a:pPr>
+            <a:r>
+              <a:rPr lang="en-US" sz="2400" dirty="0" err="1">
+                <a:latin typeface="Calibri" panose="020F0502020204030204" pitchFamily="34" charset="0"/>
+                <a:ea typeface="Calibri" panose="020F0502020204030204" pitchFamily="34" charset="0"/>
+                <a:cs typeface="Times New Roman" panose="02020603050405020304" pitchFamily="18" charset="0"/>
+              </a:rPr>
+              <a:t>Cyclomatic</a:t>
+            </a:r>
+            <a:r>
+              <a:rPr lang="en-US" sz="2400" dirty="0">
+                <a:latin typeface="Calibri" panose="020F0502020204030204" pitchFamily="34" charset="0"/>
+                <a:ea typeface="Calibri" panose="020F0502020204030204" pitchFamily="34" charset="0"/>
+                <a:cs typeface="Times New Roman" panose="02020603050405020304" pitchFamily="18" charset="0"/>
+              </a:rPr>
+              <a:t> Complexity – 295</a:t>
+            </a:r>
+          </a:p>
+          <a:p>
+            <a:pPr marL="285750" indent="-285750">
+              <a:lnSpc>
+                <a:spcPct val="107000"/>
+              </a:lnSpc>
+              <a:spcAft>
+                <a:spcPts val="800"/>
+              </a:spcAft>
+              <a:buFont typeface="Arial" panose="020B0604020202020204" pitchFamily="34" charset="0"/>
+              <a:buChar char="•"/>
+            </a:pPr>
+            <a:r>
+              <a:rPr lang="en-US" sz="2400" dirty="0">
+                <a:latin typeface="Calibri" panose="020F0502020204030204" pitchFamily="34" charset="0"/>
+                <a:ea typeface="Calibri" panose="020F0502020204030204" pitchFamily="34" charset="0"/>
+                <a:cs typeface="Times New Roman" panose="02020603050405020304" pitchFamily="18" charset="0"/>
+              </a:rPr>
+              <a:t>Depth of Inheritance – 2</a:t>
+            </a:r>
+          </a:p>
+          <a:p>
+            <a:pPr marL="285750" indent="-285750">
+              <a:lnSpc>
+                <a:spcPct val="107000"/>
+              </a:lnSpc>
+              <a:spcAft>
+                <a:spcPts val="800"/>
+              </a:spcAft>
+              <a:buFont typeface="Arial" panose="020B0604020202020204" pitchFamily="34" charset="0"/>
+              <a:buChar char="•"/>
+            </a:pPr>
+            <a:r>
+              <a:rPr lang="en-US" sz="2400" dirty="0">
+                <a:latin typeface="Calibri" panose="020F0502020204030204" pitchFamily="34" charset="0"/>
+                <a:ea typeface="Calibri" panose="020F0502020204030204" pitchFamily="34" charset="0"/>
+                <a:cs typeface="Times New Roman" panose="02020603050405020304" pitchFamily="18" charset="0"/>
+              </a:rPr>
+              <a:t>Class Coupling – 52</a:t>
+            </a:r>
+          </a:p>
+          <a:p>
+            <a:pPr marL="285750" indent="-285750">
+              <a:lnSpc>
+                <a:spcPct val="107000"/>
+              </a:lnSpc>
+              <a:spcAft>
+                <a:spcPts val="800"/>
+              </a:spcAft>
+              <a:buFont typeface="Arial" panose="020B0604020202020204" pitchFamily="34" charset="0"/>
+              <a:buChar char="•"/>
+            </a:pPr>
+            <a:r>
+              <a:rPr lang="en-US" sz="2400" dirty="0">
+                <a:latin typeface="Calibri" panose="020F0502020204030204" pitchFamily="34" charset="0"/>
+                <a:ea typeface="Calibri" panose="020F0502020204030204" pitchFamily="34" charset="0"/>
+                <a:cs typeface="Times New Roman" panose="02020603050405020304" pitchFamily="18" charset="0"/>
+              </a:rPr>
+              <a:t>Lines of Code – 626</a:t>
+            </a:r>
+          </a:p>
+        </p:txBody>
+      </p:sp>
+      <p:sp>
+        <p:nvSpPr>
+          <p:cNvPr id="7" name="Rectangle 6">
+            <a:extLst>
+              <a:ext uri="{FF2B5EF4-FFF2-40B4-BE49-F238E27FC236}">
+                <a16:creationId xmlns:a16="http://schemas.microsoft.com/office/drawing/2014/main" xmlns="" id="{EF58EC4D-5A59-4F1B-AEBC-599244732725}"/>
+              </a:ext>
+            </a:extLst>
+          </p:cNvPr>
+          <p:cNvSpPr/>
+          <p:nvPr/>
+        </p:nvSpPr>
+        <p:spPr>
+          <a:xfrm>
+            <a:off x="7456836" y="1533889"/>
+            <a:ext cx="3896964" cy="2976328"/>
+          </a:xfrm>
+          <a:prstGeom prst="rect">
+            <a:avLst/>
+          </a:prstGeom>
+        </p:spPr>
+        <p:txBody>
+          <a:bodyPr wrap="none">
+            <a:spAutoFit/>
+          </a:bodyPr>
+          <a:lstStyle/>
+          <a:p>
+            <a:pPr>
+              <a:lnSpc>
+                <a:spcPct val="107000"/>
+              </a:lnSpc>
+              <a:spcAft>
+                <a:spcPts val="800"/>
+              </a:spcAft>
+            </a:pPr>
+            <a:r>
+              <a:rPr lang="en-US" sz="2400" dirty="0" err="1">
+                <a:solidFill>
+                  <a:schemeClr val="accent1">
+                    <a:lumMod val="50000"/>
+                  </a:schemeClr>
+                </a:solidFill>
+                <a:latin typeface="Calibri" panose="020F0502020204030204" pitchFamily="34" charset="0"/>
+                <a:ea typeface="Calibri" panose="020F0502020204030204" pitchFamily="34" charset="0"/>
+                <a:cs typeface="Times New Roman" panose="02020603050405020304" pitchFamily="18" charset="0"/>
+              </a:rPr>
+              <a:t>MeshRecovery_Console</a:t>
+            </a:r>
+            <a:r>
+              <a:rPr lang="en-US" sz="2400" dirty="0">
+                <a:solidFill>
+                  <a:schemeClr val="accent1">
+                    <a:lumMod val="50000"/>
+                  </a:schemeClr>
+                </a:solidFill>
+                <a:latin typeface="Calibri" panose="020F0502020204030204" pitchFamily="34" charset="0"/>
+                <a:ea typeface="Calibri" panose="020F0502020204030204" pitchFamily="34" charset="0"/>
+                <a:cs typeface="Times New Roman" panose="02020603050405020304" pitchFamily="18" charset="0"/>
+              </a:rPr>
+              <a:t>:</a:t>
+            </a:r>
+          </a:p>
+          <a:p>
+            <a:pPr marL="285750" indent="-285750">
+              <a:lnSpc>
+                <a:spcPct val="107000"/>
+              </a:lnSpc>
+              <a:spcAft>
+                <a:spcPts val="800"/>
+              </a:spcAft>
+              <a:buFont typeface="Arial" panose="020B0604020202020204" pitchFamily="34" charset="0"/>
+              <a:buChar char="•"/>
+            </a:pPr>
+            <a:r>
+              <a:rPr lang="en-US" sz="2400" dirty="0">
+                <a:latin typeface="Calibri" panose="020F0502020204030204" pitchFamily="34" charset="0"/>
+                <a:ea typeface="Calibri" panose="020F0502020204030204" pitchFamily="34" charset="0"/>
+                <a:cs typeface="Times New Roman" panose="02020603050405020304" pitchFamily="18" charset="0"/>
+              </a:rPr>
+              <a:t>Maintainability Index – 74</a:t>
+            </a:r>
+          </a:p>
+          <a:p>
+            <a:pPr marL="285750" indent="-285750">
+              <a:lnSpc>
+                <a:spcPct val="107000"/>
+              </a:lnSpc>
+              <a:spcAft>
+                <a:spcPts val="800"/>
+              </a:spcAft>
+              <a:buFont typeface="Arial" panose="020B0604020202020204" pitchFamily="34" charset="0"/>
+              <a:buChar char="•"/>
+            </a:pPr>
+            <a:r>
+              <a:rPr lang="en-US" sz="2400" dirty="0" err="1">
+                <a:latin typeface="Calibri" panose="020F0502020204030204" pitchFamily="34" charset="0"/>
+                <a:ea typeface="Calibri" panose="020F0502020204030204" pitchFamily="34" charset="0"/>
+                <a:cs typeface="Times New Roman" panose="02020603050405020304" pitchFamily="18" charset="0"/>
+              </a:rPr>
+              <a:t>Cyclomatic</a:t>
+            </a:r>
+            <a:r>
+              <a:rPr lang="en-US" sz="2400" dirty="0">
+                <a:latin typeface="Calibri" panose="020F0502020204030204" pitchFamily="34" charset="0"/>
+                <a:ea typeface="Calibri" panose="020F0502020204030204" pitchFamily="34" charset="0"/>
+                <a:cs typeface="Times New Roman" panose="02020603050405020304" pitchFamily="18" charset="0"/>
+              </a:rPr>
+              <a:t> Complexity – 94</a:t>
+            </a:r>
+          </a:p>
+          <a:p>
+            <a:pPr marL="285750" indent="-285750">
+              <a:lnSpc>
+                <a:spcPct val="107000"/>
+              </a:lnSpc>
+              <a:spcAft>
+                <a:spcPts val="800"/>
+              </a:spcAft>
+              <a:buFont typeface="Arial" panose="020B0604020202020204" pitchFamily="34" charset="0"/>
+              <a:buChar char="•"/>
+            </a:pPr>
+            <a:r>
+              <a:rPr lang="en-US" sz="2400" dirty="0">
+                <a:latin typeface="Calibri" panose="020F0502020204030204" pitchFamily="34" charset="0"/>
+                <a:ea typeface="Calibri" panose="020F0502020204030204" pitchFamily="34" charset="0"/>
+                <a:cs typeface="Times New Roman" panose="02020603050405020304" pitchFamily="18" charset="0"/>
+              </a:rPr>
+              <a:t>Depth of Inheritance – 3</a:t>
+            </a:r>
+          </a:p>
+          <a:p>
+            <a:pPr marL="285750" indent="-285750">
+              <a:lnSpc>
+                <a:spcPct val="107000"/>
+              </a:lnSpc>
+              <a:spcAft>
+                <a:spcPts val="800"/>
+              </a:spcAft>
+              <a:buFont typeface="Arial" panose="020B0604020202020204" pitchFamily="34" charset="0"/>
+              <a:buChar char="•"/>
+            </a:pPr>
+            <a:r>
+              <a:rPr lang="en-US" sz="2400" dirty="0">
+                <a:latin typeface="Calibri" panose="020F0502020204030204" pitchFamily="34" charset="0"/>
+                <a:ea typeface="Calibri" panose="020F0502020204030204" pitchFamily="34" charset="0"/>
+                <a:cs typeface="Times New Roman" panose="02020603050405020304" pitchFamily="18" charset="0"/>
+              </a:rPr>
+              <a:t>Class Coupling – 37</a:t>
+            </a:r>
+          </a:p>
+          <a:p>
+            <a:pPr marL="285750" indent="-285750">
+              <a:lnSpc>
+                <a:spcPct val="107000"/>
+              </a:lnSpc>
+              <a:spcAft>
+                <a:spcPts val="800"/>
+              </a:spcAft>
+              <a:buFont typeface="Arial" panose="020B0604020202020204" pitchFamily="34" charset="0"/>
+              <a:buChar char="•"/>
+            </a:pPr>
+            <a:r>
+              <a:rPr lang="en-US" sz="2400" dirty="0">
+                <a:latin typeface="Calibri" panose="020F0502020204030204" pitchFamily="34" charset="0"/>
+                <a:ea typeface="Calibri" panose="020F0502020204030204" pitchFamily="34" charset="0"/>
+                <a:cs typeface="Times New Roman" panose="02020603050405020304" pitchFamily="18" charset="0"/>
+              </a:rPr>
+              <a:t>Lines of Code – 179</a:t>
+            </a:r>
+          </a:p>
+        </p:txBody>
+      </p:sp>
+    </p:spTree>
+    <p:extLst>
+      <p:ext uri="{BB962C8B-B14F-4D97-AF65-F5344CB8AC3E}">
+        <p14:creationId xmlns:p14="http://schemas.microsoft.com/office/powerpoint/2010/main" val="1664676517"/>
+      </p:ext>
+    </p:extLst>
+  </p:cSld>
+  <p:clrMapOvr>
+    <a:masterClrMapping/>
+  </p:clrMapOvr>
+  <p:timing>
+    <p:tnLst>
+      <p:par>
+        <p:cTn id="1" dur="indefinite" restart="never" nodeType="tmRoot"/>
+      </p:par>
+    </p:tnLst>
+  </p:timing>
+</p:sld>
+</file>
+
+<file path=ppt/slides/slide51.xml><?xml version="1.0" encoding="utf-8"?>
+<p:sld xmlns:a="http://schemas.openxmlformats.org/drawingml/2006/main" xmlns:r="http://schemas.openxmlformats.org/officeDocument/2006/relationships" xmlns:p="http://schemas.openxmlformats.org/presentationml/2006/main">
+  <p:cSld>
+    <p:spTree>
+      <p:nvGrpSpPr>
+        <p:cNvPr id="1" name=""/>
+        <p:cNvGrpSpPr/>
+        <p:nvPr/>
+      </p:nvGrpSpPr>
+      <p:grpSpPr>
+        <a:xfrm>
+          <a:off x="0" y="0"/>
+          <a:ext cx="0" cy="0"/>
+          <a:chOff x="0" y="0"/>
+          <a:chExt cx="0" cy="0"/>
+        </a:xfrm>
+      </p:grpSpPr>
+      <p:sp>
+        <p:nvSpPr>
+          <p:cNvPr id="2" name="Заголовок 1"/>
+          <p:cNvSpPr txBox="1">
+            <a:spLocks/>
+          </p:cNvSpPr>
+          <p:nvPr/>
+        </p:nvSpPr>
+        <p:spPr>
+          <a:xfrm>
+            <a:off x="2805979" y="970683"/>
+            <a:ext cx="6456219" cy="4544292"/>
+          </a:xfrm>
+          <a:prstGeom prst="rect">
+            <a:avLst/>
+          </a:prstGeom>
+        </p:spPr>
+        <p:txBody>
+          <a:bodyPr vert="horz" lIns="91440" tIns="45720" rIns="91440" bIns="45720" rtlCol="0" anchor="ctr">
+            <a:noAutofit/>
+          </a:bodyPr>
+          <a:lstStyle>
+            <a:lvl1pPr algn="l" defTabSz="914400" rtl="0" eaLnBrk="1" latinLnBrk="0" hangingPunct="1">
+              <a:lnSpc>
+                <a:spcPct val="90000"/>
+              </a:lnSpc>
+              <a:spcBef>
+                <a:spcPct val="0"/>
+              </a:spcBef>
+              <a:buNone/>
+              <a:defRPr sz="4400" kern="1200">
+                <a:solidFill>
+                  <a:schemeClr val="tx1"/>
+                </a:solidFill>
+                <a:latin typeface="+mj-lt"/>
+                <a:ea typeface="+mj-ea"/>
+                <a:cs typeface="+mj-cs"/>
+              </a:defRPr>
+            </a:lvl1pPr>
+          </a:lstStyle>
+          <a:p>
+            <a:pPr algn="ctr"/>
+            <a:r>
+              <a:rPr lang="ru-RU" sz="7200" dirty="0">
+                <a:solidFill>
+                  <a:schemeClr val="accent1">
+                    <a:lumMod val="50000"/>
+                  </a:schemeClr>
+                </a:solidFill>
+              </a:rPr>
+              <a:t>Заключение</a:t>
+            </a:r>
+          </a:p>
+        </p:txBody>
+      </p:sp>
+      <p:sp>
+        <p:nvSpPr>
+          <p:cNvPr id="3" name="Номер слайда 2"/>
+          <p:cNvSpPr>
+            <a:spLocks noGrp="1"/>
+          </p:cNvSpPr>
+          <p:nvPr>
+            <p:ph type="sldNum" sz="quarter" idx="12"/>
+          </p:nvPr>
+        </p:nvSpPr>
+        <p:spPr/>
+        <p:txBody>
+          <a:bodyPr/>
+          <a:lstStyle/>
+          <a:p>
+            <a:fld id="{71FAE75F-E4A2-4DA6-8D8E-DEA36A488C21}" type="slidenum">
+              <a:rPr lang="ru-RU" smtClean="0"/>
+              <a:t>51</a:t>
+            </a:fld>
+            <a:endParaRPr lang="ru-RU"/>
+          </a:p>
+        </p:txBody>
+      </p:sp>
+    </p:spTree>
+    <p:extLst>
+      <p:ext uri="{BB962C8B-B14F-4D97-AF65-F5344CB8AC3E}">
+        <p14:creationId xmlns:p14="http://schemas.microsoft.com/office/powerpoint/2010/main" val="3956198000"/>
+      </p:ext>
+    </p:extLst>
+  </p:cSld>
+  <p:clrMapOvr>
+    <a:masterClrMapping/>
+  </p:clrMapOvr>
+  <p:timing>
+    <p:tnLst>
+      <p:par>
+        <p:cTn id="1" dur="indefinite" restart="never" nodeType="tmRoot"/>
+      </p:par>
+    </p:tnLst>
+  </p:timing>
+</p:sld>
+</file>
+
+<file path=ppt/slides/slide52.xml><?xml version="1.0" encoding="utf-8"?>
+<p:sld xmlns:a="http://schemas.openxmlformats.org/drawingml/2006/main" xmlns:r="http://schemas.openxmlformats.org/officeDocument/2006/relationships" xmlns:p="http://schemas.openxmlformats.org/presentationml/2006/main">
+  <p:cSld>
+    <p:spTree>
+      <p:nvGrpSpPr>
+        <p:cNvPr id="1" name=""/>
+        <p:cNvGrpSpPr/>
+        <p:nvPr/>
+      </p:nvGrpSpPr>
+      <p:grpSpPr>
+        <a:xfrm>
+          <a:off x="0" y="0"/>
+          <a:ext cx="0" cy="0"/>
+          <a:chOff x="0" y="0"/>
+          <a:chExt cx="0" cy="0"/>
+        </a:xfrm>
+      </p:grpSpPr>
+      <p:sp>
+        <p:nvSpPr>
+          <p:cNvPr id="2" name="TextBox 1"/>
+          <p:cNvSpPr txBox="1"/>
+          <p:nvPr/>
+        </p:nvSpPr>
+        <p:spPr>
+          <a:xfrm>
+            <a:off x="502920" y="243840"/>
+            <a:ext cx="1480213" cy="523220"/>
+          </a:xfrm>
+          <a:prstGeom prst="rect">
+            <a:avLst/>
+          </a:prstGeom>
+          <a:noFill/>
+        </p:spPr>
+        <p:txBody>
+          <a:bodyPr wrap="none" rtlCol="0">
+            <a:spAutoFit/>
+          </a:bodyPr>
+          <a:lstStyle/>
+          <a:p>
+            <a:r>
+              <a:rPr lang="ru-RU" sz="2800" dirty="0">
+                <a:solidFill>
+                  <a:schemeClr val="accent1">
+                    <a:lumMod val="50000"/>
+                  </a:schemeClr>
+                </a:solidFill>
+              </a:rPr>
+              <a:t>Сделано</a:t>
+            </a:r>
+          </a:p>
+        </p:txBody>
+      </p:sp>
+      <p:sp>
+        <p:nvSpPr>
+          <p:cNvPr id="3" name="TextBox 2"/>
+          <p:cNvSpPr txBox="1"/>
+          <p:nvPr/>
+        </p:nvSpPr>
+        <p:spPr>
+          <a:xfrm>
+            <a:off x="502917" y="2413664"/>
+            <a:ext cx="1809341" cy="523220"/>
+          </a:xfrm>
+          <a:prstGeom prst="rect">
+            <a:avLst/>
+          </a:prstGeom>
+          <a:noFill/>
+        </p:spPr>
+        <p:txBody>
+          <a:bodyPr wrap="none" rtlCol="0">
+            <a:spAutoFit/>
+          </a:bodyPr>
+          <a:lstStyle/>
+          <a:p>
+            <a:r>
+              <a:rPr lang="ru-RU" sz="2800" dirty="0">
+                <a:solidFill>
+                  <a:schemeClr val="accent1">
+                    <a:lumMod val="50000"/>
+                  </a:schemeClr>
+                </a:solidFill>
+              </a:rPr>
+              <a:t>Проблемы</a:t>
+            </a:r>
+          </a:p>
+        </p:txBody>
+      </p:sp>
+      <p:sp>
+        <p:nvSpPr>
+          <p:cNvPr id="4" name="TextBox 3"/>
+          <p:cNvSpPr txBox="1"/>
+          <p:nvPr/>
+        </p:nvSpPr>
+        <p:spPr>
+          <a:xfrm>
+            <a:off x="502917" y="3937158"/>
+            <a:ext cx="2202847" cy="523220"/>
+          </a:xfrm>
+          <a:prstGeom prst="rect">
+            <a:avLst/>
+          </a:prstGeom>
+          <a:noFill/>
+        </p:spPr>
+        <p:txBody>
+          <a:bodyPr wrap="none" rtlCol="0">
+            <a:spAutoFit/>
+          </a:bodyPr>
+          <a:lstStyle/>
+          <a:p>
+            <a:r>
+              <a:rPr lang="ru-RU" sz="2800" dirty="0">
+                <a:solidFill>
+                  <a:schemeClr val="accent1">
+                    <a:lumMod val="50000"/>
+                  </a:schemeClr>
+                </a:solidFill>
+              </a:rPr>
+              <a:t>Перспективы</a:t>
+            </a:r>
+          </a:p>
+        </p:txBody>
+      </p:sp>
+      <p:sp>
+        <p:nvSpPr>
+          <p:cNvPr id="5" name="TextBox 4"/>
+          <p:cNvSpPr txBox="1"/>
+          <p:nvPr/>
+        </p:nvSpPr>
+        <p:spPr>
+          <a:xfrm>
+            <a:off x="502917" y="767060"/>
+            <a:ext cx="9584227" cy="1569660"/>
+          </a:xfrm>
+          <a:prstGeom prst="rect">
+            <a:avLst/>
+          </a:prstGeom>
+          <a:noFill/>
+        </p:spPr>
+        <p:txBody>
+          <a:bodyPr wrap="none" rtlCol="0">
+            <a:spAutoFit/>
+          </a:bodyPr>
+          <a:lstStyle/>
+          <a:p>
+            <a:pPr marL="342900" indent="-342900">
+              <a:buFont typeface="Arial" panose="020B0604020202020204" pitchFamily="34" charset="0"/>
+              <a:buChar char="•"/>
+            </a:pPr>
+            <a:r>
+              <a:rPr lang="ru-RU" sz="2400" dirty="0"/>
+              <a:t>Написана библиотека, позволяющая:</a:t>
+            </a:r>
+          </a:p>
+          <a:p>
+            <a:pPr marL="800100" lvl="1" indent="-342900">
+              <a:buAutoNum type="arabicParenR"/>
+            </a:pPr>
+            <a:r>
+              <a:rPr lang="ru-RU" sz="2400" dirty="0"/>
+              <a:t>Проверить граф на необходимые условия регулярности</a:t>
+            </a:r>
+          </a:p>
+          <a:p>
+            <a:pPr marL="800100" lvl="1" indent="-342900">
+              <a:buAutoNum type="arabicParenR"/>
+            </a:pPr>
+            <a:r>
+              <a:rPr lang="ru-RU" sz="2400" dirty="0"/>
+              <a:t>Восстановить геометрическую информацию для исходного графа</a:t>
+            </a:r>
+          </a:p>
+          <a:p>
+            <a:pPr marL="342900" indent="-342900">
+              <a:buFont typeface="Arial" panose="020B0604020202020204" pitchFamily="34" charset="0"/>
+              <a:buChar char="•"/>
+            </a:pPr>
+            <a:r>
+              <a:rPr lang="ru-RU" sz="2400" dirty="0"/>
+              <a:t>Создана тестовая инфраструктура с расширяемой базой</a:t>
+            </a:r>
+          </a:p>
+        </p:txBody>
+      </p:sp>
+      <p:sp>
+        <p:nvSpPr>
+          <p:cNvPr id="6" name="TextBox 5"/>
+          <p:cNvSpPr txBox="1"/>
+          <p:nvPr/>
+        </p:nvSpPr>
+        <p:spPr>
+          <a:xfrm>
+            <a:off x="502917" y="2859940"/>
+            <a:ext cx="10148419" cy="1077218"/>
+          </a:xfrm>
+          <a:prstGeom prst="rect">
+            <a:avLst/>
+          </a:prstGeom>
+          <a:noFill/>
+        </p:spPr>
+        <p:txBody>
+          <a:bodyPr wrap="none" rtlCol="0">
+            <a:spAutoFit/>
+          </a:bodyPr>
+          <a:lstStyle/>
+          <a:p>
+            <a:pPr marL="342900" indent="-342900">
+              <a:buFont typeface="Arial" panose="020B0604020202020204" pitchFamily="34" charset="0"/>
+              <a:buChar char="•"/>
+            </a:pPr>
+            <a:r>
+              <a:rPr lang="ru-RU" sz="2400" dirty="0"/>
+              <a:t>Предложенное решение позволяет решать только некоторый класс задач</a:t>
+            </a:r>
+          </a:p>
+          <a:p>
+            <a:pPr marL="342900" indent="-342900">
+              <a:buFont typeface="Arial" panose="020B0604020202020204" pitchFamily="34" charset="0"/>
+              <a:buChar char="•"/>
+            </a:pPr>
+            <a:r>
+              <a:rPr lang="ru-RU" sz="2400" dirty="0"/>
+              <a:t>Время выполнения сильно зависит от топологии исходного графа</a:t>
+            </a:r>
+          </a:p>
+          <a:p>
+            <a:pPr marL="285750" indent="-285750">
+              <a:buFont typeface="Arial" panose="020B0604020202020204" pitchFamily="34" charset="0"/>
+              <a:buChar char="•"/>
+            </a:pPr>
+            <a:endParaRPr lang="ru-RU" sz="1600" dirty="0"/>
+          </a:p>
+        </p:txBody>
+      </p:sp>
+      <p:sp>
+        <p:nvSpPr>
+          <p:cNvPr id="7" name="TextBox 6"/>
+          <p:cNvSpPr txBox="1"/>
+          <p:nvPr/>
+        </p:nvSpPr>
+        <p:spPr>
+          <a:xfrm>
+            <a:off x="502917" y="4460378"/>
+            <a:ext cx="7433830" cy="1569660"/>
+          </a:xfrm>
+          <a:prstGeom prst="rect">
+            <a:avLst/>
+          </a:prstGeom>
+          <a:noFill/>
+        </p:spPr>
+        <p:txBody>
+          <a:bodyPr wrap="none" rtlCol="0">
+            <a:spAutoFit/>
+          </a:bodyPr>
+          <a:lstStyle/>
+          <a:p>
+            <a:pPr marL="342900" indent="-342900">
+              <a:buFont typeface="Arial" panose="020B0604020202020204" pitchFamily="34" charset="0"/>
+              <a:buChar char="•"/>
+            </a:pPr>
+            <a:r>
+              <a:rPr lang="ru-RU" sz="2400" dirty="0"/>
+              <a:t>Ускорение текущего алгоритма:</a:t>
+            </a:r>
+          </a:p>
+          <a:p>
+            <a:pPr marL="800100" lvl="1" indent="-342900">
+              <a:buAutoNum type="arabicParenR"/>
+            </a:pPr>
+            <a:r>
+              <a:rPr lang="ru-RU" sz="2400" dirty="0"/>
+              <a:t>Распараллеливание нумерации</a:t>
+            </a:r>
+          </a:p>
+          <a:p>
+            <a:pPr marL="800100" lvl="1" indent="-342900">
+              <a:buAutoNum type="arabicParenR"/>
+            </a:pPr>
+            <a:r>
+              <a:rPr lang="ru-RU" sz="2400" dirty="0"/>
+              <a:t>Определение класса задач до начала нумерации</a:t>
+            </a:r>
+          </a:p>
+          <a:p>
+            <a:pPr marL="342900" indent="-342900">
+              <a:buFont typeface="Arial" panose="020B0604020202020204" pitchFamily="34" charset="0"/>
+              <a:buChar char="•"/>
+            </a:pPr>
+            <a:r>
+              <a:rPr lang="ru-RU" sz="2400" dirty="0"/>
+              <a:t>Исследование других подходов к решению задачи</a:t>
+            </a:r>
+          </a:p>
+        </p:txBody>
+      </p:sp>
+      <p:sp>
+        <p:nvSpPr>
+          <p:cNvPr id="8" name="Номер слайда 7"/>
+          <p:cNvSpPr>
+            <a:spLocks noGrp="1"/>
+          </p:cNvSpPr>
+          <p:nvPr>
+            <p:ph type="sldNum" sz="quarter" idx="12"/>
+          </p:nvPr>
+        </p:nvSpPr>
+        <p:spPr/>
+        <p:txBody>
+          <a:bodyPr/>
+          <a:lstStyle/>
+          <a:p>
+            <a:fld id="{71FAE75F-E4A2-4DA6-8D8E-DEA36A488C21}" type="slidenum">
+              <a:rPr lang="ru-RU" smtClean="0"/>
+              <a:t>52</a:t>
+            </a:fld>
+            <a:endParaRPr lang="ru-RU"/>
+          </a:p>
+        </p:txBody>
+      </p:sp>
+    </p:spTree>
+    <p:extLst>
+      <p:ext uri="{BB962C8B-B14F-4D97-AF65-F5344CB8AC3E}">
+        <p14:creationId xmlns:p14="http://schemas.microsoft.com/office/powerpoint/2010/main" val="2830600498"/>
+      </p:ext>
+    </p:extLst>
+  </p:cSld>
+  <p:clrMapOvr>
+    <a:masterClrMapping/>
+  </p:clrMapOvr>
+  <p:timing>
+    <p:tnLst>
+      <p:par>
+        <p:cTn id="1" dur="indefinite" restart="never" nodeType="tmRoot"/>
+      </p:par>
+    </p:tnLst>
+  </p:timing>
+</p:sld>
+</file>
+
+<file path=ppt/slides/slide53.xml><?xml version="1.0" encoding="utf-8"?>
 <p:sld xmlns:a="http://schemas.openxmlformats.org/drawingml/2006/main" xmlns:r="http://schemas.openxmlformats.org/officeDocument/2006/relationships" xmlns:p="http://schemas.openxmlformats.org/presentationml/2006/main">
   <p:cSld>
     <p:spTree>
@@ -25777,7 +26721,7 @@
           <a:p>
             <a:fld id="{71FAE75F-E4A2-4DA6-8D8E-DEA36A488C21}" type="slidenum">
               <a:rPr lang="ru-RU" smtClean="0"/>
-              <a:t>50</a:t>
+              <a:t>53</a:t>
             </a:fld>
             <a:endParaRPr lang="ru-RU"/>
           </a:p>
@@ -25793,6 +26737,13 @@
   <p:clrMapOvr>
     <a:masterClrMapping/>
   </p:clrMapOvr>
+  <p:timing>
+    <p:tnLst>
+      <p:par>
+        <p:cTn id="1" dur="indefinite" restart="never" nodeType="tmRoot"/>
+      </p:par>
+    </p:tnLst>
+  </p:timing>
 </p:sld>
 </file>
 
@@ -25917,6 +26868,13 @@
   <p:clrMapOvr>
     <a:masterClrMapping/>
   </p:clrMapOvr>
+  <p:timing>
+    <p:tnLst>
+      <p:par>
+        <p:cTn id="1" dur="indefinite" restart="never" nodeType="tmRoot"/>
+      </p:par>
+    </p:tnLst>
+  </p:timing>
 </p:sld>
 </file>
 
@@ -26035,6 +26993,13 @@
   <p:clrMapOvr>
     <a:masterClrMapping/>
   </p:clrMapOvr>
+  <p:timing>
+    <p:tnLst>
+      <p:par>
+        <p:cTn id="1" dur="indefinite" restart="never" nodeType="tmRoot"/>
+      </p:par>
+    </p:tnLst>
+  </p:timing>
 </p:sld>
 </file>
 
@@ -26159,6 +27124,13 @@
   <p:clrMapOvr>
     <a:masterClrMapping/>
   </p:clrMapOvr>
+  <p:timing>
+    <p:tnLst>
+      <p:par>
+        <p:cTn id="1" dur="indefinite" restart="never" nodeType="tmRoot"/>
+      </p:par>
+    </p:tnLst>
+  </p:timing>
 </p:sld>
 </file>
 
@@ -26267,6 +27239,13 @@
   <p:clrMapOvr>
     <a:masterClrMapping/>
   </p:clrMapOvr>
+  <p:timing>
+    <p:tnLst>
+      <p:par>
+        <p:cTn id="1" dur="indefinite" restart="never" nodeType="tmRoot"/>
+      </p:par>
+    </p:tnLst>
+  </p:timing>
 </p:sld>
 </file>
 
